--- a/Kubernetes CRD Helm.pptx
+++ b/Kubernetes CRD Helm.pptx
@@ -5,10 +5,10 @@
     <p:sldMasterId id="2147483749" r:id="rId4"/>
   </p:sldMasterIdLst>
   <p:notesMasterIdLst>
-    <p:notesMasterId r:id="rId23"/>
+    <p:notesMasterId r:id="rId31"/>
   </p:notesMasterIdLst>
   <p:handoutMasterIdLst>
-    <p:handoutMasterId r:id="rId24"/>
+    <p:handoutMasterId r:id="rId32"/>
   </p:handoutMasterIdLst>
   <p:sldIdLst>
     <p:sldId id="256" r:id="rId5"/>
@@ -25,10 +25,18 @@
     <p:sldId id="360" r:id="rId16"/>
     <p:sldId id="361" r:id="rId17"/>
     <p:sldId id="359" r:id="rId18"/>
-    <p:sldId id="358" r:id="rId19"/>
-    <p:sldId id="350" r:id="rId20"/>
-    <p:sldId id="348" r:id="rId21"/>
-    <p:sldId id="344" r:id="rId22"/>
+    <p:sldId id="350" r:id="rId19"/>
+    <p:sldId id="362" r:id="rId20"/>
+    <p:sldId id="363" r:id="rId21"/>
+    <p:sldId id="364" r:id="rId22"/>
+    <p:sldId id="365" r:id="rId23"/>
+    <p:sldId id="366" r:id="rId24"/>
+    <p:sldId id="367" r:id="rId25"/>
+    <p:sldId id="368" r:id="rId26"/>
+    <p:sldId id="358" r:id="rId27"/>
+    <p:sldId id="348" r:id="rId28"/>
+    <p:sldId id="369" r:id="rId29"/>
+    <p:sldId id="344" r:id="rId30"/>
   </p:sldIdLst>
   <p:sldSz cx="9144000" cy="5143500" type="screen16x9"/>
   <p:notesSz cx="6858000" cy="9144000"/>
@@ -1119,7 +1127,7 @@
     </p:spTree>
     <p:extLst>
       <p:ext uri="{BB962C8B-B14F-4D97-AF65-F5344CB8AC3E}">
-        <p14:creationId xmlns:p14="http://schemas.microsoft.com/office/powerpoint/2010/main" val="3250930268"/>
+        <p14:creationId xmlns:p14="http://schemas.microsoft.com/office/powerpoint/2010/main" val="3502057146"/>
       </p:ext>
     </p:extLst>
   </p:cSld>
@@ -1180,7 +1188,7 @@
     </p:spTree>
     <p:extLst>
       <p:ext uri="{BB962C8B-B14F-4D97-AF65-F5344CB8AC3E}">
-        <p14:creationId xmlns:p14="http://schemas.microsoft.com/office/powerpoint/2010/main" val="3502057146"/>
+        <p14:creationId xmlns:p14="http://schemas.microsoft.com/office/powerpoint/2010/main" val="543389967"/>
       </p:ext>
     </p:extLst>
   </p:cSld>
@@ -1241,7 +1249,7 @@
     </p:spTree>
     <p:extLst>
       <p:ext uri="{BB962C8B-B14F-4D97-AF65-F5344CB8AC3E}">
-        <p14:creationId xmlns:p14="http://schemas.microsoft.com/office/powerpoint/2010/main" val="56817107"/>
+        <p14:creationId xmlns:p14="http://schemas.microsoft.com/office/powerpoint/2010/main" val="3286686428"/>
       </p:ext>
     </p:extLst>
   </p:cSld>
@@ -1295,14 +1303,75 @@
           <a:bodyPr/>
           <a:lstStyle/>
           <a:p>
-            <a:endParaRPr lang="de-DE"/>
+            <a:endParaRPr lang="de-DE" dirty="0"/>
           </a:p>
         </p:txBody>
       </p:sp>
     </p:spTree>
     <p:extLst>
       <p:ext uri="{BB962C8B-B14F-4D97-AF65-F5344CB8AC3E}">
-        <p14:creationId xmlns:p14="http://schemas.microsoft.com/office/powerpoint/2010/main" val="1300237050"/>
+        <p14:creationId xmlns:p14="http://schemas.microsoft.com/office/powerpoint/2010/main" val="3661322570"/>
+      </p:ext>
+    </p:extLst>
+  </p:cSld>
+  <p:clrMapOvr>
+    <a:masterClrMapping/>
+  </p:clrMapOvr>
+</p:notes>
+</file>
+
+<file path=ppt/notesSlides/notesSlide19.xml><?xml version="1.0" encoding="utf-8"?>
+<p:notes xmlns:a="http://schemas.openxmlformats.org/drawingml/2006/main" xmlns:r="http://schemas.openxmlformats.org/officeDocument/2006/relationships" xmlns:p="http://schemas.openxmlformats.org/presentationml/2006/main">
+  <p:cSld>
+    <p:spTree>
+      <p:nvGrpSpPr>
+        <p:cNvPr id="1" name=""/>
+        <p:cNvGrpSpPr/>
+        <p:nvPr/>
+      </p:nvGrpSpPr>
+      <p:grpSpPr>
+        <a:xfrm>
+          <a:off x="0" y="0"/>
+          <a:ext cx="0" cy="0"/>
+          <a:chOff x="0" y="0"/>
+          <a:chExt cx="0" cy="0"/>
+        </a:xfrm>
+      </p:grpSpPr>
+      <p:sp>
+        <p:nvSpPr>
+          <p:cNvPr id="2" name="Slide Image Placeholder 1"/>
+          <p:cNvSpPr>
+            <a:spLocks noGrp="1" noRot="1" noChangeAspect="1"/>
+          </p:cNvSpPr>
+          <p:nvPr>
+            <p:ph type="sldImg"/>
+          </p:nvPr>
+        </p:nvSpPr>
+        <p:spPr/>
+      </p:sp>
+      <p:sp>
+        <p:nvSpPr>
+          <p:cNvPr id="3" name="Notes Placeholder 2"/>
+          <p:cNvSpPr>
+            <a:spLocks noGrp="1"/>
+          </p:cNvSpPr>
+          <p:nvPr>
+            <p:ph type="body" idx="1"/>
+          </p:nvPr>
+        </p:nvSpPr>
+        <p:spPr/>
+        <p:txBody>
+          <a:bodyPr/>
+          <a:lstStyle/>
+          <a:p>
+            <a:endParaRPr lang="de-DE" dirty="0"/>
+          </a:p>
+        </p:txBody>
+      </p:sp>
+    </p:spTree>
+    <p:extLst>
+      <p:ext uri="{BB962C8B-B14F-4D97-AF65-F5344CB8AC3E}">
+        <p14:creationId xmlns:p14="http://schemas.microsoft.com/office/powerpoint/2010/main" val="1557687623"/>
       </p:ext>
     </p:extLst>
   </p:cSld>
@@ -1364,6 +1433,433 @@
     <p:extLst>
       <p:ext uri="{BB962C8B-B14F-4D97-AF65-F5344CB8AC3E}">
         <p14:creationId xmlns:p14="http://schemas.microsoft.com/office/powerpoint/2010/main" val="419914574"/>
+      </p:ext>
+    </p:extLst>
+  </p:cSld>
+  <p:clrMapOvr>
+    <a:masterClrMapping/>
+  </p:clrMapOvr>
+</p:notes>
+</file>
+
+<file path=ppt/notesSlides/notesSlide20.xml><?xml version="1.0" encoding="utf-8"?>
+<p:notes xmlns:a="http://schemas.openxmlformats.org/drawingml/2006/main" xmlns:r="http://schemas.openxmlformats.org/officeDocument/2006/relationships" xmlns:p="http://schemas.openxmlformats.org/presentationml/2006/main">
+  <p:cSld>
+    <p:spTree>
+      <p:nvGrpSpPr>
+        <p:cNvPr id="1" name=""/>
+        <p:cNvGrpSpPr/>
+        <p:nvPr/>
+      </p:nvGrpSpPr>
+      <p:grpSpPr>
+        <a:xfrm>
+          <a:off x="0" y="0"/>
+          <a:ext cx="0" cy="0"/>
+          <a:chOff x="0" y="0"/>
+          <a:chExt cx="0" cy="0"/>
+        </a:xfrm>
+      </p:grpSpPr>
+      <p:sp>
+        <p:nvSpPr>
+          <p:cNvPr id="2" name="Slide Image Placeholder 1"/>
+          <p:cNvSpPr>
+            <a:spLocks noGrp="1" noRot="1" noChangeAspect="1"/>
+          </p:cNvSpPr>
+          <p:nvPr>
+            <p:ph type="sldImg"/>
+          </p:nvPr>
+        </p:nvSpPr>
+        <p:spPr/>
+      </p:sp>
+      <p:sp>
+        <p:nvSpPr>
+          <p:cNvPr id="3" name="Notes Placeholder 2"/>
+          <p:cNvSpPr>
+            <a:spLocks noGrp="1"/>
+          </p:cNvSpPr>
+          <p:nvPr>
+            <p:ph type="body" idx="1"/>
+          </p:nvPr>
+        </p:nvSpPr>
+        <p:spPr/>
+        <p:txBody>
+          <a:bodyPr/>
+          <a:lstStyle/>
+          <a:p>
+            <a:endParaRPr lang="de-DE" dirty="0"/>
+          </a:p>
+        </p:txBody>
+      </p:sp>
+    </p:spTree>
+    <p:extLst>
+      <p:ext uri="{BB962C8B-B14F-4D97-AF65-F5344CB8AC3E}">
+        <p14:creationId xmlns:p14="http://schemas.microsoft.com/office/powerpoint/2010/main" val="374063850"/>
+      </p:ext>
+    </p:extLst>
+  </p:cSld>
+  <p:clrMapOvr>
+    <a:masterClrMapping/>
+  </p:clrMapOvr>
+</p:notes>
+</file>
+
+<file path=ppt/notesSlides/notesSlide21.xml><?xml version="1.0" encoding="utf-8"?>
+<p:notes xmlns:a="http://schemas.openxmlformats.org/drawingml/2006/main" xmlns:r="http://schemas.openxmlformats.org/officeDocument/2006/relationships" xmlns:p="http://schemas.openxmlformats.org/presentationml/2006/main">
+  <p:cSld>
+    <p:spTree>
+      <p:nvGrpSpPr>
+        <p:cNvPr id="1" name=""/>
+        <p:cNvGrpSpPr/>
+        <p:nvPr/>
+      </p:nvGrpSpPr>
+      <p:grpSpPr>
+        <a:xfrm>
+          <a:off x="0" y="0"/>
+          <a:ext cx="0" cy="0"/>
+          <a:chOff x="0" y="0"/>
+          <a:chExt cx="0" cy="0"/>
+        </a:xfrm>
+      </p:grpSpPr>
+      <p:sp>
+        <p:nvSpPr>
+          <p:cNvPr id="2" name="Slide Image Placeholder 1"/>
+          <p:cNvSpPr>
+            <a:spLocks noGrp="1" noRot="1" noChangeAspect="1"/>
+          </p:cNvSpPr>
+          <p:nvPr>
+            <p:ph type="sldImg"/>
+          </p:nvPr>
+        </p:nvSpPr>
+        <p:spPr/>
+      </p:sp>
+      <p:sp>
+        <p:nvSpPr>
+          <p:cNvPr id="3" name="Notes Placeholder 2"/>
+          <p:cNvSpPr>
+            <a:spLocks noGrp="1"/>
+          </p:cNvSpPr>
+          <p:nvPr>
+            <p:ph type="body" idx="1"/>
+          </p:nvPr>
+        </p:nvSpPr>
+        <p:spPr/>
+        <p:txBody>
+          <a:bodyPr/>
+          <a:lstStyle/>
+          <a:p>
+            <a:endParaRPr lang="de-DE" dirty="0"/>
+          </a:p>
+        </p:txBody>
+      </p:sp>
+    </p:spTree>
+    <p:extLst>
+      <p:ext uri="{BB962C8B-B14F-4D97-AF65-F5344CB8AC3E}">
+        <p14:creationId xmlns:p14="http://schemas.microsoft.com/office/powerpoint/2010/main" val="353297911"/>
+      </p:ext>
+    </p:extLst>
+  </p:cSld>
+  <p:clrMapOvr>
+    <a:masterClrMapping/>
+  </p:clrMapOvr>
+</p:notes>
+</file>
+
+<file path=ppt/notesSlides/notesSlide22.xml><?xml version="1.0" encoding="utf-8"?>
+<p:notes xmlns:a="http://schemas.openxmlformats.org/drawingml/2006/main" xmlns:r="http://schemas.openxmlformats.org/officeDocument/2006/relationships" xmlns:p="http://schemas.openxmlformats.org/presentationml/2006/main">
+  <p:cSld>
+    <p:spTree>
+      <p:nvGrpSpPr>
+        <p:cNvPr id="1" name=""/>
+        <p:cNvGrpSpPr/>
+        <p:nvPr/>
+      </p:nvGrpSpPr>
+      <p:grpSpPr>
+        <a:xfrm>
+          <a:off x="0" y="0"/>
+          <a:ext cx="0" cy="0"/>
+          <a:chOff x="0" y="0"/>
+          <a:chExt cx="0" cy="0"/>
+        </a:xfrm>
+      </p:grpSpPr>
+      <p:sp>
+        <p:nvSpPr>
+          <p:cNvPr id="2" name="Slide Image Placeholder 1"/>
+          <p:cNvSpPr>
+            <a:spLocks noGrp="1" noRot="1" noChangeAspect="1"/>
+          </p:cNvSpPr>
+          <p:nvPr>
+            <p:ph type="sldImg"/>
+          </p:nvPr>
+        </p:nvSpPr>
+        <p:spPr/>
+      </p:sp>
+      <p:sp>
+        <p:nvSpPr>
+          <p:cNvPr id="3" name="Notes Placeholder 2"/>
+          <p:cNvSpPr>
+            <a:spLocks noGrp="1"/>
+          </p:cNvSpPr>
+          <p:nvPr>
+            <p:ph type="body" idx="1"/>
+          </p:nvPr>
+        </p:nvSpPr>
+        <p:spPr/>
+        <p:txBody>
+          <a:bodyPr/>
+          <a:lstStyle/>
+          <a:p>
+            <a:endParaRPr lang="de-DE" dirty="0"/>
+          </a:p>
+        </p:txBody>
+      </p:sp>
+    </p:spTree>
+    <p:extLst>
+      <p:ext uri="{BB962C8B-B14F-4D97-AF65-F5344CB8AC3E}">
+        <p14:creationId xmlns:p14="http://schemas.microsoft.com/office/powerpoint/2010/main" val="3961027725"/>
+      </p:ext>
+    </p:extLst>
+  </p:cSld>
+  <p:clrMapOvr>
+    <a:masterClrMapping/>
+  </p:clrMapOvr>
+</p:notes>
+</file>
+
+<file path=ppt/notesSlides/notesSlide23.xml><?xml version="1.0" encoding="utf-8"?>
+<p:notes xmlns:a="http://schemas.openxmlformats.org/drawingml/2006/main" xmlns:r="http://schemas.openxmlformats.org/officeDocument/2006/relationships" xmlns:p="http://schemas.openxmlformats.org/presentationml/2006/main">
+  <p:cSld>
+    <p:spTree>
+      <p:nvGrpSpPr>
+        <p:cNvPr id="1" name=""/>
+        <p:cNvGrpSpPr/>
+        <p:nvPr/>
+      </p:nvGrpSpPr>
+      <p:grpSpPr>
+        <a:xfrm>
+          <a:off x="0" y="0"/>
+          <a:ext cx="0" cy="0"/>
+          <a:chOff x="0" y="0"/>
+          <a:chExt cx="0" cy="0"/>
+        </a:xfrm>
+      </p:grpSpPr>
+      <p:sp>
+        <p:nvSpPr>
+          <p:cNvPr id="2" name="Slide Image Placeholder 1"/>
+          <p:cNvSpPr>
+            <a:spLocks noGrp="1" noRot="1" noChangeAspect="1"/>
+          </p:cNvSpPr>
+          <p:nvPr>
+            <p:ph type="sldImg"/>
+          </p:nvPr>
+        </p:nvSpPr>
+        <p:spPr/>
+      </p:sp>
+      <p:sp>
+        <p:nvSpPr>
+          <p:cNvPr id="3" name="Notes Placeholder 2"/>
+          <p:cNvSpPr>
+            <a:spLocks noGrp="1"/>
+          </p:cNvSpPr>
+          <p:nvPr>
+            <p:ph type="body" idx="1"/>
+          </p:nvPr>
+        </p:nvSpPr>
+        <p:spPr/>
+        <p:txBody>
+          <a:bodyPr/>
+          <a:lstStyle/>
+          <a:p>
+            <a:endParaRPr lang="de-DE" dirty="0"/>
+          </a:p>
+        </p:txBody>
+      </p:sp>
+    </p:spTree>
+    <p:extLst>
+      <p:ext uri="{BB962C8B-B14F-4D97-AF65-F5344CB8AC3E}">
+        <p14:creationId xmlns:p14="http://schemas.microsoft.com/office/powerpoint/2010/main" val="3250930268"/>
+      </p:ext>
+    </p:extLst>
+  </p:cSld>
+  <p:clrMapOvr>
+    <a:masterClrMapping/>
+  </p:clrMapOvr>
+</p:notes>
+</file>
+
+<file path=ppt/notesSlides/notesSlide24.xml><?xml version="1.0" encoding="utf-8"?>
+<p:notes xmlns:a="http://schemas.openxmlformats.org/drawingml/2006/main" xmlns:r="http://schemas.openxmlformats.org/officeDocument/2006/relationships" xmlns:p="http://schemas.openxmlformats.org/presentationml/2006/main">
+  <p:cSld>
+    <p:spTree>
+      <p:nvGrpSpPr>
+        <p:cNvPr id="1" name=""/>
+        <p:cNvGrpSpPr/>
+        <p:nvPr/>
+      </p:nvGrpSpPr>
+      <p:grpSpPr>
+        <a:xfrm>
+          <a:off x="0" y="0"/>
+          <a:ext cx="0" cy="0"/>
+          <a:chOff x="0" y="0"/>
+          <a:chExt cx="0" cy="0"/>
+        </a:xfrm>
+      </p:grpSpPr>
+      <p:sp>
+        <p:nvSpPr>
+          <p:cNvPr id="2" name="Slide Image Placeholder 1"/>
+          <p:cNvSpPr>
+            <a:spLocks noGrp="1" noRot="1" noChangeAspect="1"/>
+          </p:cNvSpPr>
+          <p:nvPr>
+            <p:ph type="sldImg"/>
+          </p:nvPr>
+        </p:nvSpPr>
+        <p:spPr/>
+      </p:sp>
+      <p:sp>
+        <p:nvSpPr>
+          <p:cNvPr id="3" name="Notes Placeholder 2"/>
+          <p:cNvSpPr>
+            <a:spLocks noGrp="1"/>
+          </p:cNvSpPr>
+          <p:nvPr>
+            <p:ph type="body" idx="1"/>
+          </p:nvPr>
+        </p:nvSpPr>
+        <p:spPr/>
+        <p:txBody>
+          <a:bodyPr/>
+          <a:lstStyle/>
+          <a:p>
+            <a:endParaRPr lang="de-DE" dirty="0"/>
+          </a:p>
+        </p:txBody>
+      </p:sp>
+    </p:spTree>
+    <p:extLst>
+      <p:ext uri="{BB962C8B-B14F-4D97-AF65-F5344CB8AC3E}">
+        <p14:creationId xmlns:p14="http://schemas.microsoft.com/office/powerpoint/2010/main" val="56817107"/>
+      </p:ext>
+    </p:extLst>
+  </p:cSld>
+  <p:clrMapOvr>
+    <a:masterClrMapping/>
+  </p:clrMapOvr>
+</p:notes>
+</file>
+
+<file path=ppt/notesSlides/notesSlide25.xml><?xml version="1.0" encoding="utf-8"?>
+<p:notes xmlns:a="http://schemas.openxmlformats.org/drawingml/2006/main" xmlns:r="http://schemas.openxmlformats.org/officeDocument/2006/relationships" xmlns:p="http://schemas.openxmlformats.org/presentationml/2006/main">
+  <p:cSld>
+    <p:spTree>
+      <p:nvGrpSpPr>
+        <p:cNvPr id="1" name=""/>
+        <p:cNvGrpSpPr/>
+        <p:nvPr/>
+      </p:nvGrpSpPr>
+      <p:grpSpPr>
+        <a:xfrm>
+          <a:off x="0" y="0"/>
+          <a:ext cx="0" cy="0"/>
+          <a:chOff x="0" y="0"/>
+          <a:chExt cx="0" cy="0"/>
+        </a:xfrm>
+      </p:grpSpPr>
+      <p:sp>
+        <p:nvSpPr>
+          <p:cNvPr id="2" name="Slide Image Placeholder 1"/>
+          <p:cNvSpPr>
+            <a:spLocks noGrp="1" noRot="1" noChangeAspect="1"/>
+          </p:cNvSpPr>
+          <p:nvPr>
+            <p:ph type="sldImg"/>
+          </p:nvPr>
+        </p:nvSpPr>
+        <p:spPr/>
+      </p:sp>
+      <p:sp>
+        <p:nvSpPr>
+          <p:cNvPr id="3" name="Notes Placeholder 2"/>
+          <p:cNvSpPr>
+            <a:spLocks noGrp="1"/>
+          </p:cNvSpPr>
+          <p:nvPr>
+            <p:ph type="body" idx="1"/>
+          </p:nvPr>
+        </p:nvSpPr>
+        <p:spPr/>
+        <p:txBody>
+          <a:bodyPr/>
+          <a:lstStyle/>
+          <a:p>
+            <a:endParaRPr lang="de-DE" dirty="0"/>
+          </a:p>
+        </p:txBody>
+      </p:sp>
+    </p:spTree>
+    <p:extLst>
+      <p:ext uri="{BB962C8B-B14F-4D97-AF65-F5344CB8AC3E}">
+        <p14:creationId xmlns:p14="http://schemas.microsoft.com/office/powerpoint/2010/main" val="2037943046"/>
+      </p:ext>
+    </p:extLst>
+  </p:cSld>
+  <p:clrMapOvr>
+    <a:masterClrMapping/>
+  </p:clrMapOvr>
+</p:notes>
+</file>
+
+<file path=ppt/notesSlides/notesSlide26.xml><?xml version="1.0" encoding="utf-8"?>
+<p:notes xmlns:a="http://schemas.openxmlformats.org/drawingml/2006/main" xmlns:r="http://schemas.openxmlformats.org/officeDocument/2006/relationships" xmlns:p="http://schemas.openxmlformats.org/presentationml/2006/main">
+  <p:cSld>
+    <p:spTree>
+      <p:nvGrpSpPr>
+        <p:cNvPr id="1" name=""/>
+        <p:cNvGrpSpPr/>
+        <p:nvPr/>
+      </p:nvGrpSpPr>
+      <p:grpSpPr>
+        <a:xfrm>
+          <a:off x="0" y="0"/>
+          <a:ext cx="0" cy="0"/>
+          <a:chOff x="0" y="0"/>
+          <a:chExt cx="0" cy="0"/>
+        </a:xfrm>
+      </p:grpSpPr>
+      <p:sp>
+        <p:nvSpPr>
+          <p:cNvPr id="2" name="Slide Image Placeholder 1"/>
+          <p:cNvSpPr>
+            <a:spLocks noGrp="1" noRot="1" noChangeAspect="1"/>
+          </p:cNvSpPr>
+          <p:nvPr>
+            <p:ph type="sldImg"/>
+          </p:nvPr>
+        </p:nvSpPr>
+        <p:spPr/>
+      </p:sp>
+      <p:sp>
+        <p:nvSpPr>
+          <p:cNvPr id="3" name="Notes Placeholder 2"/>
+          <p:cNvSpPr>
+            <a:spLocks noGrp="1"/>
+          </p:cNvSpPr>
+          <p:nvPr>
+            <p:ph type="body" idx="1"/>
+          </p:nvPr>
+        </p:nvSpPr>
+        <p:spPr/>
+        <p:txBody>
+          <a:bodyPr/>
+          <a:lstStyle/>
+          <a:p>
+            <a:endParaRPr lang="de-DE"/>
+          </a:p>
+        </p:txBody>
+      </p:sp>
+    </p:spTree>
+    <p:extLst>
+      <p:ext uri="{BB962C8B-B14F-4D97-AF65-F5344CB8AC3E}">
+        <p14:creationId xmlns:p14="http://schemas.microsoft.com/office/powerpoint/2010/main" val="1300237050"/>
       </p:ext>
     </p:extLst>
   </p:cSld>
@@ -9990,14 +10486,14 @@
           </a:ln>
           <a:extLst>
             <a:ext uri="{909E8E84-426E-40dd-AFC4-6F175D3DCCD1}">
-              <a14:hiddenFill xmlns="" xmlns:a14="http://schemas.microsoft.com/office/drawing/2010/main">
+              <a14:hiddenFill xmlns:a14="http://schemas.microsoft.com/office/drawing/2010/main" xmlns="">
                 <a:solidFill>
                   <a:srgbClr val="FFFFFF"/>
                 </a:solidFill>
               </a14:hiddenFill>
             </a:ext>
             <a:ext uri="{91240B29-F687-4f45-9708-019B960494DF}">
-              <a14:hiddenLine xmlns="" xmlns:a14="http://schemas.microsoft.com/office/drawing/2010/main" w="12700" cap="flat">
+              <a14:hiddenLine xmlns:a14="http://schemas.microsoft.com/office/drawing/2010/main" xmlns="" w="12700" cap="flat">
                 <a:solidFill>
                   <a:schemeClr val="tx1"/>
                 </a:solidFill>
@@ -10041,14 +10537,14 @@
           </a:ln>
           <a:extLst>
             <a:ext uri="{909E8E84-426E-40dd-AFC4-6F175D3DCCD1}">
-              <a14:hiddenFill xmlns="" xmlns:a14="http://schemas.microsoft.com/office/drawing/2010/main">
+              <a14:hiddenFill xmlns:a14="http://schemas.microsoft.com/office/drawing/2010/main" xmlns="">
                 <a:solidFill>
                   <a:srgbClr val="FFFFFF"/>
                 </a:solidFill>
               </a14:hiddenFill>
             </a:ext>
             <a:ext uri="{91240B29-F687-4f45-9708-019B960494DF}">
-              <a14:hiddenLine xmlns="" xmlns:a14="http://schemas.microsoft.com/office/drawing/2010/main" w="12700" cap="flat">
+              <a14:hiddenLine xmlns:a14="http://schemas.microsoft.com/office/drawing/2010/main" xmlns="" w="12700" cap="flat">
                 <a:solidFill>
                   <a:schemeClr val="tx1"/>
                 </a:solidFill>
@@ -10254,14 +10750,14 @@
           </a:ln>
           <a:extLst>
             <a:ext uri="{909E8E84-426E-40dd-AFC4-6F175D3DCCD1}">
-              <a14:hiddenFill xmlns:a14="http://schemas.microsoft.com/office/drawing/2010/main" xmlns="">
+              <a14:hiddenFill xmlns="" xmlns:a14="http://schemas.microsoft.com/office/drawing/2010/main">
                 <a:solidFill>
                   <a:srgbClr val="FFFFFF"/>
                 </a:solidFill>
               </a14:hiddenFill>
             </a:ext>
             <a:ext uri="{91240B29-F687-4f45-9708-019B960494DF}">
-              <a14:hiddenLine xmlns:a14="http://schemas.microsoft.com/office/drawing/2010/main" xmlns="" w="12700" cap="flat">
+              <a14:hiddenLine xmlns="" xmlns:a14="http://schemas.microsoft.com/office/drawing/2010/main" w="12700" cap="flat">
                 <a:solidFill>
                   <a:schemeClr val="tx1"/>
                 </a:solidFill>
@@ -10305,14 +10801,14 @@
           </a:ln>
           <a:extLst>
             <a:ext uri="{909E8E84-426E-40dd-AFC4-6F175D3DCCD1}">
-              <a14:hiddenFill xmlns:a14="http://schemas.microsoft.com/office/drawing/2010/main" xmlns="">
+              <a14:hiddenFill xmlns="" xmlns:a14="http://schemas.microsoft.com/office/drawing/2010/main">
                 <a:solidFill>
                   <a:srgbClr val="FFFFFF"/>
                 </a:solidFill>
               </a14:hiddenFill>
             </a:ext>
             <a:ext uri="{91240B29-F687-4f45-9708-019B960494DF}">
-              <a14:hiddenLine xmlns:a14="http://schemas.microsoft.com/office/drawing/2010/main" xmlns="" w="12700" cap="flat">
+              <a14:hiddenLine xmlns="" xmlns:a14="http://schemas.microsoft.com/office/drawing/2010/main" w="12700" cap="flat">
                 <a:solidFill>
                   <a:schemeClr val="tx1"/>
                 </a:solidFill>
@@ -10571,14 +11067,14 @@
           </a:ln>
           <a:extLst>
             <a:ext uri="{909E8E84-426E-40dd-AFC4-6F175D3DCCD1}">
-              <a14:hiddenFill xmlns="" xmlns:a14="http://schemas.microsoft.com/office/drawing/2010/main">
+              <a14:hiddenFill xmlns:a14="http://schemas.microsoft.com/office/drawing/2010/main" xmlns="">
                 <a:solidFill>
                   <a:srgbClr val="FFFFFF"/>
                 </a:solidFill>
               </a14:hiddenFill>
             </a:ext>
             <a:ext uri="{91240B29-F687-4f45-9708-019B960494DF}">
-              <a14:hiddenLine xmlns="" xmlns:a14="http://schemas.microsoft.com/office/drawing/2010/main" w="12700" cap="flat">
+              <a14:hiddenLine xmlns:a14="http://schemas.microsoft.com/office/drawing/2010/main" xmlns="" w="12700" cap="flat">
                 <a:solidFill>
                   <a:schemeClr val="tx1"/>
                 </a:solidFill>
@@ -10622,14 +11118,14 @@
           </a:ln>
           <a:extLst>
             <a:ext uri="{909E8E84-426E-40dd-AFC4-6F175D3DCCD1}">
-              <a14:hiddenFill xmlns="" xmlns:a14="http://schemas.microsoft.com/office/drawing/2010/main">
+              <a14:hiddenFill xmlns:a14="http://schemas.microsoft.com/office/drawing/2010/main" xmlns="">
                 <a:solidFill>
                   <a:srgbClr val="FFFFFF"/>
                 </a:solidFill>
               </a14:hiddenFill>
             </a:ext>
             <a:ext uri="{91240B29-F687-4f45-9708-019B960494DF}">
-              <a14:hiddenLine xmlns="" xmlns:a14="http://schemas.microsoft.com/office/drawing/2010/main" w="12700" cap="flat">
+              <a14:hiddenLine xmlns:a14="http://schemas.microsoft.com/office/drawing/2010/main" xmlns="" w="12700" cap="flat">
                 <a:solidFill>
                   <a:schemeClr val="tx1"/>
                 </a:solidFill>
@@ -10838,11 +11334,11 @@
   <p:clrMapOvr>
     <a:masterClrMapping/>
   </p:clrMapOvr>
-  <mc:AlternateContent xmlns:mc="http://schemas.openxmlformats.org/markup-compatibility/2006">
-    <mc:Choice xmlns:p14="http://schemas.microsoft.com/office/powerpoint/2010/main" Requires="p14">
+  <mc:AlternateContent xmlns:mc="http://schemas.openxmlformats.org/markup-compatibility/2006" xmlns:p14="http://schemas.microsoft.com/office/powerpoint/2010/main">
+    <mc:Choice Requires="p14">
       <p:transition spd="slow" p14:dur="2000" advTm="92152"/>
     </mc:Choice>
-    <mc:Fallback>
+    <mc:Fallback xmlns="">
       <p:transition spd="slow" advTm="92152"/>
     </mc:Fallback>
   </mc:AlternateContent>
@@ -11111,14 +11607,14 @@
           </a:ln>
           <a:extLst>
             <a:ext uri="{909E8E84-426E-40dd-AFC4-6F175D3DCCD1}">
-              <a14:hiddenFill xmlns:a14="http://schemas.microsoft.com/office/drawing/2010/main" xmlns="">
+              <a14:hiddenFill xmlns="" xmlns:a14="http://schemas.microsoft.com/office/drawing/2010/main">
                 <a:solidFill>
                   <a:srgbClr val="FFFFFF"/>
                 </a:solidFill>
               </a14:hiddenFill>
             </a:ext>
             <a:ext uri="{91240B29-F687-4f45-9708-019B960494DF}">
-              <a14:hiddenLine xmlns:a14="http://schemas.microsoft.com/office/drawing/2010/main" xmlns="" w="12700" cap="flat">
+              <a14:hiddenLine xmlns="" xmlns:a14="http://schemas.microsoft.com/office/drawing/2010/main" w="12700" cap="flat">
                 <a:solidFill>
                   <a:schemeClr val="tx1"/>
                 </a:solidFill>
@@ -11162,14 +11658,14 @@
           </a:ln>
           <a:extLst>
             <a:ext uri="{909E8E84-426E-40dd-AFC4-6F175D3DCCD1}">
-              <a14:hiddenFill xmlns:a14="http://schemas.microsoft.com/office/drawing/2010/main" xmlns="">
+              <a14:hiddenFill xmlns="" xmlns:a14="http://schemas.microsoft.com/office/drawing/2010/main">
                 <a:solidFill>
                   <a:srgbClr val="FFFFFF"/>
                 </a:solidFill>
               </a14:hiddenFill>
             </a:ext>
             <a:ext uri="{91240B29-F687-4f45-9708-019B960494DF}">
-              <a14:hiddenLine xmlns:a14="http://schemas.microsoft.com/office/drawing/2010/main" xmlns="" w="12700" cap="flat">
+              <a14:hiddenLine xmlns="" xmlns:a14="http://schemas.microsoft.com/office/drawing/2010/main" w="12700" cap="flat">
                 <a:solidFill>
                   <a:schemeClr val="tx1"/>
                 </a:solidFill>
@@ -11362,11 +11858,11 @@
   <p:clrMapOvr>
     <a:masterClrMapping/>
   </p:clrMapOvr>
-  <mc:AlternateContent xmlns:mc="http://schemas.openxmlformats.org/markup-compatibility/2006">
-    <mc:Choice xmlns:p14="http://schemas.microsoft.com/office/powerpoint/2010/main" Requires="p14">
+  <mc:AlternateContent xmlns:mc="http://schemas.openxmlformats.org/markup-compatibility/2006" xmlns:p14="http://schemas.microsoft.com/office/powerpoint/2010/main">
+    <mc:Choice Requires="p14">
       <p:transition spd="slow" p14:dur="2000" advTm="92152"/>
     </mc:Choice>
-    <mc:Fallback>
+    <mc:Fallback xmlns="">
       <p:transition spd="slow" advTm="92152"/>
     </mc:Fallback>
   </mc:AlternateContent>
@@ -11412,14 +11908,14 @@
           </a:ln>
           <a:extLst>
             <a:ext uri="{909E8E84-426E-40dd-AFC4-6F175D3DCCD1}">
-              <a14:hiddenFill xmlns="" xmlns:a14="http://schemas.microsoft.com/office/drawing/2010/main">
+              <a14:hiddenFill xmlns:a14="http://schemas.microsoft.com/office/drawing/2010/main" xmlns="">
                 <a:solidFill>
                   <a:srgbClr val="FFFFFF"/>
                 </a:solidFill>
               </a14:hiddenFill>
             </a:ext>
             <a:ext uri="{91240B29-F687-4f45-9708-019B960494DF}">
-              <a14:hiddenLine xmlns="" xmlns:a14="http://schemas.microsoft.com/office/drawing/2010/main" w="12700" cap="flat">
+              <a14:hiddenLine xmlns:a14="http://schemas.microsoft.com/office/drawing/2010/main" xmlns="" w="12700" cap="flat">
                 <a:solidFill>
                   <a:schemeClr val="tx1"/>
                 </a:solidFill>
@@ -11463,14 +11959,14 @@
           </a:ln>
           <a:extLst>
             <a:ext uri="{909E8E84-426E-40dd-AFC4-6F175D3DCCD1}">
-              <a14:hiddenFill xmlns="" xmlns:a14="http://schemas.microsoft.com/office/drawing/2010/main">
+              <a14:hiddenFill xmlns:a14="http://schemas.microsoft.com/office/drawing/2010/main" xmlns="">
                 <a:solidFill>
                   <a:srgbClr val="FFFFFF"/>
                 </a:solidFill>
               </a14:hiddenFill>
             </a:ext>
             <a:ext uri="{91240B29-F687-4f45-9708-019B960494DF}">
-              <a14:hiddenLine xmlns="" xmlns:a14="http://schemas.microsoft.com/office/drawing/2010/main" w="12700" cap="flat">
+              <a14:hiddenLine xmlns:a14="http://schemas.microsoft.com/office/drawing/2010/main" xmlns="" w="12700" cap="flat">
                 <a:solidFill>
                   <a:schemeClr val="tx1"/>
                 </a:solidFill>
@@ -11636,261 +12132,6 @@
   <p:clrMapOvr>
     <a:masterClrMapping/>
   </p:clrMapOvr>
-  <mc:AlternateContent xmlns:mc="http://schemas.openxmlformats.org/markup-compatibility/2006">
-    <mc:Choice xmlns:p14="http://schemas.microsoft.com/office/powerpoint/2010/main" Requires="p14">
-      <p:transition spd="slow" p14:dur="2000" advTm="92152"/>
-    </mc:Choice>
-    <mc:Fallback>
-      <p:transition spd="slow" advTm="92152"/>
-    </mc:Fallback>
-  </mc:AlternateContent>
-</p:sld>
-</file>
-
-<file path=ppt/slides/slide15.xml><?xml version="1.0" encoding="utf-8"?>
-<p:sld xmlns:a="http://schemas.openxmlformats.org/drawingml/2006/main" xmlns:r="http://schemas.openxmlformats.org/officeDocument/2006/relationships" xmlns:p="http://schemas.openxmlformats.org/presentationml/2006/main">
-  <p:cSld>
-    <p:spTree>
-      <p:nvGrpSpPr>
-        <p:cNvPr id="1" name=""/>
-        <p:cNvGrpSpPr/>
-        <p:nvPr/>
-      </p:nvGrpSpPr>
-      <p:grpSpPr>
-        <a:xfrm>
-          <a:off x="0" y="0"/>
-          <a:ext cx="0" cy="0"/>
-          <a:chOff x="0" y="0"/>
-          <a:chExt cx="0" cy="0"/>
-        </a:xfrm>
-      </p:grpSpPr>
-      <p:sp>
-        <p:nvSpPr>
-          <p:cNvPr id="12" name="Rectangle 7"/>
-          <p:cNvSpPr>
-            <a:spLocks/>
-          </p:cNvSpPr>
-          <p:nvPr/>
-        </p:nvSpPr>
-        <p:spPr bwMode="auto">
-          <a:xfrm>
-            <a:off x="715617" y="1582532"/>
-            <a:ext cx="3368348" cy="2565067"/>
-          </a:xfrm>
-          <a:prstGeom prst="rect">
-            <a:avLst/>
-          </a:prstGeom>
-          <a:noFill/>
-          <a:ln>
-            <a:noFill/>
-          </a:ln>
-          <a:extLst>
-            <a:ext uri="{909E8E84-426E-40dd-AFC4-6F175D3DCCD1}">
-              <a14:hiddenFill xmlns="" xmlns:a14="http://schemas.microsoft.com/office/drawing/2010/main">
-                <a:solidFill>
-                  <a:srgbClr val="FFFFFF"/>
-                </a:solidFill>
-              </a14:hiddenFill>
-            </a:ext>
-            <a:ext uri="{91240B29-F687-4f45-9708-019B960494DF}">
-              <a14:hiddenLine xmlns="" xmlns:a14="http://schemas.microsoft.com/office/drawing/2010/main" w="12700" cap="flat">
-                <a:solidFill>
-                  <a:schemeClr val="tx1"/>
-                </a:solidFill>
-                <a:miter lim="800000"/>
-                <a:headEnd type="none" w="med" len="med"/>
-                <a:tailEnd type="none" w="med" len="med"/>
-              </a14:hiddenLine>
-            </a:ext>
-          </a:extLst>
-        </p:spPr>
-        <p:txBody>
-          <a:bodyPr lIns="0" tIns="0" rIns="0" bIns="0" anchor="t"/>
-          <a:lstStyle/>
-          <a:p>
-            <a:endParaRPr lang="en-US" sz="1800" dirty="0">
-              <a:ea typeface="ＭＳ Ｐゴシック" charset="0"/>
-              <a:sym typeface="Lato Light" charset="0"/>
-            </a:endParaRPr>
-          </a:p>
-        </p:txBody>
-      </p:sp>
-      <p:sp>
-        <p:nvSpPr>
-          <p:cNvPr id="24" name="Rectangle 7"/>
-          <p:cNvSpPr>
-            <a:spLocks/>
-          </p:cNvSpPr>
-          <p:nvPr/>
-        </p:nvSpPr>
-        <p:spPr bwMode="auto">
-          <a:xfrm>
-            <a:off x="5171902" y="1456376"/>
-            <a:ext cx="3256481" cy="2834318"/>
-          </a:xfrm>
-          <a:prstGeom prst="rect">
-            <a:avLst/>
-          </a:prstGeom>
-          <a:noFill/>
-          <a:ln>
-            <a:noFill/>
-          </a:ln>
-          <a:extLst>
-            <a:ext uri="{909E8E84-426E-40dd-AFC4-6F175D3DCCD1}">
-              <a14:hiddenFill xmlns="" xmlns:a14="http://schemas.microsoft.com/office/drawing/2010/main">
-                <a:solidFill>
-                  <a:srgbClr val="FFFFFF"/>
-                </a:solidFill>
-              </a14:hiddenFill>
-            </a:ext>
-            <a:ext uri="{91240B29-F687-4f45-9708-019B960494DF}">
-              <a14:hiddenLine xmlns="" xmlns:a14="http://schemas.microsoft.com/office/drawing/2010/main" w="12700" cap="flat">
-                <a:solidFill>
-                  <a:schemeClr val="tx1"/>
-                </a:solidFill>
-                <a:miter lim="800000"/>
-                <a:headEnd type="none" w="med" len="med"/>
-                <a:tailEnd type="none" w="med" len="med"/>
-              </a14:hiddenLine>
-            </a:ext>
-          </a:extLst>
-        </p:spPr>
-        <p:txBody>
-          <a:bodyPr lIns="0" tIns="0" rIns="0" bIns="0" anchor="t"/>
-          <a:lstStyle/>
-          <a:p>
-            <a:endParaRPr lang="en-US" sz="1800" dirty="0">
-              <a:ea typeface="ＭＳ Ｐゴシック" charset="0"/>
-              <a:cs typeface="Lato Light" charset="0"/>
-              <a:sym typeface="Lato Light" charset="0"/>
-            </a:endParaRPr>
-          </a:p>
-        </p:txBody>
-      </p:sp>
-      <p:sp>
-        <p:nvSpPr>
-          <p:cNvPr id="15" name="Title 14">
-            <a:extLst>
-              <a:ext uri="{FF2B5EF4-FFF2-40B4-BE49-F238E27FC236}">
-                <a16:creationId xmlns:a16="http://schemas.microsoft.com/office/drawing/2014/main" id="{AC70AFF7-D39C-1B45-8E56-844E670FBDCF}"/>
-              </a:ext>
-            </a:extLst>
-          </p:cNvPr>
-          <p:cNvSpPr>
-            <a:spLocks noGrp="1"/>
-          </p:cNvSpPr>
-          <p:nvPr>
-            <p:ph type="title"/>
-          </p:nvPr>
-        </p:nvSpPr>
-        <p:spPr>
-          <a:xfrm>
-            <a:off x="1122018" y="219808"/>
-            <a:ext cx="7647210" cy="638313"/>
-          </a:xfrm>
-        </p:spPr>
-        <p:txBody>
-          <a:bodyPr>
-            <a:normAutofit/>
-          </a:bodyPr>
-          <a:lstStyle/>
-          <a:p>
-            <a:r>
-              <a:rPr lang="en-US" dirty="0"/>
-              <a:t>Next steps</a:t>
-            </a:r>
-          </a:p>
-        </p:txBody>
-      </p:sp>
-      <p:pic>
-        <p:nvPicPr>
-          <p:cNvPr id="4" name="Picture 3" descr="A blue hexagon with white and blue gears&#10;&#10;Description automatically generated">
-            <a:extLst>
-              <a:ext uri="{FF2B5EF4-FFF2-40B4-BE49-F238E27FC236}">
-                <a16:creationId xmlns:a16="http://schemas.microsoft.com/office/drawing/2014/main" id="{E3D5D9D7-1E4A-870B-BEC3-4F2878358332}"/>
-              </a:ext>
-            </a:extLst>
-          </p:cNvPr>
-          <p:cNvPicPr>
-            <a:picLocks noChangeAspect="1"/>
-          </p:cNvPicPr>
-          <p:nvPr/>
-        </p:nvPicPr>
-        <p:blipFill>
-          <a:blip r:embed="rId4"/>
-          <a:stretch>
-            <a:fillRect/>
-          </a:stretch>
-        </p:blipFill>
-        <p:spPr>
-          <a:xfrm>
-            <a:off x="309217" y="172437"/>
-            <a:ext cx="812800" cy="787400"/>
-          </a:xfrm>
-          <a:prstGeom prst="rect">
-            <a:avLst/>
-          </a:prstGeom>
-        </p:spPr>
-      </p:pic>
-      <p:sp>
-        <p:nvSpPr>
-          <p:cNvPr id="2" name="TextBox 1">
-            <a:extLst>
-              <a:ext uri="{FF2B5EF4-FFF2-40B4-BE49-F238E27FC236}">
-                <a16:creationId xmlns:a16="http://schemas.microsoft.com/office/drawing/2014/main" id="{33940E9E-4677-5B7F-B615-64BE1B2F9D8E}"/>
-              </a:ext>
-            </a:extLst>
-          </p:cNvPr>
-          <p:cNvSpPr txBox="1"/>
-          <p:nvPr/>
-        </p:nvSpPr>
-        <p:spPr>
-          <a:xfrm>
-            <a:off x="1125538" y="1480816"/>
-            <a:ext cx="2507931" cy="830997"/>
-          </a:xfrm>
-          <a:prstGeom prst="rect">
-            <a:avLst/>
-          </a:prstGeom>
-          <a:noFill/>
-        </p:spPr>
-        <p:txBody>
-          <a:bodyPr wrap="none" rtlCol="0">
-            <a:spAutoFit/>
-          </a:bodyPr>
-          <a:lstStyle/>
-          <a:p>
-            <a:r>
-              <a:rPr lang="en-US" sz="2400" dirty="0">
-                <a:solidFill>
-                  <a:srgbClr val="7030A0"/>
-                </a:solidFill>
-              </a:rPr>
-              <a:t>TODO: what’s next</a:t>
-            </a:r>
-          </a:p>
-          <a:p>
-            <a:endParaRPr lang="en-US" sz="2400" dirty="0">
-              <a:solidFill>
-                <a:srgbClr val="7030A0"/>
-              </a:solidFill>
-            </a:endParaRPr>
-          </a:p>
-        </p:txBody>
-      </p:sp>
-    </p:spTree>
-    <p:custDataLst>
-      <p:tags r:id="rId1"/>
-    </p:custDataLst>
-    <p:extLst>
-      <p:ext uri="{BB962C8B-B14F-4D97-AF65-F5344CB8AC3E}">
-        <p14:creationId xmlns:p14="http://schemas.microsoft.com/office/powerpoint/2010/main" val="3540879940"/>
-      </p:ext>
-    </p:extLst>
-  </p:cSld>
-  <p:clrMapOvr>
-    <a:masterClrMapping/>
-  </p:clrMapOvr>
   <mc:AlternateContent xmlns:mc="http://schemas.openxmlformats.org/markup-compatibility/2006" xmlns:p14="http://schemas.microsoft.com/office/powerpoint/2010/main">
     <mc:Choice Requires="p14">
       <p:transition spd="slow" p14:dur="2000" advTm="92152"/>
@@ -11902,7 +12143,7 @@
 </p:sld>
 </file>
 
-<file path=ppt/slides/slide16.xml><?xml version="1.0" encoding="utf-8"?>
+<file path=ppt/slides/slide15.xml><?xml version="1.0" encoding="utf-8"?>
 <p:sld xmlns:a="http://schemas.openxmlformats.org/drawingml/2006/main" xmlns:r="http://schemas.openxmlformats.org/officeDocument/2006/relationships" xmlns:p="http://schemas.openxmlformats.org/presentationml/2006/main">
   <p:cSld>
     <p:bg>
@@ -12465,14 +12706,14 @@
           </a:ln>
           <a:extLst>
             <a:ext uri="{909E8E84-426E-40dd-AFC4-6F175D3DCCD1}">
-              <a14:hiddenFill xmlns:a14="http://schemas.microsoft.com/office/drawing/2010/main" xmlns="">
+              <a14:hiddenFill xmlns="" xmlns:a14="http://schemas.microsoft.com/office/drawing/2010/main">
                 <a:solidFill>
                   <a:srgbClr val="FFFFFF"/>
                 </a:solidFill>
               </a14:hiddenFill>
             </a:ext>
             <a:ext uri="{91240B29-F687-4f45-9708-019B960494DF}">
-              <a14:hiddenLine xmlns:a14="http://schemas.microsoft.com/office/drawing/2010/main" xmlns="" w="12700" cap="flat">
+              <a14:hiddenLine xmlns="" xmlns:a14="http://schemas.microsoft.com/office/drawing/2010/main" w="12700" cap="flat">
                 <a:solidFill>
                   <a:schemeClr val="tx1"/>
                 </a:solidFill>
@@ -12516,14 +12757,14 @@
           </a:ln>
           <a:extLst>
             <a:ext uri="{909E8E84-426E-40dd-AFC4-6F175D3DCCD1}">
-              <a14:hiddenFill xmlns:a14="http://schemas.microsoft.com/office/drawing/2010/main" xmlns="">
+              <a14:hiddenFill xmlns="" xmlns:a14="http://schemas.microsoft.com/office/drawing/2010/main">
                 <a:solidFill>
                   <a:srgbClr val="FFFFFF"/>
                 </a:solidFill>
               </a14:hiddenFill>
             </a:ext>
             <a:ext uri="{91240B29-F687-4f45-9708-019B960494DF}">
-              <a14:hiddenLine xmlns:a14="http://schemas.microsoft.com/office/drawing/2010/main" xmlns="" w="12700" cap="flat">
+              <a14:hiddenLine xmlns="" xmlns:a14="http://schemas.microsoft.com/office/drawing/2010/main" w="12700" cap="flat">
                 <a:solidFill>
                   <a:schemeClr val="tx1"/>
                 </a:solidFill>
@@ -12570,6 +12811,36 @@
           <a:xfrm>
             <a:off x="309217" y="172437"/>
             <a:ext cx="812800" cy="787400"/>
+          </a:xfrm>
+          <a:prstGeom prst="rect">
+            <a:avLst/>
+          </a:prstGeom>
+        </p:spPr>
+      </p:pic>
+      <p:pic>
+        <p:nvPicPr>
+          <p:cNvPr id="3" name="Picture 2" descr="A diagram of a cave&#10;&#10;Description automatically generated">
+            <a:extLst>
+              <a:ext uri="{FF2B5EF4-FFF2-40B4-BE49-F238E27FC236}">
+                <a16:creationId xmlns:a16="http://schemas.microsoft.com/office/drawing/2014/main" id="{EC9650D1-A741-A9EE-491F-8EB83E142960}"/>
+              </a:ext>
+            </a:extLst>
+          </p:cNvPr>
+          <p:cNvPicPr>
+            <a:picLocks noChangeAspect="1"/>
+          </p:cNvPicPr>
+          <p:nvPr/>
+        </p:nvPicPr>
+        <p:blipFill>
+          <a:blip r:embed="rId5"/>
+          <a:stretch>
+            <a:fillRect/>
+          </a:stretch>
+        </p:blipFill>
+        <p:spPr>
+          <a:xfrm>
+            <a:off x="3028366" y="-1"/>
+            <a:ext cx="6106555" cy="5156866"/>
           </a:xfrm>
           <a:prstGeom prst="rect">
             <a:avLst/>
@@ -12600,6 +12871,254 @@
 </p:sld>
 </file>
 
+<file path=ppt/slides/slide16.xml><?xml version="1.0" encoding="utf-8"?>
+<p:sld xmlns:a="http://schemas.openxmlformats.org/drawingml/2006/main" xmlns:r="http://schemas.openxmlformats.org/officeDocument/2006/relationships" xmlns:p="http://schemas.openxmlformats.org/presentationml/2006/main">
+  <p:cSld>
+    <p:spTree>
+      <p:nvGrpSpPr>
+        <p:cNvPr id="1" name=""/>
+        <p:cNvGrpSpPr/>
+        <p:nvPr/>
+      </p:nvGrpSpPr>
+      <p:grpSpPr>
+        <a:xfrm>
+          <a:off x="0" y="0"/>
+          <a:ext cx="0" cy="0"/>
+          <a:chOff x="0" y="0"/>
+          <a:chExt cx="0" cy="0"/>
+        </a:xfrm>
+      </p:grpSpPr>
+      <p:sp>
+        <p:nvSpPr>
+          <p:cNvPr id="12" name="Rectangle 7"/>
+          <p:cNvSpPr>
+            <a:spLocks/>
+          </p:cNvSpPr>
+          <p:nvPr/>
+        </p:nvSpPr>
+        <p:spPr bwMode="auto">
+          <a:xfrm>
+            <a:off x="715617" y="1582532"/>
+            <a:ext cx="3368348" cy="2565067"/>
+          </a:xfrm>
+          <a:prstGeom prst="rect">
+            <a:avLst/>
+          </a:prstGeom>
+          <a:noFill/>
+          <a:ln>
+            <a:noFill/>
+          </a:ln>
+          <a:extLst>
+            <a:ext uri="{909E8E84-426E-40dd-AFC4-6F175D3DCCD1}">
+              <a14:hiddenFill xmlns="" xmlns:a14="http://schemas.microsoft.com/office/drawing/2010/main">
+                <a:solidFill>
+                  <a:srgbClr val="FFFFFF"/>
+                </a:solidFill>
+              </a14:hiddenFill>
+            </a:ext>
+            <a:ext uri="{91240B29-F687-4f45-9708-019B960494DF}">
+              <a14:hiddenLine xmlns="" xmlns:a14="http://schemas.microsoft.com/office/drawing/2010/main" w="12700" cap="flat">
+                <a:solidFill>
+                  <a:schemeClr val="tx1"/>
+                </a:solidFill>
+                <a:miter lim="800000"/>
+                <a:headEnd type="none" w="med" len="med"/>
+                <a:tailEnd type="none" w="med" len="med"/>
+              </a14:hiddenLine>
+            </a:ext>
+          </a:extLst>
+        </p:spPr>
+        <p:txBody>
+          <a:bodyPr lIns="0" tIns="0" rIns="0" bIns="0" anchor="t"/>
+          <a:lstStyle/>
+          <a:p>
+            <a:endParaRPr lang="en-US" sz="1800" dirty="0">
+              <a:ea typeface="ＭＳ Ｐゴシック" charset="0"/>
+              <a:sym typeface="Lato Light" charset="0"/>
+            </a:endParaRPr>
+          </a:p>
+        </p:txBody>
+      </p:sp>
+      <p:sp>
+        <p:nvSpPr>
+          <p:cNvPr id="24" name="Rectangle 7"/>
+          <p:cNvSpPr>
+            <a:spLocks/>
+          </p:cNvSpPr>
+          <p:nvPr/>
+        </p:nvSpPr>
+        <p:spPr bwMode="auto">
+          <a:xfrm>
+            <a:off x="5171902" y="1456376"/>
+            <a:ext cx="3256481" cy="2834318"/>
+          </a:xfrm>
+          <a:prstGeom prst="rect">
+            <a:avLst/>
+          </a:prstGeom>
+          <a:noFill/>
+          <a:ln>
+            <a:noFill/>
+          </a:ln>
+          <a:extLst>
+            <a:ext uri="{909E8E84-426E-40dd-AFC4-6F175D3DCCD1}">
+              <a14:hiddenFill xmlns="" xmlns:a14="http://schemas.microsoft.com/office/drawing/2010/main">
+                <a:solidFill>
+                  <a:srgbClr val="FFFFFF"/>
+                </a:solidFill>
+              </a14:hiddenFill>
+            </a:ext>
+            <a:ext uri="{91240B29-F687-4f45-9708-019B960494DF}">
+              <a14:hiddenLine xmlns="" xmlns:a14="http://schemas.microsoft.com/office/drawing/2010/main" w="12700" cap="flat">
+                <a:solidFill>
+                  <a:schemeClr val="tx1"/>
+                </a:solidFill>
+                <a:miter lim="800000"/>
+                <a:headEnd type="none" w="med" len="med"/>
+                <a:tailEnd type="none" w="med" len="med"/>
+              </a14:hiddenLine>
+            </a:ext>
+          </a:extLst>
+        </p:spPr>
+        <p:txBody>
+          <a:bodyPr lIns="0" tIns="0" rIns="0" bIns="0" anchor="t"/>
+          <a:lstStyle/>
+          <a:p>
+            <a:endParaRPr lang="en-US" sz="1800" dirty="0">
+              <a:ea typeface="ＭＳ Ｐゴシック" charset="0"/>
+              <a:cs typeface="Lato Light" charset="0"/>
+              <a:sym typeface="Lato Light" charset="0"/>
+            </a:endParaRPr>
+          </a:p>
+        </p:txBody>
+      </p:sp>
+      <p:sp>
+        <p:nvSpPr>
+          <p:cNvPr id="15" name="Title 14">
+            <a:extLst>
+              <a:ext uri="{FF2B5EF4-FFF2-40B4-BE49-F238E27FC236}">
+                <a16:creationId xmlns:a16="http://schemas.microsoft.com/office/drawing/2014/main" id="{AC70AFF7-D39C-1B45-8E56-844E670FBDCF}"/>
+              </a:ext>
+            </a:extLst>
+          </p:cNvPr>
+          <p:cNvSpPr>
+            <a:spLocks noGrp="1"/>
+          </p:cNvSpPr>
+          <p:nvPr>
+            <p:ph type="title"/>
+          </p:nvPr>
+        </p:nvSpPr>
+        <p:spPr>
+          <a:xfrm>
+            <a:off x="1122018" y="219808"/>
+            <a:ext cx="7647210" cy="638313"/>
+          </a:xfrm>
+        </p:spPr>
+        <p:txBody>
+          <a:bodyPr>
+            <a:normAutofit/>
+          </a:bodyPr>
+          <a:lstStyle/>
+          <a:p>
+            <a:r>
+              <a:rPr lang="en-US" dirty="0"/>
+              <a:t>Organizing Kubernetes manifests</a:t>
+            </a:r>
+          </a:p>
+        </p:txBody>
+      </p:sp>
+      <p:pic>
+        <p:nvPicPr>
+          <p:cNvPr id="4" name="Picture 3" descr="A blue hexagon with white and blue gears&#10;&#10;Description automatically generated">
+            <a:extLst>
+              <a:ext uri="{FF2B5EF4-FFF2-40B4-BE49-F238E27FC236}">
+                <a16:creationId xmlns:a16="http://schemas.microsoft.com/office/drawing/2014/main" id="{E3D5D9D7-1E4A-870B-BEC3-4F2878358332}"/>
+              </a:ext>
+            </a:extLst>
+          </p:cNvPr>
+          <p:cNvPicPr>
+            <a:picLocks noChangeAspect="1"/>
+          </p:cNvPicPr>
+          <p:nvPr/>
+        </p:nvPicPr>
+        <p:blipFill>
+          <a:blip r:embed="rId4"/>
+          <a:stretch>
+            <a:fillRect/>
+          </a:stretch>
+        </p:blipFill>
+        <p:spPr>
+          <a:xfrm>
+            <a:off x="309217" y="172437"/>
+            <a:ext cx="812800" cy="787400"/>
+          </a:xfrm>
+          <a:prstGeom prst="rect">
+            <a:avLst/>
+          </a:prstGeom>
+        </p:spPr>
+      </p:pic>
+      <p:sp>
+        <p:nvSpPr>
+          <p:cNvPr id="2" name="TextBox 1">
+            <a:extLst>
+              <a:ext uri="{FF2B5EF4-FFF2-40B4-BE49-F238E27FC236}">
+                <a16:creationId xmlns:a16="http://schemas.microsoft.com/office/drawing/2014/main" id="{33940E9E-4677-5B7F-B615-64BE1B2F9D8E}"/>
+              </a:ext>
+            </a:extLst>
+          </p:cNvPr>
+          <p:cNvSpPr txBox="1"/>
+          <p:nvPr/>
+        </p:nvSpPr>
+        <p:spPr>
+          <a:xfrm>
+            <a:off x="1125538" y="1480816"/>
+            <a:ext cx="6058774" cy="461665"/>
+          </a:xfrm>
+          <a:prstGeom prst="rect">
+            <a:avLst/>
+          </a:prstGeom>
+          <a:noFill/>
+        </p:spPr>
+        <p:txBody>
+          <a:bodyPr wrap="none" rtlCol="0">
+            <a:spAutoFit/>
+          </a:bodyPr>
+          <a:lstStyle/>
+          <a:p>
+            <a:r>
+              <a:rPr lang="en-US" sz="2400" dirty="0">
+                <a:solidFill>
+                  <a:srgbClr val="7030A0"/>
+                </a:solidFill>
+              </a:rPr>
+              <a:t>Share, version, revert collections of manifests? </a:t>
+            </a:r>
+          </a:p>
+        </p:txBody>
+      </p:sp>
+    </p:spTree>
+    <p:custDataLst>
+      <p:tags r:id="rId1"/>
+    </p:custDataLst>
+    <p:extLst>
+      <p:ext uri="{BB962C8B-B14F-4D97-AF65-F5344CB8AC3E}">
+        <p14:creationId xmlns:p14="http://schemas.microsoft.com/office/powerpoint/2010/main" val="263092986"/>
+      </p:ext>
+    </p:extLst>
+  </p:cSld>
+  <p:clrMapOvr>
+    <a:masterClrMapping/>
+  </p:clrMapOvr>
+  <mc:AlternateContent xmlns:mc="http://schemas.openxmlformats.org/markup-compatibility/2006">
+    <mc:Choice xmlns:p14="http://schemas.microsoft.com/office/powerpoint/2010/main" Requires="p14">
+      <p:transition spd="slow" p14:dur="2000" advTm="92152"/>
+    </mc:Choice>
+    <mc:Fallback>
+      <p:transition spd="slow" advTm="92152"/>
+    </mc:Fallback>
+  </mc:AlternateContent>
+</p:sld>
+</file>
+
 <file path=ppt/slides/slide17.xml><?xml version="1.0" encoding="utf-8"?>
 <p:sld xmlns:a="http://schemas.openxmlformats.org/drawingml/2006/main" xmlns:r="http://schemas.openxmlformats.org/officeDocument/2006/relationships" xmlns:p="http://schemas.openxmlformats.org/presentationml/2006/main">
   <p:cSld>
@@ -12743,12 +13262,2715 @@
           </a:xfrm>
         </p:spPr>
         <p:txBody>
+          <a:bodyPr>
+            <a:normAutofit/>
+          </a:bodyPr>
+          <a:lstStyle/>
+          <a:p>
+            <a:r>
+              <a:rPr lang="en-US" dirty="0"/>
+              <a:t>Helm</a:t>
+            </a:r>
+          </a:p>
+        </p:txBody>
+      </p:sp>
+      <p:pic>
+        <p:nvPicPr>
+          <p:cNvPr id="4" name="Picture 3" descr="A blue hexagon with white and blue gears&#10;&#10;Description automatically generated">
+            <a:extLst>
+              <a:ext uri="{FF2B5EF4-FFF2-40B4-BE49-F238E27FC236}">
+                <a16:creationId xmlns:a16="http://schemas.microsoft.com/office/drawing/2014/main" id="{E3D5D9D7-1E4A-870B-BEC3-4F2878358332}"/>
+              </a:ext>
+            </a:extLst>
+          </p:cNvPr>
+          <p:cNvPicPr>
+            <a:picLocks noChangeAspect="1"/>
+          </p:cNvPicPr>
+          <p:nvPr/>
+        </p:nvPicPr>
+        <p:blipFill>
+          <a:blip r:embed="rId4"/>
+          <a:stretch>
+            <a:fillRect/>
+          </a:stretch>
+        </p:blipFill>
+        <p:spPr>
+          <a:xfrm>
+            <a:off x="309217" y="172437"/>
+            <a:ext cx="812800" cy="787400"/>
+          </a:xfrm>
+          <a:prstGeom prst="rect">
+            <a:avLst/>
+          </a:prstGeom>
+        </p:spPr>
+      </p:pic>
+      <p:sp>
+        <p:nvSpPr>
+          <p:cNvPr id="2" name="TextBox 1">
+            <a:extLst>
+              <a:ext uri="{FF2B5EF4-FFF2-40B4-BE49-F238E27FC236}">
+                <a16:creationId xmlns:a16="http://schemas.microsoft.com/office/drawing/2014/main" id="{33940E9E-4677-5B7F-B615-64BE1B2F9D8E}"/>
+              </a:ext>
+            </a:extLst>
+          </p:cNvPr>
+          <p:cNvSpPr txBox="1"/>
+          <p:nvPr/>
+        </p:nvSpPr>
+        <p:spPr>
+          <a:xfrm>
+            <a:off x="1125538" y="1480816"/>
+            <a:ext cx="7312002" cy="1200329"/>
+          </a:xfrm>
+          <a:prstGeom prst="rect">
+            <a:avLst/>
+          </a:prstGeom>
+          <a:noFill/>
+        </p:spPr>
+        <p:txBody>
+          <a:bodyPr wrap="none" rtlCol="0">
+            <a:spAutoFit/>
+          </a:bodyPr>
+          <a:lstStyle/>
+          <a:p>
+            <a:r>
+              <a:rPr lang="en-US" sz="2400" dirty="0">
+                <a:solidFill>
+                  <a:srgbClr val="7030A0"/>
+                </a:solidFill>
+              </a:rPr>
+              <a:t>A “package manager” for Kubernetes</a:t>
+            </a:r>
+          </a:p>
+          <a:p>
+            <a:endParaRPr lang="en-US" sz="2400" dirty="0">
+              <a:solidFill>
+                <a:srgbClr val="7030A0"/>
+              </a:solidFill>
+            </a:endParaRPr>
+          </a:p>
+          <a:p>
+            <a:r>
+              <a:rPr lang="en-US" sz="2400" dirty="0">
+                <a:solidFill>
+                  <a:srgbClr val="7030A0"/>
+                </a:solidFill>
+                <a:effectLst/>
+              </a:rPr>
+              <a:t>Allows to package and deploy applications in Kubernetes</a:t>
+            </a:r>
+            <a:r>
+              <a:rPr lang="en-US" sz="2400" dirty="0">
+                <a:solidFill>
+                  <a:srgbClr val="7030A0"/>
+                </a:solidFill>
+              </a:rPr>
+              <a:t> </a:t>
+            </a:r>
+          </a:p>
+        </p:txBody>
+      </p:sp>
+    </p:spTree>
+    <p:custDataLst>
+      <p:tags r:id="rId1"/>
+    </p:custDataLst>
+    <p:extLst>
+      <p:ext uri="{BB962C8B-B14F-4D97-AF65-F5344CB8AC3E}">
+        <p14:creationId xmlns:p14="http://schemas.microsoft.com/office/powerpoint/2010/main" val="1264457698"/>
+      </p:ext>
+    </p:extLst>
+  </p:cSld>
+  <p:clrMapOvr>
+    <a:masterClrMapping/>
+  </p:clrMapOvr>
+  <mc:AlternateContent xmlns:mc="http://schemas.openxmlformats.org/markup-compatibility/2006">
+    <mc:Choice xmlns:p14="http://schemas.microsoft.com/office/powerpoint/2010/main" Requires="p14">
+      <p:transition spd="slow" p14:dur="2000" advTm="92152"/>
+    </mc:Choice>
+    <mc:Fallback>
+      <p:transition spd="slow" advTm="92152"/>
+    </mc:Fallback>
+  </mc:AlternateContent>
+</p:sld>
+</file>
+
+<file path=ppt/slides/slide18.xml><?xml version="1.0" encoding="utf-8"?>
+<p:sld xmlns:a="http://schemas.openxmlformats.org/drawingml/2006/main" xmlns:r="http://schemas.openxmlformats.org/officeDocument/2006/relationships" xmlns:p="http://schemas.openxmlformats.org/presentationml/2006/main">
+  <p:cSld>
+    <p:spTree>
+      <p:nvGrpSpPr>
+        <p:cNvPr id="1" name=""/>
+        <p:cNvGrpSpPr/>
+        <p:nvPr/>
+      </p:nvGrpSpPr>
+      <p:grpSpPr>
+        <a:xfrm>
+          <a:off x="0" y="0"/>
+          <a:ext cx="0" cy="0"/>
+          <a:chOff x="0" y="0"/>
+          <a:chExt cx="0" cy="0"/>
+        </a:xfrm>
+      </p:grpSpPr>
+      <p:sp>
+        <p:nvSpPr>
+          <p:cNvPr id="12" name="Rectangle 7"/>
+          <p:cNvSpPr>
+            <a:spLocks/>
+          </p:cNvSpPr>
+          <p:nvPr/>
+        </p:nvSpPr>
+        <p:spPr bwMode="auto">
+          <a:xfrm>
+            <a:off x="715617" y="1582532"/>
+            <a:ext cx="3368348" cy="2565067"/>
+          </a:xfrm>
+          <a:prstGeom prst="rect">
+            <a:avLst/>
+          </a:prstGeom>
+          <a:noFill/>
+          <a:ln>
+            <a:noFill/>
+          </a:ln>
+          <a:extLst>
+            <a:ext uri="{909E8E84-426E-40dd-AFC4-6F175D3DCCD1}">
+              <a14:hiddenFill xmlns="" xmlns:a14="http://schemas.microsoft.com/office/drawing/2010/main">
+                <a:solidFill>
+                  <a:srgbClr val="FFFFFF"/>
+                </a:solidFill>
+              </a14:hiddenFill>
+            </a:ext>
+            <a:ext uri="{91240B29-F687-4f45-9708-019B960494DF}">
+              <a14:hiddenLine xmlns="" xmlns:a14="http://schemas.microsoft.com/office/drawing/2010/main" w="12700" cap="flat">
+                <a:solidFill>
+                  <a:schemeClr val="tx1"/>
+                </a:solidFill>
+                <a:miter lim="800000"/>
+                <a:headEnd type="none" w="med" len="med"/>
+                <a:tailEnd type="none" w="med" len="med"/>
+              </a14:hiddenLine>
+            </a:ext>
+          </a:extLst>
+        </p:spPr>
+        <p:txBody>
+          <a:bodyPr lIns="0" tIns="0" rIns="0" bIns="0" anchor="t"/>
+          <a:lstStyle/>
+          <a:p>
+            <a:endParaRPr lang="en-US" sz="1800" dirty="0">
+              <a:ea typeface="ＭＳ Ｐゴシック" charset="0"/>
+              <a:sym typeface="Lato Light" charset="0"/>
+            </a:endParaRPr>
+          </a:p>
+        </p:txBody>
+      </p:sp>
+      <p:sp>
+        <p:nvSpPr>
+          <p:cNvPr id="24" name="Rectangle 7"/>
+          <p:cNvSpPr>
+            <a:spLocks/>
+          </p:cNvSpPr>
+          <p:nvPr/>
+        </p:nvSpPr>
+        <p:spPr bwMode="auto">
+          <a:xfrm>
+            <a:off x="5171902" y="1456376"/>
+            <a:ext cx="3256481" cy="2834318"/>
+          </a:xfrm>
+          <a:prstGeom prst="rect">
+            <a:avLst/>
+          </a:prstGeom>
+          <a:noFill/>
+          <a:ln>
+            <a:noFill/>
+          </a:ln>
+          <a:extLst>
+            <a:ext uri="{909E8E84-426E-40dd-AFC4-6F175D3DCCD1}">
+              <a14:hiddenFill xmlns="" xmlns:a14="http://schemas.microsoft.com/office/drawing/2010/main">
+                <a:solidFill>
+                  <a:srgbClr val="FFFFFF"/>
+                </a:solidFill>
+              </a14:hiddenFill>
+            </a:ext>
+            <a:ext uri="{91240B29-F687-4f45-9708-019B960494DF}">
+              <a14:hiddenLine xmlns="" xmlns:a14="http://schemas.microsoft.com/office/drawing/2010/main" w="12700" cap="flat">
+                <a:solidFill>
+                  <a:schemeClr val="tx1"/>
+                </a:solidFill>
+                <a:miter lim="800000"/>
+                <a:headEnd type="none" w="med" len="med"/>
+                <a:tailEnd type="none" w="med" len="med"/>
+              </a14:hiddenLine>
+            </a:ext>
+          </a:extLst>
+        </p:spPr>
+        <p:txBody>
+          <a:bodyPr lIns="0" tIns="0" rIns="0" bIns="0" anchor="t"/>
+          <a:lstStyle/>
+          <a:p>
+            <a:endParaRPr lang="en-US" sz="1800" dirty="0">
+              <a:ea typeface="ＭＳ Ｐゴシック" charset="0"/>
+              <a:cs typeface="Lato Light" charset="0"/>
+              <a:sym typeface="Lato Light" charset="0"/>
+            </a:endParaRPr>
+          </a:p>
+        </p:txBody>
+      </p:sp>
+      <p:sp>
+        <p:nvSpPr>
+          <p:cNvPr id="15" name="Title 14">
+            <a:extLst>
+              <a:ext uri="{FF2B5EF4-FFF2-40B4-BE49-F238E27FC236}">
+                <a16:creationId xmlns:a16="http://schemas.microsoft.com/office/drawing/2014/main" id="{AC70AFF7-D39C-1B45-8E56-844E670FBDCF}"/>
+              </a:ext>
+            </a:extLst>
+          </p:cNvPr>
+          <p:cNvSpPr>
+            <a:spLocks noGrp="1"/>
+          </p:cNvSpPr>
+          <p:nvPr>
+            <p:ph type="title"/>
+          </p:nvPr>
+        </p:nvSpPr>
+        <p:spPr>
+          <a:xfrm>
+            <a:off x="1122018" y="219808"/>
+            <a:ext cx="7647210" cy="638313"/>
+          </a:xfrm>
+        </p:spPr>
+        <p:txBody>
+          <a:bodyPr>
+            <a:normAutofit/>
+          </a:bodyPr>
+          <a:lstStyle/>
+          <a:p>
+            <a:r>
+              <a:rPr lang="en-US" dirty="0"/>
+              <a:t>Helm chart</a:t>
+            </a:r>
+          </a:p>
+        </p:txBody>
+      </p:sp>
+      <p:pic>
+        <p:nvPicPr>
+          <p:cNvPr id="4" name="Picture 3" descr="A blue hexagon with white and blue gears&#10;&#10;Description automatically generated">
+            <a:extLst>
+              <a:ext uri="{FF2B5EF4-FFF2-40B4-BE49-F238E27FC236}">
+                <a16:creationId xmlns:a16="http://schemas.microsoft.com/office/drawing/2014/main" id="{E3D5D9D7-1E4A-870B-BEC3-4F2878358332}"/>
+              </a:ext>
+            </a:extLst>
+          </p:cNvPr>
+          <p:cNvPicPr>
+            <a:picLocks noChangeAspect="1"/>
+          </p:cNvPicPr>
+          <p:nvPr/>
+        </p:nvPicPr>
+        <p:blipFill>
+          <a:blip r:embed="rId4"/>
+          <a:stretch>
+            <a:fillRect/>
+          </a:stretch>
+        </p:blipFill>
+        <p:spPr>
+          <a:xfrm>
+            <a:off x="309217" y="172437"/>
+            <a:ext cx="812800" cy="787400"/>
+          </a:xfrm>
+          <a:prstGeom prst="rect">
+            <a:avLst/>
+          </a:prstGeom>
+        </p:spPr>
+      </p:pic>
+      <p:sp>
+        <p:nvSpPr>
+          <p:cNvPr id="2" name="TextBox 1">
+            <a:extLst>
+              <a:ext uri="{FF2B5EF4-FFF2-40B4-BE49-F238E27FC236}">
+                <a16:creationId xmlns:a16="http://schemas.microsoft.com/office/drawing/2014/main" id="{33940E9E-4677-5B7F-B615-64BE1B2F9D8E}"/>
+              </a:ext>
+            </a:extLst>
+          </p:cNvPr>
+          <p:cNvSpPr txBox="1"/>
+          <p:nvPr/>
+        </p:nvSpPr>
+        <p:spPr>
+          <a:xfrm>
+            <a:off x="1125538" y="1480816"/>
+            <a:ext cx="3994555" cy="1569660"/>
+          </a:xfrm>
+          <a:prstGeom prst="rect">
+            <a:avLst/>
+          </a:prstGeom>
+          <a:noFill/>
+        </p:spPr>
+        <p:txBody>
+          <a:bodyPr wrap="none" rtlCol="0">
+            <a:spAutoFit/>
+          </a:bodyPr>
+          <a:lstStyle/>
+          <a:p>
+            <a:r>
+              <a:rPr lang="en-US" sz="2400" dirty="0">
+                <a:solidFill>
+                  <a:srgbClr val="7030A0"/>
+                </a:solidFill>
+                <a:effectLst/>
+              </a:rPr>
+              <a:t>A structured collection of files.</a:t>
+            </a:r>
+          </a:p>
+          <a:p>
+            <a:endParaRPr lang="en-US" sz="2400" dirty="0">
+              <a:solidFill>
+                <a:srgbClr val="7030A0"/>
+              </a:solidFill>
+            </a:endParaRPr>
+          </a:p>
+          <a:p>
+            <a:r>
+              <a:rPr lang="en-US" sz="2400" dirty="0">
+                <a:solidFill>
+                  <a:srgbClr val="7030A0"/>
+                </a:solidFill>
+                <a:effectLst/>
+              </a:rPr>
+              <a:t>A running instance = release.</a:t>
+            </a:r>
+          </a:p>
+          <a:p>
+            <a:r>
+              <a:rPr lang="en-US" sz="2400" dirty="0">
+                <a:solidFill>
+                  <a:srgbClr val="7030A0"/>
+                </a:solidFill>
+              </a:rPr>
+              <a:t> </a:t>
+            </a:r>
+          </a:p>
+        </p:txBody>
+      </p:sp>
+    </p:spTree>
+    <p:custDataLst>
+      <p:tags r:id="rId1"/>
+    </p:custDataLst>
+    <p:extLst>
+      <p:ext uri="{BB962C8B-B14F-4D97-AF65-F5344CB8AC3E}">
+        <p14:creationId xmlns:p14="http://schemas.microsoft.com/office/powerpoint/2010/main" val="2316758863"/>
+      </p:ext>
+    </p:extLst>
+  </p:cSld>
+  <p:clrMapOvr>
+    <a:masterClrMapping/>
+  </p:clrMapOvr>
+  <mc:AlternateContent xmlns:mc="http://schemas.openxmlformats.org/markup-compatibility/2006">
+    <mc:Choice xmlns:p14="http://schemas.microsoft.com/office/powerpoint/2010/main" Requires="p14">
+      <p:transition spd="slow" p14:dur="2000" advTm="92152"/>
+    </mc:Choice>
+    <mc:Fallback>
+      <p:transition spd="slow" advTm="92152"/>
+    </mc:Fallback>
+  </mc:AlternateContent>
+</p:sld>
+</file>
+
+<file path=ppt/slides/slide19.xml><?xml version="1.0" encoding="utf-8"?>
+<p:sld xmlns:a="http://schemas.openxmlformats.org/drawingml/2006/main" xmlns:r="http://schemas.openxmlformats.org/officeDocument/2006/relationships" xmlns:p="http://schemas.openxmlformats.org/presentationml/2006/main">
+  <p:cSld>
+    <p:spTree>
+      <p:nvGrpSpPr>
+        <p:cNvPr id="1" name=""/>
+        <p:cNvGrpSpPr/>
+        <p:nvPr/>
+      </p:nvGrpSpPr>
+      <p:grpSpPr>
+        <a:xfrm>
+          <a:off x="0" y="0"/>
+          <a:ext cx="0" cy="0"/>
+          <a:chOff x="0" y="0"/>
+          <a:chExt cx="0" cy="0"/>
+        </a:xfrm>
+      </p:grpSpPr>
+      <p:sp>
+        <p:nvSpPr>
+          <p:cNvPr id="12" name="Rectangle 7"/>
+          <p:cNvSpPr>
+            <a:spLocks/>
+          </p:cNvSpPr>
+          <p:nvPr/>
+        </p:nvSpPr>
+        <p:spPr bwMode="auto">
+          <a:xfrm>
+            <a:off x="715617" y="1582532"/>
+            <a:ext cx="3368348" cy="2565067"/>
+          </a:xfrm>
+          <a:prstGeom prst="rect">
+            <a:avLst/>
+          </a:prstGeom>
+          <a:noFill/>
+          <a:ln>
+            <a:noFill/>
+          </a:ln>
+          <a:extLst>
+            <a:ext uri="{909E8E84-426E-40dd-AFC4-6F175D3DCCD1}">
+              <a14:hiddenFill xmlns:a14="http://schemas.microsoft.com/office/drawing/2010/main" xmlns="">
+                <a:solidFill>
+                  <a:srgbClr val="FFFFFF"/>
+                </a:solidFill>
+              </a14:hiddenFill>
+            </a:ext>
+            <a:ext uri="{91240B29-F687-4f45-9708-019B960494DF}">
+              <a14:hiddenLine xmlns:a14="http://schemas.microsoft.com/office/drawing/2010/main" xmlns="" w="12700" cap="flat">
+                <a:solidFill>
+                  <a:schemeClr val="tx1"/>
+                </a:solidFill>
+                <a:miter lim="800000"/>
+                <a:headEnd type="none" w="med" len="med"/>
+                <a:tailEnd type="none" w="med" len="med"/>
+              </a14:hiddenLine>
+            </a:ext>
+          </a:extLst>
+        </p:spPr>
+        <p:txBody>
+          <a:bodyPr lIns="0" tIns="0" rIns="0" bIns="0" anchor="t"/>
+          <a:lstStyle/>
+          <a:p>
+            <a:endParaRPr lang="en-US" sz="1800" dirty="0">
+              <a:ea typeface="ＭＳ Ｐゴシック" charset="0"/>
+              <a:sym typeface="Lato Light" charset="0"/>
+            </a:endParaRPr>
+          </a:p>
+        </p:txBody>
+      </p:sp>
+      <p:sp>
+        <p:nvSpPr>
+          <p:cNvPr id="24" name="Rectangle 7"/>
+          <p:cNvSpPr>
+            <a:spLocks/>
+          </p:cNvSpPr>
+          <p:nvPr/>
+        </p:nvSpPr>
+        <p:spPr bwMode="auto">
+          <a:xfrm>
+            <a:off x="5171902" y="1456376"/>
+            <a:ext cx="3256481" cy="2834318"/>
+          </a:xfrm>
+          <a:prstGeom prst="rect">
+            <a:avLst/>
+          </a:prstGeom>
+          <a:noFill/>
+          <a:ln>
+            <a:noFill/>
+          </a:ln>
+          <a:extLst>
+            <a:ext uri="{909E8E84-426E-40dd-AFC4-6F175D3DCCD1}">
+              <a14:hiddenFill xmlns:a14="http://schemas.microsoft.com/office/drawing/2010/main" xmlns="">
+                <a:solidFill>
+                  <a:srgbClr val="FFFFFF"/>
+                </a:solidFill>
+              </a14:hiddenFill>
+            </a:ext>
+            <a:ext uri="{91240B29-F687-4f45-9708-019B960494DF}">
+              <a14:hiddenLine xmlns:a14="http://schemas.microsoft.com/office/drawing/2010/main" xmlns="" w="12700" cap="flat">
+                <a:solidFill>
+                  <a:schemeClr val="tx1"/>
+                </a:solidFill>
+                <a:miter lim="800000"/>
+                <a:headEnd type="none" w="med" len="med"/>
+                <a:tailEnd type="none" w="med" len="med"/>
+              </a14:hiddenLine>
+            </a:ext>
+          </a:extLst>
+        </p:spPr>
+        <p:txBody>
+          <a:bodyPr lIns="0" tIns="0" rIns="0" bIns="0" anchor="t"/>
+          <a:lstStyle/>
+          <a:p>
+            <a:endParaRPr lang="en-US" sz="1800" dirty="0">
+              <a:ea typeface="ＭＳ Ｐゴシック" charset="0"/>
+              <a:cs typeface="Lato Light" charset="0"/>
+              <a:sym typeface="Lato Light" charset="0"/>
+            </a:endParaRPr>
+          </a:p>
+        </p:txBody>
+      </p:sp>
+      <p:sp>
+        <p:nvSpPr>
+          <p:cNvPr id="15" name="Title 14">
+            <a:extLst>
+              <a:ext uri="{FF2B5EF4-FFF2-40B4-BE49-F238E27FC236}">
+                <a16:creationId xmlns:a16="http://schemas.microsoft.com/office/drawing/2014/main" id="{AC70AFF7-D39C-1B45-8E56-844E670FBDCF}"/>
+              </a:ext>
+            </a:extLst>
+          </p:cNvPr>
+          <p:cNvSpPr>
+            <a:spLocks noGrp="1"/>
+          </p:cNvSpPr>
+          <p:nvPr>
+            <p:ph type="title"/>
+          </p:nvPr>
+        </p:nvSpPr>
+        <p:spPr>
+          <a:xfrm>
+            <a:off x="1122018" y="219808"/>
+            <a:ext cx="7647210" cy="638313"/>
+          </a:xfrm>
+        </p:spPr>
+        <p:txBody>
+          <a:bodyPr>
+            <a:normAutofit/>
+          </a:bodyPr>
+          <a:lstStyle/>
+          <a:p>
+            <a:r>
+              <a:rPr lang="en-US" dirty="0"/>
+              <a:t>Helm chart features</a:t>
+            </a:r>
+          </a:p>
+        </p:txBody>
+      </p:sp>
+      <p:pic>
+        <p:nvPicPr>
+          <p:cNvPr id="4" name="Picture 3" descr="A blue hexagon with white and blue gears&#10;&#10;Description automatically generated">
+            <a:extLst>
+              <a:ext uri="{FF2B5EF4-FFF2-40B4-BE49-F238E27FC236}">
+                <a16:creationId xmlns:a16="http://schemas.microsoft.com/office/drawing/2014/main" id="{E3D5D9D7-1E4A-870B-BEC3-4F2878358332}"/>
+              </a:ext>
+            </a:extLst>
+          </p:cNvPr>
+          <p:cNvPicPr>
+            <a:picLocks noChangeAspect="1"/>
+          </p:cNvPicPr>
+          <p:nvPr/>
+        </p:nvPicPr>
+        <p:blipFill>
+          <a:blip r:embed="rId4"/>
+          <a:stretch>
+            <a:fillRect/>
+          </a:stretch>
+        </p:blipFill>
+        <p:spPr>
+          <a:xfrm>
+            <a:off x="309217" y="172437"/>
+            <a:ext cx="812800" cy="787400"/>
+          </a:xfrm>
+          <a:prstGeom prst="rect">
+            <a:avLst/>
+          </a:prstGeom>
+        </p:spPr>
+      </p:pic>
+      <p:sp>
+        <p:nvSpPr>
+          <p:cNvPr id="2" name="TextBox 1">
+            <a:extLst>
+              <a:ext uri="{FF2B5EF4-FFF2-40B4-BE49-F238E27FC236}">
+                <a16:creationId xmlns:a16="http://schemas.microsoft.com/office/drawing/2014/main" id="{33940E9E-4677-5B7F-B615-64BE1B2F9D8E}"/>
+              </a:ext>
+            </a:extLst>
+          </p:cNvPr>
+          <p:cNvSpPr txBox="1"/>
+          <p:nvPr/>
+        </p:nvSpPr>
+        <p:spPr>
+          <a:xfrm>
+            <a:off x="1125538" y="1480816"/>
+            <a:ext cx="3788858" cy="2677656"/>
+          </a:xfrm>
+          <a:prstGeom prst="rect">
+            <a:avLst/>
+          </a:prstGeom>
+          <a:noFill/>
+        </p:spPr>
+        <p:txBody>
+          <a:bodyPr wrap="none" rtlCol="0">
+            <a:spAutoFit/>
+          </a:bodyPr>
+          <a:lstStyle/>
+          <a:p>
+            <a:pPr marL="342900" indent="-342900">
+              <a:buFont typeface="Arial" panose="020B0604020202020204" pitchFamily="34" charset="0"/>
+              <a:buChar char="•"/>
+            </a:pPr>
+            <a:r>
+              <a:rPr lang="en-US" sz="2400" dirty="0">
+                <a:solidFill>
+                  <a:srgbClr val="7030A0"/>
+                </a:solidFill>
+                <a:effectLst/>
+              </a:rPr>
+              <a:t>Track changes via versions</a:t>
+            </a:r>
+          </a:p>
+          <a:p>
+            <a:pPr marL="342900" indent="-342900">
+              <a:buFont typeface="Arial" panose="020B0604020202020204" pitchFamily="34" charset="0"/>
+              <a:buChar char="•"/>
+            </a:pPr>
+            <a:r>
+              <a:rPr lang="en-US" sz="2400" dirty="0">
+                <a:solidFill>
+                  <a:srgbClr val="7030A0"/>
+                </a:solidFill>
+              </a:rPr>
+              <a:t>View release history</a:t>
+            </a:r>
+          </a:p>
+          <a:p>
+            <a:pPr marL="342900" indent="-342900">
+              <a:buFont typeface="Arial" panose="020B0604020202020204" pitchFamily="34" charset="0"/>
+              <a:buChar char="•"/>
+            </a:pPr>
+            <a:r>
+              <a:rPr lang="en-US" sz="2400" dirty="0">
+                <a:solidFill>
+                  <a:srgbClr val="7030A0"/>
+                </a:solidFill>
+                <a:effectLst/>
+              </a:rPr>
+              <a:t>Rollback a release</a:t>
+            </a:r>
+          </a:p>
+          <a:p>
+            <a:pPr marL="342900" indent="-342900">
+              <a:buFont typeface="Arial" panose="020B0604020202020204" pitchFamily="34" charset="0"/>
+              <a:buChar char="•"/>
+            </a:pPr>
+            <a:r>
+              <a:rPr lang="en-US" sz="2400" dirty="0">
+                <a:solidFill>
+                  <a:srgbClr val="7030A0"/>
+                </a:solidFill>
+              </a:rPr>
+              <a:t>“Docker image” a chart</a:t>
+            </a:r>
+          </a:p>
+          <a:p>
+            <a:pPr marL="342900" indent="-342900">
+              <a:buFont typeface="Arial" panose="020B0604020202020204" pitchFamily="34" charset="0"/>
+              <a:buChar char="•"/>
+            </a:pPr>
+            <a:r>
+              <a:rPr lang="en-US" sz="2400" dirty="0">
+                <a:solidFill>
+                  <a:srgbClr val="7030A0"/>
+                </a:solidFill>
+              </a:rPr>
+              <a:t>Share via a remote repo</a:t>
+            </a:r>
+          </a:p>
+          <a:p>
+            <a:pPr marL="342900" indent="-342900">
+              <a:buFont typeface="Arial" panose="020B0604020202020204" pitchFamily="34" charset="0"/>
+              <a:buChar char="•"/>
+            </a:pPr>
+            <a:r>
+              <a:rPr lang="en-US" sz="2400" dirty="0">
+                <a:solidFill>
+                  <a:srgbClr val="7030A0"/>
+                </a:solidFill>
+              </a:rPr>
+              <a:t>Add dependencies </a:t>
+            </a:r>
+            <a:endParaRPr lang="en-US" sz="2400" dirty="0">
+              <a:solidFill>
+                <a:srgbClr val="7030A0"/>
+              </a:solidFill>
+              <a:effectLst/>
+            </a:endParaRPr>
+          </a:p>
+          <a:p>
+            <a:r>
+              <a:rPr lang="en-US" sz="2400" dirty="0">
+                <a:solidFill>
+                  <a:srgbClr val="7030A0"/>
+                </a:solidFill>
+              </a:rPr>
+              <a:t> </a:t>
+            </a:r>
+          </a:p>
+        </p:txBody>
+      </p:sp>
+    </p:spTree>
+    <p:custDataLst>
+      <p:tags r:id="rId1"/>
+    </p:custDataLst>
+    <p:extLst>
+      <p:ext uri="{BB962C8B-B14F-4D97-AF65-F5344CB8AC3E}">
+        <p14:creationId xmlns:p14="http://schemas.microsoft.com/office/powerpoint/2010/main" val="259788072"/>
+      </p:ext>
+    </p:extLst>
+  </p:cSld>
+  <p:clrMapOvr>
+    <a:masterClrMapping/>
+  </p:clrMapOvr>
+  <mc:AlternateContent xmlns:mc="http://schemas.openxmlformats.org/markup-compatibility/2006">
+    <mc:Choice xmlns:p14="http://schemas.microsoft.com/office/powerpoint/2010/main" Requires="p14">
+      <p:transition spd="slow" p14:dur="2000" advTm="92152"/>
+    </mc:Choice>
+    <mc:Fallback>
+      <p:transition spd="slow" advTm="92152"/>
+    </mc:Fallback>
+  </mc:AlternateContent>
+</p:sld>
+</file>
+
+<file path=ppt/slides/slide2.xml><?xml version="1.0" encoding="utf-8"?>
+<p:sld xmlns:a="http://schemas.openxmlformats.org/drawingml/2006/main" xmlns:r="http://schemas.openxmlformats.org/officeDocument/2006/relationships" xmlns:p="http://schemas.openxmlformats.org/presentationml/2006/main">
+  <p:cSld>
+    <p:spTree>
+      <p:nvGrpSpPr>
+        <p:cNvPr id="1" name=""/>
+        <p:cNvGrpSpPr/>
+        <p:nvPr/>
+      </p:nvGrpSpPr>
+      <p:grpSpPr>
+        <a:xfrm>
+          <a:off x="0" y="0"/>
+          <a:ext cx="0" cy="0"/>
+          <a:chOff x="0" y="0"/>
+          <a:chExt cx="0" cy="0"/>
+        </a:xfrm>
+      </p:grpSpPr>
+      <p:sp>
+        <p:nvSpPr>
+          <p:cNvPr id="35" name="Rounded Rectangle 34">
+            <a:extLst>
+              <a:ext uri="{FF2B5EF4-FFF2-40B4-BE49-F238E27FC236}">
+                <a16:creationId xmlns:a16="http://schemas.microsoft.com/office/drawing/2014/main" id="{E4B44EE6-6553-7A48-A99C-D2C7DFFBED27}"/>
+              </a:ext>
+            </a:extLst>
+          </p:cNvPr>
+          <p:cNvSpPr/>
+          <p:nvPr/>
+        </p:nvSpPr>
+        <p:spPr>
+          <a:xfrm>
+            <a:off x="277421" y="1456376"/>
+            <a:ext cx="4075481" cy="3120987"/>
+          </a:xfrm>
+          <a:prstGeom prst="roundRect">
+            <a:avLst/>
+          </a:prstGeom>
+          <a:solidFill>
+            <a:schemeClr val="bg1">
+              <a:lumMod val="95000"/>
+            </a:schemeClr>
+          </a:solidFill>
+          <a:ln>
+            <a:noFill/>
+          </a:ln>
+        </p:spPr>
+        <p:style>
+          <a:lnRef idx="2">
+            <a:schemeClr val="accent1">
+              <a:shade val="50000"/>
+            </a:schemeClr>
+          </a:lnRef>
+          <a:fillRef idx="1">
+            <a:schemeClr val="accent1"/>
+          </a:fillRef>
+          <a:effectRef idx="0">
+            <a:schemeClr val="accent1"/>
+          </a:effectRef>
+          <a:fontRef idx="minor">
+            <a:schemeClr val="lt1"/>
+          </a:fontRef>
+        </p:style>
+        <p:txBody>
+          <a:bodyPr rot="0" spcFirstLastPara="0" vertOverflow="overflow" horzOverflow="overflow" vert="horz" wrap="square" lIns="91440" tIns="45720" rIns="91440" bIns="45720" numCol="1" spcCol="0" rtlCol="0" fromWordArt="0" anchor="t" anchorCtr="0" forceAA="0" compatLnSpc="1">
+            <a:prstTxWarp prst="textNoShape">
+              <a:avLst/>
+            </a:prstTxWarp>
+            <a:noAutofit/>
+          </a:bodyPr>
+          <a:lstStyle/>
+          <a:p>
+            <a:pPr marL="285750" indent="-285750">
+              <a:buFont typeface="Arial" panose="020B0604020202020204" pitchFamily="34" charset="0"/>
+              <a:buChar char="•"/>
+            </a:pPr>
+            <a:r>
+              <a:rPr lang="en-US" sz="1800" dirty="0">
+                <a:solidFill>
+                  <a:schemeClr val="bg1">
+                    <a:lumMod val="65000"/>
+                  </a:schemeClr>
+                </a:solidFill>
+              </a:rPr>
+              <a:t>Intro into API Server (core API and structure), discovery</a:t>
+            </a:r>
+          </a:p>
+          <a:p>
+            <a:pPr marL="285750" indent="-285750">
+              <a:buFont typeface="Arial" panose="020B0604020202020204" pitchFamily="34" charset="0"/>
+              <a:buChar char="•"/>
+            </a:pPr>
+            <a:r>
+              <a:rPr lang="en-US" sz="1800" dirty="0">
+                <a:solidFill>
+                  <a:schemeClr val="bg1">
+                    <a:lumMod val="65000"/>
+                  </a:schemeClr>
+                </a:solidFill>
+              </a:rPr>
+              <a:t>Extending the API Server with a custom API</a:t>
+            </a:r>
+          </a:p>
+          <a:p>
+            <a:pPr marL="285750" indent="-285750">
+              <a:buFont typeface="Arial" panose="020B0604020202020204" pitchFamily="34" charset="0"/>
+              <a:buChar char="•"/>
+            </a:pPr>
+            <a:r>
+              <a:rPr lang="en-US" sz="1800" dirty="0">
+                <a:solidFill>
+                  <a:schemeClr val="bg1">
+                    <a:lumMod val="65000"/>
+                  </a:schemeClr>
+                </a:solidFill>
+              </a:rPr>
+              <a:t>Accessing the API Server via client libraries</a:t>
+            </a:r>
+          </a:p>
+          <a:p>
+            <a:pPr marL="285750" indent="-285750">
+              <a:buFont typeface="Arial" panose="020B0604020202020204" pitchFamily="34" charset="0"/>
+              <a:buChar char="•"/>
+            </a:pPr>
+            <a:r>
+              <a:rPr lang="en-US" sz="1800" dirty="0">
+                <a:solidFill>
+                  <a:schemeClr val="bg1">
+                    <a:lumMod val="65000"/>
+                  </a:schemeClr>
+                </a:solidFill>
+              </a:rPr>
+              <a:t>Metrics server overview</a:t>
+            </a:r>
+          </a:p>
+        </p:txBody>
+      </p:sp>
+      <p:sp>
+        <p:nvSpPr>
+          <p:cNvPr id="34" name="Rounded Rectangle 33">
+            <a:extLst>
+              <a:ext uri="{FF2B5EF4-FFF2-40B4-BE49-F238E27FC236}">
+                <a16:creationId xmlns:a16="http://schemas.microsoft.com/office/drawing/2014/main" id="{357D3670-FEDA-4040-82F7-4BA72E4DAA77}"/>
+              </a:ext>
+            </a:extLst>
+          </p:cNvPr>
+          <p:cNvSpPr/>
+          <p:nvPr/>
+        </p:nvSpPr>
+        <p:spPr>
+          <a:xfrm>
+            <a:off x="4651074" y="1456374"/>
+            <a:ext cx="4075481" cy="3109427"/>
+          </a:xfrm>
+          <a:prstGeom prst="roundRect">
+            <a:avLst/>
+          </a:prstGeom>
+          <a:solidFill>
+            <a:schemeClr val="bg1">
+              <a:lumMod val="95000"/>
+            </a:schemeClr>
+          </a:solidFill>
+          <a:ln>
+            <a:noFill/>
+          </a:ln>
+        </p:spPr>
+        <p:style>
+          <a:lnRef idx="2">
+            <a:schemeClr val="accent1">
+              <a:shade val="50000"/>
+            </a:schemeClr>
+          </a:lnRef>
+          <a:fillRef idx="1">
+            <a:schemeClr val="accent1"/>
+          </a:fillRef>
+          <a:effectRef idx="0">
+            <a:schemeClr val="accent1"/>
+          </a:effectRef>
+          <a:fontRef idx="minor">
+            <a:schemeClr val="lt1"/>
+          </a:fontRef>
+        </p:style>
+        <p:txBody>
+          <a:bodyPr rtlCol="0" anchor="t"/>
+          <a:lstStyle/>
+          <a:p>
+            <a:pPr marL="285750" indent="-285750">
+              <a:buFont typeface="Arial" panose="020B0604020202020204" pitchFamily="34" charset="0"/>
+              <a:buChar char="•"/>
+            </a:pPr>
+            <a:r>
+              <a:rPr lang="en-US" sz="1800" dirty="0">
+                <a:solidFill>
+                  <a:srgbClr val="6E53BB"/>
+                </a:solidFill>
+                <a:effectLst/>
+              </a:rPr>
+              <a:t>Custom Resource Definitions (CRDs)</a:t>
+            </a:r>
+          </a:p>
+          <a:p>
+            <a:pPr marL="285750" indent="-285750">
+              <a:buFont typeface="Arial" panose="020B0604020202020204" pitchFamily="34" charset="0"/>
+              <a:buChar char="•"/>
+            </a:pPr>
+            <a:r>
+              <a:rPr lang="en-US" sz="1800" dirty="0">
+                <a:solidFill>
+                  <a:srgbClr val="6E53BB"/>
+                </a:solidFill>
+              </a:rPr>
+              <a:t>CRD controllers</a:t>
+            </a:r>
+            <a:endParaRPr lang="en-US" sz="1800" dirty="0">
+              <a:solidFill>
+                <a:srgbClr val="6E53BB"/>
+              </a:solidFill>
+              <a:effectLst/>
+            </a:endParaRPr>
+          </a:p>
+          <a:p>
+            <a:pPr marL="285750" indent="-285750">
+              <a:buFont typeface="Arial" panose="020B0604020202020204" pitchFamily="34" charset="0"/>
+              <a:buChar char="•"/>
+            </a:pPr>
+            <a:r>
+              <a:rPr lang="en-US" sz="1800" dirty="0">
+                <a:solidFill>
+                  <a:srgbClr val="6E53BB"/>
+                </a:solidFill>
+              </a:rPr>
+              <a:t>Kubernetes operator library</a:t>
+            </a:r>
+          </a:p>
+          <a:p>
+            <a:pPr marL="285750" indent="-285750">
+              <a:buFont typeface="Arial" panose="020B0604020202020204" pitchFamily="34" charset="0"/>
+              <a:buChar char="•"/>
+            </a:pPr>
+            <a:r>
+              <a:rPr lang="en-US" sz="1800" dirty="0">
+                <a:solidFill>
+                  <a:srgbClr val="6E53BB"/>
+                </a:solidFill>
+                <a:effectLst/>
+              </a:rPr>
+              <a:t>Using Helm</a:t>
+            </a:r>
+          </a:p>
+          <a:p>
+            <a:pPr algn="ctr"/>
+            <a:endParaRPr dirty="0"/>
+          </a:p>
+        </p:txBody>
+      </p:sp>
+      <p:sp>
+        <p:nvSpPr>
+          <p:cNvPr id="12" name="Rectangle 7"/>
+          <p:cNvSpPr>
+            <a:spLocks/>
+          </p:cNvSpPr>
+          <p:nvPr/>
+        </p:nvSpPr>
+        <p:spPr bwMode="auto">
+          <a:xfrm>
+            <a:off x="715617" y="1582532"/>
+            <a:ext cx="3368348" cy="2565067"/>
+          </a:xfrm>
+          <a:prstGeom prst="rect">
+            <a:avLst/>
+          </a:prstGeom>
+          <a:noFill/>
+          <a:ln>
+            <a:noFill/>
+          </a:ln>
+          <a:extLst>
+            <a:ext uri="{909E8E84-426E-40dd-AFC4-6F175D3DCCD1}">
+              <a14:hiddenFill xmlns:a14="http://schemas.microsoft.com/office/drawing/2010/main" xmlns="">
+                <a:solidFill>
+                  <a:srgbClr val="FFFFFF"/>
+                </a:solidFill>
+              </a14:hiddenFill>
+            </a:ext>
+            <a:ext uri="{91240B29-F687-4f45-9708-019B960494DF}">
+              <a14:hiddenLine xmlns:a14="http://schemas.microsoft.com/office/drawing/2010/main" xmlns="" w="12700" cap="flat">
+                <a:solidFill>
+                  <a:schemeClr val="tx1"/>
+                </a:solidFill>
+                <a:miter lim="800000"/>
+                <a:headEnd type="none" w="med" len="med"/>
+                <a:tailEnd type="none" w="med" len="med"/>
+              </a14:hiddenLine>
+            </a:ext>
+          </a:extLst>
+        </p:spPr>
+        <p:txBody>
+          <a:bodyPr lIns="0" tIns="0" rIns="0" bIns="0" anchor="t"/>
+          <a:lstStyle/>
+          <a:p>
+            <a:endParaRPr lang="en-US" sz="1800" dirty="0">
+              <a:ea typeface="ＭＳ Ｐゴシック" charset="0"/>
+              <a:sym typeface="Lato Light" charset="0"/>
+            </a:endParaRPr>
+          </a:p>
+        </p:txBody>
+      </p:sp>
+      <p:sp>
+        <p:nvSpPr>
+          <p:cNvPr id="24" name="Rectangle 7"/>
+          <p:cNvSpPr>
+            <a:spLocks/>
+          </p:cNvSpPr>
+          <p:nvPr/>
+        </p:nvSpPr>
+        <p:spPr bwMode="auto">
+          <a:xfrm>
+            <a:off x="5171902" y="1456376"/>
+            <a:ext cx="3256481" cy="2834318"/>
+          </a:xfrm>
+          <a:prstGeom prst="rect">
+            <a:avLst/>
+          </a:prstGeom>
+          <a:noFill/>
+          <a:ln>
+            <a:noFill/>
+          </a:ln>
+          <a:extLst>
+            <a:ext uri="{909E8E84-426E-40dd-AFC4-6F175D3DCCD1}">
+              <a14:hiddenFill xmlns:a14="http://schemas.microsoft.com/office/drawing/2010/main" xmlns="">
+                <a:solidFill>
+                  <a:srgbClr val="FFFFFF"/>
+                </a:solidFill>
+              </a14:hiddenFill>
+            </a:ext>
+            <a:ext uri="{91240B29-F687-4f45-9708-019B960494DF}">
+              <a14:hiddenLine xmlns:a14="http://schemas.microsoft.com/office/drawing/2010/main" xmlns="" w="12700" cap="flat">
+                <a:solidFill>
+                  <a:schemeClr val="tx1"/>
+                </a:solidFill>
+                <a:miter lim="800000"/>
+                <a:headEnd type="none" w="med" len="med"/>
+                <a:tailEnd type="none" w="med" len="med"/>
+              </a14:hiddenLine>
+            </a:ext>
+          </a:extLst>
+        </p:spPr>
+        <p:txBody>
+          <a:bodyPr lIns="0" tIns="0" rIns="0" bIns="0" anchor="t"/>
+          <a:lstStyle/>
+          <a:p>
+            <a:endParaRPr lang="en-US" sz="1800" dirty="0">
+              <a:ea typeface="ＭＳ Ｐゴシック" charset="0"/>
+              <a:cs typeface="Lato Light" charset="0"/>
+              <a:sym typeface="Lato Light" charset="0"/>
+            </a:endParaRPr>
+          </a:p>
+        </p:txBody>
+      </p:sp>
+      <p:sp>
+        <p:nvSpPr>
+          <p:cNvPr id="15" name="Title 14">
+            <a:extLst>
+              <a:ext uri="{FF2B5EF4-FFF2-40B4-BE49-F238E27FC236}">
+                <a16:creationId xmlns:a16="http://schemas.microsoft.com/office/drawing/2014/main" id="{AC70AFF7-D39C-1B45-8E56-844E670FBDCF}"/>
+              </a:ext>
+            </a:extLst>
+          </p:cNvPr>
+          <p:cNvSpPr>
+            <a:spLocks noGrp="1"/>
+          </p:cNvSpPr>
+          <p:nvPr>
+            <p:ph type="title"/>
+          </p:nvPr>
+        </p:nvSpPr>
+        <p:spPr>
+          <a:xfrm>
+            <a:off x="1122018" y="219808"/>
+            <a:ext cx="7647210" cy="638313"/>
+          </a:xfrm>
+        </p:spPr>
+        <p:txBody>
           <a:bodyPr/>
           <a:lstStyle/>
           <a:p>
             <a:r>
               <a:rPr lang="en-US" dirty="0"/>
-              <a:t>References</a:t>
+              <a:t>Overview</a:t>
+            </a:r>
+          </a:p>
+        </p:txBody>
+      </p:sp>
+      <p:pic>
+        <p:nvPicPr>
+          <p:cNvPr id="4" name="Picture 3" descr="A blue hexagon with white and blue gears&#10;&#10;Description automatically generated">
+            <a:extLst>
+              <a:ext uri="{FF2B5EF4-FFF2-40B4-BE49-F238E27FC236}">
+                <a16:creationId xmlns:a16="http://schemas.microsoft.com/office/drawing/2014/main" id="{E3D5D9D7-1E4A-870B-BEC3-4F2878358332}"/>
+              </a:ext>
+            </a:extLst>
+          </p:cNvPr>
+          <p:cNvPicPr>
+            <a:picLocks noChangeAspect="1"/>
+          </p:cNvPicPr>
+          <p:nvPr/>
+        </p:nvPicPr>
+        <p:blipFill>
+          <a:blip r:embed="rId4"/>
+          <a:stretch>
+            <a:fillRect/>
+          </a:stretch>
+        </p:blipFill>
+        <p:spPr>
+          <a:xfrm>
+            <a:off x="309217" y="172437"/>
+            <a:ext cx="812800" cy="787400"/>
+          </a:xfrm>
+          <a:prstGeom prst="rect">
+            <a:avLst/>
+          </a:prstGeom>
+        </p:spPr>
+      </p:pic>
+      <p:sp>
+        <p:nvSpPr>
+          <p:cNvPr id="6" name="TextBox 5">
+            <a:extLst>
+              <a:ext uri="{FF2B5EF4-FFF2-40B4-BE49-F238E27FC236}">
+                <a16:creationId xmlns:a16="http://schemas.microsoft.com/office/drawing/2014/main" id="{0E1BDD91-8565-80A6-C782-AFDB3CD8F9CA}"/>
+              </a:ext>
+            </a:extLst>
+          </p:cNvPr>
+          <p:cNvSpPr txBox="1"/>
+          <p:nvPr/>
+        </p:nvSpPr>
+        <p:spPr>
+          <a:xfrm>
+            <a:off x="1929538" y="998305"/>
+            <a:ext cx="940505" cy="461665"/>
+          </a:xfrm>
+          <a:prstGeom prst="rect">
+            <a:avLst/>
+          </a:prstGeom>
+          <a:noFill/>
+        </p:spPr>
+        <p:txBody>
+          <a:bodyPr wrap="square" rtlCol="0">
+            <a:spAutoFit/>
+          </a:bodyPr>
+          <a:lstStyle/>
+          <a:p>
+            <a:r>
+              <a:rPr lang="en-US" sz="2400" dirty="0">
+                <a:solidFill>
+                  <a:schemeClr val="bg1">
+                    <a:lumMod val="65000"/>
+                  </a:schemeClr>
+                </a:solidFill>
+              </a:rPr>
+              <a:t>Part 1</a:t>
+            </a:r>
+          </a:p>
+        </p:txBody>
+      </p:sp>
+      <p:sp>
+        <p:nvSpPr>
+          <p:cNvPr id="8" name="TextBox 7">
+            <a:extLst>
+              <a:ext uri="{FF2B5EF4-FFF2-40B4-BE49-F238E27FC236}">
+                <a16:creationId xmlns:a16="http://schemas.microsoft.com/office/drawing/2014/main" id="{A4A0E69B-7CBB-A033-68D8-3A122ED3F0C0}"/>
+              </a:ext>
+            </a:extLst>
+          </p:cNvPr>
+          <p:cNvSpPr txBox="1"/>
+          <p:nvPr/>
+        </p:nvSpPr>
+        <p:spPr>
+          <a:xfrm>
+            <a:off x="6226915" y="994708"/>
+            <a:ext cx="940505" cy="461665"/>
+          </a:xfrm>
+          <a:prstGeom prst="rect">
+            <a:avLst/>
+          </a:prstGeom>
+          <a:noFill/>
+        </p:spPr>
+        <p:txBody>
+          <a:bodyPr wrap="square" rtlCol="0">
+            <a:spAutoFit/>
+          </a:bodyPr>
+          <a:lstStyle/>
+          <a:p>
+            <a:r>
+              <a:rPr lang="en-US" sz="2400" dirty="0">
+                <a:solidFill>
+                  <a:schemeClr val="accent1">
+                    <a:lumMod val="75000"/>
+                  </a:schemeClr>
+                </a:solidFill>
+              </a:rPr>
+              <a:t>Part 2</a:t>
+            </a:r>
+          </a:p>
+        </p:txBody>
+      </p:sp>
+    </p:spTree>
+    <p:custDataLst>
+      <p:tags r:id="rId1"/>
+    </p:custDataLst>
+    <p:extLst>
+      <p:ext uri="{BB962C8B-B14F-4D97-AF65-F5344CB8AC3E}">
+        <p14:creationId xmlns:p14="http://schemas.microsoft.com/office/powerpoint/2010/main" val="2467407418"/>
+      </p:ext>
+    </p:extLst>
+  </p:cSld>
+  <p:clrMapOvr>
+    <a:masterClrMapping/>
+  </p:clrMapOvr>
+  <mc:AlternateContent xmlns:mc="http://schemas.openxmlformats.org/markup-compatibility/2006" xmlns:p14="http://schemas.microsoft.com/office/powerpoint/2010/main">
+    <mc:Choice Requires="p14">
+      <p:transition spd="slow" p14:dur="2000" advTm="92152"/>
+    </mc:Choice>
+    <mc:Fallback xmlns="">
+      <p:transition spd="slow" advTm="92152"/>
+    </mc:Fallback>
+  </mc:AlternateContent>
+</p:sld>
+</file>
+
+<file path=ppt/slides/slide20.xml><?xml version="1.0" encoding="utf-8"?>
+<p:sld xmlns:a="http://schemas.openxmlformats.org/drawingml/2006/main" xmlns:r="http://schemas.openxmlformats.org/officeDocument/2006/relationships" xmlns:p="http://schemas.openxmlformats.org/presentationml/2006/main">
+  <p:cSld>
+    <p:spTree>
+      <p:nvGrpSpPr>
+        <p:cNvPr id="1" name=""/>
+        <p:cNvGrpSpPr/>
+        <p:nvPr/>
+      </p:nvGrpSpPr>
+      <p:grpSpPr>
+        <a:xfrm>
+          <a:off x="0" y="0"/>
+          <a:ext cx="0" cy="0"/>
+          <a:chOff x="0" y="0"/>
+          <a:chExt cx="0" cy="0"/>
+        </a:xfrm>
+      </p:grpSpPr>
+      <p:sp>
+        <p:nvSpPr>
+          <p:cNvPr id="12" name="Rectangle 7"/>
+          <p:cNvSpPr>
+            <a:spLocks/>
+          </p:cNvSpPr>
+          <p:nvPr/>
+        </p:nvSpPr>
+        <p:spPr bwMode="auto">
+          <a:xfrm>
+            <a:off x="715617" y="1582532"/>
+            <a:ext cx="3368348" cy="2565067"/>
+          </a:xfrm>
+          <a:prstGeom prst="rect">
+            <a:avLst/>
+          </a:prstGeom>
+          <a:noFill/>
+          <a:ln>
+            <a:noFill/>
+          </a:ln>
+          <a:extLst>
+            <a:ext uri="{909E8E84-426E-40dd-AFC4-6F175D3DCCD1}">
+              <a14:hiddenFill xmlns="" xmlns:a14="http://schemas.microsoft.com/office/drawing/2010/main">
+                <a:solidFill>
+                  <a:srgbClr val="FFFFFF"/>
+                </a:solidFill>
+              </a14:hiddenFill>
+            </a:ext>
+            <a:ext uri="{91240B29-F687-4f45-9708-019B960494DF}">
+              <a14:hiddenLine xmlns="" xmlns:a14="http://schemas.microsoft.com/office/drawing/2010/main" w="12700" cap="flat">
+                <a:solidFill>
+                  <a:schemeClr val="tx1"/>
+                </a:solidFill>
+                <a:miter lim="800000"/>
+                <a:headEnd type="none" w="med" len="med"/>
+                <a:tailEnd type="none" w="med" len="med"/>
+              </a14:hiddenLine>
+            </a:ext>
+          </a:extLst>
+        </p:spPr>
+        <p:txBody>
+          <a:bodyPr lIns="0" tIns="0" rIns="0" bIns="0" anchor="t"/>
+          <a:lstStyle/>
+          <a:p>
+            <a:endParaRPr lang="en-US" sz="1800" dirty="0">
+              <a:ea typeface="ＭＳ Ｐゴシック" charset="0"/>
+              <a:sym typeface="Lato Light" charset="0"/>
+            </a:endParaRPr>
+          </a:p>
+        </p:txBody>
+      </p:sp>
+      <p:sp>
+        <p:nvSpPr>
+          <p:cNvPr id="24" name="Rectangle 7"/>
+          <p:cNvSpPr>
+            <a:spLocks/>
+          </p:cNvSpPr>
+          <p:nvPr/>
+        </p:nvSpPr>
+        <p:spPr bwMode="auto">
+          <a:xfrm>
+            <a:off x="5171902" y="1456376"/>
+            <a:ext cx="3256481" cy="2834318"/>
+          </a:xfrm>
+          <a:prstGeom prst="rect">
+            <a:avLst/>
+          </a:prstGeom>
+          <a:noFill/>
+          <a:ln>
+            <a:noFill/>
+          </a:ln>
+          <a:extLst>
+            <a:ext uri="{909E8E84-426E-40dd-AFC4-6F175D3DCCD1}">
+              <a14:hiddenFill xmlns="" xmlns:a14="http://schemas.microsoft.com/office/drawing/2010/main">
+                <a:solidFill>
+                  <a:srgbClr val="FFFFFF"/>
+                </a:solidFill>
+              </a14:hiddenFill>
+            </a:ext>
+            <a:ext uri="{91240B29-F687-4f45-9708-019B960494DF}">
+              <a14:hiddenLine xmlns="" xmlns:a14="http://schemas.microsoft.com/office/drawing/2010/main" w="12700" cap="flat">
+                <a:solidFill>
+                  <a:schemeClr val="tx1"/>
+                </a:solidFill>
+                <a:miter lim="800000"/>
+                <a:headEnd type="none" w="med" len="med"/>
+                <a:tailEnd type="none" w="med" len="med"/>
+              </a14:hiddenLine>
+            </a:ext>
+          </a:extLst>
+        </p:spPr>
+        <p:txBody>
+          <a:bodyPr lIns="0" tIns="0" rIns="0" bIns="0" anchor="t"/>
+          <a:lstStyle/>
+          <a:p>
+            <a:endParaRPr lang="en-US" sz="1800" dirty="0">
+              <a:ea typeface="ＭＳ Ｐゴシック" charset="0"/>
+              <a:cs typeface="Lato Light" charset="0"/>
+              <a:sym typeface="Lato Light" charset="0"/>
+            </a:endParaRPr>
+          </a:p>
+        </p:txBody>
+      </p:sp>
+      <p:sp>
+        <p:nvSpPr>
+          <p:cNvPr id="15" name="Title 14">
+            <a:extLst>
+              <a:ext uri="{FF2B5EF4-FFF2-40B4-BE49-F238E27FC236}">
+                <a16:creationId xmlns:a16="http://schemas.microsoft.com/office/drawing/2014/main" id="{AC70AFF7-D39C-1B45-8E56-844E670FBDCF}"/>
+              </a:ext>
+            </a:extLst>
+          </p:cNvPr>
+          <p:cNvSpPr>
+            <a:spLocks noGrp="1"/>
+          </p:cNvSpPr>
+          <p:nvPr>
+            <p:ph type="title"/>
+          </p:nvPr>
+        </p:nvSpPr>
+        <p:spPr>
+          <a:xfrm>
+            <a:off x="1122018" y="219808"/>
+            <a:ext cx="7647210" cy="638313"/>
+          </a:xfrm>
+        </p:spPr>
+        <p:txBody>
+          <a:bodyPr>
+            <a:normAutofit/>
+          </a:bodyPr>
+          <a:lstStyle/>
+          <a:p>
+            <a:r>
+              <a:rPr lang="en-US" dirty="0"/>
+              <a:t>Helm chart features</a:t>
+            </a:r>
+          </a:p>
+        </p:txBody>
+      </p:sp>
+      <p:pic>
+        <p:nvPicPr>
+          <p:cNvPr id="4" name="Picture 3" descr="A blue hexagon with white and blue gears&#10;&#10;Description automatically generated">
+            <a:extLst>
+              <a:ext uri="{FF2B5EF4-FFF2-40B4-BE49-F238E27FC236}">
+                <a16:creationId xmlns:a16="http://schemas.microsoft.com/office/drawing/2014/main" id="{E3D5D9D7-1E4A-870B-BEC3-4F2878358332}"/>
+              </a:ext>
+            </a:extLst>
+          </p:cNvPr>
+          <p:cNvPicPr>
+            <a:picLocks noChangeAspect="1"/>
+          </p:cNvPicPr>
+          <p:nvPr/>
+        </p:nvPicPr>
+        <p:blipFill>
+          <a:blip r:embed="rId4"/>
+          <a:stretch>
+            <a:fillRect/>
+          </a:stretch>
+        </p:blipFill>
+        <p:spPr>
+          <a:xfrm>
+            <a:off x="309217" y="172437"/>
+            <a:ext cx="812800" cy="787400"/>
+          </a:xfrm>
+          <a:prstGeom prst="rect">
+            <a:avLst/>
+          </a:prstGeom>
+        </p:spPr>
+      </p:pic>
+      <p:sp>
+        <p:nvSpPr>
+          <p:cNvPr id="2" name="TextBox 1">
+            <a:extLst>
+              <a:ext uri="{FF2B5EF4-FFF2-40B4-BE49-F238E27FC236}">
+                <a16:creationId xmlns:a16="http://schemas.microsoft.com/office/drawing/2014/main" id="{33940E9E-4677-5B7F-B615-64BE1B2F9D8E}"/>
+              </a:ext>
+            </a:extLst>
+          </p:cNvPr>
+          <p:cNvSpPr txBox="1"/>
+          <p:nvPr/>
+        </p:nvSpPr>
+        <p:spPr>
+          <a:xfrm>
+            <a:off x="1125538" y="1480816"/>
+            <a:ext cx="3788858" cy="2677656"/>
+          </a:xfrm>
+          <a:prstGeom prst="rect">
+            <a:avLst/>
+          </a:prstGeom>
+          <a:noFill/>
+        </p:spPr>
+        <p:txBody>
+          <a:bodyPr wrap="none" rtlCol="0">
+            <a:spAutoFit/>
+          </a:bodyPr>
+          <a:lstStyle/>
+          <a:p>
+            <a:pPr marL="342900" indent="-342900">
+              <a:buFont typeface="Arial" panose="020B0604020202020204" pitchFamily="34" charset="0"/>
+              <a:buChar char="•"/>
+            </a:pPr>
+            <a:r>
+              <a:rPr lang="en-US" sz="2400" dirty="0">
+                <a:solidFill>
+                  <a:srgbClr val="7030A0"/>
+                </a:solidFill>
+                <a:effectLst/>
+              </a:rPr>
+              <a:t>Track changes via versions</a:t>
+            </a:r>
+          </a:p>
+          <a:p>
+            <a:pPr marL="342900" indent="-342900">
+              <a:buFont typeface="Arial" panose="020B0604020202020204" pitchFamily="34" charset="0"/>
+              <a:buChar char="•"/>
+            </a:pPr>
+            <a:r>
+              <a:rPr lang="en-US" sz="2400" dirty="0">
+                <a:solidFill>
+                  <a:srgbClr val="7030A0"/>
+                </a:solidFill>
+              </a:rPr>
+              <a:t>View release history</a:t>
+            </a:r>
+          </a:p>
+          <a:p>
+            <a:pPr marL="342900" indent="-342900">
+              <a:buFont typeface="Arial" panose="020B0604020202020204" pitchFamily="34" charset="0"/>
+              <a:buChar char="•"/>
+            </a:pPr>
+            <a:r>
+              <a:rPr lang="en-US" sz="2400" dirty="0">
+                <a:solidFill>
+                  <a:srgbClr val="7030A0"/>
+                </a:solidFill>
+                <a:effectLst/>
+              </a:rPr>
+              <a:t>Rollback a release</a:t>
+            </a:r>
+          </a:p>
+          <a:p>
+            <a:pPr marL="342900" indent="-342900">
+              <a:buFont typeface="Arial" panose="020B0604020202020204" pitchFamily="34" charset="0"/>
+              <a:buChar char="•"/>
+            </a:pPr>
+            <a:r>
+              <a:rPr lang="en-US" sz="2400" dirty="0">
+                <a:solidFill>
+                  <a:srgbClr val="7030A0"/>
+                </a:solidFill>
+              </a:rPr>
+              <a:t>“Docker image” a chart</a:t>
+            </a:r>
+          </a:p>
+          <a:p>
+            <a:pPr marL="342900" indent="-342900">
+              <a:buFont typeface="Arial" panose="020B0604020202020204" pitchFamily="34" charset="0"/>
+              <a:buChar char="•"/>
+            </a:pPr>
+            <a:r>
+              <a:rPr lang="en-US" sz="2400" dirty="0">
+                <a:solidFill>
+                  <a:srgbClr val="7030A0"/>
+                </a:solidFill>
+              </a:rPr>
+              <a:t>Share via a remote repo</a:t>
+            </a:r>
+          </a:p>
+          <a:p>
+            <a:pPr marL="342900" indent="-342900">
+              <a:buFont typeface="Arial" panose="020B0604020202020204" pitchFamily="34" charset="0"/>
+              <a:buChar char="•"/>
+            </a:pPr>
+            <a:r>
+              <a:rPr lang="en-US" sz="2400" dirty="0">
+                <a:solidFill>
+                  <a:srgbClr val="7030A0"/>
+                </a:solidFill>
+              </a:rPr>
+              <a:t>Add dependencies </a:t>
+            </a:r>
+            <a:endParaRPr lang="en-US" sz="2400" dirty="0">
+              <a:solidFill>
+                <a:srgbClr val="7030A0"/>
+              </a:solidFill>
+              <a:effectLst/>
+            </a:endParaRPr>
+          </a:p>
+          <a:p>
+            <a:r>
+              <a:rPr lang="en-US" sz="2400" dirty="0">
+                <a:solidFill>
+                  <a:srgbClr val="7030A0"/>
+                </a:solidFill>
+              </a:rPr>
+              <a:t> </a:t>
+            </a:r>
+          </a:p>
+        </p:txBody>
+      </p:sp>
+    </p:spTree>
+    <p:custDataLst>
+      <p:tags r:id="rId1"/>
+    </p:custDataLst>
+    <p:extLst>
+      <p:ext uri="{BB962C8B-B14F-4D97-AF65-F5344CB8AC3E}">
+        <p14:creationId xmlns:p14="http://schemas.microsoft.com/office/powerpoint/2010/main" val="1442645642"/>
+      </p:ext>
+    </p:extLst>
+  </p:cSld>
+  <p:clrMapOvr>
+    <a:masterClrMapping/>
+  </p:clrMapOvr>
+  <mc:AlternateContent xmlns:mc="http://schemas.openxmlformats.org/markup-compatibility/2006">
+    <mc:Choice xmlns:p14="http://schemas.microsoft.com/office/powerpoint/2010/main" Requires="p14">
+      <p:transition spd="slow" p14:dur="2000" advTm="92152"/>
+    </mc:Choice>
+    <mc:Fallback>
+      <p:transition spd="slow" advTm="92152"/>
+    </mc:Fallback>
+  </mc:AlternateContent>
+</p:sld>
+</file>
+
+<file path=ppt/slides/slide21.xml><?xml version="1.0" encoding="utf-8"?>
+<p:sld xmlns:a="http://schemas.openxmlformats.org/drawingml/2006/main" xmlns:r="http://schemas.openxmlformats.org/officeDocument/2006/relationships" xmlns:p="http://schemas.openxmlformats.org/presentationml/2006/main">
+  <p:cSld>
+    <p:spTree>
+      <p:nvGrpSpPr>
+        <p:cNvPr id="1" name=""/>
+        <p:cNvGrpSpPr/>
+        <p:nvPr/>
+      </p:nvGrpSpPr>
+      <p:grpSpPr>
+        <a:xfrm>
+          <a:off x="0" y="0"/>
+          <a:ext cx="0" cy="0"/>
+          <a:chOff x="0" y="0"/>
+          <a:chExt cx="0" cy="0"/>
+        </a:xfrm>
+      </p:grpSpPr>
+      <p:sp>
+        <p:nvSpPr>
+          <p:cNvPr id="12" name="Rectangle 7"/>
+          <p:cNvSpPr>
+            <a:spLocks/>
+          </p:cNvSpPr>
+          <p:nvPr/>
+        </p:nvSpPr>
+        <p:spPr bwMode="auto">
+          <a:xfrm>
+            <a:off x="715617" y="1582532"/>
+            <a:ext cx="3368348" cy="2565067"/>
+          </a:xfrm>
+          <a:prstGeom prst="rect">
+            <a:avLst/>
+          </a:prstGeom>
+          <a:noFill/>
+          <a:ln>
+            <a:noFill/>
+          </a:ln>
+          <a:extLst>
+            <a:ext uri="{909E8E84-426E-40dd-AFC4-6F175D3DCCD1}">
+              <a14:hiddenFill xmlns:a14="http://schemas.microsoft.com/office/drawing/2010/main" xmlns="">
+                <a:solidFill>
+                  <a:srgbClr val="FFFFFF"/>
+                </a:solidFill>
+              </a14:hiddenFill>
+            </a:ext>
+            <a:ext uri="{91240B29-F687-4f45-9708-019B960494DF}">
+              <a14:hiddenLine xmlns:a14="http://schemas.microsoft.com/office/drawing/2010/main" xmlns="" w="12700" cap="flat">
+                <a:solidFill>
+                  <a:schemeClr val="tx1"/>
+                </a:solidFill>
+                <a:miter lim="800000"/>
+                <a:headEnd type="none" w="med" len="med"/>
+                <a:tailEnd type="none" w="med" len="med"/>
+              </a14:hiddenLine>
+            </a:ext>
+          </a:extLst>
+        </p:spPr>
+        <p:txBody>
+          <a:bodyPr lIns="0" tIns="0" rIns="0" bIns="0" anchor="t"/>
+          <a:lstStyle/>
+          <a:p>
+            <a:endParaRPr lang="en-US" sz="1800" dirty="0">
+              <a:ea typeface="ＭＳ Ｐゴシック" charset="0"/>
+              <a:sym typeface="Lato Light" charset="0"/>
+            </a:endParaRPr>
+          </a:p>
+        </p:txBody>
+      </p:sp>
+      <p:sp>
+        <p:nvSpPr>
+          <p:cNvPr id="24" name="Rectangle 7"/>
+          <p:cNvSpPr>
+            <a:spLocks/>
+          </p:cNvSpPr>
+          <p:nvPr/>
+        </p:nvSpPr>
+        <p:spPr bwMode="auto">
+          <a:xfrm>
+            <a:off x="5171902" y="1456376"/>
+            <a:ext cx="3256481" cy="2834318"/>
+          </a:xfrm>
+          <a:prstGeom prst="rect">
+            <a:avLst/>
+          </a:prstGeom>
+          <a:noFill/>
+          <a:ln>
+            <a:noFill/>
+          </a:ln>
+          <a:extLst>
+            <a:ext uri="{909E8E84-426E-40dd-AFC4-6F175D3DCCD1}">
+              <a14:hiddenFill xmlns:a14="http://schemas.microsoft.com/office/drawing/2010/main" xmlns="">
+                <a:solidFill>
+                  <a:srgbClr val="FFFFFF"/>
+                </a:solidFill>
+              </a14:hiddenFill>
+            </a:ext>
+            <a:ext uri="{91240B29-F687-4f45-9708-019B960494DF}">
+              <a14:hiddenLine xmlns:a14="http://schemas.microsoft.com/office/drawing/2010/main" xmlns="" w="12700" cap="flat">
+                <a:solidFill>
+                  <a:schemeClr val="tx1"/>
+                </a:solidFill>
+                <a:miter lim="800000"/>
+                <a:headEnd type="none" w="med" len="med"/>
+                <a:tailEnd type="none" w="med" len="med"/>
+              </a14:hiddenLine>
+            </a:ext>
+          </a:extLst>
+        </p:spPr>
+        <p:txBody>
+          <a:bodyPr lIns="0" tIns="0" rIns="0" bIns="0" anchor="t"/>
+          <a:lstStyle/>
+          <a:p>
+            <a:endParaRPr lang="en-US" sz="1800" dirty="0">
+              <a:ea typeface="ＭＳ Ｐゴシック" charset="0"/>
+              <a:cs typeface="Lato Light" charset="0"/>
+              <a:sym typeface="Lato Light" charset="0"/>
+            </a:endParaRPr>
+          </a:p>
+        </p:txBody>
+      </p:sp>
+      <p:sp>
+        <p:nvSpPr>
+          <p:cNvPr id="15" name="Title 14">
+            <a:extLst>
+              <a:ext uri="{FF2B5EF4-FFF2-40B4-BE49-F238E27FC236}">
+                <a16:creationId xmlns:a16="http://schemas.microsoft.com/office/drawing/2014/main" id="{AC70AFF7-D39C-1B45-8E56-844E670FBDCF}"/>
+              </a:ext>
+            </a:extLst>
+          </p:cNvPr>
+          <p:cNvSpPr>
+            <a:spLocks noGrp="1"/>
+          </p:cNvSpPr>
+          <p:nvPr>
+            <p:ph type="title"/>
+          </p:nvPr>
+        </p:nvSpPr>
+        <p:spPr>
+          <a:xfrm>
+            <a:off x="1122018" y="219808"/>
+            <a:ext cx="7647210" cy="638313"/>
+          </a:xfrm>
+        </p:spPr>
+        <p:txBody>
+          <a:bodyPr>
+            <a:normAutofit/>
+          </a:bodyPr>
+          <a:lstStyle/>
+          <a:p>
+            <a:r>
+              <a:rPr lang="en-US" dirty="0"/>
+              <a:t>Helm chart structure</a:t>
+            </a:r>
+          </a:p>
+        </p:txBody>
+      </p:sp>
+      <p:pic>
+        <p:nvPicPr>
+          <p:cNvPr id="4" name="Picture 3" descr="A blue hexagon with white and blue gears&#10;&#10;Description automatically generated">
+            <a:extLst>
+              <a:ext uri="{FF2B5EF4-FFF2-40B4-BE49-F238E27FC236}">
+                <a16:creationId xmlns:a16="http://schemas.microsoft.com/office/drawing/2014/main" id="{E3D5D9D7-1E4A-870B-BEC3-4F2878358332}"/>
+              </a:ext>
+            </a:extLst>
+          </p:cNvPr>
+          <p:cNvPicPr>
+            <a:picLocks noChangeAspect="1"/>
+          </p:cNvPicPr>
+          <p:nvPr/>
+        </p:nvPicPr>
+        <p:blipFill>
+          <a:blip r:embed="rId4"/>
+          <a:stretch>
+            <a:fillRect/>
+          </a:stretch>
+        </p:blipFill>
+        <p:spPr>
+          <a:xfrm>
+            <a:off x="309217" y="172437"/>
+            <a:ext cx="812800" cy="787400"/>
+          </a:xfrm>
+          <a:prstGeom prst="rect">
+            <a:avLst/>
+          </a:prstGeom>
+        </p:spPr>
+      </p:pic>
+      <p:pic>
+        <p:nvPicPr>
+          <p:cNvPr id="5" name="Picture 4" descr="A white text with black text&#10;&#10;Description automatically generated">
+            <a:extLst>
+              <a:ext uri="{FF2B5EF4-FFF2-40B4-BE49-F238E27FC236}">
+                <a16:creationId xmlns:a16="http://schemas.microsoft.com/office/drawing/2014/main" id="{1B3D0C88-1643-3C54-054D-D5B2496B01CF}"/>
+              </a:ext>
+            </a:extLst>
+          </p:cNvPr>
+          <p:cNvPicPr>
+            <a:picLocks noChangeAspect="1"/>
+          </p:cNvPicPr>
+          <p:nvPr/>
+        </p:nvPicPr>
+        <p:blipFill>
+          <a:blip r:embed="rId5"/>
+          <a:stretch>
+            <a:fillRect/>
+          </a:stretch>
+        </p:blipFill>
+        <p:spPr>
+          <a:xfrm>
+            <a:off x="655983" y="1100879"/>
+            <a:ext cx="7772400" cy="2466317"/>
+          </a:xfrm>
+          <a:prstGeom prst="rect">
+            <a:avLst/>
+          </a:prstGeom>
+        </p:spPr>
+      </p:pic>
+      <p:sp>
+        <p:nvSpPr>
+          <p:cNvPr id="6" name="TextBox 5">
+            <a:extLst>
+              <a:ext uri="{FF2B5EF4-FFF2-40B4-BE49-F238E27FC236}">
+                <a16:creationId xmlns:a16="http://schemas.microsoft.com/office/drawing/2014/main" id="{A4C099E3-9A4D-1DC7-A652-51BEB1F93459}"/>
+              </a:ext>
+            </a:extLst>
+          </p:cNvPr>
+          <p:cNvSpPr txBox="1"/>
+          <p:nvPr/>
+        </p:nvSpPr>
+        <p:spPr>
+          <a:xfrm>
+            <a:off x="5794170" y="3809954"/>
+            <a:ext cx="2728567" cy="300082"/>
+          </a:xfrm>
+          <a:prstGeom prst="rect">
+            <a:avLst/>
+          </a:prstGeom>
+          <a:noFill/>
+        </p:spPr>
+        <p:txBody>
+          <a:bodyPr wrap="none" rtlCol="0">
+            <a:spAutoFit/>
+          </a:bodyPr>
+          <a:lstStyle/>
+          <a:p>
+            <a:r>
+              <a:rPr lang="en-US" dirty="0"/>
+              <a:t>https://</a:t>
+            </a:r>
+            <a:r>
+              <a:rPr lang="en-US" dirty="0" err="1"/>
+              <a:t>helm.sh</a:t>
+            </a:r>
+            <a:r>
+              <a:rPr lang="en-US" dirty="0"/>
+              <a:t>/docs/topics/charts/</a:t>
+            </a:r>
+          </a:p>
+        </p:txBody>
+      </p:sp>
+    </p:spTree>
+    <p:custDataLst>
+      <p:tags r:id="rId1"/>
+    </p:custDataLst>
+    <p:extLst>
+      <p:ext uri="{BB962C8B-B14F-4D97-AF65-F5344CB8AC3E}">
+        <p14:creationId xmlns:p14="http://schemas.microsoft.com/office/powerpoint/2010/main" val="378384330"/>
+      </p:ext>
+    </p:extLst>
+  </p:cSld>
+  <p:clrMapOvr>
+    <a:masterClrMapping/>
+  </p:clrMapOvr>
+  <mc:AlternateContent xmlns:mc="http://schemas.openxmlformats.org/markup-compatibility/2006">
+    <mc:Choice xmlns:p14="http://schemas.microsoft.com/office/powerpoint/2010/main" Requires="p14">
+      <p:transition spd="slow" p14:dur="2000" advTm="92152"/>
+    </mc:Choice>
+    <mc:Fallback>
+      <p:transition spd="slow" advTm="92152"/>
+    </mc:Fallback>
+  </mc:AlternateContent>
+</p:sld>
+</file>
+
+<file path=ppt/slides/slide22.xml><?xml version="1.0" encoding="utf-8"?>
+<p:sld xmlns:a="http://schemas.openxmlformats.org/drawingml/2006/main" xmlns:r="http://schemas.openxmlformats.org/officeDocument/2006/relationships" xmlns:p="http://schemas.openxmlformats.org/presentationml/2006/main">
+  <p:cSld>
+    <p:spTree>
+      <p:nvGrpSpPr>
+        <p:cNvPr id="1" name=""/>
+        <p:cNvGrpSpPr/>
+        <p:nvPr/>
+      </p:nvGrpSpPr>
+      <p:grpSpPr>
+        <a:xfrm>
+          <a:off x="0" y="0"/>
+          <a:ext cx="0" cy="0"/>
+          <a:chOff x="0" y="0"/>
+          <a:chExt cx="0" cy="0"/>
+        </a:xfrm>
+      </p:grpSpPr>
+      <p:sp>
+        <p:nvSpPr>
+          <p:cNvPr id="12" name="Rectangle 7"/>
+          <p:cNvSpPr>
+            <a:spLocks/>
+          </p:cNvSpPr>
+          <p:nvPr/>
+        </p:nvSpPr>
+        <p:spPr bwMode="auto">
+          <a:xfrm>
+            <a:off x="715617" y="1582532"/>
+            <a:ext cx="3368348" cy="2565067"/>
+          </a:xfrm>
+          <a:prstGeom prst="rect">
+            <a:avLst/>
+          </a:prstGeom>
+          <a:noFill/>
+          <a:ln>
+            <a:noFill/>
+          </a:ln>
+          <a:extLst>
+            <a:ext uri="{909E8E84-426E-40dd-AFC4-6F175D3DCCD1}">
+              <a14:hiddenFill xmlns:a14="http://schemas.microsoft.com/office/drawing/2010/main" xmlns="">
+                <a:solidFill>
+                  <a:srgbClr val="FFFFFF"/>
+                </a:solidFill>
+              </a14:hiddenFill>
+            </a:ext>
+            <a:ext uri="{91240B29-F687-4f45-9708-019B960494DF}">
+              <a14:hiddenLine xmlns:a14="http://schemas.microsoft.com/office/drawing/2010/main" xmlns="" w="12700" cap="flat">
+                <a:solidFill>
+                  <a:schemeClr val="tx1"/>
+                </a:solidFill>
+                <a:miter lim="800000"/>
+                <a:headEnd type="none" w="med" len="med"/>
+                <a:tailEnd type="none" w="med" len="med"/>
+              </a14:hiddenLine>
+            </a:ext>
+          </a:extLst>
+        </p:spPr>
+        <p:txBody>
+          <a:bodyPr lIns="0" tIns="0" rIns="0" bIns="0" anchor="t"/>
+          <a:lstStyle/>
+          <a:p>
+            <a:endParaRPr lang="en-US" sz="1800" dirty="0">
+              <a:ea typeface="ＭＳ Ｐゴシック" charset="0"/>
+              <a:sym typeface="Lato Light" charset="0"/>
+            </a:endParaRPr>
+          </a:p>
+        </p:txBody>
+      </p:sp>
+      <p:sp>
+        <p:nvSpPr>
+          <p:cNvPr id="24" name="Rectangle 7"/>
+          <p:cNvSpPr>
+            <a:spLocks/>
+          </p:cNvSpPr>
+          <p:nvPr/>
+        </p:nvSpPr>
+        <p:spPr bwMode="auto">
+          <a:xfrm>
+            <a:off x="5171902" y="1456376"/>
+            <a:ext cx="3256481" cy="2834318"/>
+          </a:xfrm>
+          <a:prstGeom prst="rect">
+            <a:avLst/>
+          </a:prstGeom>
+          <a:noFill/>
+          <a:ln>
+            <a:noFill/>
+          </a:ln>
+          <a:extLst>
+            <a:ext uri="{909E8E84-426E-40dd-AFC4-6F175D3DCCD1}">
+              <a14:hiddenFill xmlns:a14="http://schemas.microsoft.com/office/drawing/2010/main" xmlns="">
+                <a:solidFill>
+                  <a:srgbClr val="FFFFFF"/>
+                </a:solidFill>
+              </a14:hiddenFill>
+            </a:ext>
+            <a:ext uri="{91240B29-F687-4f45-9708-019B960494DF}">
+              <a14:hiddenLine xmlns:a14="http://schemas.microsoft.com/office/drawing/2010/main" xmlns="" w="12700" cap="flat">
+                <a:solidFill>
+                  <a:schemeClr val="tx1"/>
+                </a:solidFill>
+                <a:miter lim="800000"/>
+                <a:headEnd type="none" w="med" len="med"/>
+                <a:tailEnd type="none" w="med" len="med"/>
+              </a14:hiddenLine>
+            </a:ext>
+          </a:extLst>
+        </p:spPr>
+        <p:txBody>
+          <a:bodyPr lIns="0" tIns="0" rIns="0" bIns="0" anchor="t"/>
+          <a:lstStyle/>
+          <a:p>
+            <a:endParaRPr lang="en-US" sz="1800" dirty="0">
+              <a:ea typeface="ＭＳ Ｐゴシック" charset="0"/>
+              <a:cs typeface="Lato Light" charset="0"/>
+              <a:sym typeface="Lato Light" charset="0"/>
+            </a:endParaRPr>
+          </a:p>
+        </p:txBody>
+      </p:sp>
+      <p:sp>
+        <p:nvSpPr>
+          <p:cNvPr id="15" name="Title 14">
+            <a:extLst>
+              <a:ext uri="{FF2B5EF4-FFF2-40B4-BE49-F238E27FC236}">
+                <a16:creationId xmlns:a16="http://schemas.microsoft.com/office/drawing/2014/main" id="{AC70AFF7-D39C-1B45-8E56-844E670FBDCF}"/>
+              </a:ext>
+            </a:extLst>
+          </p:cNvPr>
+          <p:cNvSpPr>
+            <a:spLocks noGrp="1"/>
+          </p:cNvSpPr>
+          <p:nvPr>
+            <p:ph type="title"/>
+          </p:nvPr>
+        </p:nvSpPr>
+        <p:spPr>
+          <a:xfrm>
+            <a:off x="1122018" y="219808"/>
+            <a:ext cx="7647210" cy="638313"/>
+          </a:xfrm>
+        </p:spPr>
+        <p:txBody>
+          <a:bodyPr>
+            <a:normAutofit/>
+          </a:bodyPr>
+          <a:lstStyle/>
+          <a:p>
+            <a:r>
+              <a:rPr lang="en-US" dirty="0"/>
+              <a:t>Helm: wait for resources</a:t>
+            </a:r>
+          </a:p>
+        </p:txBody>
+      </p:sp>
+      <p:pic>
+        <p:nvPicPr>
+          <p:cNvPr id="4" name="Picture 3" descr="A blue hexagon with white and blue gears&#10;&#10;Description automatically generated">
+            <a:extLst>
+              <a:ext uri="{FF2B5EF4-FFF2-40B4-BE49-F238E27FC236}">
+                <a16:creationId xmlns:a16="http://schemas.microsoft.com/office/drawing/2014/main" id="{E3D5D9D7-1E4A-870B-BEC3-4F2878358332}"/>
+              </a:ext>
+            </a:extLst>
+          </p:cNvPr>
+          <p:cNvPicPr>
+            <a:picLocks noChangeAspect="1"/>
+          </p:cNvPicPr>
+          <p:nvPr/>
+        </p:nvPicPr>
+        <p:blipFill>
+          <a:blip r:embed="rId4"/>
+          <a:stretch>
+            <a:fillRect/>
+          </a:stretch>
+        </p:blipFill>
+        <p:spPr>
+          <a:xfrm>
+            <a:off x="309217" y="172437"/>
+            <a:ext cx="812800" cy="787400"/>
+          </a:xfrm>
+          <a:prstGeom prst="rect">
+            <a:avLst/>
+          </a:prstGeom>
+        </p:spPr>
+      </p:pic>
+      <p:sp>
+        <p:nvSpPr>
+          <p:cNvPr id="2" name="TextBox 1">
+            <a:extLst>
+              <a:ext uri="{FF2B5EF4-FFF2-40B4-BE49-F238E27FC236}">
+                <a16:creationId xmlns:a16="http://schemas.microsoft.com/office/drawing/2014/main" id="{33940E9E-4677-5B7F-B615-64BE1B2F9D8E}"/>
+              </a:ext>
+            </a:extLst>
+          </p:cNvPr>
+          <p:cNvSpPr txBox="1"/>
+          <p:nvPr/>
+        </p:nvSpPr>
+        <p:spPr>
+          <a:xfrm>
+            <a:off x="1125538" y="1480816"/>
+            <a:ext cx="5440272" cy="1938992"/>
+          </a:xfrm>
+          <a:prstGeom prst="rect">
+            <a:avLst/>
+          </a:prstGeom>
+          <a:noFill/>
+        </p:spPr>
+        <p:txBody>
+          <a:bodyPr wrap="none" rtlCol="0">
+            <a:spAutoFit/>
+          </a:bodyPr>
+          <a:lstStyle/>
+          <a:p>
+            <a:pPr marL="342900" indent="-342900">
+              <a:buFont typeface="Arial" panose="020B0604020202020204" pitchFamily="34" charset="0"/>
+              <a:buChar char="•"/>
+            </a:pPr>
+            <a:r>
+              <a:rPr lang="en-US" sz="2400" dirty="0">
+                <a:solidFill>
+                  <a:srgbClr val="7030A0"/>
+                </a:solidFill>
+                <a:effectLst/>
+              </a:rPr>
+              <a:t>--wait</a:t>
+            </a:r>
+          </a:p>
+          <a:p>
+            <a:pPr marL="342900" indent="-342900">
+              <a:buFont typeface="Arial" panose="020B0604020202020204" pitchFamily="34" charset="0"/>
+              <a:buChar char="•"/>
+            </a:pPr>
+            <a:r>
+              <a:rPr lang="en-US" sz="2400" dirty="0">
+                <a:solidFill>
+                  <a:srgbClr val="7030A0"/>
+                </a:solidFill>
+              </a:rPr>
+              <a:t>--wait-for-jobs</a:t>
+            </a:r>
+          </a:p>
+          <a:p>
+            <a:pPr marL="342900" indent="-342900">
+              <a:buFont typeface="Arial" panose="020B0604020202020204" pitchFamily="34" charset="0"/>
+              <a:buChar char="•"/>
+            </a:pPr>
+            <a:r>
+              <a:rPr lang="en-US" sz="2400" dirty="0">
+                <a:solidFill>
+                  <a:srgbClr val="7030A0"/>
+                </a:solidFill>
+                <a:effectLst/>
+              </a:rPr>
+              <a:t>post-install hook</a:t>
+            </a:r>
+          </a:p>
+          <a:p>
+            <a:pPr marL="342900" indent="-342900">
+              <a:buFont typeface="Arial" panose="020B0604020202020204" pitchFamily="34" charset="0"/>
+              <a:buChar char="•"/>
+            </a:pPr>
+            <a:r>
+              <a:rPr lang="en-US" sz="2400" dirty="0" err="1">
+                <a:solidFill>
+                  <a:srgbClr val="7030A0"/>
+                </a:solidFill>
+              </a:rPr>
+              <a:t>crds</a:t>
+            </a:r>
+            <a:r>
+              <a:rPr lang="en-US" sz="2400" dirty="0">
+                <a:solidFill>
+                  <a:srgbClr val="7030A0"/>
+                </a:solidFill>
+              </a:rPr>
+              <a:t> folder</a:t>
+            </a:r>
+          </a:p>
+          <a:p>
+            <a:pPr marL="342900" indent="-342900">
+              <a:buFont typeface="Arial" panose="020B0604020202020204" pitchFamily="34" charset="0"/>
+              <a:buChar char="•"/>
+            </a:pPr>
+            <a:r>
+              <a:rPr lang="en-US" sz="2400" dirty="0">
+                <a:solidFill>
+                  <a:srgbClr val="7030A0"/>
+                </a:solidFill>
+                <a:effectLst/>
+              </a:rPr>
+              <a:t>Separate charts with a post-install hook</a:t>
+            </a:r>
+          </a:p>
+        </p:txBody>
+      </p:sp>
+    </p:spTree>
+    <p:custDataLst>
+      <p:tags r:id="rId1"/>
+    </p:custDataLst>
+    <p:extLst>
+      <p:ext uri="{BB962C8B-B14F-4D97-AF65-F5344CB8AC3E}">
+        <p14:creationId xmlns:p14="http://schemas.microsoft.com/office/powerpoint/2010/main" val="2956923301"/>
+      </p:ext>
+    </p:extLst>
+  </p:cSld>
+  <p:clrMapOvr>
+    <a:masterClrMapping/>
+  </p:clrMapOvr>
+  <mc:AlternateContent xmlns:mc="http://schemas.openxmlformats.org/markup-compatibility/2006">
+    <mc:Choice xmlns:p14="http://schemas.microsoft.com/office/powerpoint/2010/main" Requires="p14">
+      <p:transition spd="slow" p14:dur="2000" advTm="92152"/>
+    </mc:Choice>
+    <mc:Fallback>
+      <p:transition spd="slow" advTm="92152"/>
+    </mc:Fallback>
+  </mc:AlternateContent>
+</p:sld>
+</file>
+
+<file path=ppt/slides/slide23.xml><?xml version="1.0" encoding="utf-8"?>
+<p:sld xmlns:a="http://schemas.openxmlformats.org/drawingml/2006/main" xmlns:r="http://schemas.openxmlformats.org/officeDocument/2006/relationships" xmlns:p="http://schemas.openxmlformats.org/presentationml/2006/main">
+  <p:cSld>
+    <p:spTree>
+      <p:nvGrpSpPr>
+        <p:cNvPr id="1" name=""/>
+        <p:cNvGrpSpPr/>
+        <p:nvPr/>
+      </p:nvGrpSpPr>
+      <p:grpSpPr>
+        <a:xfrm>
+          <a:off x="0" y="0"/>
+          <a:ext cx="0" cy="0"/>
+          <a:chOff x="0" y="0"/>
+          <a:chExt cx="0" cy="0"/>
+        </a:xfrm>
+      </p:grpSpPr>
+      <p:sp>
+        <p:nvSpPr>
+          <p:cNvPr id="12" name="Rectangle 7"/>
+          <p:cNvSpPr>
+            <a:spLocks/>
+          </p:cNvSpPr>
+          <p:nvPr/>
+        </p:nvSpPr>
+        <p:spPr bwMode="auto">
+          <a:xfrm>
+            <a:off x="715617" y="1582532"/>
+            <a:ext cx="3368348" cy="2565067"/>
+          </a:xfrm>
+          <a:prstGeom prst="rect">
+            <a:avLst/>
+          </a:prstGeom>
+          <a:noFill/>
+          <a:ln>
+            <a:noFill/>
+          </a:ln>
+          <a:extLst>
+            <a:ext uri="{909E8E84-426E-40dd-AFC4-6F175D3DCCD1}">
+              <a14:hiddenFill xmlns:a14="http://schemas.microsoft.com/office/drawing/2010/main" xmlns="">
+                <a:solidFill>
+                  <a:srgbClr val="FFFFFF"/>
+                </a:solidFill>
+              </a14:hiddenFill>
+            </a:ext>
+            <a:ext uri="{91240B29-F687-4f45-9708-019B960494DF}">
+              <a14:hiddenLine xmlns:a14="http://schemas.microsoft.com/office/drawing/2010/main" xmlns="" w="12700" cap="flat">
+                <a:solidFill>
+                  <a:schemeClr val="tx1"/>
+                </a:solidFill>
+                <a:miter lim="800000"/>
+                <a:headEnd type="none" w="med" len="med"/>
+                <a:tailEnd type="none" w="med" len="med"/>
+              </a14:hiddenLine>
+            </a:ext>
+          </a:extLst>
+        </p:spPr>
+        <p:txBody>
+          <a:bodyPr lIns="0" tIns="0" rIns="0" bIns="0" anchor="t"/>
+          <a:lstStyle/>
+          <a:p>
+            <a:endParaRPr lang="en-US" sz="1800" dirty="0">
+              <a:ea typeface="ＭＳ Ｐゴシック" charset="0"/>
+              <a:sym typeface="Lato Light" charset="0"/>
+            </a:endParaRPr>
+          </a:p>
+        </p:txBody>
+      </p:sp>
+      <p:sp>
+        <p:nvSpPr>
+          <p:cNvPr id="24" name="Rectangle 7"/>
+          <p:cNvSpPr>
+            <a:spLocks/>
+          </p:cNvSpPr>
+          <p:nvPr/>
+        </p:nvSpPr>
+        <p:spPr bwMode="auto">
+          <a:xfrm>
+            <a:off x="5171902" y="1456376"/>
+            <a:ext cx="3256481" cy="2834318"/>
+          </a:xfrm>
+          <a:prstGeom prst="rect">
+            <a:avLst/>
+          </a:prstGeom>
+          <a:noFill/>
+          <a:ln>
+            <a:noFill/>
+          </a:ln>
+          <a:extLst>
+            <a:ext uri="{909E8E84-426E-40dd-AFC4-6F175D3DCCD1}">
+              <a14:hiddenFill xmlns:a14="http://schemas.microsoft.com/office/drawing/2010/main" xmlns="">
+                <a:solidFill>
+                  <a:srgbClr val="FFFFFF"/>
+                </a:solidFill>
+              </a14:hiddenFill>
+            </a:ext>
+            <a:ext uri="{91240B29-F687-4f45-9708-019B960494DF}">
+              <a14:hiddenLine xmlns:a14="http://schemas.microsoft.com/office/drawing/2010/main" xmlns="" w="12700" cap="flat">
+                <a:solidFill>
+                  <a:schemeClr val="tx1"/>
+                </a:solidFill>
+                <a:miter lim="800000"/>
+                <a:headEnd type="none" w="med" len="med"/>
+                <a:tailEnd type="none" w="med" len="med"/>
+              </a14:hiddenLine>
+            </a:ext>
+          </a:extLst>
+        </p:spPr>
+        <p:txBody>
+          <a:bodyPr lIns="0" tIns="0" rIns="0" bIns="0" anchor="t"/>
+          <a:lstStyle/>
+          <a:p>
+            <a:endParaRPr lang="en-US" sz="1800" dirty="0">
+              <a:ea typeface="ＭＳ Ｐゴシック" charset="0"/>
+              <a:cs typeface="Lato Light" charset="0"/>
+              <a:sym typeface="Lato Light" charset="0"/>
+            </a:endParaRPr>
+          </a:p>
+        </p:txBody>
+      </p:sp>
+      <p:sp>
+        <p:nvSpPr>
+          <p:cNvPr id="15" name="Title 14">
+            <a:extLst>
+              <a:ext uri="{FF2B5EF4-FFF2-40B4-BE49-F238E27FC236}">
+                <a16:creationId xmlns:a16="http://schemas.microsoft.com/office/drawing/2014/main" id="{AC70AFF7-D39C-1B45-8E56-844E670FBDCF}"/>
+              </a:ext>
+            </a:extLst>
+          </p:cNvPr>
+          <p:cNvSpPr>
+            <a:spLocks noGrp="1"/>
+          </p:cNvSpPr>
+          <p:nvPr>
+            <p:ph type="title"/>
+          </p:nvPr>
+        </p:nvSpPr>
+        <p:spPr>
+          <a:xfrm>
+            <a:off x="1122018" y="219808"/>
+            <a:ext cx="7647210" cy="638313"/>
+          </a:xfrm>
+        </p:spPr>
+        <p:txBody>
+          <a:bodyPr>
+            <a:normAutofit/>
+          </a:bodyPr>
+          <a:lstStyle/>
+          <a:p>
+            <a:r>
+              <a:rPr lang="en-US" dirty="0"/>
+              <a:t>Next steps</a:t>
+            </a:r>
+          </a:p>
+        </p:txBody>
+      </p:sp>
+      <p:pic>
+        <p:nvPicPr>
+          <p:cNvPr id="4" name="Picture 3" descr="A blue hexagon with white and blue gears&#10;&#10;Description automatically generated">
+            <a:extLst>
+              <a:ext uri="{FF2B5EF4-FFF2-40B4-BE49-F238E27FC236}">
+                <a16:creationId xmlns:a16="http://schemas.microsoft.com/office/drawing/2014/main" id="{E3D5D9D7-1E4A-870B-BEC3-4F2878358332}"/>
+              </a:ext>
+            </a:extLst>
+          </p:cNvPr>
+          <p:cNvPicPr>
+            <a:picLocks noChangeAspect="1"/>
+          </p:cNvPicPr>
+          <p:nvPr/>
+        </p:nvPicPr>
+        <p:blipFill>
+          <a:blip r:embed="rId4"/>
+          <a:stretch>
+            <a:fillRect/>
+          </a:stretch>
+        </p:blipFill>
+        <p:spPr>
+          <a:xfrm>
+            <a:off x="309217" y="172437"/>
+            <a:ext cx="812800" cy="787400"/>
+          </a:xfrm>
+          <a:prstGeom prst="rect">
+            <a:avLst/>
+          </a:prstGeom>
+        </p:spPr>
+      </p:pic>
+      <p:sp>
+        <p:nvSpPr>
+          <p:cNvPr id="2" name="TextBox 1">
+            <a:extLst>
+              <a:ext uri="{FF2B5EF4-FFF2-40B4-BE49-F238E27FC236}">
+                <a16:creationId xmlns:a16="http://schemas.microsoft.com/office/drawing/2014/main" id="{33940E9E-4677-5B7F-B615-64BE1B2F9D8E}"/>
+              </a:ext>
+            </a:extLst>
+          </p:cNvPr>
+          <p:cNvSpPr txBox="1"/>
+          <p:nvPr/>
+        </p:nvSpPr>
+        <p:spPr>
+          <a:xfrm>
+            <a:off x="1125538" y="1480816"/>
+            <a:ext cx="7170809" cy="830997"/>
+          </a:xfrm>
+          <a:prstGeom prst="rect">
+            <a:avLst/>
+          </a:prstGeom>
+          <a:noFill/>
+        </p:spPr>
+        <p:txBody>
+          <a:bodyPr wrap="none" rtlCol="0">
+            <a:spAutoFit/>
+          </a:bodyPr>
+          <a:lstStyle/>
+          <a:p>
+            <a:r>
+              <a:rPr lang="en-US" sz="1600" dirty="0">
+                <a:solidFill>
+                  <a:srgbClr val="7030A0"/>
+                </a:solidFill>
+              </a:rPr>
+              <a:t>https://</a:t>
+            </a:r>
+            <a:r>
+              <a:rPr lang="en-US" sz="1600" dirty="0" err="1">
+                <a:solidFill>
+                  <a:srgbClr val="7030A0"/>
+                </a:solidFill>
+              </a:rPr>
+              <a:t>github.com</a:t>
+            </a:r>
+            <a:r>
+              <a:rPr lang="en-US" sz="1600" dirty="0">
+                <a:solidFill>
+                  <a:srgbClr val="7030A0"/>
+                </a:solidFill>
+              </a:rPr>
+              <a:t>/</a:t>
+            </a:r>
+            <a:r>
+              <a:rPr lang="en-US" sz="1600" dirty="0" err="1">
+                <a:solidFill>
+                  <a:srgbClr val="7030A0"/>
+                </a:solidFill>
+              </a:rPr>
+              <a:t>ybaryshnikova</a:t>
+            </a:r>
+            <a:r>
+              <a:rPr lang="en-US" sz="1600" dirty="0">
+                <a:solidFill>
+                  <a:srgbClr val="7030A0"/>
+                </a:solidFill>
+              </a:rPr>
+              <a:t>/extensions-meetup/tree/master/</a:t>
+            </a:r>
+            <a:r>
+              <a:rPr lang="en-US" sz="1600" dirty="0" err="1">
+                <a:solidFill>
+                  <a:srgbClr val="7030A0"/>
+                </a:solidFill>
+              </a:rPr>
+              <a:t>crd</a:t>
+            </a:r>
+            <a:r>
+              <a:rPr lang="en-US" sz="1600" dirty="0">
+                <a:solidFill>
+                  <a:srgbClr val="7030A0"/>
+                </a:solidFill>
+              </a:rPr>
+              <a:t>-example</a:t>
+            </a:r>
+          </a:p>
+          <a:p>
+            <a:r>
+              <a:rPr lang="en-US" sz="1600" dirty="0">
+                <a:solidFill>
+                  <a:srgbClr val="7030A0"/>
+                </a:solidFill>
+              </a:rPr>
+              <a:t>https://</a:t>
+            </a:r>
+            <a:r>
+              <a:rPr lang="en-US" sz="1600" dirty="0" err="1">
+                <a:solidFill>
+                  <a:srgbClr val="7030A0"/>
+                </a:solidFill>
+              </a:rPr>
+              <a:t>github.com</a:t>
+            </a:r>
+            <a:r>
+              <a:rPr lang="en-US" sz="1600" dirty="0">
+                <a:solidFill>
+                  <a:srgbClr val="7030A0"/>
+                </a:solidFill>
+              </a:rPr>
+              <a:t>/</a:t>
+            </a:r>
+            <a:r>
+              <a:rPr lang="en-US" sz="1600" dirty="0" err="1">
+                <a:solidFill>
+                  <a:srgbClr val="7030A0"/>
+                </a:solidFill>
+              </a:rPr>
+              <a:t>ybaryshnikova</a:t>
+            </a:r>
+            <a:r>
+              <a:rPr lang="en-US" sz="1600" dirty="0">
+                <a:solidFill>
+                  <a:srgbClr val="7030A0"/>
+                </a:solidFill>
+              </a:rPr>
+              <a:t>/extensions-meetup/tree/master/helm-packaging</a:t>
+            </a:r>
+          </a:p>
+          <a:p>
+            <a:endParaRPr lang="en-US" sz="1600" dirty="0">
+              <a:solidFill>
+                <a:srgbClr val="7030A0"/>
+              </a:solidFill>
+            </a:endParaRPr>
+          </a:p>
+        </p:txBody>
+      </p:sp>
+    </p:spTree>
+    <p:custDataLst>
+      <p:tags r:id="rId1"/>
+    </p:custDataLst>
+    <p:extLst>
+      <p:ext uri="{BB962C8B-B14F-4D97-AF65-F5344CB8AC3E}">
+        <p14:creationId xmlns:p14="http://schemas.microsoft.com/office/powerpoint/2010/main" val="3540879940"/>
+      </p:ext>
+    </p:extLst>
+  </p:cSld>
+  <p:clrMapOvr>
+    <a:masterClrMapping/>
+  </p:clrMapOvr>
+  <mc:AlternateContent xmlns:mc="http://schemas.openxmlformats.org/markup-compatibility/2006" xmlns:p14="http://schemas.microsoft.com/office/powerpoint/2010/main">
+    <mc:Choice Requires="p14">
+      <p:transition spd="slow" p14:dur="2000" advTm="92152"/>
+    </mc:Choice>
+    <mc:Fallback xmlns="">
+      <p:transition spd="slow" advTm="92152"/>
+    </mc:Fallback>
+  </mc:AlternateContent>
+</p:sld>
+</file>
+
+<file path=ppt/slides/slide24.xml><?xml version="1.0" encoding="utf-8"?>
+<p:sld xmlns:a="http://schemas.openxmlformats.org/drawingml/2006/main" xmlns:r="http://schemas.openxmlformats.org/officeDocument/2006/relationships" xmlns:p="http://schemas.openxmlformats.org/presentationml/2006/main">
+  <p:cSld>
+    <p:spTree>
+      <p:nvGrpSpPr>
+        <p:cNvPr id="1" name=""/>
+        <p:cNvGrpSpPr/>
+        <p:nvPr/>
+      </p:nvGrpSpPr>
+      <p:grpSpPr>
+        <a:xfrm>
+          <a:off x="0" y="0"/>
+          <a:ext cx="0" cy="0"/>
+          <a:chOff x="0" y="0"/>
+          <a:chExt cx="0" cy="0"/>
+        </a:xfrm>
+      </p:grpSpPr>
+      <p:sp>
+        <p:nvSpPr>
+          <p:cNvPr id="12" name="Rectangle 7"/>
+          <p:cNvSpPr>
+            <a:spLocks/>
+          </p:cNvSpPr>
+          <p:nvPr/>
+        </p:nvSpPr>
+        <p:spPr bwMode="auto">
+          <a:xfrm>
+            <a:off x="715617" y="1582532"/>
+            <a:ext cx="3368348" cy="2565067"/>
+          </a:xfrm>
+          <a:prstGeom prst="rect">
+            <a:avLst/>
+          </a:prstGeom>
+          <a:noFill/>
+          <a:ln>
+            <a:noFill/>
+          </a:ln>
+          <a:extLst>
+            <a:ext uri="{909E8E84-426E-40dd-AFC4-6F175D3DCCD1}">
+              <a14:hiddenFill xmlns="" xmlns:a14="http://schemas.microsoft.com/office/drawing/2010/main">
+                <a:solidFill>
+                  <a:srgbClr val="FFFFFF"/>
+                </a:solidFill>
+              </a14:hiddenFill>
+            </a:ext>
+            <a:ext uri="{91240B29-F687-4f45-9708-019B960494DF}">
+              <a14:hiddenLine xmlns="" xmlns:a14="http://schemas.microsoft.com/office/drawing/2010/main" w="12700" cap="flat">
+                <a:solidFill>
+                  <a:schemeClr val="tx1"/>
+                </a:solidFill>
+                <a:miter lim="800000"/>
+                <a:headEnd type="none" w="med" len="med"/>
+                <a:tailEnd type="none" w="med" len="med"/>
+              </a14:hiddenLine>
+            </a:ext>
+          </a:extLst>
+        </p:spPr>
+        <p:txBody>
+          <a:bodyPr lIns="0" tIns="0" rIns="0" bIns="0" anchor="t"/>
+          <a:lstStyle/>
+          <a:p>
+            <a:endParaRPr lang="en-US" sz="1800" dirty="0">
+              <a:ea typeface="ＭＳ Ｐゴシック" charset="0"/>
+              <a:sym typeface="Lato Light" charset="0"/>
+            </a:endParaRPr>
+          </a:p>
+        </p:txBody>
+      </p:sp>
+      <p:sp>
+        <p:nvSpPr>
+          <p:cNvPr id="24" name="Rectangle 7"/>
+          <p:cNvSpPr>
+            <a:spLocks/>
+          </p:cNvSpPr>
+          <p:nvPr/>
+        </p:nvSpPr>
+        <p:spPr bwMode="auto">
+          <a:xfrm>
+            <a:off x="5171902" y="1456376"/>
+            <a:ext cx="3256481" cy="2834318"/>
+          </a:xfrm>
+          <a:prstGeom prst="rect">
+            <a:avLst/>
+          </a:prstGeom>
+          <a:noFill/>
+          <a:ln>
+            <a:noFill/>
+          </a:ln>
+          <a:extLst>
+            <a:ext uri="{909E8E84-426E-40dd-AFC4-6F175D3DCCD1}">
+              <a14:hiddenFill xmlns="" xmlns:a14="http://schemas.microsoft.com/office/drawing/2010/main">
+                <a:solidFill>
+                  <a:srgbClr val="FFFFFF"/>
+                </a:solidFill>
+              </a14:hiddenFill>
+            </a:ext>
+            <a:ext uri="{91240B29-F687-4f45-9708-019B960494DF}">
+              <a14:hiddenLine xmlns="" xmlns:a14="http://schemas.microsoft.com/office/drawing/2010/main" w="12700" cap="flat">
+                <a:solidFill>
+                  <a:schemeClr val="tx1"/>
+                </a:solidFill>
+                <a:miter lim="800000"/>
+                <a:headEnd type="none" w="med" len="med"/>
+                <a:tailEnd type="none" w="med" len="med"/>
+              </a14:hiddenLine>
+            </a:ext>
+          </a:extLst>
+        </p:spPr>
+        <p:txBody>
+          <a:bodyPr lIns="0" tIns="0" rIns="0" bIns="0" anchor="t"/>
+          <a:lstStyle/>
+          <a:p>
+            <a:endParaRPr lang="en-US" sz="1800" dirty="0">
+              <a:ea typeface="ＭＳ Ｐゴシック" charset="0"/>
+              <a:cs typeface="Lato Light" charset="0"/>
+              <a:sym typeface="Lato Light" charset="0"/>
+            </a:endParaRPr>
+          </a:p>
+        </p:txBody>
+      </p:sp>
+      <p:sp>
+        <p:nvSpPr>
+          <p:cNvPr id="15" name="Title 14">
+            <a:extLst>
+              <a:ext uri="{FF2B5EF4-FFF2-40B4-BE49-F238E27FC236}">
+                <a16:creationId xmlns:a16="http://schemas.microsoft.com/office/drawing/2014/main" id="{AC70AFF7-D39C-1B45-8E56-844E670FBDCF}"/>
+              </a:ext>
+            </a:extLst>
+          </p:cNvPr>
+          <p:cNvSpPr>
+            <a:spLocks noGrp="1"/>
+          </p:cNvSpPr>
+          <p:nvPr>
+            <p:ph type="title"/>
+          </p:nvPr>
+        </p:nvSpPr>
+        <p:spPr>
+          <a:xfrm>
+            <a:off x="1122018" y="219808"/>
+            <a:ext cx="7647210" cy="638313"/>
+          </a:xfrm>
+        </p:spPr>
+        <p:txBody>
+          <a:bodyPr/>
+          <a:lstStyle/>
+          <a:p>
+            <a:r>
+              <a:rPr lang="en-US" dirty="0"/>
+              <a:t>References: CRD</a:t>
             </a:r>
           </a:p>
         </p:txBody>
@@ -12943,7 +16165,7 @@
 </p:sld>
 </file>
 
-<file path=ppt/slides/slide18.xml><?xml version="1.0" encoding="utf-8"?>
+<file path=ppt/slides/slide25.xml><?xml version="1.0" encoding="utf-8"?>
 <p:sld xmlns:a="http://schemas.openxmlformats.org/drawingml/2006/main" xmlns:r="http://schemas.openxmlformats.org/officeDocument/2006/relationships" xmlns:p="http://schemas.openxmlformats.org/presentationml/2006/main">
   <p:cSld>
     <p:spTree>
@@ -13060,6 +16282,39 @@
               <a:cs typeface="Lato Light" charset="0"/>
               <a:sym typeface="Lato Light" charset="0"/>
             </a:endParaRPr>
+          </a:p>
+        </p:txBody>
+      </p:sp>
+      <p:sp>
+        <p:nvSpPr>
+          <p:cNvPr id="15" name="Title 14">
+            <a:extLst>
+              <a:ext uri="{FF2B5EF4-FFF2-40B4-BE49-F238E27FC236}">
+                <a16:creationId xmlns:a16="http://schemas.microsoft.com/office/drawing/2014/main" id="{AC70AFF7-D39C-1B45-8E56-844E670FBDCF}"/>
+              </a:ext>
+            </a:extLst>
+          </p:cNvPr>
+          <p:cNvSpPr>
+            <a:spLocks noGrp="1"/>
+          </p:cNvSpPr>
+          <p:nvPr>
+            <p:ph type="title"/>
+          </p:nvPr>
+        </p:nvSpPr>
+        <p:spPr>
+          <a:xfrm>
+            <a:off x="1122018" y="219808"/>
+            <a:ext cx="7647210" cy="638313"/>
+          </a:xfrm>
+        </p:spPr>
+        <p:txBody>
+          <a:bodyPr/>
+          <a:lstStyle/>
+          <a:p>
+            <a:r>
+              <a:rPr lang="en-US" dirty="0"/>
+              <a:t>References: Helm</a:t>
+            </a:r>
           </a:p>
         </p:txBody>
       </p:sp>
@@ -13085,7 +16340,7 @@
         </p:blipFill>
         <p:spPr>
           <a:xfrm>
-            <a:off x="2636485" y="1659592"/>
+            <a:off x="309217" y="172437"/>
             <a:ext cx="812800" cy="787400"/>
           </a:xfrm>
           <a:prstGeom prst="rect">
@@ -13095,10 +16350,10 @@
       </p:pic>
       <p:sp>
         <p:nvSpPr>
-          <p:cNvPr id="2" name="TextBox 1">
+          <p:cNvPr id="3" name="TextBox 2">
             <a:extLst>
               <a:ext uri="{FF2B5EF4-FFF2-40B4-BE49-F238E27FC236}">
-                <a16:creationId xmlns:a16="http://schemas.microsoft.com/office/drawing/2014/main" id="{0A1C82F2-FD3D-4DDB-6D43-D9AD5ACAFF63}"/>
+                <a16:creationId xmlns:a16="http://schemas.microsoft.com/office/drawing/2014/main" id="{01DFFC6A-AD3B-B8A5-A033-3135B2B7D9B6}"/>
               </a:ext>
             </a:extLst>
           </p:cNvPr>
@@ -13107,8 +16362,8 @@
         </p:nvSpPr>
         <p:spPr>
           <a:xfrm>
-            <a:off x="3776564" y="1822459"/>
-            <a:ext cx="3076412" cy="646331"/>
+            <a:off x="890545" y="1662382"/>
+            <a:ext cx="7720717" cy="2308324"/>
           </a:xfrm>
           <a:prstGeom prst="rect">
             <a:avLst/>
@@ -13122,8 +16377,115 @@
           <a:lstStyle/>
           <a:p>
             <a:r>
-              <a:rPr lang="en-US" sz="3600" dirty="0"/>
-              <a:t>Questions?</a:t>
+              <a:rPr lang="en-US" sz="1600" dirty="0">
+                <a:solidFill>
+                  <a:srgbClr val="7030A0"/>
+                </a:solidFill>
+                <a:effectLst/>
+                <a:hlinkClick r:id="rId5"/>
+              </a:rPr>
+              <a:t>Helm tutorial</a:t>
+            </a:r>
+            <a:endParaRPr lang="en-US" sz="1600" dirty="0">
+              <a:solidFill>
+                <a:srgbClr val="7030A0"/>
+              </a:solidFill>
+              <a:effectLst/>
+            </a:endParaRPr>
+          </a:p>
+          <a:p>
+            <a:endParaRPr lang="en-US" sz="1600" dirty="0">
+              <a:solidFill>
+                <a:srgbClr val="7030A0"/>
+              </a:solidFill>
+            </a:endParaRPr>
+          </a:p>
+          <a:p>
+            <a:r>
+              <a:rPr lang="en-US" sz="1600" dirty="0">
+                <a:solidFill>
+                  <a:srgbClr val="7030A0"/>
+                </a:solidFill>
+                <a:effectLst/>
+                <a:hlinkClick r:id="rId6"/>
+              </a:rPr>
+              <a:t>Chart hooks</a:t>
+            </a:r>
+            <a:endParaRPr lang="en-US" sz="1600" dirty="0">
+              <a:solidFill>
+                <a:srgbClr val="7030A0"/>
+              </a:solidFill>
+              <a:effectLst/>
+            </a:endParaRPr>
+          </a:p>
+          <a:p>
+            <a:br>
+              <a:rPr lang="en-US" sz="1600" dirty="0">
+                <a:solidFill>
+                  <a:srgbClr val="7030A0"/>
+                </a:solidFill>
+                <a:effectLst/>
+              </a:rPr>
+            </a:br>
+            <a:r>
+              <a:rPr lang="en-US" sz="1600" dirty="0">
+                <a:solidFill>
+                  <a:srgbClr val="7030A0"/>
+                </a:solidFill>
+                <a:effectLst/>
+                <a:hlinkClick r:id="rId7"/>
+              </a:rPr>
+              <a:t>Helm best practices</a:t>
+            </a:r>
+            <a:endParaRPr lang="en-US" sz="1600" dirty="0">
+              <a:solidFill>
+                <a:srgbClr val="7030A0"/>
+              </a:solidFill>
+              <a:effectLst/>
+            </a:endParaRPr>
+          </a:p>
+          <a:p>
+            <a:endParaRPr lang="en-US" sz="1600" dirty="0">
+              <a:solidFill>
+                <a:srgbClr val="7030A0"/>
+              </a:solidFill>
+              <a:effectLst/>
+            </a:endParaRPr>
+          </a:p>
+          <a:p>
+            <a:r>
+              <a:rPr lang="en-US" sz="1600" dirty="0">
+                <a:solidFill>
+                  <a:srgbClr val="7030A0"/>
+                </a:solidFill>
+                <a:hlinkClick r:id="rId8"/>
+              </a:rPr>
+              <a:t>Installing CRD documentation</a:t>
+            </a:r>
+            <a:endParaRPr lang="en-US" sz="1600" dirty="0">
+              <a:solidFill>
+                <a:srgbClr val="7030A0"/>
+              </a:solidFill>
+              <a:effectLst/>
+            </a:endParaRPr>
+          </a:p>
+          <a:p>
+            <a:br>
+              <a:rPr lang="en-US" sz="1600" dirty="0">
+                <a:solidFill>
+                  <a:srgbClr val="7030A0"/>
+                </a:solidFill>
+                <a:effectLst/>
+              </a:rPr>
+            </a:br>
+            <a:r>
+              <a:rPr lang="en-US" sz="1600" dirty="0">
+                <a:solidFill>
+                  <a:srgbClr val="7030A0"/>
+                </a:solidFill>
+                <a:effectLst/>
+              </a:rPr>
+              <a:t>  </a:t>
             </a:r>
           </a:p>
         </p:txBody>
@@ -13134,25 +16496,25 @@
     </p:custDataLst>
     <p:extLst>
       <p:ext uri="{BB962C8B-B14F-4D97-AF65-F5344CB8AC3E}">
-        <p14:creationId xmlns:p14="http://schemas.microsoft.com/office/powerpoint/2010/main" val="1055841147"/>
+        <p14:creationId xmlns:p14="http://schemas.microsoft.com/office/powerpoint/2010/main" val="1736091823"/>
       </p:ext>
     </p:extLst>
   </p:cSld>
   <p:clrMapOvr>
     <a:masterClrMapping/>
   </p:clrMapOvr>
-  <mc:AlternateContent xmlns:mc="http://schemas.openxmlformats.org/markup-compatibility/2006" xmlns:p14="http://schemas.microsoft.com/office/powerpoint/2010/main">
-    <mc:Choice Requires="p14">
+  <mc:AlternateContent xmlns:mc="http://schemas.openxmlformats.org/markup-compatibility/2006">
+    <mc:Choice xmlns:p14="http://schemas.microsoft.com/office/powerpoint/2010/main" Requires="p14">
       <p:transition spd="slow" p14:dur="2000" advTm="92152"/>
     </mc:Choice>
-    <mc:Fallback xmlns="">
+    <mc:Fallback>
       <p:transition spd="slow" advTm="92152"/>
     </mc:Fallback>
   </mc:AlternateContent>
 </p:sld>
 </file>
 
-<file path=ppt/slides/slide2.xml><?xml version="1.0" encoding="utf-8"?>
+<file path=ppt/slides/slide26.xml><?xml version="1.0" encoding="utf-8"?>
 <p:sld xmlns:a="http://schemas.openxmlformats.org/drawingml/2006/main" xmlns:r="http://schemas.openxmlformats.org/officeDocument/2006/relationships" xmlns:p="http://schemas.openxmlformats.org/presentationml/2006/main">
   <p:cSld>
     <p:spTree>
@@ -13171,243 +16533,6 @@
       </p:grpSpPr>
       <p:sp>
         <p:nvSpPr>
-          <p:cNvPr id="35" name="Rounded Rectangle 34">
-            <a:extLst>
-              <a:ext uri="{FF2B5EF4-FFF2-40B4-BE49-F238E27FC236}">
-                <a16:creationId xmlns:a16="http://schemas.microsoft.com/office/drawing/2014/main" id="{E4B44EE6-6553-7A48-A99C-D2C7DFFBED27}"/>
-              </a:ext>
-            </a:extLst>
-          </p:cNvPr>
-          <p:cNvSpPr/>
-          <p:nvPr/>
-        </p:nvSpPr>
-        <p:spPr>
-          <a:xfrm>
-            <a:off x="277421" y="1456376"/>
-            <a:ext cx="4075481" cy="3120987"/>
-          </a:xfrm>
-          <a:prstGeom prst="roundRect">
-            <a:avLst/>
-          </a:prstGeom>
-          <a:solidFill>
-            <a:schemeClr val="bg1">
-              <a:lumMod val="95000"/>
-            </a:schemeClr>
-          </a:solidFill>
-          <a:ln>
-            <a:noFill/>
-          </a:ln>
-        </p:spPr>
-        <p:style>
-          <a:lnRef idx="2">
-            <a:schemeClr val="accent1">
-              <a:shade val="50000"/>
-            </a:schemeClr>
-          </a:lnRef>
-          <a:fillRef idx="1">
-            <a:schemeClr val="accent1"/>
-          </a:fillRef>
-          <a:effectRef idx="0">
-            <a:schemeClr val="accent1"/>
-          </a:effectRef>
-          <a:fontRef idx="minor">
-            <a:schemeClr val="lt1"/>
-          </a:fontRef>
-        </p:style>
-        <p:txBody>
-          <a:bodyPr rot="0" spcFirstLastPara="0" vertOverflow="overflow" horzOverflow="overflow" vert="horz" wrap="square" lIns="91440" tIns="45720" rIns="91440" bIns="45720" numCol="1" spcCol="0" rtlCol="0" fromWordArt="0" anchor="t" anchorCtr="0" forceAA="0" compatLnSpc="1">
-            <a:prstTxWarp prst="textNoShape">
-              <a:avLst/>
-            </a:prstTxWarp>
-            <a:noAutofit/>
-          </a:bodyPr>
-          <a:lstStyle/>
-          <a:p>
-            <a:pPr marL="285750" indent="-285750">
-              <a:buFont typeface="Arial" panose="020B0604020202020204" pitchFamily="34" charset="0"/>
-              <a:buChar char="•"/>
-            </a:pPr>
-            <a:r>
-              <a:rPr lang="en-US" sz="1800" dirty="0">
-                <a:solidFill>
-                  <a:schemeClr val="bg1">
-                    <a:lumMod val="65000"/>
-                  </a:schemeClr>
-                </a:solidFill>
-              </a:rPr>
-              <a:t>Intro into API Server (core API and structure), discovery</a:t>
-            </a:r>
-          </a:p>
-          <a:p>
-            <a:pPr marL="285750" indent="-285750">
-              <a:buFont typeface="Arial" panose="020B0604020202020204" pitchFamily="34" charset="0"/>
-              <a:buChar char="•"/>
-            </a:pPr>
-            <a:r>
-              <a:rPr lang="en-US" sz="1800" dirty="0">
-                <a:solidFill>
-                  <a:schemeClr val="bg1">
-                    <a:lumMod val="65000"/>
-                  </a:schemeClr>
-                </a:solidFill>
-              </a:rPr>
-              <a:t>Extending the API Server with a custom API</a:t>
-            </a:r>
-          </a:p>
-          <a:p>
-            <a:pPr marL="285750" indent="-285750">
-              <a:buFont typeface="Arial" panose="020B0604020202020204" pitchFamily="34" charset="0"/>
-              <a:buChar char="•"/>
-            </a:pPr>
-            <a:r>
-              <a:rPr lang="en-US" sz="1800" dirty="0">
-                <a:solidFill>
-                  <a:schemeClr val="bg1">
-                    <a:lumMod val="65000"/>
-                  </a:schemeClr>
-                </a:solidFill>
-              </a:rPr>
-              <a:t>Accessing the API Server via client libraries</a:t>
-            </a:r>
-          </a:p>
-          <a:p>
-            <a:pPr marL="285750" indent="-285750">
-              <a:buFont typeface="Arial" panose="020B0604020202020204" pitchFamily="34" charset="0"/>
-              <a:buChar char="•"/>
-            </a:pPr>
-            <a:r>
-              <a:rPr lang="en-US" sz="1800" dirty="0">
-                <a:solidFill>
-                  <a:schemeClr val="bg1">
-                    <a:lumMod val="65000"/>
-                  </a:schemeClr>
-                </a:solidFill>
-              </a:rPr>
-              <a:t>Metrics server overview</a:t>
-            </a:r>
-          </a:p>
-        </p:txBody>
-      </p:sp>
-      <p:sp>
-        <p:nvSpPr>
-          <p:cNvPr id="34" name="Rounded Rectangle 33">
-            <a:extLst>
-              <a:ext uri="{FF2B5EF4-FFF2-40B4-BE49-F238E27FC236}">
-                <a16:creationId xmlns:a16="http://schemas.microsoft.com/office/drawing/2014/main" id="{357D3670-FEDA-4040-82F7-4BA72E4DAA77}"/>
-              </a:ext>
-            </a:extLst>
-          </p:cNvPr>
-          <p:cNvSpPr/>
-          <p:nvPr/>
-        </p:nvSpPr>
-        <p:spPr>
-          <a:xfrm>
-            <a:off x="4651074" y="1456374"/>
-            <a:ext cx="4075481" cy="3109427"/>
-          </a:xfrm>
-          <a:prstGeom prst="roundRect">
-            <a:avLst/>
-          </a:prstGeom>
-          <a:solidFill>
-            <a:schemeClr val="bg1">
-              <a:lumMod val="95000"/>
-            </a:schemeClr>
-          </a:solidFill>
-          <a:ln>
-            <a:noFill/>
-          </a:ln>
-        </p:spPr>
-        <p:style>
-          <a:lnRef idx="2">
-            <a:schemeClr val="accent1">
-              <a:shade val="50000"/>
-            </a:schemeClr>
-          </a:lnRef>
-          <a:fillRef idx="1">
-            <a:schemeClr val="accent1"/>
-          </a:fillRef>
-          <a:effectRef idx="0">
-            <a:schemeClr val="accent1"/>
-          </a:effectRef>
-          <a:fontRef idx="minor">
-            <a:schemeClr val="lt1"/>
-          </a:fontRef>
-        </p:style>
-        <p:txBody>
-          <a:bodyPr rtlCol="0" anchor="t"/>
-          <a:lstStyle/>
-          <a:p>
-            <a:pPr marL="285750" indent="-285750">
-              <a:buFont typeface="Arial" panose="020B0604020202020204" pitchFamily="34" charset="0"/>
-              <a:buChar char="•"/>
-            </a:pPr>
-            <a:r>
-              <a:rPr lang="en-US" sz="1800" dirty="0">
-                <a:solidFill>
-                  <a:srgbClr val="6E53BB"/>
-                </a:solidFill>
-                <a:effectLst/>
-              </a:rPr>
-              <a:t>Custom Resource Definitions (CRDs)</a:t>
-            </a:r>
-          </a:p>
-          <a:p>
-            <a:pPr marL="285750" indent="-285750">
-              <a:buFont typeface="Arial" panose="020B0604020202020204" pitchFamily="34" charset="0"/>
-              <a:buChar char="•"/>
-            </a:pPr>
-            <a:r>
-              <a:rPr lang="en-US" sz="1800" dirty="0">
-                <a:solidFill>
-                  <a:srgbClr val="6E53BB"/>
-                </a:solidFill>
-              </a:rPr>
-              <a:t>CRD controllers</a:t>
-            </a:r>
-            <a:endParaRPr lang="en-US" sz="1800" dirty="0">
-              <a:solidFill>
-                <a:srgbClr val="6E53BB"/>
-              </a:solidFill>
-              <a:effectLst/>
-            </a:endParaRPr>
-          </a:p>
-          <a:p>
-            <a:pPr marL="285750" indent="-285750">
-              <a:buFont typeface="Arial" panose="020B0604020202020204" pitchFamily="34" charset="0"/>
-              <a:buChar char="•"/>
-            </a:pPr>
-            <a:r>
-              <a:rPr lang="en-US" sz="1800" dirty="0">
-                <a:solidFill>
-                  <a:srgbClr val="6E53BB"/>
-                </a:solidFill>
-              </a:rPr>
-              <a:t>Kubernetes operator library</a:t>
-            </a:r>
-          </a:p>
-          <a:p>
-            <a:pPr marL="285750" indent="-285750">
-              <a:buFont typeface="Arial" panose="020B0604020202020204" pitchFamily="34" charset="0"/>
-              <a:buChar char="•"/>
-            </a:pPr>
-            <a:r>
-              <a:rPr lang="en-US" sz="1800" dirty="0">
-                <a:solidFill>
-                  <a:srgbClr val="6E53BB"/>
-                </a:solidFill>
-                <a:effectLst/>
-              </a:rPr>
-              <a:t>Using Helm</a:t>
-            </a:r>
-          </a:p>
-          <a:p>
-            <a:pPr algn="ctr"/>
-            <a:endParaRPr dirty="0"/>
-          </a:p>
-        </p:txBody>
-      </p:sp>
-      <p:sp>
-        <p:nvSpPr>
           <p:cNvPr id="12" name="Rectangle 7"/>
           <p:cNvSpPr>
             <a:spLocks/>
@@ -13506,39 +16631,6 @@
               <a:cs typeface="Lato Light" charset="0"/>
               <a:sym typeface="Lato Light" charset="0"/>
             </a:endParaRPr>
-          </a:p>
-        </p:txBody>
-      </p:sp>
-      <p:sp>
-        <p:nvSpPr>
-          <p:cNvPr id="15" name="Title 14">
-            <a:extLst>
-              <a:ext uri="{FF2B5EF4-FFF2-40B4-BE49-F238E27FC236}">
-                <a16:creationId xmlns:a16="http://schemas.microsoft.com/office/drawing/2014/main" id="{AC70AFF7-D39C-1B45-8E56-844E670FBDCF}"/>
-              </a:ext>
-            </a:extLst>
-          </p:cNvPr>
-          <p:cNvSpPr>
-            <a:spLocks noGrp="1"/>
-          </p:cNvSpPr>
-          <p:nvPr>
-            <p:ph type="title"/>
-          </p:nvPr>
-        </p:nvSpPr>
-        <p:spPr>
-          <a:xfrm>
-            <a:off x="1122018" y="219808"/>
-            <a:ext cx="7647210" cy="638313"/>
-          </a:xfrm>
-        </p:spPr>
-        <p:txBody>
-          <a:bodyPr/>
-          <a:lstStyle/>
-          <a:p>
-            <a:r>
-              <a:rPr lang="en-US" dirty="0"/>
-              <a:t>Overview</a:t>
-            </a:r>
           </a:p>
         </p:txBody>
       </p:sp>
@@ -13564,7 +16656,7 @@
         </p:blipFill>
         <p:spPr>
           <a:xfrm>
-            <a:off x="309217" y="172437"/>
+            <a:off x="2636485" y="1659592"/>
             <a:ext cx="812800" cy="787400"/>
           </a:xfrm>
           <a:prstGeom prst="rect">
@@ -13574,10 +16666,10 @@
       </p:pic>
       <p:sp>
         <p:nvSpPr>
-          <p:cNvPr id="6" name="TextBox 5">
+          <p:cNvPr id="2" name="TextBox 1">
             <a:extLst>
               <a:ext uri="{FF2B5EF4-FFF2-40B4-BE49-F238E27FC236}">
-                <a16:creationId xmlns:a16="http://schemas.microsoft.com/office/drawing/2014/main" id="{0E1BDD91-8565-80A6-C782-AFDB3CD8F9CA}"/>
+                <a16:creationId xmlns:a16="http://schemas.microsoft.com/office/drawing/2014/main" id="{0A1C82F2-FD3D-4DDB-6D43-D9AD5ACAFF63}"/>
               </a:ext>
             </a:extLst>
           </p:cNvPr>
@@ -13586,8 +16678,8 @@
         </p:nvSpPr>
         <p:spPr>
           <a:xfrm>
-            <a:off x="1929538" y="998305"/>
-            <a:ext cx="940505" cy="461665"/>
+            <a:off x="3776564" y="1822459"/>
+            <a:ext cx="3076412" cy="646331"/>
           </a:xfrm>
           <a:prstGeom prst="rect">
             <a:avLst/>
@@ -13601,55 +16693,8 @@
           <a:lstStyle/>
           <a:p>
             <a:r>
-              <a:rPr lang="en-US" sz="2400" dirty="0">
-                <a:solidFill>
-                  <a:schemeClr val="bg1">
-                    <a:lumMod val="65000"/>
-                  </a:schemeClr>
-                </a:solidFill>
-              </a:rPr>
-              <a:t>Part 1</a:t>
-            </a:r>
-          </a:p>
-        </p:txBody>
-      </p:sp>
-      <p:sp>
-        <p:nvSpPr>
-          <p:cNvPr id="8" name="TextBox 7">
-            <a:extLst>
-              <a:ext uri="{FF2B5EF4-FFF2-40B4-BE49-F238E27FC236}">
-                <a16:creationId xmlns:a16="http://schemas.microsoft.com/office/drawing/2014/main" id="{A4A0E69B-7CBB-A033-68D8-3A122ED3F0C0}"/>
-              </a:ext>
-            </a:extLst>
-          </p:cNvPr>
-          <p:cNvSpPr txBox="1"/>
-          <p:nvPr/>
-        </p:nvSpPr>
-        <p:spPr>
-          <a:xfrm>
-            <a:off x="6226915" y="994708"/>
-            <a:ext cx="940505" cy="461665"/>
-          </a:xfrm>
-          <a:prstGeom prst="rect">
-            <a:avLst/>
-          </a:prstGeom>
-          <a:noFill/>
-        </p:spPr>
-        <p:txBody>
-          <a:bodyPr wrap="square" rtlCol="0">
-            <a:spAutoFit/>
-          </a:bodyPr>
-          <a:lstStyle/>
-          <a:p>
-            <a:r>
-              <a:rPr lang="en-US" sz="2400" dirty="0">
-                <a:solidFill>
-                  <a:schemeClr val="accent1">
-                    <a:lumMod val="75000"/>
-                  </a:schemeClr>
-                </a:solidFill>
-              </a:rPr>
-              <a:t>Part 2</a:t>
+              <a:rPr lang="en-US" sz="3600" dirty="0"/>
+              <a:t>Questions?</a:t>
             </a:r>
           </a:p>
         </p:txBody>
@@ -13660,7 +16705,7 @@
     </p:custDataLst>
     <p:extLst>
       <p:ext uri="{BB962C8B-B14F-4D97-AF65-F5344CB8AC3E}">
-        <p14:creationId xmlns:p14="http://schemas.microsoft.com/office/powerpoint/2010/main" val="2467407418"/>
+        <p14:creationId xmlns:p14="http://schemas.microsoft.com/office/powerpoint/2010/main" val="1055841147"/>
       </p:ext>
     </p:extLst>
   </p:cSld>
@@ -13717,14 +16762,14 @@
           </a:ln>
           <a:extLst>
             <a:ext uri="{909E8E84-426E-40dd-AFC4-6F175D3DCCD1}">
-              <a14:hiddenFill xmlns="" xmlns:a14="http://schemas.microsoft.com/office/drawing/2010/main">
+              <a14:hiddenFill xmlns:a14="http://schemas.microsoft.com/office/drawing/2010/main" xmlns="">
                 <a:solidFill>
                   <a:srgbClr val="FFFFFF"/>
                 </a:solidFill>
               </a14:hiddenFill>
             </a:ext>
             <a:ext uri="{91240B29-F687-4f45-9708-019B960494DF}">
-              <a14:hiddenLine xmlns="" xmlns:a14="http://schemas.microsoft.com/office/drawing/2010/main" w="12700" cap="flat">
+              <a14:hiddenLine xmlns:a14="http://schemas.microsoft.com/office/drawing/2010/main" xmlns="" w="12700" cap="flat">
                 <a:solidFill>
                   <a:schemeClr val="tx1"/>
                 </a:solidFill>
@@ -13768,14 +16813,14 @@
           </a:ln>
           <a:extLst>
             <a:ext uri="{909E8E84-426E-40dd-AFC4-6F175D3DCCD1}">
-              <a14:hiddenFill xmlns="" xmlns:a14="http://schemas.microsoft.com/office/drawing/2010/main">
+              <a14:hiddenFill xmlns:a14="http://schemas.microsoft.com/office/drawing/2010/main" xmlns="">
                 <a:solidFill>
                   <a:srgbClr val="FFFFFF"/>
                 </a:solidFill>
               </a14:hiddenFill>
             </a:ext>
             <a:ext uri="{91240B29-F687-4f45-9708-019B960494DF}">
-              <a14:hiddenLine xmlns="" xmlns:a14="http://schemas.microsoft.com/office/drawing/2010/main" w="12700" cap="flat">
+              <a14:hiddenLine xmlns:a14="http://schemas.microsoft.com/office/drawing/2010/main" xmlns="" w="12700" cap="flat">
                 <a:solidFill>
                   <a:schemeClr val="tx1"/>
                 </a:solidFill>
@@ -13954,14 +16999,14 @@
           </a:ln>
           <a:extLst>
             <a:ext uri="{909E8E84-426E-40dd-AFC4-6F175D3DCCD1}">
-              <a14:hiddenFill xmlns:a14="http://schemas.microsoft.com/office/drawing/2010/main" xmlns="">
+              <a14:hiddenFill xmlns="" xmlns:a14="http://schemas.microsoft.com/office/drawing/2010/main">
                 <a:solidFill>
                   <a:srgbClr val="FFFFFF"/>
                 </a:solidFill>
               </a14:hiddenFill>
             </a:ext>
             <a:ext uri="{91240B29-F687-4f45-9708-019B960494DF}">
-              <a14:hiddenLine xmlns:a14="http://schemas.microsoft.com/office/drawing/2010/main" xmlns="" w="12700" cap="flat">
+              <a14:hiddenLine xmlns="" xmlns:a14="http://schemas.microsoft.com/office/drawing/2010/main" w="12700" cap="flat">
                 <a:solidFill>
                   <a:schemeClr val="tx1"/>
                 </a:solidFill>
@@ -14005,14 +17050,14 @@
           </a:ln>
           <a:extLst>
             <a:ext uri="{909E8E84-426E-40dd-AFC4-6F175D3DCCD1}">
-              <a14:hiddenFill xmlns:a14="http://schemas.microsoft.com/office/drawing/2010/main" xmlns="">
+              <a14:hiddenFill xmlns="" xmlns:a14="http://schemas.microsoft.com/office/drawing/2010/main">
                 <a:solidFill>
                   <a:srgbClr val="FFFFFF"/>
                 </a:solidFill>
               </a14:hiddenFill>
             </a:ext>
             <a:ext uri="{91240B29-F687-4f45-9708-019B960494DF}">
-              <a14:hiddenLine xmlns:a14="http://schemas.microsoft.com/office/drawing/2010/main" xmlns="" w="12700" cap="flat">
+              <a14:hiddenLine xmlns="" xmlns:a14="http://schemas.microsoft.com/office/drawing/2010/main" w="12700" cap="flat">
                 <a:solidFill>
                   <a:schemeClr val="tx1"/>
                 </a:solidFill>
@@ -14248,14 +17293,14 @@
           </a:ln>
           <a:extLst>
             <a:ext uri="{909E8E84-426E-40dd-AFC4-6F175D3DCCD1}">
-              <a14:hiddenFill xmlns="" xmlns:a14="http://schemas.microsoft.com/office/drawing/2010/main">
+              <a14:hiddenFill xmlns:a14="http://schemas.microsoft.com/office/drawing/2010/main" xmlns="">
                 <a:solidFill>
                   <a:srgbClr val="FFFFFF"/>
                 </a:solidFill>
               </a14:hiddenFill>
             </a:ext>
             <a:ext uri="{91240B29-F687-4f45-9708-019B960494DF}">
-              <a14:hiddenLine xmlns="" xmlns:a14="http://schemas.microsoft.com/office/drawing/2010/main" w="12700" cap="flat">
+              <a14:hiddenLine xmlns:a14="http://schemas.microsoft.com/office/drawing/2010/main" xmlns="" w="12700" cap="flat">
                 <a:solidFill>
                   <a:schemeClr val="tx1"/>
                 </a:solidFill>
@@ -14299,14 +17344,14 @@
           </a:ln>
           <a:extLst>
             <a:ext uri="{909E8E84-426E-40dd-AFC4-6F175D3DCCD1}">
-              <a14:hiddenFill xmlns="" xmlns:a14="http://schemas.microsoft.com/office/drawing/2010/main">
+              <a14:hiddenFill xmlns:a14="http://schemas.microsoft.com/office/drawing/2010/main" xmlns="">
                 <a:solidFill>
                   <a:srgbClr val="FFFFFF"/>
                 </a:solidFill>
               </a14:hiddenFill>
             </a:ext>
             <a:ext uri="{91240B29-F687-4f45-9708-019B960494DF}">
-              <a14:hiddenLine xmlns="" xmlns:a14="http://schemas.microsoft.com/office/drawing/2010/main" w="12700" cap="flat">
+              <a14:hiddenLine xmlns:a14="http://schemas.microsoft.com/office/drawing/2010/main" xmlns="" w="12700" cap="flat">
                 <a:solidFill>
                   <a:schemeClr val="tx1"/>
                 </a:solidFill>
@@ -14516,14 +17561,14 @@
           </a:ln>
           <a:extLst>
             <a:ext uri="{909E8E84-426E-40dd-AFC4-6F175D3DCCD1}">
-              <a14:hiddenFill xmlns:a14="http://schemas.microsoft.com/office/drawing/2010/main" xmlns="">
+              <a14:hiddenFill xmlns="" xmlns:a14="http://schemas.microsoft.com/office/drawing/2010/main">
                 <a:solidFill>
                   <a:srgbClr val="FFFFFF"/>
                 </a:solidFill>
               </a14:hiddenFill>
             </a:ext>
             <a:ext uri="{91240B29-F687-4f45-9708-019B960494DF}">
-              <a14:hiddenLine xmlns:a14="http://schemas.microsoft.com/office/drawing/2010/main" xmlns="" w="12700" cap="flat">
+              <a14:hiddenLine xmlns="" xmlns:a14="http://schemas.microsoft.com/office/drawing/2010/main" w="12700" cap="flat">
                 <a:solidFill>
                   <a:schemeClr val="tx1"/>
                 </a:solidFill>
@@ -14567,14 +17612,14 @@
           </a:ln>
           <a:extLst>
             <a:ext uri="{909E8E84-426E-40dd-AFC4-6F175D3DCCD1}">
-              <a14:hiddenFill xmlns:a14="http://schemas.microsoft.com/office/drawing/2010/main" xmlns="">
+              <a14:hiddenFill xmlns="" xmlns:a14="http://schemas.microsoft.com/office/drawing/2010/main">
                 <a:solidFill>
                   <a:srgbClr val="FFFFFF"/>
                 </a:solidFill>
               </a14:hiddenFill>
             </a:ext>
             <a:ext uri="{91240B29-F687-4f45-9708-019B960494DF}">
-              <a14:hiddenLine xmlns:a14="http://schemas.microsoft.com/office/drawing/2010/main" xmlns="" w="12700" cap="flat">
+              <a14:hiddenLine xmlns="" xmlns:a14="http://schemas.microsoft.com/office/drawing/2010/main" w="12700" cap="flat">
                 <a:solidFill>
                   <a:schemeClr val="tx1"/>
                 </a:solidFill>
@@ -14780,14 +17825,14 @@
           </a:ln>
           <a:extLst>
             <a:ext uri="{909E8E84-426E-40dd-AFC4-6F175D3DCCD1}">
-              <a14:hiddenFill xmlns="" xmlns:a14="http://schemas.microsoft.com/office/drawing/2010/main">
+              <a14:hiddenFill xmlns:a14="http://schemas.microsoft.com/office/drawing/2010/main" xmlns="">
                 <a:solidFill>
                   <a:srgbClr val="FFFFFF"/>
                 </a:solidFill>
               </a14:hiddenFill>
             </a:ext>
             <a:ext uri="{91240B29-F687-4f45-9708-019B960494DF}">
-              <a14:hiddenLine xmlns="" xmlns:a14="http://schemas.microsoft.com/office/drawing/2010/main" w="12700" cap="flat">
+              <a14:hiddenLine xmlns:a14="http://schemas.microsoft.com/office/drawing/2010/main" xmlns="" w="12700" cap="flat">
                 <a:solidFill>
                   <a:schemeClr val="tx1"/>
                 </a:solidFill>
@@ -14831,14 +17876,14 @@
           </a:ln>
           <a:extLst>
             <a:ext uri="{909E8E84-426E-40dd-AFC4-6F175D3DCCD1}">
-              <a14:hiddenFill xmlns="" xmlns:a14="http://schemas.microsoft.com/office/drawing/2010/main">
+              <a14:hiddenFill xmlns:a14="http://schemas.microsoft.com/office/drawing/2010/main" xmlns="">
                 <a:solidFill>
                   <a:srgbClr val="FFFFFF"/>
                 </a:solidFill>
               </a14:hiddenFill>
             </a:ext>
             <a:ext uri="{91240B29-F687-4f45-9708-019B960494DF}">
-              <a14:hiddenLine xmlns="" xmlns:a14="http://schemas.microsoft.com/office/drawing/2010/main" w="12700" cap="flat">
+              <a14:hiddenLine xmlns:a14="http://schemas.microsoft.com/office/drawing/2010/main" xmlns="" w="12700" cap="flat">
                 <a:solidFill>
                   <a:schemeClr val="tx1"/>
                 </a:solidFill>
@@ -15420,14 +18465,14 @@
           </a:ln>
           <a:extLst>
             <a:ext uri="{909E8E84-426E-40dd-AFC4-6F175D3DCCD1}">
-              <a14:hiddenFill xmlns:a14="http://schemas.microsoft.com/office/drawing/2010/main" xmlns="">
+              <a14:hiddenFill xmlns="" xmlns:a14="http://schemas.microsoft.com/office/drawing/2010/main">
                 <a:solidFill>
                   <a:srgbClr val="FFFFFF"/>
                 </a:solidFill>
               </a14:hiddenFill>
             </a:ext>
             <a:ext uri="{91240B29-F687-4f45-9708-019B960494DF}">
-              <a14:hiddenLine xmlns:a14="http://schemas.microsoft.com/office/drawing/2010/main" xmlns="" w="12700" cap="flat">
+              <a14:hiddenLine xmlns="" xmlns:a14="http://schemas.microsoft.com/office/drawing/2010/main" w="12700" cap="flat">
                 <a:solidFill>
                   <a:schemeClr val="tx1"/>
                 </a:solidFill>
@@ -15471,14 +18516,14 @@
           </a:ln>
           <a:extLst>
             <a:ext uri="{909E8E84-426E-40dd-AFC4-6F175D3DCCD1}">
-              <a14:hiddenFill xmlns:a14="http://schemas.microsoft.com/office/drawing/2010/main" xmlns="">
+              <a14:hiddenFill xmlns="" xmlns:a14="http://schemas.microsoft.com/office/drawing/2010/main">
                 <a:solidFill>
                   <a:srgbClr val="FFFFFF"/>
                 </a:solidFill>
               </a14:hiddenFill>
             </a:ext>
             <a:ext uri="{91240B29-F687-4f45-9708-019B960494DF}">
-              <a14:hiddenLine xmlns:a14="http://schemas.microsoft.com/office/drawing/2010/main" xmlns="" w="12700" cap="flat">
+              <a14:hiddenLine xmlns="" xmlns:a14="http://schemas.microsoft.com/office/drawing/2010/main" w="12700" cap="flat">
                 <a:solidFill>
                   <a:schemeClr val="tx1"/>
                 </a:solidFill>
@@ -16957,14 +20002,14 @@
           </a:ln>
           <a:extLst>
             <a:ext uri="{909E8E84-426E-40dd-AFC4-6F175D3DCCD1}">
-              <a14:hiddenFill xmlns="" xmlns:a14="http://schemas.microsoft.com/office/drawing/2010/main">
+              <a14:hiddenFill xmlns:a14="http://schemas.microsoft.com/office/drawing/2010/main" xmlns="">
                 <a:solidFill>
                   <a:srgbClr val="FFFFFF"/>
                 </a:solidFill>
               </a14:hiddenFill>
             </a:ext>
             <a:ext uri="{91240B29-F687-4f45-9708-019B960494DF}">
-              <a14:hiddenLine xmlns="" xmlns:a14="http://schemas.microsoft.com/office/drawing/2010/main" w="12700" cap="flat">
+              <a14:hiddenLine xmlns:a14="http://schemas.microsoft.com/office/drawing/2010/main" xmlns="" w="12700" cap="flat">
                 <a:solidFill>
                   <a:schemeClr val="tx1"/>
                 </a:solidFill>
@@ -17008,14 +20053,14 @@
           </a:ln>
           <a:extLst>
             <a:ext uri="{909E8E84-426E-40dd-AFC4-6F175D3DCCD1}">
-              <a14:hiddenFill xmlns="" xmlns:a14="http://schemas.microsoft.com/office/drawing/2010/main">
+              <a14:hiddenFill xmlns:a14="http://schemas.microsoft.com/office/drawing/2010/main" xmlns="">
                 <a:solidFill>
                   <a:srgbClr val="FFFFFF"/>
                 </a:solidFill>
               </a14:hiddenFill>
             </a:ext>
             <a:ext uri="{91240B29-F687-4f45-9708-019B960494DF}">
-              <a14:hiddenLine xmlns="" xmlns:a14="http://schemas.microsoft.com/office/drawing/2010/main" w="12700" cap="flat">
+              <a14:hiddenLine xmlns:a14="http://schemas.microsoft.com/office/drawing/2010/main" xmlns="" w="12700" cap="flat">
                 <a:solidFill>
                   <a:schemeClr val="tx1"/>
                 </a:solidFill>
@@ -18509,7 +21554,55 @@
 </p:tagLst>
 </file>
 
+<file path=ppt/tags/tag18.xml><?xml version="1.0" encoding="utf-8"?>
+<p:tagLst xmlns:a="http://schemas.openxmlformats.org/drawingml/2006/main" xmlns:r="http://schemas.openxmlformats.org/officeDocument/2006/relationships" xmlns:p="http://schemas.openxmlformats.org/presentationml/2006/main">
+  <p:tag name="TIMING" val="|16.9|24.2|0"/>
+</p:tagLst>
+</file>
+
+<file path=ppt/tags/tag19.xml><?xml version="1.0" encoding="utf-8"?>
+<p:tagLst xmlns:a="http://schemas.openxmlformats.org/drawingml/2006/main" xmlns:r="http://schemas.openxmlformats.org/officeDocument/2006/relationships" xmlns:p="http://schemas.openxmlformats.org/presentationml/2006/main">
+  <p:tag name="TIMING" val="|16.9|24.2|0"/>
+</p:tagLst>
+</file>
+
 <file path=ppt/tags/tag2.xml><?xml version="1.0" encoding="utf-8"?>
+<p:tagLst xmlns:a="http://schemas.openxmlformats.org/drawingml/2006/main" xmlns:r="http://schemas.openxmlformats.org/officeDocument/2006/relationships" xmlns:p="http://schemas.openxmlformats.org/presentationml/2006/main">
+  <p:tag name="TIMING" val="|16.9|24.2|0"/>
+</p:tagLst>
+</file>
+
+<file path=ppt/tags/tag20.xml><?xml version="1.0" encoding="utf-8"?>
+<p:tagLst xmlns:a="http://schemas.openxmlformats.org/drawingml/2006/main" xmlns:r="http://schemas.openxmlformats.org/officeDocument/2006/relationships" xmlns:p="http://schemas.openxmlformats.org/presentationml/2006/main">
+  <p:tag name="TIMING" val="|16.9|24.2|0"/>
+</p:tagLst>
+</file>
+
+<file path=ppt/tags/tag21.xml><?xml version="1.0" encoding="utf-8"?>
+<p:tagLst xmlns:a="http://schemas.openxmlformats.org/drawingml/2006/main" xmlns:r="http://schemas.openxmlformats.org/officeDocument/2006/relationships" xmlns:p="http://schemas.openxmlformats.org/presentationml/2006/main">
+  <p:tag name="TIMING" val="|16.9|24.2|0"/>
+</p:tagLst>
+</file>
+
+<file path=ppt/tags/tag22.xml><?xml version="1.0" encoding="utf-8"?>
+<p:tagLst xmlns:a="http://schemas.openxmlformats.org/drawingml/2006/main" xmlns:r="http://schemas.openxmlformats.org/officeDocument/2006/relationships" xmlns:p="http://schemas.openxmlformats.org/presentationml/2006/main">
+  <p:tag name="TIMING" val="|16.9|24.2|0"/>
+</p:tagLst>
+</file>
+
+<file path=ppt/tags/tag23.xml><?xml version="1.0" encoding="utf-8"?>
+<p:tagLst xmlns:a="http://schemas.openxmlformats.org/drawingml/2006/main" xmlns:r="http://schemas.openxmlformats.org/officeDocument/2006/relationships" xmlns:p="http://schemas.openxmlformats.org/presentationml/2006/main">
+  <p:tag name="TIMING" val="|16.9|24.2|0"/>
+</p:tagLst>
+</file>
+
+<file path=ppt/tags/tag24.xml><?xml version="1.0" encoding="utf-8"?>
+<p:tagLst xmlns:a="http://schemas.openxmlformats.org/drawingml/2006/main" xmlns:r="http://schemas.openxmlformats.org/officeDocument/2006/relationships" xmlns:p="http://schemas.openxmlformats.org/presentationml/2006/main">
+  <p:tag name="TIMING" val="|16.9|24.2|0"/>
+</p:tagLst>
+</file>
+
+<file path=ppt/tags/tag25.xml><?xml version="1.0" encoding="utf-8"?>
 <p:tagLst xmlns:a="http://schemas.openxmlformats.org/drawingml/2006/main" xmlns:r="http://schemas.openxmlformats.org/officeDocument/2006/relationships" xmlns:p="http://schemas.openxmlformats.org/presentationml/2006/main">
   <p:tag name="TIMING" val="|16.9|24.2|0"/>
 </p:tagLst>
@@ -19375,18 +22468,18 @@
 </file>
 
 <file path=customXml/item1.xml><?xml version="1.0" encoding="utf-8"?>
+<p:properties xmlns:p="http://schemas.microsoft.com/office/2006/metadata/properties" xmlns:xsi="http://www.w3.org/2001/XMLSchema-instance" xmlns:pc="http://schemas.microsoft.com/office/infopath/2007/PartnerControls">
+  <documentManagement/>
+</p:properties>
+</file>
+
+<file path=customXml/item2.xml><?xml version="1.0" encoding="utf-8"?>
 <?mso-contentType ?>
 <FormTemplates xmlns="http://schemas.microsoft.com/sharepoint/v3/contenttype/forms">
   <Display>DocumentLibraryForm</Display>
   <Edit>DocumentLibraryForm</Edit>
   <New>DocumentLibraryForm</New>
 </FormTemplates>
-</file>
-
-<file path=customXml/item2.xml><?xml version="1.0" encoding="utf-8"?>
-<p:properties xmlns:p="http://schemas.microsoft.com/office/2006/metadata/properties" xmlns:xsi="http://www.w3.org/2001/XMLSchema-instance" xmlns:pc="http://schemas.microsoft.com/office/infopath/2007/PartnerControls">
-  <documentManagement/>
-</p:properties>
 </file>
 
 <file path=customXml/item3.xml><?xml version="1.0" encoding="utf-8"?>
@@ -19522,14 +22615,6 @@
 </file>
 
 <file path=customXml/itemProps1.xml><?xml version="1.0" encoding="utf-8"?>
-<ds:datastoreItem xmlns:ds="http://schemas.openxmlformats.org/officeDocument/2006/customXml" ds:itemID="{D5F8D509-23D9-4C54-AF87-293BA1A6052D}">
-  <ds:schemaRefs>
-    <ds:schemaRef ds:uri="http://schemas.microsoft.com/sharepoint/v3/contenttype/forms"/>
-  </ds:schemaRefs>
-</ds:datastoreItem>
-</file>
-
-<file path=customXml/itemProps2.xml><?xml version="1.0" encoding="utf-8"?>
 <ds:datastoreItem xmlns:ds="http://schemas.openxmlformats.org/officeDocument/2006/customXml" ds:itemID="{5B04C1A0-A675-4C19-A396-213721E544B7}">
   <ds:schemaRefs>
     <ds:schemaRef ds:uri="http://schemas.microsoft.com/office/2006/metadata/properties"/>
@@ -19541,6 +22626,14 @@
     <ds:schemaRef ds:uri="http://schemas.microsoft.com/office/infopath/2007/PartnerControls"/>
     <ds:schemaRef ds:uri="http://schemas.openxmlformats.org/package/2006/metadata/core-properties"/>
     <ds:schemaRef ds:uri="http://purl.org/dc/dcmitype/"/>
+  </ds:schemaRefs>
+</ds:datastoreItem>
+</file>
+
+<file path=customXml/itemProps2.xml><?xml version="1.0" encoding="utf-8"?>
+<ds:datastoreItem xmlns:ds="http://schemas.openxmlformats.org/officeDocument/2006/customXml" ds:itemID="{D5F8D509-23D9-4C54-AF87-293BA1A6052D}">
+  <ds:schemaRefs>
+    <ds:schemaRef ds:uri="http://schemas.microsoft.com/sharepoint/v3/contenttype/forms"/>
   </ds:schemaRefs>
 </ds:datastoreItem>
 </file>

--- a/Kubernetes CRD Helm.pptx
+++ b/Kubernetes CRD Helm.pptx
@@ -18,14 +18,14 @@
     <p:sldId id="351" r:id="rId9"/>
     <p:sldId id="352" r:id="rId10"/>
     <p:sldId id="353" r:id="rId11"/>
-    <p:sldId id="354" r:id="rId12"/>
-    <p:sldId id="355" r:id="rId13"/>
-    <p:sldId id="356" r:id="rId14"/>
+    <p:sldId id="356" r:id="rId12"/>
+    <p:sldId id="354" r:id="rId13"/>
+    <p:sldId id="370" r:id="rId14"/>
     <p:sldId id="357" r:id="rId15"/>
     <p:sldId id="360" r:id="rId16"/>
-    <p:sldId id="361" r:id="rId17"/>
-    <p:sldId id="359" r:id="rId18"/>
-    <p:sldId id="350" r:id="rId19"/>
+    <p:sldId id="350" r:id="rId17"/>
+    <p:sldId id="361" r:id="rId18"/>
+    <p:sldId id="359" r:id="rId19"/>
     <p:sldId id="362" r:id="rId20"/>
     <p:sldId id="363" r:id="rId21"/>
     <p:sldId id="364" r:id="rId22"/>
@@ -243,7 +243,7 @@
           <a:p>
             <a:fld id="{E0E49B37-B3CF-48A3-B172-7B77541BFFBD}" type="datetimeFigureOut">
               <a:rPr lang="de-DE" smtClean="0"/>
-              <a:t>14.07.24</a:t>
+              <a:t>16.07.24</a:t>
             </a:fld>
             <a:endParaRPr lang="de-DE"/>
           </a:p>
@@ -420,7 +420,7 @@
           <a:p>
             <a:fld id="{A3C54D81-05C3-7140-80BE-EDE0A1F8F28E}" type="datetimeFigureOut">
               <a:rPr lang="en-US" smtClean="0"/>
-              <a:t>7/14/24</a:t>
+              <a:t>7/16/24</a:t>
             </a:fld>
             <a:endParaRPr lang="en-US"/>
           </a:p>
@@ -822,7 +822,7 @@
     </p:spTree>
     <p:extLst>
       <p:ext uri="{BB962C8B-B14F-4D97-AF65-F5344CB8AC3E}">
-        <p14:creationId xmlns:p14="http://schemas.microsoft.com/office/powerpoint/2010/main" val="417157502"/>
+        <p14:creationId xmlns:p14="http://schemas.microsoft.com/office/powerpoint/2010/main" val="3047972390"/>
       </p:ext>
     </p:extLst>
   </p:cSld>
@@ -998,14 +998,14 @@
           <a:bodyPr/>
           <a:lstStyle/>
           <a:p>
-            <a:endParaRPr lang="de-DE"/>
+            <a:endParaRPr lang="de-DE" dirty="0"/>
           </a:p>
         </p:txBody>
       </p:sp>
     </p:spTree>
     <p:extLst>
       <p:ext uri="{BB962C8B-B14F-4D97-AF65-F5344CB8AC3E}">
-        <p14:creationId xmlns:p14="http://schemas.microsoft.com/office/powerpoint/2010/main" val="3594883150"/>
+        <p14:creationId xmlns:p14="http://schemas.microsoft.com/office/powerpoint/2010/main" val="3502057146"/>
       </p:ext>
     </p:extLst>
   </p:cSld>
@@ -1059,14 +1059,14 @@
           <a:bodyPr/>
           <a:lstStyle/>
           <a:p>
-            <a:endParaRPr lang="de-DE" dirty="0"/>
+            <a:endParaRPr lang="de-DE"/>
           </a:p>
         </p:txBody>
       </p:sp>
     </p:spTree>
     <p:extLst>
       <p:ext uri="{BB962C8B-B14F-4D97-AF65-F5344CB8AC3E}">
-        <p14:creationId xmlns:p14="http://schemas.microsoft.com/office/powerpoint/2010/main" val="3248282302"/>
+        <p14:creationId xmlns:p14="http://schemas.microsoft.com/office/powerpoint/2010/main" val="3594883150"/>
       </p:ext>
     </p:extLst>
   </p:cSld>
@@ -1127,7 +1127,7 @@
     </p:spTree>
     <p:extLst>
       <p:ext uri="{BB962C8B-B14F-4D97-AF65-F5344CB8AC3E}">
-        <p14:creationId xmlns:p14="http://schemas.microsoft.com/office/powerpoint/2010/main" val="3502057146"/>
+        <p14:creationId xmlns:p14="http://schemas.microsoft.com/office/powerpoint/2010/main" val="3248282302"/>
       </p:ext>
     </p:extLst>
   </p:cSld>
@@ -2218,14 +2218,14 @@
           <a:bodyPr/>
           <a:lstStyle/>
           <a:p>
-            <a:endParaRPr lang="de-DE"/>
+            <a:endParaRPr lang="de-DE" dirty="0"/>
           </a:p>
         </p:txBody>
       </p:sp>
     </p:spTree>
     <p:extLst>
       <p:ext uri="{BB962C8B-B14F-4D97-AF65-F5344CB8AC3E}">
-        <p14:creationId xmlns:p14="http://schemas.microsoft.com/office/powerpoint/2010/main" val="2300793480"/>
+        <p14:creationId xmlns:p14="http://schemas.microsoft.com/office/powerpoint/2010/main" val="417157502"/>
       </p:ext>
     </p:extLst>
   </p:cSld>
@@ -2286,7 +2286,7 @@
     </p:spTree>
     <p:extLst>
       <p:ext uri="{BB962C8B-B14F-4D97-AF65-F5344CB8AC3E}">
-        <p14:creationId xmlns:p14="http://schemas.microsoft.com/office/powerpoint/2010/main" val="1390987245"/>
+        <p14:creationId xmlns:p14="http://schemas.microsoft.com/office/powerpoint/2010/main" val="2300793480"/>
       </p:ext>
     </p:extLst>
   </p:cSld>
@@ -4282,7 +4282,7 @@
             <a:fld id="{1752D0F8-6159-4366-B54E-606536237956}" type="datetimeFigureOut">
               <a:rPr lang="de-DE" smtClean="0"/>
               <a:pPr/>
-              <a:t>14.07.24</a:t>
+              <a:t>16.07.24</a:t>
             </a:fld>
             <a:endParaRPr lang="de-DE"/>
           </a:p>
@@ -9561,7 +9561,7 @@
           <a:p>
             <a:fld id="{C764DE79-268F-4C1A-8933-263129D2AF90}" type="datetimeFigureOut">
               <a:rPr lang="en-US" dirty="0"/>
-              <a:t>7/14/24</a:t>
+              <a:t>7/16/24</a:t>
             </a:fld>
             <a:endParaRPr lang="en-US"/>
           </a:p>
@@ -10693,21 +10693,13 @@
     </p:custDataLst>
     <p:extLst>
       <p:ext uri="{BB962C8B-B14F-4D97-AF65-F5344CB8AC3E}">
-        <p14:creationId xmlns:p14="http://schemas.microsoft.com/office/powerpoint/2010/main" val="1419737004"/>
+        <p14:creationId xmlns:p14="http://schemas.microsoft.com/office/powerpoint/2010/main" val="2470359907"/>
       </p:ext>
     </p:extLst>
   </p:cSld>
   <p:clrMapOvr>
     <a:masterClrMapping/>
   </p:clrMapOvr>
-  <mc:AlternateContent xmlns:mc="http://schemas.openxmlformats.org/markup-compatibility/2006" xmlns:p14="http://schemas.microsoft.com/office/powerpoint/2010/main">
-    <mc:Choice Requires="p14">
-      <p:transition spd="slow" p14:dur="2000" advTm="92152"/>
-    </mc:Choice>
-    <mc:Fallback xmlns="">
-      <p:transition spd="slow" advTm="92152"/>
-    </mc:Fallback>
-  </mc:AlternateContent>
 </p:sld>
 </file>
 
@@ -10750,14 +10742,14 @@
           </a:ln>
           <a:extLst>
             <a:ext uri="{909E8E84-426E-40dd-AFC4-6F175D3DCCD1}">
-              <a14:hiddenFill xmlns="" xmlns:a14="http://schemas.microsoft.com/office/drawing/2010/main">
+              <a14:hiddenFill xmlns:a14="http://schemas.microsoft.com/office/drawing/2010/main" xmlns="">
                 <a:solidFill>
                   <a:srgbClr val="FFFFFF"/>
                 </a:solidFill>
               </a14:hiddenFill>
             </a:ext>
             <a:ext uri="{91240B29-F687-4f45-9708-019B960494DF}">
-              <a14:hiddenLine xmlns="" xmlns:a14="http://schemas.microsoft.com/office/drawing/2010/main" w="12700" cap="flat">
+              <a14:hiddenLine xmlns:a14="http://schemas.microsoft.com/office/drawing/2010/main" xmlns="" w="12700" cap="flat">
                 <a:solidFill>
                   <a:schemeClr val="tx1"/>
                 </a:solidFill>
@@ -10801,14 +10793,14 @@
           </a:ln>
           <a:extLst>
             <a:ext uri="{909E8E84-426E-40dd-AFC4-6F175D3DCCD1}">
-              <a14:hiddenFill xmlns="" xmlns:a14="http://schemas.microsoft.com/office/drawing/2010/main">
+              <a14:hiddenFill xmlns:a14="http://schemas.microsoft.com/office/drawing/2010/main" xmlns="">
                 <a:solidFill>
                   <a:srgbClr val="FFFFFF"/>
                 </a:solidFill>
               </a14:hiddenFill>
             </a:ext>
             <a:ext uri="{91240B29-F687-4f45-9708-019B960494DF}">
-              <a14:hiddenLine xmlns="" xmlns:a14="http://schemas.microsoft.com/office/drawing/2010/main" w="12700" cap="flat">
+              <a14:hiddenLine xmlns:a14="http://schemas.microsoft.com/office/drawing/2010/main" xmlns="" w="12700" cap="flat">
                 <a:solidFill>
                   <a:schemeClr val="tx1"/>
                 </a:solidFill>
@@ -11017,14 +11009,6 @@
   <p:clrMapOvr>
     <a:masterClrMapping/>
   </p:clrMapOvr>
-  <mc:AlternateContent xmlns:mc="http://schemas.openxmlformats.org/markup-compatibility/2006" xmlns:p14="http://schemas.microsoft.com/office/powerpoint/2010/main">
-    <mc:Choice Requires="p14">
-      <p:transition spd="slow" p14:dur="2000" advTm="92152"/>
-    </mc:Choice>
-    <mc:Fallback xmlns="">
-      <p:transition spd="slow" advTm="92152"/>
-    </mc:Fallback>
-  </mc:AlternateContent>
 </p:sld>
 </file>
 
@@ -11067,14 +11051,14 @@
           </a:ln>
           <a:extLst>
             <a:ext uri="{909E8E84-426E-40dd-AFC4-6F175D3DCCD1}">
-              <a14:hiddenFill xmlns:a14="http://schemas.microsoft.com/office/drawing/2010/main" xmlns="">
+              <a14:hiddenFill xmlns="" xmlns:a14="http://schemas.microsoft.com/office/drawing/2010/main">
                 <a:solidFill>
                   <a:srgbClr val="FFFFFF"/>
                 </a:solidFill>
               </a14:hiddenFill>
             </a:ext>
             <a:ext uri="{91240B29-F687-4f45-9708-019B960494DF}">
-              <a14:hiddenLine xmlns:a14="http://schemas.microsoft.com/office/drawing/2010/main" xmlns="" w="12700" cap="flat">
+              <a14:hiddenLine xmlns="" xmlns:a14="http://schemas.microsoft.com/office/drawing/2010/main" w="12700" cap="flat">
                 <a:solidFill>
                   <a:schemeClr val="tx1"/>
                 </a:solidFill>
@@ -11118,14 +11102,14 @@
           </a:ln>
           <a:extLst>
             <a:ext uri="{909E8E84-426E-40dd-AFC4-6F175D3DCCD1}">
-              <a14:hiddenFill xmlns:a14="http://schemas.microsoft.com/office/drawing/2010/main" xmlns="">
+              <a14:hiddenFill xmlns="" xmlns:a14="http://schemas.microsoft.com/office/drawing/2010/main">
                 <a:solidFill>
                   <a:srgbClr val="FFFFFF"/>
                 </a:solidFill>
               </a14:hiddenFill>
             </a:ext>
             <a:ext uri="{91240B29-F687-4f45-9708-019B960494DF}">
-              <a14:hiddenLine xmlns:a14="http://schemas.microsoft.com/office/drawing/2010/main" xmlns="" w="12700" cap="flat">
+              <a14:hiddenLine xmlns="" xmlns:a14="http://schemas.microsoft.com/office/drawing/2010/main" w="12700" cap="flat">
                 <a:solidFill>
                   <a:schemeClr val="tx1"/>
                 </a:solidFill>
@@ -11334,816 +11318,10 @@
   <p:clrMapOvr>
     <a:masterClrMapping/>
   </p:clrMapOvr>
-  <mc:AlternateContent xmlns:mc="http://schemas.openxmlformats.org/markup-compatibility/2006" xmlns:p14="http://schemas.microsoft.com/office/powerpoint/2010/main">
-    <mc:Choice Requires="p14">
-      <p:transition spd="slow" p14:dur="2000" advTm="92152"/>
-    </mc:Choice>
-    <mc:Fallback xmlns="">
-      <p:transition spd="slow" advTm="92152"/>
-    </mc:Fallback>
-  </mc:AlternateContent>
 </p:sld>
 </file>
 
 <file path=ppt/slides/slide13.xml><?xml version="1.0" encoding="utf-8"?>
-<p:sld xmlns:a="http://schemas.openxmlformats.org/drawingml/2006/main" xmlns:r="http://schemas.openxmlformats.org/officeDocument/2006/relationships" xmlns:p="http://schemas.openxmlformats.org/presentationml/2006/main">
-  <p:cSld>
-    <p:spTree>
-      <p:nvGrpSpPr>
-        <p:cNvPr id="1" name=""/>
-        <p:cNvGrpSpPr/>
-        <p:nvPr/>
-      </p:nvGrpSpPr>
-      <p:grpSpPr>
-        <a:xfrm>
-          <a:off x="0" y="0"/>
-          <a:ext cx="0" cy="0"/>
-          <a:chOff x="0" y="0"/>
-          <a:chExt cx="0" cy="0"/>
-        </a:xfrm>
-      </p:grpSpPr>
-      <p:sp>
-        <p:nvSpPr>
-          <p:cNvPr id="35" name="Rounded Rectangle 34">
-            <a:extLst>
-              <a:ext uri="{FF2B5EF4-FFF2-40B4-BE49-F238E27FC236}">
-                <a16:creationId xmlns:a16="http://schemas.microsoft.com/office/drawing/2014/main" id="{E4B44EE6-6553-7A48-A99C-D2C7DFFBED27}"/>
-              </a:ext>
-            </a:extLst>
-          </p:cNvPr>
-          <p:cNvSpPr/>
-          <p:nvPr/>
-        </p:nvSpPr>
-        <p:spPr>
-          <a:xfrm>
-            <a:off x="277421" y="1456376"/>
-            <a:ext cx="4075481" cy="3120987"/>
-          </a:xfrm>
-          <a:prstGeom prst="roundRect">
-            <a:avLst/>
-          </a:prstGeom>
-          <a:solidFill>
-            <a:schemeClr val="bg1">
-              <a:lumMod val="95000"/>
-            </a:schemeClr>
-          </a:solidFill>
-          <a:ln>
-            <a:noFill/>
-          </a:ln>
-        </p:spPr>
-        <p:style>
-          <a:lnRef idx="2">
-            <a:schemeClr val="accent1">
-              <a:shade val="50000"/>
-            </a:schemeClr>
-          </a:lnRef>
-          <a:fillRef idx="1">
-            <a:schemeClr val="accent1"/>
-          </a:fillRef>
-          <a:effectRef idx="0">
-            <a:schemeClr val="accent1"/>
-          </a:effectRef>
-          <a:fontRef idx="minor">
-            <a:schemeClr val="lt1"/>
-          </a:fontRef>
-        </p:style>
-        <p:txBody>
-          <a:bodyPr rot="0" spcFirstLastPara="0" vertOverflow="overflow" horzOverflow="overflow" vert="horz" wrap="square" lIns="91440" tIns="45720" rIns="91440" bIns="45720" numCol="1" spcCol="0" rtlCol="0" fromWordArt="0" anchor="t" anchorCtr="0" forceAA="0" compatLnSpc="1">
-            <a:prstTxWarp prst="textNoShape">
-              <a:avLst/>
-            </a:prstTxWarp>
-            <a:noAutofit/>
-          </a:bodyPr>
-          <a:lstStyle/>
-          <a:p>
-            <a:pPr marL="285750" indent="-285750">
-              <a:buFont typeface="Arial" panose="020B0604020202020204" pitchFamily="34" charset="0"/>
-              <a:buChar char="•"/>
-            </a:pPr>
-            <a:r>
-              <a:rPr lang="en-US" sz="1800" dirty="0">
-                <a:solidFill>
-                  <a:srgbClr val="7030A0"/>
-                </a:solidFill>
-              </a:rPr>
-              <a:t>Simpler to implement</a:t>
-            </a:r>
-          </a:p>
-          <a:p>
-            <a:pPr marL="285750" indent="-285750">
-              <a:buFont typeface="Arial" panose="020B0604020202020204" pitchFamily="34" charset="0"/>
-              <a:buChar char="•"/>
-            </a:pPr>
-            <a:r>
-              <a:rPr lang="en-US" sz="1800" dirty="0">
-                <a:solidFill>
-                  <a:srgbClr val="7030A0"/>
-                </a:solidFill>
-              </a:rPr>
-              <a:t>Native management (e.g. </a:t>
-            </a:r>
-            <a:r>
-              <a:rPr lang="en-US" sz="1800" dirty="0" err="1">
-                <a:solidFill>
-                  <a:srgbClr val="7030A0"/>
-                </a:solidFill>
-              </a:rPr>
-              <a:t>kubectl</a:t>
-            </a:r>
-            <a:r>
-              <a:rPr lang="en-US" sz="1800" dirty="0">
-                <a:solidFill>
-                  <a:srgbClr val="7030A0"/>
-                </a:solidFill>
-              </a:rPr>
-              <a:t> get &lt;</a:t>
-            </a:r>
-            <a:r>
-              <a:rPr lang="en-US" sz="1800" dirty="0" err="1">
-                <a:solidFill>
-                  <a:srgbClr val="7030A0"/>
-                </a:solidFill>
-              </a:rPr>
-              <a:t>cr</a:t>
-            </a:r>
-            <a:r>
-              <a:rPr lang="en-US" sz="1800" dirty="0">
-                <a:solidFill>
-                  <a:srgbClr val="7030A0"/>
-                </a:solidFill>
-              </a:rPr>
-              <a:t> name&gt;)</a:t>
-            </a:r>
-          </a:p>
-          <a:p>
-            <a:pPr marL="285750" indent="-285750">
-              <a:buFont typeface="Arial" panose="020B0604020202020204" pitchFamily="34" charset="0"/>
-              <a:buChar char="•"/>
-            </a:pPr>
-            <a:r>
-              <a:rPr lang="en-US" sz="1800" dirty="0">
-                <a:solidFill>
-                  <a:srgbClr val="7030A0"/>
-                </a:solidFill>
-              </a:rPr>
-              <a:t>Custom workflows based on resource manipulation</a:t>
-            </a:r>
-          </a:p>
-        </p:txBody>
-      </p:sp>
-      <p:sp>
-        <p:nvSpPr>
-          <p:cNvPr id="34" name="Rounded Rectangle 33">
-            <a:extLst>
-              <a:ext uri="{FF2B5EF4-FFF2-40B4-BE49-F238E27FC236}">
-                <a16:creationId xmlns:a16="http://schemas.microsoft.com/office/drawing/2014/main" id="{357D3670-FEDA-4040-82F7-4BA72E4DAA77}"/>
-              </a:ext>
-            </a:extLst>
-          </p:cNvPr>
-          <p:cNvSpPr/>
-          <p:nvPr/>
-        </p:nvSpPr>
-        <p:spPr>
-          <a:xfrm>
-            <a:off x="4651074" y="1456374"/>
-            <a:ext cx="4075481" cy="3109427"/>
-          </a:xfrm>
-          <a:prstGeom prst="roundRect">
-            <a:avLst/>
-          </a:prstGeom>
-          <a:solidFill>
-            <a:schemeClr val="bg1">
-              <a:lumMod val="95000"/>
-            </a:schemeClr>
-          </a:solidFill>
-          <a:ln>
-            <a:noFill/>
-          </a:ln>
-        </p:spPr>
-        <p:style>
-          <a:lnRef idx="2">
-            <a:schemeClr val="accent1">
-              <a:shade val="50000"/>
-            </a:schemeClr>
-          </a:lnRef>
-          <a:fillRef idx="1">
-            <a:schemeClr val="accent1"/>
-          </a:fillRef>
-          <a:effectRef idx="0">
-            <a:schemeClr val="accent1"/>
-          </a:effectRef>
-          <a:fontRef idx="minor">
-            <a:schemeClr val="lt1"/>
-          </a:fontRef>
-        </p:style>
-        <p:txBody>
-          <a:bodyPr rtlCol="0" anchor="t"/>
-          <a:lstStyle/>
-          <a:p>
-            <a:pPr marL="285750" indent="-285750">
-              <a:buFont typeface="Arial" panose="020B0604020202020204" pitchFamily="34" charset="0"/>
-              <a:buChar char="•"/>
-            </a:pPr>
-            <a:r>
-              <a:rPr lang="en-US" sz="1800" dirty="0">
-                <a:solidFill>
-                  <a:srgbClr val="6E53BB"/>
-                </a:solidFill>
-                <a:effectLst/>
-              </a:rPr>
-              <a:t>Performance</a:t>
-            </a:r>
-          </a:p>
-          <a:p>
-            <a:pPr marL="285750" indent="-285750">
-              <a:buFont typeface="Arial" panose="020B0604020202020204" pitchFamily="34" charset="0"/>
-              <a:buChar char="•"/>
-            </a:pPr>
-            <a:r>
-              <a:rPr lang="en-US" sz="1800" dirty="0">
-                <a:solidFill>
-                  <a:srgbClr val="6E53BB"/>
-                </a:solidFill>
-                <a:effectLst/>
-              </a:rPr>
-              <a:t>Complex endpoints (e.g. query params)</a:t>
-            </a:r>
-          </a:p>
-          <a:p>
-            <a:pPr marL="285750" indent="-285750">
-              <a:buFont typeface="Arial" panose="020B0604020202020204" pitchFamily="34" charset="0"/>
-              <a:buChar char="•"/>
-            </a:pPr>
-            <a:r>
-              <a:rPr lang="en-US" sz="1800" dirty="0">
-                <a:solidFill>
-                  <a:srgbClr val="6E53BB"/>
-                </a:solidFill>
-              </a:rPr>
-              <a:t>Custom authentication</a:t>
-            </a:r>
-          </a:p>
-        </p:txBody>
-      </p:sp>
-      <p:sp>
-        <p:nvSpPr>
-          <p:cNvPr id="12" name="Rectangle 7"/>
-          <p:cNvSpPr>
-            <a:spLocks/>
-          </p:cNvSpPr>
-          <p:nvPr/>
-        </p:nvSpPr>
-        <p:spPr bwMode="auto">
-          <a:xfrm>
-            <a:off x="715617" y="1582532"/>
-            <a:ext cx="3368348" cy="2565067"/>
-          </a:xfrm>
-          <a:prstGeom prst="rect">
-            <a:avLst/>
-          </a:prstGeom>
-          <a:noFill/>
-          <a:ln>
-            <a:noFill/>
-          </a:ln>
-          <a:extLst>
-            <a:ext uri="{909E8E84-426E-40dd-AFC4-6F175D3DCCD1}">
-              <a14:hiddenFill xmlns="" xmlns:a14="http://schemas.microsoft.com/office/drawing/2010/main">
-                <a:solidFill>
-                  <a:srgbClr val="FFFFFF"/>
-                </a:solidFill>
-              </a14:hiddenFill>
-            </a:ext>
-            <a:ext uri="{91240B29-F687-4f45-9708-019B960494DF}">
-              <a14:hiddenLine xmlns="" xmlns:a14="http://schemas.microsoft.com/office/drawing/2010/main" w="12700" cap="flat">
-                <a:solidFill>
-                  <a:schemeClr val="tx1"/>
-                </a:solidFill>
-                <a:miter lim="800000"/>
-                <a:headEnd type="none" w="med" len="med"/>
-                <a:tailEnd type="none" w="med" len="med"/>
-              </a14:hiddenLine>
-            </a:ext>
-          </a:extLst>
-        </p:spPr>
-        <p:txBody>
-          <a:bodyPr lIns="0" tIns="0" rIns="0" bIns="0" anchor="t"/>
-          <a:lstStyle/>
-          <a:p>
-            <a:endParaRPr lang="en-US" sz="1800" dirty="0">
-              <a:ea typeface="ＭＳ Ｐゴシック" charset="0"/>
-              <a:sym typeface="Lato Light" charset="0"/>
-            </a:endParaRPr>
-          </a:p>
-        </p:txBody>
-      </p:sp>
-      <p:sp>
-        <p:nvSpPr>
-          <p:cNvPr id="24" name="Rectangle 7"/>
-          <p:cNvSpPr>
-            <a:spLocks/>
-          </p:cNvSpPr>
-          <p:nvPr/>
-        </p:nvSpPr>
-        <p:spPr bwMode="auto">
-          <a:xfrm>
-            <a:off x="5171902" y="1456376"/>
-            <a:ext cx="3256481" cy="2834318"/>
-          </a:xfrm>
-          <a:prstGeom prst="rect">
-            <a:avLst/>
-          </a:prstGeom>
-          <a:noFill/>
-          <a:ln>
-            <a:noFill/>
-          </a:ln>
-          <a:extLst>
-            <a:ext uri="{909E8E84-426E-40dd-AFC4-6F175D3DCCD1}">
-              <a14:hiddenFill xmlns="" xmlns:a14="http://schemas.microsoft.com/office/drawing/2010/main">
-                <a:solidFill>
-                  <a:srgbClr val="FFFFFF"/>
-                </a:solidFill>
-              </a14:hiddenFill>
-            </a:ext>
-            <a:ext uri="{91240B29-F687-4f45-9708-019B960494DF}">
-              <a14:hiddenLine xmlns="" xmlns:a14="http://schemas.microsoft.com/office/drawing/2010/main" w="12700" cap="flat">
-                <a:solidFill>
-                  <a:schemeClr val="tx1"/>
-                </a:solidFill>
-                <a:miter lim="800000"/>
-                <a:headEnd type="none" w="med" len="med"/>
-                <a:tailEnd type="none" w="med" len="med"/>
-              </a14:hiddenLine>
-            </a:ext>
-          </a:extLst>
-        </p:spPr>
-        <p:txBody>
-          <a:bodyPr lIns="0" tIns="0" rIns="0" bIns="0" anchor="t"/>
-          <a:lstStyle/>
-          <a:p>
-            <a:endParaRPr lang="en-US" sz="1800" dirty="0">
-              <a:ea typeface="ＭＳ Ｐゴシック" charset="0"/>
-              <a:cs typeface="Lato Light" charset="0"/>
-              <a:sym typeface="Lato Light" charset="0"/>
-            </a:endParaRPr>
-          </a:p>
-        </p:txBody>
-      </p:sp>
-      <p:sp>
-        <p:nvSpPr>
-          <p:cNvPr id="15" name="Title 14">
-            <a:extLst>
-              <a:ext uri="{FF2B5EF4-FFF2-40B4-BE49-F238E27FC236}">
-                <a16:creationId xmlns:a16="http://schemas.microsoft.com/office/drawing/2014/main" id="{AC70AFF7-D39C-1B45-8E56-844E670FBDCF}"/>
-              </a:ext>
-            </a:extLst>
-          </p:cNvPr>
-          <p:cNvSpPr>
-            <a:spLocks noGrp="1"/>
-          </p:cNvSpPr>
-          <p:nvPr>
-            <p:ph type="title"/>
-          </p:nvPr>
-        </p:nvSpPr>
-        <p:spPr>
-          <a:xfrm>
-            <a:off x="1122018" y="219808"/>
-            <a:ext cx="7647210" cy="638313"/>
-          </a:xfrm>
-        </p:spPr>
-        <p:txBody>
-          <a:bodyPr/>
-          <a:lstStyle/>
-          <a:p>
-            <a:r>
-              <a:rPr lang="en-US" dirty="0"/>
-              <a:t>When to use CRD or </a:t>
-            </a:r>
-            <a:r>
-              <a:rPr lang="en-US" dirty="0" err="1"/>
-              <a:t>APIService</a:t>
-            </a:r>
-            <a:endParaRPr lang="en-US" dirty="0"/>
-          </a:p>
-        </p:txBody>
-      </p:sp>
-      <p:pic>
-        <p:nvPicPr>
-          <p:cNvPr id="4" name="Picture 3" descr="A blue hexagon with white and blue gears&#10;&#10;Description automatically generated">
-            <a:extLst>
-              <a:ext uri="{FF2B5EF4-FFF2-40B4-BE49-F238E27FC236}">
-                <a16:creationId xmlns:a16="http://schemas.microsoft.com/office/drawing/2014/main" id="{E3D5D9D7-1E4A-870B-BEC3-4F2878358332}"/>
-              </a:ext>
-            </a:extLst>
-          </p:cNvPr>
-          <p:cNvPicPr>
-            <a:picLocks noChangeAspect="1"/>
-          </p:cNvPicPr>
-          <p:nvPr/>
-        </p:nvPicPr>
-        <p:blipFill>
-          <a:blip r:embed="rId4"/>
-          <a:stretch>
-            <a:fillRect/>
-          </a:stretch>
-        </p:blipFill>
-        <p:spPr>
-          <a:xfrm>
-            <a:off x="309217" y="172437"/>
-            <a:ext cx="812800" cy="787400"/>
-          </a:xfrm>
-          <a:prstGeom prst="rect">
-            <a:avLst/>
-          </a:prstGeom>
-        </p:spPr>
-      </p:pic>
-      <p:sp>
-        <p:nvSpPr>
-          <p:cNvPr id="6" name="TextBox 5">
-            <a:extLst>
-              <a:ext uri="{FF2B5EF4-FFF2-40B4-BE49-F238E27FC236}">
-                <a16:creationId xmlns:a16="http://schemas.microsoft.com/office/drawing/2014/main" id="{0E1BDD91-8565-80A6-C782-AFDB3CD8F9CA}"/>
-              </a:ext>
-            </a:extLst>
-          </p:cNvPr>
-          <p:cNvSpPr txBox="1"/>
-          <p:nvPr/>
-        </p:nvSpPr>
-        <p:spPr>
-          <a:xfrm>
-            <a:off x="1929538" y="998305"/>
-            <a:ext cx="940505" cy="461665"/>
-          </a:xfrm>
-          <a:prstGeom prst="rect">
-            <a:avLst/>
-          </a:prstGeom>
-          <a:noFill/>
-        </p:spPr>
-        <p:txBody>
-          <a:bodyPr wrap="square" rtlCol="0">
-            <a:spAutoFit/>
-          </a:bodyPr>
-          <a:lstStyle/>
-          <a:p>
-            <a:r>
-              <a:rPr lang="en-US" sz="2400" dirty="0">
-                <a:solidFill>
-                  <a:schemeClr val="accent1">
-                    <a:lumMod val="75000"/>
-                  </a:schemeClr>
-                </a:solidFill>
-              </a:rPr>
-              <a:t>CRD</a:t>
-            </a:r>
-          </a:p>
-        </p:txBody>
-      </p:sp>
-      <p:sp>
-        <p:nvSpPr>
-          <p:cNvPr id="8" name="TextBox 7">
-            <a:extLst>
-              <a:ext uri="{FF2B5EF4-FFF2-40B4-BE49-F238E27FC236}">
-                <a16:creationId xmlns:a16="http://schemas.microsoft.com/office/drawing/2014/main" id="{A4A0E69B-7CBB-A033-68D8-3A122ED3F0C0}"/>
-              </a:ext>
-            </a:extLst>
-          </p:cNvPr>
-          <p:cNvSpPr txBox="1"/>
-          <p:nvPr/>
-        </p:nvSpPr>
-        <p:spPr>
-          <a:xfrm>
-            <a:off x="5937937" y="998305"/>
-            <a:ext cx="1501753" cy="461665"/>
-          </a:xfrm>
-          <a:prstGeom prst="rect">
-            <a:avLst/>
-          </a:prstGeom>
-          <a:noFill/>
-        </p:spPr>
-        <p:txBody>
-          <a:bodyPr wrap="square" rtlCol="0">
-            <a:spAutoFit/>
-          </a:bodyPr>
-          <a:lstStyle/>
-          <a:p>
-            <a:r>
-              <a:rPr lang="en-US" sz="2400" dirty="0" err="1">
-                <a:solidFill>
-                  <a:schemeClr val="accent1">
-                    <a:lumMod val="75000"/>
-                  </a:schemeClr>
-                </a:solidFill>
-              </a:rPr>
-              <a:t>APIService</a:t>
-            </a:r>
-            <a:endParaRPr lang="en-US" sz="2400" dirty="0">
-              <a:solidFill>
-                <a:schemeClr val="accent1">
-                  <a:lumMod val="75000"/>
-                </a:schemeClr>
-              </a:solidFill>
-            </a:endParaRPr>
-          </a:p>
-        </p:txBody>
-      </p:sp>
-    </p:spTree>
-    <p:custDataLst>
-      <p:tags r:id="rId1"/>
-    </p:custDataLst>
-    <p:extLst>
-      <p:ext uri="{BB962C8B-B14F-4D97-AF65-F5344CB8AC3E}">
-        <p14:creationId xmlns:p14="http://schemas.microsoft.com/office/powerpoint/2010/main" val="1569693153"/>
-      </p:ext>
-    </p:extLst>
-  </p:cSld>
-  <p:clrMapOvr>
-    <a:masterClrMapping/>
-  </p:clrMapOvr>
-  <mc:AlternateContent xmlns:mc="http://schemas.openxmlformats.org/markup-compatibility/2006" xmlns:p14="http://schemas.microsoft.com/office/powerpoint/2010/main">
-    <mc:Choice Requires="p14">
-      <p:transition spd="slow" p14:dur="2000" advTm="92152"/>
-    </mc:Choice>
-    <mc:Fallback xmlns="">
-      <p:transition spd="slow" advTm="92152"/>
-    </mc:Fallback>
-  </mc:AlternateContent>
-</p:sld>
-</file>
-
-<file path=ppt/slides/slide14.xml><?xml version="1.0" encoding="utf-8"?>
-<p:sld xmlns:a="http://schemas.openxmlformats.org/drawingml/2006/main" xmlns:r="http://schemas.openxmlformats.org/officeDocument/2006/relationships" xmlns:p="http://schemas.openxmlformats.org/presentationml/2006/main">
-  <p:cSld>
-    <p:spTree>
-      <p:nvGrpSpPr>
-        <p:cNvPr id="1" name=""/>
-        <p:cNvGrpSpPr/>
-        <p:nvPr/>
-      </p:nvGrpSpPr>
-      <p:grpSpPr>
-        <a:xfrm>
-          <a:off x="0" y="0"/>
-          <a:ext cx="0" cy="0"/>
-          <a:chOff x="0" y="0"/>
-          <a:chExt cx="0" cy="0"/>
-        </a:xfrm>
-      </p:grpSpPr>
-      <p:sp>
-        <p:nvSpPr>
-          <p:cNvPr id="12" name="Rectangle 7"/>
-          <p:cNvSpPr>
-            <a:spLocks/>
-          </p:cNvSpPr>
-          <p:nvPr/>
-        </p:nvSpPr>
-        <p:spPr bwMode="auto">
-          <a:xfrm>
-            <a:off x="715617" y="1582532"/>
-            <a:ext cx="3368348" cy="2565067"/>
-          </a:xfrm>
-          <a:prstGeom prst="rect">
-            <a:avLst/>
-          </a:prstGeom>
-          <a:noFill/>
-          <a:ln>
-            <a:noFill/>
-          </a:ln>
-          <a:extLst>
-            <a:ext uri="{909E8E84-426E-40dd-AFC4-6F175D3DCCD1}">
-              <a14:hiddenFill xmlns:a14="http://schemas.microsoft.com/office/drawing/2010/main" xmlns="">
-                <a:solidFill>
-                  <a:srgbClr val="FFFFFF"/>
-                </a:solidFill>
-              </a14:hiddenFill>
-            </a:ext>
-            <a:ext uri="{91240B29-F687-4f45-9708-019B960494DF}">
-              <a14:hiddenLine xmlns:a14="http://schemas.microsoft.com/office/drawing/2010/main" xmlns="" w="12700" cap="flat">
-                <a:solidFill>
-                  <a:schemeClr val="tx1"/>
-                </a:solidFill>
-                <a:miter lim="800000"/>
-                <a:headEnd type="none" w="med" len="med"/>
-                <a:tailEnd type="none" w="med" len="med"/>
-              </a14:hiddenLine>
-            </a:ext>
-          </a:extLst>
-        </p:spPr>
-        <p:txBody>
-          <a:bodyPr lIns="0" tIns="0" rIns="0" bIns="0" anchor="t"/>
-          <a:lstStyle/>
-          <a:p>
-            <a:endParaRPr lang="en-US" sz="1800" dirty="0">
-              <a:ea typeface="ＭＳ Ｐゴシック" charset="0"/>
-              <a:sym typeface="Lato Light" charset="0"/>
-            </a:endParaRPr>
-          </a:p>
-        </p:txBody>
-      </p:sp>
-      <p:sp>
-        <p:nvSpPr>
-          <p:cNvPr id="24" name="Rectangle 7"/>
-          <p:cNvSpPr>
-            <a:spLocks/>
-          </p:cNvSpPr>
-          <p:nvPr/>
-        </p:nvSpPr>
-        <p:spPr bwMode="auto">
-          <a:xfrm>
-            <a:off x="5171902" y="1456376"/>
-            <a:ext cx="3256481" cy="2834318"/>
-          </a:xfrm>
-          <a:prstGeom prst="rect">
-            <a:avLst/>
-          </a:prstGeom>
-          <a:noFill/>
-          <a:ln>
-            <a:noFill/>
-          </a:ln>
-          <a:extLst>
-            <a:ext uri="{909E8E84-426E-40dd-AFC4-6F175D3DCCD1}">
-              <a14:hiddenFill xmlns:a14="http://schemas.microsoft.com/office/drawing/2010/main" xmlns="">
-                <a:solidFill>
-                  <a:srgbClr val="FFFFFF"/>
-                </a:solidFill>
-              </a14:hiddenFill>
-            </a:ext>
-            <a:ext uri="{91240B29-F687-4f45-9708-019B960494DF}">
-              <a14:hiddenLine xmlns:a14="http://schemas.microsoft.com/office/drawing/2010/main" xmlns="" w="12700" cap="flat">
-                <a:solidFill>
-                  <a:schemeClr val="tx1"/>
-                </a:solidFill>
-                <a:miter lim="800000"/>
-                <a:headEnd type="none" w="med" len="med"/>
-                <a:tailEnd type="none" w="med" len="med"/>
-              </a14:hiddenLine>
-            </a:ext>
-          </a:extLst>
-        </p:spPr>
-        <p:txBody>
-          <a:bodyPr lIns="0" tIns="0" rIns="0" bIns="0" anchor="t"/>
-          <a:lstStyle/>
-          <a:p>
-            <a:endParaRPr lang="en-US" sz="1800" dirty="0">
-              <a:ea typeface="ＭＳ Ｐゴシック" charset="0"/>
-              <a:cs typeface="Lato Light" charset="0"/>
-              <a:sym typeface="Lato Light" charset="0"/>
-            </a:endParaRPr>
-          </a:p>
-        </p:txBody>
-      </p:sp>
-      <p:sp>
-        <p:nvSpPr>
-          <p:cNvPr id="15" name="Title 14">
-            <a:extLst>
-              <a:ext uri="{FF2B5EF4-FFF2-40B4-BE49-F238E27FC236}">
-                <a16:creationId xmlns:a16="http://schemas.microsoft.com/office/drawing/2014/main" id="{AC70AFF7-D39C-1B45-8E56-844E670FBDCF}"/>
-              </a:ext>
-            </a:extLst>
-          </p:cNvPr>
-          <p:cNvSpPr>
-            <a:spLocks noGrp="1"/>
-          </p:cNvSpPr>
-          <p:nvPr>
-            <p:ph type="title"/>
-          </p:nvPr>
-        </p:nvSpPr>
-        <p:spPr>
-          <a:xfrm>
-            <a:off x="1122018" y="219808"/>
-            <a:ext cx="7647210" cy="638313"/>
-          </a:xfrm>
-        </p:spPr>
-        <p:txBody>
-          <a:bodyPr>
-            <a:normAutofit/>
-          </a:bodyPr>
-          <a:lstStyle/>
-          <a:p>
-            <a:r>
-              <a:rPr lang="en-US" dirty="0"/>
-              <a:t>Other</a:t>
-            </a:r>
-          </a:p>
-        </p:txBody>
-      </p:sp>
-      <p:pic>
-        <p:nvPicPr>
-          <p:cNvPr id="4" name="Picture 3" descr="A blue hexagon with white and blue gears&#10;&#10;Description automatically generated">
-            <a:extLst>
-              <a:ext uri="{FF2B5EF4-FFF2-40B4-BE49-F238E27FC236}">
-                <a16:creationId xmlns:a16="http://schemas.microsoft.com/office/drawing/2014/main" id="{E3D5D9D7-1E4A-870B-BEC3-4F2878358332}"/>
-              </a:ext>
-            </a:extLst>
-          </p:cNvPr>
-          <p:cNvPicPr>
-            <a:picLocks noChangeAspect="1"/>
-          </p:cNvPicPr>
-          <p:nvPr/>
-        </p:nvPicPr>
-        <p:blipFill>
-          <a:blip r:embed="rId4"/>
-          <a:stretch>
-            <a:fillRect/>
-          </a:stretch>
-        </p:blipFill>
-        <p:spPr>
-          <a:xfrm>
-            <a:off x="309217" y="172437"/>
-            <a:ext cx="812800" cy="787400"/>
-          </a:xfrm>
-          <a:prstGeom prst="rect">
-            <a:avLst/>
-          </a:prstGeom>
-        </p:spPr>
-      </p:pic>
-      <p:sp>
-        <p:nvSpPr>
-          <p:cNvPr id="2" name="TextBox 1">
-            <a:extLst>
-              <a:ext uri="{FF2B5EF4-FFF2-40B4-BE49-F238E27FC236}">
-                <a16:creationId xmlns:a16="http://schemas.microsoft.com/office/drawing/2014/main" id="{33940E9E-4677-5B7F-B615-64BE1B2F9D8E}"/>
-              </a:ext>
-            </a:extLst>
-          </p:cNvPr>
-          <p:cNvSpPr txBox="1"/>
-          <p:nvPr/>
-        </p:nvSpPr>
-        <p:spPr>
-          <a:xfrm>
-            <a:off x="1125538" y="1480816"/>
-            <a:ext cx="3553409" cy="1200329"/>
-          </a:xfrm>
-          <a:prstGeom prst="rect">
-            <a:avLst/>
-          </a:prstGeom>
-          <a:noFill/>
-        </p:spPr>
-        <p:txBody>
-          <a:bodyPr wrap="none" rtlCol="0">
-            <a:spAutoFit/>
-          </a:bodyPr>
-          <a:lstStyle/>
-          <a:p>
-            <a:pPr marL="342900" indent="-342900">
-              <a:buFont typeface="Arial" panose="020B0604020202020204" pitchFamily="34" charset="0"/>
-              <a:buChar char="•"/>
-            </a:pPr>
-            <a:r>
-              <a:rPr lang="en-US" sz="2400" dirty="0">
-                <a:solidFill>
-                  <a:srgbClr val="7030A0"/>
-                </a:solidFill>
-              </a:rPr>
-              <a:t>Webhooks</a:t>
-            </a:r>
-          </a:p>
-          <a:p>
-            <a:pPr marL="342900" indent="-342900">
-              <a:buFont typeface="Arial" panose="020B0604020202020204" pitchFamily="34" charset="0"/>
-              <a:buChar char="•"/>
-            </a:pPr>
-            <a:r>
-              <a:rPr lang="en-US" sz="2400" dirty="0">
-                <a:solidFill>
-                  <a:srgbClr val="7030A0"/>
-                </a:solidFill>
-                <a:effectLst/>
-              </a:rPr>
-              <a:t>Open Service Broker API</a:t>
-            </a:r>
-          </a:p>
-          <a:p>
-            <a:endParaRPr lang="en-US" sz="2400" dirty="0">
-              <a:solidFill>
-                <a:srgbClr val="7030A0"/>
-              </a:solidFill>
-            </a:endParaRPr>
-          </a:p>
-        </p:txBody>
-      </p:sp>
-    </p:spTree>
-    <p:custDataLst>
-      <p:tags r:id="rId1"/>
-    </p:custDataLst>
-    <p:extLst>
-      <p:ext uri="{BB962C8B-B14F-4D97-AF65-F5344CB8AC3E}">
-        <p14:creationId xmlns:p14="http://schemas.microsoft.com/office/powerpoint/2010/main" val="3534536036"/>
-      </p:ext>
-    </p:extLst>
-  </p:cSld>
-  <p:clrMapOvr>
-    <a:masterClrMapping/>
-  </p:clrMapOvr>
-  <mc:AlternateContent xmlns:mc="http://schemas.openxmlformats.org/markup-compatibility/2006" xmlns:p14="http://schemas.microsoft.com/office/powerpoint/2010/main">
-    <mc:Choice Requires="p14">
-      <p:transition spd="slow" p14:dur="2000" advTm="92152"/>
-    </mc:Choice>
-    <mc:Fallback xmlns="">
-      <p:transition spd="slow" advTm="92152"/>
-    </mc:Fallback>
-  </mc:AlternateContent>
-</p:sld>
-</file>
-
-<file path=ppt/slides/slide15.xml><?xml version="1.0" encoding="utf-8"?>
 <p:sld xmlns:a="http://schemas.openxmlformats.org/drawingml/2006/main" xmlns:r="http://schemas.openxmlformats.org/officeDocument/2006/relationships" xmlns:p="http://schemas.openxmlformats.org/presentationml/2006/main">
   <p:cSld>
     <p:bg>
@@ -12706,14 +11884,14 @@
           </a:ln>
           <a:extLst>
             <a:ext uri="{909E8E84-426E-40dd-AFC4-6F175D3DCCD1}">
-              <a14:hiddenFill xmlns="" xmlns:a14="http://schemas.microsoft.com/office/drawing/2010/main">
+              <a14:hiddenFill xmlns:a14="http://schemas.microsoft.com/office/drawing/2010/main" xmlns="">
                 <a:solidFill>
                   <a:srgbClr val="FFFFFF"/>
                 </a:solidFill>
               </a14:hiddenFill>
             </a:ext>
             <a:ext uri="{91240B29-F687-4f45-9708-019B960494DF}">
-              <a14:hiddenLine xmlns="" xmlns:a14="http://schemas.microsoft.com/office/drawing/2010/main" w="12700" cap="flat">
+              <a14:hiddenLine xmlns:a14="http://schemas.microsoft.com/office/drawing/2010/main" xmlns="" w="12700" cap="flat">
                 <a:solidFill>
                   <a:schemeClr val="tx1"/>
                 </a:solidFill>
@@ -12757,14 +11935,14 @@
           </a:ln>
           <a:extLst>
             <a:ext uri="{909E8E84-426E-40dd-AFC4-6F175D3DCCD1}">
-              <a14:hiddenFill xmlns="" xmlns:a14="http://schemas.microsoft.com/office/drawing/2010/main">
+              <a14:hiddenFill xmlns:a14="http://schemas.microsoft.com/office/drawing/2010/main" xmlns="">
                 <a:solidFill>
                   <a:srgbClr val="FFFFFF"/>
                 </a:solidFill>
               </a14:hiddenFill>
             </a:ext>
             <a:ext uri="{91240B29-F687-4f45-9708-019B960494DF}">
-              <a14:hiddenLine xmlns="" xmlns:a14="http://schemas.microsoft.com/office/drawing/2010/main" w="12700" cap="flat">
+              <a14:hiddenLine xmlns:a14="http://schemas.microsoft.com/office/drawing/2010/main" xmlns="" w="12700" cap="flat">
                 <a:solidFill>
                   <a:schemeClr val="tx1"/>
                 </a:solidFill>
@@ -12860,14 +12038,803 @@
   <p:clrMapOvr>
     <a:masterClrMapping/>
   </p:clrMapOvr>
-  <mc:AlternateContent xmlns:mc="http://schemas.openxmlformats.org/markup-compatibility/2006" xmlns:p14="http://schemas.microsoft.com/office/powerpoint/2010/main">
-    <mc:Choice Requires="p14">
-      <p:transition spd="slow" p14:dur="2000" advTm="92152"/>
-    </mc:Choice>
-    <mc:Fallback xmlns="">
-      <p:transition spd="slow" advTm="92152"/>
-    </mc:Fallback>
-  </mc:AlternateContent>
+</p:sld>
+</file>
+
+<file path=ppt/slides/slide14.xml><?xml version="1.0" encoding="utf-8"?>
+<p:sld xmlns:a="http://schemas.openxmlformats.org/drawingml/2006/main" xmlns:r="http://schemas.openxmlformats.org/officeDocument/2006/relationships" xmlns:p="http://schemas.openxmlformats.org/presentationml/2006/main">
+  <p:cSld>
+    <p:spTree>
+      <p:nvGrpSpPr>
+        <p:cNvPr id="1" name=""/>
+        <p:cNvGrpSpPr/>
+        <p:nvPr/>
+      </p:nvGrpSpPr>
+      <p:grpSpPr>
+        <a:xfrm>
+          <a:off x="0" y="0"/>
+          <a:ext cx="0" cy="0"/>
+          <a:chOff x="0" y="0"/>
+          <a:chExt cx="0" cy="0"/>
+        </a:xfrm>
+      </p:grpSpPr>
+      <p:sp>
+        <p:nvSpPr>
+          <p:cNvPr id="35" name="Rounded Rectangle 34">
+            <a:extLst>
+              <a:ext uri="{FF2B5EF4-FFF2-40B4-BE49-F238E27FC236}">
+                <a16:creationId xmlns:a16="http://schemas.microsoft.com/office/drawing/2014/main" id="{E4B44EE6-6553-7A48-A99C-D2C7DFFBED27}"/>
+              </a:ext>
+            </a:extLst>
+          </p:cNvPr>
+          <p:cNvSpPr/>
+          <p:nvPr/>
+        </p:nvSpPr>
+        <p:spPr>
+          <a:xfrm>
+            <a:off x="277421" y="1456376"/>
+            <a:ext cx="4075481" cy="3120987"/>
+          </a:xfrm>
+          <a:prstGeom prst="roundRect">
+            <a:avLst/>
+          </a:prstGeom>
+          <a:solidFill>
+            <a:schemeClr val="bg1">
+              <a:lumMod val="95000"/>
+            </a:schemeClr>
+          </a:solidFill>
+          <a:ln>
+            <a:noFill/>
+          </a:ln>
+        </p:spPr>
+        <p:style>
+          <a:lnRef idx="2">
+            <a:schemeClr val="accent1">
+              <a:shade val="50000"/>
+            </a:schemeClr>
+          </a:lnRef>
+          <a:fillRef idx="1">
+            <a:schemeClr val="accent1"/>
+          </a:fillRef>
+          <a:effectRef idx="0">
+            <a:schemeClr val="accent1"/>
+          </a:effectRef>
+          <a:fontRef idx="minor">
+            <a:schemeClr val="lt1"/>
+          </a:fontRef>
+        </p:style>
+        <p:txBody>
+          <a:bodyPr rot="0" spcFirstLastPara="0" vertOverflow="overflow" horzOverflow="overflow" vert="horz" wrap="square" lIns="91440" tIns="45720" rIns="91440" bIns="45720" numCol="1" spcCol="0" rtlCol="0" fromWordArt="0" anchor="t" anchorCtr="0" forceAA="0" compatLnSpc="1">
+            <a:prstTxWarp prst="textNoShape">
+              <a:avLst/>
+            </a:prstTxWarp>
+            <a:noAutofit/>
+          </a:bodyPr>
+          <a:lstStyle/>
+          <a:p>
+            <a:pPr marL="285750" indent="-285750">
+              <a:buFont typeface="Arial" panose="020B0604020202020204" pitchFamily="34" charset="0"/>
+              <a:buChar char="•"/>
+            </a:pPr>
+            <a:r>
+              <a:rPr lang="en-US" sz="1800" dirty="0">
+                <a:solidFill>
+                  <a:srgbClr val="7030A0"/>
+                </a:solidFill>
+              </a:rPr>
+              <a:t>Simpler to implement</a:t>
+            </a:r>
+          </a:p>
+          <a:p>
+            <a:pPr marL="285750" indent="-285750">
+              <a:buFont typeface="Arial" panose="020B0604020202020204" pitchFamily="34" charset="0"/>
+              <a:buChar char="•"/>
+            </a:pPr>
+            <a:r>
+              <a:rPr lang="en-US" sz="1800" dirty="0">
+                <a:solidFill>
+                  <a:srgbClr val="7030A0"/>
+                </a:solidFill>
+              </a:rPr>
+              <a:t>Native management (e.g. </a:t>
+            </a:r>
+            <a:r>
+              <a:rPr lang="en-US" sz="1800" dirty="0" err="1">
+                <a:solidFill>
+                  <a:srgbClr val="7030A0"/>
+                </a:solidFill>
+              </a:rPr>
+              <a:t>kubectl</a:t>
+            </a:r>
+            <a:r>
+              <a:rPr lang="en-US" sz="1800" dirty="0">
+                <a:solidFill>
+                  <a:srgbClr val="7030A0"/>
+                </a:solidFill>
+              </a:rPr>
+              <a:t> get &lt;</a:t>
+            </a:r>
+            <a:r>
+              <a:rPr lang="en-US" sz="1800" dirty="0" err="1">
+                <a:solidFill>
+                  <a:srgbClr val="7030A0"/>
+                </a:solidFill>
+              </a:rPr>
+              <a:t>cr</a:t>
+            </a:r>
+            <a:r>
+              <a:rPr lang="en-US" sz="1800" dirty="0">
+                <a:solidFill>
+                  <a:srgbClr val="7030A0"/>
+                </a:solidFill>
+              </a:rPr>
+              <a:t> name&gt;)</a:t>
+            </a:r>
+          </a:p>
+          <a:p>
+            <a:pPr marL="285750" indent="-285750">
+              <a:buFont typeface="Arial" panose="020B0604020202020204" pitchFamily="34" charset="0"/>
+              <a:buChar char="•"/>
+            </a:pPr>
+            <a:r>
+              <a:rPr lang="en-US" sz="1800" dirty="0">
+                <a:solidFill>
+                  <a:srgbClr val="7030A0"/>
+                </a:solidFill>
+              </a:rPr>
+              <a:t>Custom workflows based on resource manipulation</a:t>
+            </a:r>
+          </a:p>
+        </p:txBody>
+      </p:sp>
+      <p:sp>
+        <p:nvSpPr>
+          <p:cNvPr id="34" name="Rounded Rectangle 33">
+            <a:extLst>
+              <a:ext uri="{FF2B5EF4-FFF2-40B4-BE49-F238E27FC236}">
+                <a16:creationId xmlns:a16="http://schemas.microsoft.com/office/drawing/2014/main" id="{357D3670-FEDA-4040-82F7-4BA72E4DAA77}"/>
+              </a:ext>
+            </a:extLst>
+          </p:cNvPr>
+          <p:cNvSpPr/>
+          <p:nvPr/>
+        </p:nvSpPr>
+        <p:spPr>
+          <a:xfrm>
+            <a:off x="4651074" y="1456374"/>
+            <a:ext cx="4075481" cy="3109427"/>
+          </a:xfrm>
+          <a:prstGeom prst="roundRect">
+            <a:avLst/>
+          </a:prstGeom>
+          <a:solidFill>
+            <a:schemeClr val="bg1">
+              <a:lumMod val="95000"/>
+            </a:schemeClr>
+          </a:solidFill>
+          <a:ln>
+            <a:noFill/>
+          </a:ln>
+        </p:spPr>
+        <p:style>
+          <a:lnRef idx="2">
+            <a:schemeClr val="accent1">
+              <a:shade val="50000"/>
+            </a:schemeClr>
+          </a:lnRef>
+          <a:fillRef idx="1">
+            <a:schemeClr val="accent1"/>
+          </a:fillRef>
+          <a:effectRef idx="0">
+            <a:schemeClr val="accent1"/>
+          </a:effectRef>
+          <a:fontRef idx="minor">
+            <a:schemeClr val="lt1"/>
+          </a:fontRef>
+        </p:style>
+        <p:txBody>
+          <a:bodyPr rtlCol="0" anchor="t"/>
+          <a:lstStyle/>
+          <a:p>
+            <a:pPr marL="285750" indent="-285750">
+              <a:buFont typeface="Arial" panose="020B0604020202020204" pitchFamily="34" charset="0"/>
+              <a:buChar char="•"/>
+            </a:pPr>
+            <a:r>
+              <a:rPr lang="en-US" sz="1800" dirty="0">
+                <a:solidFill>
+                  <a:srgbClr val="6E53BB"/>
+                </a:solidFill>
+                <a:effectLst/>
+              </a:rPr>
+              <a:t>Performance</a:t>
+            </a:r>
+          </a:p>
+          <a:p>
+            <a:pPr marL="285750" indent="-285750">
+              <a:buFont typeface="Arial" panose="020B0604020202020204" pitchFamily="34" charset="0"/>
+              <a:buChar char="•"/>
+            </a:pPr>
+            <a:r>
+              <a:rPr lang="en-US" sz="1800" dirty="0">
+                <a:solidFill>
+                  <a:srgbClr val="6E53BB"/>
+                </a:solidFill>
+                <a:effectLst/>
+              </a:rPr>
+              <a:t>Complex endpoints (e.g. query params)</a:t>
+            </a:r>
+          </a:p>
+          <a:p>
+            <a:pPr marL="285750" indent="-285750">
+              <a:buFont typeface="Arial" panose="020B0604020202020204" pitchFamily="34" charset="0"/>
+              <a:buChar char="•"/>
+            </a:pPr>
+            <a:r>
+              <a:rPr lang="en-US" sz="1800" dirty="0">
+                <a:solidFill>
+                  <a:srgbClr val="6E53BB"/>
+                </a:solidFill>
+              </a:rPr>
+              <a:t>Custom authentication</a:t>
+            </a:r>
+          </a:p>
+        </p:txBody>
+      </p:sp>
+      <p:sp>
+        <p:nvSpPr>
+          <p:cNvPr id="12" name="Rectangle 7"/>
+          <p:cNvSpPr>
+            <a:spLocks/>
+          </p:cNvSpPr>
+          <p:nvPr/>
+        </p:nvSpPr>
+        <p:spPr bwMode="auto">
+          <a:xfrm>
+            <a:off x="715617" y="1582532"/>
+            <a:ext cx="3368348" cy="2565067"/>
+          </a:xfrm>
+          <a:prstGeom prst="rect">
+            <a:avLst/>
+          </a:prstGeom>
+          <a:noFill/>
+          <a:ln>
+            <a:noFill/>
+          </a:ln>
+          <a:extLst>
+            <a:ext uri="{909E8E84-426E-40dd-AFC4-6F175D3DCCD1}">
+              <a14:hiddenFill xmlns:a14="http://schemas.microsoft.com/office/drawing/2010/main" xmlns="">
+                <a:solidFill>
+                  <a:srgbClr val="FFFFFF"/>
+                </a:solidFill>
+              </a14:hiddenFill>
+            </a:ext>
+            <a:ext uri="{91240B29-F687-4f45-9708-019B960494DF}">
+              <a14:hiddenLine xmlns:a14="http://schemas.microsoft.com/office/drawing/2010/main" xmlns="" w="12700" cap="flat">
+                <a:solidFill>
+                  <a:schemeClr val="tx1"/>
+                </a:solidFill>
+                <a:miter lim="800000"/>
+                <a:headEnd type="none" w="med" len="med"/>
+                <a:tailEnd type="none" w="med" len="med"/>
+              </a14:hiddenLine>
+            </a:ext>
+          </a:extLst>
+        </p:spPr>
+        <p:txBody>
+          <a:bodyPr lIns="0" tIns="0" rIns="0" bIns="0" anchor="t"/>
+          <a:lstStyle/>
+          <a:p>
+            <a:endParaRPr lang="en-US" sz="1800" dirty="0">
+              <a:ea typeface="ＭＳ Ｐゴシック" charset="0"/>
+              <a:sym typeface="Lato Light" charset="0"/>
+            </a:endParaRPr>
+          </a:p>
+        </p:txBody>
+      </p:sp>
+      <p:sp>
+        <p:nvSpPr>
+          <p:cNvPr id="24" name="Rectangle 7"/>
+          <p:cNvSpPr>
+            <a:spLocks/>
+          </p:cNvSpPr>
+          <p:nvPr/>
+        </p:nvSpPr>
+        <p:spPr bwMode="auto">
+          <a:xfrm>
+            <a:off x="5171902" y="1456376"/>
+            <a:ext cx="3256481" cy="2834318"/>
+          </a:xfrm>
+          <a:prstGeom prst="rect">
+            <a:avLst/>
+          </a:prstGeom>
+          <a:noFill/>
+          <a:ln>
+            <a:noFill/>
+          </a:ln>
+          <a:extLst>
+            <a:ext uri="{909E8E84-426E-40dd-AFC4-6F175D3DCCD1}">
+              <a14:hiddenFill xmlns:a14="http://schemas.microsoft.com/office/drawing/2010/main" xmlns="">
+                <a:solidFill>
+                  <a:srgbClr val="FFFFFF"/>
+                </a:solidFill>
+              </a14:hiddenFill>
+            </a:ext>
+            <a:ext uri="{91240B29-F687-4f45-9708-019B960494DF}">
+              <a14:hiddenLine xmlns:a14="http://schemas.microsoft.com/office/drawing/2010/main" xmlns="" w="12700" cap="flat">
+                <a:solidFill>
+                  <a:schemeClr val="tx1"/>
+                </a:solidFill>
+                <a:miter lim="800000"/>
+                <a:headEnd type="none" w="med" len="med"/>
+                <a:tailEnd type="none" w="med" len="med"/>
+              </a14:hiddenLine>
+            </a:ext>
+          </a:extLst>
+        </p:spPr>
+        <p:txBody>
+          <a:bodyPr lIns="0" tIns="0" rIns="0" bIns="0" anchor="t"/>
+          <a:lstStyle/>
+          <a:p>
+            <a:endParaRPr lang="en-US" sz="1800" dirty="0">
+              <a:ea typeface="ＭＳ Ｐゴシック" charset="0"/>
+              <a:cs typeface="Lato Light" charset="0"/>
+              <a:sym typeface="Lato Light" charset="0"/>
+            </a:endParaRPr>
+          </a:p>
+        </p:txBody>
+      </p:sp>
+      <p:sp>
+        <p:nvSpPr>
+          <p:cNvPr id="15" name="Title 14">
+            <a:extLst>
+              <a:ext uri="{FF2B5EF4-FFF2-40B4-BE49-F238E27FC236}">
+                <a16:creationId xmlns:a16="http://schemas.microsoft.com/office/drawing/2014/main" id="{AC70AFF7-D39C-1B45-8E56-844E670FBDCF}"/>
+              </a:ext>
+            </a:extLst>
+          </p:cNvPr>
+          <p:cNvSpPr>
+            <a:spLocks noGrp="1"/>
+          </p:cNvSpPr>
+          <p:nvPr>
+            <p:ph type="title"/>
+          </p:nvPr>
+        </p:nvSpPr>
+        <p:spPr>
+          <a:xfrm>
+            <a:off x="1122018" y="219808"/>
+            <a:ext cx="7647210" cy="638313"/>
+          </a:xfrm>
+        </p:spPr>
+        <p:txBody>
+          <a:bodyPr/>
+          <a:lstStyle/>
+          <a:p>
+            <a:r>
+              <a:rPr lang="en-US" dirty="0"/>
+              <a:t>When to use CRD or </a:t>
+            </a:r>
+            <a:r>
+              <a:rPr lang="en-US" dirty="0" err="1"/>
+              <a:t>APIService</a:t>
+            </a:r>
+            <a:endParaRPr lang="en-US" dirty="0"/>
+          </a:p>
+        </p:txBody>
+      </p:sp>
+      <p:pic>
+        <p:nvPicPr>
+          <p:cNvPr id="4" name="Picture 3" descr="A blue hexagon with white and blue gears&#10;&#10;Description automatically generated">
+            <a:extLst>
+              <a:ext uri="{FF2B5EF4-FFF2-40B4-BE49-F238E27FC236}">
+                <a16:creationId xmlns:a16="http://schemas.microsoft.com/office/drawing/2014/main" id="{E3D5D9D7-1E4A-870B-BEC3-4F2878358332}"/>
+              </a:ext>
+            </a:extLst>
+          </p:cNvPr>
+          <p:cNvPicPr>
+            <a:picLocks noChangeAspect="1"/>
+          </p:cNvPicPr>
+          <p:nvPr/>
+        </p:nvPicPr>
+        <p:blipFill>
+          <a:blip r:embed="rId4"/>
+          <a:stretch>
+            <a:fillRect/>
+          </a:stretch>
+        </p:blipFill>
+        <p:spPr>
+          <a:xfrm>
+            <a:off x="309217" y="172437"/>
+            <a:ext cx="812800" cy="787400"/>
+          </a:xfrm>
+          <a:prstGeom prst="rect">
+            <a:avLst/>
+          </a:prstGeom>
+        </p:spPr>
+      </p:pic>
+      <p:sp>
+        <p:nvSpPr>
+          <p:cNvPr id="6" name="TextBox 5">
+            <a:extLst>
+              <a:ext uri="{FF2B5EF4-FFF2-40B4-BE49-F238E27FC236}">
+                <a16:creationId xmlns:a16="http://schemas.microsoft.com/office/drawing/2014/main" id="{0E1BDD91-8565-80A6-C782-AFDB3CD8F9CA}"/>
+              </a:ext>
+            </a:extLst>
+          </p:cNvPr>
+          <p:cNvSpPr txBox="1"/>
+          <p:nvPr/>
+        </p:nvSpPr>
+        <p:spPr>
+          <a:xfrm>
+            <a:off x="1929538" y="998305"/>
+            <a:ext cx="940505" cy="461665"/>
+          </a:xfrm>
+          <a:prstGeom prst="rect">
+            <a:avLst/>
+          </a:prstGeom>
+          <a:noFill/>
+        </p:spPr>
+        <p:txBody>
+          <a:bodyPr wrap="square" rtlCol="0">
+            <a:spAutoFit/>
+          </a:bodyPr>
+          <a:lstStyle/>
+          <a:p>
+            <a:r>
+              <a:rPr lang="en-US" sz="2400" dirty="0">
+                <a:solidFill>
+                  <a:schemeClr val="accent1">
+                    <a:lumMod val="75000"/>
+                  </a:schemeClr>
+                </a:solidFill>
+              </a:rPr>
+              <a:t>CRD</a:t>
+            </a:r>
+          </a:p>
+        </p:txBody>
+      </p:sp>
+      <p:sp>
+        <p:nvSpPr>
+          <p:cNvPr id="8" name="TextBox 7">
+            <a:extLst>
+              <a:ext uri="{FF2B5EF4-FFF2-40B4-BE49-F238E27FC236}">
+                <a16:creationId xmlns:a16="http://schemas.microsoft.com/office/drawing/2014/main" id="{A4A0E69B-7CBB-A033-68D8-3A122ED3F0C0}"/>
+              </a:ext>
+            </a:extLst>
+          </p:cNvPr>
+          <p:cNvSpPr txBox="1"/>
+          <p:nvPr/>
+        </p:nvSpPr>
+        <p:spPr>
+          <a:xfrm>
+            <a:off x="5937937" y="998305"/>
+            <a:ext cx="1501753" cy="461665"/>
+          </a:xfrm>
+          <a:prstGeom prst="rect">
+            <a:avLst/>
+          </a:prstGeom>
+          <a:noFill/>
+        </p:spPr>
+        <p:txBody>
+          <a:bodyPr wrap="square" rtlCol="0">
+            <a:spAutoFit/>
+          </a:bodyPr>
+          <a:lstStyle/>
+          <a:p>
+            <a:r>
+              <a:rPr lang="en-US" sz="2400" dirty="0" err="1">
+                <a:solidFill>
+                  <a:schemeClr val="accent1">
+                    <a:lumMod val="75000"/>
+                  </a:schemeClr>
+                </a:solidFill>
+              </a:rPr>
+              <a:t>APIService</a:t>
+            </a:r>
+            <a:endParaRPr lang="en-US" sz="2400" dirty="0">
+              <a:solidFill>
+                <a:schemeClr val="accent1">
+                  <a:lumMod val="75000"/>
+                </a:schemeClr>
+              </a:solidFill>
+            </a:endParaRPr>
+          </a:p>
+        </p:txBody>
+      </p:sp>
+    </p:spTree>
+    <p:custDataLst>
+      <p:tags r:id="rId1"/>
+    </p:custDataLst>
+    <p:extLst>
+      <p:ext uri="{BB962C8B-B14F-4D97-AF65-F5344CB8AC3E}">
+        <p14:creationId xmlns:p14="http://schemas.microsoft.com/office/powerpoint/2010/main" val="1569693153"/>
+      </p:ext>
+    </p:extLst>
+  </p:cSld>
+  <p:clrMapOvr>
+    <a:masterClrMapping/>
+  </p:clrMapOvr>
+</p:sld>
+</file>
+
+<file path=ppt/slides/slide15.xml><?xml version="1.0" encoding="utf-8"?>
+<p:sld xmlns:a="http://schemas.openxmlformats.org/drawingml/2006/main" xmlns:r="http://schemas.openxmlformats.org/officeDocument/2006/relationships" xmlns:p="http://schemas.openxmlformats.org/presentationml/2006/main">
+  <p:cSld>
+    <p:spTree>
+      <p:nvGrpSpPr>
+        <p:cNvPr id="1" name=""/>
+        <p:cNvGrpSpPr/>
+        <p:nvPr/>
+      </p:nvGrpSpPr>
+      <p:grpSpPr>
+        <a:xfrm>
+          <a:off x="0" y="0"/>
+          <a:ext cx="0" cy="0"/>
+          <a:chOff x="0" y="0"/>
+          <a:chExt cx="0" cy="0"/>
+        </a:xfrm>
+      </p:grpSpPr>
+      <p:sp>
+        <p:nvSpPr>
+          <p:cNvPr id="12" name="Rectangle 7"/>
+          <p:cNvSpPr>
+            <a:spLocks/>
+          </p:cNvSpPr>
+          <p:nvPr/>
+        </p:nvSpPr>
+        <p:spPr bwMode="auto">
+          <a:xfrm>
+            <a:off x="715617" y="1582532"/>
+            <a:ext cx="3368348" cy="2565067"/>
+          </a:xfrm>
+          <a:prstGeom prst="rect">
+            <a:avLst/>
+          </a:prstGeom>
+          <a:noFill/>
+          <a:ln>
+            <a:noFill/>
+          </a:ln>
+          <a:extLst>
+            <a:ext uri="{909E8E84-426E-40dd-AFC4-6F175D3DCCD1}">
+              <a14:hiddenFill xmlns="" xmlns:a14="http://schemas.microsoft.com/office/drawing/2010/main">
+                <a:solidFill>
+                  <a:srgbClr val="FFFFFF"/>
+                </a:solidFill>
+              </a14:hiddenFill>
+            </a:ext>
+            <a:ext uri="{91240B29-F687-4f45-9708-019B960494DF}">
+              <a14:hiddenLine xmlns="" xmlns:a14="http://schemas.microsoft.com/office/drawing/2010/main" w="12700" cap="flat">
+                <a:solidFill>
+                  <a:schemeClr val="tx1"/>
+                </a:solidFill>
+                <a:miter lim="800000"/>
+                <a:headEnd type="none" w="med" len="med"/>
+                <a:tailEnd type="none" w="med" len="med"/>
+              </a14:hiddenLine>
+            </a:ext>
+          </a:extLst>
+        </p:spPr>
+        <p:txBody>
+          <a:bodyPr lIns="0" tIns="0" rIns="0" bIns="0" anchor="t"/>
+          <a:lstStyle/>
+          <a:p>
+            <a:endParaRPr lang="en-US" sz="1800" dirty="0">
+              <a:ea typeface="ＭＳ Ｐゴシック" charset="0"/>
+              <a:sym typeface="Lato Light" charset="0"/>
+            </a:endParaRPr>
+          </a:p>
+        </p:txBody>
+      </p:sp>
+      <p:sp>
+        <p:nvSpPr>
+          <p:cNvPr id="24" name="Rectangle 7"/>
+          <p:cNvSpPr>
+            <a:spLocks/>
+          </p:cNvSpPr>
+          <p:nvPr/>
+        </p:nvSpPr>
+        <p:spPr bwMode="auto">
+          <a:xfrm>
+            <a:off x="5171902" y="1456376"/>
+            <a:ext cx="3256481" cy="2834318"/>
+          </a:xfrm>
+          <a:prstGeom prst="rect">
+            <a:avLst/>
+          </a:prstGeom>
+          <a:noFill/>
+          <a:ln>
+            <a:noFill/>
+          </a:ln>
+          <a:extLst>
+            <a:ext uri="{909E8E84-426E-40dd-AFC4-6F175D3DCCD1}">
+              <a14:hiddenFill xmlns="" xmlns:a14="http://schemas.microsoft.com/office/drawing/2010/main">
+                <a:solidFill>
+                  <a:srgbClr val="FFFFFF"/>
+                </a:solidFill>
+              </a14:hiddenFill>
+            </a:ext>
+            <a:ext uri="{91240B29-F687-4f45-9708-019B960494DF}">
+              <a14:hiddenLine xmlns="" xmlns:a14="http://schemas.microsoft.com/office/drawing/2010/main" w="12700" cap="flat">
+                <a:solidFill>
+                  <a:schemeClr val="tx1"/>
+                </a:solidFill>
+                <a:miter lim="800000"/>
+                <a:headEnd type="none" w="med" len="med"/>
+                <a:tailEnd type="none" w="med" len="med"/>
+              </a14:hiddenLine>
+            </a:ext>
+          </a:extLst>
+        </p:spPr>
+        <p:txBody>
+          <a:bodyPr lIns="0" tIns="0" rIns="0" bIns="0" anchor="t"/>
+          <a:lstStyle/>
+          <a:p>
+            <a:endParaRPr lang="en-US" sz="1800" dirty="0">
+              <a:ea typeface="ＭＳ Ｐゴシック" charset="0"/>
+              <a:cs typeface="Lato Light" charset="0"/>
+              <a:sym typeface="Lato Light" charset="0"/>
+            </a:endParaRPr>
+          </a:p>
+        </p:txBody>
+      </p:sp>
+      <p:sp>
+        <p:nvSpPr>
+          <p:cNvPr id="15" name="Title 14">
+            <a:extLst>
+              <a:ext uri="{FF2B5EF4-FFF2-40B4-BE49-F238E27FC236}">
+                <a16:creationId xmlns:a16="http://schemas.microsoft.com/office/drawing/2014/main" id="{AC70AFF7-D39C-1B45-8E56-844E670FBDCF}"/>
+              </a:ext>
+            </a:extLst>
+          </p:cNvPr>
+          <p:cNvSpPr>
+            <a:spLocks noGrp="1"/>
+          </p:cNvSpPr>
+          <p:nvPr>
+            <p:ph type="title"/>
+          </p:nvPr>
+        </p:nvSpPr>
+        <p:spPr>
+          <a:xfrm>
+            <a:off x="1122018" y="219808"/>
+            <a:ext cx="7647210" cy="638313"/>
+          </a:xfrm>
+        </p:spPr>
+        <p:txBody>
+          <a:bodyPr>
+            <a:normAutofit/>
+          </a:bodyPr>
+          <a:lstStyle/>
+          <a:p>
+            <a:r>
+              <a:rPr lang="en-US" dirty="0"/>
+              <a:t>Other</a:t>
+            </a:r>
+          </a:p>
+        </p:txBody>
+      </p:sp>
+      <p:pic>
+        <p:nvPicPr>
+          <p:cNvPr id="4" name="Picture 3" descr="A blue hexagon with white and blue gears&#10;&#10;Description automatically generated">
+            <a:extLst>
+              <a:ext uri="{FF2B5EF4-FFF2-40B4-BE49-F238E27FC236}">
+                <a16:creationId xmlns:a16="http://schemas.microsoft.com/office/drawing/2014/main" id="{E3D5D9D7-1E4A-870B-BEC3-4F2878358332}"/>
+              </a:ext>
+            </a:extLst>
+          </p:cNvPr>
+          <p:cNvPicPr>
+            <a:picLocks noChangeAspect="1"/>
+          </p:cNvPicPr>
+          <p:nvPr/>
+        </p:nvPicPr>
+        <p:blipFill>
+          <a:blip r:embed="rId4"/>
+          <a:stretch>
+            <a:fillRect/>
+          </a:stretch>
+        </p:blipFill>
+        <p:spPr>
+          <a:xfrm>
+            <a:off x="309217" y="172437"/>
+            <a:ext cx="812800" cy="787400"/>
+          </a:xfrm>
+          <a:prstGeom prst="rect">
+            <a:avLst/>
+          </a:prstGeom>
+        </p:spPr>
+      </p:pic>
+      <p:sp>
+        <p:nvSpPr>
+          <p:cNvPr id="2" name="TextBox 1">
+            <a:extLst>
+              <a:ext uri="{FF2B5EF4-FFF2-40B4-BE49-F238E27FC236}">
+                <a16:creationId xmlns:a16="http://schemas.microsoft.com/office/drawing/2014/main" id="{33940E9E-4677-5B7F-B615-64BE1B2F9D8E}"/>
+              </a:ext>
+            </a:extLst>
+          </p:cNvPr>
+          <p:cNvSpPr txBox="1"/>
+          <p:nvPr/>
+        </p:nvSpPr>
+        <p:spPr>
+          <a:xfrm>
+            <a:off x="1125538" y="1480816"/>
+            <a:ext cx="5671040" cy="1200329"/>
+          </a:xfrm>
+          <a:prstGeom prst="rect">
+            <a:avLst/>
+          </a:prstGeom>
+          <a:noFill/>
+        </p:spPr>
+        <p:txBody>
+          <a:bodyPr wrap="none" rtlCol="0">
+            <a:spAutoFit/>
+          </a:bodyPr>
+          <a:lstStyle/>
+          <a:p>
+            <a:pPr marL="342900" indent="-342900">
+              <a:buFont typeface="Arial" panose="020B0604020202020204" pitchFamily="34" charset="0"/>
+              <a:buChar char="•"/>
+            </a:pPr>
+            <a:r>
+              <a:rPr lang="en-US" sz="2400" dirty="0">
+                <a:solidFill>
+                  <a:srgbClr val="7030A0"/>
+                </a:solidFill>
+              </a:rPr>
+              <a:t>Webhooks</a:t>
+            </a:r>
+          </a:p>
+          <a:p>
+            <a:pPr marL="342900" indent="-342900">
+              <a:buFont typeface="Arial" panose="020B0604020202020204" pitchFamily="34" charset="0"/>
+              <a:buChar char="•"/>
+            </a:pPr>
+            <a:r>
+              <a:rPr lang="en-US" sz="2400" dirty="0">
+                <a:solidFill>
+                  <a:srgbClr val="7030A0"/>
+                </a:solidFill>
+                <a:effectLst/>
+              </a:rPr>
+              <a:t>Open Service Broker API (</a:t>
+            </a:r>
+            <a:r>
+              <a:rPr lang="en-US" sz="2400">
+                <a:solidFill>
+                  <a:srgbClr val="7030A0"/>
+                </a:solidFill>
+                <a:effectLst/>
+              </a:rPr>
+              <a:t>Service catalog)</a:t>
+            </a:r>
+            <a:endParaRPr lang="en-US" sz="2400" dirty="0">
+              <a:solidFill>
+                <a:srgbClr val="7030A0"/>
+              </a:solidFill>
+              <a:effectLst/>
+            </a:endParaRPr>
+          </a:p>
+          <a:p>
+            <a:endParaRPr lang="en-US" sz="2400" dirty="0">
+              <a:solidFill>
+                <a:srgbClr val="7030A0"/>
+              </a:solidFill>
+            </a:endParaRPr>
+          </a:p>
+        </p:txBody>
+      </p:sp>
+    </p:spTree>
+    <p:custDataLst>
+      <p:tags r:id="rId1"/>
+    </p:custDataLst>
+    <p:extLst>
+      <p:ext uri="{BB962C8B-B14F-4D97-AF65-F5344CB8AC3E}">
+        <p14:creationId xmlns:p14="http://schemas.microsoft.com/office/powerpoint/2010/main" val="3534536036"/>
+      </p:ext>
+    </p:extLst>
+  </p:cSld>
+  <p:clrMapOvr>
+    <a:masterClrMapping/>
+  </p:clrMapOvr>
 </p:sld>
 </file>
 
@@ -12910,14 +12877,14 @@
           </a:ln>
           <a:extLst>
             <a:ext uri="{909E8E84-426E-40dd-AFC4-6F175D3DCCD1}">
-              <a14:hiddenFill xmlns="" xmlns:a14="http://schemas.microsoft.com/office/drawing/2010/main">
+              <a14:hiddenFill xmlns:a14="http://schemas.microsoft.com/office/drawing/2010/main" xmlns="">
                 <a:solidFill>
                   <a:srgbClr val="FFFFFF"/>
                 </a:solidFill>
               </a14:hiddenFill>
             </a:ext>
             <a:ext uri="{91240B29-F687-4f45-9708-019B960494DF}">
-              <a14:hiddenLine xmlns="" xmlns:a14="http://schemas.microsoft.com/office/drawing/2010/main" w="12700" cap="flat">
+              <a14:hiddenLine xmlns:a14="http://schemas.microsoft.com/office/drawing/2010/main" xmlns="" w="12700" cap="flat">
                 <a:solidFill>
                   <a:schemeClr val="tx1"/>
                 </a:solidFill>
@@ -12961,14 +12928,14 @@
           </a:ln>
           <a:extLst>
             <a:ext uri="{909E8E84-426E-40dd-AFC4-6F175D3DCCD1}">
-              <a14:hiddenFill xmlns="" xmlns:a14="http://schemas.microsoft.com/office/drawing/2010/main">
+              <a14:hiddenFill xmlns:a14="http://schemas.microsoft.com/office/drawing/2010/main" xmlns="">
                 <a:solidFill>
                   <a:srgbClr val="FFFFFF"/>
                 </a:solidFill>
               </a14:hiddenFill>
             </a:ext>
             <a:ext uri="{91240B29-F687-4f45-9708-019B960494DF}">
-              <a14:hiddenLine xmlns="" xmlns:a14="http://schemas.microsoft.com/office/drawing/2010/main" w="12700" cap="flat">
+              <a14:hiddenLine xmlns:a14="http://schemas.microsoft.com/office/drawing/2010/main" xmlns="" w="12700" cap="flat">
                 <a:solidFill>
                   <a:schemeClr val="tx1"/>
                 </a:solidFill>
@@ -13108,14 +13075,6 @@
   <p:clrMapOvr>
     <a:masterClrMapping/>
   </p:clrMapOvr>
-  <mc:AlternateContent xmlns:mc="http://schemas.openxmlformats.org/markup-compatibility/2006">
-    <mc:Choice xmlns:p14="http://schemas.microsoft.com/office/powerpoint/2010/main" Requires="p14">
-      <p:transition spd="slow" p14:dur="2000" advTm="92152"/>
-    </mc:Choice>
-    <mc:Fallback>
-      <p:transition spd="slow" advTm="92152"/>
-    </mc:Fallback>
-  </mc:AlternateContent>
 </p:sld>
 </file>
 
@@ -13158,14 +13117,14 @@
           </a:ln>
           <a:extLst>
             <a:ext uri="{909E8E84-426E-40dd-AFC4-6F175D3DCCD1}">
-              <a14:hiddenFill xmlns:a14="http://schemas.microsoft.com/office/drawing/2010/main" xmlns="">
+              <a14:hiddenFill xmlns="" xmlns:a14="http://schemas.microsoft.com/office/drawing/2010/main">
                 <a:solidFill>
                   <a:srgbClr val="FFFFFF"/>
                 </a:solidFill>
               </a14:hiddenFill>
             </a:ext>
             <a:ext uri="{91240B29-F687-4f45-9708-019B960494DF}">
-              <a14:hiddenLine xmlns:a14="http://schemas.microsoft.com/office/drawing/2010/main" xmlns="" w="12700" cap="flat">
+              <a14:hiddenLine xmlns="" xmlns:a14="http://schemas.microsoft.com/office/drawing/2010/main" w="12700" cap="flat">
                 <a:solidFill>
                   <a:schemeClr val="tx1"/>
                 </a:solidFill>
@@ -13209,14 +13168,14 @@
           </a:ln>
           <a:extLst>
             <a:ext uri="{909E8E84-426E-40dd-AFC4-6F175D3DCCD1}">
-              <a14:hiddenFill xmlns:a14="http://schemas.microsoft.com/office/drawing/2010/main" xmlns="">
+              <a14:hiddenFill xmlns="" xmlns:a14="http://schemas.microsoft.com/office/drawing/2010/main">
                 <a:solidFill>
                   <a:srgbClr val="FFFFFF"/>
                 </a:solidFill>
               </a14:hiddenFill>
             </a:ext>
             <a:ext uri="{91240B29-F687-4f45-9708-019B960494DF}">
-              <a14:hiddenLine xmlns:a14="http://schemas.microsoft.com/office/drawing/2010/main" xmlns="" w="12700" cap="flat">
+              <a14:hiddenLine xmlns="" xmlns:a14="http://schemas.microsoft.com/office/drawing/2010/main" w="12700" cap="flat">
                 <a:solidFill>
                   <a:schemeClr val="tx1"/>
                 </a:solidFill>
@@ -13382,14 +13341,6 @@
   <p:clrMapOvr>
     <a:masterClrMapping/>
   </p:clrMapOvr>
-  <mc:AlternateContent xmlns:mc="http://schemas.openxmlformats.org/markup-compatibility/2006">
-    <mc:Choice xmlns:p14="http://schemas.microsoft.com/office/powerpoint/2010/main" Requires="p14">
-      <p:transition spd="slow" p14:dur="2000" advTm="92152"/>
-    </mc:Choice>
-    <mc:Fallback>
-      <p:transition spd="slow" advTm="92152"/>
-    </mc:Fallback>
-  </mc:AlternateContent>
 </p:sld>
 </file>
 
@@ -13432,14 +13383,14 @@
           </a:ln>
           <a:extLst>
             <a:ext uri="{909E8E84-426E-40dd-AFC4-6F175D3DCCD1}">
-              <a14:hiddenFill xmlns="" xmlns:a14="http://schemas.microsoft.com/office/drawing/2010/main">
+              <a14:hiddenFill xmlns:a14="http://schemas.microsoft.com/office/drawing/2010/main" xmlns="">
                 <a:solidFill>
                   <a:srgbClr val="FFFFFF"/>
                 </a:solidFill>
               </a14:hiddenFill>
             </a:ext>
             <a:ext uri="{91240B29-F687-4f45-9708-019B960494DF}">
-              <a14:hiddenLine xmlns="" xmlns:a14="http://schemas.microsoft.com/office/drawing/2010/main" w="12700" cap="flat">
+              <a14:hiddenLine xmlns:a14="http://schemas.microsoft.com/office/drawing/2010/main" xmlns="" w="12700" cap="flat">
                 <a:solidFill>
                   <a:schemeClr val="tx1"/>
                 </a:solidFill>
@@ -13483,14 +13434,14 @@
           </a:ln>
           <a:extLst>
             <a:ext uri="{909E8E84-426E-40dd-AFC4-6F175D3DCCD1}">
-              <a14:hiddenFill xmlns="" xmlns:a14="http://schemas.microsoft.com/office/drawing/2010/main">
+              <a14:hiddenFill xmlns:a14="http://schemas.microsoft.com/office/drawing/2010/main" xmlns="">
                 <a:solidFill>
                   <a:srgbClr val="FFFFFF"/>
                 </a:solidFill>
               </a14:hiddenFill>
             </a:ext>
             <a:ext uri="{91240B29-F687-4f45-9708-019B960494DF}">
-              <a14:hiddenLine xmlns="" xmlns:a14="http://schemas.microsoft.com/office/drawing/2010/main" w="12700" cap="flat">
+              <a14:hiddenLine xmlns:a14="http://schemas.microsoft.com/office/drawing/2010/main" xmlns="" w="12700" cap="flat">
                 <a:solidFill>
                   <a:schemeClr val="tx1"/>
                 </a:solidFill>
@@ -13659,14 +13610,6 @@
   <p:clrMapOvr>
     <a:masterClrMapping/>
   </p:clrMapOvr>
-  <mc:AlternateContent xmlns:mc="http://schemas.openxmlformats.org/markup-compatibility/2006">
-    <mc:Choice xmlns:p14="http://schemas.microsoft.com/office/powerpoint/2010/main" Requires="p14">
-      <p:transition spd="slow" p14:dur="2000" advTm="92152"/>
-    </mc:Choice>
-    <mc:Fallback>
-      <p:transition spd="slow" advTm="92152"/>
-    </mc:Fallback>
-  </mc:AlternateContent>
 </p:sld>
 </file>
 
@@ -13709,14 +13652,14 @@
           </a:ln>
           <a:extLst>
             <a:ext uri="{909E8E84-426E-40dd-AFC4-6F175D3DCCD1}">
-              <a14:hiddenFill xmlns:a14="http://schemas.microsoft.com/office/drawing/2010/main" xmlns="">
+              <a14:hiddenFill xmlns="" xmlns:a14="http://schemas.microsoft.com/office/drawing/2010/main">
                 <a:solidFill>
                   <a:srgbClr val="FFFFFF"/>
                 </a:solidFill>
               </a14:hiddenFill>
             </a:ext>
             <a:ext uri="{91240B29-F687-4f45-9708-019B960494DF}">
-              <a14:hiddenLine xmlns:a14="http://schemas.microsoft.com/office/drawing/2010/main" xmlns="" w="12700" cap="flat">
+              <a14:hiddenLine xmlns="" xmlns:a14="http://schemas.microsoft.com/office/drawing/2010/main" w="12700" cap="flat">
                 <a:solidFill>
                   <a:schemeClr val="tx1"/>
                 </a:solidFill>
@@ -13760,14 +13703,14 @@
           </a:ln>
           <a:extLst>
             <a:ext uri="{909E8E84-426E-40dd-AFC4-6F175D3DCCD1}">
-              <a14:hiddenFill xmlns:a14="http://schemas.microsoft.com/office/drawing/2010/main" xmlns="">
+              <a14:hiddenFill xmlns="" xmlns:a14="http://schemas.microsoft.com/office/drawing/2010/main">
                 <a:solidFill>
                   <a:srgbClr val="FFFFFF"/>
                 </a:solidFill>
               </a14:hiddenFill>
             </a:ext>
             <a:ext uri="{91240B29-F687-4f45-9708-019B960494DF}">
-              <a14:hiddenLine xmlns:a14="http://schemas.microsoft.com/office/drawing/2010/main" xmlns="" w="12700" cap="flat">
+              <a14:hiddenLine xmlns="" xmlns:a14="http://schemas.microsoft.com/office/drawing/2010/main" w="12700" cap="flat">
                 <a:solidFill>
                   <a:schemeClr val="tx1"/>
                 </a:solidFill>
@@ -13999,14 +13942,6 @@
   <p:clrMapOvr>
     <a:masterClrMapping/>
   </p:clrMapOvr>
-  <mc:AlternateContent xmlns:mc="http://schemas.openxmlformats.org/markup-compatibility/2006">
-    <mc:Choice xmlns:p14="http://schemas.microsoft.com/office/powerpoint/2010/main" Requires="p14">
-      <p:transition spd="slow" p14:dur="2000" advTm="92152"/>
-    </mc:Choice>
-    <mc:Fallback>
-      <p:transition spd="slow" advTm="92152"/>
-    </mc:Fallback>
-  </mc:AlternateContent>
 </p:sld>
 </file>
 
@@ -14286,14 +14221,14 @@
           </a:ln>
           <a:extLst>
             <a:ext uri="{909E8E84-426E-40dd-AFC4-6F175D3DCCD1}">
-              <a14:hiddenFill xmlns:a14="http://schemas.microsoft.com/office/drawing/2010/main" xmlns="">
+              <a14:hiddenFill xmlns="" xmlns:a14="http://schemas.microsoft.com/office/drawing/2010/main">
                 <a:solidFill>
                   <a:srgbClr val="FFFFFF"/>
                 </a:solidFill>
               </a14:hiddenFill>
             </a:ext>
             <a:ext uri="{91240B29-F687-4f45-9708-019B960494DF}">
-              <a14:hiddenLine xmlns:a14="http://schemas.microsoft.com/office/drawing/2010/main" xmlns="" w="12700" cap="flat">
+              <a14:hiddenLine xmlns="" xmlns:a14="http://schemas.microsoft.com/office/drawing/2010/main" w="12700" cap="flat">
                 <a:solidFill>
                   <a:schemeClr val="tx1"/>
                 </a:solidFill>
@@ -14337,14 +14272,14 @@
           </a:ln>
           <a:extLst>
             <a:ext uri="{909E8E84-426E-40dd-AFC4-6F175D3DCCD1}">
-              <a14:hiddenFill xmlns:a14="http://schemas.microsoft.com/office/drawing/2010/main" xmlns="">
+              <a14:hiddenFill xmlns="" xmlns:a14="http://schemas.microsoft.com/office/drawing/2010/main">
                 <a:solidFill>
                   <a:srgbClr val="FFFFFF"/>
                 </a:solidFill>
               </a14:hiddenFill>
             </a:ext>
             <a:ext uri="{91240B29-F687-4f45-9708-019B960494DF}">
-              <a14:hiddenLine xmlns:a14="http://schemas.microsoft.com/office/drawing/2010/main" xmlns="" w="12700" cap="flat">
+              <a14:hiddenLine xmlns="" xmlns:a14="http://schemas.microsoft.com/office/drawing/2010/main" w="12700" cap="flat">
                 <a:solidFill>
                   <a:schemeClr val="tx1"/>
                 </a:solidFill>
@@ -14525,14 +14460,6 @@
   <p:clrMapOvr>
     <a:masterClrMapping/>
   </p:clrMapOvr>
-  <mc:AlternateContent xmlns:mc="http://schemas.openxmlformats.org/markup-compatibility/2006" xmlns:p14="http://schemas.microsoft.com/office/powerpoint/2010/main">
-    <mc:Choice Requires="p14">
-      <p:transition spd="slow" p14:dur="2000" advTm="92152"/>
-    </mc:Choice>
-    <mc:Fallback xmlns="">
-      <p:transition spd="slow" advTm="92152"/>
-    </mc:Fallback>
-  </mc:AlternateContent>
 </p:sld>
 </file>
 
@@ -14575,14 +14502,14 @@
           </a:ln>
           <a:extLst>
             <a:ext uri="{909E8E84-426E-40dd-AFC4-6F175D3DCCD1}">
-              <a14:hiddenFill xmlns="" xmlns:a14="http://schemas.microsoft.com/office/drawing/2010/main">
+              <a14:hiddenFill xmlns:a14="http://schemas.microsoft.com/office/drawing/2010/main" xmlns="">
                 <a:solidFill>
                   <a:srgbClr val="FFFFFF"/>
                 </a:solidFill>
               </a14:hiddenFill>
             </a:ext>
             <a:ext uri="{91240B29-F687-4f45-9708-019B960494DF}">
-              <a14:hiddenLine xmlns="" xmlns:a14="http://schemas.microsoft.com/office/drawing/2010/main" w="12700" cap="flat">
+              <a14:hiddenLine xmlns:a14="http://schemas.microsoft.com/office/drawing/2010/main" xmlns="" w="12700" cap="flat">
                 <a:solidFill>
                   <a:schemeClr val="tx1"/>
                 </a:solidFill>
@@ -14626,14 +14553,14 @@
           </a:ln>
           <a:extLst>
             <a:ext uri="{909E8E84-426E-40dd-AFC4-6F175D3DCCD1}">
-              <a14:hiddenFill xmlns="" xmlns:a14="http://schemas.microsoft.com/office/drawing/2010/main">
+              <a14:hiddenFill xmlns:a14="http://schemas.microsoft.com/office/drawing/2010/main" xmlns="">
                 <a:solidFill>
                   <a:srgbClr val="FFFFFF"/>
                 </a:solidFill>
               </a14:hiddenFill>
             </a:ext>
             <a:ext uri="{91240B29-F687-4f45-9708-019B960494DF}">
-              <a14:hiddenLine xmlns="" xmlns:a14="http://schemas.microsoft.com/office/drawing/2010/main" w="12700" cap="flat">
+              <a14:hiddenLine xmlns:a14="http://schemas.microsoft.com/office/drawing/2010/main" xmlns="" w="12700" cap="flat">
                 <a:solidFill>
                   <a:schemeClr val="tx1"/>
                 </a:solidFill>
@@ -14865,14 +14792,6 @@
   <p:clrMapOvr>
     <a:masterClrMapping/>
   </p:clrMapOvr>
-  <mc:AlternateContent xmlns:mc="http://schemas.openxmlformats.org/markup-compatibility/2006">
-    <mc:Choice xmlns:p14="http://schemas.microsoft.com/office/powerpoint/2010/main" Requires="p14">
-      <p:transition spd="slow" p14:dur="2000" advTm="92152"/>
-    </mc:Choice>
-    <mc:Fallback>
-      <p:transition spd="slow" advTm="92152"/>
-    </mc:Fallback>
-  </mc:AlternateContent>
 </p:sld>
 </file>
 
@@ -14915,14 +14834,14 @@
           </a:ln>
           <a:extLst>
             <a:ext uri="{909E8E84-426E-40dd-AFC4-6F175D3DCCD1}">
-              <a14:hiddenFill xmlns:a14="http://schemas.microsoft.com/office/drawing/2010/main" xmlns="">
+              <a14:hiddenFill xmlns="" xmlns:a14="http://schemas.microsoft.com/office/drawing/2010/main">
                 <a:solidFill>
                   <a:srgbClr val="FFFFFF"/>
                 </a:solidFill>
               </a14:hiddenFill>
             </a:ext>
             <a:ext uri="{91240B29-F687-4f45-9708-019B960494DF}">
-              <a14:hiddenLine xmlns:a14="http://schemas.microsoft.com/office/drawing/2010/main" xmlns="" w="12700" cap="flat">
+              <a14:hiddenLine xmlns="" xmlns:a14="http://schemas.microsoft.com/office/drawing/2010/main" w="12700" cap="flat">
                 <a:solidFill>
                   <a:schemeClr val="tx1"/>
                 </a:solidFill>
@@ -14966,14 +14885,14 @@
           </a:ln>
           <a:extLst>
             <a:ext uri="{909E8E84-426E-40dd-AFC4-6F175D3DCCD1}">
-              <a14:hiddenFill xmlns:a14="http://schemas.microsoft.com/office/drawing/2010/main" xmlns="">
+              <a14:hiddenFill xmlns="" xmlns:a14="http://schemas.microsoft.com/office/drawing/2010/main">
                 <a:solidFill>
                   <a:srgbClr val="FFFFFF"/>
                 </a:solidFill>
               </a14:hiddenFill>
             </a:ext>
             <a:ext uri="{91240B29-F687-4f45-9708-019B960494DF}">
-              <a14:hiddenLine xmlns:a14="http://schemas.microsoft.com/office/drawing/2010/main" xmlns="" w="12700" cap="flat">
+              <a14:hiddenLine xmlns="" xmlns:a14="http://schemas.microsoft.com/office/drawing/2010/main" w="12700" cap="flat">
                 <a:solidFill>
                   <a:schemeClr val="tx1"/>
                 </a:solidFill>
@@ -15147,14 +15066,6 @@
   <p:clrMapOvr>
     <a:masterClrMapping/>
   </p:clrMapOvr>
-  <mc:AlternateContent xmlns:mc="http://schemas.openxmlformats.org/markup-compatibility/2006">
-    <mc:Choice xmlns:p14="http://schemas.microsoft.com/office/powerpoint/2010/main" Requires="p14">
-      <p:transition spd="slow" p14:dur="2000" advTm="92152"/>
-    </mc:Choice>
-    <mc:Fallback>
-      <p:transition spd="slow" advTm="92152"/>
-    </mc:Fallback>
-  </mc:AlternateContent>
 </p:sld>
 </file>
 
@@ -15197,14 +15108,14 @@
           </a:ln>
           <a:extLst>
             <a:ext uri="{909E8E84-426E-40dd-AFC4-6F175D3DCCD1}">
-              <a14:hiddenFill xmlns:a14="http://schemas.microsoft.com/office/drawing/2010/main" xmlns="">
+              <a14:hiddenFill xmlns="" xmlns:a14="http://schemas.microsoft.com/office/drawing/2010/main">
                 <a:solidFill>
                   <a:srgbClr val="FFFFFF"/>
                 </a:solidFill>
               </a14:hiddenFill>
             </a:ext>
             <a:ext uri="{91240B29-F687-4f45-9708-019B960494DF}">
-              <a14:hiddenLine xmlns:a14="http://schemas.microsoft.com/office/drawing/2010/main" xmlns="" w="12700" cap="flat">
+              <a14:hiddenLine xmlns="" xmlns:a14="http://schemas.microsoft.com/office/drawing/2010/main" w="12700" cap="flat">
                 <a:solidFill>
                   <a:schemeClr val="tx1"/>
                 </a:solidFill>
@@ -15248,14 +15159,14 @@
           </a:ln>
           <a:extLst>
             <a:ext uri="{909E8E84-426E-40dd-AFC4-6F175D3DCCD1}">
-              <a14:hiddenFill xmlns:a14="http://schemas.microsoft.com/office/drawing/2010/main" xmlns="">
+              <a14:hiddenFill xmlns="" xmlns:a14="http://schemas.microsoft.com/office/drawing/2010/main">
                 <a:solidFill>
                   <a:srgbClr val="FFFFFF"/>
                 </a:solidFill>
               </a14:hiddenFill>
             </a:ext>
             <a:ext uri="{91240B29-F687-4f45-9708-019B960494DF}">
-              <a14:hiddenLine xmlns:a14="http://schemas.microsoft.com/office/drawing/2010/main" xmlns="" w="12700" cap="flat">
+              <a14:hiddenLine xmlns="" xmlns:a14="http://schemas.microsoft.com/office/drawing/2010/main" w="12700" cap="flat">
                 <a:solidFill>
                   <a:schemeClr val="tx1"/>
                 </a:solidFill>
@@ -15466,14 +15377,6 @@
   <p:clrMapOvr>
     <a:masterClrMapping/>
   </p:clrMapOvr>
-  <mc:AlternateContent xmlns:mc="http://schemas.openxmlformats.org/markup-compatibility/2006">
-    <mc:Choice xmlns:p14="http://schemas.microsoft.com/office/powerpoint/2010/main" Requires="p14">
-      <p:transition spd="slow" p14:dur="2000" advTm="92152"/>
-    </mc:Choice>
-    <mc:Fallback>
-      <p:transition spd="slow" advTm="92152"/>
-    </mc:Fallback>
-  </mc:AlternateContent>
 </p:sld>
 </file>
 
@@ -15516,14 +15419,14 @@
           </a:ln>
           <a:extLst>
             <a:ext uri="{909E8E84-426E-40dd-AFC4-6F175D3DCCD1}">
-              <a14:hiddenFill xmlns:a14="http://schemas.microsoft.com/office/drawing/2010/main" xmlns="">
+              <a14:hiddenFill xmlns="" xmlns:a14="http://schemas.microsoft.com/office/drawing/2010/main">
                 <a:solidFill>
                   <a:srgbClr val="FFFFFF"/>
                 </a:solidFill>
               </a14:hiddenFill>
             </a:ext>
             <a:ext uri="{91240B29-F687-4f45-9708-019B960494DF}">
-              <a14:hiddenLine xmlns:a14="http://schemas.microsoft.com/office/drawing/2010/main" xmlns="" w="12700" cap="flat">
+              <a14:hiddenLine xmlns="" xmlns:a14="http://schemas.microsoft.com/office/drawing/2010/main" w="12700" cap="flat">
                 <a:solidFill>
                   <a:schemeClr val="tx1"/>
                 </a:solidFill>
@@ -15567,14 +15470,14 @@
           </a:ln>
           <a:extLst>
             <a:ext uri="{909E8E84-426E-40dd-AFC4-6F175D3DCCD1}">
-              <a14:hiddenFill xmlns:a14="http://schemas.microsoft.com/office/drawing/2010/main" xmlns="">
+              <a14:hiddenFill xmlns="" xmlns:a14="http://schemas.microsoft.com/office/drawing/2010/main">
                 <a:solidFill>
                   <a:srgbClr val="FFFFFF"/>
                 </a:solidFill>
               </a14:hiddenFill>
             </a:ext>
             <a:ext uri="{91240B29-F687-4f45-9708-019B960494DF}">
-              <a14:hiddenLine xmlns:a14="http://schemas.microsoft.com/office/drawing/2010/main" xmlns="" w="12700" cap="flat">
+              <a14:hiddenLine xmlns="" xmlns:a14="http://schemas.microsoft.com/office/drawing/2010/main" w="12700" cap="flat">
                 <a:solidFill>
                   <a:schemeClr val="tx1"/>
                 </a:solidFill>
@@ -15811,14 +15714,6 @@
   <p:clrMapOvr>
     <a:masterClrMapping/>
   </p:clrMapOvr>
-  <mc:AlternateContent xmlns:mc="http://schemas.openxmlformats.org/markup-compatibility/2006" xmlns:p14="http://schemas.microsoft.com/office/powerpoint/2010/main">
-    <mc:Choice Requires="p14">
-      <p:transition spd="slow" p14:dur="2000" advTm="92152"/>
-    </mc:Choice>
-    <mc:Fallback xmlns="">
-      <p:transition spd="slow" advTm="92152"/>
-    </mc:Fallback>
-  </mc:AlternateContent>
 </p:sld>
 </file>
 
@@ -15861,14 +15756,14 @@
           </a:ln>
           <a:extLst>
             <a:ext uri="{909E8E84-426E-40dd-AFC4-6F175D3DCCD1}">
-              <a14:hiddenFill xmlns="" xmlns:a14="http://schemas.microsoft.com/office/drawing/2010/main">
+              <a14:hiddenFill xmlns:a14="http://schemas.microsoft.com/office/drawing/2010/main" xmlns="">
                 <a:solidFill>
                   <a:srgbClr val="FFFFFF"/>
                 </a:solidFill>
               </a14:hiddenFill>
             </a:ext>
             <a:ext uri="{91240B29-F687-4f45-9708-019B960494DF}">
-              <a14:hiddenLine xmlns="" xmlns:a14="http://schemas.microsoft.com/office/drawing/2010/main" w="12700" cap="flat">
+              <a14:hiddenLine xmlns:a14="http://schemas.microsoft.com/office/drawing/2010/main" xmlns="" w="12700" cap="flat">
                 <a:solidFill>
                   <a:schemeClr val="tx1"/>
                 </a:solidFill>
@@ -15912,14 +15807,14 @@
           </a:ln>
           <a:extLst>
             <a:ext uri="{909E8E84-426E-40dd-AFC4-6F175D3DCCD1}">
-              <a14:hiddenFill xmlns="" xmlns:a14="http://schemas.microsoft.com/office/drawing/2010/main">
+              <a14:hiddenFill xmlns:a14="http://schemas.microsoft.com/office/drawing/2010/main" xmlns="">
                 <a:solidFill>
                   <a:srgbClr val="FFFFFF"/>
                 </a:solidFill>
               </a14:hiddenFill>
             </a:ext>
             <a:ext uri="{91240B29-F687-4f45-9708-019B960494DF}">
-              <a14:hiddenLine xmlns="" xmlns:a14="http://schemas.microsoft.com/office/drawing/2010/main" w="12700" cap="flat">
+              <a14:hiddenLine xmlns:a14="http://schemas.microsoft.com/office/drawing/2010/main" xmlns="" w="12700" cap="flat">
                 <a:solidFill>
                   <a:schemeClr val="tx1"/>
                 </a:solidFill>
@@ -16154,14 +16049,6 @@
   <p:clrMapOvr>
     <a:masterClrMapping/>
   </p:clrMapOvr>
-  <mc:AlternateContent xmlns:mc="http://schemas.openxmlformats.org/markup-compatibility/2006" xmlns:p14="http://schemas.microsoft.com/office/powerpoint/2010/main">
-    <mc:Choice Requires="p14">
-      <p:transition spd="slow" p14:dur="2000" advTm="92152"/>
-    </mc:Choice>
-    <mc:Fallback xmlns="">
-      <p:transition spd="slow" advTm="92152"/>
-    </mc:Fallback>
-  </mc:AlternateContent>
 </p:sld>
 </file>
 
@@ -16204,14 +16091,14 @@
           </a:ln>
           <a:extLst>
             <a:ext uri="{909E8E84-426E-40dd-AFC4-6F175D3DCCD1}">
-              <a14:hiddenFill xmlns:a14="http://schemas.microsoft.com/office/drawing/2010/main" xmlns="">
+              <a14:hiddenFill xmlns="" xmlns:a14="http://schemas.microsoft.com/office/drawing/2010/main">
                 <a:solidFill>
                   <a:srgbClr val="FFFFFF"/>
                 </a:solidFill>
               </a14:hiddenFill>
             </a:ext>
             <a:ext uri="{91240B29-F687-4f45-9708-019B960494DF}">
-              <a14:hiddenLine xmlns:a14="http://schemas.microsoft.com/office/drawing/2010/main" xmlns="" w="12700" cap="flat">
+              <a14:hiddenLine xmlns="" xmlns:a14="http://schemas.microsoft.com/office/drawing/2010/main" w="12700" cap="flat">
                 <a:solidFill>
                   <a:schemeClr val="tx1"/>
                 </a:solidFill>
@@ -16255,14 +16142,14 @@
           </a:ln>
           <a:extLst>
             <a:ext uri="{909E8E84-426E-40dd-AFC4-6F175D3DCCD1}">
-              <a14:hiddenFill xmlns:a14="http://schemas.microsoft.com/office/drawing/2010/main" xmlns="">
+              <a14:hiddenFill xmlns="" xmlns:a14="http://schemas.microsoft.com/office/drawing/2010/main">
                 <a:solidFill>
                   <a:srgbClr val="FFFFFF"/>
                 </a:solidFill>
               </a14:hiddenFill>
             </a:ext>
             <a:ext uri="{91240B29-F687-4f45-9708-019B960494DF}">
-              <a14:hiddenLine xmlns:a14="http://schemas.microsoft.com/office/drawing/2010/main" xmlns="" w="12700" cap="flat">
+              <a14:hiddenLine xmlns="" xmlns:a14="http://schemas.microsoft.com/office/drawing/2010/main" w="12700" cap="flat">
                 <a:solidFill>
                   <a:schemeClr val="tx1"/>
                 </a:solidFill>
@@ -16503,14 +16390,6 @@
   <p:clrMapOvr>
     <a:masterClrMapping/>
   </p:clrMapOvr>
-  <mc:AlternateContent xmlns:mc="http://schemas.openxmlformats.org/markup-compatibility/2006">
-    <mc:Choice xmlns:p14="http://schemas.microsoft.com/office/powerpoint/2010/main" Requires="p14">
-      <p:transition spd="slow" p14:dur="2000" advTm="92152"/>
-    </mc:Choice>
-    <mc:Fallback>
-      <p:transition spd="slow" advTm="92152"/>
-    </mc:Fallback>
-  </mc:AlternateContent>
 </p:sld>
 </file>
 
@@ -16553,14 +16432,14 @@
           </a:ln>
           <a:extLst>
             <a:ext uri="{909E8E84-426E-40dd-AFC4-6F175D3DCCD1}">
-              <a14:hiddenFill xmlns="" xmlns:a14="http://schemas.microsoft.com/office/drawing/2010/main">
+              <a14:hiddenFill xmlns:a14="http://schemas.microsoft.com/office/drawing/2010/main" xmlns="">
                 <a:solidFill>
                   <a:srgbClr val="FFFFFF"/>
                 </a:solidFill>
               </a14:hiddenFill>
             </a:ext>
             <a:ext uri="{91240B29-F687-4f45-9708-019B960494DF}">
-              <a14:hiddenLine xmlns="" xmlns:a14="http://schemas.microsoft.com/office/drawing/2010/main" w="12700" cap="flat">
+              <a14:hiddenLine xmlns:a14="http://schemas.microsoft.com/office/drawing/2010/main" xmlns="" w="12700" cap="flat">
                 <a:solidFill>
                   <a:schemeClr val="tx1"/>
                 </a:solidFill>
@@ -16604,14 +16483,14 @@
           </a:ln>
           <a:extLst>
             <a:ext uri="{909E8E84-426E-40dd-AFC4-6F175D3DCCD1}">
-              <a14:hiddenFill xmlns="" xmlns:a14="http://schemas.microsoft.com/office/drawing/2010/main">
+              <a14:hiddenFill xmlns:a14="http://schemas.microsoft.com/office/drawing/2010/main" xmlns="">
                 <a:solidFill>
                   <a:srgbClr val="FFFFFF"/>
                 </a:solidFill>
               </a14:hiddenFill>
             </a:ext>
             <a:ext uri="{91240B29-F687-4f45-9708-019B960494DF}">
-              <a14:hiddenLine xmlns="" xmlns:a14="http://schemas.microsoft.com/office/drawing/2010/main" w="12700" cap="flat">
+              <a14:hiddenLine xmlns:a14="http://schemas.microsoft.com/office/drawing/2010/main" xmlns="" w="12700" cap="flat">
                 <a:solidFill>
                   <a:schemeClr val="tx1"/>
                 </a:solidFill>
@@ -16712,14 +16591,6 @@
   <p:clrMapOvr>
     <a:masterClrMapping/>
   </p:clrMapOvr>
-  <mc:AlternateContent xmlns:mc="http://schemas.openxmlformats.org/markup-compatibility/2006" xmlns:p14="http://schemas.microsoft.com/office/powerpoint/2010/main">
-    <mc:Choice Requires="p14">
-      <p:transition spd="slow" p14:dur="2000" advTm="92152"/>
-    </mc:Choice>
-    <mc:Fallback xmlns="">
-      <p:transition spd="slow" advTm="92152"/>
-    </mc:Fallback>
-  </mc:AlternateContent>
 </p:sld>
 </file>
 
@@ -16762,14 +16633,14 @@
           </a:ln>
           <a:extLst>
             <a:ext uri="{909E8E84-426E-40dd-AFC4-6F175D3DCCD1}">
-              <a14:hiddenFill xmlns:a14="http://schemas.microsoft.com/office/drawing/2010/main" xmlns="">
+              <a14:hiddenFill xmlns="" xmlns:a14="http://schemas.microsoft.com/office/drawing/2010/main">
                 <a:solidFill>
                   <a:srgbClr val="FFFFFF"/>
                 </a:solidFill>
               </a14:hiddenFill>
             </a:ext>
             <a:ext uri="{91240B29-F687-4f45-9708-019B960494DF}">
-              <a14:hiddenLine xmlns:a14="http://schemas.microsoft.com/office/drawing/2010/main" xmlns="" w="12700" cap="flat">
+              <a14:hiddenLine xmlns="" xmlns:a14="http://schemas.microsoft.com/office/drawing/2010/main" w="12700" cap="flat">
                 <a:solidFill>
                   <a:schemeClr val="tx1"/>
                 </a:solidFill>
@@ -16813,14 +16684,14 @@
           </a:ln>
           <a:extLst>
             <a:ext uri="{909E8E84-426E-40dd-AFC4-6F175D3DCCD1}">
-              <a14:hiddenFill xmlns:a14="http://schemas.microsoft.com/office/drawing/2010/main" xmlns="">
+              <a14:hiddenFill xmlns="" xmlns:a14="http://schemas.microsoft.com/office/drawing/2010/main">
                 <a:solidFill>
                   <a:srgbClr val="FFFFFF"/>
                 </a:solidFill>
               </a14:hiddenFill>
             </a:ext>
             <a:ext uri="{91240B29-F687-4f45-9708-019B960494DF}">
-              <a14:hiddenLine xmlns:a14="http://schemas.microsoft.com/office/drawing/2010/main" xmlns="" w="12700" cap="flat">
+              <a14:hiddenLine xmlns="" xmlns:a14="http://schemas.microsoft.com/office/drawing/2010/main" w="12700" cap="flat">
                 <a:solidFill>
                   <a:schemeClr val="tx1"/>
                 </a:solidFill>
@@ -16949,14 +16820,6 @@
   <p:clrMapOvr>
     <a:masterClrMapping/>
   </p:clrMapOvr>
-  <mc:AlternateContent xmlns:mc="http://schemas.openxmlformats.org/markup-compatibility/2006" xmlns:p14="http://schemas.microsoft.com/office/powerpoint/2010/main">
-    <mc:Choice Requires="p14">
-      <p:transition spd="slow" p14:dur="2000" advTm="92152"/>
-    </mc:Choice>
-    <mc:Fallback xmlns="">
-      <p:transition spd="slow" advTm="92152"/>
-    </mc:Fallback>
-  </mc:AlternateContent>
 </p:sld>
 </file>
 
@@ -16999,14 +16862,14 @@
           </a:ln>
           <a:extLst>
             <a:ext uri="{909E8E84-426E-40dd-AFC4-6F175D3DCCD1}">
-              <a14:hiddenFill xmlns="" xmlns:a14="http://schemas.microsoft.com/office/drawing/2010/main">
+              <a14:hiddenFill xmlns:a14="http://schemas.microsoft.com/office/drawing/2010/main" xmlns="">
                 <a:solidFill>
                   <a:srgbClr val="FFFFFF"/>
                 </a:solidFill>
               </a14:hiddenFill>
             </a:ext>
             <a:ext uri="{91240B29-F687-4f45-9708-019B960494DF}">
-              <a14:hiddenLine xmlns="" xmlns:a14="http://schemas.microsoft.com/office/drawing/2010/main" w="12700" cap="flat">
+              <a14:hiddenLine xmlns:a14="http://schemas.microsoft.com/office/drawing/2010/main" xmlns="" w="12700" cap="flat">
                 <a:solidFill>
                   <a:schemeClr val="tx1"/>
                 </a:solidFill>
@@ -17050,14 +16913,14 @@
           </a:ln>
           <a:extLst>
             <a:ext uri="{909E8E84-426E-40dd-AFC4-6F175D3DCCD1}">
-              <a14:hiddenFill xmlns="" xmlns:a14="http://schemas.microsoft.com/office/drawing/2010/main">
+              <a14:hiddenFill xmlns:a14="http://schemas.microsoft.com/office/drawing/2010/main" xmlns="">
                 <a:solidFill>
                   <a:srgbClr val="FFFFFF"/>
                 </a:solidFill>
               </a14:hiddenFill>
             </a:ext>
             <a:ext uri="{91240B29-F687-4f45-9708-019B960494DF}">
-              <a14:hiddenLine xmlns="" xmlns:a14="http://schemas.microsoft.com/office/drawing/2010/main" w="12700" cap="flat">
+              <a14:hiddenLine xmlns:a14="http://schemas.microsoft.com/office/drawing/2010/main" xmlns="" w="12700" cap="flat">
                 <a:solidFill>
                   <a:schemeClr val="tx1"/>
                 </a:solidFill>
@@ -17243,14 +17106,6 @@
   <p:clrMapOvr>
     <a:masterClrMapping/>
   </p:clrMapOvr>
-  <mc:AlternateContent xmlns:mc="http://schemas.openxmlformats.org/markup-compatibility/2006" xmlns:p14="http://schemas.microsoft.com/office/powerpoint/2010/main">
-    <mc:Choice Requires="p14">
-      <p:transition spd="slow" p14:dur="2000" advTm="92152"/>
-    </mc:Choice>
-    <mc:Fallback xmlns="">
-      <p:transition spd="slow" advTm="92152"/>
-    </mc:Fallback>
-  </mc:AlternateContent>
 </p:sld>
 </file>
 
@@ -17293,14 +17148,14 @@
           </a:ln>
           <a:extLst>
             <a:ext uri="{909E8E84-426E-40dd-AFC4-6F175D3DCCD1}">
-              <a14:hiddenFill xmlns:a14="http://schemas.microsoft.com/office/drawing/2010/main" xmlns="">
+              <a14:hiddenFill xmlns="" xmlns:a14="http://schemas.microsoft.com/office/drawing/2010/main">
                 <a:solidFill>
                   <a:srgbClr val="FFFFFF"/>
                 </a:solidFill>
               </a14:hiddenFill>
             </a:ext>
             <a:ext uri="{91240B29-F687-4f45-9708-019B960494DF}">
-              <a14:hiddenLine xmlns:a14="http://schemas.microsoft.com/office/drawing/2010/main" xmlns="" w="12700" cap="flat">
+              <a14:hiddenLine xmlns="" xmlns:a14="http://schemas.microsoft.com/office/drawing/2010/main" w="12700" cap="flat">
                 <a:solidFill>
                   <a:schemeClr val="tx1"/>
                 </a:solidFill>
@@ -17344,14 +17199,14 @@
           </a:ln>
           <a:extLst>
             <a:ext uri="{909E8E84-426E-40dd-AFC4-6F175D3DCCD1}">
-              <a14:hiddenFill xmlns:a14="http://schemas.microsoft.com/office/drawing/2010/main" xmlns="">
+              <a14:hiddenFill xmlns="" xmlns:a14="http://schemas.microsoft.com/office/drawing/2010/main">
                 <a:solidFill>
                   <a:srgbClr val="FFFFFF"/>
                 </a:solidFill>
               </a14:hiddenFill>
             </a:ext>
             <a:ext uri="{91240B29-F687-4f45-9708-019B960494DF}">
-              <a14:hiddenLine xmlns:a14="http://schemas.microsoft.com/office/drawing/2010/main" xmlns="" w="12700" cap="flat">
+              <a14:hiddenLine xmlns="" xmlns:a14="http://schemas.microsoft.com/office/drawing/2010/main" w="12700" cap="flat">
                 <a:solidFill>
                   <a:schemeClr val="tx1"/>
                 </a:solidFill>
@@ -17511,14 +17366,6 @@
   <p:clrMapOvr>
     <a:masterClrMapping/>
   </p:clrMapOvr>
-  <mc:AlternateContent xmlns:mc="http://schemas.openxmlformats.org/markup-compatibility/2006" xmlns:p14="http://schemas.microsoft.com/office/powerpoint/2010/main">
-    <mc:Choice Requires="p14">
-      <p:transition spd="slow" p14:dur="2000" advTm="92152"/>
-    </mc:Choice>
-    <mc:Fallback xmlns="">
-      <p:transition spd="slow" advTm="92152"/>
-    </mc:Fallback>
-  </mc:AlternateContent>
 </p:sld>
 </file>
 
@@ -17561,14 +17408,14 @@
           </a:ln>
           <a:extLst>
             <a:ext uri="{909E8E84-426E-40dd-AFC4-6F175D3DCCD1}">
-              <a14:hiddenFill xmlns="" xmlns:a14="http://schemas.microsoft.com/office/drawing/2010/main">
+              <a14:hiddenFill xmlns:a14="http://schemas.microsoft.com/office/drawing/2010/main" xmlns="">
                 <a:solidFill>
                   <a:srgbClr val="FFFFFF"/>
                 </a:solidFill>
               </a14:hiddenFill>
             </a:ext>
             <a:ext uri="{91240B29-F687-4f45-9708-019B960494DF}">
-              <a14:hiddenLine xmlns="" xmlns:a14="http://schemas.microsoft.com/office/drawing/2010/main" w="12700" cap="flat">
+              <a14:hiddenLine xmlns:a14="http://schemas.microsoft.com/office/drawing/2010/main" xmlns="" w="12700" cap="flat">
                 <a:solidFill>
                   <a:schemeClr val="tx1"/>
                 </a:solidFill>
@@ -17612,14 +17459,14 @@
           </a:ln>
           <a:extLst>
             <a:ext uri="{909E8E84-426E-40dd-AFC4-6F175D3DCCD1}">
-              <a14:hiddenFill xmlns="" xmlns:a14="http://schemas.microsoft.com/office/drawing/2010/main">
+              <a14:hiddenFill xmlns:a14="http://schemas.microsoft.com/office/drawing/2010/main" xmlns="">
                 <a:solidFill>
                   <a:srgbClr val="FFFFFF"/>
                 </a:solidFill>
               </a14:hiddenFill>
             </a:ext>
             <a:ext uri="{91240B29-F687-4f45-9708-019B960494DF}">
-              <a14:hiddenLine xmlns="" xmlns:a14="http://schemas.microsoft.com/office/drawing/2010/main" w="12700" cap="flat">
+              <a14:hiddenLine xmlns:a14="http://schemas.microsoft.com/office/drawing/2010/main" xmlns="" w="12700" cap="flat">
                 <a:solidFill>
                   <a:schemeClr val="tx1"/>
                 </a:solidFill>
@@ -17775,14 +17622,6 @@
   <p:clrMapOvr>
     <a:masterClrMapping/>
   </p:clrMapOvr>
-  <mc:AlternateContent xmlns:mc="http://schemas.openxmlformats.org/markup-compatibility/2006" xmlns:p14="http://schemas.microsoft.com/office/powerpoint/2010/main">
-    <mc:Choice Requires="p14">
-      <p:transition spd="slow" p14:dur="2000" advTm="92152"/>
-    </mc:Choice>
-    <mc:Fallback xmlns="">
-      <p:transition spd="slow" advTm="92152"/>
-    </mc:Fallback>
-  </mc:AlternateContent>
 </p:sld>
 </file>
 
@@ -17825,14 +17664,14 @@
           </a:ln>
           <a:extLst>
             <a:ext uri="{909E8E84-426E-40dd-AFC4-6F175D3DCCD1}">
-              <a14:hiddenFill xmlns:a14="http://schemas.microsoft.com/office/drawing/2010/main" xmlns="">
+              <a14:hiddenFill xmlns="" xmlns:a14="http://schemas.microsoft.com/office/drawing/2010/main">
                 <a:solidFill>
                   <a:srgbClr val="FFFFFF"/>
                 </a:solidFill>
               </a14:hiddenFill>
             </a:ext>
             <a:ext uri="{91240B29-F687-4f45-9708-019B960494DF}">
-              <a14:hiddenLine xmlns:a14="http://schemas.microsoft.com/office/drawing/2010/main" xmlns="" w="12700" cap="flat">
+              <a14:hiddenLine xmlns="" xmlns:a14="http://schemas.microsoft.com/office/drawing/2010/main" w="12700" cap="flat">
                 <a:solidFill>
                   <a:schemeClr val="tx1"/>
                 </a:solidFill>
@@ -17876,14 +17715,14 @@
           </a:ln>
           <a:extLst>
             <a:ext uri="{909E8E84-426E-40dd-AFC4-6F175D3DCCD1}">
-              <a14:hiddenFill xmlns:a14="http://schemas.microsoft.com/office/drawing/2010/main" xmlns="">
+              <a14:hiddenFill xmlns="" xmlns:a14="http://schemas.microsoft.com/office/drawing/2010/main">
                 <a:solidFill>
                   <a:srgbClr val="FFFFFF"/>
                 </a:solidFill>
               </a14:hiddenFill>
             </a:ext>
             <a:ext uri="{91240B29-F687-4f45-9708-019B960494DF}">
-              <a14:hiddenLine xmlns:a14="http://schemas.microsoft.com/office/drawing/2010/main" xmlns="" w="12700" cap="flat">
+              <a14:hiddenLine xmlns="" xmlns:a14="http://schemas.microsoft.com/office/drawing/2010/main" w="12700" cap="flat">
                 <a:solidFill>
                   <a:schemeClr val="tx1"/>
                 </a:solidFill>
@@ -18415,14 +18254,6 @@
   <p:clrMapOvr>
     <a:masterClrMapping/>
   </p:clrMapOvr>
-  <mc:AlternateContent xmlns:mc="http://schemas.openxmlformats.org/markup-compatibility/2006" xmlns:p14="http://schemas.microsoft.com/office/powerpoint/2010/main">
-    <mc:Choice Requires="p14">
-      <p:transition spd="slow" p14:dur="2000" advTm="92152"/>
-    </mc:Choice>
-    <mc:Fallback xmlns="">
-      <p:transition spd="slow" advTm="92152"/>
-    </mc:Fallback>
-  </mc:AlternateContent>
 </p:sld>
 </file>
 
@@ -18574,7 +18405,7 @@
           <a:p>
             <a:r>
               <a:rPr lang="en-US" dirty="0"/>
-              <a:t>CRD example</a:t>
+              <a:t>View CRD</a:t>
             </a:r>
           </a:p>
         </p:txBody>
@@ -18614,7 +18445,7 @@
           <p:cNvPr id="2" name="TextBox 1">
             <a:extLst>
               <a:ext uri="{FF2B5EF4-FFF2-40B4-BE49-F238E27FC236}">
-                <a16:creationId xmlns:a16="http://schemas.microsoft.com/office/drawing/2014/main" id="{1B78DE54-7DAD-7CEC-212E-5788A6E678D6}"/>
+                <a16:creationId xmlns:a16="http://schemas.microsoft.com/office/drawing/2014/main" id="{33940E9E-4677-5B7F-B615-64BE1B2F9D8E}"/>
               </a:ext>
             </a:extLst>
           </p:cNvPr>
@@ -18623,8 +18454,8 @@
         </p:nvSpPr>
         <p:spPr>
           <a:xfrm>
-            <a:off x="2399791" y="672157"/>
-            <a:ext cx="4289561" cy="4385816"/>
+            <a:off x="1125538" y="1480816"/>
+            <a:ext cx="3752950" cy="830997"/>
           </a:xfrm>
           <a:prstGeom prst="rect">
             <a:avLst/>
@@ -18632,1310 +18463,69 @@
           <a:noFill/>
         </p:spPr>
         <p:txBody>
-          <a:bodyPr wrap="square" rtlCol="0">
+          <a:bodyPr wrap="none" rtlCol="0">
             <a:spAutoFit/>
           </a:bodyPr>
           <a:lstStyle/>
           <a:p>
             <a:r>
-              <a:rPr lang="en-US" sz="900" dirty="0" err="1">
-                <a:solidFill>
-                  <a:srgbClr val="CC7832"/>
-                </a:solidFill>
-                <a:effectLst/>
+              <a:rPr lang="en-US" sz="2400" dirty="0" err="1">
                 <a:latin typeface="Consolas" panose="020B0609020204030204" pitchFamily="49" charset="0"/>
                 <a:cs typeface="Consolas" panose="020B0609020204030204" pitchFamily="49" charset="0"/>
               </a:rPr>
-              <a:t>apiVersion</a:t>
-            </a:r>
-            <a:r>
-              <a:rPr lang="en-US" sz="900" dirty="0">
-                <a:solidFill>
-                  <a:srgbClr val="A9B7C6"/>
-                </a:solidFill>
-                <a:effectLst/>
+              <a:t>kubectl</a:t>
+            </a:r>
+            <a:r>
+              <a:rPr lang="en-US" sz="2400" dirty="0">
                 <a:latin typeface="Consolas" panose="020B0609020204030204" pitchFamily="49" charset="0"/>
                 <a:cs typeface="Consolas" panose="020B0609020204030204" pitchFamily="49" charset="0"/>
               </a:rPr>
-              <a:t>: apiextensions.k8s.io/v1</a:t>
-            </a:r>
-            <a:br>
-              <a:rPr lang="en-US" sz="900" dirty="0">
-                <a:solidFill>
-                  <a:srgbClr val="A9B7C6"/>
-                </a:solidFill>
-                <a:effectLst/>
+              <a:t> </a:t>
+            </a:r>
+            <a:r>
+              <a:rPr lang="en-US" sz="2400" dirty="0" err="1">
                 <a:latin typeface="Consolas" panose="020B0609020204030204" pitchFamily="49" charset="0"/>
                 <a:cs typeface="Consolas" panose="020B0609020204030204" pitchFamily="49" charset="0"/>
               </a:rPr>
-            </a:br>
-            <a:r>
-              <a:rPr lang="en-US" sz="900" dirty="0">
-                <a:solidFill>
-                  <a:srgbClr val="CC7832"/>
-                </a:solidFill>
-                <a:effectLst/>
+              <a:t>api</a:t>
+            </a:r>
+            <a:r>
+              <a:rPr lang="en-US" sz="2400" dirty="0">
                 <a:latin typeface="Consolas" panose="020B0609020204030204" pitchFamily="49" charset="0"/>
                 <a:cs typeface="Consolas" panose="020B0609020204030204" pitchFamily="49" charset="0"/>
               </a:rPr>
-              <a:t>kind</a:t>
-            </a:r>
-            <a:r>
-              <a:rPr lang="en-US" sz="900" dirty="0">
-                <a:solidFill>
-                  <a:srgbClr val="A9B7C6"/>
-                </a:solidFill>
-                <a:effectLst/>
+              <a:t>-resources</a:t>
+            </a:r>
+          </a:p>
+          <a:p>
+            <a:r>
+              <a:rPr lang="en-US" sz="2400" dirty="0" err="1">
                 <a:latin typeface="Consolas" panose="020B0609020204030204" pitchFamily="49" charset="0"/>
                 <a:cs typeface="Consolas" panose="020B0609020204030204" pitchFamily="49" charset="0"/>
               </a:rPr>
-              <a:t>: </a:t>
-            </a:r>
-            <a:r>
-              <a:rPr lang="en-US" sz="900" dirty="0" err="1">
-                <a:solidFill>
-                  <a:srgbClr val="A9B7C6"/>
-                </a:solidFill>
-                <a:effectLst/>
+              <a:t>Kubectl</a:t>
+            </a:r>
+            <a:r>
+              <a:rPr lang="en-US" sz="2400" dirty="0">
                 <a:latin typeface="Consolas" panose="020B0609020204030204" pitchFamily="49" charset="0"/>
                 <a:cs typeface="Consolas" panose="020B0609020204030204" pitchFamily="49" charset="0"/>
               </a:rPr>
-              <a:t>CustomResourceDefinition</a:t>
-            </a:r>
-            <a:br>
-              <a:rPr lang="en-US" sz="900" dirty="0">
-                <a:solidFill>
-                  <a:srgbClr val="A9B7C6"/>
-                </a:solidFill>
-                <a:effectLst/>
+              <a:t> get </a:t>
+            </a:r>
+            <a:r>
+              <a:rPr lang="en-US" sz="2400" dirty="0" err="1">
                 <a:latin typeface="Consolas" panose="020B0609020204030204" pitchFamily="49" charset="0"/>
                 <a:cs typeface="Consolas" panose="020B0609020204030204" pitchFamily="49" charset="0"/>
               </a:rPr>
-            </a:br>
-            <a:r>
-              <a:rPr lang="en-US" sz="900" dirty="0">
-                <a:solidFill>
-                  <a:srgbClr val="CC7832"/>
-                </a:solidFill>
-                <a:effectLst/>
+              <a:t>crd</a:t>
+            </a:r>
+            <a:r>
+              <a:rPr lang="en-US" sz="2400" dirty="0">
                 <a:latin typeface="Consolas" panose="020B0609020204030204" pitchFamily="49" charset="0"/>
                 <a:cs typeface="Consolas" panose="020B0609020204030204" pitchFamily="49" charset="0"/>
               </a:rPr>
-              <a:t>metadata</a:t>
-            </a:r>
-            <a:r>
-              <a:rPr lang="en-US" sz="900" dirty="0">
-                <a:solidFill>
-                  <a:srgbClr val="A9B7C6"/>
-                </a:solidFill>
-                <a:effectLst/>
-                <a:latin typeface="Consolas" panose="020B0609020204030204" pitchFamily="49" charset="0"/>
-                <a:cs typeface="Consolas" panose="020B0609020204030204" pitchFamily="49" charset="0"/>
-              </a:rPr>
-              <a:t>:</a:t>
-            </a:r>
-            <a:br>
-              <a:rPr lang="en-US" sz="900" dirty="0">
-                <a:solidFill>
-                  <a:srgbClr val="A9B7C6"/>
-                </a:solidFill>
-                <a:effectLst/>
-                <a:latin typeface="Consolas" panose="020B0609020204030204" pitchFamily="49" charset="0"/>
-                <a:cs typeface="Consolas" panose="020B0609020204030204" pitchFamily="49" charset="0"/>
-              </a:rPr>
-            </a:br>
-            <a:r>
-              <a:rPr lang="en-US" sz="900" dirty="0">
-                <a:solidFill>
-                  <a:srgbClr val="A9B7C6"/>
-                </a:solidFill>
-                <a:effectLst/>
-                <a:latin typeface="Consolas" panose="020B0609020204030204" pitchFamily="49" charset="0"/>
-                <a:cs typeface="Consolas" panose="020B0609020204030204" pitchFamily="49" charset="0"/>
-              </a:rPr>
-              <a:t>  </a:t>
-            </a:r>
-            <a:r>
-              <a:rPr lang="en-US" sz="900" i="1" dirty="0">
-                <a:solidFill>
-                  <a:srgbClr val="629755"/>
-                </a:solidFill>
-                <a:effectLst/>
-                <a:latin typeface="Consolas" panose="020B0609020204030204" pitchFamily="49" charset="0"/>
-                <a:cs typeface="Consolas" panose="020B0609020204030204" pitchFamily="49" charset="0"/>
-              </a:rPr>
-              <a:t># name must match &lt;plural&gt;.&lt;group&gt;</a:t>
-            </a:r>
-            <a:br>
-              <a:rPr lang="en-US" sz="900" i="1" dirty="0">
-                <a:solidFill>
-                  <a:srgbClr val="629755"/>
-                </a:solidFill>
-                <a:effectLst/>
-                <a:latin typeface="Consolas" panose="020B0609020204030204" pitchFamily="49" charset="0"/>
-                <a:cs typeface="Consolas" panose="020B0609020204030204" pitchFamily="49" charset="0"/>
-              </a:rPr>
-            </a:br>
-            <a:r>
-              <a:rPr lang="en-US" sz="900" i="1" dirty="0">
-                <a:solidFill>
-                  <a:srgbClr val="629755"/>
-                </a:solidFill>
-                <a:effectLst/>
-                <a:latin typeface="Consolas" panose="020B0609020204030204" pitchFamily="49" charset="0"/>
-                <a:cs typeface="Consolas" panose="020B0609020204030204" pitchFamily="49" charset="0"/>
-              </a:rPr>
-              <a:t>  </a:t>
-            </a:r>
-            <a:r>
-              <a:rPr lang="en-US" sz="900" dirty="0">
-                <a:solidFill>
-                  <a:srgbClr val="CC7832"/>
-                </a:solidFill>
-                <a:effectLst/>
-                <a:latin typeface="Consolas" panose="020B0609020204030204" pitchFamily="49" charset="0"/>
-                <a:cs typeface="Consolas" panose="020B0609020204030204" pitchFamily="49" charset="0"/>
-              </a:rPr>
-              <a:t>name</a:t>
-            </a:r>
-            <a:r>
-              <a:rPr lang="en-US" sz="900" dirty="0">
-                <a:solidFill>
-                  <a:srgbClr val="A9B7C6"/>
-                </a:solidFill>
-                <a:effectLst/>
-                <a:latin typeface="Consolas" panose="020B0609020204030204" pitchFamily="49" charset="0"/>
-                <a:cs typeface="Consolas" panose="020B0609020204030204" pitchFamily="49" charset="0"/>
-              </a:rPr>
-              <a:t>: </a:t>
-            </a:r>
-            <a:r>
-              <a:rPr lang="en-US" sz="900" dirty="0" err="1">
-                <a:solidFill>
-                  <a:srgbClr val="A9B7C6"/>
-                </a:solidFill>
-                <a:effectLst/>
-                <a:latin typeface="Consolas" panose="020B0609020204030204" pitchFamily="49" charset="0"/>
-                <a:cs typeface="Consolas" panose="020B0609020204030204" pitchFamily="49" charset="0"/>
-              </a:rPr>
-              <a:t>ephemeralvolumeclaims.crd.dev</a:t>
-            </a:r>
-            <a:br>
-              <a:rPr lang="en-US" sz="900" dirty="0">
-                <a:solidFill>
-                  <a:srgbClr val="A9B7C6"/>
-                </a:solidFill>
-                <a:effectLst/>
-                <a:latin typeface="Consolas" panose="020B0609020204030204" pitchFamily="49" charset="0"/>
-                <a:cs typeface="Consolas" panose="020B0609020204030204" pitchFamily="49" charset="0"/>
-              </a:rPr>
-            </a:br>
-            <a:r>
-              <a:rPr lang="en-US" sz="900" dirty="0">
-                <a:solidFill>
-                  <a:srgbClr val="CC7832"/>
-                </a:solidFill>
-                <a:effectLst/>
-                <a:latin typeface="Consolas" panose="020B0609020204030204" pitchFamily="49" charset="0"/>
-                <a:cs typeface="Consolas" panose="020B0609020204030204" pitchFamily="49" charset="0"/>
-              </a:rPr>
-              <a:t>spec</a:t>
-            </a:r>
-            <a:r>
-              <a:rPr lang="en-US" sz="900" dirty="0">
-                <a:solidFill>
-                  <a:srgbClr val="A9B7C6"/>
-                </a:solidFill>
-                <a:effectLst/>
-                <a:latin typeface="Consolas" panose="020B0609020204030204" pitchFamily="49" charset="0"/>
-                <a:cs typeface="Consolas" panose="020B0609020204030204" pitchFamily="49" charset="0"/>
-              </a:rPr>
-              <a:t>:</a:t>
-            </a:r>
-            <a:br>
-              <a:rPr lang="en-US" sz="900" dirty="0">
-                <a:solidFill>
-                  <a:srgbClr val="A9B7C6"/>
-                </a:solidFill>
-                <a:effectLst/>
-                <a:latin typeface="Consolas" panose="020B0609020204030204" pitchFamily="49" charset="0"/>
-                <a:cs typeface="Consolas" panose="020B0609020204030204" pitchFamily="49" charset="0"/>
-              </a:rPr>
-            </a:br>
-            <a:r>
-              <a:rPr lang="en-US" sz="900" dirty="0">
-                <a:solidFill>
-                  <a:srgbClr val="A9B7C6"/>
-                </a:solidFill>
-                <a:effectLst/>
-                <a:latin typeface="Consolas" panose="020B0609020204030204" pitchFamily="49" charset="0"/>
-                <a:cs typeface="Consolas" panose="020B0609020204030204" pitchFamily="49" charset="0"/>
-              </a:rPr>
-              <a:t>  </a:t>
-            </a:r>
-            <a:r>
-              <a:rPr lang="en-US" sz="900" dirty="0">
-                <a:solidFill>
-                  <a:srgbClr val="CC7832"/>
-                </a:solidFill>
-                <a:effectLst/>
-                <a:latin typeface="Consolas" panose="020B0609020204030204" pitchFamily="49" charset="0"/>
-                <a:cs typeface="Consolas" panose="020B0609020204030204" pitchFamily="49" charset="0"/>
-              </a:rPr>
-              <a:t>scope</a:t>
-            </a:r>
-            <a:r>
-              <a:rPr lang="en-US" sz="900" dirty="0">
-                <a:solidFill>
-                  <a:srgbClr val="A9B7C6"/>
-                </a:solidFill>
-                <a:effectLst/>
-                <a:latin typeface="Consolas" panose="020B0609020204030204" pitchFamily="49" charset="0"/>
-                <a:cs typeface="Consolas" panose="020B0609020204030204" pitchFamily="49" charset="0"/>
-              </a:rPr>
-              <a:t>: </a:t>
-            </a:r>
-            <a:r>
-              <a:rPr lang="en-US" sz="900" dirty="0" err="1">
-                <a:solidFill>
-                  <a:srgbClr val="A9B7C6"/>
-                </a:solidFill>
-                <a:effectLst/>
-                <a:latin typeface="Consolas" panose="020B0609020204030204" pitchFamily="49" charset="0"/>
-                <a:cs typeface="Consolas" panose="020B0609020204030204" pitchFamily="49" charset="0"/>
-              </a:rPr>
-              <a:t>Namespaced</a:t>
-            </a:r>
-            <a:br>
-              <a:rPr lang="en-US" sz="900" dirty="0">
-                <a:solidFill>
-                  <a:srgbClr val="A9B7C6"/>
-                </a:solidFill>
-                <a:effectLst/>
-                <a:latin typeface="Consolas" panose="020B0609020204030204" pitchFamily="49" charset="0"/>
-                <a:cs typeface="Consolas" panose="020B0609020204030204" pitchFamily="49" charset="0"/>
-              </a:rPr>
-            </a:br>
-            <a:r>
-              <a:rPr lang="en-US" sz="900" dirty="0">
-                <a:solidFill>
-                  <a:srgbClr val="A9B7C6"/>
-                </a:solidFill>
-                <a:effectLst/>
-                <a:latin typeface="Consolas" panose="020B0609020204030204" pitchFamily="49" charset="0"/>
-                <a:cs typeface="Consolas" panose="020B0609020204030204" pitchFamily="49" charset="0"/>
-              </a:rPr>
-              <a:t>  </a:t>
-            </a:r>
-            <a:r>
-              <a:rPr lang="en-US" sz="900" dirty="0">
-                <a:solidFill>
-                  <a:srgbClr val="CC7832"/>
-                </a:solidFill>
-                <a:effectLst/>
-                <a:latin typeface="Consolas" panose="020B0609020204030204" pitchFamily="49" charset="0"/>
-                <a:cs typeface="Consolas" panose="020B0609020204030204" pitchFamily="49" charset="0"/>
-              </a:rPr>
-              <a:t>group</a:t>
-            </a:r>
-            <a:r>
-              <a:rPr lang="en-US" sz="900" dirty="0">
-                <a:solidFill>
-                  <a:srgbClr val="A9B7C6"/>
-                </a:solidFill>
-                <a:effectLst/>
-                <a:latin typeface="Consolas" panose="020B0609020204030204" pitchFamily="49" charset="0"/>
-                <a:cs typeface="Consolas" panose="020B0609020204030204" pitchFamily="49" charset="0"/>
-              </a:rPr>
-              <a:t>: </a:t>
-            </a:r>
-            <a:r>
-              <a:rPr lang="en-US" sz="900" dirty="0" err="1">
-                <a:solidFill>
-                  <a:srgbClr val="A9B7C6"/>
-                </a:solidFill>
-                <a:effectLst/>
-                <a:latin typeface="Consolas" panose="020B0609020204030204" pitchFamily="49" charset="0"/>
-                <a:cs typeface="Consolas" panose="020B0609020204030204" pitchFamily="49" charset="0"/>
-              </a:rPr>
-              <a:t>crd.dev</a:t>
-            </a:r>
-            <a:br>
-              <a:rPr lang="en-US" sz="900" dirty="0">
-                <a:solidFill>
-                  <a:srgbClr val="A9B7C6"/>
-                </a:solidFill>
-                <a:effectLst/>
-                <a:latin typeface="Consolas" panose="020B0609020204030204" pitchFamily="49" charset="0"/>
-                <a:cs typeface="Consolas" panose="020B0609020204030204" pitchFamily="49" charset="0"/>
-              </a:rPr>
-            </a:br>
-            <a:r>
-              <a:rPr lang="en-US" sz="900" dirty="0">
-                <a:solidFill>
-                  <a:srgbClr val="A9B7C6"/>
-                </a:solidFill>
-                <a:effectLst/>
-                <a:latin typeface="Consolas" panose="020B0609020204030204" pitchFamily="49" charset="0"/>
-                <a:cs typeface="Consolas" panose="020B0609020204030204" pitchFamily="49" charset="0"/>
-              </a:rPr>
-              <a:t>  </a:t>
-            </a:r>
-            <a:r>
-              <a:rPr lang="en-US" sz="900" dirty="0">
-                <a:solidFill>
-                  <a:srgbClr val="CC7832"/>
-                </a:solidFill>
-                <a:effectLst/>
-                <a:latin typeface="Consolas" panose="020B0609020204030204" pitchFamily="49" charset="0"/>
-                <a:cs typeface="Consolas" panose="020B0609020204030204" pitchFamily="49" charset="0"/>
-              </a:rPr>
-              <a:t>names</a:t>
-            </a:r>
-            <a:r>
-              <a:rPr lang="en-US" sz="900" dirty="0">
-                <a:solidFill>
-                  <a:srgbClr val="A9B7C6"/>
-                </a:solidFill>
-                <a:effectLst/>
-                <a:latin typeface="Consolas" panose="020B0609020204030204" pitchFamily="49" charset="0"/>
-                <a:cs typeface="Consolas" panose="020B0609020204030204" pitchFamily="49" charset="0"/>
-              </a:rPr>
-              <a:t>:</a:t>
-            </a:r>
-            <a:br>
-              <a:rPr lang="en-US" sz="900" dirty="0">
-                <a:solidFill>
-                  <a:srgbClr val="A9B7C6"/>
-                </a:solidFill>
-                <a:effectLst/>
-                <a:latin typeface="Consolas" panose="020B0609020204030204" pitchFamily="49" charset="0"/>
-                <a:cs typeface="Consolas" panose="020B0609020204030204" pitchFamily="49" charset="0"/>
-              </a:rPr>
-            </a:br>
-            <a:r>
-              <a:rPr lang="en-US" sz="900" dirty="0">
-                <a:solidFill>
-                  <a:srgbClr val="A9B7C6"/>
-                </a:solidFill>
-                <a:effectLst/>
-                <a:latin typeface="Consolas" panose="020B0609020204030204" pitchFamily="49" charset="0"/>
-                <a:cs typeface="Consolas" panose="020B0609020204030204" pitchFamily="49" charset="0"/>
-              </a:rPr>
-              <a:t>    </a:t>
-            </a:r>
-            <a:r>
-              <a:rPr lang="en-US" sz="900" dirty="0">
-                <a:solidFill>
-                  <a:srgbClr val="CC7832"/>
-                </a:solidFill>
-                <a:effectLst/>
-                <a:latin typeface="Consolas" panose="020B0609020204030204" pitchFamily="49" charset="0"/>
-                <a:cs typeface="Consolas" panose="020B0609020204030204" pitchFamily="49" charset="0"/>
-              </a:rPr>
-              <a:t>kind</a:t>
-            </a:r>
-            <a:r>
-              <a:rPr lang="en-US" sz="900" dirty="0">
-                <a:solidFill>
-                  <a:srgbClr val="A9B7C6"/>
-                </a:solidFill>
-                <a:effectLst/>
-                <a:latin typeface="Consolas" panose="020B0609020204030204" pitchFamily="49" charset="0"/>
-                <a:cs typeface="Consolas" panose="020B0609020204030204" pitchFamily="49" charset="0"/>
-              </a:rPr>
-              <a:t>: </a:t>
-            </a:r>
-            <a:r>
-              <a:rPr lang="en-US" sz="900" dirty="0" err="1">
-                <a:solidFill>
-                  <a:srgbClr val="A9B7C6"/>
-                </a:solidFill>
-                <a:effectLst/>
-                <a:latin typeface="Consolas" panose="020B0609020204030204" pitchFamily="49" charset="0"/>
-                <a:cs typeface="Consolas" panose="020B0609020204030204" pitchFamily="49" charset="0"/>
-              </a:rPr>
-              <a:t>EphemeralVolumeClaim</a:t>
-            </a:r>
-            <a:br>
-              <a:rPr lang="en-US" sz="900" dirty="0">
-                <a:solidFill>
-                  <a:srgbClr val="A9B7C6"/>
-                </a:solidFill>
-                <a:effectLst/>
-                <a:latin typeface="Consolas" panose="020B0609020204030204" pitchFamily="49" charset="0"/>
-                <a:cs typeface="Consolas" panose="020B0609020204030204" pitchFamily="49" charset="0"/>
-              </a:rPr>
-            </a:br>
-            <a:r>
-              <a:rPr lang="en-US" sz="900" dirty="0">
-                <a:solidFill>
-                  <a:srgbClr val="A9B7C6"/>
-                </a:solidFill>
-                <a:effectLst/>
-                <a:latin typeface="Consolas" panose="020B0609020204030204" pitchFamily="49" charset="0"/>
-                <a:cs typeface="Consolas" panose="020B0609020204030204" pitchFamily="49" charset="0"/>
-              </a:rPr>
-              <a:t>    </a:t>
-            </a:r>
-            <a:r>
-              <a:rPr lang="en-US" sz="900" dirty="0">
-                <a:solidFill>
-                  <a:srgbClr val="CC7832"/>
-                </a:solidFill>
-                <a:effectLst/>
-                <a:latin typeface="Consolas" panose="020B0609020204030204" pitchFamily="49" charset="0"/>
-                <a:cs typeface="Consolas" panose="020B0609020204030204" pitchFamily="49" charset="0"/>
-              </a:rPr>
-              <a:t>plural</a:t>
-            </a:r>
-            <a:r>
-              <a:rPr lang="en-US" sz="900" dirty="0">
-                <a:solidFill>
-                  <a:srgbClr val="A9B7C6"/>
-                </a:solidFill>
-                <a:effectLst/>
-                <a:latin typeface="Consolas" panose="020B0609020204030204" pitchFamily="49" charset="0"/>
-                <a:cs typeface="Consolas" panose="020B0609020204030204" pitchFamily="49" charset="0"/>
-              </a:rPr>
-              <a:t>: </a:t>
-            </a:r>
-            <a:r>
-              <a:rPr lang="en-US" sz="900" dirty="0" err="1">
-                <a:solidFill>
-                  <a:srgbClr val="A9B7C6"/>
-                </a:solidFill>
-                <a:effectLst/>
-                <a:latin typeface="Consolas" panose="020B0609020204030204" pitchFamily="49" charset="0"/>
-                <a:cs typeface="Consolas" panose="020B0609020204030204" pitchFamily="49" charset="0"/>
-              </a:rPr>
-              <a:t>ephemeralvolumeclaims</a:t>
-            </a:r>
-            <a:br>
-              <a:rPr lang="en-US" sz="900" dirty="0">
-                <a:solidFill>
-                  <a:srgbClr val="A9B7C6"/>
-                </a:solidFill>
-                <a:effectLst/>
-                <a:latin typeface="Consolas" panose="020B0609020204030204" pitchFamily="49" charset="0"/>
-                <a:cs typeface="Consolas" panose="020B0609020204030204" pitchFamily="49" charset="0"/>
-              </a:rPr>
-            </a:br>
-            <a:r>
-              <a:rPr lang="en-US" sz="900" dirty="0">
-                <a:solidFill>
-                  <a:srgbClr val="A9B7C6"/>
-                </a:solidFill>
-                <a:effectLst/>
-                <a:latin typeface="Consolas" panose="020B0609020204030204" pitchFamily="49" charset="0"/>
-                <a:cs typeface="Consolas" panose="020B0609020204030204" pitchFamily="49" charset="0"/>
-              </a:rPr>
-              <a:t>    </a:t>
-            </a:r>
-            <a:r>
-              <a:rPr lang="en-US" sz="900" dirty="0">
-                <a:solidFill>
-                  <a:srgbClr val="CC7832"/>
-                </a:solidFill>
-                <a:effectLst/>
-                <a:latin typeface="Consolas" panose="020B0609020204030204" pitchFamily="49" charset="0"/>
-                <a:cs typeface="Consolas" panose="020B0609020204030204" pitchFamily="49" charset="0"/>
-              </a:rPr>
-              <a:t>singular</a:t>
-            </a:r>
-            <a:r>
-              <a:rPr lang="en-US" sz="900" dirty="0">
-                <a:solidFill>
-                  <a:srgbClr val="A9B7C6"/>
-                </a:solidFill>
-                <a:effectLst/>
-                <a:latin typeface="Consolas" panose="020B0609020204030204" pitchFamily="49" charset="0"/>
-                <a:cs typeface="Consolas" panose="020B0609020204030204" pitchFamily="49" charset="0"/>
-              </a:rPr>
-              <a:t>: </a:t>
-            </a:r>
-            <a:r>
-              <a:rPr lang="en-US" sz="900" dirty="0" err="1">
-                <a:solidFill>
-                  <a:srgbClr val="A9B7C6"/>
-                </a:solidFill>
-                <a:effectLst/>
-                <a:latin typeface="Consolas" panose="020B0609020204030204" pitchFamily="49" charset="0"/>
-                <a:cs typeface="Consolas" panose="020B0609020204030204" pitchFamily="49" charset="0"/>
-              </a:rPr>
-              <a:t>ephemeralvolumeclaim</a:t>
-            </a:r>
-            <a:br>
-              <a:rPr lang="en-US" sz="900" dirty="0">
-                <a:solidFill>
-                  <a:srgbClr val="A9B7C6"/>
-                </a:solidFill>
-                <a:effectLst/>
-                <a:latin typeface="Consolas" panose="020B0609020204030204" pitchFamily="49" charset="0"/>
-                <a:cs typeface="Consolas" panose="020B0609020204030204" pitchFamily="49" charset="0"/>
-              </a:rPr>
-            </a:br>
-            <a:r>
-              <a:rPr lang="en-US" sz="900" dirty="0">
-                <a:solidFill>
-                  <a:srgbClr val="A9B7C6"/>
-                </a:solidFill>
-                <a:effectLst/>
-                <a:latin typeface="Consolas" panose="020B0609020204030204" pitchFamily="49" charset="0"/>
-                <a:cs typeface="Consolas" panose="020B0609020204030204" pitchFamily="49" charset="0"/>
-              </a:rPr>
-              <a:t>    </a:t>
-            </a:r>
-            <a:r>
-              <a:rPr lang="en-US" sz="900" dirty="0" err="1">
-                <a:solidFill>
-                  <a:srgbClr val="CC7832"/>
-                </a:solidFill>
-                <a:effectLst/>
-                <a:latin typeface="Consolas" panose="020B0609020204030204" pitchFamily="49" charset="0"/>
-                <a:cs typeface="Consolas" panose="020B0609020204030204" pitchFamily="49" charset="0"/>
-              </a:rPr>
-              <a:t>shortNames</a:t>
-            </a:r>
-            <a:r>
-              <a:rPr lang="en-US" sz="900" dirty="0">
-                <a:solidFill>
-                  <a:srgbClr val="A9B7C6"/>
-                </a:solidFill>
-                <a:effectLst/>
-                <a:latin typeface="Consolas" panose="020B0609020204030204" pitchFamily="49" charset="0"/>
-                <a:cs typeface="Consolas" panose="020B0609020204030204" pitchFamily="49" charset="0"/>
-              </a:rPr>
-              <a:t>:</a:t>
-            </a:r>
-            <a:br>
-              <a:rPr lang="en-US" sz="900" dirty="0">
-                <a:solidFill>
-                  <a:srgbClr val="A9B7C6"/>
-                </a:solidFill>
-                <a:effectLst/>
-                <a:latin typeface="Consolas" panose="020B0609020204030204" pitchFamily="49" charset="0"/>
-                <a:cs typeface="Consolas" panose="020B0609020204030204" pitchFamily="49" charset="0"/>
-              </a:rPr>
-            </a:br>
-            <a:r>
-              <a:rPr lang="en-US" sz="900" dirty="0">
-                <a:solidFill>
-                  <a:srgbClr val="A9B7C6"/>
-                </a:solidFill>
-                <a:effectLst/>
-                <a:latin typeface="Consolas" panose="020B0609020204030204" pitchFamily="49" charset="0"/>
-                <a:cs typeface="Consolas" panose="020B0609020204030204" pitchFamily="49" charset="0"/>
-              </a:rPr>
-              <a:t>      - </a:t>
-            </a:r>
-            <a:r>
-              <a:rPr lang="en-US" sz="900" dirty="0" err="1">
-                <a:solidFill>
-                  <a:srgbClr val="A9B7C6"/>
-                </a:solidFill>
-                <a:effectLst/>
-                <a:latin typeface="Consolas" panose="020B0609020204030204" pitchFamily="49" charset="0"/>
-                <a:cs typeface="Consolas" panose="020B0609020204030204" pitchFamily="49" charset="0"/>
-              </a:rPr>
-              <a:t>evcs</a:t>
-            </a:r>
-            <a:br>
-              <a:rPr lang="en-US" sz="900" dirty="0">
-                <a:solidFill>
-                  <a:srgbClr val="A9B7C6"/>
-                </a:solidFill>
-                <a:effectLst/>
-                <a:latin typeface="Consolas" panose="020B0609020204030204" pitchFamily="49" charset="0"/>
-                <a:cs typeface="Consolas" panose="020B0609020204030204" pitchFamily="49" charset="0"/>
-              </a:rPr>
-            </a:br>
-            <a:r>
-              <a:rPr lang="en-US" sz="900" dirty="0">
-                <a:solidFill>
-                  <a:srgbClr val="A9B7C6"/>
-                </a:solidFill>
-                <a:effectLst/>
-                <a:latin typeface="Consolas" panose="020B0609020204030204" pitchFamily="49" charset="0"/>
-                <a:cs typeface="Consolas" panose="020B0609020204030204" pitchFamily="49" charset="0"/>
-              </a:rPr>
-              <a:t>      - </a:t>
-            </a:r>
-            <a:r>
-              <a:rPr lang="en-US" sz="900" dirty="0" err="1">
-                <a:solidFill>
-                  <a:srgbClr val="A9B7C6"/>
-                </a:solidFill>
-                <a:effectLst/>
-                <a:latin typeface="Consolas" panose="020B0609020204030204" pitchFamily="49" charset="0"/>
-                <a:cs typeface="Consolas" panose="020B0609020204030204" pitchFamily="49" charset="0"/>
-              </a:rPr>
-              <a:t>evc</a:t>
-            </a:r>
-            <a:br>
-              <a:rPr lang="en-US" sz="900" dirty="0">
-                <a:solidFill>
-                  <a:srgbClr val="A9B7C6"/>
-                </a:solidFill>
-                <a:effectLst/>
-                <a:latin typeface="Consolas" panose="020B0609020204030204" pitchFamily="49" charset="0"/>
-                <a:cs typeface="Consolas" panose="020B0609020204030204" pitchFamily="49" charset="0"/>
-              </a:rPr>
-            </a:br>
-            <a:r>
-              <a:rPr lang="en-US" sz="900" dirty="0">
-                <a:solidFill>
-                  <a:srgbClr val="A9B7C6"/>
-                </a:solidFill>
-                <a:effectLst/>
-                <a:latin typeface="Consolas" panose="020B0609020204030204" pitchFamily="49" charset="0"/>
-                <a:cs typeface="Consolas" panose="020B0609020204030204" pitchFamily="49" charset="0"/>
-              </a:rPr>
-              <a:t>  </a:t>
-            </a:r>
-            <a:r>
-              <a:rPr lang="en-US" sz="900" dirty="0">
-                <a:solidFill>
-                  <a:srgbClr val="CC7832"/>
-                </a:solidFill>
-                <a:effectLst/>
-                <a:latin typeface="Consolas" panose="020B0609020204030204" pitchFamily="49" charset="0"/>
-                <a:cs typeface="Consolas" panose="020B0609020204030204" pitchFamily="49" charset="0"/>
-              </a:rPr>
-              <a:t>versions</a:t>
-            </a:r>
-            <a:r>
-              <a:rPr lang="en-US" sz="900" dirty="0">
-                <a:solidFill>
-                  <a:srgbClr val="A9B7C6"/>
-                </a:solidFill>
-                <a:effectLst/>
-                <a:latin typeface="Consolas" panose="020B0609020204030204" pitchFamily="49" charset="0"/>
-                <a:cs typeface="Consolas" panose="020B0609020204030204" pitchFamily="49" charset="0"/>
-              </a:rPr>
-              <a:t>:</a:t>
-            </a:r>
-            <a:br>
-              <a:rPr lang="en-US" sz="900" dirty="0">
-                <a:solidFill>
-                  <a:srgbClr val="A9B7C6"/>
-                </a:solidFill>
-                <a:effectLst/>
-                <a:latin typeface="Consolas" panose="020B0609020204030204" pitchFamily="49" charset="0"/>
-                <a:cs typeface="Consolas" panose="020B0609020204030204" pitchFamily="49" charset="0"/>
-              </a:rPr>
-            </a:br>
-            <a:r>
-              <a:rPr lang="en-US" sz="900" dirty="0">
-                <a:solidFill>
-                  <a:srgbClr val="A9B7C6"/>
-                </a:solidFill>
-                <a:effectLst/>
-                <a:latin typeface="Consolas" panose="020B0609020204030204" pitchFamily="49" charset="0"/>
-                <a:cs typeface="Consolas" panose="020B0609020204030204" pitchFamily="49" charset="0"/>
-              </a:rPr>
-              <a:t>    - </a:t>
-            </a:r>
-            <a:r>
-              <a:rPr lang="en-US" sz="900" dirty="0">
-                <a:solidFill>
-                  <a:srgbClr val="CC7832"/>
-                </a:solidFill>
-                <a:effectLst/>
-                <a:latin typeface="Consolas" panose="020B0609020204030204" pitchFamily="49" charset="0"/>
-                <a:cs typeface="Consolas" panose="020B0609020204030204" pitchFamily="49" charset="0"/>
-              </a:rPr>
-              <a:t>name</a:t>
-            </a:r>
-            <a:r>
-              <a:rPr lang="en-US" sz="900" dirty="0">
-                <a:solidFill>
-                  <a:srgbClr val="A9B7C6"/>
-                </a:solidFill>
-                <a:effectLst/>
-                <a:latin typeface="Consolas" panose="020B0609020204030204" pitchFamily="49" charset="0"/>
-                <a:cs typeface="Consolas" panose="020B0609020204030204" pitchFamily="49" charset="0"/>
-              </a:rPr>
-              <a:t>: v1</a:t>
-            </a:r>
-            <a:br>
-              <a:rPr lang="en-US" sz="900" i="1" dirty="0">
-                <a:solidFill>
-                  <a:srgbClr val="629755"/>
-                </a:solidFill>
-                <a:effectLst/>
-                <a:latin typeface="Consolas" panose="020B0609020204030204" pitchFamily="49" charset="0"/>
-                <a:cs typeface="Consolas" panose="020B0609020204030204" pitchFamily="49" charset="0"/>
-              </a:rPr>
-            </a:br>
-            <a:r>
-              <a:rPr lang="en-US" sz="900" i="1" dirty="0">
-                <a:solidFill>
-                  <a:srgbClr val="629755"/>
-                </a:solidFill>
-                <a:effectLst/>
-                <a:latin typeface="Consolas" panose="020B0609020204030204" pitchFamily="49" charset="0"/>
-                <a:cs typeface="Consolas" panose="020B0609020204030204" pitchFamily="49" charset="0"/>
-              </a:rPr>
-              <a:t>      </a:t>
-            </a:r>
-            <a:r>
-              <a:rPr lang="en-US" sz="900" dirty="0">
-                <a:solidFill>
-                  <a:srgbClr val="CC7832"/>
-                </a:solidFill>
-                <a:effectLst/>
-                <a:latin typeface="Consolas" panose="020B0609020204030204" pitchFamily="49" charset="0"/>
-                <a:cs typeface="Consolas" panose="020B0609020204030204" pitchFamily="49" charset="0"/>
-              </a:rPr>
-              <a:t>served</a:t>
-            </a:r>
-            <a:r>
-              <a:rPr lang="en-US" sz="900" dirty="0">
-                <a:solidFill>
-                  <a:srgbClr val="A9B7C6"/>
-                </a:solidFill>
-                <a:effectLst/>
-                <a:latin typeface="Consolas" panose="020B0609020204030204" pitchFamily="49" charset="0"/>
-                <a:cs typeface="Consolas" panose="020B0609020204030204" pitchFamily="49" charset="0"/>
-              </a:rPr>
-              <a:t>: true</a:t>
-            </a:r>
-            <a:br>
-              <a:rPr lang="en-US" sz="900" i="1" dirty="0">
-                <a:solidFill>
-                  <a:srgbClr val="629755"/>
-                </a:solidFill>
-                <a:effectLst/>
-                <a:latin typeface="Consolas" panose="020B0609020204030204" pitchFamily="49" charset="0"/>
-                <a:cs typeface="Consolas" panose="020B0609020204030204" pitchFamily="49" charset="0"/>
-              </a:rPr>
-            </a:br>
-            <a:r>
-              <a:rPr lang="en-US" sz="900" i="1" dirty="0">
-                <a:solidFill>
-                  <a:srgbClr val="629755"/>
-                </a:solidFill>
-                <a:effectLst/>
-                <a:latin typeface="Consolas" panose="020B0609020204030204" pitchFamily="49" charset="0"/>
-                <a:cs typeface="Consolas" panose="020B0609020204030204" pitchFamily="49" charset="0"/>
-              </a:rPr>
-              <a:t>      </a:t>
-            </a:r>
-            <a:r>
-              <a:rPr lang="en-US" sz="900" dirty="0">
-                <a:solidFill>
-                  <a:srgbClr val="CC7832"/>
-                </a:solidFill>
-                <a:effectLst/>
-                <a:latin typeface="Consolas" panose="020B0609020204030204" pitchFamily="49" charset="0"/>
-                <a:cs typeface="Consolas" panose="020B0609020204030204" pitchFamily="49" charset="0"/>
-              </a:rPr>
-              <a:t>storage</a:t>
-            </a:r>
-            <a:r>
-              <a:rPr lang="en-US" sz="900" dirty="0">
-                <a:solidFill>
-                  <a:srgbClr val="A9B7C6"/>
-                </a:solidFill>
-                <a:effectLst/>
-                <a:latin typeface="Consolas" panose="020B0609020204030204" pitchFamily="49" charset="0"/>
-                <a:cs typeface="Consolas" panose="020B0609020204030204" pitchFamily="49" charset="0"/>
-              </a:rPr>
-              <a:t>: true</a:t>
-            </a:r>
-            <a:br>
-              <a:rPr lang="en-US" sz="900" dirty="0">
-                <a:solidFill>
-                  <a:srgbClr val="A9B7C6"/>
-                </a:solidFill>
-                <a:effectLst/>
-                <a:latin typeface="Consolas" panose="020B0609020204030204" pitchFamily="49" charset="0"/>
-                <a:cs typeface="Consolas" panose="020B0609020204030204" pitchFamily="49" charset="0"/>
-              </a:rPr>
-            </a:br>
-            <a:r>
-              <a:rPr lang="en-US" sz="900" dirty="0">
-                <a:solidFill>
-                  <a:srgbClr val="A9B7C6"/>
-                </a:solidFill>
-                <a:effectLst/>
-                <a:latin typeface="Consolas" panose="020B0609020204030204" pitchFamily="49" charset="0"/>
-                <a:cs typeface="Consolas" panose="020B0609020204030204" pitchFamily="49" charset="0"/>
-              </a:rPr>
-              <a:t>      </a:t>
-            </a:r>
-            <a:r>
-              <a:rPr lang="en-US" sz="900" dirty="0">
-                <a:solidFill>
-                  <a:srgbClr val="CC7832"/>
-                </a:solidFill>
-                <a:effectLst/>
-                <a:latin typeface="Consolas" panose="020B0609020204030204" pitchFamily="49" charset="0"/>
-                <a:cs typeface="Consolas" panose="020B0609020204030204" pitchFamily="49" charset="0"/>
-              </a:rPr>
-              <a:t>schema</a:t>
-            </a:r>
-            <a:r>
-              <a:rPr lang="en-US" sz="900" dirty="0">
-                <a:solidFill>
-                  <a:srgbClr val="A9B7C6"/>
-                </a:solidFill>
-                <a:effectLst/>
-                <a:latin typeface="Consolas" panose="020B0609020204030204" pitchFamily="49" charset="0"/>
-                <a:cs typeface="Consolas" panose="020B0609020204030204" pitchFamily="49" charset="0"/>
-              </a:rPr>
-              <a:t>:</a:t>
-            </a:r>
-            <a:br>
-              <a:rPr lang="en-US" sz="900" dirty="0">
-                <a:solidFill>
-                  <a:srgbClr val="A9B7C6"/>
-                </a:solidFill>
-                <a:effectLst/>
-                <a:latin typeface="Consolas" panose="020B0609020204030204" pitchFamily="49" charset="0"/>
-                <a:cs typeface="Consolas" panose="020B0609020204030204" pitchFamily="49" charset="0"/>
-              </a:rPr>
-            </a:br>
-            <a:r>
-              <a:rPr lang="en-US" sz="900" dirty="0">
-                <a:solidFill>
-                  <a:srgbClr val="A9B7C6"/>
-                </a:solidFill>
-                <a:effectLst/>
-                <a:latin typeface="Consolas" panose="020B0609020204030204" pitchFamily="49" charset="0"/>
-                <a:cs typeface="Consolas" panose="020B0609020204030204" pitchFamily="49" charset="0"/>
-              </a:rPr>
-              <a:t>        </a:t>
-            </a:r>
-            <a:r>
-              <a:rPr lang="en-US" sz="900" dirty="0">
-                <a:solidFill>
-                  <a:srgbClr val="CC7832"/>
-                </a:solidFill>
-                <a:effectLst/>
-                <a:latin typeface="Consolas" panose="020B0609020204030204" pitchFamily="49" charset="0"/>
-                <a:cs typeface="Consolas" panose="020B0609020204030204" pitchFamily="49" charset="0"/>
-              </a:rPr>
-              <a:t>openAPIV3Schema</a:t>
-            </a:r>
-            <a:r>
-              <a:rPr lang="en-US" sz="900" dirty="0">
-                <a:solidFill>
-                  <a:srgbClr val="A9B7C6"/>
-                </a:solidFill>
-                <a:effectLst/>
-                <a:latin typeface="Consolas" panose="020B0609020204030204" pitchFamily="49" charset="0"/>
-                <a:cs typeface="Consolas" panose="020B0609020204030204" pitchFamily="49" charset="0"/>
-              </a:rPr>
-              <a:t>:</a:t>
-            </a:r>
-            <a:br>
-              <a:rPr lang="en-US" sz="900" dirty="0">
-                <a:solidFill>
-                  <a:srgbClr val="A9B7C6"/>
-                </a:solidFill>
-                <a:effectLst/>
-                <a:latin typeface="Consolas" panose="020B0609020204030204" pitchFamily="49" charset="0"/>
-                <a:cs typeface="Consolas" panose="020B0609020204030204" pitchFamily="49" charset="0"/>
-              </a:rPr>
-            </a:br>
-            <a:r>
-              <a:rPr lang="en-US" sz="900" dirty="0">
-                <a:solidFill>
-                  <a:srgbClr val="A9B7C6"/>
-                </a:solidFill>
-                <a:effectLst/>
-                <a:latin typeface="Consolas" panose="020B0609020204030204" pitchFamily="49" charset="0"/>
-                <a:cs typeface="Consolas" panose="020B0609020204030204" pitchFamily="49" charset="0"/>
-              </a:rPr>
-              <a:t>          </a:t>
-            </a:r>
-            <a:r>
-              <a:rPr lang="en-US" sz="900" dirty="0">
-                <a:solidFill>
-                  <a:srgbClr val="CC7832"/>
-                </a:solidFill>
-                <a:effectLst/>
-                <a:latin typeface="Consolas" panose="020B0609020204030204" pitchFamily="49" charset="0"/>
-                <a:cs typeface="Consolas" panose="020B0609020204030204" pitchFamily="49" charset="0"/>
-              </a:rPr>
-              <a:t>type</a:t>
-            </a:r>
-            <a:r>
-              <a:rPr lang="en-US" sz="900" dirty="0">
-                <a:solidFill>
-                  <a:srgbClr val="A9B7C6"/>
-                </a:solidFill>
-                <a:effectLst/>
-                <a:latin typeface="Consolas" panose="020B0609020204030204" pitchFamily="49" charset="0"/>
-                <a:cs typeface="Consolas" panose="020B0609020204030204" pitchFamily="49" charset="0"/>
-              </a:rPr>
-              <a:t>: object</a:t>
-            </a:r>
-            <a:br>
-              <a:rPr lang="en-US" sz="900" dirty="0">
-                <a:solidFill>
-                  <a:srgbClr val="A9B7C6"/>
-                </a:solidFill>
-                <a:effectLst/>
-                <a:latin typeface="Consolas" panose="020B0609020204030204" pitchFamily="49" charset="0"/>
-                <a:cs typeface="Consolas" panose="020B0609020204030204" pitchFamily="49" charset="0"/>
-              </a:rPr>
-            </a:br>
-            <a:r>
-              <a:rPr lang="en-US" sz="900" dirty="0">
-                <a:solidFill>
-                  <a:srgbClr val="A9B7C6"/>
-                </a:solidFill>
-                <a:effectLst/>
-                <a:latin typeface="Consolas" panose="020B0609020204030204" pitchFamily="49" charset="0"/>
-                <a:cs typeface="Consolas" panose="020B0609020204030204" pitchFamily="49" charset="0"/>
-              </a:rPr>
-              <a:t>          </a:t>
-            </a:r>
-            <a:r>
-              <a:rPr lang="en-US" sz="900" dirty="0">
-                <a:solidFill>
-                  <a:srgbClr val="CC7832"/>
-                </a:solidFill>
-                <a:effectLst/>
-                <a:latin typeface="Consolas" panose="020B0609020204030204" pitchFamily="49" charset="0"/>
-                <a:cs typeface="Consolas" panose="020B0609020204030204" pitchFamily="49" charset="0"/>
-              </a:rPr>
-              <a:t>properties</a:t>
-            </a:r>
-            <a:r>
-              <a:rPr lang="en-US" sz="900" dirty="0">
-                <a:solidFill>
-                  <a:srgbClr val="A9B7C6"/>
-                </a:solidFill>
-                <a:effectLst/>
-                <a:latin typeface="Consolas" panose="020B0609020204030204" pitchFamily="49" charset="0"/>
-                <a:cs typeface="Consolas" panose="020B0609020204030204" pitchFamily="49" charset="0"/>
-              </a:rPr>
-              <a:t>:</a:t>
-            </a:r>
-            <a:br>
-              <a:rPr lang="en-US" sz="900" dirty="0">
-                <a:solidFill>
-                  <a:srgbClr val="A9B7C6"/>
-                </a:solidFill>
-                <a:effectLst/>
-                <a:latin typeface="Consolas" panose="020B0609020204030204" pitchFamily="49" charset="0"/>
-                <a:cs typeface="Consolas" panose="020B0609020204030204" pitchFamily="49" charset="0"/>
-              </a:rPr>
-            </a:br>
-            <a:r>
-              <a:rPr lang="en-US" sz="900" dirty="0">
-                <a:solidFill>
-                  <a:srgbClr val="A9B7C6"/>
-                </a:solidFill>
-                <a:effectLst/>
-                <a:latin typeface="Consolas" panose="020B0609020204030204" pitchFamily="49" charset="0"/>
-                <a:cs typeface="Consolas" panose="020B0609020204030204" pitchFamily="49" charset="0"/>
-              </a:rPr>
-              <a:t>            </a:t>
-            </a:r>
-            <a:r>
-              <a:rPr lang="en-US" sz="900" dirty="0">
-                <a:solidFill>
-                  <a:srgbClr val="CC7832"/>
-                </a:solidFill>
-                <a:effectLst/>
-                <a:latin typeface="Consolas" panose="020B0609020204030204" pitchFamily="49" charset="0"/>
-                <a:cs typeface="Consolas" panose="020B0609020204030204" pitchFamily="49" charset="0"/>
-              </a:rPr>
-              <a:t>spec</a:t>
-            </a:r>
-            <a:r>
-              <a:rPr lang="en-US" sz="900" dirty="0">
-                <a:solidFill>
-                  <a:srgbClr val="A9B7C6"/>
-                </a:solidFill>
-                <a:effectLst/>
-                <a:latin typeface="Consolas" panose="020B0609020204030204" pitchFamily="49" charset="0"/>
-                <a:cs typeface="Consolas" panose="020B0609020204030204" pitchFamily="49" charset="0"/>
-              </a:rPr>
-              <a:t>:</a:t>
-            </a:r>
-            <a:br>
-              <a:rPr lang="en-US" sz="900" dirty="0">
-                <a:solidFill>
-                  <a:srgbClr val="A9B7C6"/>
-                </a:solidFill>
-                <a:effectLst/>
-                <a:latin typeface="Consolas" panose="020B0609020204030204" pitchFamily="49" charset="0"/>
-                <a:cs typeface="Consolas" panose="020B0609020204030204" pitchFamily="49" charset="0"/>
-              </a:rPr>
-            </a:br>
-            <a:r>
-              <a:rPr lang="en-US" sz="900" dirty="0">
-                <a:solidFill>
-                  <a:srgbClr val="A9B7C6"/>
-                </a:solidFill>
-                <a:effectLst/>
-                <a:latin typeface="Consolas" panose="020B0609020204030204" pitchFamily="49" charset="0"/>
-                <a:cs typeface="Consolas" panose="020B0609020204030204" pitchFamily="49" charset="0"/>
-              </a:rPr>
-              <a:t>              </a:t>
-            </a:r>
-            <a:r>
-              <a:rPr lang="en-US" sz="900" dirty="0">
-                <a:solidFill>
-                  <a:srgbClr val="CC7832"/>
-                </a:solidFill>
-                <a:effectLst/>
-                <a:latin typeface="Consolas" panose="020B0609020204030204" pitchFamily="49" charset="0"/>
-                <a:cs typeface="Consolas" panose="020B0609020204030204" pitchFamily="49" charset="0"/>
-              </a:rPr>
-              <a:t>type</a:t>
-            </a:r>
-            <a:r>
-              <a:rPr lang="en-US" sz="900" dirty="0">
-                <a:solidFill>
-                  <a:srgbClr val="A9B7C6"/>
-                </a:solidFill>
-                <a:effectLst/>
-                <a:latin typeface="Consolas" panose="020B0609020204030204" pitchFamily="49" charset="0"/>
-                <a:cs typeface="Consolas" panose="020B0609020204030204" pitchFamily="49" charset="0"/>
-              </a:rPr>
-              <a:t>: object</a:t>
-            </a:r>
-            <a:br>
-              <a:rPr lang="en-US" sz="900" dirty="0">
-                <a:solidFill>
-                  <a:srgbClr val="A9B7C6"/>
-                </a:solidFill>
-                <a:effectLst/>
-                <a:latin typeface="Consolas" panose="020B0609020204030204" pitchFamily="49" charset="0"/>
-                <a:cs typeface="Consolas" panose="020B0609020204030204" pitchFamily="49" charset="0"/>
-              </a:rPr>
-            </a:br>
-            <a:r>
-              <a:rPr lang="en-US" sz="900" dirty="0">
-                <a:solidFill>
-                  <a:srgbClr val="A9B7C6"/>
-                </a:solidFill>
-                <a:effectLst/>
-                <a:latin typeface="Consolas" panose="020B0609020204030204" pitchFamily="49" charset="0"/>
-                <a:cs typeface="Consolas" panose="020B0609020204030204" pitchFamily="49" charset="0"/>
-              </a:rPr>
-              <a:t>              </a:t>
-            </a:r>
-            <a:r>
-              <a:rPr lang="en-US" sz="900" dirty="0">
-                <a:solidFill>
-                  <a:srgbClr val="CC7832"/>
-                </a:solidFill>
-                <a:effectLst/>
-                <a:latin typeface="Consolas" panose="020B0609020204030204" pitchFamily="49" charset="0"/>
-                <a:cs typeface="Consolas" panose="020B0609020204030204" pitchFamily="49" charset="0"/>
-              </a:rPr>
-              <a:t>x-</a:t>
-            </a:r>
-            <a:r>
-              <a:rPr lang="en-US" sz="900" dirty="0" err="1">
-                <a:solidFill>
-                  <a:srgbClr val="CC7832"/>
-                </a:solidFill>
-                <a:effectLst/>
-                <a:latin typeface="Consolas" panose="020B0609020204030204" pitchFamily="49" charset="0"/>
-                <a:cs typeface="Consolas" panose="020B0609020204030204" pitchFamily="49" charset="0"/>
-              </a:rPr>
-              <a:t>kubernetes</a:t>
-            </a:r>
-            <a:r>
-              <a:rPr lang="en-US" sz="900" dirty="0">
-                <a:solidFill>
-                  <a:srgbClr val="CC7832"/>
-                </a:solidFill>
-                <a:effectLst/>
-                <a:latin typeface="Consolas" panose="020B0609020204030204" pitchFamily="49" charset="0"/>
-                <a:cs typeface="Consolas" panose="020B0609020204030204" pitchFamily="49" charset="0"/>
-              </a:rPr>
-              <a:t>-preserve-unknown-fields</a:t>
-            </a:r>
-            <a:r>
-              <a:rPr lang="en-US" sz="900" dirty="0">
-                <a:solidFill>
-                  <a:srgbClr val="A9B7C6"/>
-                </a:solidFill>
-                <a:effectLst/>
-                <a:latin typeface="Consolas" panose="020B0609020204030204" pitchFamily="49" charset="0"/>
-                <a:cs typeface="Consolas" panose="020B0609020204030204" pitchFamily="49" charset="0"/>
-              </a:rPr>
-              <a:t>: true</a:t>
-            </a:r>
-            <a:br>
-              <a:rPr lang="en-US" sz="900" dirty="0">
-                <a:solidFill>
-                  <a:srgbClr val="A9B7C6"/>
-                </a:solidFill>
-                <a:effectLst/>
-                <a:latin typeface="Consolas" panose="020B0609020204030204" pitchFamily="49" charset="0"/>
-                <a:cs typeface="Consolas" panose="020B0609020204030204" pitchFamily="49" charset="0"/>
-              </a:rPr>
-            </a:br>
-            <a:r>
-              <a:rPr lang="en-US" sz="900" dirty="0">
-                <a:solidFill>
-                  <a:srgbClr val="A9B7C6"/>
-                </a:solidFill>
-                <a:effectLst/>
-                <a:latin typeface="Consolas" panose="020B0609020204030204" pitchFamily="49" charset="0"/>
-                <a:cs typeface="Consolas" panose="020B0609020204030204" pitchFamily="49" charset="0"/>
-              </a:rPr>
-              <a:t>            </a:t>
-            </a:r>
-            <a:r>
-              <a:rPr lang="en-US" sz="900" dirty="0">
-                <a:solidFill>
-                  <a:srgbClr val="CC7832"/>
-                </a:solidFill>
-                <a:effectLst/>
-                <a:latin typeface="Consolas" panose="020B0609020204030204" pitchFamily="49" charset="0"/>
-                <a:cs typeface="Consolas" panose="020B0609020204030204" pitchFamily="49" charset="0"/>
-              </a:rPr>
-              <a:t>status</a:t>
-            </a:r>
-            <a:r>
-              <a:rPr lang="en-US" sz="900" dirty="0">
-                <a:solidFill>
-                  <a:srgbClr val="A9B7C6"/>
-                </a:solidFill>
-                <a:effectLst/>
-                <a:latin typeface="Consolas" panose="020B0609020204030204" pitchFamily="49" charset="0"/>
-                <a:cs typeface="Consolas" panose="020B0609020204030204" pitchFamily="49" charset="0"/>
-              </a:rPr>
-              <a:t>:</a:t>
-            </a:r>
-            <a:br>
-              <a:rPr lang="en-US" sz="900" dirty="0">
-                <a:solidFill>
-                  <a:srgbClr val="A9B7C6"/>
-                </a:solidFill>
-                <a:effectLst/>
-                <a:latin typeface="Consolas" panose="020B0609020204030204" pitchFamily="49" charset="0"/>
-                <a:cs typeface="Consolas" panose="020B0609020204030204" pitchFamily="49" charset="0"/>
-              </a:rPr>
-            </a:br>
-            <a:r>
-              <a:rPr lang="en-US" sz="900" dirty="0">
-                <a:solidFill>
-                  <a:srgbClr val="A9B7C6"/>
-                </a:solidFill>
-                <a:effectLst/>
-                <a:latin typeface="Consolas" panose="020B0609020204030204" pitchFamily="49" charset="0"/>
-                <a:cs typeface="Consolas" panose="020B0609020204030204" pitchFamily="49" charset="0"/>
-              </a:rPr>
-              <a:t>              </a:t>
-            </a:r>
-            <a:r>
-              <a:rPr lang="en-US" sz="900" dirty="0">
-                <a:solidFill>
-                  <a:srgbClr val="CC7832"/>
-                </a:solidFill>
-                <a:effectLst/>
-                <a:latin typeface="Consolas" panose="020B0609020204030204" pitchFamily="49" charset="0"/>
-                <a:cs typeface="Consolas" panose="020B0609020204030204" pitchFamily="49" charset="0"/>
-              </a:rPr>
-              <a:t>type</a:t>
-            </a:r>
-            <a:r>
-              <a:rPr lang="en-US" sz="900" dirty="0">
-                <a:solidFill>
-                  <a:srgbClr val="A9B7C6"/>
-                </a:solidFill>
-                <a:effectLst/>
-                <a:latin typeface="Consolas" panose="020B0609020204030204" pitchFamily="49" charset="0"/>
-                <a:cs typeface="Consolas" panose="020B0609020204030204" pitchFamily="49" charset="0"/>
-              </a:rPr>
-              <a:t>: object</a:t>
-            </a:r>
-            <a:br>
-              <a:rPr lang="en-US" sz="900" dirty="0">
-                <a:solidFill>
-                  <a:srgbClr val="A9B7C6"/>
-                </a:solidFill>
-                <a:effectLst/>
-                <a:latin typeface="Consolas" panose="020B0609020204030204" pitchFamily="49" charset="0"/>
-                <a:cs typeface="Consolas" panose="020B0609020204030204" pitchFamily="49" charset="0"/>
-              </a:rPr>
-            </a:br>
-            <a:r>
-              <a:rPr lang="en-US" sz="900" dirty="0">
-                <a:solidFill>
-                  <a:srgbClr val="A9B7C6"/>
-                </a:solidFill>
-                <a:effectLst/>
-                <a:latin typeface="Consolas" panose="020B0609020204030204" pitchFamily="49" charset="0"/>
-                <a:cs typeface="Consolas" panose="020B0609020204030204" pitchFamily="49" charset="0"/>
-              </a:rPr>
-              <a:t>              </a:t>
-            </a:r>
-            <a:r>
-              <a:rPr lang="en-US" sz="900" dirty="0">
-                <a:solidFill>
-                  <a:srgbClr val="CC7832"/>
-                </a:solidFill>
-                <a:effectLst/>
-                <a:latin typeface="Consolas" panose="020B0609020204030204" pitchFamily="49" charset="0"/>
-                <a:cs typeface="Consolas" panose="020B0609020204030204" pitchFamily="49" charset="0"/>
-              </a:rPr>
-              <a:t>x-</a:t>
-            </a:r>
-            <a:r>
-              <a:rPr lang="en-US" sz="900" dirty="0" err="1">
-                <a:solidFill>
-                  <a:srgbClr val="CC7832"/>
-                </a:solidFill>
-                <a:effectLst/>
-                <a:latin typeface="Consolas" panose="020B0609020204030204" pitchFamily="49" charset="0"/>
-                <a:cs typeface="Consolas" panose="020B0609020204030204" pitchFamily="49" charset="0"/>
-              </a:rPr>
-              <a:t>kubernetes</a:t>
-            </a:r>
-            <a:r>
-              <a:rPr lang="en-US" sz="900" dirty="0">
-                <a:solidFill>
-                  <a:srgbClr val="CC7832"/>
-                </a:solidFill>
-                <a:effectLst/>
-                <a:latin typeface="Consolas" panose="020B0609020204030204" pitchFamily="49" charset="0"/>
-                <a:cs typeface="Consolas" panose="020B0609020204030204" pitchFamily="49" charset="0"/>
-              </a:rPr>
-              <a:t>-preserve-unknown-fields</a:t>
-            </a:r>
-            <a:r>
-              <a:rPr lang="en-US" sz="900" dirty="0">
-                <a:solidFill>
-                  <a:srgbClr val="A9B7C6"/>
-                </a:solidFill>
-                <a:effectLst/>
-                <a:latin typeface="Consolas" panose="020B0609020204030204" pitchFamily="49" charset="0"/>
-                <a:cs typeface="Consolas" panose="020B0609020204030204" pitchFamily="49" charset="0"/>
-              </a:rPr>
-              <a:t>: true</a:t>
-            </a:r>
-            <a:br>
-              <a:rPr lang="en-US" sz="900" dirty="0">
-                <a:solidFill>
-                  <a:srgbClr val="A9B7C6"/>
-                </a:solidFill>
-                <a:effectLst/>
-                <a:latin typeface="Consolas" panose="020B0609020204030204" pitchFamily="49" charset="0"/>
-                <a:cs typeface="Consolas" panose="020B0609020204030204" pitchFamily="49" charset="0"/>
-              </a:rPr>
-            </a:br>
-            <a:endParaRPr lang="en-US" sz="900" dirty="0">
-              <a:solidFill>
-                <a:srgbClr val="A9B7C6"/>
-              </a:solidFill>
-              <a:effectLst/>
-              <a:latin typeface="Consolas" panose="020B0609020204030204" pitchFamily="49" charset="0"/>
-              <a:cs typeface="Consolas" panose="020B0609020204030204" pitchFamily="49" charset="0"/>
-            </a:endParaRPr>
+              <a:t> </a:t>
+            </a:r>
           </a:p>
         </p:txBody>
       </p:sp>
@@ -19945,21 +18535,13 @@
     </p:custDataLst>
     <p:extLst>
       <p:ext uri="{BB962C8B-B14F-4D97-AF65-F5344CB8AC3E}">
-        <p14:creationId xmlns:p14="http://schemas.microsoft.com/office/powerpoint/2010/main" val="1995490866"/>
+        <p14:creationId xmlns:p14="http://schemas.microsoft.com/office/powerpoint/2010/main" val="1419737004"/>
       </p:ext>
     </p:extLst>
   </p:cSld>
   <p:clrMapOvr>
     <a:masterClrMapping/>
   </p:clrMapOvr>
-  <mc:AlternateContent xmlns:mc="http://schemas.openxmlformats.org/markup-compatibility/2006" xmlns:p14="http://schemas.microsoft.com/office/powerpoint/2010/main">
-    <mc:Choice Requires="p14">
-      <p:transition spd="slow" p14:dur="2000" advTm="92152"/>
-    </mc:Choice>
-    <mc:Fallback xmlns="">
-      <p:transition spd="slow" advTm="92152"/>
-    </mc:Fallback>
-  </mc:AlternateContent>
 </p:sld>
 </file>
 
@@ -21482,21 +20064,13 @@
     </p:custDataLst>
     <p:extLst>
       <p:ext uri="{BB962C8B-B14F-4D97-AF65-F5344CB8AC3E}">
-        <p14:creationId xmlns:p14="http://schemas.microsoft.com/office/powerpoint/2010/main" val="3271353281"/>
+        <p14:creationId xmlns:p14="http://schemas.microsoft.com/office/powerpoint/2010/main" val="1995490866"/>
       </p:ext>
     </p:extLst>
   </p:cSld>
   <p:clrMapOvr>
     <a:masterClrMapping/>
   </p:clrMapOvr>
-  <mc:AlternateContent xmlns:mc="http://schemas.openxmlformats.org/markup-compatibility/2006" xmlns:p14="http://schemas.microsoft.com/office/powerpoint/2010/main">
-    <mc:Choice Requires="p14">
-      <p:transition spd="slow" p14:dur="2000" advTm="92152"/>
-    </mc:Choice>
-    <mc:Fallback xmlns="">
-      <p:transition spd="slow" advTm="92152"/>
-    </mc:Fallback>
-  </mc:AlternateContent>
 </p:sld>
 </file>
 
@@ -22468,18 +21042,18 @@
 </file>
 
 <file path=customXml/item1.xml><?xml version="1.0" encoding="utf-8"?>
-<p:properties xmlns:p="http://schemas.microsoft.com/office/2006/metadata/properties" xmlns:xsi="http://www.w3.org/2001/XMLSchema-instance" xmlns:pc="http://schemas.microsoft.com/office/infopath/2007/PartnerControls">
-  <documentManagement/>
-</p:properties>
-</file>
-
-<file path=customXml/item2.xml><?xml version="1.0" encoding="utf-8"?>
 <?mso-contentType ?>
 <FormTemplates xmlns="http://schemas.microsoft.com/sharepoint/v3/contenttype/forms">
   <Display>DocumentLibraryForm</Display>
   <Edit>DocumentLibraryForm</Edit>
   <New>DocumentLibraryForm</New>
 </FormTemplates>
+</file>
+
+<file path=customXml/item2.xml><?xml version="1.0" encoding="utf-8"?>
+<p:properties xmlns:p="http://schemas.microsoft.com/office/2006/metadata/properties" xmlns:xsi="http://www.w3.org/2001/XMLSchema-instance" xmlns:pc="http://schemas.microsoft.com/office/infopath/2007/PartnerControls">
+  <documentManagement/>
+</p:properties>
 </file>
 
 <file path=customXml/item3.xml><?xml version="1.0" encoding="utf-8"?>
@@ -22615,6 +21189,14 @@
 </file>
 
 <file path=customXml/itemProps1.xml><?xml version="1.0" encoding="utf-8"?>
+<ds:datastoreItem xmlns:ds="http://schemas.openxmlformats.org/officeDocument/2006/customXml" ds:itemID="{D5F8D509-23D9-4C54-AF87-293BA1A6052D}">
+  <ds:schemaRefs>
+    <ds:schemaRef ds:uri="http://schemas.microsoft.com/sharepoint/v3/contenttype/forms"/>
+  </ds:schemaRefs>
+</ds:datastoreItem>
+</file>
+
+<file path=customXml/itemProps2.xml><?xml version="1.0" encoding="utf-8"?>
 <ds:datastoreItem xmlns:ds="http://schemas.openxmlformats.org/officeDocument/2006/customXml" ds:itemID="{5B04C1A0-A675-4C19-A396-213721E544B7}">
   <ds:schemaRefs>
     <ds:schemaRef ds:uri="http://schemas.microsoft.com/office/2006/metadata/properties"/>
@@ -22626,14 +21208,6 @@
     <ds:schemaRef ds:uri="http://schemas.microsoft.com/office/infopath/2007/PartnerControls"/>
     <ds:schemaRef ds:uri="http://schemas.openxmlformats.org/package/2006/metadata/core-properties"/>
     <ds:schemaRef ds:uri="http://purl.org/dc/dcmitype/"/>
-  </ds:schemaRefs>
-</ds:datastoreItem>
-</file>
-
-<file path=customXml/itemProps2.xml><?xml version="1.0" encoding="utf-8"?>
-<ds:datastoreItem xmlns:ds="http://schemas.openxmlformats.org/officeDocument/2006/customXml" ds:itemID="{D5F8D509-23D9-4C54-AF87-293BA1A6052D}">
-  <ds:schemaRefs>
-    <ds:schemaRef ds:uri="http://schemas.microsoft.com/sharepoint/v3/contenttype/forms"/>
   </ds:schemaRefs>
 </ds:datastoreItem>
 </file>

--- a/Kubernetes CRD Helm.pptx
+++ b/Kubernetes CRD Helm.pptx
@@ -243,7 +243,7 @@
           <a:p>
             <a:fld id="{E0E49B37-B3CF-48A3-B172-7B77541BFFBD}" type="datetimeFigureOut">
               <a:rPr lang="de-DE" smtClean="0"/>
-              <a:t>16.07.24</a:t>
+              <a:t>13.08.24</a:t>
             </a:fld>
             <a:endParaRPr lang="de-DE"/>
           </a:p>
@@ -420,7 +420,7 @@
           <a:p>
             <a:fld id="{A3C54D81-05C3-7140-80BE-EDE0A1F8F28E}" type="datetimeFigureOut">
               <a:rPr lang="en-US" smtClean="0"/>
-              <a:t>7/16/24</a:t>
+              <a:t>8/13/24</a:t>
             </a:fld>
             <a:endParaRPr lang="en-US"/>
           </a:p>
@@ -4282,7 +4282,7 @@
             <a:fld id="{1752D0F8-6159-4366-B54E-606536237956}" type="datetimeFigureOut">
               <a:rPr lang="de-DE" smtClean="0"/>
               <a:pPr/>
-              <a:t>16.07.24</a:t>
+              <a:t>13.08.24</a:t>
             </a:fld>
             <a:endParaRPr lang="de-DE"/>
           </a:p>
@@ -9561,7 +9561,7 @@
           <a:p>
             <a:fld id="{C764DE79-268F-4C1A-8933-263129D2AF90}" type="datetimeFigureOut">
               <a:rPr lang="en-US" dirty="0"/>
-              <a:t>7/16/24</a:t>
+              <a:t>8/13/24</a:t>
             </a:fld>
             <a:endParaRPr lang="en-US"/>
           </a:p>
@@ -10486,14 +10486,14 @@
           </a:ln>
           <a:extLst>
             <a:ext uri="{909E8E84-426E-40dd-AFC4-6F175D3DCCD1}">
-              <a14:hiddenFill xmlns:a14="http://schemas.microsoft.com/office/drawing/2010/main" xmlns="">
+              <a14:hiddenFill xmlns="" xmlns:a14="http://schemas.microsoft.com/office/drawing/2010/main">
                 <a:solidFill>
                   <a:srgbClr val="FFFFFF"/>
                 </a:solidFill>
               </a14:hiddenFill>
             </a:ext>
             <a:ext uri="{91240B29-F687-4f45-9708-019B960494DF}">
-              <a14:hiddenLine xmlns:a14="http://schemas.microsoft.com/office/drawing/2010/main" xmlns="" w="12700" cap="flat">
+              <a14:hiddenLine xmlns="" xmlns:a14="http://schemas.microsoft.com/office/drawing/2010/main" w="12700" cap="flat">
                 <a:solidFill>
                   <a:schemeClr val="tx1"/>
                 </a:solidFill>
@@ -10537,14 +10537,14 @@
           </a:ln>
           <a:extLst>
             <a:ext uri="{909E8E84-426E-40dd-AFC4-6F175D3DCCD1}">
-              <a14:hiddenFill xmlns:a14="http://schemas.microsoft.com/office/drawing/2010/main" xmlns="">
+              <a14:hiddenFill xmlns="" xmlns:a14="http://schemas.microsoft.com/office/drawing/2010/main">
                 <a:solidFill>
                   <a:srgbClr val="FFFFFF"/>
                 </a:solidFill>
               </a14:hiddenFill>
             </a:ext>
             <a:ext uri="{91240B29-F687-4f45-9708-019B960494DF}">
-              <a14:hiddenLine xmlns:a14="http://schemas.microsoft.com/office/drawing/2010/main" xmlns="" w="12700" cap="flat">
+              <a14:hiddenLine xmlns="" xmlns:a14="http://schemas.microsoft.com/office/drawing/2010/main" w="12700" cap="flat">
                 <a:solidFill>
                   <a:schemeClr val="tx1"/>
                 </a:solidFill>
@@ -10742,14 +10742,14 @@
           </a:ln>
           <a:extLst>
             <a:ext uri="{909E8E84-426E-40dd-AFC4-6F175D3DCCD1}">
-              <a14:hiddenFill xmlns:a14="http://schemas.microsoft.com/office/drawing/2010/main" xmlns="">
+              <a14:hiddenFill xmlns="" xmlns:a14="http://schemas.microsoft.com/office/drawing/2010/main">
                 <a:solidFill>
                   <a:srgbClr val="FFFFFF"/>
                 </a:solidFill>
               </a14:hiddenFill>
             </a:ext>
             <a:ext uri="{91240B29-F687-4f45-9708-019B960494DF}">
-              <a14:hiddenLine xmlns:a14="http://schemas.microsoft.com/office/drawing/2010/main" xmlns="" w="12700" cap="flat">
+              <a14:hiddenLine xmlns="" xmlns:a14="http://schemas.microsoft.com/office/drawing/2010/main" w="12700" cap="flat">
                 <a:solidFill>
                   <a:schemeClr val="tx1"/>
                 </a:solidFill>
@@ -10793,14 +10793,14 @@
           </a:ln>
           <a:extLst>
             <a:ext uri="{909E8E84-426E-40dd-AFC4-6F175D3DCCD1}">
-              <a14:hiddenFill xmlns:a14="http://schemas.microsoft.com/office/drawing/2010/main" xmlns="">
+              <a14:hiddenFill xmlns="" xmlns:a14="http://schemas.microsoft.com/office/drawing/2010/main">
                 <a:solidFill>
                   <a:srgbClr val="FFFFFF"/>
                 </a:solidFill>
               </a14:hiddenFill>
             </a:ext>
             <a:ext uri="{91240B29-F687-4f45-9708-019B960494DF}">
-              <a14:hiddenLine xmlns:a14="http://schemas.microsoft.com/office/drawing/2010/main" xmlns="" w="12700" cap="flat">
+              <a14:hiddenLine xmlns="" xmlns:a14="http://schemas.microsoft.com/office/drawing/2010/main" w="12700" cap="flat">
                 <a:solidFill>
                   <a:schemeClr val="tx1"/>
                 </a:solidFill>
@@ -11051,14 +11051,14 @@
           </a:ln>
           <a:extLst>
             <a:ext uri="{909E8E84-426E-40dd-AFC4-6F175D3DCCD1}">
-              <a14:hiddenFill xmlns="" xmlns:a14="http://schemas.microsoft.com/office/drawing/2010/main">
+              <a14:hiddenFill xmlns:a14="http://schemas.microsoft.com/office/drawing/2010/main" xmlns="">
                 <a:solidFill>
                   <a:srgbClr val="FFFFFF"/>
                 </a:solidFill>
               </a14:hiddenFill>
             </a:ext>
             <a:ext uri="{91240B29-F687-4f45-9708-019B960494DF}">
-              <a14:hiddenLine xmlns="" xmlns:a14="http://schemas.microsoft.com/office/drawing/2010/main" w="12700" cap="flat">
+              <a14:hiddenLine xmlns:a14="http://schemas.microsoft.com/office/drawing/2010/main" xmlns="" w="12700" cap="flat">
                 <a:solidFill>
                   <a:schemeClr val="tx1"/>
                 </a:solidFill>
@@ -11102,14 +11102,14 @@
           </a:ln>
           <a:extLst>
             <a:ext uri="{909E8E84-426E-40dd-AFC4-6F175D3DCCD1}">
-              <a14:hiddenFill xmlns="" xmlns:a14="http://schemas.microsoft.com/office/drawing/2010/main">
+              <a14:hiddenFill xmlns:a14="http://schemas.microsoft.com/office/drawing/2010/main" xmlns="">
                 <a:solidFill>
                   <a:srgbClr val="FFFFFF"/>
                 </a:solidFill>
               </a14:hiddenFill>
             </a:ext>
             <a:ext uri="{91240B29-F687-4f45-9708-019B960494DF}">
-              <a14:hiddenLine xmlns="" xmlns:a14="http://schemas.microsoft.com/office/drawing/2010/main" w="12700" cap="flat">
+              <a14:hiddenLine xmlns:a14="http://schemas.microsoft.com/office/drawing/2010/main" xmlns="" w="12700" cap="flat">
                 <a:solidFill>
                   <a:schemeClr val="tx1"/>
                 </a:solidFill>
@@ -11884,14 +11884,14 @@
           </a:ln>
           <a:extLst>
             <a:ext uri="{909E8E84-426E-40dd-AFC4-6F175D3DCCD1}">
-              <a14:hiddenFill xmlns:a14="http://schemas.microsoft.com/office/drawing/2010/main" xmlns="">
+              <a14:hiddenFill xmlns="" xmlns:a14="http://schemas.microsoft.com/office/drawing/2010/main">
                 <a:solidFill>
                   <a:srgbClr val="FFFFFF"/>
                 </a:solidFill>
               </a14:hiddenFill>
             </a:ext>
             <a:ext uri="{91240B29-F687-4f45-9708-019B960494DF}">
-              <a14:hiddenLine xmlns:a14="http://schemas.microsoft.com/office/drawing/2010/main" xmlns="" w="12700" cap="flat">
+              <a14:hiddenLine xmlns="" xmlns:a14="http://schemas.microsoft.com/office/drawing/2010/main" w="12700" cap="flat">
                 <a:solidFill>
                   <a:schemeClr val="tx1"/>
                 </a:solidFill>
@@ -11935,14 +11935,14 @@
           </a:ln>
           <a:extLst>
             <a:ext uri="{909E8E84-426E-40dd-AFC4-6F175D3DCCD1}">
-              <a14:hiddenFill xmlns:a14="http://schemas.microsoft.com/office/drawing/2010/main" xmlns="">
+              <a14:hiddenFill xmlns="" xmlns:a14="http://schemas.microsoft.com/office/drawing/2010/main">
                 <a:solidFill>
                   <a:srgbClr val="FFFFFF"/>
                 </a:solidFill>
               </a14:hiddenFill>
             </a:ext>
             <a:ext uri="{91240B29-F687-4f45-9708-019B960494DF}">
-              <a14:hiddenLine xmlns:a14="http://schemas.microsoft.com/office/drawing/2010/main" xmlns="" w="12700" cap="flat">
+              <a14:hiddenLine xmlns="" xmlns:a14="http://schemas.microsoft.com/office/drawing/2010/main" w="12700" cap="flat">
                 <a:solidFill>
                   <a:schemeClr val="tx1"/>
                 </a:solidFill>
@@ -12182,7 +12182,7 @@
                   <a:srgbClr val="7030A0"/>
                 </a:solidFill>
               </a:rPr>
-              <a:t>Custom workflows based on resource manipulation</a:t>
+              <a:t>Custom workflows based on resource operations (creation, update, deletion)</a:t>
             </a:r>
           </a:p>
         </p:txBody>
@@ -12303,14 +12303,14 @@
           </a:ln>
           <a:extLst>
             <a:ext uri="{909E8E84-426E-40dd-AFC4-6F175D3DCCD1}">
-              <a14:hiddenFill xmlns:a14="http://schemas.microsoft.com/office/drawing/2010/main" xmlns="">
+              <a14:hiddenFill xmlns="" xmlns:a14="http://schemas.microsoft.com/office/drawing/2010/main">
                 <a:solidFill>
                   <a:srgbClr val="FFFFFF"/>
                 </a:solidFill>
               </a14:hiddenFill>
             </a:ext>
             <a:ext uri="{91240B29-F687-4f45-9708-019B960494DF}">
-              <a14:hiddenLine xmlns:a14="http://schemas.microsoft.com/office/drawing/2010/main" xmlns="" w="12700" cap="flat">
+              <a14:hiddenLine xmlns="" xmlns:a14="http://schemas.microsoft.com/office/drawing/2010/main" w="12700" cap="flat">
                 <a:solidFill>
                   <a:schemeClr val="tx1"/>
                 </a:solidFill>
@@ -12354,14 +12354,14 @@
           </a:ln>
           <a:extLst>
             <a:ext uri="{909E8E84-426E-40dd-AFC4-6F175D3DCCD1}">
-              <a14:hiddenFill xmlns:a14="http://schemas.microsoft.com/office/drawing/2010/main" xmlns="">
+              <a14:hiddenFill xmlns="" xmlns:a14="http://schemas.microsoft.com/office/drawing/2010/main">
                 <a:solidFill>
                   <a:srgbClr val="FFFFFF"/>
                 </a:solidFill>
               </a14:hiddenFill>
             </a:ext>
             <a:ext uri="{91240B29-F687-4f45-9708-019B960494DF}">
-              <a14:hiddenLine xmlns:a14="http://schemas.microsoft.com/office/drawing/2010/main" xmlns="" w="12700" cap="flat">
+              <a14:hiddenLine xmlns="" xmlns:a14="http://schemas.microsoft.com/office/drawing/2010/main" w="12700" cap="flat">
                 <a:solidFill>
                   <a:schemeClr val="tx1"/>
                 </a:solidFill>
@@ -12596,14 +12596,14 @@
           </a:ln>
           <a:extLst>
             <a:ext uri="{909E8E84-426E-40dd-AFC4-6F175D3DCCD1}">
-              <a14:hiddenFill xmlns="" xmlns:a14="http://schemas.microsoft.com/office/drawing/2010/main">
+              <a14:hiddenFill xmlns:a14="http://schemas.microsoft.com/office/drawing/2010/main" xmlns="">
                 <a:solidFill>
                   <a:srgbClr val="FFFFFF"/>
                 </a:solidFill>
               </a14:hiddenFill>
             </a:ext>
             <a:ext uri="{91240B29-F687-4f45-9708-019B960494DF}">
-              <a14:hiddenLine xmlns="" xmlns:a14="http://schemas.microsoft.com/office/drawing/2010/main" w="12700" cap="flat">
+              <a14:hiddenLine xmlns:a14="http://schemas.microsoft.com/office/drawing/2010/main" xmlns="" w="12700" cap="flat">
                 <a:solidFill>
                   <a:schemeClr val="tx1"/>
                 </a:solidFill>
@@ -12647,14 +12647,14 @@
           </a:ln>
           <a:extLst>
             <a:ext uri="{909E8E84-426E-40dd-AFC4-6F175D3DCCD1}">
-              <a14:hiddenFill xmlns="" xmlns:a14="http://schemas.microsoft.com/office/drawing/2010/main">
+              <a14:hiddenFill xmlns:a14="http://schemas.microsoft.com/office/drawing/2010/main" xmlns="">
                 <a:solidFill>
                   <a:srgbClr val="FFFFFF"/>
                 </a:solidFill>
               </a14:hiddenFill>
             </a:ext>
             <a:ext uri="{91240B29-F687-4f45-9708-019B960494DF}">
-              <a14:hiddenLine xmlns="" xmlns:a14="http://schemas.microsoft.com/office/drawing/2010/main" w="12700" cap="flat">
+              <a14:hiddenLine xmlns:a14="http://schemas.microsoft.com/office/drawing/2010/main" xmlns="" w="12700" cap="flat">
                 <a:solidFill>
                   <a:schemeClr val="tx1"/>
                 </a:solidFill>
@@ -12877,14 +12877,14 @@
           </a:ln>
           <a:extLst>
             <a:ext uri="{909E8E84-426E-40dd-AFC4-6F175D3DCCD1}">
-              <a14:hiddenFill xmlns:a14="http://schemas.microsoft.com/office/drawing/2010/main" xmlns="">
+              <a14:hiddenFill xmlns="" xmlns:a14="http://schemas.microsoft.com/office/drawing/2010/main">
                 <a:solidFill>
                   <a:srgbClr val="FFFFFF"/>
                 </a:solidFill>
               </a14:hiddenFill>
             </a:ext>
             <a:ext uri="{91240B29-F687-4f45-9708-019B960494DF}">
-              <a14:hiddenLine xmlns:a14="http://schemas.microsoft.com/office/drawing/2010/main" xmlns="" w="12700" cap="flat">
+              <a14:hiddenLine xmlns="" xmlns:a14="http://schemas.microsoft.com/office/drawing/2010/main" w="12700" cap="flat">
                 <a:solidFill>
                   <a:schemeClr val="tx1"/>
                 </a:solidFill>
@@ -12928,14 +12928,14 @@
           </a:ln>
           <a:extLst>
             <a:ext uri="{909E8E84-426E-40dd-AFC4-6F175D3DCCD1}">
-              <a14:hiddenFill xmlns:a14="http://schemas.microsoft.com/office/drawing/2010/main" xmlns="">
+              <a14:hiddenFill xmlns="" xmlns:a14="http://schemas.microsoft.com/office/drawing/2010/main">
                 <a:solidFill>
                   <a:srgbClr val="FFFFFF"/>
                 </a:solidFill>
               </a14:hiddenFill>
             </a:ext>
             <a:ext uri="{91240B29-F687-4f45-9708-019B960494DF}">
-              <a14:hiddenLine xmlns:a14="http://schemas.microsoft.com/office/drawing/2010/main" xmlns="" w="12700" cap="flat">
+              <a14:hiddenLine xmlns="" xmlns:a14="http://schemas.microsoft.com/office/drawing/2010/main" w="12700" cap="flat">
                 <a:solidFill>
                   <a:schemeClr val="tx1"/>
                 </a:solidFill>
@@ -13117,14 +13117,14 @@
           </a:ln>
           <a:extLst>
             <a:ext uri="{909E8E84-426E-40dd-AFC4-6F175D3DCCD1}">
-              <a14:hiddenFill xmlns="" xmlns:a14="http://schemas.microsoft.com/office/drawing/2010/main">
+              <a14:hiddenFill xmlns:a14="http://schemas.microsoft.com/office/drawing/2010/main" xmlns="">
                 <a:solidFill>
                   <a:srgbClr val="FFFFFF"/>
                 </a:solidFill>
               </a14:hiddenFill>
             </a:ext>
             <a:ext uri="{91240B29-F687-4f45-9708-019B960494DF}">
-              <a14:hiddenLine xmlns="" xmlns:a14="http://schemas.microsoft.com/office/drawing/2010/main" w="12700" cap="flat">
+              <a14:hiddenLine xmlns:a14="http://schemas.microsoft.com/office/drawing/2010/main" xmlns="" w="12700" cap="flat">
                 <a:solidFill>
                   <a:schemeClr val="tx1"/>
                 </a:solidFill>
@@ -13168,14 +13168,14 @@
           </a:ln>
           <a:extLst>
             <a:ext uri="{909E8E84-426E-40dd-AFC4-6F175D3DCCD1}">
-              <a14:hiddenFill xmlns="" xmlns:a14="http://schemas.microsoft.com/office/drawing/2010/main">
+              <a14:hiddenFill xmlns:a14="http://schemas.microsoft.com/office/drawing/2010/main" xmlns="">
                 <a:solidFill>
                   <a:srgbClr val="FFFFFF"/>
                 </a:solidFill>
               </a14:hiddenFill>
             </a:ext>
             <a:ext uri="{91240B29-F687-4f45-9708-019B960494DF}">
-              <a14:hiddenLine xmlns="" xmlns:a14="http://schemas.microsoft.com/office/drawing/2010/main" w="12700" cap="flat">
+              <a14:hiddenLine xmlns:a14="http://schemas.microsoft.com/office/drawing/2010/main" xmlns="" w="12700" cap="flat">
                 <a:solidFill>
                   <a:schemeClr val="tx1"/>
                 </a:solidFill>
@@ -13383,14 +13383,14 @@
           </a:ln>
           <a:extLst>
             <a:ext uri="{909E8E84-426E-40dd-AFC4-6F175D3DCCD1}">
-              <a14:hiddenFill xmlns:a14="http://schemas.microsoft.com/office/drawing/2010/main" xmlns="">
+              <a14:hiddenFill xmlns="" xmlns:a14="http://schemas.microsoft.com/office/drawing/2010/main">
                 <a:solidFill>
                   <a:srgbClr val="FFFFFF"/>
                 </a:solidFill>
               </a14:hiddenFill>
             </a:ext>
             <a:ext uri="{91240B29-F687-4f45-9708-019B960494DF}">
-              <a14:hiddenLine xmlns:a14="http://schemas.microsoft.com/office/drawing/2010/main" xmlns="" w="12700" cap="flat">
+              <a14:hiddenLine xmlns="" xmlns:a14="http://schemas.microsoft.com/office/drawing/2010/main" w="12700" cap="flat">
                 <a:solidFill>
                   <a:schemeClr val="tx1"/>
                 </a:solidFill>
@@ -13434,14 +13434,14 @@
           </a:ln>
           <a:extLst>
             <a:ext uri="{909E8E84-426E-40dd-AFC4-6F175D3DCCD1}">
-              <a14:hiddenFill xmlns:a14="http://schemas.microsoft.com/office/drawing/2010/main" xmlns="">
+              <a14:hiddenFill xmlns="" xmlns:a14="http://schemas.microsoft.com/office/drawing/2010/main">
                 <a:solidFill>
                   <a:srgbClr val="FFFFFF"/>
                 </a:solidFill>
               </a14:hiddenFill>
             </a:ext>
             <a:ext uri="{91240B29-F687-4f45-9708-019B960494DF}">
-              <a14:hiddenLine xmlns:a14="http://schemas.microsoft.com/office/drawing/2010/main" xmlns="" w="12700" cap="flat">
+              <a14:hiddenLine xmlns="" xmlns:a14="http://schemas.microsoft.com/office/drawing/2010/main" w="12700" cap="flat">
                 <a:solidFill>
                   <a:schemeClr val="tx1"/>
                 </a:solidFill>
@@ -13652,14 +13652,14 @@
           </a:ln>
           <a:extLst>
             <a:ext uri="{909E8E84-426E-40dd-AFC4-6F175D3DCCD1}">
-              <a14:hiddenFill xmlns="" xmlns:a14="http://schemas.microsoft.com/office/drawing/2010/main">
+              <a14:hiddenFill xmlns:a14="http://schemas.microsoft.com/office/drawing/2010/main" xmlns="">
                 <a:solidFill>
                   <a:srgbClr val="FFFFFF"/>
                 </a:solidFill>
               </a14:hiddenFill>
             </a:ext>
             <a:ext uri="{91240B29-F687-4f45-9708-019B960494DF}">
-              <a14:hiddenLine xmlns="" xmlns:a14="http://schemas.microsoft.com/office/drawing/2010/main" w="12700" cap="flat">
+              <a14:hiddenLine xmlns:a14="http://schemas.microsoft.com/office/drawing/2010/main" xmlns="" w="12700" cap="flat">
                 <a:solidFill>
                   <a:schemeClr val="tx1"/>
                 </a:solidFill>
@@ -13703,14 +13703,14 @@
           </a:ln>
           <a:extLst>
             <a:ext uri="{909E8E84-426E-40dd-AFC4-6F175D3DCCD1}">
-              <a14:hiddenFill xmlns="" xmlns:a14="http://schemas.microsoft.com/office/drawing/2010/main">
+              <a14:hiddenFill xmlns:a14="http://schemas.microsoft.com/office/drawing/2010/main" xmlns="">
                 <a:solidFill>
                   <a:srgbClr val="FFFFFF"/>
                 </a:solidFill>
               </a14:hiddenFill>
             </a:ext>
             <a:ext uri="{91240B29-F687-4f45-9708-019B960494DF}">
-              <a14:hiddenLine xmlns="" xmlns:a14="http://schemas.microsoft.com/office/drawing/2010/main" w="12700" cap="flat">
+              <a14:hiddenLine xmlns:a14="http://schemas.microsoft.com/office/drawing/2010/main" xmlns="" w="12700" cap="flat">
                 <a:solidFill>
                   <a:schemeClr val="tx1"/>
                 </a:solidFill>
@@ -14221,14 +14221,14 @@
           </a:ln>
           <a:extLst>
             <a:ext uri="{909E8E84-426E-40dd-AFC4-6F175D3DCCD1}">
-              <a14:hiddenFill xmlns="" xmlns:a14="http://schemas.microsoft.com/office/drawing/2010/main">
+              <a14:hiddenFill xmlns:a14="http://schemas.microsoft.com/office/drawing/2010/main" xmlns="">
                 <a:solidFill>
                   <a:srgbClr val="FFFFFF"/>
                 </a:solidFill>
               </a14:hiddenFill>
             </a:ext>
             <a:ext uri="{91240B29-F687-4f45-9708-019B960494DF}">
-              <a14:hiddenLine xmlns="" xmlns:a14="http://schemas.microsoft.com/office/drawing/2010/main" w="12700" cap="flat">
+              <a14:hiddenLine xmlns:a14="http://schemas.microsoft.com/office/drawing/2010/main" xmlns="" w="12700" cap="flat">
                 <a:solidFill>
                   <a:schemeClr val="tx1"/>
                 </a:solidFill>
@@ -14272,14 +14272,14 @@
           </a:ln>
           <a:extLst>
             <a:ext uri="{909E8E84-426E-40dd-AFC4-6F175D3DCCD1}">
-              <a14:hiddenFill xmlns="" xmlns:a14="http://schemas.microsoft.com/office/drawing/2010/main">
+              <a14:hiddenFill xmlns:a14="http://schemas.microsoft.com/office/drawing/2010/main" xmlns="">
                 <a:solidFill>
                   <a:srgbClr val="FFFFFF"/>
                 </a:solidFill>
               </a14:hiddenFill>
             </a:ext>
             <a:ext uri="{91240B29-F687-4f45-9708-019B960494DF}">
-              <a14:hiddenLine xmlns="" xmlns:a14="http://schemas.microsoft.com/office/drawing/2010/main" w="12700" cap="flat">
+              <a14:hiddenLine xmlns:a14="http://schemas.microsoft.com/office/drawing/2010/main" xmlns="" w="12700" cap="flat">
                 <a:solidFill>
                   <a:schemeClr val="tx1"/>
                 </a:solidFill>
@@ -14502,14 +14502,14 @@
           </a:ln>
           <a:extLst>
             <a:ext uri="{909E8E84-426E-40dd-AFC4-6F175D3DCCD1}">
-              <a14:hiddenFill xmlns:a14="http://schemas.microsoft.com/office/drawing/2010/main" xmlns="">
+              <a14:hiddenFill xmlns="" xmlns:a14="http://schemas.microsoft.com/office/drawing/2010/main">
                 <a:solidFill>
                   <a:srgbClr val="FFFFFF"/>
                 </a:solidFill>
               </a14:hiddenFill>
             </a:ext>
             <a:ext uri="{91240B29-F687-4f45-9708-019B960494DF}">
-              <a14:hiddenLine xmlns:a14="http://schemas.microsoft.com/office/drawing/2010/main" xmlns="" w="12700" cap="flat">
+              <a14:hiddenLine xmlns="" xmlns:a14="http://schemas.microsoft.com/office/drawing/2010/main" w="12700" cap="flat">
                 <a:solidFill>
                   <a:schemeClr val="tx1"/>
                 </a:solidFill>
@@ -14553,14 +14553,14 @@
           </a:ln>
           <a:extLst>
             <a:ext uri="{909E8E84-426E-40dd-AFC4-6F175D3DCCD1}">
-              <a14:hiddenFill xmlns:a14="http://schemas.microsoft.com/office/drawing/2010/main" xmlns="">
+              <a14:hiddenFill xmlns="" xmlns:a14="http://schemas.microsoft.com/office/drawing/2010/main">
                 <a:solidFill>
                   <a:srgbClr val="FFFFFF"/>
                 </a:solidFill>
               </a14:hiddenFill>
             </a:ext>
             <a:ext uri="{91240B29-F687-4f45-9708-019B960494DF}">
-              <a14:hiddenLine xmlns:a14="http://schemas.microsoft.com/office/drawing/2010/main" xmlns="" w="12700" cap="flat">
+              <a14:hiddenLine xmlns="" xmlns:a14="http://schemas.microsoft.com/office/drawing/2010/main" w="12700" cap="flat">
                 <a:solidFill>
                   <a:schemeClr val="tx1"/>
                 </a:solidFill>
@@ -14834,14 +14834,14 @@
           </a:ln>
           <a:extLst>
             <a:ext uri="{909E8E84-426E-40dd-AFC4-6F175D3DCCD1}">
-              <a14:hiddenFill xmlns="" xmlns:a14="http://schemas.microsoft.com/office/drawing/2010/main">
+              <a14:hiddenFill xmlns:a14="http://schemas.microsoft.com/office/drawing/2010/main" xmlns="">
                 <a:solidFill>
                   <a:srgbClr val="FFFFFF"/>
                 </a:solidFill>
               </a14:hiddenFill>
             </a:ext>
             <a:ext uri="{91240B29-F687-4f45-9708-019B960494DF}">
-              <a14:hiddenLine xmlns="" xmlns:a14="http://schemas.microsoft.com/office/drawing/2010/main" w="12700" cap="flat">
+              <a14:hiddenLine xmlns:a14="http://schemas.microsoft.com/office/drawing/2010/main" xmlns="" w="12700" cap="flat">
                 <a:solidFill>
                   <a:schemeClr val="tx1"/>
                 </a:solidFill>
@@ -14885,14 +14885,14 @@
           </a:ln>
           <a:extLst>
             <a:ext uri="{909E8E84-426E-40dd-AFC4-6F175D3DCCD1}">
-              <a14:hiddenFill xmlns="" xmlns:a14="http://schemas.microsoft.com/office/drawing/2010/main">
+              <a14:hiddenFill xmlns:a14="http://schemas.microsoft.com/office/drawing/2010/main" xmlns="">
                 <a:solidFill>
                   <a:srgbClr val="FFFFFF"/>
                 </a:solidFill>
               </a14:hiddenFill>
             </a:ext>
             <a:ext uri="{91240B29-F687-4f45-9708-019B960494DF}">
-              <a14:hiddenLine xmlns="" xmlns:a14="http://schemas.microsoft.com/office/drawing/2010/main" w="12700" cap="flat">
+              <a14:hiddenLine xmlns:a14="http://schemas.microsoft.com/office/drawing/2010/main" xmlns="" w="12700" cap="flat">
                 <a:solidFill>
                   <a:schemeClr val="tx1"/>
                 </a:solidFill>
@@ -15108,14 +15108,14 @@
           </a:ln>
           <a:extLst>
             <a:ext uri="{909E8E84-426E-40dd-AFC4-6F175D3DCCD1}">
-              <a14:hiddenFill xmlns="" xmlns:a14="http://schemas.microsoft.com/office/drawing/2010/main">
+              <a14:hiddenFill xmlns:a14="http://schemas.microsoft.com/office/drawing/2010/main" xmlns="">
                 <a:solidFill>
                   <a:srgbClr val="FFFFFF"/>
                 </a:solidFill>
               </a14:hiddenFill>
             </a:ext>
             <a:ext uri="{91240B29-F687-4f45-9708-019B960494DF}">
-              <a14:hiddenLine xmlns="" xmlns:a14="http://schemas.microsoft.com/office/drawing/2010/main" w="12700" cap="flat">
+              <a14:hiddenLine xmlns:a14="http://schemas.microsoft.com/office/drawing/2010/main" xmlns="" w="12700" cap="flat">
                 <a:solidFill>
                   <a:schemeClr val="tx1"/>
                 </a:solidFill>
@@ -15159,14 +15159,14 @@
           </a:ln>
           <a:extLst>
             <a:ext uri="{909E8E84-426E-40dd-AFC4-6F175D3DCCD1}">
-              <a14:hiddenFill xmlns="" xmlns:a14="http://schemas.microsoft.com/office/drawing/2010/main">
+              <a14:hiddenFill xmlns:a14="http://schemas.microsoft.com/office/drawing/2010/main" xmlns="">
                 <a:solidFill>
                   <a:srgbClr val="FFFFFF"/>
                 </a:solidFill>
               </a14:hiddenFill>
             </a:ext>
             <a:ext uri="{91240B29-F687-4f45-9708-019B960494DF}">
-              <a14:hiddenLine xmlns="" xmlns:a14="http://schemas.microsoft.com/office/drawing/2010/main" w="12700" cap="flat">
+              <a14:hiddenLine xmlns:a14="http://schemas.microsoft.com/office/drawing/2010/main" xmlns="" w="12700" cap="flat">
                 <a:solidFill>
                   <a:schemeClr val="tx1"/>
                 </a:solidFill>
@@ -15419,14 +15419,14 @@
           </a:ln>
           <a:extLst>
             <a:ext uri="{909E8E84-426E-40dd-AFC4-6F175D3DCCD1}">
-              <a14:hiddenFill xmlns="" xmlns:a14="http://schemas.microsoft.com/office/drawing/2010/main">
+              <a14:hiddenFill xmlns:a14="http://schemas.microsoft.com/office/drawing/2010/main" xmlns="">
                 <a:solidFill>
                   <a:srgbClr val="FFFFFF"/>
                 </a:solidFill>
               </a14:hiddenFill>
             </a:ext>
             <a:ext uri="{91240B29-F687-4f45-9708-019B960494DF}">
-              <a14:hiddenLine xmlns="" xmlns:a14="http://schemas.microsoft.com/office/drawing/2010/main" w="12700" cap="flat">
+              <a14:hiddenLine xmlns:a14="http://schemas.microsoft.com/office/drawing/2010/main" xmlns="" w="12700" cap="flat">
                 <a:solidFill>
                   <a:schemeClr val="tx1"/>
                 </a:solidFill>
@@ -15470,14 +15470,14 @@
           </a:ln>
           <a:extLst>
             <a:ext uri="{909E8E84-426E-40dd-AFC4-6F175D3DCCD1}">
-              <a14:hiddenFill xmlns="" xmlns:a14="http://schemas.microsoft.com/office/drawing/2010/main">
+              <a14:hiddenFill xmlns:a14="http://schemas.microsoft.com/office/drawing/2010/main" xmlns="">
                 <a:solidFill>
                   <a:srgbClr val="FFFFFF"/>
                 </a:solidFill>
               </a14:hiddenFill>
             </a:ext>
             <a:ext uri="{91240B29-F687-4f45-9708-019B960494DF}">
-              <a14:hiddenLine xmlns="" xmlns:a14="http://schemas.microsoft.com/office/drawing/2010/main" w="12700" cap="flat">
+              <a14:hiddenLine xmlns:a14="http://schemas.microsoft.com/office/drawing/2010/main" xmlns="" w="12700" cap="flat">
                 <a:solidFill>
                   <a:schemeClr val="tx1"/>
                 </a:solidFill>
@@ -15756,14 +15756,14 @@
           </a:ln>
           <a:extLst>
             <a:ext uri="{909E8E84-426E-40dd-AFC4-6F175D3DCCD1}">
-              <a14:hiddenFill xmlns:a14="http://schemas.microsoft.com/office/drawing/2010/main" xmlns="">
+              <a14:hiddenFill xmlns="" xmlns:a14="http://schemas.microsoft.com/office/drawing/2010/main">
                 <a:solidFill>
                   <a:srgbClr val="FFFFFF"/>
                 </a:solidFill>
               </a14:hiddenFill>
             </a:ext>
             <a:ext uri="{91240B29-F687-4f45-9708-019B960494DF}">
-              <a14:hiddenLine xmlns:a14="http://schemas.microsoft.com/office/drawing/2010/main" xmlns="" w="12700" cap="flat">
+              <a14:hiddenLine xmlns="" xmlns:a14="http://schemas.microsoft.com/office/drawing/2010/main" w="12700" cap="flat">
                 <a:solidFill>
                   <a:schemeClr val="tx1"/>
                 </a:solidFill>
@@ -15807,14 +15807,14 @@
           </a:ln>
           <a:extLst>
             <a:ext uri="{909E8E84-426E-40dd-AFC4-6F175D3DCCD1}">
-              <a14:hiddenFill xmlns:a14="http://schemas.microsoft.com/office/drawing/2010/main" xmlns="">
+              <a14:hiddenFill xmlns="" xmlns:a14="http://schemas.microsoft.com/office/drawing/2010/main">
                 <a:solidFill>
                   <a:srgbClr val="FFFFFF"/>
                 </a:solidFill>
               </a14:hiddenFill>
             </a:ext>
             <a:ext uri="{91240B29-F687-4f45-9708-019B960494DF}">
-              <a14:hiddenLine xmlns:a14="http://schemas.microsoft.com/office/drawing/2010/main" xmlns="" w="12700" cap="flat">
+              <a14:hiddenLine xmlns="" xmlns:a14="http://schemas.microsoft.com/office/drawing/2010/main" w="12700" cap="flat">
                 <a:solidFill>
                   <a:schemeClr val="tx1"/>
                 </a:solidFill>
@@ -16091,14 +16091,14 @@
           </a:ln>
           <a:extLst>
             <a:ext uri="{909E8E84-426E-40dd-AFC4-6F175D3DCCD1}">
-              <a14:hiddenFill xmlns="" xmlns:a14="http://schemas.microsoft.com/office/drawing/2010/main">
+              <a14:hiddenFill xmlns:a14="http://schemas.microsoft.com/office/drawing/2010/main" xmlns="">
                 <a:solidFill>
                   <a:srgbClr val="FFFFFF"/>
                 </a:solidFill>
               </a14:hiddenFill>
             </a:ext>
             <a:ext uri="{91240B29-F687-4f45-9708-019B960494DF}">
-              <a14:hiddenLine xmlns="" xmlns:a14="http://schemas.microsoft.com/office/drawing/2010/main" w="12700" cap="flat">
+              <a14:hiddenLine xmlns:a14="http://schemas.microsoft.com/office/drawing/2010/main" xmlns="" w="12700" cap="flat">
                 <a:solidFill>
                   <a:schemeClr val="tx1"/>
                 </a:solidFill>
@@ -16142,14 +16142,14 @@
           </a:ln>
           <a:extLst>
             <a:ext uri="{909E8E84-426E-40dd-AFC4-6F175D3DCCD1}">
-              <a14:hiddenFill xmlns="" xmlns:a14="http://schemas.microsoft.com/office/drawing/2010/main">
+              <a14:hiddenFill xmlns:a14="http://schemas.microsoft.com/office/drawing/2010/main" xmlns="">
                 <a:solidFill>
                   <a:srgbClr val="FFFFFF"/>
                 </a:solidFill>
               </a14:hiddenFill>
             </a:ext>
             <a:ext uri="{91240B29-F687-4f45-9708-019B960494DF}">
-              <a14:hiddenLine xmlns="" xmlns:a14="http://schemas.microsoft.com/office/drawing/2010/main" w="12700" cap="flat">
+              <a14:hiddenLine xmlns:a14="http://schemas.microsoft.com/office/drawing/2010/main" xmlns="" w="12700" cap="flat">
                 <a:solidFill>
                   <a:schemeClr val="tx1"/>
                 </a:solidFill>
@@ -16432,14 +16432,14 @@
           </a:ln>
           <a:extLst>
             <a:ext uri="{909E8E84-426E-40dd-AFC4-6F175D3DCCD1}">
-              <a14:hiddenFill xmlns:a14="http://schemas.microsoft.com/office/drawing/2010/main" xmlns="">
+              <a14:hiddenFill xmlns="" xmlns:a14="http://schemas.microsoft.com/office/drawing/2010/main">
                 <a:solidFill>
                   <a:srgbClr val="FFFFFF"/>
                 </a:solidFill>
               </a14:hiddenFill>
             </a:ext>
             <a:ext uri="{91240B29-F687-4f45-9708-019B960494DF}">
-              <a14:hiddenLine xmlns:a14="http://schemas.microsoft.com/office/drawing/2010/main" xmlns="" w="12700" cap="flat">
+              <a14:hiddenLine xmlns="" xmlns:a14="http://schemas.microsoft.com/office/drawing/2010/main" w="12700" cap="flat">
                 <a:solidFill>
                   <a:schemeClr val="tx1"/>
                 </a:solidFill>
@@ -16483,14 +16483,14 @@
           </a:ln>
           <a:extLst>
             <a:ext uri="{909E8E84-426E-40dd-AFC4-6F175D3DCCD1}">
-              <a14:hiddenFill xmlns:a14="http://schemas.microsoft.com/office/drawing/2010/main" xmlns="">
+              <a14:hiddenFill xmlns="" xmlns:a14="http://schemas.microsoft.com/office/drawing/2010/main">
                 <a:solidFill>
                   <a:srgbClr val="FFFFFF"/>
                 </a:solidFill>
               </a14:hiddenFill>
             </a:ext>
             <a:ext uri="{91240B29-F687-4f45-9708-019B960494DF}">
-              <a14:hiddenLine xmlns:a14="http://schemas.microsoft.com/office/drawing/2010/main" xmlns="" w="12700" cap="flat">
+              <a14:hiddenLine xmlns="" xmlns:a14="http://schemas.microsoft.com/office/drawing/2010/main" w="12700" cap="flat">
                 <a:solidFill>
                   <a:schemeClr val="tx1"/>
                 </a:solidFill>
@@ -16633,14 +16633,14 @@
           </a:ln>
           <a:extLst>
             <a:ext uri="{909E8E84-426E-40dd-AFC4-6F175D3DCCD1}">
-              <a14:hiddenFill xmlns="" xmlns:a14="http://schemas.microsoft.com/office/drawing/2010/main">
+              <a14:hiddenFill xmlns:a14="http://schemas.microsoft.com/office/drawing/2010/main" xmlns="">
                 <a:solidFill>
                   <a:srgbClr val="FFFFFF"/>
                 </a:solidFill>
               </a14:hiddenFill>
             </a:ext>
             <a:ext uri="{91240B29-F687-4f45-9708-019B960494DF}">
-              <a14:hiddenLine xmlns="" xmlns:a14="http://schemas.microsoft.com/office/drawing/2010/main" w="12700" cap="flat">
+              <a14:hiddenLine xmlns:a14="http://schemas.microsoft.com/office/drawing/2010/main" xmlns="" w="12700" cap="flat">
                 <a:solidFill>
                   <a:schemeClr val="tx1"/>
                 </a:solidFill>
@@ -16684,14 +16684,14 @@
           </a:ln>
           <a:extLst>
             <a:ext uri="{909E8E84-426E-40dd-AFC4-6F175D3DCCD1}">
-              <a14:hiddenFill xmlns="" xmlns:a14="http://schemas.microsoft.com/office/drawing/2010/main">
+              <a14:hiddenFill xmlns:a14="http://schemas.microsoft.com/office/drawing/2010/main" xmlns="">
                 <a:solidFill>
                   <a:srgbClr val="FFFFFF"/>
                 </a:solidFill>
               </a14:hiddenFill>
             </a:ext>
             <a:ext uri="{91240B29-F687-4f45-9708-019B960494DF}">
-              <a14:hiddenLine xmlns="" xmlns:a14="http://schemas.microsoft.com/office/drawing/2010/main" w="12700" cap="flat">
+              <a14:hiddenLine xmlns:a14="http://schemas.microsoft.com/office/drawing/2010/main" xmlns="" w="12700" cap="flat">
                 <a:solidFill>
                   <a:schemeClr val="tx1"/>
                 </a:solidFill>
@@ -16862,14 +16862,14 @@
           </a:ln>
           <a:extLst>
             <a:ext uri="{909E8E84-426E-40dd-AFC4-6F175D3DCCD1}">
-              <a14:hiddenFill xmlns:a14="http://schemas.microsoft.com/office/drawing/2010/main" xmlns="">
+              <a14:hiddenFill xmlns="" xmlns:a14="http://schemas.microsoft.com/office/drawing/2010/main">
                 <a:solidFill>
                   <a:srgbClr val="FFFFFF"/>
                 </a:solidFill>
               </a14:hiddenFill>
             </a:ext>
             <a:ext uri="{91240B29-F687-4f45-9708-019B960494DF}">
-              <a14:hiddenLine xmlns:a14="http://schemas.microsoft.com/office/drawing/2010/main" xmlns="" w="12700" cap="flat">
+              <a14:hiddenLine xmlns="" xmlns:a14="http://schemas.microsoft.com/office/drawing/2010/main" w="12700" cap="flat">
                 <a:solidFill>
                   <a:schemeClr val="tx1"/>
                 </a:solidFill>
@@ -16913,14 +16913,14 @@
           </a:ln>
           <a:extLst>
             <a:ext uri="{909E8E84-426E-40dd-AFC4-6F175D3DCCD1}">
-              <a14:hiddenFill xmlns:a14="http://schemas.microsoft.com/office/drawing/2010/main" xmlns="">
+              <a14:hiddenFill xmlns="" xmlns:a14="http://schemas.microsoft.com/office/drawing/2010/main">
                 <a:solidFill>
                   <a:srgbClr val="FFFFFF"/>
                 </a:solidFill>
               </a14:hiddenFill>
             </a:ext>
             <a:ext uri="{91240B29-F687-4f45-9708-019B960494DF}">
-              <a14:hiddenLine xmlns:a14="http://schemas.microsoft.com/office/drawing/2010/main" xmlns="" w="12700" cap="flat">
+              <a14:hiddenLine xmlns="" xmlns:a14="http://schemas.microsoft.com/office/drawing/2010/main" w="12700" cap="flat">
                 <a:solidFill>
                   <a:schemeClr val="tx1"/>
                 </a:solidFill>
@@ -17148,14 +17148,14 @@
           </a:ln>
           <a:extLst>
             <a:ext uri="{909E8E84-426E-40dd-AFC4-6F175D3DCCD1}">
-              <a14:hiddenFill xmlns="" xmlns:a14="http://schemas.microsoft.com/office/drawing/2010/main">
+              <a14:hiddenFill xmlns:a14="http://schemas.microsoft.com/office/drawing/2010/main" xmlns="">
                 <a:solidFill>
                   <a:srgbClr val="FFFFFF"/>
                 </a:solidFill>
               </a14:hiddenFill>
             </a:ext>
             <a:ext uri="{91240B29-F687-4f45-9708-019B960494DF}">
-              <a14:hiddenLine xmlns="" xmlns:a14="http://schemas.microsoft.com/office/drawing/2010/main" w="12700" cap="flat">
+              <a14:hiddenLine xmlns:a14="http://schemas.microsoft.com/office/drawing/2010/main" xmlns="" w="12700" cap="flat">
                 <a:solidFill>
                   <a:schemeClr val="tx1"/>
                 </a:solidFill>
@@ -17199,14 +17199,14 @@
           </a:ln>
           <a:extLst>
             <a:ext uri="{909E8E84-426E-40dd-AFC4-6F175D3DCCD1}">
-              <a14:hiddenFill xmlns="" xmlns:a14="http://schemas.microsoft.com/office/drawing/2010/main">
+              <a14:hiddenFill xmlns:a14="http://schemas.microsoft.com/office/drawing/2010/main" xmlns="">
                 <a:solidFill>
                   <a:srgbClr val="FFFFFF"/>
                 </a:solidFill>
               </a14:hiddenFill>
             </a:ext>
             <a:ext uri="{91240B29-F687-4f45-9708-019B960494DF}">
-              <a14:hiddenLine xmlns="" xmlns:a14="http://schemas.microsoft.com/office/drawing/2010/main" w="12700" cap="flat">
+              <a14:hiddenLine xmlns:a14="http://schemas.microsoft.com/office/drawing/2010/main" xmlns="" w="12700" cap="flat">
                 <a:solidFill>
                   <a:schemeClr val="tx1"/>
                 </a:solidFill>
@@ -17408,14 +17408,14 @@
           </a:ln>
           <a:extLst>
             <a:ext uri="{909E8E84-426E-40dd-AFC4-6F175D3DCCD1}">
-              <a14:hiddenFill xmlns:a14="http://schemas.microsoft.com/office/drawing/2010/main" xmlns="">
+              <a14:hiddenFill xmlns="" xmlns:a14="http://schemas.microsoft.com/office/drawing/2010/main">
                 <a:solidFill>
                   <a:srgbClr val="FFFFFF"/>
                 </a:solidFill>
               </a14:hiddenFill>
             </a:ext>
             <a:ext uri="{91240B29-F687-4f45-9708-019B960494DF}">
-              <a14:hiddenLine xmlns:a14="http://schemas.microsoft.com/office/drawing/2010/main" xmlns="" w="12700" cap="flat">
+              <a14:hiddenLine xmlns="" xmlns:a14="http://schemas.microsoft.com/office/drawing/2010/main" w="12700" cap="flat">
                 <a:solidFill>
                   <a:schemeClr val="tx1"/>
                 </a:solidFill>
@@ -17459,14 +17459,14 @@
           </a:ln>
           <a:extLst>
             <a:ext uri="{909E8E84-426E-40dd-AFC4-6F175D3DCCD1}">
-              <a14:hiddenFill xmlns:a14="http://schemas.microsoft.com/office/drawing/2010/main" xmlns="">
+              <a14:hiddenFill xmlns="" xmlns:a14="http://schemas.microsoft.com/office/drawing/2010/main">
                 <a:solidFill>
                   <a:srgbClr val="FFFFFF"/>
                 </a:solidFill>
               </a14:hiddenFill>
             </a:ext>
             <a:ext uri="{91240B29-F687-4f45-9708-019B960494DF}">
-              <a14:hiddenLine xmlns:a14="http://schemas.microsoft.com/office/drawing/2010/main" xmlns="" w="12700" cap="flat">
+              <a14:hiddenLine xmlns="" xmlns:a14="http://schemas.microsoft.com/office/drawing/2010/main" w="12700" cap="flat">
                 <a:solidFill>
                   <a:schemeClr val="tx1"/>
                 </a:solidFill>
@@ -17567,7 +17567,7 @@
         <p:spPr>
           <a:xfrm>
             <a:off x="634711" y="1456012"/>
-            <a:ext cx="6537174" cy="830997"/>
+            <a:ext cx="7883697" cy="830997"/>
           </a:xfrm>
           <a:prstGeom prst="rect">
             <a:avLst/>
@@ -17604,7 +17604,7 @@
                   <a:srgbClr val="7030A0"/>
                 </a:solidFill>
               </a:rPr>
-              <a:t>Create a custom workflow </a:t>
+              <a:t>Create a custom workflow based on resource manipulation</a:t>
             </a:r>
           </a:p>
         </p:txBody>
@@ -17664,14 +17664,14 @@
           </a:ln>
           <a:extLst>
             <a:ext uri="{909E8E84-426E-40dd-AFC4-6F175D3DCCD1}">
-              <a14:hiddenFill xmlns="" xmlns:a14="http://schemas.microsoft.com/office/drawing/2010/main">
+              <a14:hiddenFill xmlns:a14="http://schemas.microsoft.com/office/drawing/2010/main" xmlns="">
                 <a:solidFill>
                   <a:srgbClr val="FFFFFF"/>
                 </a:solidFill>
               </a14:hiddenFill>
             </a:ext>
             <a:ext uri="{91240B29-F687-4f45-9708-019B960494DF}">
-              <a14:hiddenLine xmlns="" xmlns:a14="http://schemas.microsoft.com/office/drawing/2010/main" w="12700" cap="flat">
+              <a14:hiddenLine xmlns:a14="http://schemas.microsoft.com/office/drawing/2010/main" xmlns="" w="12700" cap="flat">
                 <a:solidFill>
                   <a:schemeClr val="tx1"/>
                 </a:solidFill>
@@ -17715,14 +17715,14 @@
           </a:ln>
           <a:extLst>
             <a:ext uri="{909E8E84-426E-40dd-AFC4-6F175D3DCCD1}">
-              <a14:hiddenFill xmlns="" xmlns:a14="http://schemas.microsoft.com/office/drawing/2010/main">
+              <a14:hiddenFill xmlns:a14="http://schemas.microsoft.com/office/drawing/2010/main" xmlns="">
                 <a:solidFill>
                   <a:srgbClr val="FFFFFF"/>
                 </a:solidFill>
               </a14:hiddenFill>
             </a:ext>
             <a:ext uri="{91240B29-F687-4f45-9708-019B960494DF}">
-              <a14:hiddenLine xmlns="" xmlns:a14="http://schemas.microsoft.com/office/drawing/2010/main" w="12700" cap="flat">
+              <a14:hiddenLine xmlns:a14="http://schemas.microsoft.com/office/drawing/2010/main" xmlns="" w="12700" cap="flat">
                 <a:solidFill>
                   <a:schemeClr val="tx1"/>
                 </a:solidFill>
@@ -18296,14 +18296,14 @@
           </a:ln>
           <a:extLst>
             <a:ext uri="{909E8E84-426E-40dd-AFC4-6F175D3DCCD1}">
-              <a14:hiddenFill xmlns="" xmlns:a14="http://schemas.microsoft.com/office/drawing/2010/main">
+              <a14:hiddenFill xmlns:a14="http://schemas.microsoft.com/office/drawing/2010/main" xmlns="">
                 <a:solidFill>
                   <a:srgbClr val="FFFFFF"/>
                 </a:solidFill>
               </a14:hiddenFill>
             </a:ext>
             <a:ext uri="{91240B29-F687-4f45-9708-019B960494DF}">
-              <a14:hiddenLine xmlns="" xmlns:a14="http://schemas.microsoft.com/office/drawing/2010/main" w="12700" cap="flat">
+              <a14:hiddenLine xmlns:a14="http://schemas.microsoft.com/office/drawing/2010/main" xmlns="" w="12700" cap="flat">
                 <a:solidFill>
                   <a:schemeClr val="tx1"/>
                 </a:solidFill>
@@ -18347,14 +18347,14 @@
           </a:ln>
           <a:extLst>
             <a:ext uri="{909E8E84-426E-40dd-AFC4-6F175D3DCCD1}">
-              <a14:hiddenFill xmlns="" xmlns:a14="http://schemas.microsoft.com/office/drawing/2010/main">
+              <a14:hiddenFill xmlns:a14="http://schemas.microsoft.com/office/drawing/2010/main" xmlns="">
                 <a:solidFill>
                   <a:srgbClr val="FFFFFF"/>
                 </a:solidFill>
               </a14:hiddenFill>
             </a:ext>
             <a:ext uri="{91240B29-F687-4f45-9708-019B960494DF}">
-              <a14:hiddenLine xmlns="" xmlns:a14="http://schemas.microsoft.com/office/drawing/2010/main" w="12700" cap="flat">
+              <a14:hiddenLine xmlns:a14="http://schemas.microsoft.com/office/drawing/2010/main" xmlns="" w="12700" cap="flat">
                 <a:solidFill>
                   <a:schemeClr val="tx1"/>
                 </a:solidFill>
@@ -18584,14 +18584,14 @@
           </a:ln>
           <a:extLst>
             <a:ext uri="{909E8E84-426E-40dd-AFC4-6F175D3DCCD1}">
-              <a14:hiddenFill xmlns:a14="http://schemas.microsoft.com/office/drawing/2010/main" xmlns="">
+              <a14:hiddenFill xmlns="" xmlns:a14="http://schemas.microsoft.com/office/drawing/2010/main">
                 <a:solidFill>
                   <a:srgbClr val="FFFFFF"/>
                 </a:solidFill>
               </a14:hiddenFill>
             </a:ext>
             <a:ext uri="{91240B29-F687-4f45-9708-019B960494DF}">
-              <a14:hiddenLine xmlns:a14="http://schemas.microsoft.com/office/drawing/2010/main" xmlns="" w="12700" cap="flat">
+              <a14:hiddenLine xmlns="" xmlns:a14="http://schemas.microsoft.com/office/drawing/2010/main" w="12700" cap="flat">
                 <a:solidFill>
                   <a:schemeClr val="tx1"/>
                 </a:solidFill>
@@ -18635,14 +18635,14 @@
           </a:ln>
           <a:extLst>
             <a:ext uri="{909E8E84-426E-40dd-AFC4-6F175D3DCCD1}">
-              <a14:hiddenFill xmlns:a14="http://schemas.microsoft.com/office/drawing/2010/main" xmlns="">
+              <a14:hiddenFill xmlns="" xmlns:a14="http://schemas.microsoft.com/office/drawing/2010/main">
                 <a:solidFill>
                   <a:srgbClr val="FFFFFF"/>
                 </a:solidFill>
               </a14:hiddenFill>
             </a:ext>
             <a:ext uri="{91240B29-F687-4f45-9708-019B960494DF}">
-              <a14:hiddenLine xmlns:a14="http://schemas.microsoft.com/office/drawing/2010/main" xmlns="" w="12700" cap="flat">
+              <a14:hiddenLine xmlns="" xmlns:a14="http://schemas.microsoft.com/office/drawing/2010/main" w="12700" cap="flat">
                 <a:solidFill>
                   <a:schemeClr val="tx1"/>
                 </a:solidFill>
@@ -21042,18 +21042,18 @@
 </file>
 
 <file path=customXml/item1.xml><?xml version="1.0" encoding="utf-8"?>
+<p:properties xmlns:p="http://schemas.microsoft.com/office/2006/metadata/properties" xmlns:xsi="http://www.w3.org/2001/XMLSchema-instance" xmlns:pc="http://schemas.microsoft.com/office/infopath/2007/PartnerControls">
+  <documentManagement/>
+</p:properties>
+</file>
+
+<file path=customXml/item2.xml><?xml version="1.0" encoding="utf-8"?>
 <?mso-contentType ?>
 <FormTemplates xmlns="http://schemas.microsoft.com/sharepoint/v3/contenttype/forms">
   <Display>DocumentLibraryForm</Display>
   <Edit>DocumentLibraryForm</Edit>
   <New>DocumentLibraryForm</New>
 </FormTemplates>
-</file>
-
-<file path=customXml/item2.xml><?xml version="1.0" encoding="utf-8"?>
-<p:properties xmlns:p="http://schemas.microsoft.com/office/2006/metadata/properties" xmlns:xsi="http://www.w3.org/2001/XMLSchema-instance" xmlns:pc="http://schemas.microsoft.com/office/infopath/2007/PartnerControls">
-  <documentManagement/>
-</p:properties>
 </file>
 
 <file path=customXml/item3.xml><?xml version="1.0" encoding="utf-8"?>
@@ -21189,14 +21189,6 @@
 </file>
 
 <file path=customXml/itemProps1.xml><?xml version="1.0" encoding="utf-8"?>
-<ds:datastoreItem xmlns:ds="http://schemas.openxmlformats.org/officeDocument/2006/customXml" ds:itemID="{D5F8D509-23D9-4C54-AF87-293BA1A6052D}">
-  <ds:schemaRefs>
-    <ds:schemaRef ds:uri="http://schemas.microsoft.com/sharepoint/v3/contenttype/forms"/>
-  </ds:schemaRefs>
-</ds:datastoreItem>
-</file>
-
-<file path=customXml/itemProps2.xml><?xml version="1.0" encoding="utf-8"?>
 <ds:datastoreItem xmlns:ds="http://schemas.openxmlformats.org/officeDocument/2006/customXml" ds:itemID="{5B04C1A0-A675-4C19-A396-213721E544B7}">
   <ds:schemaRefs>
     <ds:schemaRef ds:uri="http://schemas.microsoft.com/office/2006/metadata/properties"/>
@@ -21208,6 +21200,14 @@
     <ds:schemaRef ds:uri="http://schemas.microsoft.com/office/infopath/2007/PartnerControls"/>
     <ds:schemaRef ds:uri="http://schemas.openxmlformats.org/package/2006/metadata/core-properties"/>
     <ds:schemaRef ds:uri="http://purl.org/dc/dcmitype/"/>
+  </ds:schemaRefs>
+</ds:datastoreItem>
+</file>
+
+<file path=customXml/itemProps2.xml><?xml version="1.0" encoding="utf-8"?>
+<ds:datastoreItem xmlns:ds="http://schemas.openxmlformats.org/officeDocument/2006/customXml" ds:itemID="{D5F8D509-23D9-4C54-AF87-293BA1A6052D}">
+  <ds:schemaRefs>
+    <ds:schemaRef ds:uri="http://schemas.microsoft.com/sharepoint/v3/contenttype/forms"/>
   </ds:schemaRefs>
 </ds:datastoreItem>
 </file>

--- a/Kubernetes CRD Helm.pptx
+++ b/Kubernetes CRD Helm.pptx
@@ -5,10 +5,10 @@
     <p:sldMasterId id="2147483749" r:id="rId4"/>
   </p:sldMasterIdLst>
   <p:notesMasterIdLst>
-    <p:notesMasterId r:id="rId31"/>
+    <p:notesMasterId r:id="rId30"/>
   </p:notesMasterIdLst>
   <p:handoutMasterIdLst>
-    <p:handoutMasterId r:id="rId32"/>
+    <p:handoutMasterId r:id="rId31"/>
   </p:handoutMasterIdLst>
   <p:sldIdLst>
     <p:sldId id="256" r:id="rId5"/>
@@ -22,21 +22,20 @@
     <p:sldId id="354" r:id="rId13"/>
     <p:sldId id="370" r:id="rId14"/>
     <p:sldId id="357" r:id="rId15"/>
-    <p:sldId id="360" r:id="rId16"/>
-    <p:sldId id="350" r:id="rId17"/>
-    <p:sldId id="361" r:id="rId18"/>
-    <p:sldId id="359" r:id="rId19"/>
-    <p:sldId id="362" r:id="rId20"/>
-    <p:sldId id="363" r:id="rId21"/>
-    <p:sldId id="364" r:id="rId22"/>
-    <p:sldId id="365" r:id="rId23"/>
-    <p:sldId id="366" r:id="rId24"/>
-    <p:sldId id="367" r:id="rId25"/>
-    <p:sldId id="368" r:id="rId26"/>
-    <p:sldId id="358" r:id="rId27"/>
-    <p:sldId id="348" r:id="rId28"/>
-    <p:sldId id="369" r:id="rId29"/>
-    <p:sldId id="344" r:id="rId30"/>
+    <p:sldId id="350" r:id="rId16"/>
+    <p:sldId id="361" r:id="rId17"/>
+    <p:sldId id="359" r:id="rId18"/>
+    <p:sldId id="362" r:id="rId19"/>
+    <p:sldId id="363" r:id="rId20"/>
+    <p:sldId id="364" r:id="rId21"/>
+    <p:sldId id="365" r:id="rId22"/>
+    <p:sldId id="366" r:id="rId23"/>
+    <p:sldId id="367" r:id="rId24"/>
+    <p:sldId id="368" r:id="rId25"/>
+    <p:sldId id="358" r:id="rId26"/>
+    <p:sldId id="348" r:id="rId27"/>
+    <p:sldId id="369" r:id="rId28"/>
+    <p:sldId id="344" r:id="rId29"/>
   </p:sldIdLst>
   <p:sldSz cx="9144000" cy="5143500" type="screen16x9"/>
   <p:notesSz cx="6858000" cy="9144000"/>
@@ -243,7 +242,7 @@
           <a:p>
             <a:fld id="{E0E49B37-B3CF-48A3-B172-7B77541BFFBD}" type="datetimeFigureOut">
               <a:rPr lang="de-DE" smtClean="0"/>
-              <a:t>13.08.24</a:t>
+              <a:t>16.08.24</a:t>
             </a:fld>
             <a:endParaRPr lang="de-DE"/>
           </a:p>
@@ -420,7 +419,7 @@
           <a:p>
             <a:fld id="{A3C54D81-05C3-7140-80BE-EDE0A1F8F28E}" type="datetimeFigureOut">
               <a:rPr lang="en-US" smtClean="0"/>
-              <a:t>8/13/24</a:t>
+              <a:t>8/16/24</a:t>
             </a:fld>
             <a:endParaRPr lang="en-US"/>
           </a:p>
@@ -944,7 +943,7 @@
     </p:spTree>
     <p:extLst>
       <p:ext uri="{BB962C8B-B14F-4D97-AF65-F5344CB8AC3E}">
-        <p14:creationId xmlns:p14="http://schemas.microsoft.com/office/powerpoint/2010/main" val="2144796706"/>
+        <p14:creationId xmlns:p14="http://schemas.microsoft.com/office/powerpoint/2010/main" val="3502057146"/>
       </p:ext>
     </p:extLst>
   </p:cSld>
@@ -998,14 +997,14 @@
           <a:bodyPr/>
           <a:lstStyle/>
           <a:p>
-            <a:endParaRPr lang="de-DE" dirty="0"/>
+            <a:endParaRPr lang="de-DE"/>
           </a:p>
         </p:txBody>
       </p:sp>
     </p:spTree>
     <p:extLst>
       <p:ext uri="{BB962C8B-B14F-4D97-AF65-F5344CB8AC3E}">
-        <p14:creationId xmlns:p14="http://schemas.microsoft.com/office/powerpoint/2010/main" val="3502057146"/>
+        <p14:creationId xmlns:p14="http://schemas.microsoft.com/office/powerpoint/2010/main" val="3594883150"/>
       </p:ext>
     </p:extLst>
   </p:cSld>
@@ -1059,14 +1058,14 @@
           <a:bodyPr/>
           <a:lstStyle/>
           <a:p>
-            <a:endParaRPr lang="de-DE"/>
+            <a:endParaRPr lang="de-DE" dirty="0"/>
           </a:p>
         </p:txBody>
       </p:sp>
     </p:spTree>
     <p:extLst>
       <p:ext uri="{BB962C8B-B14F-4D97-AF65-F5344CB8AC3E}">
-        <p14:creationId xmlns:p14="http://schemas.microsoft.com/office/powerpoint/2010/main" val="3594883150"/>
+        <p14:creationId xmlns:p14="http://schemas.microsoft.com/office/powerpoint/2010/main" val="3248282302"/>
       </p:ext>
     </p:extLst>
   </p:cSld>
@@ -1127,7 +1126,7 @@
     </p:spTree>
     <p:extLst>
       <p:ext uri="{BB962C8B-B14F-4D97-AF65-F5344CB8AC3E}">
-        <p14:creationId xmlns:p14="http://schemas.microsoft.com/office/powerpoint/2010/main" val="3248282302"/>
+        <p14:creationId xmlns:p14="http://schemas.microsoft.com/office/powerpoint/2010/main" val="543389967"/>
       </p:ext>
     </p:extLst>
   </p:cSld>
@@ -1188,7 +1187,7 @@
     </p:spTree>
     <p:extLst>
       <p:ext uri="{BB962C8B-B14F-4D97-AF65-F5344CB8AC3E}">
-        <p14:creationId xmlns:p14="http://schemas.microsoft.com/office/powerpoint/2010/main" val="543389967"/>
+        <p14:creationId xmlns:p14="http://schemas.microsoft.com/office/powerpoint/2010/main" val="3286686428"/>
       </p:ext>
     </p:extLst>
   </p:cSld>
@@ -1249,7 +1248,7 @@
     </p:spTree>
     <p:extLst>
       <p:ext uri="{BB962C8B-B14F-4D97-AF65-F5344CB8AC3E}">
-        <p14:creationId xmlns:p14="http://schemas.microsoft.com/office/powerpoint/2010/main" val="3286686428"/>
+        <p14:creationId xmlns:p14="http://schemas.microsoft.com/office/powerpoint/2010/main" val="3661322570"/>
       </p:ext>
     </p:extLst>
   </p:cSld>
@@ -1310,7 +1309,7 @@
     </p:spTree>
     <p:extLst>
       <p:ext uri="{BB962C8B-B14F-4D97-AF65-F5344CB8AC3E}">
-        <p14:creationId xmlns:p14="http://schemas.microsoft.com/office/powerpoint/2010/main" val="3661322570"/>
+        <p14:creationId xmlns:p14="http://schemas.microsoft.com/office/powerpoint/2010/main" val="1557687623"/>
       </p:ext>
     </p:extLst>
   </p:cSld>
@@ -1371,7 +1370,7 @@
     </p:spTree>
     <p:extLst>
       <p:ext uri="{BB962C8B-B14F-4D97-AF65-F5344CB8AC3E}">
-        <p14:creationId xmlns:p14="http://schemas.microsoft.com/office/powerpoint/2010/main" val="1557687623"/>
+        <p14:creationId xmlns:p14="http://schemas.microsoft.com/office/powerpoint/2010/main" val="374063850"/>
       </p:ext>
     </p:extLst>
   </p:cSld>
@@ -1493,7 +1492,7 @@
     </p:spTree>
     <p:extLst>
       <p:ext uri="{BB962C8B-B14F-4D97-AF65-F5344CB8AC3E}">
-        <p14:creationId xmlns:p14="http://schemas.microsoft.com/office/powerpoint/2010/main" val="374063850"/>
+        <p14:creationId xmlns:p14="http://schemas.microsoft.com/office/powerpoint/2010/main" val="353297911"/>
       </p:ext>
     </p:extLst>
   </p:cSld>
@@ -1554,7 +1553,7 @@
     </p:spTree>
     <p:extLst>
       <p:ext uri="{BB962C8B-B14F-4D97-AF65-F5344CB8AC3E}">
-        <p14:creationId xmlns:p14="http://schemas.microsoft.com/office/powerpoint/2010/main" val="353297911"/>
+        <p14:creationId xmlns:p14="http://schemas.microsoft.com/office/powerpoint/2010/main" val="3961027725"/>
       </p:ext>
     </p:extLst>
   </p:cSld>
@@ -1615,7 +1614,7 @@
     </p:spTree>
     <p:extLst>
       <p:ext uri="{BB962C8B-B14F-4D97-AF65-F5344CB8AC3E}">
-        <p14:creationId xmlns:p14="http://schemas.microsoft.com/office/powerpoint/2010/main" val="3961027725"/>
+        <p14:creationId xmlns:p14="http://schemas.microsoft.com/office/powerpoint/2010/main" val="3250930268"/>
       </p:ext>
     </p:extLst>
   </p:cSld>
@@ -1676,7 +1675,7 @@
     </p:spTree>
     <p:extLst>
       <p:ext uri="{BB962C8B-B14F-4D97-AF65-F5344CB8AC3E}">
-        <p14:creationId xmlns:p14="http://schemas.microsoft.com/office/powerpoint/2010/main" val="3250930268"/>
+        <p14:creationId xmlns:p14="http://schemas.microsoft.com/office/powerpoint/2010/main" val="56817107"/>
       </p:ext>
     </p:extLst>
   </p:cSld>
@@ -1737,7 +1736,7 @@
     </p:spTree>
     <p:extLst>
       <p:ext uri="{BB962C8B-B14F-4D97-AF65-F5344CB8AC3E}">
-        <p14:creationId xmlns:p14="http://schemas.microsoft.com/office/powerpoint/2010/main" val="56817107"/>
+        <p14:creationId xmlns:p14="http://schemas.microsoft.com/office/powerpoint/2010/main" val="2037943046"/>
       </p:ext>
     </p:extLst>
   </p:cSld>
@@ -1748,67 +1747,6 @@
 </file>
 
 <file path=ppt/notesSlides/notesSlide25.xml><?xml version="1.0" encoding="utf-8"?>
-<p:notes xmlns:a="http://schemas.openxmlformats.org/drawingml/2006/main" xmlns:r="http://schemas.openxmlformats.org/officeDocument/2006/relationships" xmlns:p="http://schemas.openxmlformats.org/presentationml/2006/main">
-  <p:cSld>
-    <p:spTree>
-      <p:nvGrpSpPr>
-        <p:cNvPr id="1" name=""/>
-        <p:cNvGrpSpPr/>
-        <p:nvPr/>
-      </p:nvGrpSpPr>
-      <p:grpSpPr>
-        <a:xfrm>
-          <a:off x="0" y="0"/>
-          <a:ext cx="0" cy="0"/>
-          <a:chOff x="0" y="0"/>
-          <a:chExt cx="0" cy="0"/>
-        </a:xfrm>
-      </p:grpSpPr>
-      <p:sp>
-        <p:nvSpPr>
-          <p:cNvPr id="2" name="Slide Image Placeholder 1"/>
-          <p:cNvSpPr>
-            <a:spLocks noGrp="1" noRot="1" noChangeAspect="1"/>
-          </p:cNvSpPr>
-          <p:nvPr>
-            <p:ph type="sldImg"/>
-          </p:nvPr>
-        </p:nvSpPr>
-        <p:spPr/>
-      </p:sp>
-      <p:sp>
-        <p:nvSpPr>
-          <p:cNvPr id="3" name="Notes Placeholder 2"/>
-          <p:cNvSpPr>
-            <a:spLocks noGrp="1"/>
-          </p:cNvSpPr>
-          <p:nvPr>
-            <p:ph type="body" idx="1"/>
-          </p:nvPr>
-        </p:nvSpPr>
-        <p:spPr/>
-        <p:txBody>
-          <a:bodyPr/>
-          <a:lstStyle/>
-          <a:p>
-            <a:endParaRPr lang="de-DE" dirty="0"/>
-          </a:p>
-        </p:txBody>
-      </p:sp>
-    </p:spTree>
-    <p:extLst>
-      <p:ext uri="{BB962C8B-B14F-4D97-AF65-F5344CB8AC3E}">
-        <p14:creationId xmlns:p14="http://schemas.microsoft.com/office/powerpoint/2010/main" val="2037943046"/>
-      </p:ext>
-    </p:extLst>
-  </p:cSld>
-  <p:clrMapOvr>
-    <a:masterClrMapping/>
-  </p:clrMapOvr>
-</p:notes>
-</file>
-
-<file path=ppt/notesSlides/notesSlide26.xml><?xml version="1.0" encoding="utf-8"?>
 <p:notes xmlns:a="http://schemas.openxmlformats.org/drawingml/2006/main" xmlns:r="http://schemas.openxmlformats.org/officeDocument/2006/relationships" xmlns:p="http://schemas.openxmlformats.org/presentationml/2006/main">
   <p:cSld>
     <p:spTree>
@@ -4282,7 +4220,7 @@
             <a:fld id="{1752D0F8-6159-4366-B54E-606536237956}" type="datetimeFigureOut">
               <a:rPr lang="de-DE" smtClean="0"/>
               <a:pPr/>
-              <a:t>13.08.24</a:t>
+              <a:t>16.08.24</a:t>
             </a:fld>
             <a:endParaRPr lang="de-DE"/>
           </a:p>
@@ -9561,7 +9499,7 @@
           <a:p>
             <a:fld id="{C764DE79-268F-4C1A-8933-263129D2AF90}" type="datetimeFigureOut">
               <a:rPr lang="en-US" dirty="0"/>
-              <a:t>8/13/24</a:t>
+              <a:t>8/16/24</a:t>
             </a:fld>
             <a:endParaRPr lang="en-US"/>
           </a:p>
@@ -10486,14 +10424,14 @@
           </a:ln>
           <a:extLst>
             <a:ext uri="{909E8E84-426E-40dd-AFC4-6F175D3DCCD1}">
-              <a14:hiddenFill xmlns="" xmlns:a14="http://schemas.microsoft.com/office/drawing/2010/main">
+              <a14:hiddenFill xmlns:a14="http://schemas.microsoft.com/office/drawing/2010/main" xmlns="">
                 <a:solidFill>
                   <a:srgbClr val="FFFFFF"/>
                 </a:solidFill>
               </a14:hiddenFill>
             </a:ext>
             <a:ext uri="{91240B29-F687-4f45-9708-019B960494DF}">
-              <a14:hiddenLine xmlns="" xmlns:a14="http://schemas.microsoft.com/office/drawing/2010/main" w="12700" cap="flat">
+              <a14:hiddenLine xmlns:a14="http://schemas.microsoft.com/office/drawing/2010/main" xmlns="" w="12700" cap="flat">
                 <a:solidFill>
                   <a:schemeClr val="tx1"/>
                 </a:solidFill>
@@ -10537,14 +10475,14 @@
           </a:ln>
           <a:extLst>
             <a:ext uri="{909E8E84-426E-40dd-AFC4-6F175D3DCCD1}">
-              <a14:hiddenFill xmlns="" xmlns:a14="http://schemas.microsoft.com/office/drawing/2010/main">
+              <a14:hiddenFill xmlns:a14="http://schemas.microsoft.com/office/drawing/2010/main" xmlns="">
                 <a:solidFill>
                   <a:srgbClr val="FFFFFF"/>
                 </a:solidFill>
               </a14:hiddenFill>
             </a:ext>
             <a:ext uri="{91240B29-F687-4f45-9708-019B960494DF}">
-              <a14:hiddenLine xmlns="" xmlns:a14="http://schemas.microsoft.com/office/drawing/2010/main" w="12700" cap="flat">
+              <a14:hiddenLine xmlns:a14="http://schemas.microsoft.com/office/drawing/2010/main" xmlns="" w="12700" cap="flat">
                 <a:solidFill>
                   <a:schemeClr val="tx1"/>
                 </a:solidFill>
@@ -10742,14 +10680,14 @@
           </a:ln>
           <a:extLst>
             <a:ext uri="{909E8E84-426E-40dd-AFC4-6F175D3DCCD1}">
-              <a14:hiddenFill xmlns="" xmlns:a14="http://schemas.microsoft.com/office/drawing/2010/main">
+              <a14:hiddenFill xmlns:a14="http://schemas.microsoft.com/office/drawing/2010/main" xmlns="">
                 <a:solidFill>
                   <a:srgbClr val="FFFFFF"/>
                 </a:solidFill>
               </a14:hiddenFill>
             </a:ext>
             <a:ext uri="{91240B29-F687-4f45-9708-019B960494DF}">
-              <a14:hiddenLine xmlns="" xmlns:a14="http://schemas.microsoft.com/office/drawing/2010/main" w="12700" cap="flat">
+              <a14:hiddenLine xmlns:a14="http://schemas.microsoft.com/office/drawing/2010/main" xmlns="" w="12700" cap="flat">
                 <a:solidFill>
                   <a:schemeClr val="tx1"/>
                 </a:solidFill>
@@ -10793,14 +10731,14 @@
           </a:ln>
           <a:extLst>
             <a:ext uri="{909E8E84-426E-40dd-AFC4-6F175D3DCCD1}">
-              <a14:hiddenFill xmlns="" xmlns:a14="http://schemas.microsoft.com/office/drawing/2010/main">
+              <a14:hiddenFill xmlns:a14="http://schemas.microsoft.com/office/drawing/2010/main" xmlns="">
                 <a:solidFill>
                   <a:srgbClr val="FFFFFF"/>
                 </a:solidFill>
               </a14:hiddenFill>
             </a:ext>
             <a:ext uri="{91240B29-F687-4f45-9708-019B960494DF}">
-              <a14:hiddenLine xmlns="" xmlns:a14="http://schemas.microsoft.com/office/drawing/2010/main" w="12700" cap="flat">
+              <a14:hiddenLine xmlns:a14="http://schemas.microsoft.com/office/drawing/2010/main" xmlns="" w="12700" cap="flat">
                 <a:solidFill>
                   <a:schemeClr val="tx1"/>
                 </a:solidFill>
@@ -11013,315 +10951,6 @@
 </file>
 
 <file path=ppt/slides/slide12.xml><?xml version="1.0" encoding="utf-8"?>
-<p:sld xmlns:a="http://schemas.openxmlformats.org/drawingml/2006/main" xmlns:r="http://schemas.openxmlformats.org/officeDocument/2006/relationships" xmlns:p="http://schemas.openxmlformats.org/presentationml/2006/main">
-  <p:cSld>
-    <p:spTree>
-      <p:nvGrpSpPr>
-        <p:cNvPr id="1" name=""/>
-        <p:cNvGrpSpPr/>
-        <p:nvPr/>
-      </p:nvGrpSpPr>
-      <p:grpSpPr>
-        <a:xfrm>
-          <a:off x="0" y="0"/>
-          <a:ext cx="0" cy="0"/>
-          <a:chOff x="0" y="0"/>
-          <a:chExt cx="0" cy="0"/>
-        </a:xfrm>
-      </p:grpSpPr>
-      <p:sp>
-        <p:nvSpPr>
-          <p:cNvPr id="12" name="Rectangle 7"/>
-          <p:cNvSpPr>
-            <a:spLocks/>
-          </p:cNvSpPr>
-          <p:nvPr/>
-        </p:nvSpPr>
-        <p:spPr bwMode="auto">
-          <a:xfrm>
-            <a:off x="715617" y="1582532"/>
-            <a:ext cx="3368348" cy="2565067"/>
-          </a:xfrm>
-          <a:prstGeom prst="rect">
-            <a:avLst/>
-          </a:prstGeom>
-          <a:noFill/>
-          <a:ln>
-            <a:noFill/>
-          </a:ln>
-          <a:extLst>
-            <a:ext uri="{909E8E84-426E-40dd-AFC4-6F175D3DCCD1}">
-              <a14:hiddenFill xmlns:a14="http://schemas.microsoft.com/office/drawing/2010/main" xmlns="">
-                <a:solidFill>
-                  <a:srgbClr val="FFFFFF"/>
-                </a:solidFill>
-              </a14:hiddenFill>
-            </a:ext>
-            <a:ext uri="{91240B29-F687-4f45-9708-019B960494DF}">
-              <a14:hiddenLine xmlns:a14="http://schemas.microsoft.com/office/drawing/2010/main" xmlns="" w="12700" cap="flat">
-                <a:solidFill>
-                  <a:schemeClr val="tx1"/>
-                </a:solidFill>
-                <a:miter lim="800000"/>
-                <a:headEnd type="none" w="med" len="med"/>
-                <a:tailEnd type="none" w="med" len="med"/>
-              </a14:hiddenLine>
-            </a:ext>
-          </a:extLst>
-        </p:spPr>
-        <p:txBody>
-          <a:bodyPr lIns="0" tIns="0" rIns="0" bIns="0" anchor="t"/>
-          <a:lstStyle/>
-          <a:p>
-            <a:endParaRPr lang="en-US" sz="1800" dirty="0">
-              <a:ea typeface="ＭＳ Ｐゴシック" charset="0"/>
-              <a:sym typeface="Lato Light" charset="0"/>
-            </a:endParaRPr>
-          </a:p>
-        </p:txBody>
-      </p:sp>
-      <p:sp>
-        <p:nvSpPr>
-          <p:cNvPr id="24" name="Rectangle 7"/>
-          <p:cNvSpPr>
-            <a:spLocks/>
-          </p:cNvSpPr>
-          <p:nvPr/>
-        </p:nvSpPr>
-        <p:spPr bwMode="auto">
-          <a:xfrm>
-            <a:off x="5171902" y="1456376"/>
-            <a:ext cx="3256481" cy="2834318"/>
-          </a:xfrm>
-          <a:prstGeom prst="rect">
-            <a:avLst/>
-          </a:prstGeom>
-          <a:noFill/>
-          <a:ln>
-            <a:noFill/>
-          </a:ln>
-          <a:extLst>
-            <a:ext uri="{909E8E84-426E-40dd-AFC4-6F175D3DCCD1}">
-              <a14:hiddenFill xmlns:a14="http://schemas.microsoft.com/office/drawing/2010/main" xmlns="">
-                <a:solidFill>
-                  <a:srgbClr val="FFFFFF"/>
-                </a:solidFill>
-              </a14:hiddenFill>
-            </a:ext>
-            <a:ext uri="{91240B29-F687-4f45-9708-019B960494DF}">
-              <a14:hiddenLine xmlns:a14="http://schemas.microsoft.com/office/drawing/2010/main" xmlns="" w="12700" cap="flat">
-                <a:solidFill>
-                  <a:schemeClr val="tx1"/>
-                </a:solidFill>
-                <a:miter lim="800000"/>
-                <a:headEnd type="none" w="med" len="med"/>
-                <a:tailEnd type="none" w="med" len="med"/>
-              </a14:hiddenLine>
-            </a:ext>
-          </a:extLst>
-        </p:spPr>
-        <p:txBody>
-          <a:bodyPr lIns="0" tIns="0" rIns="0" bIns="0" anchor="t"/>
-          <a:lstStyle/>
-          <a:p>
-            <a:endParaRPr lang="en-US" sz="1800" dirty="0">
-              <a:ea typeface="ＭＳ Ｐゴシック" charset="0"/>
-              <a:cs typeface="Lato Light" charset="0"/>
-              <a:sym typeface="Lato Light" charset="0"/>
-            </a:endParaRPr>
-          </a:p>
-        </p:txBody>
-      </p:sp>
-      <p:sp>
-        <p:nvSpPr>
-          <p:cNvPr id="15" name="Title 14">
-            <a:extLst>
-              <a:ext uri="{FF2B5EF4-FFF2-40B4-BE49-F238E27FC236}">
-                <a16:creationId xmlns:a16="http://schemas.microsoft.com/office/drawing/2014/main" id="{AC70AFF7-D39C-1B45-8E56-844E670FBDCF}"/>
-              </a:ext>
-            </a:extLst>
-          </p:cNvPr>
-          <p:cNvSpPr>
-            <a:spLocks noGrp="1"/>
-          </p:cNvSpPr>
-          <p:nvPr>
-            <p:ph type="title"/>
-          </p:nvPr>
-        </p:nvSpPr>
-        <p:spPr>
-          <a:xfrm>
-            <a:off x="1122018" y="219808"/>
-            <a:ext cx="7647210" cy="638313"/>
-          </a:xfrm>
-        </p:spPr>
-        <p:txBody>
-          <a:bodyPr>
-            <a:normAutofit fontScale="90000"/>
-          </a:bodyPr>
-          <a:lstStyle/>
-          <a:p>
-            <a:r>
-              <a:rPr lang="en-US" dirty="0"/>
-              <a:t>KOPF library vs implementation from scratch</a:t>
-            </a:r>
-          </a:p>
-        </p:txBody>
-      </p:sp>
-      <p:pic>
-        <p:nvPicPr>
-          <p:cNvPr id="4" name="Picture 3" descr="A blue hexagon with white and blue gears&#10;&#10;Description automatically generated">
-            <a:extLst>
-              <a:ext uri="{FF2B5EF4-FFF2-40B4-BE49-F238E27FC236}">
-                <a16:creationId xmlns:a16="http://schemas.microsoft.com/office/drawing/2014/main" id="{E3D5D9D7-1E4A-870B-BEC3-4F2878358332}"/>
-              </a:ext>
-            </a:extLst>
-          </p:cNvPr>
-          <p:cNvPicPr>
-            <a:picLocks noChangeAspect="1"/>
-          </p:cNvPicPr>
-          <p:nvPr/>
-        </p:nvPicPr>
-        <p:blipFill>
-          <a:blip r:embed="rId4"/>
-          <a:stretch>
-            <a:fillRect/>
-          </a:stretch>
-        </p:blipFill>
-        <p:spPr>
-          <a:xfrm>
-            <a:off x="309217" y="172437"/>
-            <a:ext cx="812800" cy="787400"/>
-          </a:xfrm>
-          <a:prstGeom prst="rect">
-            <a:avLst/>
-          </a:prstGeom>
-        </p:spPr>
-      </p:pic>
-      <p:sp>
-        <p:nvSpPr>
-          <p:cNvPr id="2" name="TextBox 1">
-            <a:extLst>
-              <a:ext uri="{FF2B5EF4-FFF2-40B4-BE49-F238E27FC236}">
-                <a16:creationId xmlns:a16="http://schemas.microsoft.com/office/drawing/2014/main" id="{33940E9E-4677-5B7F-B615-64BE1B2F9D8E}"/>
-              </a:ext>
-            </a:extLst>
-          </p:cNvPr>
-          <p:cNvSpPr txBox="1"/>
-          <p:nvPr/>
-        </p:nvSpPr>
-        <p:spPr>
-          <a:xfrm>
-            <a:off x="1125538" y="1480816"/>
-            <a:ext cx="8039124" cy="2308324"/>
-          </a:xfrm>
-          <a:prstGeom prst="rect">
-            <a:avLst/>
-          </a:prstGeom>
-          <a:noFill/>
-        </p:spPr>
-        <p:txBody>
-          <a:bodyPr wrap="none" rtlCol="0">
-            <a:spAutoFit/>
-          </a:bodyPr>
-          <a:lstStyle/>
-          <a:p>
-            <a:r>
-              <a:rPr lang="en-US" sz="2400" dirty="0">
-                <a:solidFill>
-                  <a:srgbClr val="7030A0"/>
-                </a:solidFill>
-              </a:rPr>
-              <a:t>Advantages of KOPF:</a:t>
-            </a:r>
-          </a:p>
-          <a:p>
-            <a:r>
-              <a:rPr lang="en-US" sz="2400" dirty="0">
-                <a:solidFill>
-                  <a:srgbClr val="7030A0"/>
-                </a:solidFill>
-                <a:effectLst/>
-              </a:rPr>
-              <a:t>- Abstracts away boilerplate (event types, run in a thread)</a:t>
-            </a:r>
-            <a:br>
-              <a:rPr lang="en-US" sz="2400" dirty="0">
-                <a:solidFill>
-                  <a:srgbClr val="7030A0"/>
-                </a:solidFill>
-                <a:effectLst/>
-              </a:rPr>
-            </a:br>
-            <a:r>
-              <a:rPr lang="en-US" sz="2400" dirty="0">
-                <a:solidFill>
-                  <a:srgbClr val="7030A0"/>
-                </a:solidFill>
-                <a:effectLst/>
-              </a:rPr>
-              <a:t>- Automatic Retry on error</a:t>
-            </a:r>
-            <a:br>
-              <a:rPr lang="en-US" sz="2400" dirty="0">
-                <a:solidFill>
-                  <a:srgbClr val="7030A0"/>
-                </a:solidFill>
-                <a:effectLst/>
-              </a:rPr>
-            </a:br>
-            <a:r>
-              <a:rPr lang="en-US" sz="2400" dirty="0">
-                <a:solidFill>
-                  <a:srgbClr val="7030A0"/>
-                </a:solidFill>
-                <a:effectLst/>
-              </a:rPr>
-              <a:t>- connect the custom resource to a child resource with one line</a:t>
-            </a:r>
-            <a:br>
-              <a:rPr lang="en-US" sz="2400" dirty="0">
-                <a:solidFill>
-                  <a:srgbClr val="7030A0"/>
-                </a:solidFill>
-                <a:effectLst/>
-              </a:rPr>
-            </a:br>
-            <a:r>
-              <a:rPr lang="en-US" sz="2400" dirty="0">
-                <a:solidFill>
-                  <a:srgbClr val="7030A0"/>
-                </a:solidFill>
-                <a:effectLst/>
-              </a:rPr>
-              <a:t>- built-in ability to filter on fields, annotations</a:t>
-            </a:r>
-          </a:p>
-          <a:p>
-            <a:endParaRPr lang="en-US" sz="2400" dirty="0">
-              <a:solidFill>
-                <a:srgbClr val="7030A0"/>
-              </a:solidFill>
-            </a:endParaRPr>
-          </a:p>
-        </p:txBody>
-      </p:sp>
-    </p:spTree>
-    <p:custDataLst>
-      <p:tags r:id="rId1"/>
-    </p:custDataLst>
-    <p:extLst>
-      <p:ext uri="{BB962C8B-B14F-4D97-AF65-F5344CB8AC3E}">
-        <p14:creationId xmlns:p14="http://schemas.microsoft.com/office/powerpoint/2010/main" val="537672001"/>
-      </p:ext>
-    </p:extLst>
-  </p:cSld>
-  <p:clrMapOvr>
-    <a:masterClrMapping/>
-  </p:clrMapOvr>
-</p:sld>
-</file>
-
-<file path=ppt/slides/slide13.xml><?xml version="1.0" encoding="utf-8"?>
 <p:sld xmlns:a="http://schemas.openxmlformats.org/drawingml/2006/main" xmlns:r="http://schemas.openxmlformats.org/officeDocument/2006/relationships" xmlns:p="http://schemas.openxmlformats.org/presentationml/2006/main">
   <p:cSld>
     <p:bg>
@@ -11884,14 +11513,14 @@
           </a:ln>
           <a:extLst>
             <a:ext uri="{909E8E84-426E-40dd-AFC4-6F175D3DCCD1}">
-              <a14:hiddenFill xmlns="" xmlns:a14="http://schemas.microsoft.com/office/drawing/2010/main">
+              <a14:hiddenFill xmlns:a14="http://schemas.microsoft.com/office/drawing/2010/main" xmlns="">
                 <a:solidFill>
                   <a:srgbClr val="FFFFFF"/>
                 </a:solidFill>
               </a14:hiddenFill>
             </a:ext>
             <a:ext uri="{91240B29-F687-4f45-9708-019B960494DF}">
-              <a14:hiddenLine xmlns="" xmlns:a14="http://schemas.microsoft.com/office/drawing/2010/main" w="12700" cap="flat">
+              <a14:hiddenLine xmlns:a14="http://schemas.microsoft.com/office/drawing/2010/main" xmlns="" w="12700" cap="flat">
                 <a:solidFill>
                   <a:schemeClr val="tx1"/>
                 </a:solidFill>
@@ -11935,14 +11564,14 @@
           </a:ln>
           <a:extLst>
             <a:ext uri="{909E8E84-426E-40dd-AFC4-6F175D3DCCD1}">
-              <a14:hiddenFill xmlns="" xmlns:a14="http://schemas.microsoft.com/office/drawing/2010/main">
+              <a14:hiddenFill xmlns:a14="http://schemas.microsoft.com/office/drawing/2010/main" xmlns="">
                 <a:solidFill>
                   <a:srgbClr val="FFFFFF"/>
                 </a:solidFill>
               </a14:hiddenFill>
             </a:ext>
             <a:ext uri="{91240B29-F687-4f45-9708-019B960494DF}">
-              <a14:hiddenLine xmlns="" xmlns:a14="http://schemas.microsoft.com/office/drawing/2010/main" w="12700" cap="flat">
+              <a14:hiddenLine xmlns:a14="http://schemas.microsoft.com/office/drawing/2010/main" xmlns="" w="12700" cap="flat">
                 <a:solidFill>
                   <a:schemeClr val="tx1"/>
                 </a:solidFill>
@@ -12032,6 +11661,522 @@
     <p:extLst>
       <p:ext uri="{BB962C8B-B14F-4D97-AF65-F5344CB8AC3E}">
         <p14:creationId xmlns:p14="http://schemas.microsoft.com/office/powerpoint/2010/main" val="631362533"/>
+      </p:ext>
+    </p:extLst>
+  </p:cSld>
+  <p:clrMapOvr>
+    <a:masterClrMapping/>
+  </p:clrMapOvr>
+</p:sld>
+</file>
+
+<file path=ppt/slides/slide13.xml><?xml version="1.0" encoding="utf-8"?>
+<p:sld xmlns:a="http://schemas.openxmlformats.org/drawingml/2006/main" xmlns:r="http://schemas.openxmlformats.org/officeDocument/2006/relationships" xmlns:p="http://schemas.openxmlformats.org/presentationml/2006/main">
+  <p:cSld>
+    <p:spTree>
+      <p:nvGrpSpPr>
+        <p:cNvPr id="1" name=""/>
+        <p:cNvGrpSpPr/>
+        <p:nvPr/>
+      </p:nvGrpSpPr>
+      <p:grpSpPr>
+        <a:xfrm>
+          <a:off x="0" y="0"/>
+          <a:ext cx="0" cy="0"/>
+          <a:chOff x="0" y="0"/>
+          <a:chExt cx="0" cy="0"/>
+        </a:xfrm>
+      </p:grpSpPr>
+      <p:sp>
+        <p:nvSpPr>
+          <p:cNvPr id="35" name="Rounded Rectangle 34">
+            <a:extLst>
+              <a:ext uri="{FF2B5EF4-FFF2-40B4-BE49-F238E27FC236}">
+                <a16:creationId xmlns:a16="http://schemas.microsoft.com/office/drawing/2014/main" id="{E4B44EE6-6553-7A48-A99C-D2C7DFFBED27}"/>
+              </a:ext>
+            </a:extLst>
+          </p:cNvPr>
+          <p:cNvSpPr/>
+          <p:nvPr/>
+        </p:nvSpPr>
+        <p:spPr>
+          <a:xfrm>
+            <a:off x="277421" y="1456376"/>
+            <a:ext cx="4075481" cy="3120987"/>
+          </a:xfrm>
+          <a:prstGeom prst="roundRect">
+            <a:avLst/>
+          </a:prstGeom>
+          <a:solidFill>
+            <a:schemeClr val="bg1">
+              <a:lumMod val="95000"/>
+            </a:schemeClr>
+          </a:solidFill>
+          <a:ln>
+            <a:noFill/>
+          </a:ln>
+        </p:spPr>
+        <p:style>
+          <a:lnRef idx="2">
+            <a:schemeClr val="accent1">
+              <a:shade val="50000"/>
+            </a:schemeClr>
+          </a:lnRef>
+          <a:fillRef idx="1">
+            <a:schemeClr val="accent1"/>
+          </a:fillRef>
+          <a:effectRef idx="0">
+            <a:schemeClr val="accent1"/>
+          </a:effectRef>
+          <a:fontRef idx="minor">
+            <a:schemeClr val="lt1"/>
+          </a:fontRef>
+        </p:style>
+        <p:txBody>
+          <a:bodyPr rot="0" spcFirstLastPara="0" vertOverflow="overflow" horzOverflow="overflow" vert="horz" wrap="square" lIns="91440" tIns="45720" rIns="91440" bIns="45720" numCol="1" spcCol="0" rtlCol="0" fromWordArt="0" anchor="t" anchorCtr="0" forceAA="0" compatLnSpc="1">
+            <a:prstTxWarp prst="textNoShape">
+              <a:avLst/>
+            </a:prstTxWarp>
+            <a:noAutofit/>
+          </a:bodyPr>
+          <a:lstStyle/>
+          <a:p>
+            <a:pPr marL="285750" indent="-285750">
+              <a:buFont typeface="Arial" panose="020B0604020202020204" pitchFamily="34" charset="0"/>
+              <a:buChar char="•"/>
+            </a:pPr>
+            <a:r>
+              <a:rPr lang="en-US" sz="1800" dirty="0">
+                <a:solidFill>
+                  <a:srgbClr val="7030A0"/>
+                </a:solidFill>
+              </a:rPr>
+              <a:t>Simpler to implement</a:t>
+            </a:r>
+          </a:p>
+          <a:p>
+            <a:pPr marL="285750" indent="-285750">
+              <a:buFont typeface="Arial" panose="020B0604020202020204" pitchFamily="34" charset="0"/>
+              <a:buChar char="•"/>
+            </a:pPr>
+            <a:r>
+              <a:rPr lang="en-US" sz="1800" dirty="0">
+                <a:solidFill>
+                  <a:srgbClr val="7030A0"/>
+                </a:solidFill>
+              </a:rPr>
+              <a:t>Native management (e.g. </a:t>
+            </a:r>
+            <a:r>
+              <a:rPr lang="en-US" sz="1800" dirty="0" err="1">
+                <a:solidFill>
+                  <a:srgbClr val="7030A0"/>
+                </a:solidFill>
+              </a:rPr>
+              <a:t>kubectl</a:t>
+            </a:r>
+            <a:r>
+              <a:rPr lang="en-US" sz="1800" dirty="0">
+                <a:solidFill>
+                  <a:srgbClr val="7030A0"/>
+                </a:solidFill>
+              </a:rPr>
+              <a:t> get &lt;</a:t>
+            </a:r>
+            <a:r>
+              <a:rPr lang="en-US" sz="1800" dirty="0" err="1">
+                <a:solidFill>
+                  <a:srgbClr val="7030A0"/>
+                </a:solidFill>
+              </a:rPr>
+              <a:t>cr</a:t>
+            </a:r>
+            <a:r>
+              <a:rPr lang="en-US" sz="1800" dirty="0">
+                <a:solidFill>
+                  <a:srgbClr val="7030A0"/>
+                </a:solidFill>
+              </a:rPr>
+              <a:t> name&gt;)</a:t>
+            </a:r>
+          </a:p>
+          <a:p>
+            <a:pPr marL="285750" indent="-285750">
+              <a:buFont typeface="Arial" panose="020B0604020202020204" pitchFamily="34" charset="0"/>
+              <a:buChar char="•"/>
+            </a:pPr>
+            <a:r>
+              <a:rPr lang="en-US" sz="1800" dirty="0">
+                <a:solidFill>
+                  <a:srgbClr val="7030A0"/>
+                </a:solidFill>
+              </a:rPr>
+              <a:t>Custom workflows based on resource operations (creation, update, deletion)</a:t>
+            </a:r>
+          </a:p>
+        </p:txBody>
+      </p:sp>
+      <p:sp>
+        <p:nvSpPr>
+          <p:cNvPr id="34" name="Rounded Rectangle 33">
+            <a:extLst>
+              <a:ext uri="{FF2B5EF4-FFF2-40B4-BE49-F238E27FC236}">
+                <a16:creationId xmlns:a16="http://schemas.microsoft.com/office/drawing/2014/main" id="{357D3670-FEDA-4040-82F7-4BA72E4DAA77}"/>
+              </a:ext>
+            </a:extLst>
+          </p:cNvPr>
+          <p:cNvSpPr/>
+          <p:nvPr/>
+        </p:nvSpPr>
+        <p:spPr>
+          <a:xfrm>
+            <a:off x="4651074" y="1456374"/>
+            <a:ext cx="4075481" cy="3109427"/>
+          </a:xfrm>
+          <a:prstGeom prst="roundRect">
+            <a:avLst/>
+          </a:prstGeom>
+          <a:solidFill>
+            <a:schemeClr val="bg1">
+              <a:lumMod val="95000"/>
+            </a:schemeClr>
+          </a:solidFill>
+          <a:ln>
+            <a:noFill/>
+          </a:ln>
+        </p:spPr>
+        <p:style>
+          <a:lnRef idx="2">
+            <a:schemeClr val="accent1">
+              <a:shade val="50000"/>
+            </a:schemeClr>
+          </a:lnRef>
+          <a:fillRef idx="1">
+            <a:schemeClr val="accent1"/>
+          </a:fillRef>
+          <a:effectRef idx="0">
+            <a:schemeClr val="accent1"/>
+          </a:effectRef>
+          <a:fontRef idx="minor">
+            <a:schemeClr val="lt1"/>
+          </a:fontRef>
+        </p:style>
+        <p:txBody>
+          <a:bodyPr rtlCol="0" anchor="t"/>
+          <a:lstStyle/>
+          <a:p>
+            <a:pPr marL="285750" indent="-285750">
+              <a:buFont typeface="Arial" panose="020B0604020202020204" pitchFamily="34" charset="0"/>
+              <a:buChar char="•"/>
+            </a:pPr>
+            <a:r>
+              <a:rPr lang="en-US" sz="1800" dirty="0">
+                <a:solidFill>
+                  <a:srgbClr val="6E53BB"/>
+                </a:solidFill>
+                <a:effectLst/>
+              </a:rPr>
+              <a:t>Performance</a:t>
+            </a:r>
+          </a:p>
+          <a:p>
+            <a:pPr marL="285750" indent="-285750">
+              <a:buFont typeface="Arial" panose="020B0604020202020204" pitchFamily="34" charset="0"/>
+              <a:buChar char="•"/>
+            </a:pPr>
+            <a:r>
+              <a:rPr lang="en-US" sz="1800" dirty="0">
+                <a:solidFill>
+                  <a:srgbClr val="6E53BB"/>
+                </a:solidFill>
+                <a:effectLst/>
+              </a:rPr>
+              <a:t>Complex endpoints (e.g. query params)</a:t>
+            </a:r>
+          </a:p>
+          <a:p>
+            <a:pPr marL="285750" indent="-285750">
+              <a:buFont typeface="Arial" panose="020B0604020202020204" pitchFamily="34" charset="0"/>
+              <a:buChar char="•"/>
+            </a:pPr>
+            <a:r>
+              <a:rPr lang="en-US" sz="1800" dirty="0">
+                <a:solidFill>
+                  <a:srgbClr val="6E53BB"/>
+                </a:solidFill>
+              </a:rPr>
+              <a:t>Custom authentication</a:t>
+            </a:r>
+          </a:p>
+        </p:txBody>
+      </p:sp>
+      <p:sp>
+        <p:nvSpPr>
+          <p:cNvPr id="12" name="Rectangle 7"/>
+          <p:cNvSpPr>
+            <a:spLocks/>
+          </p:cNvSpPr>
+          <p:nvPr/>
+        </p:nvSpPr>
+        <p:spPr bwMode="auto">
+          <a:xfrm>
+            <a:off x="715617" y="1582532"/>
+            <a:ext cx="3368348" cy="2565067"/>
+          </a:xfrm>
+          <a:prstGeom prst="rect">
+            <a:avLst/>
+          </a:prstGeom>
+          <a:noFill/>
+          <a:ln>
+            <a:noFill/>
+          </a:ln>
+          <a:extLst>
+            <a:ext uri="{909E8E84-426E-40dd-AFC4-6F175D3DCCD1}">
+              <a14:hiddenFill xmlns:a14="http://schemas.microsoft.com/office/drawing/2010/main" xmlns="">
+                <a:solidFill>
+                  <a:srgbClr val="FFFFFF"/>
+                </a:solidFill>
+              </a14:hiddenFill>
+            </a:ext>
+            <a:ext uri="{91240B29-F687-4f45-9708-019B960494DF}">
+              <a14:hiddenLine xmlns:a14="http://schemas.microsoft.com/office/drawing/2010/main" xmlns="" w="12700" cap="flat">
+                <a:solidFill>
+                  <a:schemeClr val="tx1"/>
+                </a:solidFill>
+                <a:miter lim="800000"/>
+                <a:headEnd type="none" w="med" len="med"/>
+                <a:tailEnd type="none" w="med" len="med"/>
+              </a14:hiddenLine>
+            </a:ext>
+          </a:extLst>
+        </p:spPr>
+        <p:txBody>
+          <a:bodyPr lIns="0" tIns="0" rIns="0" bIns="0" anchor="t"/>
+          <a:lstStyle/>
+          <a:p>
+            <a:endParaRPr lang="en-US" sz="1800" dirty="0">
+              <a:ea typeface="ＭＳ Ｐゴシック" charset="0"/>
+              <a:sym typeface="Lato Light" charset="0"/>
+            </a:endParaRPr>
+          </a:p>
+        </p:txBody>
+      </p:sp>
+      <p:sp>
+        <p:nvSpPr>
+          <p:cNvPr id="24" name="Rectangle 7"/>
+          <p:cNvSpPr>
+            <a:spLocks/>
+          </p:cNvSpPr>
+          <p:nvPr/>
+        </p:nvSpPr>
+        <p:spPr bwMode="auto">
+          <a:xfrm>
+            <a:off x="5171902" y="1456376"/>
+            <a:ext cx="3256481" cy="2834318"/>
+          </a:xfrm>
+          <a:prstGeom prst="rect">
+            <a:avLst/>
+          </a:prstGeom>
+          <a:noFill/>
+          <a:ln>
+            <a:noFill/>
+          </a:ln>
+          <a:extLst>
+            <a:ext uri="{909E8E84-426E-40dd-AFC4-6F175D3DCCD1}">
+              <a14:hiddenFill xmlns:a14="http://schemas.microsoft.com/office/drawing/2010/main" xmlns="">
+                <a:solidFill>
+                  <a:srgbClr val="FFFFFF"/>
+                </a:solidFill>
+              </a14:hiddenFill>
+            </a:ext>
+            <a:ext uri="{91240B29-F687-4f45-9708-019B960494DF}">
+              <a14:hiddenLine xmlns:a14="http://schemas.microsoft.com/office/drawing/2010/main" xmlns="" w="12700" cap="flat">
+                <a:solidFill>
+                  <a:schemeClr val="tx1"/>
+                </a:solidFill>
+                <a:miter lim="800000"/>
+                <a:headEnd type="none" w="med" len="med"/>
+                <a:tailEnd type="none" w="med" len="med"/>
+              </a14:hiddenLine>
+            </a:ext>
+          </a:extLst>
+        </p:spPr>
+        <p:txBody>
+          <a:bodyPr lIns="0" tIns="0" rIns="0" bIns="0" anchor="t"/>
+          <a:lstStyle/>
+          <a:p>
+            <a:endParaRPr lang="en-US" sz="1800" dirty="0">
+              <a:ea typeface="ＭＳ Ｐゴシック" charset="0"/>
+              <a:cs typeface="Lato Light" charset="0"/>
+              <a:sym typeface="Lato Light" charset="0"/>
+            </a:endParaRPr>
+          </a:p>
+        </p:txBody>
+      </p:sp>
+      <p:sp>
+        <p:nvSpPr>
+          <p:cNvPr id="15" name="Title 14">
+            <a:extLst>
+              <a:ext uri="{FF2B5EF4-FFF2-40B4-BE49-F238E27FC236}">
+                <a16:creationId xmlns:a16="http://schemas.microsoft.com/office/drawing/2014/main" id="{AC70AFF7-D39C-1B45-8E56-844E670FBDCF}"/>
+              </a:ext>
+            </a:extLst>
+          </p:cNvPr>
+          <p:cNvSpPr>
+            <a:spLocks noGrp="1"/>
+          </p:cNvSpPr>
+          <p:nvPr>
+            <p:ph type="title"/>
+          </p:nvPr>
+        </p:nvSpPr>
+        <p:spPr>
+          <a:xfrm>
+            <a:off x="1122018" y="219808"/>
+            <a:ext cx="7647210" cy="638313"/>
+          </a:xfrm>
+        </p:spPr>
+        <p:txBody>
+          <a:bodyPr/>
+          <a:lstStyle/>
+          <a:p>
+            <a:r>
+              <a:rPr lang="en-US" dirty="0"/>
+              <a:t>When to use CRD or </a:t>
+            </a:r>
+            <a:r>
+              <a:rPr lang="en-US" dirty="0" err="1"/>
+              <a:t>APIService</a:t>
+            </a:r>
+            <a:endParaRPr lang="en-US" dirty="0"/>
+          </a:p>
+        </p:txBody>
+      </p:sp>
+      <p:pic>
+        <p:nvPicPr>
+          <p:cNvPr id="4" name="Picture 3" descr="A blue hexagon with white and blue gears&#10;&#10;Description automatically generated">
+            <a:extLst>
+              <a:ext uri="{FF2B5EF4-FFF2-40B4-BE49-F238E27FC236}">
+                <a16:creationId xmlns:a16="http://schemas.microsoft.com/office/drawing/2014/main" id="{E3D5D9D7-1E4A-870B-BEC3-4F2878358332}"/>
+              </a:ext>
+            </a:extLst>
+          </p:cNvPr>
+          <p:cNvPicPr>
+            <a:picLocks noChangeAspect="1"/>
+          </p:cNvPicPr>
+          <p:nvPr/>
+        </p:nvPicPr>
+        <p:blipFill>
+          <a:blip r:embed="rId4"/>
+          <a:stretch>
+            <a:fillRect/>
+          </a:stretch>
+        </p:blipFill>
+        <p:spPr>
+          <a:xfrm>
+            <a:off x="309217" y="172437"/>
+            <a:ext cx="812800" cy="787400"/>
+          </a:xfrm>
+          <a:prstGeom prst="rect">
+            <a:avLst/>
+          </a:prstGeom>
+        </p:spPr>
+      </p:pic>
+      <p:sp>
+        <p:nvSpPr>
+          <p:cNvPr id="6" name="TextBox 5">
+            <a:extLst>
+              <a:ext uri="{FF2B5EF4-FFF2-40B4-BE49-F238E27FC236}">
+                <a16:creationId xmlns:a16="http://schemas.microsoft.com/office/drawing/2014/main" id="{0E1BDD91-8565-80A6-C782-AFDB3CD8F9CA}"/>
+              </a:ext>
+            </a:extLst>
+          </p:cNvPr>
+          <p:cNvSpPr txBox="1"/>
+          <p:nvPr/>
+        </p:nvSpPr>
+        <p:spPr>
+          <a:xfrm>
+            <a:off x="1929538" y="998305"/>
+            <a:ext cx="940505" cy="461665"/>
+          </a:xfrm>
+          <a:prstGeom prst="rect">
+            <a:avLst/>
+          </a:prstGeom>
+          <a:noFill/>
+        </p:spPr>
+        <p:txBody>
+          <a:bodyPr wrap="square" rtlCol="0">
+            <a:spAutoFit/>
+          </a:bodyPr>
+          <a:lstStyle/>
+          <a:p>
+            <a:r>
+              <a:rPr lang="en-US" sz="2400" dirty="0">
+                <a:solidFill>
+                  <a:schemeClr val="accent1">
+                    <a:lumMod val="75000"/>
+                  </a:schemeClr>
+                </a:solidFill>
+              </a:rPr>
+              <a:t>CRD</a:t>
+            </a:r>
+          </a:p>
+        </p:txBody>
+      </p:sp>
+      <p:sp>
+        <p:nvSpPr>
+          <p:cNvPr id="8" name="TextBox 7">
+            <a:extLst>
+              <a:ext uri="{FF2B5EF4-FFF2-40B4-BE49-F238E27FC236}">
+                <a16:creationId xmlns:a16="http://schemas.microsoft.com/office/drawing/2014/main" id="{A4A0E69B-7CBB-A033-68D8-3A122ED3F0C0}"/>
+              </a:ext>
+            </a:extLst>
+          </p:cNvPr>
+          <p:cNvSpPr txBox="1"/>
+          <p:nvPr/>
+        </p:nvSpPr>
+        <p:spPr>
+          <a:xfrm>
+            <a:off x="5937937" y="998305"/>
+            <a:ext cx="1501753" cy="461665"/>
+          </a:xfrm>
+          <a:prstGeom prst="rect">
+            <a:avLst/>
+          </a:prstGeom>
+          <a:noFill/>
+        </p:spPr>
+        <p:txBody>
+          <a:bodyPr wrap="square" rtlCol="0">
+            <a:spAutoFit/>
+          </a:bodyPr>
+          <a:lstStyle/>
+          <a:p>
+            <a:r>
+              <a:rPr lang="en-US" sz="2400" dirty="0" err="1">
+                <a:solidFill>
+                  <a:schemeClr val="accent1">
+                    <a:lumMod val="75000"/>
+                  </a:schemeClr>
+                </a:solidFill>
+              </a:rPr>
+              <a:t>APIService</a:t>
+            </a:r>
+            <a:endParaRPr lang="en-US" sz="2400" dirty="0">
+              <a:solidFill>
+                <a:schemeClr val="accent1">
+                  <a:lumMod val="75000"/>
+                </a:schemeClr>
+              </a:solidFill>
+            </a:endParaRPr>
+          </a:p>
+        </p:txBody>
+      </p:sp>
+    </p:spTree>
+    <p:custDataLst>
+      <p:tags r:id="rId1"/>
+    </p:custDataLst>
+    <p:extLst>
+      <p:ext uri="{BB962C8B-B14F-4D97-AF65-F5344CB8AC3E}">
+        <p14:creationId xmlns:p14="http://schemas.microsoft.com/office/powerpoint/2010/main" val="1569693153"/>
       </p:ext>
     </p:extLst>
   </p:cSld>
@@ -12060,229 +12205,6 @@
       </p:grpSpPr>
       <p:sp>
         <p:nvSpPr>
-          <p:cNvPr id="35" name="Rounded Rectangle 34">
-            <a:extLst>
-              <a:ext uri="{FF2B5EF4-FFF2-40B4-BE49-F238E27FC236}">
-                <a16:creationId xmlns:a16="http://schemas.microsoft.com/office/drawing/2014/main" id="{E4B44EE6-6553-7A48-A99C-D2C7DFFBED27}"/>
-              </a:ext>
-            </a:extLst>
-          </p:cNvPr>
-          <p:cNvSpPr/>
-          <p:nvPr/>
-        </p:nvSpPr>
-        <p:spPr>
-          <a:xfrm>
-            <a:off x="277421" y="1456376"/>
-            <a:ext cx="4075481" cy="3120987"/>
-          </a:xfrm>
-          <a:prstGeom prst="roundRect">
-            <a:avLst/>
-          </a:prstGeom>
-          <a:solidFill>
-            <a:schemeClr val="bg1">
-              <a:lumMod val="95000"/>
-            </a:schemeClr>
-          </a:solidFill>
-          <a:ln>
-            <a:noFill/>
-          </a:ln>
-        </p:spPr>
-        <p:style>
-          <a:lnRef idx="2">
-            <a:schemeClr val="accent1">
-              <a:shade val="50000"/>
-            </a:schemeClr>
-          </a:lnRef>
-          <a:fillRef idx="1">
-            <a:schemeClr val="accent1"/>
-          </a:fillRef>
-          <a:effectRef idx="0">
-            <a:schemeClr val="accent1"/>
-          </a:effectRef>
-          <a:fontRef idx="minor">
-            <a:schemeClr val="lt1"/>
-          </a:fontRef>
-        </p:style>
-        <p:txBody>
-          <a:bodyPr rot="0" spcFirstLastPara="0" vertOverflow="overflow" horzOverflow="overflow" vert="horz" wrap="square" lIns="91440" tIns="45720" rIns="91440" bIns="45720" numCol="1" spcCol="0" rtlCol="0" fromWordArt="0" anchor="t" anchorCtr="0" forceAA="0" compatLnSpc="1">
-            <a:prstTxWarp prst="textNoShape">
-              <a:avLst/>
-            </a:prstTxWarp>
-            <a:noAutofit/>
-          </a:bodyPr>
-          <a:lstStyle/>
-          <a:p>
-            <a:pPr marL="285750" indent="-285750">
-              <a:buFont typeface="Arial" panose="020B0604020202020204" pitchFamily="34" charset="0"/>
-              <a:buChar char="•"/>
-            </a:pPr>
-            <a:r>
-              <a:rPr lang="en-US" sz="1800" dirty="0">
-                <a:solidFill>
-                  <a:srgbClr val="7030A0"/>
-                </a:solidFill>
-              </a:rPr>
-              <a:t>Simpler to implement</a:t>
-            </a:r>
-          </a:p>
-          <a:p>
-            <a:pPr marL="285750" indent="-285750">
-              <a:buFont typeface="Arial" panose="020B0604020202020204" pitchFamily="34" charset="0"/>
-              <a:buChar char="•"/>
-            </a:pPr>
-            <a:r>
-              <a:rPr lang="en-US" sz="1800" dirty="0">
-                <a:solidFill>
-                  <a:srgbClr val="7030A0"/>
-                </a:solidFill>
-              </a:rPr>
-              <a:t>Native management (e.g. </a:t>
-            </a:r>
-            <a:r>
-              <a:rPr lang="en-US" sz="1800" dirty="0" err="1">
-                <a:solidFill>
-                  <a:srgbClr val="7030A0"/>
-                </a:solidFill>
-              </a:rPr>
-              <a:t>kubectl</a:t>
-            </a:r>
-            <a:r>
-              <a:rPr lang="en-US" sz="1800" dirty="0">
-                <a:solidFill>
-                  <a:srgbClr val="7030A0"/>
-                </a:solidFill>
-              </a:rPr>
-              <a:t> get &lt;</a:t>
-            </a:r>
-            <a:r>
-              <a:rPr lang="en-US" sz="1800" dirty="0" err="1">
-                <a:solidFill>
-                  <a:srgbClr val="7030A0"/>
-                </a:solidFill>
-              </a:rPr>
-              <a:t>cr</a:t>
-            </a:r>
-            <a:r>
-              <a:rPr lang="en-US" sz="1800" dirty="0">
-                <a:solidFill>
-                  <a:srgbClr val="7030A0"/>
-                </a:solidFill>
-              </a:rPr>
-              <a:t> name&gt;)</a:t>
-            </a:r>
-          </a:p>
-          <a:p>
-            <a:pPr marL="285750" indent="-285750">
-              <a:buFont typeface="Arial" panose="020B0604020202020204" pitchFamily="34" charset="0"/>
-              <a:buChar char="•"/>
-            </a:pPr>
-            <a:r>
-              <a:rPr lang="en-US" sz="1800" dirty="0">
-                <a:solidFill>
-                  <a:srgbClr val="7030A0"/>
-                </a:solidFill>
-              </a:rPr>
-              <a:t>Custom workflows based on resource operations (creation, update, deletion)</a:t>
-            </a:r>
-          </a:p>
-        </p:txBody>
-      </p:sp>
-      <p:sp>
-        <p:nvSpPr>
-          <p:cNvPr id="34" name="Rounded Rectangle 33">
-            <a:extLst>
-              <a:ext uri="{FF2B5EF4-FFF2-40B4-BE49-F238E27FC236}">
-                <a16:creationId xmlns:a16="http://schemas.microsoft.com/office/drawing/2014/main" id="{357D3670-FEDA-4040-82F7-4BA72E4DAA77}"/>
-              </a:ext>
-            </a:extLst>
-          </p:cNvPr>
-          <p:cNvSpPr/>
-          <p:nvPr/>
-        </p:nvSpPr>
-        <p:spPr>
-          <a:xfrm>
-            <a:off x="4651074" y="1456374"/>
-            <a:ext cx="4075481" cy="3109427"/>
-          </a:xfrm>
-          <a:prstGeom prst="roundRect">
-            <a:avLst/>
-          </a:prstGeom>
-          <a:solidFill>
-            <a:schemeClr val="bg1">
-              <a:lumMod val="95000"/>
-            </a:schemeClr>
-          </a:solidFill>
-          <a:ln>
-            <a:noFill/>
-          </a:ln>
-        </p:spPr>
-        <p:style>
-          <a:lnRef idx="2">
-            <a:schemeClr val="accent1">
-              <a:shade val="50000"/>
-            </a:schemeClr>
-          </a:lnRef>
-          <a:fillRef idx="1">
-            <a:schemeClr val="accent1"/>
-          </a:fillRef>
-          <a:effectRef idx="0">
-            <a:schemeClr val="accent1"/>
-          </a:effectRef>
-          <a:fontRef idx="minor">
-            <a:schemeClr val="lt1"/>
-          </a:fontRef>
-        </p:style>
-        <p:txBody>
-          <a:bodyPr rtlCol="0" anchor="t"/>
-          <a:lstStyle/>
-          <a:p>
-            <a:pPr marL="285750" indent="-285750">
-              <a:buFont typeface="Arial" panose="020B0604020202020204" pitchFamily="34" charset="0"/>
-              <a:buChar char="•"/>
-            </a:pPr>
-            <a:r>
-              <a:rPr lang="en-US" sz="1800" dirty="0">
-                <a:solidFill>
-                  <a:srgbClr val="6E53BB"/>
-                </a:solidFill>
-                <a:effectLst/>
-              </a:rPr>
-              <a:t>Performance</a:t>
-            </a:r>
-          </a:p>
-          <a:p>
-            <a:pPr marL="285750" indent="-285750">
-              <a:buFont typeface="Arial" panose="020B0604020202020204" pitchFamily="34" charset="0"/>
-              <a:buChar char="•"/>
-            </a:pPr>
-            <a:r>
-              <a:rPr lang="en-US" sz="1800" dirty="0">
-                <a:solidFill>
-                  <a:srgbClr val="6E53BB"/>
-                </a:solidFill>
-                <a:effectLst/>
-              </a:rPr>
-              <a:t>Complex endpoints (e.g. query params)</a:t>
-            </a:r>
-          </a:p>
-          <a:p>
-            <a:pPr marL="285750" indent="-285750">
-              <a:buFont typeface="Arial" panose="020B0604020202020204" pitchFamily="34" charset="0"/>
-              <a:buChar char="•"/>
-            </a:pPr>
-            <a:r>
-              <a:rPr lang="en-US" sz="1800" dirty="0">
-                <a:solidFill>
-                  <a:srgbClr val="6E53BB"/>
-                </a:solidFill>
-              </a:rPr>
-              <a:t>Custom authentication</a:t>
-            </a:r>
-          </a:p>
-        </p:txBody>
-      </p:sp>
-      <p:sp>
-        <p:nvSpPr>
           <p:cNvPr id="12" name="Rectangle 7"/>
           <p:cNvSpPr>
             <a:spLocks/>
@@ -12407,18 +12329,15 @@
           </a:xfrm>
         </p:spPr>
         <p:txBody>
-          <a:bodyPr/>
+          <a:bodyPr>
+            <a:normAutofit/>
+          </a:bodyPr>
           <a:lstStyle/>
           <a:p>
             <a:r>
               <a:rPr lang="en-US" dirty="0"/>
-              <a:t>When to use CRD or </a:t>
-            </a:r>
-            <a:r>
-              <a:rPr lang="en-US" dirty="0" err="1"/>
-              <a:t>APIService</a:t>
-            </a:r>
-            <a:endParaRPr lang="en-US" dirty="0"/>
+              <a:t>Other</a:t>
+            </a:r>
           </a:p>
         </p:txBody>
       </p:sp>
@@ -12454,10 +12373,10 @@
       </p:pic>
       <p:sp>
         <p:nvSpPr>
-          <p:cNvPr id="6" name="TextBox 5">
+          <p:cNvPr id="2" name="TextBox 1">
             <a:extLst>
               <a:ext uri="{FF2B5EF4-FFF2-40B4-BE49-F238E27FC236}">
-                <a16:creationId xmlns:a16="http://schemas.microsoft.com/office/drawing/2014/main" id="{0E1BDD91-8565-80A6-C782-AFDB3CD8F9CA}"/>
+                <a16:creationId xmlns:a16="http://schemas.microsoft.com/office/drawing/2014/main" id="{33940E9E-4677-5B7F-B615-64BE1B2F9D8E}"/>
               </a:ext>
             </a:extLst>
           </p:cNvPr>
@@ -12466,8 +12385,8 @@
         </p:nvSpPr>
         <p:spPr>
           <a:xfrm>
-            <a:off x="1929538" y="998305"/>
-            <a:ext cx="940505" cy="461665"/>
+            <a:off x="1125538" y="1480816"/>
+            <a:ext cx="5671040" cy="1200329"/>
           </a:xfrm>
           <a:prstGeom prst="rect">
             <a:avLst/>
@@ -12475,67 +12394,58 @@
           <a:noFill/>
         </p:spPr>
         <p:txBody>
-          <a:bodyPr wrap="square" rtlCol="0">
+          <a:bodyPr wrap="none" rtlCol="0">
             <a:spAutoFit/>
           </a:bodyPr>
           <a:lstStyle/>
           <a:p>
+            <a:pPr marL="342900" indent="-342900">
+              <a:buFont typeface="Arial" panose="020B0604020202020204" pitchFamily="34" charset="0"/>
+              <a:buChar char="•"/>
+            </a:pPr>
             <a:r>
               <a:rPr lang="en-US" sz="2400" dirty="0">
                 <a:solidFill>
-                  <a:schemeClr val="accent1">
-                    <a:lumMod val="75000"/>
-                  </a:schemeClr>
-                </a:solidFill>
-              </a:rPr>
-              <a:t>CRD</a:t>
-            </a:r>
-          </a:p>
-        </p:txBody>
-      </p:sp>
-      <p:sp>
-        <p:nvSpPr>
-          <p:cNvPr id="8" name="TextBox 7">
-            <a:extLst>
-              <a:ext uri="{FF2B5EF4-FFF2-40B4-BE49-F238E27FC236}">
-                <a16:creationId xmlns:a16="http://schemas.microsoft.com/office/drawing/2014/main" id="{A4A0E69B-7CBB-A033-68D8-3A122ED3F0C0}"/>
-              </a:ext>
-            </a:extLst>
-          </p:cNvPr>
-          <p:cNvSpPr txBox="1"/>
-          <p:nvPr/>
-        </p:nvSpPr>
-        <p:spPr>
-          <a:xfrm>
-            <a:off x="5937937" y="998305"/>
-            <a:ext cx="1501753" cy="461665"/>
-          </a:xfrm>
-          <a:prstGeom prst="rect">
-            <a:avLst/>
-          </a:prstGeom>
-          <a:noFill/>
-        </p:spPr>
-        <p:txBody>
-          <a:bodyPr wrap="square" rtlCol="0">
-            <a:spAutoFit/>
-          </a:bodyPr>
-          <a:lstStyle/>
-          <a:p>
-            <a:r>
-              <a:rPr lang="en-US" sz="2400" dirty="0" err="1">
-                <a:solidFill>
-                  <a:schemeClr val="accent1">
-                    <a:lumMod val="75000"/>
-                  </a:schemeClr>
-                </a:solidFill>
-              </a:rPr>
-              <a:t>APIService</a:t>
+                  <a:srgbClr val="7030A0"/>
+                </a:solidFill>
+              </a:rPr>
+              <a:t>Webhooks</a:t>
+            </a:r>
+          </a:p>
+          <a:p>
+            <a:pPr marL="342900" indent="-342900">
+              <a:buFont typeface="Arial" panose="020B0604020202020204" pitchFamily="34" charset="0"/>
+              <a:buChar char="•"/>
+            </a:pPr>
+            <a:r>
+              <a:rPr lang="en-US" sz="2400" dirty="0">
+                <a:solidFill>
+                  <a:srgbClr val="7030A0"/>
+                </a:solidFill>
+                <a:effectLst/>
+              </a:rPr>
+              <a:t>Open Service Broker API (</a:t>
+            </a:r>
+            <a:r>
+              <a:rPr lang="en-US" sz="2400">
+                <a:solidFill>
+                  <a:srgbClr val="7030A0"/>
+                </a:solidFill>
+                <a:effectLst/>
+              </a:rPr>
+              <a:t>Service catalog)</a:t>
             </a:r>
             <a:endParaRPr lang="en-US" sz="2400" dirty="0">
               <a:solidFill>
-                <a:schemeClr val="accent1">
-                  <a:lumMod val="75000"/>
-                </a:schemeClr>
+                <a:srgbClr val="7030A0"/>
+              </a:solidFill>
+              <a:effectLst/>
+            </a:endParaRPr>
+          </a:p>
+          <a:p>
+            <a:endParaRPr lang="en-US" sz="2400" dirty="0">
+              <a:solidFill>
+                <a:srgbClr val="7030A0"/>
               </a:solidFill>
             </a:endParaRPr>
           </a:p>
@@ -12547,7 +12457,7 @@
     </p:custDataLst>
     <p:extLst>
       <p:ext uri="{BB962C8B-B14F-4D97-AF65-F5344CB8AC3E}">
-        <p14:creationId xmlns:p14="http://schemas.microsoft.com/office/powerpoint/2010/main" val="1569693153"/>
+        <p14:creationId xmlns:p14="http://schemas.microsoft.com/office/powerpoint/2010/main" val="3534536036"/>
       </p:ext>
     </p:extLst>
   </p:cSld>
@@ -12707,7 +12617,7 @@
           <a:p>
             <a:r>
               <a:rPr lang="en-US" dirty="0"/>
-              <a:t>Other</a:t>
+              <a:t>Organizing Kubernetes manifests</a:t>
             </a:r>
           </a:p>
         </p:txBody>
@@ -12757,7 +12667,7 @@
         <p:spPr>
           <a:xfrm>
             <a:off x="1125538" y="1480816"/>
-            <a:ext cx="5671040" cy="1200329"/>
+            <a:ext cx="6058774" cy="461665"/>
           </a:xfrm>
           <a:prstGeom prst="rect">
             <a:avLst/>
@@ -12770,55 +12680,14 @@
           </a:bodyPr>
           <a:lstStyle/>
           <a:p>
-            <a:pPr marL="342900" indent="-342900">
-              <a:buFont typeface="Arial" panose="020B0604020202020204" pitchFamily="34" charset="0"/>
-              <a:buChar char="•"/>
-            </a:pPr>
             <a:r>
               <a:rPr lang="en-US" sz="2400" dirty="0">
                 <a:solidFill>
                   <a:srgbClr val="7030A0"/>
                 </a:solidFill>
               </a:rPr>
-              <a:t>Webhooks</a:t>
-            </a:r>
-          </a:p>
-          <a:p>
-            <a:pPr marL="342900" indent="-342900">
-              <a:buFont typeface="Arial" panose="020B0604020202020204" pitchFamily="34" charset="0"/>
-              <a:buChar char="•"/>
-            </a:pPr>
-            <a:r>
-              <a:rPr lang="en-US" sz="2400" dirty="0">
-                <a:solidFill>
-                  <a:srgbClr val="7030A0"/>
-                </a:solidFill>
-                <a:effectLst/>
-              </a:rPr>
-              <a:t>Open Service Broker API (</a:t>
-            </a:r>
-            <a:r>
-              <a:rPr lang="en-US" sz="2400">
-                <a:solidFill>
-                  <a:srgbClr val="7030A0"/>
-                </a:solidFill>
-                <a:effectLst/>
-              </a:rPr>
-              <a:t>Service catalog)</a:t>
-            </a:r>
-            <a:endParaRPr lang="en-US" sz="2400" dirty="0">
-              <a:solidFill>
-                <a:srgbClr val="7030A0"/>
-              </a:solidFill>
-              <a:effectLst/>
-            </a:endParaRPr>
-          </a:p>
-          <a:p>
-            <a:endParaRPr lang="en-US" sz="2400" dirty="0">
-              <a:solidFill>
-                <a:srgbClr val="7030A0"/>
-              </a:solidFill>
-            </a:endParaRPr>
+              <a:t>Share, version, revert collections of manifests? </a:t>
+            </a:r>
           </a:p>
         </p:txBody>
       </p:sp>
@@ -12828,7 +12697,7 @@
     </p:custDataLst>
     <p:extLst>
       <p:ext uri="{BB962C8B-B14F-4D97-AF65-F5344CB8AC3E}">
-        <p14:creationId xmlns:p14="http://schemas.microsoft.com/office/powerpoint/2010/main" val="3534536036"/>
+        <p14:creationId xmlns:p14="http://schemas.microsoft.com/office/powerpoint/2010/main" val="263092986"/>
       </p:ext>
     </p:extLst>
   </p:cSld>
@@ -12988,7 +12857,7 @@
           <a:p>
             <a:r>
               <a:rPr lang="en-US" dirty="0"/>
-              <a:t>Organizing Kubernetes manifests</a:t>
+              <a:t>Helm</a:t>
             </a:r>
           </a:p>
         </p:txBody>
@@ -13038,7 +12907,7 @@
         <p:spPr>
           <a:xfrm>
             <a:off x="1125538" y="1480816"/>
-            <a:ext cx="6058774" cy="461665"/>
+            <a:ext cx="7312002" cy="1200329"/>
           </a:xfrm>
           <a:prstGeom prst="rect">
             <a:avLst/>
@@ -13057,7 +12926,33 @@
                   <a:srgbClr val="7030A0"/>
                 </a:solidFill>
               </a:rPr>
-              <a:t>Share, version, revert collections of manifests? </a:t>
+              <a:t>A “package manager” for Kubernetes</a:t>
+            </a:r>
+          </a:p>
+          <a:p>
+            <a:endParaRPr lang="en-US" sz="2400" dirty="0">
+              <a:solidFill>
+                <a:srgbClr val="7030A0"/>
+              </a:solidFill>
+            </a:endParaRPr>
+          </a:p>
+          <a:p>
+            <a:r>
+              <a:rPr lang="en-US" sz="2400" dirty="0">
+                <a:solidFill>
+                  <a:srgbClr val="7030A0"/>
+                </a:solidFill>
+                <a:effectLst/>
+              </a:rPr>
+              <a:t>Allows to package and deploy applications in Kubernetes</a:t>
+            </a:r>
+            <a:r>
+              <a:rPr lang="en-US" sz="2400" dirty="0">
+                <a:solidFill>
+                  <a:srgbClr val="7030A0"/>
+                </a:solidFill>
+              </a:rPr>
+              <a:t> </a:t>
             </a:r>
           </a:p>
         </p:txBody>
@@ -13068,7 +12963,7 @@
     </p:custDataLst>
     <p:extLst>
       <p:ext uri="{BB962C8B-B14F-4D97-AF65-F5344CB8AC3E}">
-        <p14:creationId xmlns:p14="http://schemas.microsoft.com/office/powerpoint/2010/main" val="263092986"/>
+        <p14:creationId xmlns:p14="http://schemas.microsoft.com/office/powerpoint/2010/main" val="1264457698"/>
       </p:ext>
     </p:extLst>
   </p:cSld>
@@ -13228,7 +13123,7 @@
           <a:p>
             <a:r>
               <a:rPr lang="en-US" dirty="0"/>
-              <a:t>Helm</a:t>
+              <a:t>Helm chart</a:t>
             </a:r>
           </a:p>
         </p:txBody>
@@ -13278,7 +13173,7 @@
         <p:spPr>
           <a:xfrm>
             <a:off x="1125538" y="1480816"/>
-            <a:ext cx="7312002" cy="1200329"/>
+            <a:ext cx="3994555" cy="1569660"/>
           </a:xfrm>
           <a:prstGeom prst="rect">
             <a:avLst/>
@@ -13296,8 +13191,9 @@
                 <a:solidFill>
                   <a:srgbClr val="7030A0"/>
                 </a:solidFill>
-              </a:rPr>
-              <a:t>A “package manager” for Kubernetes</a:t>
+                <a:effectLst/>
+              </a:rPr>
+              <a:t>A structured collection of files.</a:t>
             </a:r>
           </a:p>
           <a:p>
@@ -13315,8 +13211,10 @@
                 </a:solidFill>
                 <a:effectLst/>
               </a:rPr>
-              <a:t>Allows to package and deploy applications in Kubernetes</a:t>
-            </a:r>
+              <a:t>A running instance = release.</a:t>
+            </a:r>
+          </a:p>
+          <a:p>
             <a:r>
               <a:rPr lang="en-US" sz="2400" dirty="0">
                 <a:solidFill>
@@ -13334,7 +13232,7 @@
     </p:custDataLst>
     <p:extLst>
       <p:ext uri="{BB962C8B-B14F-4D97-AF65-F5344CB8AC3E}">
-        <p14:creationId xmlns:p14="http://schemas.microsoft.com/office/powerpoint/2010/main" val="1264457698"/>
+        <p14:creationId xmlns:p14="http://schemas.microsoft.com/office/powerpoint/2010/main" val="2316758863"/>
       </p:ext>
     </p:extLst>
   </p:cSld>
@@ -13494,7 +13392,7 @@
           <a:p>
             <a:r>
               <a:rPr lang="en-US" dirty="0"/>
-              <a:t>Helm chart</a:t>
+              <a:t>Helm chart features</a:t>
             </a:r>
           </a:p>
         </p:txBody>
@@ -13544,7 +13442,7 @@
         <p:spPr>
           <a:xfrm>
             <a:off x="1125538" y="1480816"/>
-            <a:ext cx="3994555" cy="1569660"/>
+            <a:ext cx="3788858" cy="2677656"/>
           </a:xfrm>
           <a:prstGeom prst="rect">
             <a:avLst/>
@@ -13557,6 +13455,10 @@
           </a:bodyPr>
           <a:lstStyle/>
           <a:p>
+            <a:pPr marL="342900" indent="-342900">
+              <a:buFont typeface="Arial" panose="020B0604020202020204" pitchFamily="34" charset="0"/>
+              <a:buChar char="•"/>
+            </a:pPr>
             <a:r>
               <a:rPr lang="en-US" sz="2400" dirty="0">
                 <a:solidFill>
@@ -13564,26 +13466,85 @@
                 </a:solidFill>
                 <a:effectLst/>
               </a:rPr>
-              <a:t>A structured collection of files.</a:t>
-            </a:r>
-          </a:p>
-          <a:p>
+              <a:t>Track changes via versions</a:t>
+            </a:r>
+          </a:p>
+          <a:p>
+            <a:pPr marL="342900" indent="-342900">
+              <a:buFont typeface="Arial" panose="020B0604020202020204" pitchFamily="34" charset="0"/>
+              <a:buChar char="•"/>
+            </a:pPr>
+            <a:r>
+              <a:rPr lang="en-US" sz="2400" dirty="0">
+                <a:solidFill>
+                  <a:srgbClr val="7030A0"/>
+                </a:solidFill>
+              </a:rPr>
+              <a:t>View release history</a:t>
+            </a:r>
+          </a:p>
+          <a:p>
+            <a:pPr marL="342900" indent="-342900">
+              <a:buFont typeface="Arial" panose="020B0604020202020204" pitchFamily="34" charset="0"/>
+              <a:buChar char="•"/>
+            </a:pPr>
+            <a:r>
+              <a:rPr lang="en-US" sz="2400" dirty="0">
+                <a:solidFill>
+                  <a:srgbClr val="7030A0"/>
+                </a:solidFill>
+                <a:effectLst/>
+              </a:rPr>
+              <a:t>Rollback a release</a:t>
+            </a:r>
+          </a:p>
+          <a:p>
+            <a:pPr marL="342900" indent="-342900">
+              <a:buFont typeface="Arial" panose="020B0604020202020204" pitchFamily="34" charset="0"/>
+              <a:buChar char="•"/>
+            </a:pPr>
+            <a:r>
+              <a:rPr lang="en-US" sz="2400" dirty="0">
+                <a:solidFill>
+                  <a:srgbClr val="7030A0"/>
+                </a:solidFill>
+              </a:rPr>
+              <a:t>“Docker image” a chart</a:t>
+            </a:r>
+          </a:p>
+          <a:p>
+            <a:pPr marL="342900" indent="-342900">
+              <a:buFont typeface="Arial" panose="020B0604020202020204" pitchFamily="34" charset="0"/>
+              <a:buChar char="•"/>
+            </a:pPr>
+            <a:r>
+              <a:rPr lang="en-US" sz="2400" dirty="0">
+                <a:solidFill>
+                  <a:srgbClr val="7030A0"/>
+                </a:solidFill>
+              </a:rPr>
+              <a:t>Share via a remote repo</a:t>
+            </a:r>
+          </a:p>
+          <a:p>
+            <a:pPr marL="342900" indent="-342900">
+              <a:buFont typeface="Arial" panose="020B0604020202020204" pitchFamily="34" charset="0"/>
+              <a:buChar char="•"/>
+            </a:pPr>
+            <a:r>
+              <a:rPr lang="en-US" sz="2400" dirty="0">
+                <a:solidFill>
+                  <a:srgbClr val="7030A0"/>
+                </a:solidFill>
+              </a:rPr>
+              <a:t>Add dependencies </a:t>
+            </a:r>
             <a:endParaRPr lang="en-US" sz="2400" dirty="0">
               <a:solidFill>
                 <a:srgbClr val="7030A0"/>
               </a:solidFill>
+              <a:effectLst/>
             </a:endParaRPr>
-          </a:p>
-          <a:p>
-            <a:r>
-              <a:rPr lang="en-US" sz="2400" dirty="0">
-                <a:solidFill>
-                  <a:srgbClr val="7030A0"/>
-                </a:solidFill>
-                <a:effectLst/>
-              </a:rPr>
-              <a:t>A running instance = release.</a:t>
-            </a:r>
           </a:p>
           <a:p>
             <a:r>
@@ -13603,7 +13564,7 @@
     </p:custDataLst>
     <p:extLst>
       <p:ext uri="{BB962C8B-B14F-4D97-AF65-F5344CB8AC3E}">
-        <p14:creationId xmlns:p14="http://schemas.microsoft.com/office/powerpoint/2010/main" val="2316758863"/>
+        <p14:creationId xmlns:p14="http://schemas.microsoft.com/office/powerpoint/2010/main" val="259788072"/>
       </p:ext>
     </p:extLst>
   </p:cSld>
@@ -13935,7 +13896,7 @@
     </p:custDataLst>
     <p:extLst>
       <p:ext uri="{BB962C8B-B14F-4D97-AF65-F5344CB8AC3E}">
-        <p14:creationId xmlns:p14="http://schemas.microsoft.com/office/powerpoint/2010/main" val="259788072"/>
+        <p14:creationId xmlns:p14="http://schemas.microsoft.com/office/powerpoint/2010/main" val="1442645642"/>
       </p:ext>
     </p:extLst>
   </p:cSld>
@@ -14221,14 +14182,14 @@
           </a:ln>
           <a:extLst>
             <a:ext uri="{909E8E84-426E-40dd-AFC4-6F175D3DCCD1}">
-              <a14:hiddenFill xmlns:a14="http://schemas.microsoft.com/office/drawing/2010/main" xmlns="">
+              <a14:hiddenFill xmlns="" xmlns:a14="http://schemas.microsoft.com/office/drawing/2010/main">
                 <a:solidFill>
                   <a:srgbClr val="FFFFFF"/>
                 </a:solidFill>
               </a14:hiddenFill>
             </a:ext>
             <a:ext uri="{91240B29-F687-4f45-9708-019B960494DF}">
-              <a14:hiddenLine xmlns:a14="http://schemas.microsoft.com/office/drawing/2010/main" xmlns="" w="12700" cap="flat">
+              <a14:hiddenLine xmlns="" xmlns:a14="http://schemas.microsoft.com/office/drawing/2010/main" w="12700" cap="flat">
                 <a:solidFill>
                   <a:schemeClr val="tx1"/>
                 </a:solidFill>
@@ -14272,14 +14233,14 @@
           </a:ln>
           <a:extLst>
             <a:ext uri="{909E8E84-426E-40dd-AFC4-6F175D3DCCD1}">
-              <a14:hiddenFill xmlns:a14="http://schemas.microsoft.com/office/drawing/2010/main" xmlns="">
+              <a14:hiddenFill xmlns="" xmlns:a14="http://schemas.microsoft.com/office/drawing/2010/main">
                 <a:solidFill>
                   <a:srgbClr val="FFFFFF"/>
                 </a:solidFill>
               </a14:hiddenFill>
             </a:ext>
             <a:ext uri="{91240B29-F687-4f45-9708-019B960494DF}">
-              <a14:hiddenLine xmlns:a14="http://schemas.microsoft.com/office/drawing/2010/main" xmlns="" w="12700" cap="flat">
+              <a14:hiddenLine xmlns="" xmlns:a14="http://schemas.microsoft.com/office/drawing/2010/main" w="12700" cap="flat">
                 <a:solidFill>
                   <a:schemeClr val="tx1"/>
                 </a:solidFill>
@@ -14613,7 +14574,7 @@
           <a:p>
             <a:r>
               <a:rPr lang="en-US" dirty="0"/>
-              <a:t>Helm chart features</a:t>
+              <a:t>Helm chart structure</a:t>
             </a:r>
           </a:p>
         </p:txBody>
@@ -14648,12 +14609,42 @@
           </a:prstGeom>
         </p:spPr>
       </p:pic>
-      <p:sp>
-        <p:nvSpPr>
-          <p:cNvPr id="2" name="TextBox 1">
+      <p:pic>
+        <p:nvPicPr>
+          <p:cNvPr id="5" name="Picture 4" descr="A white text with black text&#10;&#10;Description automatically generated">
             <a:extLst>
               <a:ext uri="{FF2B5EF4-FFF2-40B4-BE49-F238E27FC236}">
-                <a16:creationId xmlns:a16="http://schemas.microsoft.com/office/drawing/2014/main" id="{33940E9E-4677-5B7F-B615-64BE1B2F9D8E}"/>
+                <a16:creationId xmlns:a16="http://schemas.microsoft.com/office/drawing/2014/main" id="{1B3D0C88-1643-3C54-054D-D5B2496B01CF}"/>
+              </a:ext>
+            </a:extLst>
+          </p:cNvPr>
+          <p:cNvPicPr>
+            <a:picLocks noChangeAspect="1"/>
+          </p:cNvPicPr>
+          <p:nvPr/>
+        </p:nvPicPr>
+        <p:blipFill>
+          <a:blip r:embed="rId5"/>
+          <a:stretch>
+            <a:fillRect/>
+          </a:stretch>
+        </p:blipFill>
+        <p:spPr>
+          <a:xfrm>
+            <a:off x="655983" y="1100879"/>
+            <a:ext cx="7772400" cy="2466317"/>
+          </a:xfrm>
+          <a:prstGeom prst="rect">
+            <a:avLst/>
+          </a:prstGeom>
+        </p:spPr>
+      </p:pic>
+      <p:sp>
+        <p:nvSpPr>
+          <p:cNvPr id="6" name="TextBox 5">
+            <a:extLst>
+              <a:ext uri="{FF2B5EF4-FFF2-40B4-BE49-F238E27FC236}">
+                <a16:creationId xmlns:a16="http://schemas.microsoft.com/office/drawing/2014/main" id="{A4C099E3-9A4D-1DC7-A652-51BEB1F93459}"/>
               </a:ext>
             </a:extLst>
           </p:cNvPr>
@@ -14662,8 +14653,8 @@
         </p:nvSpPr>
         <p:spPr>
           <a:xfrm>
-            <a:off x="1125538" y="1480816"/>
-            <a:ext cx="3788858" cy="2677656"/>
+            <a:off x="5794170" y="3809954"/>
+            <a:ext cx="2728567" cy="300082"/>
           </a:xfrm>
           <a:prstGeom prst="rect">
             <a:avLst/>
@@ -14676,105 +14667,17 @@
           </a:bodyPr>
           <a:lstStyle/>
           <a:p>
-            <a:pPr marL="342900" indent="-342900">
-              <a:buFont typeface="Arial" panose="020B0604020202020204" pitchFamily="34" charset="0"/>
-              <a:buChar char="•"/>
-            </a:pPr>
-            <a:r>
-              <a:rPr lang="en-US" sz="2400" dirty="0">
-                <a:solidFill>
-                  <a:srgbClr val="7030A0"/>
-                </a:solidFill>
-                <a:effectLst/>
-              </a:rPr>
-              <a:t>Track changes via versions</a:t>
-            </a:r>
-          </a:p>
-          <a:p>
-            <a:pPr marL="342900" indent="-342900">
-              <a:buFont typeface="Arial" panose="020B0604020202020204" pitchFamily="34" charset="0"/>
-              <a:buChar char="•"/>
-            </a:pPr>
-            <a:r>
-              <a:rPr lang="en-US" sz="2400" dirty="0">
-                <a:solidFill>
-                  <a:srgbClr val="7030A0"/>
-                </a:solidFill>
-              </a:rPr>
-              <a:t>View release history</a:t>
-            </a:r>
-          </a:p>
-          <a:p>
-            <a:pPr marL="342900" indent="-342900">
-              <a:buFont typeface="Arial" panose="020B0604020202020204" pitchFamily="34" charset="0"/>
-              <a:buChar char="•"/>
-            </a:pPr>
-            <a:r>
-              <a:rPr lang="en-US" sz="2400" dirty="0">
-                <a:solidFill>
-                  <a:srgbClr val="7030A0"/>
-                </a:solidFill>
-                <a:effectLst/>
-              </a:rPr>
-              <a:t>Rollback a release</a:t>
-            </a:r>
-          </a:p>
-          <a:p>
-            <a:pPr marL="342900" indent="-342900">
-              <a:buFont typeface="Arial" panose="020B0604020202020204" pitchFamily="34" charset="0"/>
-              <a:buChar char="•"/>
-            </a:pPr>
-            <a:r>
-              <a:rPr lang="en-US" sz="2400" dirty="0">
-                <a:solidFill>
-                  <a:srgbClr val="7030A0"/>
-                </a:solidFill>
-              </a:rPr>
-              <a:t>“Docker image” a chart</a:t>
-            </a:r>
-          </a:p>
-          <a:p>
-            <a:pPr marL="342900" indent="-342900">
-              <a:buFont typeface="Arial" panose="020B0604020202020204" pitchFamily="34" charset="0"/>
-              <a:buChar char="•"/>
-            </a:pPr>
-            <a:r>
-              <a:rPr lang="en-US" sz="2400" dirty="0">
-                <a:solidFill>
-                  <a:srgbClr val="7030A0"/>
-                </a:solidFill>
-              </a:rPr>
-              <a:t>Share via a remote repo</a:t>
-            </a:r>
-          </a:p>
-          <a:p>
-            <a:pPr marL="342900" indent="-342900">
-              <a:buFont typeface="Arial" panose="020B0604020202020204" pitchFamily="34" charset="0"/>
-              <a:buChar char="•"/>
-            </a:pPr>
-            <a:r>
-              <a:rPr lang="en-US" sz="2400" dirty="0">
-                <a:solidFill>
-                  <a:srgbClr val="7030A0"/>
-                </a:solidFill>
-              </a:rPr>
-              <a:t>Add dependencies </a:t>
-            </a:r>
-            <a:endParaRPr lang="en-US" sz="2400" dirty="0">
-              <a:solidFill>
-                <a:srgbClr val="7030A0"/>
-              </a:solidFill>
-              <a:effectLst/>
-            </a:endParaRPr>
-          </a:p>
-          <a:p>
-            <a:r>
-              <a:rPr lang="en-US" sz="2400" dirty="0">
-                <a:solidFill>
-                  <a:srgbClr val="7030A0"/>
-                </a:solidFill>
-              </a:rPr>
-              <a:t> </a:t>
+            <a:r>
+              <a:rPr lang="en-US" dirty="0"/>
+              <a:t>https://</a:t>
+            </a:r>
+            <a:r>
+              <a:rPr lang="en-US" dirty="0" err="1"/>
+              <a:t>helm.sh</a:t>
+            </a:r>
+            <a:r>
+              <a:rPr lang="en-US" dirty="0"/>
+              <a:t>/docs/topics/charts/</a:t>
             </a:r>
           </a:p>
         </p:txBody>
@@ -14785,7 +14688,7 @@
     </p:custDataLst>
     <p:extLst>
       <p:ext uri="{BB962C8B-B14F-4D97-AF65-F5344CB8AC3E}">
-        <p14:creationId xmlns:p14="http://schemas.microsoft.com/office/powerpoint/2010/main" val="1442645642"/>
+        <p14:creationId xmlns:p14="http://schemas.microsoft.com/office/powerpoint/2010/main" val="378384330"/>
       </p:ext>
     </p:extLst>
   </p:cSld>
@@ -14834,14 +14737,14 @@
           </a:ln>
           <a:extLst>
             <a:ext uri="{909E8E84-426E-40dd-AFC4-6F175D3DCCD1}">
-              <a14:hiddenFill xmlns:a14="http://schemas.microsoft.com/office/drawing/2010/main" xmlns="">
+              <a14:hiddenFill xmlns="" xmlns:a14="http://schemas.microsoft.com/office/drawing/2010/main">
                 <a:solidFill>
                   <a:srgbClr val="FFFFFF"/>
                 </a:solidFill>
               </a14:hiddenFill>
             </a:ext>
             <a:ext uri="{91240B29-F687-4f45-9708-019B960494DF}">
-              <a14:hiddenLine xmlns:a14="http://schemas.microsoft.com/office/drawing/2010/main" xmlns="" w="12700" cap="flat">
+              <a14:hiddenLine xmlns="" xmlns:a14="http://schemas.microsoft.com/office/drawing/2010/main" w="12700" cap="flat">
                 <a:solidFill>
                   <a:schemeClr val="tx1"/>
                 </a:solidFill>
@@ -14885,14 +14788,14 @@
           </a:ln>
           <a:extLst>
             <a:ext uri="{909E8E84-426E-40dd-AFC4-6F175D3DCCD1}">
-              <a14:hiddenFill xmlns:a14="http://schemas.microsoft.com/office/drawing/2010/main" xmlns="">
+              <a14:hiddenFill xmlns="" xmlns:a14="http://schemas.microsoft.com/office/drawing/2010/main">
                 <a:solidFill>
                   <a:srgbClr val="FFFFFF"/>
                 </a:solidFill>
               </a14:hiddenFill>
             </a:ext>
             <a:ext uri="{91240B29-F687-4f45-9708-019B960494DF}">
-              <a14:hiddenLine xmlns:a14="http://schemas.microsoft.com/office/drawing/2010/main" xmlns="" w="12700" cap="flat">
+              <a14:hiddenLine xmlns="" xmlns:a14="http://schemas.microsoft.com/office/drawing/2010/main" w="12700" cap="flat">
                 <a:solidFill>
                   <a:schemeClr val="tx1"/>
                 </a:solidFill>
@@ -14945,7 +14848,7 @@
           <a:p>
             <a:r>
               <a:rPr lang="en-US" dirty="0"/>
-              <a:t>Helm chart structure</a:t>
+              <a:t>Helm: wait for resources</a:t>
             </a:r>
           </a:p>
         </p:txBody>
@@ -14980,42 +14883,12 @@
           </a:prstGeom>
         </p:spPr>
       </p:pic>
-      <p:pic>
-        <p:nvPicPr>
-          <p:cNvPr id="5" name="Picture 4" descr="A white text with black text&#10;&#10;Description automatically generated">
+      <p:sp>
+        <p:nvSpPr>
+          <p:cNvPr id="2" name="TextBox 1">
             <a:extLst>
               <a:ext uri="{FF2B5EF4-FFF2-40B4-BE49-F238E27FC236}">
-                <a16:creationId xmlns:a16="http://schemas.microsoft.com/office/drawing/2014/main" id="{1B3D0C88-1643-3C54-054D-D5B2496B01CF}"/>
-              </a:ext>
-            </a:extLst>
-          </p:cNvPr>
-          <p:cNvPicPr>
-            <a:picLocks noChangeAspect="1"/>
-          </p:cNvPicPr>
-          <p:nvPr/>
-        </p:nvPicPr>
-        <p:blipFill>
-          <a:blip r:embed="rId5"/>
-          <a:stretch>
-            <a:fillRect/>
-          </a:stretch>
-        </p:blipFill>
-        <p:spPr>
-          <a:xfrm>
-            <a:off x="655983" y="1100879"/>
-            <a:ext cx="7772400" cy="2466317"/>
-          </a:xfrm>
-          <a:prstGeom prst="rect">
-            <a:avLst/>
-          </a:prstGeom>
-        </p:spPr>
-      </p:pic>
-      <p:sp>
-        <p:nvSpPr>
-          <p:cNvPr id="6" name="TextBox 5">
-            <a:extLst>
-              <a:ext uri="{FF2B5EF4-FFF2-40B4-BE49-F238E27FC236}">
-                <a16:creationId xmlns:a16="http://schemas.microsoft.com/office/drawing/2014/main" id="{A4C099E3-9A4D-1DC7-A652-51BEB1F93459}"/>
+                <a16:creationId xmlns:a16="http://schemas.microsoft.com/office/drawing/2014/main" id="{33940E9E-4677-5B7F-B615-64BE1B2F9D8E}"/>
               </a:ext>
             </a:extLst>
           </p:cNvPr>
@@ -15024,8 +14897,8 @@
         </p:nvSpPr>
         <p:spPr>
           <a:xfrm>
-            <a:off x="5794170" y="3809954"/>
-            <a:ext cx="2728567" cy="300082"/>
+            <a:off x="1125538" y="1480816"/>
+            <a:ext cx="5440272" cy="1938992"/>
           </a:xfrm>
           <a:prstGeom prst="rect">
             <a:avLst/>
@@ -15038,17 +14911,84 @@
           </a:bodyPr>
           <a:lstStyle/>
           <a:p>
-            <a:r>
-              <a:rPr lang="en-US" dirty="0"/>
-              <a:t>https://</a:t>
-            </a:r>
-            <a:r>
-              <a:rPr lang="en-US" dirty="0" err="1"/>
-              <a:t>helm.sh</a:t>
-            </a:r>
-            <a:r>
-              <a:rPr lang="en-US" dirty="0"/>
-              <a:t>/docs/topics/charts/</a:t>
+            <a:pPr marL="342900" indent="-342900">
+              <a:buFont typeface="Arial" panose="020B0604020202020204" pitchFamily="34" charset="0"/>
+              <a:buChar char="•"/>
+            </a:pPr>
+            <a:r>
+              <a:rPr lang="en-US" sz="2400" dirty="0">
+                <a:solidFill>
+                  <a:srgbClr val="7030A0"/>
+                </a:solidFill>
+                <a:effectLst/>
+              </a:rPr>
+              <a:t>--wait</a:t>
+            </a:r>
+          </a:p>
+          <a:p>
+            <a:pPr marL="342900" indent="-342900">
+              <a:buFont typeface="Arial" panose="020B0604020202020204" pitchFamily="34" charset="0"/>
+              <a:buChar char="•"/>
+            </a:pPr>
+            <a:r>
+              <a:rPr lang="en-US" sz="2400" dirty="0">
+                <a:solidFill>
+                  <a:srgbClr val="7030A0"/>
+                </a:solidFill>
+              </a:rPr>
+              <a:t>--wait-for-jobs</a:t>
+            </a:r>
+          </a:p>
+          <a:p>
+            <a:pPr marL="342900" indent="-342900">
+              <a:buFont typeface="Arial" panose="020B0604020202020204" pitchFamily="34" charset="0"/>
+              <a:buChar char="•"/>
+            </a:pPr>
+            <a:r>
+              <a:rPr lang="en-US" sz="2400" dirty="0">
+                <a:solidFill>
+                  <a:srgbClr val="7030A0"/>
+                </a:solidFill>
+                <a:effectLst/>
+              </a:rPr>
+              <a:t>post-install hook</a:t>
+            </a:r>
+          </a:p>
+          <a:p>
+            <a:pPr marL="342900" indent="-342900">
+              <a:buFont typeface="Arial" panose="020B0604020202020204" pitchFamily="34" charset="0"/>
+              <a:buChar char="•"/>
+            </a:pPr>
+            <a:r>
+              <a:rPr lang="en-US" sz="2400" dirty="0" err="1">
+                <a:solidFill>
+                  <a:srgbClr val="7030A0"/>
+                </a:solidFill>
+              </a:rPr>
+              <a:t>crds</a:t>
+            </a:r>
+            <a:r>
+              <a:rPr lang="en-US" sz="2400" dirty="0">
+                <a:solidFill>
+                  <a:srgbClr val="7030A0"/>
+                </a:solidFill>
+              </a:rPr>
+              <a:t> folder</a:t>
+            </a:r>
+          </a:p>
+          <a:p>
+            <a:pPr marL="342900" indent="-342900">
+              <a:buFont typeface="Arial" panose="020B0604020202020204" pitchFamily="34" charset="0"/>
+              <a:buChar char="•"/>
+            </a:pPr>
+            <a:r>
+              <a:rPr lang="en-US" sz="2400" dirty="0">
+                <a:solidFill>
+                  <a:srgbClr val="7030A0"/>
+                </a:solidFill>
+                <a:effectLst/>
+              </a:rPr>
+              <a:t>Separate charts with a post-install hook</a:t>
             </a:r>
           </a:p>
         </p:txBody>
@@ -15059,7 +14999,7 @@
     </p:custDataLst>
     <p:extLst>
       <p:ext uri="{BB962C8B-B14F-4D97-AF65-F5344CB8AC3E}">
-        <p14:creationId xmlns:p14="http://schemas.microsoft.com/office/powerpoint/2010/main" val="378384330"/>
+        <p14:creationId xmlns:p14="http://schemas.microsoft.com/office/powerpoint/2010/main" val="2956923301"/>
       </p:ext>
     </p:extLst>
   </p:cSld>
@@ -15108,14 +15048,14 @@
           </a:ln>
           <a:extLst>
             <a:ext uri="{909E8E84-426E-40dd-AFC4-6F175D3DCCD1}">
-              <a14:hiddenFill xmlns:a14="http://schemas.microsoft.com/office/drawing/2010/main" xmlns="">
+              <a14:hiddenFill xmlns="" xmlns:a14="http://schemas.microsoft.com/office/drawing/2010/main">
                 <a:solidFill>
                   <a:srgbClr val="FFFFFF"/>
                 </a:solidFill>
               </a14:hiddenFill>
             </a:ext>
             <a:ext uri="{91240B29-F687-4f45-9708-019B960494DF}">
-              <a14:hiddenLine xmlns:a14="http://schemas.microsoft.com/office/drawing/2010/main" xmlns="" w="12700" cap="flat">
+              <a14:hiddenLine xmlns="" xmlns:a14="http://schemas.microsoft.com/office/drawing/2010/main" w="12700" cap="flat">
                 <a:solidFill>
                   <a:schemeClr val="tx1"/>
                 </a:solidFill>
@@ -15159,14 +15099,14 @@
           </a:ln>
           <a:extLst>
             <a:ext uri="{909E8E84-426E-40dd-AFC4-6F175D3DCCD1}">
-              <a14:hiddenFill xmlns:a14="http://schemas.microsoft.com/office/drawing/2010/main" xmlns="">
+              <a14:hiddenFill xmlns="" xmlns:a14="http://schemas.microsoft.com/office/drawing/2010/main">
                 <a:solidFill>
                   <a:srgbClr val="FFFFFF"/>
                 </a:solidFill>
               </a14:hiddenFill>
             </a:ext>
             <a:ext uri="{91240B29-F687-4f45-9708-019B960494DF}">
-              <a14:hiddenLine xmlns:a14="http://schemas.microsoft.com/office/drawing/2010/main" xmlns="" w="12700" cap="flat">
+              <a14:hiddenLine xmlns="" xmlns:a14="http://schemas.microsoft.com/office/drawing/2010/main" w="12700" cap="flat">
                 <a:solidFill>
                   <a:schemeClr val="tx1"/>
                 </a:solidFill>
@@ -15219,7 +15159,7 @@
           <a:p>
             <a:r>
               <a:rPr lang="en-US" dirty="0"/>
-              <a:t>Helm: wait for resources</a:t>
+              <a:t>Next steps</a:t>
             </a:r>
           </a:p>
         </p:txBody>
@@ -15269,7 +15209,7 @@
         <p:spPr>
           <a:xfrm>
             <a:off x="1125538" y="1480816"/>
-            <a:ext cx="5440272" cy="1938992"/>
+            <a:ext cx="7170809" cy="830997"/>
           </a:xfrm>
           <a:prstGeom prst="rect">
             <a:avLst/>
@@ -15282,85 +15222,111 @@
           </a:bodyPr>
           <a:lstStyle/>
           <a:p>
-            <a:pPr marL="342900" indent="-342900">
-              <a:buFont typeface="Arial" panose="020B0604020202020204" pitchFamily="34" charset="0"/>
-              <a:buChar char="•"/>
-            </a:pPr>
-            <a:r>
-              <a:rPr lang="en-US" sz="2400" dirty="0">
+            <a:r>
+              <a:rPr lang="en-US" sz="1600" dirty="0">
                 <a:solidFill>
                   <a:srgbClr val="7030A0"/>
                 </a:solidFill>
-                <a:effectLst/>
-              </a:rPr>
-              <a:t>--wait</a:t>
-            </a:r>
-          </a:p>
-          <a:p>
-            <a:pPr marL="342900" indent="-342900">
-              <a:buFont typeface="Arial" panose="020B0604020202020204" pitchFamily="34" charset="0"/>
-              <a:buChar char="•"/>
-            </a:pPr>
-            <a:r>
-              <a:rPr lang="en-US" sz="2400" dirty="0">
+              </a:rPr>
+              <a:t>https://</a:t>
+            </a:r>
+            <a:r>
+              <a:rPr lang="en-US" sz="1600" dirty="0" err="1">
                 <a:solidFill>
                   <a:srgbClr val="7030A0"/>
                 </a:solidFill>
               </a:rPr>
-              <a:t>--wait-for-jobs</a:t>
-            </a:r>
-          </a:p>
-          <a:p>
-            <a:pPr marL="342900" indent="-342900">
-              <a:buFont typeface="Arial" panose="020B0604020202020204" pitchFamily="34" charset="0"/>
-              <a:buChar char="•"/>
-            </a:pPr>
-            <a:r>
-              <a:rPr lang="en-US" sz="2400" dirty="0">
+              <a:t>github.com</a:t>
+            </a:r>
+            <a:r>
+              <a:rPr lang="en-US" sz="1600" dirty="0">
                 <a:solidFill>
                   <a:srgbClr val="7030A0"/>
                 </a:solidFill>
-                <a:effectLst/>
-              </a:rPr>
-              <a:t>post-install hook</a:t>
-            </a:r>
-          </a:p>
-          <a:p>
-            <a:pPr marL="342900" indent="-342900">
-              <a:buFont typeface="Arial" panose="020B0604020202020204" pitchFamily="34" charset="0"/>
-              <a:buChar char="•"/>
-            </a:pPr>
-            <a:r>
-              <a:rPr lang="en-US" sz="2400" dirty="0" err="1">
+              </a:rPr>
+              <a:t>/</a:t>
+            </a:r>
+            <a:r>
+              <a:rPr lang="en-US" sz="1600" dirty="0" err="1">
                 <a:solidFill>
                   <a:srgbClr val="7030A0"/>
                 </a:solidFill>
               </a:rPr>
-              <a:t>crds</a:t>
-            </a:r>
-            <a:r>
-              <a:rPr lang="en-US" sz="2400" dirty="0">
+              <a:t>ybaryshnikova</a:t>
+            </a:r>
+            <a:r>
+              <a:rPr lang="en-US" sz="1600" dirty="0">
                 <a:solidFill>
                   <a:srgbClr val="7030A0"/>
                 </a:solidFill>
               </a:rPr>
-              <a:t> folder</a:t>
-            </a:r>
-          </a:p>
-          <a:p>
-            <a:pPr marL="342900" indent="-342900">
-              <a:buFont typeface="Arial" panose="020B0604020202020204" pitchFamily="34" charset="0"/>
-              <a:buChar char="•"/>
-            </a:pPr>
-            <a:r>
-              <a:rPr lang="en-US" sz="2400" dirty="0">
+              <a:t>/extensions-meetup/tree/master/</a:t>
+            </a:r>
+            <a:r>
+              <a:rPr lang="en-US" sz="1600" dirty="0" err="1">
                 <a:solidFill>
                   <a:srgbClr val="7030A0"/>
                 </a:solidFill>
-                <a:effectLst/>
-              </a:rPr>
-              <a:t>Separate charts with a post-install hook</a:t>
-            </a:r>
+              </a:rPr>
+              <a:t>crd</a:t>
+            </a:r>
+            <a:r>
+              <a:rPr lang="en-US" sz="1600" dirty="0">
+                <a:solidFill>
+                  <a:srgbClr val="7030A0"/>
+                </a:solidFill>
+              </a:rPr>
+              <a:t>-example</a:t>
+            </a:r>
+          </a:p>
+          <a:p>
+            <a:r>
+              <a:rPr lang="en-US" sz="1600" dirty="0">
+                <a:solidFill>
+                  <a:srgbClr val="7030A0"/>
+                </a:solidFill>
+              </a:rPr>
+              <a:t>https://</a:t>
+            </a:r>
+            <a:r>
+              <a:rPr lang="en-US" sz="1600" dirty="0" err="1">
+                <a:solidFill>
+                  <a:srgbClr val="7030A0"/>
+                </a:solidFill>
+              </a:rPr>
+              <a:t>github.com</a:t>
+            </a:r>
+            <a:r>
+              <a:rPr lang="en-US" sz="1600" dirty="0">
+                <a:solidFill>
+                  <a:srgbClr val="7030A0"/>
+                </a:solidFill>
+              </a:rPr>
+              <a:t>/</a:t>
+            </a:r>
+            <a:r>
+              <a:rPr lang="en-US" sz="1600" dirty="0" err="1">
+                <a:solidFill>
+                  <a:srgbClr val="7030A0"/>
+                </a:solidFill>
+              </a:rPr>
+              <a:t>ybaryshnikova</a:t>
+            </a:r>
+            <a:r>
+              <a:rPr lang="en-US" sz="1600" dirty="0">
+                <a:solidFill>
+                  <a:srgbClr val="7030A0"/>
+                </a:solidFill>
+              </a:rPr>
+              <a:t>/extensions-meetup/tree/master/helm-packaging</a:t>
+            </a:r>
+          </a:p>
+          <a:p>
+            <a:endParaRPr lang="en-US" sz="1600" dirty="0">
+              <a:solidFill>
+                <a:srgbClr val="7030A0"/>
+              </a:solidFill>
+            </a:endParaRPr>
           </a:p>
         </p:txBody>
       </p:sp>
@@ -15370,7 +15336,7 @@
     </p:custDataLst>
     <p:extLst>
       <p:ext uri="{BB962C8B-B14F-4D97-AF65-F5344CB8AC3E}">
-        <p14:creationId xmlns:p14="http://schemas.microsoft.com/office/powerpoint/2010/main" val="2956923301"/>
+        <p14:creationId xmlns:p14="http://schemas.microsoft.com/office/powerpoint/2010/main" val="3540879940"/>
       </p:ext>
     </p:extLst>
   </p:cSld>
@@ -15523,14 +15489,12 @@
           </a:xfrm>
         </p:spPr>
         <p:txBody>
-          <a:bodyPr>
-            <a:normAutofit/>
-          </a:bodyPr>
+          <a:bodyPr/>
           <a:lstStyle/>
           <a:p>
             <a:r>
               <a:rPr lang="en-US" dirty="0"/>
-              <a:t>Next steps</a:t>
+              <a:t>References: CRD</a:t>
             </a:r>
           </a:p>
         </p:txBody>
@@ -15567,10 +15531,10 @@
       </p:pic>
       <p:sp>
         <p:nvSpPr>
-          <p:cNvPr id="2" name="TextBox 1">
+          <p:cNvPr id="3" name="TextBox 2">
             <a:extLst>
               <a:ext uri="{FF2B5EF4-FFF2-40B4-BE49-F238E27FC236}">
-                <a16:creationId xmlns:a16="http://schemas.microsoft.com/office/drawing/2014/main" id="{33940E9E-4677-5B7F-B615-64BE1B2F9D8E}"/>
+                <a16:creationId xmlns:a16="http://schemas.microsoft.com/office/drawing/2014/main" id="{01DFFC6A-AD3B-B8A5-A033-3135B2B7D9B6}"/>
               </a:ext>
             </a:extLst>
           </p:cNvPr>
@@ -15579,8 +15543,8 @@
         </p:nvSpPr>
         <p:spPr>
           <a:xfrm>
-            <a:off x="1125538" y="1480816"/>
-            <a:ext cx="7170809" cy="830997"/>
+            <a:off x="890545" y="1662382"/>
+            <a:ext cx="7720717" cy="2062103"/>
           </a:xfrm>
           <a:prstGeom prst="rect">
             <a:avLst/>
@@ -15588,7 +15552,7 @@
           <a:noFill/>
         </p:spPr>
         <p:txBody>
-          <a:bodyPr wrap="none" rtlCol="0">
+          <a:bodyPr wrap="square" rtlCol="0">
             <a:spAutoFit/>
           </a:bodyPr>
           <a:lstStyle/>
@@ -15598,99 +15562,70 @@
                 <a:solidFill>
                   <a:srgbClr val="7030A0"/>
                 </a:solidFill>
-              </a:rPr>
-              <a:t>https://</a:t>
-            </a:r>
-            <a:r>
-              <a:rPr lang="en-US" sz="1600" dirty="0" err="1">
+                <a:effectLst/>
+                <a:hlinkClick r:id="rId5"/>
+              </a:rPr>
+              <a:t>CRD official documentation</a:t>
+            </a:r>
+            <a:endParaRPr lang="en-US" sz="1600" dirty="0">
+              <a:solidFill>
+                <a:srgbClr val="7030A0"/>
+              </a:solidFill>
+              <a:effectLst/>
+            </a:endParaRPr>
+          </a:p>
+          <a:p>
+            <a:endParaRPr lang="en-US" sz="1600" dirty="0">
+              <a:solidFill>
+                <a:srgbClr val="7030A0"/>
+              </a:solidFill>
+              <a:effectLst/>
+              <a:hlinkClick r:id="rId5"/>
+            </a:endParaRPr>
+          </a:p>
+          <a:p>
+            <a:r>
+              <a:rPr lang="en-US" sz="1600" dirty="0">
                 <a:solidFill>
                   <a:srgbClr val="7030A0"/>
                 </a:solidFill>
-              </a:rPr>
-              <a:t>github.com</a:t>
-            </a:r>
+                <a:effectLst/>
+                <a:hlinkClick r:id="rId5"/>
+              </a:rPr>
+              <a:t>Python operator tutorial</a:t>
+            </a:r>
+            <a:endParaRPr lang="en-US" sz="1600" dirty="0">
+              <a:solidFill>
+                <a:srgbClr val="7030A0"/>
+              </a:solidFill>
+              <a:effectLst/>
+            </a:endParaRPr>
+          </a:p>
+          <a:p>
+            <a:endParaRPr lang="en-US" sz="1600" dirty="0">
+              <a:solidFill>
+                <a:srgbClr val="7030A0"/>
+              </a:solidFill>
+              <a:effectLst/>
+            </a:endParaRPr>
+          </a:p>
+          <a:p>
             <a:r>
               <a:rPr lang="en-US" sz="1600" dirty="0">
                 <a:solidFill>
                   <a:srgbClr val="7030A0"/>
                 </a:solidFill>
-              </a:rPr>
-              <a:t>/</a:t>
-            </a:r>
-            <a:r>
-              <a:rPr lang="en-US" sz="1600" dirty="0" err="1">
-                <a:solidFill>
-                  <a:srgbClr val="7030A0"/>
-                </a:solidFill>
-              </a:rPr>
-              <a:t>ybaryshnikova</a:t>
-            </a:r>
-            <a:r>
-              <a:rPr lang="en-US" sz="1600" dirty="0">
-                <a:solidFill>
-                  <a:srgbClr val="7030A0"/>
-                </a:solidFill>
-              </a:rPr>
-              <a:t>/extensions-meetup/tree/master/</a:t>
-            </a:r>
-            <a:r>
-              <a:rPr lang="en-US" sz="1600" dirty="0" err="1">
-                <a:solidFill>
-                  <a:srgbClr val="7030A0"/>
-                </a:solidFill>
-              </a:rPr>
-              <a:t>crd</a:t>
-            </a:r>
-            <a:r>
-              <a:rPr lang="en-US" sz="1600" dirty="0">
-                <a:solidFill>
-                  <a:srgbClr val="7030A0"/>
-                </a:solidFill>
-              </a:rPr>
-              <a:t>-example</a:t>
-            </a:r>
-          </a:p>
-          <a:p>
-            <a:r>
-              <a:rPr lang="en-US" sz="1600" dirty="0">
-                <a:solidFill>
-                  <a:srgbClr val="7030A0"/>
-                </a:solidFill>
-              </a:rPr>
-              <a:t>https://</a:t>
-            </a:r>
-            <a:r>
-              <a:rPr lang="en-US" sz="1600" dirty="0" err="1">
-                <a:solidFill>
-                  <a:srgbClr val="7030A0"/>
-                </a:solidFill>
-              </a:rPr>
-              <a:t>github.com</a:t>
-            </a:r>
-            <a:r>
-              <a:rPr lang="en-US" sz="1600" dirty="0">
-                <a:solidFill>
-                  <a:srgbClr val="7030A0"/>
-                </a:solidFill>
-              </a:rPr>
-              <a:t>/</a:t>
-            </a:r>
-            <a:r>
-              <a:rPr lang="en-US" sz="1600" dirty="0" err="1">
-                <a:solidFill>
-                  <a:srgbClr val="7030A0"/>
-                </a:solidFill>
-              </a:rPr>
-              <a:t>ybaryshnikova</a:t>
-            </a:r>
-            <a:r>
-              <a:rPr lang="en-US" sz="1600" dirty="0">
-                <a:solidFill>
-                  <a:srgbClr val="7030A0"/>
-                </a:solidFill>
-              </a:rPr>
-              <a:t>/extensions-meetup/tree/master/helm-packaging</a:t>
-            </a:r>
+                <a:effectLst/>
+                <a:hlinkClick r:id="rId6"/>
+              </a:rPr>
+              <a:t>Python operator tutorial repo</a:t>
+            </a:r>
+            <a:endParaRPr lang="en-US" sz="1600" dirty="0">
+              <a:solidFill>
+                <a:srgbClr val="7030A0"/>
+              </a:solidFill>
+              <a:effectLst/>
+            </a:endParaRPr>
           </a:p>
           <a:p>
             <a:endParaRPr lang="en-US" sz="1600" dirty="0">
@@ -15698,6 +15633,35 @@
                 <a:srgbClr val="7030A0"/>
               </a:solidFill>
             </a:endParaRPr>
+          </a:p>
+          <a:p>
+            <a:r>
+              <a:rPr lang="en-US" sz="1600" dirty="0">
+                <a:solidFill>
+                  <a:srgbClr val="7030A0"/>
+                </a:solidFill>
+                <a:effectLst/>
+                <a:hlinkClick r:id="rId7"/>
+              </a:rPr>
+              <a:t>Kopf documentation</a:t>
+            </a:r>
+            <a:br>
+              <a:rPr lang="en-US" sz="1600" dirty="0">
+                <a:solidFill>
+                  <a:srgbClr val="7030A0"/>
+                </a:solidFill>
+                <a:effectLst/>
+              </a:rPr>
+            </a:br>
+            <a:r>
+              <a:rPr lang="en-US" sz="1600" dirty="0">
+                <a:solidFill>
+                  <a:srgbClr val="7030A0"/>
+                </a:solidFill>
+                <a:effectLst/>
+              </a:rPr>
+              <a:t>  </a:t>
+            </a:r>
           </a:p>
         </p:txBody>
       </p:sp>
@@ -15707,7 +15671,7 @@
     </p:custDataLst>
     <p:extLst>
       <p:ext uri="{BB962C8B-B14F-4D97-AF65-F5344CB8AC3E}">
-        <p14:creationId xmlns:p14="http://schemas.microsoft.com/office/powerpoint/2010/main" val="3540879940"/>
+        <p14:creationId xmlns:p14="http://schemas.microsoft.com/office/powerpoint/2010/main" val="3137908034"/>
       </p:ext>
     </p:extLst>
   </p:cSld>
@@ -15865,7 +15829,7 @@
           <a:p>
             <a:r>
               <a:rPr lang="en-US" dirty="0"/>
-              <a:t>References: CRD</a:t>
+              <a:t>References: Helm</a:t>
             </a:r>
           </a:p>
         </p:txBody>
@@ -15915,7 +15879,7 @@
         <p:spPr>
           <a:xfrm>
             <a:off x="890545" y="1662382"/>
-            <a:ext cx="7720717" cy="2062103"/>
+            <a:ext cx="7720717" cy="2308324"/>
           </a:xfrm>
           <a:prstGeom prst="rect">
             <a:avLst/>
@@ -15936,7 +15900,7 @@
                 <a:effectLst/>
                 <a:hlinkClick r:id="rId5"/>
               </a:rPr>
-              <a:t>CRD official documentation</a:t>
+              <a:t>Helm tutorial</a:t>
             </a:r>
             <a:endParaRPr lang="en-US" sz="1600" dirty="0">
               <a:solidFill>
@@ -15950,8 +15914,6 @@
               <a:solidFill>
                 <a:srgbClr val="7030A0"/>
               </a:solidFill>
-              <a:effectLst/>
-              <a:hlinkClick r:id="rId5"/>
             </a:endParaRPr>
           </a:p>
           <a:p>
@@ -15961,9 +15923,9 @@
                   <a:srgbClr val="7030A0"/>
                 </a:solidFill>
                 <a:effectLst/>
-                <a:hlinkClick r:id="rId5"/>
-              </a:rPr>
-              <a:t>Python operator tutorial</a:t>
+                <a:hlinkClick r:id="rId6"/>
+              </a:rPr>
+              <a:t>Chart hooks</a:t>
             </a:r>
             <a:endParaRPr lang="en-US" sz="1600" dirty="0">
               <a:solidFill>
@@ -15973,6 +15935,24 @@
             </a:endParaRPr>
           </a:p>
           <a:p>
+            <a:br>
+              <a:rPr lang="en-US" sz="1600" dirty="0">
+                <a:solidFill>
+                  <a:srgbClr val="7030A0"/>
+                </a:solidFill>
+                <a:effectLst/>
+              </a:rPr>
+            </a:br>
+            <a:r>
+              <a:rPr lang="en-US" sz="1600" dirty="0">
+                <a:solidFill>
+                  <a:srgbClr val="7030A0"/>
+                </a:solidFill>
+                <a:effectLst/>
+                <a:hlinkClick r:id="rId7"/>
+              </a:rPr>
+              <a:t>Helm best practices</a:t>
+            </a:r>
             <a:endParaRPr lang="en-US" sz="1600" dirty="0">
               <a:solidFill>
                 <a:srgbClr val="7030A0"/>
@@ -15981,16 +15961,6 @@
             </a:endParaRPr>
           </a:p>
           <a:p>
-            <a:r>
-              <a:rPr lang="en-US" sz="1600" dirty="0">
-                <a:solidFill>
-                  <a:srgbClr val="7030A0"/>
-                </a:solidFill>
-                <a:effectLst/>
-                <a:hlinkClick r:id="rId6"/>
-              </a:rPr>
-              <a:t>Python operator tutorial repo</a:t>
-            </a:r>
             <a:endParaRPr lang="en-US" sz="1600" dirty="0">
               <a:solidFill>
                 <a:srgbClr val="7030A0"/>
@@ -15999,23 +15969,23 @@
             </a:endParaRPr>
           </a:p>
           <a:p>
+            <a:r>
+              <a:rPr lang="en-US" sz="1600" dirty="0">
+                <a:solidFill>
+                  <a:srgbClr val="7030A0"/>
+                </a:solidFill>
+                <a:hlinkClick r:id="rId8"/>
+              </a:rPr>
+              <a:t>Installing CRD documentation</a:t>
+            </a:r>
             <a:endParaRPr lang="en-US" sz="1600" dirty="0">
               <a:solidFill>
                 <a:srgbClr val="7030A0"/>
               </a:solidFill>
+              <a:effectLst/>
             </a:endParaRPr>
           </a:p>
           <a:p>
-            <a:r>
-              <a:rPr lang="en-US" sz="1600" dirty="0">
-                <a:solidFill>
-                  <a:srgbClr val="7030A0"/>
-                </a:solidFill>
-                <a:effectLst/>
-                <a:hlinkClick r:id="rId7"/>
-              </a:rPr>
-              <a:t>Kopf documentation</a:t>
-            </a:r>
             <a:br>
               <a:rPr lang="en-US" sz="1600" dirty="0">
                 <a:solidFill>
@@ -16042,7 +16012,7 @@
     </p:custDataLst>
     <p:extLst>
       <p:ext uri="{BB962C8B-B14F-4D97-AF65-F5344CB8AC3E}">
-        <p14:creationId xmlns:p14="http://schemas.microsoft.com/office/powerpoint/2010/main" val="3137908034"/>
+        <p14:creationId xmlns:p14="http://schemas.microsoft.com/office/powerpoint/2010/main" val="1736091823"/>
       </p:ext>
     </p:extLst>
   </p:cSld>
@@ -16150,347 +16120,6 @@
             </a:ext>
             <a:ext uri="{91240B29-F687-4f45-9708-019B960494DF}">
               <a14:hiddenLine xmlns:a14="http://schemas.microsoft.com/office/drawing/2010/main" xmlns="" w="12700" cap="flat">
-                <a:solidFill>
-                  <a:schemeClr val="tx1"/>
-                </a:solidFill>
-                <a:miter lim="800000"/>
-                <a:headEnd type="none" w="med" len="med"/>
-                <a:tailEnd type="none" w="med" len="med"/>
-              </a14:hiddenLine>
-            </a:ext>
-          </a:extLst>
-        </p:spPr>
-        <p:txBody>
-          <a:bodyPr lIns="0" tIns="0" rIns="0" bIns="0" anchor="t"/>
-          <a:lstStyle/>
-          <a:p>
-            <a:endParaRPr lang="en-US" sz="1800" dirty="0">
-              <a:ea typeface="ＭＳ Ｐゴシック" charset="0"/>
-              <a:cs typeface="Lato Light" charset="0"/>
-              <a:sym typeface="Lato Light" charset="0"/>
-            </a:endParaRPr>
-          </a:p>
-        </p:txBody>
-      </p:sp>
-      <p:sp>
-        <p:nvSpPr>
-          <p:cNvPr id="15" name="Title 14">
-            <a:extLst>
-              <a:ext uri="{FF2B5EF4-FFF2-40B4-BE49-F238E27FC236}">
-                <a16:creationId xmlns:a16="http://schemas.microsoft.com/office/drawing/2014/main" id="{AC70AFF7-D39C-1B45-8E56-844E670FBDCF}"/>
-              </a:ext>
-            </a:extLst>
-          </p:cNvPr>
-          <p:cNvSpPr>
-            <a:spLocks noGrp="1"/>
-          </p:cNvSpPr>
-          <p:nvPr>
-            <p:ph type="title"/>
-          </p:nvPr>
-        </p:nvSpPr>
-        <p:spPr>
-          <a:xfrm>
-            <a:off x="1122018" y="219808"/>
-            <a:ext cx="7647210" cy="638313"/>
-          </a:xfrm>
-        </p:spPr>
-        <p:txBody>
-          <a:bodyPr/>
-          <a:lstStyle/>
-          <a:p>
-            <a:r>
-              <a:rPr lang="en-US" dirty="0"/>
-              <a:t>References: Helm</a:t>
-            </a:r>
-          </a:p>
-        </p:txBody>
-      </p:sp>
-      <p:pic>
-        <p:nvPicPr>
-          <p:cNvPr id="4" name="Picture 3" descr="A blue hexagon with white and blue gears&#10;&#10;Description automatically generated">
-            <a:extLst>
-              <a:ext uri="{FF2B5EF4-FFF2-40B4-BE49-F238E27FC236}">
-                <a16:creationId xmlns:a16="http://schemas.microsoft.com/office/drawing/2014/main" id="{E3D5D9D7-1E4A-870B-BEC3-4F2878358332}"/>
-              </a:ext>
-            </a:extLst>
-          </p:cNvPr>
-          <p:cNvPicPr>
-            <a:picLocks noChangeAspect="1"/>
-          </p:cNvPicPr>
-          <p:nvPr/>
-        </p:nvPicPr>
-        <p:blipFill>
-          <a:blip r:embed="rId4"/>
-          <a:stretch>
-            <a:fillRect/>
-          </a:stretch>
-        </p:blipFill>
-        <p:spPr>
-          <a:xfrm>
-            <a:off x="309217" y="172437"/>
-            <a:ext cx="812800" cy="787400"/>
-          </a:xfrm>
-          <a:prstGeom prst="rect">
-            <a:avLst/>
-          </a:prstGeom>
-        </p:spPr>
-      </p:pic>
-      <p:sp>
-        <p:nvSpPr>
-          <p:cNvPr id="3" name="TextBox 2">
-            <a:extLst>
-              <a:ext uri="{FF2B5EF4-FFF2-40B4-BE49-F238E27FC236}">
-                <a16:creationId xmlns:a16="http://schemas.microsoft.com/office/drawing/2014/main" id="{01DFFC6A-AD3B-B8A5-A033-3135B2B7D9B6}"/>
-              </a:ext>
-            </a:extLst>
-          </p:cNvPr>
-          <p:cNvSpPr txBox="1"/>
-          <p:nvPr/>
-        </p:nvSpPr>
-        <p:spPr>
-          <a:xfrm>
-            <a:off x="890545" y="1662382"/>
-            <a:ext cx="7720717" cy="2308324"/>
-          </a:xfrm>
-          <a:prstGeom prst="rect">
-            <a:avLst/>
-          </a:prstGeom>
-          <a:noFill/>
-        </p:spPr>
-        <p:txBody>
-          <a:bodyPr wrap="square" rtlCol="0">
-            <a:spAutoFit/>
-          </a:bodyPr>
-          <a:lstStyle/>
-          <a:p>
-            <a:r>
-              <a:rPr lang="en-US" sz="1600" dirty="0">
-                <a:solidFill>
-                  <a:srgbClr val="7030A0"/>
-                </a:solidFill>
-                <a:effectLst/>
-                <a:hlinkClick r:id="rId5"/>
-              </a:rPr>
-              <a:t>Helm tutorial</a:t>
-            </a:r>
-            <a:endParaRPr lang="en-US" sz="1600" dirty="0">
-              <a:solidFill>
-                <a:srgbClr val="7030A0"/>
-              </a:solidFill>
-              <a:effectLst/>
-            </a:endParaRPr>
-          </a:p>
-          <a:p>
-            <a:endParaRPr lang="en-US" sz="1600" dirty="0">
-              <a:solidFill>
-                <a:srgbClr val="7030A0"/>
-              </a:solidFill>
-            </a:endParaRPr>
-          </a:p>
-          <a:p>
-            <a:r>
-              <a:rPr lang="en-US" sz="1600" dirty="0">
-                <a:solidFill>
-                  <a:srgbClr val="7030A0"/>
-                </a:solidFill>
-                <a:effectLst/>
-                <a:hlinkClick r:id="rId6"/>
-              </a:rPr>
-              <a:t>Chart hooks</a:t>
-            </a:r>
-            <a:endParaRPr lang="en-US" sz="1600" dirty="0">
-              <a:solidFill>
-                <a:srgbClr val="7030A0"/>
-              </a:solidFill>
-              <a:effectLst/>
-            </a:endParaRPr>
-          </a:p>
-          <a:p>
-            <a:br>
-              <a:rPr lang="en-US" sz="1600" dirty="0">
-                <a:solidFill>
-                  <a:srgbClr val="7030A0"/>
-                </a:solidFill>
-                <a:effectLst/>
-              </a:rPr>
-            </a:br>
-            <a:r>
-              <a:rPr lang="en-US" sz="1600" dirty="0">
-                <a:solidFill>
-                  <a:srgbClr val="7030A0"/>
-                </a:solidFill>
-                <a:effectLst/>
-                <a:hlinkClick r:id="rId7"/>
-              </a:rPr>
-              <a:t>Helm best practices</a:t>
-            </a:r>
-            <a:endParaRPr lang="en-US" sz="1600" dirty="0">
-              <a:solidFill>
-                <a:srgbClr val="7030A0"/>
-              </a:solidFill>
-              <a:effectLst/>
-            </a:endParaRPr>
-          </a:p>
-          <a:p>
-            <a:endParaRPr lang="en-US" sz="1600" dirty="0">
-              <a:solidFill>
-                <a:srgbClr val="7030A0"/>
-              </a:solidFill>
-              <a:effectLst/>
-            </a:endParaRPr>
-          </a:p>
-          <a:p>
-            <a:r>
-              <a:rPr lang="en-US" sz="1600" dirty="0">
-                <a:solidFill>
-                  <a:srgbClr val="7030A0"/>
-                </a:solidFill>
-                <a:hlinkClick r:id="rId8"/>
-              </a:rPr>
-              <a:t>Installing CRD documentation</a:t>
-            </a:r>
-            <a:endParaRPr lang="en-US" sz="1600" dirty="0">
-              <a:solidFill>
-                <a:srgbClr val="7030A0"/>
-              </a:solidFill>
-              <a:effectLst/>
-            </a:endParaRPr>
-          </a:p>
-          <a:p>
-            <a:br>
-              <a:rPr lang="en-US" sz="1600" dirty="0">
-                <a:solidFill>
-                  <a:srgbClr val="7030A0"/>
-                </a:solidFill>
-                <a:effectLst/>
-              </a:rPr>
-            </a:br>
-            <a:r>
-              <a:rPr lang="en-US" sz="1600" dirty="0">
-                <a:solidFill>
-                  <a:srgbClr val="7030A0"/>
-                </a:solidFill>
-                <a:effectLst/>
-              </a:rPr>
-              <a:t>  </a:t>
-            </a:r>
-          </a:p>
-        </p:txBody>
-      </p:sp>
-    </p:spTree>
-    <p:custDataLst>
-      <p:tags r:id="rId1"/>
-    </p:custDataLst>
-    <p:extLst>
-      <p:ext uri="{BB962C8B-B14F-4D97-AF65-F5344CB8AC3E}">
-        <p14:creationId xmlns:p14="http://schemas.microsoft.com/office/powerpoint/2010/main" val="1736091823"/>
-      </p:ext>
-    </p:extLst>
-  </p:cSld>
-  <p:clrMapOvr>
-    <a:masterClrMapping/>
-  </p:clrMapOvr>
-</p:sld>
-</file>
-
-<file path=ppt/slides/slide26.xml><?xml version="1.0" encoding="utf-8"?>
-<p:sld xmlns:a="http://schemas.openxmlformats.org/drawingml/2006/main" xmlns:r="http://schemas.openxmlformats.org/officeDocument/2006/relationships" xmlns:p="http://schemas.openxmlformats.org/presentationml/2006/main">
-  <p:cSld>
-    <p:spTree>
-      <p:nvGrpSpPr>
-        <p:cNvPr id="1" name=""/>
-        <p:cNvGrpSpPr/>
-        <p:nvPr/>
-      </p:nvGrpSpPr>
-      <p:grpSpPr>
-        <a:xfrm>
-          <a:off x="0" y="0"/>
-          <a:ext cx="0" cy="0"/>
-          <a:chOff x="0" y="0"/>
-          <a:chExt cx="0" cy="0"/>
-        </a:xfrm>
-      </p:grpSpPr>
-      <p:sp>
-        <p:nvSpPr>
-          <p:cNvPr id="12" name="Rectangle 7"/>
-          <p:cNvSpPr>
-            <a:spLocks/>
-          </p:cNvSpPr>
-          <p:nvPr/>
-        </p:nvSpPr>
-        <p:spPr bwMode="auto">
-          <a:xfrm>
-            <a:off x="715617" y="1582532"/>
-            <a:ext cx="3368348" cy="2565067"/>
-          </a:xfrm>
-          <a:prstGeom prst="rect">
-            <a:avLst/>
-          </a:prstGeom>
-          <a:noFill/>
-          <a:ln>
-            <a:noFill/>
-          </a:ln>
-          <a:extLst>
-            <a:ext uri="{909E8E84-426E-40dd-AFC4-6F175D3DCCD1}">
-              <a14:hiddenFill xmlns="" xmlns:a14="http://schemas.microsoft.com/office/drawing/2010/main">
-                <a:solidFill>
-                  <a:srgbClr val="FFFFFF"/>
-                </a:solidFill>
-              </a14:hiddenFill>
-            </a:ext>
-            <a:ext uri="{91240B29-F687-4f45-9708-019B960494DF}">
-              <a14:hiddenLine xmlns="" xmlns:a14="http://schemas.microsoft.com/office/drawing/2010/main" w="12700" cap="flat">
-                <a:solidFill>
-                  <a:schemeClr val="tx1"/>
-                </a:solidFill>
-                <a:miter lim="800000"/>
-                <a:headEnd type="none" w="med" len="med"/>
-                <a:tailEnd type="none" w="med" len="med"/>
-              </a14:hiddenLine>
-            </a:ext>
-          </a:extLst>
-        </p:spPr>
-        <p:txBody>
-          <a:bodyPr lIns="0" tIns="0" rIns="0" bIns="0" anchor="t"/>
-          <a:lstStyle/>
-          <a:p>
-            <a:endParaRPr lang="en-US" sz="1800" dirty="0">
-              <a:ea typeface="ＭＳ Ｐゴシック" charset="0"/>
-              <a:sym typeface="Lato Light" charset="0"/>
-            </a:endParaRPr>
-          </a:p>
-        </p:txBody>
-      </p:sp>
-      <p:sp>
-        <p:nvSpPr>
-          <p:cNvPr id="24" name="Rectangle 7"/>
-          <p:cNvSpPr>
-            <a:spLocks/>
-          </p:cNvSpPr>
-          <p:nvPr/>
-        </p:nvSpPr>
-        <p:spPr bwMode="auto">
-          <a:xfrm>
-            <a:off x="5171902" y="1456376"/>
-            <a:ext cx="3256481" cy="2834318"/>
-          </a:xfrm>
-          <a:prstGeom prst="rect">
-            <a:avLst/>
-          </a:prstGeom>
-          <a:noFill/>
-          <a:ln>
-            <a:noFill/>
-          </a:ln>
-          <a:extLst>
-            <a:ext uri="{909E8E84-426E-40dd-AFC4-6F175D3DCCD1}">
-              <a14:hiddenFill xmlns="" xmlns:a14="http://schemas.microsoft.com/office/drawing/2010/main">
-                <a:solidFill>
-                  <a:srgbClr val="FFFFFF"/>
-                </a:solidFill>
-              </a14:hiddenFill>
-            </a:ext>
-            <a:ext uri="{91240B29-F687-4f45-9708-019B960494DF}">
-              <a14:hiddenLine xmlns="" xmlns:a14="http://schemas.microsoft.com/office/drawing/2010/main" w="12700" cap="flat">
                 <a:solidFill>
                   <a:schemeClr val="tx1"/>
                 </a:solidFill>
@@ -16633,14 +16262,14 @@
           </a:ln>
           <a:extLst>
             <a:ext uri="{909E8E84-426E-40dd-AFC4-6F175D3DCCD1}">
-              <a14:hiddenFill xmlns:a14="http://schemas.microsoft.com/office/drawing/2010/main" xmlns="">
+              <a14:hiddenFill xmlns="" xmlns:a14="http://schemas.microsoft.com/office/drawing/2010/main">
                 <a:solidFill>
                   <a:srgbClr val="FFFFFF"/>
                 </a:solidFill>
               </a14:hiddenFill>
             </a:ext>
             <a:ext uri="{91240B29-F687-4f45-9708-019B960494DF}">
-              <a14:hiddenLine xmlns:a14="http://schemas.microsoft.com/office/drawing/2010/main" xmlns="" w="12700" cap="flat">
+              <a14:hiddenLine xmlns="" xmlns:a14="http://schemas.microsoft.com/office/drawing/2010/main" w="12700" cap="flat">
                 <a:solidFill>
                   <a:schemeClr val="tx1"/>
                 </a:solidFill>
@@ -16684,14 +16313,14 @@
           </a:ln>
           <a:extLst>
             <a:ext uri="{909E8E84-426E-40dd-AFC4-6F175D3DCCD1}">
-              <a14:hiddenFill xmlns:a14="http://schemas.microsoft.com/office/drawing/2010/main" xmlns="">
+              <a14:hiddenFill xmlns="" xmlns:a14="http://schemas.microsoft.com/office/drawing/2010/main">
                 <a:solidFill>
                   <a:srgbClr val="FFFFFF"/>
                 </a:solidFill>
               </a14:hiddenFill>
             </a:ext>
             <a:ext uri="{91240B29-F687-4f45-9708-019B960494DF}">
-              <a14:hiddenLine xmlns:a14="http://schemas.microsoft.com/office/drawing/2010/main" xmlns="" w="12700" cap="flat">
+              <a14:hiddenLine xmlns="" xmlns:a14="http://schemas.microsoft.com/office/drawing/2010/main" w="12700" cap="flat">
                 <a:solidFill>
                   <a:schemeClr val="tx1"/>
                 </a:solidFill>
@@ -16862,14 +16491,14 @@
           </a:ln>
           <a:extLst>
             <a:ext uri="{909E8E84-426E-40dd-AFC4-6F175D3DCCD1}">
-              <a14:hiddenFill xmlns="" xmlns:a14="http://schemas.microsoft.com/office/drawing/2010/main">
+              <a14:hiddenFill xmlns:a14="http://schemas.microsoft.com/office/drawing/2010/main" xmlns="">
                 <a:solidFill>
                   <a:srgbClr val="FFFFFF"/>
                 </a:solidFill>
               </a14:hiddenFill>
             </a:ext>
             <a:ext uri="{91240B29-F687-4f45-9708-019B960494DF}">
-              <a14:hiddenLine xmlns="" xmlns:a14="http://schemas.microsoft.com/office/drawing/2010/main" w="12700" cap="flat">
+              <a14:hiddenLine xmlns:a14="http://schemas.microsoft.com/office/drawing/2010/main" xmlns="" w="12700" cap="flat">
                 <a:solidFill>
                   <a:schemeClr val="tx1"/>
                 </a:solidFill>
@@ -16913,14 +16542,14 @@
           </a:ln>
           <a:extLst>
             <a:ext uri="{909E8E84-426E-40dd-AFC4-6F175D3DCCD1}">
-              <a14:hiddenFill xmlns="" xmlns:a14="http://schemas.microsoft.com/office/drawing/2010/main">
+              <a14:hiddenFill xmlns:a14="http://schemas.microsoft.com/office/drawing/2010/main" xmlns="">
                 <a:solidFill>
                   <a:srgbClr val="FFFFFF"/>
                 </a:solidFill>
               </a14:hiddenFill>
             </a:ext>
             <a:ext uri="{91240B29-F687-4f45-9708-019B960494DF}">
-              <a14:hiddenLine xmlns="" xmlns:a14="http://schemas.microsoft.com/office/drawing/2010/main" w="12700" cap="flat">
+              <a14:hiddenLine xmlns:a14="http://schemas.microsoft.com/office/drawing/2010/main" xmlns="" w="12700" cap="flat">
                 <a:solidFill>
                   <a:schemeClr val="tx1"/>
                 </a:solidFill>
@@ -17148,14 +16777,14 @@
           </a:ln>
           <a:extLst>
             <a:ext uri="{909E8E84-426E-40dd-AFC4-6F175D3DCCD1}">
-              <a14:hiddenFill xmlns:a14="http://schemas.microsoft.com/office/drawing/2010/main" xmlns="">
+              <a14:hiddenFill xmlns="" xmlns:a14="http://schemas.microsoft.com/office/drawing/2010/main">
                 <a:solidFill>
                   <a:srgbClr val="FFFFFF"/>
                 </a:solidFill>
               </a14:hiddenFill>
             </a:ext>
             <a:ext uri="{91240B29-F687-4f45-9708-019B960494DF}">
-              <a14:hiddenLine xmlns:a14="http://schemas.microsoft.com/office/drawing/2010/main" xmlns="" w="12700" cap="flat">
+              <a14:hiddenLine xmlns="" xmlns:a14="http://schemas.microsoft.com/office/drawing/2010/main" w="12700" cap="flat">
                 <a:solidFill>
                   <a:schemeClr val="tx1"/>
                 </a:solidFill>
@@ -17199,14 +16828,14 @@
           </a:ln>
           <a:extLst>
             <a:ext uri="{909E8E84-426E-40dd-AFC4-6F175D3DCCD1}">
-              <a14:hiddenFill xmlns:a14="http://schemas.microsoft.com/office/drawing/2010/main" xmlns="">
+              <a14:hiddenFill xmlns="" xmlns:a14="http://schemas.microsoft.com/office/drawing/2010/main">
                 <a:solidFill>
                   <a:srgbClr val="FFFFFF"/>
                 </a:solidFill>
               </a14:hiddenFill>
             </a:ext>
             <a:ext uri="{91240B29-F687-4f45-9708-019B960494DF}">
-              <a14:hiddenLine xmlns:a14="http://schemas.microsoft.com/office/drawing/2010/main" xmlns="" w="12700" cap="flat">
+              <a14:hiddenLine xmlns="" xmlns:a14="http://schemas.microsoft.com/office/drawing/2010/main" w="12700" cap="flat">
                 <a:solidFill>
                   <a:schemeClr val="tx1"/>
                 </a:solidFill>
@@ -17408,14 +17037,14 @@
           </a:ln>
           <a:extLst>
             <a:ext uri="{909E8E84-426E-40dd-AFC4-6F175D3DCCD1}">
-              <a14:hiddenFill xmlns="" xmlns:a14="http://schemas.microsoft.com/office/drawing/2010/main">
+              <a14:hiddenFill xmlns:a14="http://schemas.microsoft.com/office/drawing/2010/main" xmlns="">
                 <a:solidFill>
                   <a:srgbClr val="FFFFFF"/>
                 </a:solidFill>
               </a14:hiddenFill>
             </a:ext>
             <a:ext uri="{91240B29-F687-4f45-9708-019B960494DF}">
-              <a14:hiddenLine xmlns="" xmlns:a14="http://schemas.microsoft.com/office/drawing/2010/main" w="12700" cap="flat">
+              <a14:hiddenLine xmlns:a14="http://schemas.microsoft.com/office/drawing/2010/main" xmlns="" w="12700" cap="flat">
                 <a:solidFill>
                   <a:schemeClr val="tx1"/>
                 </a:solidFill>
@@ -17459,14 +17088,14 @@
           </a:ln>
           <a:extLst>
             <a:ext uri="{909E8E84-426E-40dd-AFC4-6F175D3DCCD1}">
-              <a14:hiddenFill xmlns="" xmlns:a14="http://schemas.microsoft.com/office/drawing/2010/main">
+              <a14:hiddenFill xmlns:a14="http://schemas.microsoft.com/office/drawing/2010/main" xmlns="">
                 <a:solidFill>
                   <a:srgbClr val="FFFFFF"/>
                 </a:solidFill>
               </a14:hiddenFill>
             </a:ext>
             <a:ext uri="{91240B29-F687-4f45-9708-019B960494DF}">
-              <a14:hiddenLine xmlns="" xmlns:a14="http://schemas.microsoft.com/office/drawing/2010/main" w="12700" cap="flat">
+              <a14:hiddenLine xmlns:a14="http://schemas.microsoft.com/office/drawing/2010/main" xmlns="" w="12700" cap="flat">
                 <a:solidFill>
                   <a:schemeClr val="tx1"/>
                 </a:solidFill>
@@ -17664,14 +17293,14 @@
           </a:ln>
           <a:extLst>
             <a:ext uri="{909E8E84-426E-40dd-AFC4-6F175D3DCCD1}">
-              <a14:hiddenFill xmlns:a14="http://schemas.microsoft.com/office/drawing/2010/main" xmlns="">
+              <a14:hiddenFill xmlns="" xmlns:a14="http://schemas.microsoft.com/office/drawing/2010/main">
                 <a:solidFill>
                   <a:srgbClr val="FFFFFF"/>
                 </a:solidFill>
               </a14:hiddenFill>
             </a:ext>
             <a:ext uri="{91240B29-F687-4f45-9708-019B960494DF}">
-              <a14:hiddenLine xmlns:a14="http://schemas.microsoft.com/office/drawing/2010/main" xmlns="" w="12700" cap="flat">
+              <a14:hiddenLine xmlns="" xmlns:a14="http://schemas.microsoft.com/office/drawing/2010/main" w="12700" cap="flat">
                 <a:solidFill>
                   <a:schemeClr val="tx1"/>
                 </a:solidFill>
@@ -17715,14 +17344,14 @@
           </a:ln>
           <a:extLst>
             <a:ext uri="{909E8E84-426E-40dd-AFC4-6F175D3DCCD1}">
-              <a14:hiddenFill xmlns:a14="http://schemas.microsoft.com/office/drawing/2010/main" xmlns="">
+              <a14:hiddenFill xmlns="" xmlns:a14="http://schemas.microsoft.com/office/drawing/2010/main">
                 <a:solidFill>
                   <a:srgbClr val="FFFFFF"/>
                 </a:solidFill>
               </a14:hiddenFill>
             </a:ext>
             <a:ext uri="{91240B29-F687-4f45-9708-019B960494DF}">
-              <a14:hiddenLine xmlns:a14="http://schemas.microsoft.com/office/drawing/2010/main" xmlns="" w="12700" cap="flat">
+              <a14:hiddenLine xmlns="" xmlns:a14="http://schemas.microsoft.com/office/drawing/2010/main" w="12700" cap="flat">
                 <a:solidFill>
                   <a:schemeClr val="tx1"/>
                 </a:solidFill>
@@ -18296,14 +17925,14 @@
           </a:ln>
           <a:extLst>
             <a:ext uri="{909E8E84-426E-40dd-AFC4-6F175D3DCCD1}">
-              <a14:hiddenFill xmlns:a14="http://schemas.microsoft.com/office/drawing/2010/main" xmlns="">
+              <a14:hiddenFill xmlns="" xmlns:a14="http://schemas.microsoft.com/office/drawing/2010/main">
                 <a:solidFill>
                   <a:srgbClr val="FFFFFF"/>
                 </a:solidFill>
               </a14:hiddenFill>
             </a:ext>
             <a:ext uri="{91240B29-F687-4f45-9708-019B960494DF}">
-              <a14:hiddenLine xmlns:a14="http://schemas.microsoft.com/office/drawing/2010/main" xmlns="" w="12700" cap="flat">
+              <a14:hiddenLine xmlns="" xmlns:a14="http://schemas.microsoft.com/office/drawing/2010/main" w="12700" cap="flat">
                 <a:solidFill>
                   <a:schemeClr val="tx1"/>
                 </a:solidFill>
@@ -18347,14 +17976,14 @@
           </a:ln>
           <a:extLst>
             <a:ext uri="{909E8E84-426E-40dd-AFC4-6F175D3DCCD1}">
-              <a14:hiddenFill xmlns:a14="http://schemas.microsoft.com/office/drawing/2010/main" xmlns="">
+              <a14:hiddenFill xmlns="" xmlns:a14="http://schemas.microsoft.com/office/drawing/2010/main">
                 <a:solidFill>
                   <a:srgbClr val="FFFFFF"/>
                 </a:solidFill>
               </a14:hiddenFill>
             </a:ext>
             <a:ext uri="{91240B29-F687-4f45-9708-019B960494DF}">
-              <a14:hiddenLine xmlns:a14="http://schemas.microsoft.com/office/drawing/2010/main" xmlns="" w="12700" cap="flat">
+              <a14:hiddenLine xmlns="" xmlns:a14="http://schemas.microsoft.com/office/drawing/2010/main" w="12700" cap="flat">
                 <a:solidFill>
                   <a:schemeClr val="tx1"/>
                 </a:solidFill>
@@ -18584,14 +18213,14 @@
           </a:ln>
           <a:extLst>
             <a:ext uri="{909E8E84-426E-40dd-AFC4-6F175D3DCCD1}">
-              <a14:hiddenFill xmlns="" xmlns:a14="http://schemas.microsoft.com/office/drawing/2010/main">
+              <a14:hiddenFill xmlns:a14="http://schemas.microsoft.com/office/drawing/2010/main" xmlns="">
                 <a:solidFill>
                   <a:srgbClr val="FFFFFF"/>
                 </a:solidFill>
               </a14:hiddenFill>
             </a:ext>
             <a:ext uri="{91240B29-F687-4f45-9708-019B960494DF}">
-              <a14:hiddenLine xmlns="" xmlns:a14="http://schemas.microsoft.com/office/drawing/2010/main" w="12700" cap="flat">
+              <a14:hiddenLine xmlns:a14="http://schemas.microsoft.com/office/drawing/2010/main" xmlns="" w="12700" cap="flat">
                 <a:solidFill>
                   <a:schemeClr val="tx1"/>
                 </a:solidFill>
@@ -18635,14 +18264,14 @@
           </a:ln>
           <a:extLst>
             <a:ext uri="{909E8E84-426E-40dd-AFC4-6F175D3DCCD1}">
-              <a14:hiddenFill xmlns="" xmlns:a14="http://schemas.microsoft.com/office/drawing/2010/main">
+              <a14:hiddenFill xmlns:a14="http://schemas.microsoft.com/office/drawing/2010/main" xmlns="">
                 <a:solidFill>
                   <a:srgbClr val="FFFFFF"/>
                 </a:solidFill>
               </a14:hiddenFill>
             </a:ext>
             <a:ext uri="{91240B29-F687-4f45-9708-019B960494DF}">
-              <a14:hiddenLine xmlns="" xmlns:a14="http://schemas.microsoft.com/office/drawing/2010/main" w="12700" cap="flat">
+              <a14:hiddenLine xmlns:a14="http://schemas.microsoft.com/office/drawing/2010/main" xmlns="" w="12700" cap="flat">
                 <a:solidFill>
                   <a:schemeClr val="tx1"/>
                 </a:solidFill>
@@ -20171,12 +19800,6 @@
 </file>
 
 <file path=ppt/tags/tag24.xml><?xml version="1.0" encoding="utf-8"?>
-<p:tagLst xmlns:a="http://schemas.openxmlformats.org/drawingml/2006/main" xmlns:r="http://schemas.openxmlformats.org/officeDocument/2006/relationships" xmlns:p="http://schemas.openxmlformats.org/presentationml/2006/main">
-  <p:tag name="TIMING" val="|16.9|24.2|0"/>
-</p:tagLst>
-</file>
-
-<file path=ppt/tags/tag25.xml><?xml version="1.0" encoding="utf-8"?>
 <p:tagLst xmlns:a="http://schemas.openxmlformats.org/drawingml/2006/main" xmlns:r="http://schemas.openxmlformats.org/officeDocument/2006/relationships" xmlns:p="http://schemas.openxmlformats.org/presentationml/2006/main">
   <p:tag name="TIMING" val="|16.9|24.2|0"/>
 </p:tagLst>
@@ -21042,18 +20665,18 @@
 </file>
 
 <file path=customXml/item1.xml><?xml version="1.0" encoding="utf-8"?>
-<p:properties xmlns:p="http://schemas.microsoft.com/office/2006/metadata/properties" xmlns:xsi="http://www.w3.org/2001/XMLSchema-instance" xmlns:pc="http://schemas.microsoft.com/office/infopath/2007/PartnerControls">
-  <documentManagement/>
-</p:properties>
-</file>
-
-<file path=customXml/item2.xml><?xml version="1.0" encoding="utf-8"?>
 <?mso-contentType ?>
 <FormTemplates xmlns="http://schemas.microsoft.com/sharepoint/v3/contenttype/forms">
   <Display>DocumentLibraryForm</Display>
   <Edit>DocumentLibraryForm</Edit>
   <New>DocumentLibraryForm</New>
 </FormTemplates>
+</file>
+
+<file path=customXml/item2.xml><?xml version="1.0" encoding="utf-8"?>
+<p:properties xmlns:p="http://schemas.microsoft.com/office/2006/metadata/properties" xmlns:xsi="http://www.w3.org/2001/XMLSchema-instance" xmlns:pc="http://schemas.microsoft.com/office/infopath/2007/PartnerControls">
+  <documentManagement/>
+</p:properties>
 </file>
 
 <file path=customXml/item3.xml><?xml version="1.0" encoding="utf-8"?>
@@ -21189,6 +20812,14 @@
 </file>
 
 <file path=customXml/itemProps1.xml><?xml version="1.0" encoding="utf-8"?>
+<ds:datastoreItem xmlns:ds="http://schemas.openxmlformats.org/officeDocument/2006/customXml" ds:itemID="{D5F8D509-23D9-4C54-AF87-293BA1A6052D}">
+  <ds:schemaRefs>
+    <ds:schemaRef ds:uri="http://schemas.microsoft.com/sharepoint/v3/contenttype/forms"/>
+  </ds:schemaRefs>
+</ds:datastoreItem>
+</file>
+
+<file path=customXml/itemProps2.xml><?xml version="1.0" encoding="utf-8"?>
 <ds:datastoreItem xmlns:ds="http://schemas.openxmlformats.org/officeDocument/2006/customXml" ds:itemID="{5B04C1A0-A675-4C19-A396-213721E544B7}">
   <ds:schemaRefs>
     <ds:schemaRef ds:uri="http://schemas.microsoft.com/office/2006/metadata/properties"/>
@@ -21200,14 +20831,6 @@
     <ds:schemaRef ds:uri="http://schemas.microsoft.com/office/infopath/2007/PartnerControls"/>
     <ds:schemaRef ds:uri="http://schemas.openxmlformats.org/package/2006/metadata/core-properties"/>
     <ds:schemaRef ds:uri="http://purl.org/dc/dcmitype/"/>
-  </ds:schemaRefs>
-</ds:datastoreItem>
-</file>
-
-<file path=customXml/itemProps2.xml><?xml version="1.0" encoding="utf-8"?>
-<ds:datastoreItem xmlns:ds="http://schemas.openxmlformats.org/officeDocument/2006/customXml" ds:itemID="{D5F8D509-23D9-4C54-AF87-293BA1A6052D}">
-  <ds:schemaRefs>
-    <ds:schemaRef ds:uri="http://schemas.microsoft.com/sharepoint/v3/contenttype/forms"/>
   </ds:schemaRefs>
 </ds:datastoreItem>
 </file>

--- a/Kubernetes CRD Helm.pptx
+++ b/Kubernetes CRD Helm.pptx
@@ -15,20 +15,20 @@
     <p:sldId id="340" r:id="rId6"/>
     <p:sldId id="339" r:id="rId7"/>
     <p:sldId id="341" r:id="rId8"/>
-    <p:sldId id="351" r:id="rId9"/>
-    <p:sldId id="352" r:id="rId10"/>
-    <p:sldId id="353" r:id="rId11"/>
-    <p:sldId id="356" r:id="rId12"/>
-    <p:sldId id="354" r:id="rId13"/>
-    <p:sldId id="370" r:id="rId14"/>
-    <p:sldId id="357" r:id="rId15"/>
-    <p:sldId id="350" r:id="rId16"/>
-    <p:sldId id="361" r:id="rId17"/>
-    <p:sldId id="359" r:id="rId18"/>
-    <p:sldId id="362" r:id="rId19"/>
-    <p:sldId id="363" r:id="rId20"/>
-    <p:sldId id="364" r:id="rId21"/>
-    <p:sldId id="365" r:id="rId22"/>
+    <p:sldId id="371" r:id="rId9"/>
+    <p:sldId id="351" r:id="rId10"/>
+    <p:sldId id="352" r:id="rId11"/>
+    <p:sldId id="353" r:id="rId12"/>
+    <p:sldId id="356" r:id="rId13"/>
+    <p:sldId id="354" r:id="rId14"/>
+    <p:sldId id="370" r:id="rId15"/>
+    <p:sldId id="357" r:id="rId16"/>
+    <p:sldId id="350" r:id="rId17"/>
+    <p:sldId id="361" r:id="rId18"/>
+    <p:sldId id="359" r:id="rId19"/>
+    <p:sldId id="362" r:id="rId20"/>
+    <p:sldId id="363" r:id="rId21"/>
+    <p:sldId id="364" r:id="rId22"/>
     <p:sldId id="366" r:id="rId23"/>
     <p:sldId id="367" r:id="rId24"/>
     <p:sldId id="368" r:id="rId25"/>
@@ -242,7 +242,7 @@
           <a:p>
             <a:fld id="{E0E49B37-B3CF-48A3-B172-7B77541BFFBD}" type="datetimeFigureOut">
               <a:rPr lang="de-DE" smtClean="0"/>
-              <a:t>16.08.24</a:t>
+              <a:t>09.09.24</a:t>
             </a:fld>
             <a:endParaRPr lang="de-DE"/>
           </a:p>
@@ -419,7 +419,7 @@
           <a:p>
             <a:fld id="{A3C54D81-05C3-7140-80BE-EDE0A1F8F28E}" type="datetimeFigureOut">
               <a:rPr lang="en-US" smtClean="0"/>
-              <a:t>8/16/24</a:t>
+              <a:t>9/9/24</a:t>
             </a:fld>
             <a:endParaRPr lang="en-US"/>
           </a:p>
@@ -1309,7 +1309,7 @@
     </p:spTree>
     <p:extLst>
       <p:ext uri="{BB962C8B-B14F-4D97-AF65-F5344CB8AC3E}">
-        <p14:creationId xmlns:p14="http://schemas.microsoft.com/office/powerpoint/2010/main" val="1557687623"/>
+        <p14:creationId xmlns:p14="http://schemas.microsoft.com/office/powerpoint/2010/main" val="374063850"/>
       </p:ext>
     </p:extLst>
   </p:cSld>
@@ -1370,7 +1370,7 @@
     </p:spTree>
     <p:extLst>
       <p:ext uri="{BB962C8B-B14F-4D97-AF65-F5344CB8AC3E}">
-        <p14:creationId xmlns:p14="http://schemas.microsoft.com/office/powerpoint/2010/main" val="374063850"/>
+        <p14:creationId xmlns:p14="http://schemas.microsoft.com/office/powerpoint/2010/main" val="353297911"/>
       </p:ext>
     </p:extLst>
   </p:cSld>
@@ -1492,7 +1492,7 @@
     </p:spTree>
     <p:extLst>
       <p:ext uri="{BB962C8B-B14F-4D97-AF65-F5344CB8AC3E}">
-        <p14:creationId xmlns:p14="http://schemas.microsoft.com/office/powerpoint/2010/main" val="353297911"/>
+        <p14:creationId xmlns:p14="http://schemas.microsoft.com/office/powerpoint/2010/main" val="3961027725"/>
       </p:ext>
     </p:extLst>
   </p:cSld>
@@ -1553,7 +1553,7 @@
     </p:spTree>
     <p:extLst>
       <p:ext uri="{BB962C8B-B14F-4D97-AF65-F5344CB8AC3E}">
-        <p14:creationId xmlns:p14="http://schemas.microsoft.com/office/powerpoint/2010/main" val="3961027725"/>
+        <p14:creationId xmlns:p14="http://schemas.microsoft.com/office/powerpoint/2010/main" val="3250930268"/>
       </p:ext>
     </p:extLst>
   </p:cSld>
@@ -1614,7 +1614,7 @@
     </p:spTree>
     <p:extLst>
       <p:ext uri="{BB962C8B-B14F-4D97-AF65-F5344CB8AC3E}">
-        <p14:creationId xmlns:p14="http://schemas.microsoft.com/office/powerpoint/2010/main" val="3250930268"/>
+        <p14:creationId xmlns:p14="http://schemas.microsoft.com/office/powerpoint/2010/main" val="56817107"/>
       </p:ext>
     </p:extLst>
   </p:cSld>
@@ -1675,7 +1675,7 @@
     </p:spTree>
     <p:extLst>
       <p:ext uri="{BB962C8B-B14F-4D97-AF65-F5344CB8AC3E}">
-        <p14:creationId xmlns:p14="http://schemas.microsoft.com/office/powerpoint/2010/main" val="56817107"/>
+        <p14:creationId xmlns:p14="http://schemas.microsoft.com/office/powerpoint/2010/main" val="2037943046"/>
       </p:ext>
     </p:extLst>
   </p:cSld>
@@ -1686,67 +1686,6 @@
 </file>
 
 <file path=ppt/notesSlides/notesSlide24.xml><?xml version="1.0" encoding="utf-8"?>
-<p:notes xmlns:a="http://schemas.openxmlformats.org/drawingml/2006/main" xmlns:r="http://schemas.openxmlformats.org/officeDocument/2006/relationships" xmlns:p="http://schemas.openxmlformats.org/presentationml/2006/main">
-  <p:cSld>
-    <p:spTree>
-      <p:nvGrpSpPr>
-        <p:cNvPr id="1" name=""/>
-        <p:cNvGrpSpPr/>
-        <p:nvPr/>
-      </p:nvGrpSpPr>
-      <p:grpSpPr>
-        <a:xfrm>
-          <a:off x="0" y="0"/>
-          <a:ext cx="0" cy="0"/>
-          <a:chOff x="0" y="0"/>
-          <a:chExt cx="0" cy="0"/>
-        </a:xfrm>
-      </p:grpSpPr>
-      <p:sp>
-        <p:nvSpPr>
-          <p:cNvPr id="2" name="Slide Image Placeholder 1"/>
-          <p:cNvSpPr>
-            <a:spLocks noGrp="1" noRot="1" noChangeAspect="1"/>
-          </p:cNvSpPr>
-          <p:nvPr>
-            <p:ph type="sldImg"/>
-          </p:nvPr>
-        </p:nvSpPr>
-        <p:spPr/>
-      </p:sp>
-      <p:sp>
-        <p:nvSpPr>
-          <p:cNvPr id="3" name="Notes Placeholder 2"/>
-          <p:cNvSpPr>
-            <a:spLocks noGrp="1"/>
-          </p:cNvSpPr>
-          <p:nvPr>
-            <p:ph type="body" idx="1"/>
-          </p:nvPr>
-        </p:nvSpPr>
-        <p:spPr/>
-        <p:txBody>
-          <a:bodyPr/>
-          <a:lstStyle/>
-          <a:p>
-            <a:endParaRPr lang="de-DE" dirty="0"/>
-          </a:p>
-        </p:txBody>
-      </p:sp>
-    </p:spTree>
-    <p:extLst>
-      <p:ext uri="{BB962C8B-B14F-4D97-AF65-F5344CB8AC3E}">
-        <p14:creationId xmlns:p14="http://schemas.microsoft.com/office/powerpoint/2010/main" val="2037943046"/>
-      </p:ext>
-    </p:extLst>
-  </p:cSld>
-  <p:clrMapOvr>
-    <a:masterClrMapping/>
-  </p:clrMapOvr>
-</p:notes>
-</file>
-
-<file path=ppt/notesSlides/notesSlide25.xml><?xml version="1.0" encoding="utf-8"?>
 <p:notes xmlns:a="http://schemas.openxmlformats.org/drawingml/2006/main" xmlns:r="http://schemas.openxmlformats.org/officeDocument/2006/relationships" xmlns:p="http://schemas.openxmlformats.org/presentationml/2006/main">
   <p:cSld>
     <p:spTree>
@@ -4220,7 +4159,7 @@
             <a:fld id="{1752D0F8-6159-4366-B54E-606536237956}" type="datetimeFigureOut">
               <a:rPr lang="de-DE" smtClean="0"/>
               <a:pPr/>
-              <a:t>16.08.24</a:t>
+              <a:t>09.09.24</a:t>
             </a:fld>
             <a:endParaRPr lang="de-DE"/>
           </a:p>
@@ -9499,7 +9438,7 @@
           <a:p>
             <a:fld id="{C764DE79-268F-4C1A-8933-263129D2AF90}" type="datetimeFigureOut">
               <a:rPr lang="en-US" dirty="0"/>
-              <a:t>8/16/24</a:t>
+              <a:t>9/9/24</a:t>
             </a:fld>
             <a:endParaRPr lang="en-US"/>
           </a:p>
@@ -10424,14 +10363,14 @@
           </a:ln>
           <a:extLst>
             <a:ext uri="{909E8E84-426E-40dd-AFC4-6F175D3DCCD1}">
-              <a14:hiddenFill xmlns:a14="http://schemas.microsoft.com/office/drawing/2010/main" xmlns="">
+              <a14:hiddenFill xmlns="" xmlns:a14="http://schemas.microsoft.com/office/drawing/2010/main">
                 <a:solidFill>
                   <a:srgbClr val="FFFFFF"/>
                 </a:solidFill>
               </a14:hiddenFill>
             </a:ext>
             <a:ext uri="{91240B29-F687-4f45-9708-019B960494DF}">
-              <a14:hiddenLine xmlns:a14="http://schemas.microsoft.com/office/drawing/2010/main" xmlns="" w="12700" cap="flat">
+              <a14:hiddenLine xmlns="" xmlns:a14="http://schemas.microsoft.com/office/drawing/2010/main" w="12700" cap="flat">
                 <a:solidFill>
                   <a:schemeClr val="tx1"/>
                 </a:solidFill>
@@ -10475,14 +10414,14 @@
           </a:ln>
           <a:extLst>
             <a:ext uri="{909E8E84-426E-40dd-AFC4-6F175D3DCCD1}">
-              <a14:hiddenFill xmlns:a14="http://schemas.microsoft.com/office/drawing/2010/main" xmlns="">
+              <a14:hiddenFill xmlns="" xmlns:a14="http://schemas.microsoft.com/office/drawing/2010/main">
                 <a:solidFill>
                   <a:srgbClr val="FFFFFF"/>
                 </a:solidFill>
               </a14:hiddenFill>
             </a:ext>
             <a:ext uri="{91240B29-F687-4f45-9708-019B960494DF}">
-              <a14:hiddenLine xmlns:a14="http://schemas.microsoft.com/office/drawing/2010/main" xmlns="" w="12700" cap="flat">
+              <a14:hiddenLine xmlns="" xmlns:a14="http://schemas.microsoft.com/office/drawing/2010/main" w="12700" cap="flat">
                 <a:solidFill>
                   <a:schemeClr val="tx1"/>
                 </a:solidFill>
@@ -10533,7 +10472,7 @@
           <a:p>
             <a:r>
               <a:rPr lang="en-US" dirty="0"/>
-              <a:t>CRD controller implementation options</a:t>
+              <a:t>CRD example</a:t>
             </a:r>
           </a:p>
         </p:txBody>
@@ -10573,7 +10512,7 @@
           <p:cNvPr id="2" name="TextBox 1">
             <a:extLst>
               <a:ext uri="{FF2B5EF4-FFF2-40B4-BE49-F238E27FC236}">
-                <a16:creationId xmlns:a16="http://schemas.microsoft.com/office/drawing/2014/main" id="{33940E9E-4677-5B7F-B615-64BE1B2F9D8E}"/>
+                <a16:creationId xmlns:a16="http://schemas.microsoft.com/office/drawing/2014/main" id="{1B78DE54-7DAD-7CEC-212E-5788A6E678D6}"/>
               </a:ext>
             </a:extLst>
           </p:cNvPr>
@@ -10582,8 +10521,8 @@
         </p:nvSpPr>
         <p:spPr>
           <a:xfrm>
-            <a:off x="1125538" y="1480816"/>
-            <a:ext cx="4166333" cy="830997"/>
+            <a:off x="2399791" y="672157"/>
+            <a:ext cx="4289561" cy="4385816"/>
           </a:xfrm>
           <a:prstGeom prst="rect">
             <a:avLst/>
@@ -10591,37 +10530,1310 @@
           <a:noFill/>
         </p:spPr>
         <p:txBody>
-          <a:bodyPr wrap="none" rtlCol="0">
+          <a:bodyPr wrap="square" rtlCol="0">
             <a:spAutoFit/>
           </a:bodyPr>
           <a:lstStyle/>
           <a:p>
-            <a:pPr marL="342900" indent="-342900">
-              <a:buFont typeface="Arial" panose="020B0604020202020204" pitchFamily="34" charset="0"/>
-              <a:buChar char="•"/>
-            </a:pPr>
-            <a:r>
-              <a:rPr lang="en-US" sz="2400" dirty="0">
-                <a:solidFill>
-                  <a:srgbClr val="7030A0"/>
-                </a:solidFill>
-              </a:rPr>
-              <a:t>Implementation from scratch</a:t>
-            </a:r>
-          </a:p>
-          <a:p>
-            <a:pPr marL="342900" indent="-342900">
-              <a:buFont typeface="Arial" panose="020B0604020202020204" pitchFamily="34" charset="0"/>
-              <a:buChar char="•"/>
-            </a:pPr>
-            <a:r>
-              <a:rPr lang="en-US" sz="2400" dirty="0">
-                <a:solidFill>
-                  <a:srgbClr val="7030A0"/>
-                </a:solidFill>
-              </a:rPr>
-              <a:t>KOPF python library</a:t>
-            </a:r>
+            <a:r>
+              <a:rPr lang="en-US" sz="900" dirty="0" err="1">
+                <a:solidFill>
+                  <a:srgbClr val="CC7832"/>
+                </a:solidFill>
+                <a:effectLst/>
+                <a:latin typeface="Consolas" panose="020B0609020204030204" pitchFamily="49" charset="0"/>
+                <a:cs typeface="Consolas" panose="020B0609020204030204" pitchFamily="49" charset="0"/>
+              </a:rPr>
+              <a:t>apiVersion</a:t>
+            </a:r>
+            <a:r>
+              <a:rPr lang="en-US" sz="900" dirty="0">
+                <a:solidFill>
+                  <a:srgbClr val="A9B7C6"/>
+                </a:solidFill>
+                <a:effectLst/>
+                <a:latin typeface="Consolas" panose="020B0609020204030204" pitchFamily="49" charset="0"/>
+                <a:cs typeface="Consolas" panose="020B0609020204030204" pitchFamily="49" charset="0"/>
+              </a:rPr>
+              <a:t>: apiextensions.k8s.io/v1</a:t>
+            </a:r>
+            <a:br>
+              <a:rPr lang="en-US" sz="900" dirty="0">
+                <a:solidFill>
+                  <a:srgbClr val="A9B7C6"/>
+                </a:solidFill>
+                <a:effectLst/>
+                <a:latin typeface="Consolas" panose="020B0609020204030204" pitchFamily="49" charset="0"/>
+                <a:cs typeface="Consolas" panose="020B0609020204030204" pitchFamily="49" charset="0"/>
+              </a:rPr>
+            </a:br>
+            <a:r>
+              <a:rPr lang="en-US" sz="900" dirty="0">
+                <a:solidFill>
+                  <a:srgbClr val="CC7832"/>
+                </a:solidFill>
+                <a:effectLst/>
+                <a:latin typeface="Consolas" panose="020B0609020204030204" pitchFamily="49" charset="0"/>
+                <a:cs typeface="Consolas" panose="020B0609020204030204" pitchFamily="49" charset="0"/>
+              </a:rPr>
+              <a:t>kind</a:t>
+            </a:r>
+            <a:r>
+              <a:rPr lang="en-US" sz="900" dirty="0">
+                <a:solidFill>
+                  <a:srgbClr val="A9B7C6"/>
+                </a:solidFill>
+                <a:effectLst/>
+                <a:latin typeface="Consolas" panose="020B0609020204030204" pitchFamily="49" charset="0"/>
+                <a:cs typeface="Consolas" panose="020B0609020204030204" pitchFamily="49" charset="0"/>
+              </a:rPr>
+              <a:t>: </a:t>
+            </a:r>
+            <a:r>
+              <a:rPr lang="en-US" sz="900" dirty="0" err="1">
+                <a:solidFill>
+                  <a:srgbClr val="A9B7C6"/>
+                </a:solidFill>
+                <a:effectLst/>
+                <a:latin typeface="Consolas" panose="020B0609020204030204" pitchFamily="49" charset="0"/>
+                <a:cs typeface="Consolas" panose="020B0609020204030204" pitchFamily="49" charset="0"/>
+              </a:rPr>
+              <a:t>CustomResourceDefinition</a:t>
+            </a:r>
+            <a:br>
+              <a:rPr lang="en-US" sz="900" dirty="0">
+                <a:solidFill>
+                  <a:srgbClr val="A9B7C6"/>
+                </a:solidFill>
+                <a:effectLst/>
+                <a:latin typeface="Consolas" panose="020B0609020204030204" pitchFamily="49" charset="0"/>
+                <a:cs typeface="Consolas" panose="020B0609020204030204" pitchFamily="49" charset="0"/>
+              </a:rPr>
+            </a:br>
+            <a:r>
+              <a:rPr lang="en-US" sz="900" dirty="0">
+                <a:solidFill>
+                  <a:srgbClr val="CC7832"/>
+                </a:solidFill>
+                <a:effectLst/>
+                <a:latin typeface="Consolas" panose="020B0609020204030204" pitchFamily="49" charset="0"/>
+                <a:cs typeface="Consolas" panose="020B0609020204030204" pitchFamily="49" charset="0"/>
+              </a:rPr>
+              <a:t>metadata</a:t>
+            </a:r>
+            <a:r>
+              <a:rPr lang="en-US" sz="900" dirty="0">
+                <a:solidFill>
+                  <a:srgbClr val="A9B7C6"/>
+                </a:solidFill>
+                <a:effectLst/>
+                <a:latin typeface="Consolas" panose="020B0609020204030204" pitchFamily="49" charset="0"/>
+                <a:cs typeface="Consolas" panose="020B0609020204030204" pitchFamily="49" charset="0"/>
+              </a:rPr>
+              <a:t>:</a:t>
+            </a:r>
+            <a:br>
+              <a:rPr lang="en-US" sz="900" dirty="0">
+                <a:solidFill>
+                  <a:srgbClr val="A9B7C6"/>
+                </a:solidFill>
+                <a:effectLst/>
+                <a:latin typeface="Consolas" panose="020B0609020204030204" pitchFamily="49" charset="0"/>
+                <a:cs typeface="Consolas" panose="020B0609020204030204" pitchFamily="49" charset="0"/>
+              </a:rPr>
+            </a:br>
+            <a:r>
+              <a:rPr lang="en-US" sz="900" dirty="0">
+                <a:solidFill>
+                  <a:srgbClr val="A9B7C6"/>
+                </a:solidFill>
+                <a:effectLst/>
+                <a:latin typeface="Consolas" panose="020B0609020204030204" pitchFamily="49" charset="0"/>
+                <a:cs typeface="Consolas" panose="020B0609020204030204" pitchFamily="49" charset="0"/>
+              </a:rPr>
+              <a:t>  </a:t>
+            </a:r>
+            <a:r>
+              <a:rPr lang="en-US" sz="900" i="1" dirty="0">
+                <a:solidFill>
+                  <a:srgbClr val="629755"/>
+                </a:solidFill>
+                <a:effectLst/>
+                <a:latin typeface="Consolas" panose="020B0609020204030204" pitchFamily="49" charset="0"/>
+                <a:cs typeface="Consolas" panose="020B0609020204030204" pitchFamily="49" charset="0"/>
+              </a:rPr>
+              <a:t># name must match &lt;plural&gt;.&lt;group&gt;</a:t>
+            </a:r>
+            <a:br>
+              <a:rPr lang="en-US" sz="900" i="1" dirty="0">
+                <a:solidFill>
+                  <a:srgbClr val="629755"/>
+                </a:solidFill>
+                <a:effectLst/>
+                <a:latin typeface="Consolas" panose="020B0609020204030204" pitchFamily="49" charset="0"/>
+                <a:cs typeface="Consolas" panose="020B0609020204030204" pitchFamily="49" charset="0"/>
+              </a:rPr>
+            </a:br>
+            <a:r>
+              <a:rPr lang="en-US" sz="900" i="1" dirty="0">
+                <a:solidFill>
+                  <a:srgbClr val="629755"/>
+                </a:solidFill>
+                <a:effectLst/>
+                <a:latin typeface="Consolas" panose="020B0609020204030204" pitchFamily="49" charset="0"/>
+                <a:cs typeface="Consolas" panose="020B0609020204030204" pitchFamily="49" charset="0"/>
+              </a:rPr>
+              <a:t>  </a:t>
+            </a:r>
+            <a:r>
+              <a:rPr lang="en-US" sz="900" dirty="0">
+                <a:solidFill>
+                  <a:srgbClr val="CC7832"/>
+                </a:solidFill>
+                <a:effectLst/>
+                <a:latin typeface="Consolas" panose="020B0609020204030204" pitchFamily="49" charset="0"/>
+                <a:cs typeface="Consolas" panose="020B0609020204030204" pitchFamily="49" charset="0"/>
+              </a:rPr>
+              <a:t>name</a:t>
+            </a:r>
+            <a:r>
+              <a:rPr lang="en-US" sz="900" dirty="0">
+                <a:solidFill>
+                  <a:srgbClr val="A9B7C6"/>
+                </a:solidFill>
+                <a:effectLst/>
+                <a:latin typeface="Consolas" panose="020B0609020204030204" pitchFamily="49" charset="0"/>
+                <a:cs typeface="Consolas" panose="020B0609020204030204" pitchFamily="49" charset="0"/>
+              </a:rPr>
+              <a:t>: </a:t>
+            </a:r>
+            <a:r>
+              <a:rPr lang="en-US" sz="900" dirty="0" err="1">
+                <a:solidFill>
+                  <a:srgbClr val="A9B7C6"/>
+                </a:solidFill>
+                <a:effectLst/>
+                <a:latin typeface="Consolas" panose="020B0609020204030204" pitchFamily="49" charset="0"/>
+                <a:cs typeface="Consolas" panose="020B0609020204030204" pitchFamily="49" charset="0"/>
+              </a:rPr>
+              <a:t>ephemeralvolumeclaims.crd.dev</a:t>
+            </a:r>
+            <a:br>
+              <a:rPr lang="en-US" sz="900" dirty="0">
+                <a:solidFill>
+                  <a:srgbClr val="A9B7C6"/>
+                </a:solidFill>
+                <a:effectLst/>
+                <a:latin typeface="Consolas" panose="020B0609020204030204" pitchFamily="49" charset="0"/>
+                <a:cs typeface="Consolas" panose="020B0609020204030204" pitchFamily="49" charset="0"/>
+              </a:rPr>
+            </a:br>
+            <a:r>
+              <a:rPr lang="en-US" sz="900" dirty="0">
+                <a:solidFill>
+                  <a:srgbClr val="CC7832"/>
+                </a:solidFill>
+                <a:effectLst/>
+                <a:latin typeface="Consolas" panose="020B0609020204030204" pitchFamily="49" charset="0"/>
+                <a:cs typeface="Consolas" panose="020B0609020204030204" pitchFamily="49" charset="0"/>
+              </a:rPr>
+              <a:t>spec</a:t>
+            </a:r>
+            <a:r>
+              <a:rPr lang="en-US" sz="900" dirty="0">
+                <a:solidFill>
+                  <a:srgbClr val="A9B7C6"/>
+                </a:solidFill>
+                <a:effectLst/>
+                <a:latin typeface="Consolas" panose="020B0609020204030204" pitchFamily="49" charset="0"/>
+                <a:cs typeface="Consolas" panose="020B0609020204030204" pitchFamily="49" charset="0"/>
+              </a:rPr>
+              <a:t>:</a:t>
+            </a:r>
+            <a:br>
+              <a:rPr lang="en-US" sz="900" dirty="0">
+                <a:solidFill>
+                  <a:srgbClr val="A9B7C6"/>
+                </a:solidFill>
+                <a:effectLst/>
+                <a:latin typeface="Consolas" panose="020B0609020204030204" pitchFamily="49" charset="0"/>
+                <a:cs typeface="Consolas" panose="020B0609020204030204" pitchFamily="49" charset="0"/>
+              </a:rPr>
+            </a:br>
+            <a:r>
+              <a:rPr lang="en-US" sz="900" dirty="0">
+                <a:solidFill>
+                  <a:srgbClr val="A9B7C6"/>
+                </a:solidFill>
+                <a:effectLst/>
+                <a:latin typeface="Consolas" panose="020B0609020204030204" pitchFamily="49" charset="0"/>
+                <a:cs typeface="Consolas" panose="020B0609020204030204" pitchFamily="49" charset="0"/>
+              </a:rPr>
+              <a:t>  </a:t>
+            </a:r>
+            <a:r>
+              <a:rPr lang="en-US" sz="900" dirty="0">
+                <a:solidFill>
+                  <a:srgbClr val="CC7832"/>
+                </a:solidFill>
+                <a:effectLst/>
+                <a:latin typeface="Consolas" panose="020B0609020204030204" pitchFamily="49" charset="0"/>
+                <a:cs typeface="Consolas" panose="020B0609020204030204" pitchFamily="49" charset="0"/>
+              </a:rPr>
+              <a:t>scope</a:t>
+            </a:r>
+            <a:r>
+              <a:rPr lang="en-US" sz="900" dirty="0">
+                <a:solidFill>
+                  <a:srgbClr val="A9B7C6"/>
+                </a:solidFill>
+                <a:effectLst/>
+                <a:latin typeface="Consolas" panose="020B0609020204030204" pitchFamily="49" charset="0"/>
+                <a:cs typeface="Consolas" panose="020B0609020204030204" pitchFamily="49" charset="0"/>
+              </a:rPr>
+              <a:t>: </a:t>
+            </a:r>
+            <a:r>
+              <a:rPr lang="en-US" sz="900" dirty="0" err="1">
+                <a:solidFill>
+                  <a:srgbClr val="A9B7C6"/>
+                </a:solidFill>
+                <a:effectLst/>
+                <a:latin typeface="Consolas" panose="020B0609020204030204" pitchFamily="49" charset="0"/>
+                <a:cs typeface="Consolas" panose="020B0609020204030204" pitchFamily="49" charset="0"/>
+              </a:rPr>
+              <a:t>Namespaced</a:t>
+            </a:r>
+            <a:br>
+              <a:rPr lang="en-US" sz="900" dirty="0">
+                <a:solidFill>
+                  <a:srgbClr val="A9B7C6"/>
+                </a:solidFill>
+                <a:effectLst/>
+                <a:latin typeface="Consolas" panose="020B0609020204030204" pitchFamily="49" charset="0"/>
+                <a:cs typeface="Consolas" panose="020B0609020204030204" pitchFamily="49" charset="0"/>
+              </a:rPr>
+            </a:br>
+            <a:r>
+              <a:rPr lang="en-US" sz="900" dirty="0">
+                <a:solidFill>
+                  <a:srgbClr val="A9B7C6"/>
+                </a:solidFill>
+                <a:effectLst/>
+                <a:latin typeface="Consolas" panose="020B0609020204030204" pitchFamily="49" charset="0"/>
+                <a:cs typeface="Consolas" panose="020B0609020204030204" pitchFamily="49" charset="0"/>
+              </a:rPr>
+              <a:t>  </a:t>
+            </a:r>
+            <a:r>
+              <a:rPr lang="en-US" sz="900" dirty="0">
+                <a:solidFill>
+                  <a:srgbClr val="CC7832"/>
+                </a:solidFill>
+                <a:effectLst/>
+                <a:latin typeface="Consolas" panose="020B0609020204030204" pitchFamily="49" charset="0"/>
+                <a:cs typeface="Consolas" panose="020B0609020204030204" pitchFamily="49" charset="0"/>
+              </a:rPr>
+              <a:t>group</a:t>
+            </a:r>
+            <a:r>
+              <a:rPr lang="en-US" sz="900" dirty="0">
+                <a:solidFill>
+                  <a:srgbClr val="A9B7C6"/>
+                </a:solidFill>
+                <a:effectLst/>
+                <a:latin typeface="Consolas" panose="020B0609020204030204" pitchFamily="49" charset="0"/>
+                <a:cs typeface="Consolas" panose="020B0609020204030204" pitchFamily="49" charset="0"/>
+              </a:rPr>
+              <a:t>: </a:t>
+            </a:r>
+            <a:r>
+              <a:rPr lang="en-US" sz="900" dirty="0" err="1">
+                <a:solidFill>
+                  <a:srgbClr val="A9B7C6"/>
+                </a:solidFill>
+                <a:effectLst/>
+                <a:latin typeface="Consolas" panose="020B0609020204030204" pitchFamily="49" charset="0"/>
+                <a:cs typeface="Consolas" panose="020B0609020204030204" pitchFamily="49" charset="0"/>
+              </a:rPr>
+              <a:t>crd.dev</a:t>
+            </a:r>
+            <a:br>
+              <a:rPr lang="en-US" sz="900" dirty="0">
+                <a:solidFill>
+                  <a:srgbClr val="A9B7C6"/>
+                </a:solidFill>
+                <a:effectLst/>
+                <a:latin typeface="Consolas" panose="020B0609020204030204" pitchFamily="49" charset="0"/>
+                <a:cs typeface="Consolas" panose="020B0609020204030204" pitchFamily="49" charset="0"/>
+              </a:rPr>
+            </a:br>
+            <a:r>
+              <a:rPr lang="en-US" sz="900" dirty="0">
+                <a:solidFill>
+                  <a:srgbClr val="A9B7C6"/>
+                </a:solidFill>
+                <a:effectLst/>
+                <a:latin typeface="Consolas" panose="020B0609020204030204" pitchFamily="49" charset="0"/>
+                <a:cs typeface="Consolas" panose="020B0609020204030204" pitchFamily="49" charset="0"/>
+              </a:rPr>
+              <a:t>  </a:t>
+            </a:r>
+            <a:r>
+              <a:rPr lang="en-US" sz="900" dirty="0">
+                <a:solidFill>
+                  <a:srgbClr val="CC7832"/>
+                </a:solidFill>
+                <a:effectLst/>
+                <a:latin typeface="Consolas" panose="020B0609020204030204" pitchFamily="49" charset="0"/>
+                <a:cs typeface="Consolas" panose="020B0609020204030204" pitchFamily="49" charset="0"/>
+              </a:rPr>
+              <a:t>names</a:t>
+            </a:r>
+            <a:r>
+              <a:rPr lang="en-US" sz="900" dirty="0">
+                <a:solidFill>
+                  <a:srgbClr val="A9B7C6"/>
+                </a:solidFill>
+                <a:effectLst/>
+                <a:latin typeface="Consolas" panose="020B0609020204030204" pitchFamily="49" charset="0"/>
+                <a:cs typeface="Consolas" panose="020B0609020204030204" pitchFamily="49" charset="0"/>
+              </a:rPr>
+              <a:t>:</a:t>
+            </a:r>
+            <a:br>
+              <a:rPr lang="en-US" sz="900" dirty="0">
+                <a:solidFill>
+                  <a:srgbClr val="A9B7C6"/>
+                </a:solidFill>
+                <a:effectLst/>
+                <a:latin typeface="Consolas" panose="020B0609020204030204" pitchFamily="49" charset="0"/>
+                <a:cs typeface="Consolas" panose="020B0609020204030204" pitchFamily="49" charset="0"/>
+              </a:rPr>
+            </a:br>
+            <a:r>
+              <a:rPr lang="en-US" sz="900" dirty="0">
+                <a:solidFill>
+                  <a:srgbClr val="A9B7C6"/>
+                </a:solidFill>
+                <a:effectLst/>
+                <a:latin typeface="Consolas" panose="020B0609020204030204" pitchFamily="49" charset="0"/>
+                <a:cs typeface="Consolas" panose="020B0609020204030204" pitchFamily="49" charset="0"/>
+              </a:rPr>
+              <a:t>    </a:t>
+            </a:r>
+            <a:r>
+              <a:rPr lang="en-US" sz="900" dirty="0">
+                <a:solidFill>
+                  <a:srgbClr val="CC7832"/>
+                </a:solidFill>
+                <a:effectLst/>
+                <a:latin typeface="Consolas" panose="020B0609020204030204" pitchFamily="49" charset="0"/>
+                <a:cs typeface="Consolas" panose="020B0609020204030204" pitchFamily="49" charset="0"/>
+              </a:rPr>
+              <a:t>kind</a:t>
+            </a:r>
+            <a:r>
+              <a:rPr lang="en-US" sz="900" dirty="0">
+                <a:solidFill>
+                  <a:srgbClr val="A9B7C6"/>
+                </a:solidFill>
+                <a:effectLst/>
+                <a:latin typeface="Consolas" panose="020B0609020204030204" pitchFamily="49" charset="0"/>
+                <a:cs typeface="Consolas" panose="020B0609020204030204" pitchFamily="49" charset="0"/>
+              </a:rPr>
+              <a:t>: </a:t>
+            </a:r>
+            <a:r>
+              <a:rPr lang="en-US" sz="900" dirty="0" err="1">
+                <a:solidFill>
+                  <a:srgbClr val="A9B7C6"/>
+                </a:solidFill>
+                <a:effectLst/>
+                <a:latin typeface="Consolas" panose="020B0609020204030204" pitchFamily="49" charset="0"/>
+                <a:cs typeface="Consolas" panose="020B0609020204030204" pitchFamily="49" charset="0"/>
+              </a:rPr>
+              <a:t>EphemeralVolumeClaim</a:t>
+            </a:r>
+            <a:br>
+              <a:rPr lang="en-US" sz="900" dirty="0">
+                <a:solidFill>
+                  <a:srgbClr val="A9B7C6"/>
+                </a:solidFill>
+                <a:effectLst/>
+                <a:latin typeface="Consolas" panose="020B0609020204030204" pitchFamily="49" charset="0"/>
+                <a:cs typeface="Consolas" panose="020B0609020204030204" pitchFamily="49" charset="0"/>
+              </a:rPr>
+            </a:br>
+            <a:r>
+              <a:rPr lang="en-US" sz="900" dirty="0">
+                <a:solidFill>
+                  <a:srgbClr val="A9B7C6"/>
+                </a:solidFill>
+                <a:effectLst/>
+                <a:latin typeface="Consolas" panose="020B0609020204030204" pitchFamily="49" charset="0"/>
+                <a:cs typeface="Consolas" panose="020B0609020204030204" pitchFamily="49" charset="0"/>
+              </a:rPr>
+              <a:t>    </a:t>
+            </a:r>
+            <a:r>
+              <a:rPr lang="en-US" sz="900" dirty="0">
+                <a:solidFill>
+                  <a:srgbClr val="CC7832"/>
+                </a:solidFill>
+                <a:effectLst/>
+                <a:latin typeface="Consolas" panose="020B0609020204030204" pitchFamily="49" charset="0"/>
+                <a:cs typeface="Consolas" panose="020B0609020204030204" pitchFamily="49" charset="0"/>
+              </a:rPr>
+              <a:t>plural</a:t>
+            </a:r>
+            <a:r>
+              <a:rPr lang="en-US" sz="900" dirty="0">
+                <a:solidFill>
+                  <a:srgbClr val="A9B7C6"/>
+                </a:solidFill>
+                <a:effectLst/>
+                <a:latin typeface="Consolas" panose="020B0609020204030204" pitchFamily="49" charset="0"/>
+                <a:cs typeface="Consolas" panose="020B0609020204030204" pitchFamily="49" charset="0"/>
+              </a:rPr>
+              <a:t>: </a:t>
+            </a:r>
+            <a:r>
+              <a:rPr lang="en-US" sz="900" dirty="0" err="1">
+                <a:solidFill>
+                  <a:srgbClr val="A9B7C6"/>
+                </a:solidFill>
+                <a:effectLst/>
+                <a:latin typeface="Consolas" panose="020B0609020204030204" pitchFamily="49" charset="0"/>
+                <a:cs typeface="Consolas" panose="020B0609020204030204" pitchFamily="49" charset="0"/>
+              </a:rPr>
+              <a:t>ephemeralvolumeclaims</a:t>
+            </a:r>
+            <a:br>
+              <a:rPr lang="en-US" sz="900" dirty="0">
+                <a:solidFill>
+                  <a:srgbClr val="A9B7C6"/>
+                </a:solidFill>
+                <a:effectLst/>
+                <a:latin typeface="Consolas" panose="020B0609020204030204" pitchFamily="49" charset="0"/>
+                <a:cs typeface="Consolas" panose="020B0609020204030204" pitchFamily="49" charset="0"/>
+              </a:rPr>
+            </a:br>
+            <a:r>
+              <a:rPr lang="en-US" sz="900" dirty="0">
+                <a:solidFill>
+                  <a:srgbClr val="A9B7C6"/>
+                </a:solidFill>
+                <a:effectLst/>
+                <a:latin typeface="Consolas" panose="020B0609020204030204" pitchFamily="49" charset="0"/>
+                <a:cs typeface="Consolas" panose="020B0609020204030204" pitchFamily="49" charset="0"/>
+              </a:rPr>
+              <a:t>    </a:t>
+            </a:r>
+            <a:r>
+              <a:rPr lang="en-US" sz="900" dirty="0">
+                <a:solidFill>
+                  <a:srgbClr val="CC7832"/>
+                </a:solidFill>
+                <a:effectLst/>
+                <a:latin typeface="Consolas" panose="020B0609020204030204" pitchFamily="49" charset="0"/>
+                <a:cs typeface="Consolas" panose="020B0609020204030204" pitchFamily="49" charset="0"/>
+              </a:rPr>
+              <a:t>singular</a:t>
+            </a:r>
+            <a:r>
+              <a:rPr lang="en-US" sz="900" dirty="0">
+                <a:solidFill>
+                  <a:srgbClr val="A9B7C6"/>
+                </a:solidFill>
+                <a:effectLst/>
+                <a:latin typeface="Consolas" panose="020B0609020204030204" pitchFamily="49" charset="0"/>
+                <a:cs typeface="Consolas" panose="020B0609020204030204" pitchFamily="49" charset="0"/>
+              </a:rPr>
+              <a:t>: </a:t>
+            </a:r>
+            <a:r>
+              <a:rPr lang="en-US" sz="900" dirty="0" err="1">
+                <a:solidFill>
+                  <a:srgbClr val="A9B7C6"/>
+                </a:solidFill>
+                <a:effectLst/>
+                <a:latin typeface="Consolas" panose="020B0609020204030204" pitchFamily="49" charset="0"/>
+                <a:cs typeface="Consolas" panose="020B0609020204030204" pitchFamily="49" charset="0"/>
+              </a:rPr>
+              <a:t>ephemeralvolumeclaim</a:t>
+            </a:r>
+            <a:br>
+              <a:rPr lang="en-US" sz="900" dirty="0">
+                <a:solidFill>
+                  <a:srgbClr val="A9B7C6"/>
+                </a:solidFill>
+                <a:effectLst/>
+                <a:latin typeface="Consolas" panose="020B0609020204030204" pitchFamily="49" charset="0"/>
+                <a:cs typeface="Consolas" panose="020B0609020204030204" pitchFamily="49" charset="0"/>
+              </a:rPr>
+            </a:br>
+            <a:r>
+              <a:rPr lang="en-US" sz="900" dirty="0">
+                <a:solidFill>
+                  <a:srgbClr val="A9B7C6"/>
+                </a:solidFill>
+                <a:effectLst/>
+                <a:latin typeface="Consolas" panose="020B0609020204030204" pitchFamily="49" charset="0"/>
+                <a:cs typeface="Consolas" panose="020B0609020204030204" pitchFamily="49" charset="0"/>
+              </a:rPr>
+              <a:t>    </a:t>
+            </a:r>
+            <a:r>
+              <a:rPr lang="en-US" sz="900" dirty="0" err="1">
+                <a:solidFill>
+                  <a:srgbClr val="CC7832"/>
+                </a:solidFill>
+                <a:effectLst/>
+                <a:latin typeface="Consolas" panose="020B0609020204030204" pitchFamily="49" charset="0"/>
+                <a:cs typeface="Consolas" panose="020B0609020204030204" pitchFamily="49" charset="0"/>
+              </a:rPr>
+              <a:t>shortNames</a:t>
+            </a:r>
+            <a:r>
+              <a:rPr lang="en-US" sz="900" dirty="0">
+                <a:solidFill>
+                  <a:srgbClr val="A9B7C6"/>
+                </a:solidFill>
+                <a:effectLst/>
+                <a:latin typeface="Consolas" panose="020B0609020204030204" pitchFamily="49" charset="0"/>
+                <a:cs typeface="Consolas" panose="020B0609020204030204" pitchFamily="49" charset="0"/>
+              </a:rPr>
+              <a:t>:</a:t>
+            </a:r>
+            <a:br>
+              <a:rPr lang="en-US" sz="900" dirty="0">
+                <a:solidFill>
+                  <a:srgbClr val="A9B7C6"/>
+                </a:solidFill>
+                <a:effectLst/>
+                <a:latin typeface="Consolas" panose="020B0609020204030204" pitchFamily="49" charset="0"/>
+                <a:cs typeface="Consolas" panose="020B0609020204030204" pitchFamily="49" charset="0"/>
+              </a:rPr>
+            </a:br>
+            <a:r>
+              <a:rPr lang="en-US" sz="900" dirty="0">
+                <a:solidFill>
+                  <a:srgbClr val="A9B7C6"/>
+                </a:solidFill>
+                <a:effectLst/>
+                <a:latin typeface="Consolas" panose="020B0609020204030204" pitchFamily="49" charset="0"/>
+                <a:cs typeface="Consolas" panose="020B0609020204030204" pitchFamily="49" charset="0"/>
+              </a:rPr>
+              <a:t>      - </a:t>
+            </a:r>
+            <a:r>
+              <a:rPr lang="en-US" sz="900" dirty="0" err="1">
+                <a:solidFill>
+                  <a:srgbClr val="A9B7C6"/>
+                </a:solidFill>
+                <a:effectLst/>
+                <a:latin typeface="Consolas" panose="020B0609020204030204" pitchFamily="49" charset="0"/>
+                <a:cs typeface="Consolas" panose="020B0609020204030204" pitchFamily="49" charset="0"/>
+              </a:rPr>
+              <a:t>evcs</a:t>
+            </a:r>
+            <a:br>
+              <a:rPr lang="en-US" sz="900" dirty="0">
+                <a:solidFill>
+                  <a:srgbClr val="A9B7C6"/>
+                </a:solidFill>
+                <a:effectLst/>
+                <a:latin typeface="Consolas" panose="020B0609020204030204" pitchFamily="49" charset="0"/>
+                <a:cs typeface="Consolas" panose="020B0609020204030204" pitchFamily="49" charset="0"/>
+              </a:rPr>
+            </a:br>
+            <a:r>
+              <a:rPr lang="en-US" sz="900" dirty="0">
+                <a:solidFill>
+                  <a:srgbClr val="A9B7C6"/>
+                </a:solidFill>
+                <a:effectLst/>
+                <a:latin typeface="Consolas" panose="020B0609020204030204" pitchFamily="49" charset="0"/>
+                <a:cs typeface="Consolas" panose="020B0609020204030204" pitchFamily="49" charset="0"/>
+              </a:rPr>
+              <a:t>      - </a:t>
+            </a:r>
+            <a:r>
+              <a:rPr lang="en-US" sz="900" dirty="0" err="1">
+                <a:solidFill>
+                  <a:srgbClr val="A9B7C6"/>
+                </a:solidFill>
+                <a:effectLst/>
+                <a:latin typeface="Consolas" panose="020B0609020204030204" pitchFamily="49" charset="0"/>
+                <a:cs typeface="Consolas" panose="020B0609020204030204" pitchFamily="49" charset="0"/>
+              </a:rPr>
+              <a:t>evc</a:t>
+            </a:r>
+            <a:br>
+              <a:rPr lang="en-US" sz="900" dirty="0">
+                <a:solidFill>
+                  <a:srgbClr val="A9B7C6"/>
+                </a:solidFill>
+                <a:effectLst/>
+                <a:latin typeface="Consolas" panose="020B0609020204030204" pitchFamily="49" charset="0"/>
+                <a:cs typeface="Consolas" panose="020B0609020204030204" pitchFamily="49" charset="0"/>
+              </a:rPr>
+            </a:br>
+            <a:r>
+              <a:rPr lang="en-US" sz="900" dirty="0">
+                <a:solidFill>
+                  <a:srgbClr val="A9B7C6"/>
+                </a:solidFill>
+                <a:effectLst/>
+                <a:latin typeface="Consolas" panose="020B0609020204030204" pitchFamily="49" charset="0"/>
+                <a:cs typeface="Consolas" panose="020B0609020204030204" pitchFamily="49" charset="0"/>
+              </a:rPr>
+              <a:t>  </a:t>
+            </a:r>
+            <a:r>
+              <a:rPr lang="en-US" sz="900" dirty="0">
+                <a:solidFill>
+                  <a:srgbClr val="CC7832"/>
+                </a:solidFill>
+                <a:effectLst/>
+                <a:latin typeface="Consolas" panose="020B0609020204030204" pitchFamily="49" charset="0"/>
+                <a:cs typeface="Consolas" panose="020B0609020204030204" pitchFamily="49" charset="0"/>
+              </a:rPr>
+              <a:t>versions</a:t>
+            </a:r>
+            <a:r>
+              <a:rPr lang="en-US" sz="900" dirty="0">
+                <a:solidFill>
+                  <a:srgbClr val="A9B7C6"/>
+                </a:solidFill>
+                <a:effectLst/>
+                <a:latin typeface="Consolas" panose="020B0609020204030204" pitchFamily="49" charset="0"/>
+                <a:cs typeface="Consolas" panose="020B0609020204030204" pitchFamily="49" charset="0"/>
+              </a:rPr>
+              <a:t>:</a:t>
+            </a:r>
+            <a:br>
+              <a:rPr lang="en-US" sz="900" dirty="0">
+                <a:solidFill>
+                  <a:srgbClr val="A9B7C6"/>
+                </a:solidFill>
+                <a:effectLst/>
+                <a:latin typeface="Consolas" panose="020B0609020204030204" pitchFamily="49" charset="0"/>
+                <a:cs typeface="Consolas" panose="020B0609020204030204" pitchFamily="49" charset="0"/>
+              </a:rPr>
+            </a:br>
+            <a:r>
+              <a:rPr lang="en-US" sz="900" dirty="0">
+                <a:solidFill>
+                  <a:srgbClr val="A9B7C6"/>
+                </a:solidFill>
+                <a:effectLst/>
+                <a:latin typeface="Consolas" panose="020B0609020204030204" pitchFamily="49" charset="0"/>
+                <a:cs typeface="Consolas" panose="020B0609020204030204" pitchFamily="49" charset="0"/>
+              </a:rPr>
+              <a:t>    - </a:t>
+            </a:r>
+            <a:r>
+              <a:rPr lang="en-US" sz="900" dirty="0">
+                <a:solidFill>
+                  <a:srgbClr val="CC7832"/>
+                </a:solidFill>
+                <a:effectLst/>
+                <a:latin typeface="Consolas" panose="020B0609020204030204" pitchFamily="49" charset="0"/>
+                <a:cs typeface="Consolas" panose="020B0609020204030204" pitchFamily="49" charset="0"/>
+              </a:rPr>
+              <a:t>name</a:t>
+            </a:r>
+            <a:r>
+              <a:rPr lang="en-US" sz="900" dirty="0">
+                <a:solidFill>
+                  <a:srgbClr val="A9B7C6"/>
+                </a:solidFill>
+                <a:effectLst/>
+                <a:latin typeface="Consolas" panose="020B0609020204030204" pitchFamily="49" charset="0"/>
+                <a:cs typeface="Consolas" panose="020B0609020204030204" pitchFamily="49" charset="0"/>
+              </a:rPr>
+              <a:t>: v1</a:t>
+            </a:r>
+            <a:br>
+              <a:rPr lang="en-US" sz="900" i="1" dirty="0">
+                <a:solidFill>
+                  <a:srgbClr val="629755"/>
+                </a:solidFill>
+                <a:effectLst/>
+                <a:latin typeface="Consolas" panose="020B0609020204030204" pitchFamily="49" charset="0"/>
+                <a:cs typeface="Consolas" panose="020B0609020204030204" pitchFamily="49" charset="0"/>
+              </a:rPr>
+            </a:br>
+            <a:r>
+              <a:rPr lang="en-US" sz="900" i="1" dirty="0">
+                <a:solidFill>
+                  <a:srgbClr val="629755"/>
+                </a:solidFill>
+                <a:effectLst/>
+                <a:latin typeface="Consolas" panose="020B0609020204030204" pitchFamily="49" charset="0"/>
+                <a:cs typeface="Consolas" panose="020B0609020204030204" pitchFamily="49" charset="0"/>
+              </a:rPr>
+              <a:t>      </a:t>
+            </a:r>
+            <a:r>
+              <a:rPr lang="en-US" sz="900" dirty="0">
+                <a:solidFill>
+                  <a:srgbClr val="CC7832"/>
+                </a:solidFill>
+                <a:effectLst/>
+                <a:latin typeface="Consolas" panose="020B0609020204030204" pitchFamily="49" charset="0"/>
+                <a:cs typeface="Consolas" panose="020B0609020204030204" pitchFamily="49" charset="0"/>
+              </a:rPr>
+              <a:t>served</a:t>
+            </a:r>
+            <a:r>
+              <a:rPr lang="en-US" sz="900" dirty="0">
+                <a:solidFill>
+                  <a:srgbClr val="A9B7C6"/>
+                </a:solidFill>
+                <a:effectLst/>
+                <a:latin typeface="Consolas" panose="020B0609020204030204" pitchFamily="49" charset="0"/>
+                <a:cs typeface="Consolas" panose="020B0609020204030204" pitchFamily="49" charset="0"/>
+              </a:rPr>
+              <a:t>: true</a:t>
+            </a:r>
+            <a:br>
+              <a:rPr lang="en-US" sz="900" i="1" dirty="0">
+                <a:solidFill>
+                  <a:srgbClr val="629755"/>
+                </a:solidFill>
+                <a:effectLst/>
+                <a:latin typeface="Consolas" panose="020B0609020204030204" pitchFamily="49" charset="0"/>
+                <a:cs typeface="Consolas" panose="020B0609020204030204" pitchFamily="49" charset="0"/>
+              </a:rPr>
+            </a:br>
+            <a:r>
+              <a:rPr lang="en-US" sz="900" i="1" dirty="0">
+                <a:solidFill>
+                  <a:srgbClr val="629755"/>
+                </a:solidFill>
+                <a:effectLst/>
+                <a:latin typeface="Consolas" panose="020B0609020204030204" pitchFamily="49" charset="0"/>
+                <a:cs typeface="Consolas" panose="020B0609020204030204" pitchFamily="49" charset="0"/>
+              </a:rPr>
+              <a:t>      </a:t>
+            </a:r>
+            <a:r>
+              <a:rPr lang="en-US" sz="900" dirty="0">
+                <a:solidFill>
+                  <a:srgbClr val="CC7832"/>
+                </a:solidFill>
+                <a:effectLst/>
+                <a:latin typeface="Consolas" panose="020B0609020204030204" pitchFamily="49" charset="0"/>
+                <a:cs typeface="Consolas" panose="020B0609020204030204" pitchFamily="49" charset="0"/>
+              </a:rPr>
+              <a:t>storage</a:t>
+            </a:r>
+            <a:r>
+              <a:rPr lang="en-US" sz="900" dirty="0">
+                <a:solidFill>
+                  <a:srgbClr val="A9B7C6"/>
+                </a:solidFill>
+                <a:effectLst/>
+                <a:latin typeface="Consolas" panose="020B0609020204030204" pitchFamily="49" charset="0"/>
+                <a:cs typeface="Consolas" panose="020B0609020204030204" pitchFamily="49" charset="0"/>
+              </a:rPr>
+              <a:t>: true</a:t>
+            </a:r>
+            <a:br>
+              <a:rPr lang="en-US" sz="900" dirty="0">
+                <a:solidFill>
+                  <a:srgbClr val="A9B7C6"/>
+                </a:solidFill>
+                <a:effectLst/>
+                <a:latin typeface="Consolas" panose="020B0609020204030204" pitchFamily="49" charset="0"/>
+                <a:cs typeface="Consolas" panose="020B0609020204030204" pitchFamily="49" charset="0"/>
+              </a:rPr>
+            </a:br>
+            <a:r>
+              <a:rPr lang="en-US" sz="900" dirty="0">
+                <a:solidFill>
+                  <a:srgbClr val="A9B7C6"/>
+                </a:solidFill>
+                <a:effectLst/>
+                <a:latin typeface="Consolas" panose="020B0609020204030204" pitchFamily="49" charset="0"/>
+                <a:cs typeface="Consolas" panose="020B0609020204030204" pitchFamily="49" charset="0"/>
+              </a:rPr>
+              <a:t>      </a:t>
+            </a:r>
+            <a:r>
+              <a:rPr lang="en-US" sz="900" dirty="0">
+                <a:solidFill>
+                  <a:srgbClr val="CC7832"/>
+                </a:solidFill>
+                <a:effectLst/>
+                <a:latin typeface="Consolas" panose="020B0609020204030204" pitchFamily="49" charset="0"/>
+                <a:cs typeface="Consolas" panose="020B0609020204030204" pitchFamily="49" charset="0"/>
+              </a:rPr>
+              <a:t>schema</a:t>
+            </a:r>
+            <a:r>
+              <a:rPr lang="en-US" sz="900" dirty="0">
+                <a:solidFill>
+                  <a:srgbClr val="A9B7C6"/>
+                </a:solidFill>
+                <a:effectLst/>
+                <a:latin typeface="Consolas" panose="020B0609020204030204" pitchFamily="49" charset="0"/>
+                <a:cs typeface="Consolas" panose="020B0609020204030204" pitchFamily="49" charset="0"/>
+              </a:rPr>
+              <a:t>:</a:t>
+            </a:r>
+            <a:br>
+              <a:rPr lang="en-US" sz="900" dirty="0">
+                <a:solidFill>
+                  <a:srgbClr val="A9B7C6"/>
+                </a:solidFill>
+                <a:effectLst/>
+                <a:latin typeface="Consolas" panose="020B0609020204030204" pitchFamily="49" charset="0"/>
+                <a:cs typeface="Consolas" panose="020B0609020204030204" pitchFamily="49" charset="0"/>
+              </a:rPr>
+            </a:br>
+            <a:r>
+              <a:rPr lang="en-US" sz="900" dirty="0">
+                <a:solidFill>
+                  <a:srgbClr val="A9B7C6"/>
+                </a:solidFill>
+                <a:effectLst/>
+                <a:latin typeface="Consolas" panose="020B0609020204030204" pitchFamily="49" charset="0"/>
+                <a:cs typeface="Consolas" panose="020B0609020204030204" pitchFamily="49" charset="0"/>
+              </a:rPr>
+              <a:t>        </a:t>
+            </a:r>
+            <a:r>
+              <a:rPr lang="en-US" sz="900" dirty="0">
+                <a:solidFill>
+                  <a:srgbClr val="CC7832"/>
+                </a:solidFill>
+                <a:effectLst/>
+                <a:latin typeface="Consolas" panose="020B0609020204030204" pitchFamily="49" charset="0"/>
+                <a:cs typeface="Consolas" panose="020B0609020204030204" pitchFamily="49" charset="0"/>
+              </a:rPr>
+              <a:t>openAPIV3Schema</a:t>
+            </a:r>
+            <a:r>
+              <a:rPr lang="en-US" sz="900" dirty="0">
+                <a:solidFill>
+                  <a:srgbClr val="A9B7C6"/>
+                </a:solidFill>
+                <a:effectLst/>
+                <a:latin typeface="Consolas" panose="020B0609020204030204" pitchFamily="49" charset="0"/>
+                <a:cs typeface="Consolas" panose="020B0609020204030204" pitchFamily="49" charset="0"/>
+              </a:rPr>
+              <a:t>:</a:t>
+            </a:r>
+            <a:br>
+              <a:rPr lang="en-US" sz="900" dirty="0">
+                <a:solidFill>
+                  <a:srgbClr val="A9B7C6"/>
+                </a:solidFill>
+                <a:effectLst/>
+                <a:latin typeface="Consolas" panose="020B0609020204030204" pitchFamily="49" charset="0"/>
+                <a:cs typeface="Consolas" panose="020B0609020204030204" pitchFamily="49" charset="0"/>
+              </a:rPr>
+            </a:br>
+            <a:r>
+              <a:rPr lang="en-US" sz="900" dirty="0">
+                <a:solidFill>
+                  <a:srgbClr val="A9B7C6"/>
+                </a:solidFill>
+                <a:effectLst/>
+                <a:latin typeface="Consolas" panose="020B0609020204030204" pitchFamily="49" charset="0"/>
+                <a:cs typeface="Consolas" panose="020B0609020204030204" pitchFamily="49" charset="0"/>
+              </a:rPr>
+              <a:t>          </a:t>
+            </a:r>
+            <a:r>
+              <a:rPr lang="en-US" sz="900" dirty="0">
+                <a:solidFill>
+                  <a:srgbClr val="CC7832"/>
+                </a:solidFill>
+                <a:effectLst/>
+                <a:latin typeface="Consolas" panose="020B0609020204030204" pitchFamily="49" charset="0"/>
+                <a:cs typeface="Consolas" panose="020B0609020204030204" pitchFamily="49" charset="0"/>
+              </a:rPr>
+              <a:t>type</a:t>
+            </a:r>
+            <a:r>
+              <a:rPr lang="en-US" sz="900" dirty="0">
+                <a:solidFill>
+                  <a:srgbClr val="A9B7C6"/>
+                </a:solidFill>
+                <a:effectLst/>
+                <a:latin typeface="Consolas" panose="020B0609020204030204" pitchFamily="49" charset="0"/>
+                <a:cs typeface="Consolas" panose="020B0609020204030204" pitchFamily="49" charset="0"/>
+              </a:rPr>
+              <a:t>: object</a:t>
+            </a:r>
+            <a:br>
+              <a:rPr lang="en-US" sz="900" dirty="0">
+                <a:solidFill>
+                  <a:srgbClr val="A9B7C6"/>
+                </a:solidFill>
+                <a:effectLst/>
+                <a:latin typeface="Consolas" panose="020B0609020204030204" pitchFamily="49" charset="0"/>
+                <a:cs typeface="Consolas" panose="020B0609020204030204" pitchFamily="49" charset="0"/>
+              </a:rPr>
+            </a:br>
+            <a:r>
+              <a:rPr lang="en-US" sz="900" dirty="0">
+                <a:solidFill>
+                  <a:srgbClr val="A9B7C6"/>
+                </a:solidFill>
+                <a:effectLst/>
+                <a:latin typeface="Consolas" panose="020B0609020204030204" pitchFamily="49" charset="0"/>
+                <a:cs typeface="Consolas" panose="020B0609020204030204" pitchFamily="49" charset="0"/>
+              </a:rPr>
+              <a:t>          </a:t>
+            </a:r>
+            <a:r>
+              <a:rPr lang="en-US" sz="900" dirty="0">
+                <a:solidFill>
+                  <a:srgbClr val="CC7832"/>
+                </a:solidFill>
+                <a:effectLst/>
+                <a:latin typeface="Consolas" panose="020B0609020204030204" pitchFamily="49" charset="0"/>
+                <a:cs typeface="Consolas" panose="020B0609020204030204" pitchFamily="49" charset="0"/>
+              </a:rPr>
+              <a:t>properties</a:t>
+            </a:r>
+            <a:r>
+              <a:rPr lang="en-US" sz="900" dirty="0">
+                <a:solidFill>
+                  <a:srgbClr val="A9B7C6"/>
+                </a:solidFill>
+                <a:effectLst/>
+                <a:latin typeface="Consolas" panose="020B0609020204030204" pitchFamily="49" charset="0"/>
+                <a:cs typeface="Consolas" panose="020B0609020204030204" pitchFamily="49" charset="0"/>
+              </a:rPr>
+              <a:t>:</a:t>
+            </a:r>
+            <a:br>
+              <a:rPr lang="en-US" sz="900" dirty="0">
+                <a:solidFill>
+                  <a:srgbClr val="A9B7C6"/>
+                </a:solidFill>
+                <a:effectLst/>
+                <a:latin typeface="Consolas" panose="020B0609020204030204" pitchFamily="49" charset="0"/>
+                <a:cs typeface="Consolas" panose="020B0609020204030204" pitchFamily="49" charset="0"/>
+              </a:rPr>
+            </a:br>
+            <a:r>
+              <a:rPr lang="en-US" sz="900" dirty="0">
+                <a:solidFill>
+                  <a:srgbClr val="A9B7C6"/>
+                </a:solidFill>
+                <a:effectLst/>
+                <a:latin typeface="Consolas" panose="020B0609020204030204" pitchFamily="49" charset="0"/>
+                <a:cs typeface="Consolas" panose="020B0609020204030204" pitchFamily="49" charset="0"/>
+              </a:rPr>
+              <a:t>            </a:t>
+            </a:r>
+            <a:r>
+              <a:rPr lang="en-US" sz="900" dirty="0">
+                <a:solidFill>
+                  <a:srgbClr val="CC7832"/>
+                </a:solidFill>
+                <a:effectLst/>
+                <a:latin typeface="Consolas" panose="020B0609020204030204" pitchFamily="49" charset="0"/>
+                <a:cs typeface="Consolas" panose="020B0609020204030204" pitchFamily="49" charset="0"/>
+              </a:rPr>
+              <a:t>spec</a:t>
+            </a:r>
+            <a:r>
+              <a:rPr lang="en-US" sz="900" dirty="0">
+                <a:solidFill>
+                  <a:srgbClr val="A9B7C6"/>
+                </a:solidFill>
+                <a:effectLst/>
+                <a:latin typeface="Consolas" panose="020B0609020204030204" pitchFamily="49" charset="0"/>
+                <a:cs typeface="Consolas" panose="020B0609020204030204" pitchFamily="49" charset="0"/>
+              </a:rPr>
+              <a:t>:</a:t>
+            </a:r>
+            <a:br>
+              <a:rPr lang="en-US" sz="900" dirty="0">
+                <a:solidFill>
+                  <a:srgbClr val="A9B7C6"/>
+                </a:solidFill>
+                <a:effectLst/>
+                <a:latin typeface="Consolas" panose="020B0609020204030204" pitchFamily="49" charset="0"/>
+                <a:cs typeface="Consolas" panose="020B0609020204030204" pitchFamily="49" charset="0"/>
+              </a:rPr>
+            </a:br>
+            <a:r>
+              <a:rPr lang="en-US" sz="900" dirty="0">
+                <a:solidFill>
+                  <a:srgbClr val="A9B7C6"/>
+                </a:solidFill>
+                <a:effectLst/>
+                <a:latin typeface="Consolas" panose="020B0609020204030204" pitchFamily="49" charset="0"/>
+                <a:cs typeface="Consolas" panose="020B0609020204030204" pitchFamily="49" charset="0"/>
+              </a:rPr>
+              <a:t>              </a:t>
+            </a:r>
+            <a:r>
+              <a:rPr lang="en-US" sz="900" dirty="0">
+                <a:solidFill>
+                  <a:srgbClr val="CC7832"/>
+                </a:solidFill>
+                <a:effectLst/>
+                <a:latin typeface="Consolas" panose="020B0609020204030204" pitchFamily="49" charset="0"/>
+                <a:cs typeface="Consolas" panose="020B0609020204030204" pitchFamily="49" charset="0"/>
+              </a:rPr>
+              <a:t>type</a:t>
+            </a:r>
+            <a:r>
+              <a:rPr lang="en-US" sz="900" dirty="0">
+                <a:solidFill>
+                  <a:srgbClr val="A9B7C6"/>
+                </a:solidFill>
+                <a:effectLst/>
+                <a:latin typeface="Consolas" panose="020B0609020204030204" pitchFamily="49" charset="0"/>
+                <a:cs typeface="Consolas" panose="020B0609020204030204" pitchFamily="49" charset="0"/>
+              </a:rPr>
+              <a:t>: object</a:t>
+            </a:r>
+            <a:br>
+              <a:rPr lang="en-US" sz="900" dirty="0">
+                <a:solidFill>
+                  <a:srgbClr val="A9B7C6"/>
+                </a:solidFill>
+                <a:effectLst/>
+                <a:latin typeface="Consolas" panose="020B0609020204030204" pitchFamily="49" charset="0"/>
+                <a:cs typeface="Consolas" panose="020B0609020204030204" pitchFamily="49" charset="0"/>
+              </a:rPr>
+            </a:br>
+            <a:r>
+              <a:rPr lang="en-US" sz="900" dirty="0">
+                <a:solidFill>
+                  <a:srgbClr val="A9B7C6"/>
+                </a:solidFill>
+                <a:effectLst/>
+                <a:latin typeface="Consolas" panose="020B0609020204030204" pitchFamily="49" charset="0"/>
+                <a:cs typeface="Consolas" panose="020B0609020204030204" pitchFamily="49" charset="0"/>
+              </a:rPr>
+              <a:t>              </a:t>
+            </a:r>
+            <a:r>
+              <a:rPr lang="en-US" sz="900" dirty="0">
+                <a:solidFill>
+                  <a:srgbClr val="CC7832"/>
+                </a:solidFill>
+                <a:effectLst/>
+                <a:latin typeface="Consolas" panose="020B0609020204030204" pitchFamily="49" charset="0"/>
+                <a:cs typeface="Consolas" panose="020B0609020204030204" pitchFamily="49" charset="0"/>
+              </a:rPr>
+              <a:t>x-</a:t>
+            </a:r>
+            <a:r>
+              <a:rPr lang="en-US" sz="900" dirty="0" err="1">
+                <a:solidFill>
+                  <a:srgbClr val="CC7832"/>
+                </a:solidFill>
+                <a:effectLst/>
+                <a:latin typeface="Consolas" panose="020B0609020204030204" pitchFamily="49" charset="0"/>
+                <a:cs typeface="Consolas" panose="020B0609020204030204" pitchFamily="49" charset="0"/>
+              </a:rPr>
+              <a:t>kubernetes</a:t>
+            </a:r>
+            <a:r>
+              <a:rPr lang="en-US" sz="900" dirty="0">
+                <a:solidFill>
+                  <a:srgbClr val="CC7832"/>
+                </a:solidFill>
+                <a:effectLst/>
+                <a:latin typeface="Consolas" panose="020B0609020204030204" pitchFamily="49" charset="0"/>
+                <a:cs typeface="Consolas" panose="020B0609020204030204" pitchFamily="49" charset="0"/>
+              </a:rPr>
+              <a:t>-preserve-unknown-fields</a:t>
+            </a:r>
+            <a:r>
+              <a:rPr lang="en-US" sz="900" dirty="0">
+                <a:solidFill>
+                  <a:srgbClr val="A9B7C6"/>
+                </a:solidFill>
+                <a:effectLst/>
+                <a:latin typeface="Consolas" panose="020B0609020204030204" pitchFamily="49" charset="0"/>
+                <a:cs typeface="Consolas" panose="020B0609020204030204" pitchFamily="49" charset="0"/>
+              </a:rPr>
+              <a:t>: true</a:t>
+            </a:r>
+            <a:br>
+              <a:rPr lang="en-US" sz="900" dirty="0">
+                <a:solidFill>
+                  <a:srgbClr val="A9B7C6"/>
+                </a:solidFill>
+                <a:effectLst/>
+                <a:latin typeface="Consolas" panose="020B0609020204030204" pitchFamily="49" charset="0"/>
+                <a:cs typeface="Consolas" panose="020B0609020204030204" pitchFamily="49" charset="0"/>
+              </a:rPr>
+            </a:br>
+            <a:r>
+              <a:rPr lang="en-US" sz="900" dirty="0">
+                <a:solidFill>
+                  <a:srgbClr val="A9B7C6"/>
+                </a:solidFill>
+                <a:effectLst/>
+                <a:latin typeface="Consolas" panose="020B0609020204030204" pitchFamily="49" charset="0"/>
+                <a:cs typeface="Consolas" panose="020B0609020204030204" pitchFamily="49" charset="0"/>
+              </a:rPr>
+              <a:t>            </a:t>
+            </a:r>
+            <a:r>
+              <a:rPr lang="en-US" sz="900" dirty="0">
+                <a:solidFill>
+                  <a:srgbClr val="CC7832"/>
+                </a:solidFill>
+                <a:effectLst/>
+                <a:latin typeface="Consolas" panose="020B0609020204030204" pitchFamily="49" charset="0"/>
+                <a:cs typeface="Consolas" panose="020B0609020204030204" pitchFamily="49" charset="0"/>
+              </a:rPr>
+              <a:t>status</a:t>
+            </a:r>
+            <a:r>
+              <a:rPr lang="en-US" sz="900" dirty="0">
+                <a:solidFill>
+                  <a:srgbClr val="A9B7C6"/>
+                </a:solidFill>
+                <a:effectLst/>
+                <a:latin typeface="Consolas" panose="020B0609020204030204" pitchFamily="49" charset="0"/>
+                <a:cs typeface="Consolas" panose="020B0609020204030204" pitchFamily="49" charset="0"/>
+              </a:rPr>
+              <a:t>:</a:t>
+            </a:r>
+            <a:br>
+              <a:rPr lang="en-US" sz="900" dirty="0">
+                <a:solidFill>
+                  <a:srgbClr val="A9B7C6"/>
+                </a:solidFill>
+                <a:effectLst/>
+                <a:latin typeface="Consolas" panose="020B0609020204030204" pitchFamily="49" charset="0"/>
+                <a:cs typeface="Consolas" panose="020B0609020204030204" pitchFamily="49" charset="0"/>
+              </a:rPr>
+            </a:br>
+            <a:r>
+              <a:rPr lang="en-US" sz="900" dirty="0">
+                <a:solidFill>
+                  <a:srgbClr val="A9B7C6"/>
+                </a:solidFill>
+                <a:effectLst/>
+                <a:latin typeface="Consolas" panose="020B0609020204030204" pitchFamily="49" charset="0"/>
+                <a:cs typeface="Consolas" panose="020B0609020204030204" pitchFamily="49" charset="0"/>
+              </a:rPr>
+              <a:t>              </a:t>
+            </a:r>
+            <a:r>
+              <a:rPr lang="en-US" sz="900" dirty="0">
+                <a:solidFill>
+                  <a:srgbClr val="CC7832"/>
+                </a:solidFill>
+                <a:effectLst/>
+                <a:latin typeface="Consolas" panose="020B0609020204030204" pitchFamily="49" charset="0"/>
+                <a:cs typeface="Consolas" panose="020B0609020204030204" pitchFamily="49" charset="0"/>
+              </a:rPr>
+              <a:t>type</a:t>
+            </a:r>
+            <a:r>
+              <a:rPr lang="en-US" sz="900" dirty="0">
+                <a:solidFill>
+                  <a:srgbClr val="A9B7C6"/>
+                </a:solidFill>
+                <a:effectLst/>
+                <a:latin typeface="Consolas" panose="020B0609020204030204" pitchFamily="49" charset="0"/>
+                <a:cs typeface="Consolas" panose="020B0609020204030204" pitchFamily="49" charset="0"/>
+              </a:rPr>
+              <a:t>: object</a:t>
+            </a:r>
+            <a:br>
+              <a:rPr lang="en-US" sz="900" dirty="0">
+                <a:solidFill>
+                  <a:srgbClr val="A9B7C6"/>
+                </a:solidFill>
+                <a:effectLst/>
+                <a:latin typeface="Consolas" panose="020B0609020204030204" pitchFamily="49" charset="0"/>
+                <a:cs typeface="Consolas" panose="020B0609020204030204" pitchFamily="49" charset="0"/>
+              </a:rPr>
+            </a:br>
+            <a:r>
+              <a:rPr lang="en-US" sz="900" dirty="0">
+                <a:solidFill>
+                  <a:srgbClr val="A9B7C6"/>
+                </a:solidFill>
+                <a:effectLst/>
+                <a:latin typeface="Consolas" panose="020B0609020204030204" pitchFamily="49" charset="0"/>
+                <a:cs typeface="Consolas" panose="020B0609020204030204" pitchFamily="49" charset="0"/>
+              </a:rPr>
+              <a:t>              </a:t>
+            </a:r>
+            <a:r>
+              <a:rPr lang="en-US" sz="900" dirty="0">
+                <a:solidFill>
+                  <a:srgbClr val="CC7832"/>
+                </a:solidFill>
+                <a:effectLst/>
+                <a:latin typeface="Consolas" panose="020B0609020204030204" pitchFamily="49" charset="0"/>
+                <a:cs typeface="Consolas" panose="020B0609020204030204" pitchFamily="49" charset="0"/>
+              </a:rPr>
+              <a:t>x-</a:t>
+            </a:r>
+            <a:r>
+              <a:rPr lang="en-US" sz="900" dirty="0" err="1">
+                <a:solidFill>
+                  <a:srgbClr val="CC7832"/>
+                </a:solidFill>
+                <a:effectLst/>
+                <a:latin typeface="Consolas" panose="020B0609020204030204" pitchFamily="49" charset="0"/>
+                <a:cs typeface="Consolas" panose="020B0609020204030204" pitchFamily="49" charset="0"/>
+              </a:rPr>
+              <a:t>kubernetes</a:t>
+            </a:r>
+            <a:r>
+              <a:rPr lang="en-US" sz="900" dirty="0">
+                <a:solidFill>
+                  <a:srgbClr val="CC7832"/>
+                </a:solidFill>
+                <a:effectLst/>
+                <a:latin typeface="Consolas" panose="020B0609020204030204" pitchFamily="49" charset="0"/>
+                <a:cs typeface="Consolas" panose="020B0609020204030204" pitchFamily="49" charset="0"/>
+              </a:rPr>
+              <a:t>-preserve-unknown-fields</a:t>
+            </a:r>
+            <a:r>
+              <a:rPr lang="en-US" sz="900" dirty="0">
+                <a:solidFill>
+                  <a:srgbClr val="A9B7C6"/>
+                </a:solidFill>
+                <a:effectLst/>
+                <a:latin typeface="Consolas" panose="020B0609020204030204" pitchFamily="49" charset="0"/>
+                <a:cs typeface="Consolas" panose="020B0609020204030204" pitchFamily="49" charset="0"/>
+              </a:rPr>
+              <a:t>: true</a:t>
+            </a:r>
+            <a:br>
+              <a:rPr lang="en-US" sz="900" dirty="0">
+                <a:solidFill>
+                  <a:srgbClr val="A9B7C6"/>
+                </a:solidFill>
+                <a:effectLst/>
+                <a:latin typeface="Consolas" panose="020B0609020204030204" pitchFamily="49" charset="0"/>
+                <a:cs typeface="Consolas" panose="020B0609020204030204" pitchFamily="49" charset="0"/>
+              </a:rPr>
+            </a:br>
+            <a:endParaRPr lang="en-US" sz="900" dirty="0">
+              <a:solidFill>
+                <a:srgbClr val="A9B7C6"/>
+              </a:solidFill>
+              <a:effectLst/>
+              <a:latin typeface="Consolas" panose="020B0609020204030204" pitchFamily="49" charset="0"/>
+              <a:cs typeface="Consolas" panose="020B0609020204030204" pitchFamily="49" charset="0"/>
+            </a:endParaRPr>
           </a:p>
         </p:txBody>
       </p:sp>
@@ -10631,7 +11843,7 @@
     </p:custDataLst>
     <p:extLst>
       <p:ext uri="{BB962C8B-B14F-4D97-AF65-F5344CB8AC3E}">
-        <p14:creationId xmlns:p14="http://schemas.microsoft.com/office/powerpoint/2010/main" val="2470359907"/>
+        <p14:creationId xmlns:p14="http://schemas.microsoft.com/office/powerpoint/2010/main" val="1995490866"/>
       </p:ext>
     </p:extLst>
   </p:cSld>
@@ -10680,14 +11892,14 @@
           </a:ln>
           <a:extLst>
             <a:ext uri="{909E8E84-426E-40dd-AFC4-6F175D3DCCD1}">
-              <a14:hiddenFill xmlns:a14="http://schemas.microsoft.com/office/drawing/2010/main" xmlns="">
+              <a14:hiddenFill xmlns="" xmlns:a14="http://schemas.microsoft.com/office/drawing/2010/main">
                 <a:solidFill>
                   <a:srgbClr val="FFFFFF"/>
                 </a:solidFill>
               </a14:hiddenFill>
             </a:ext>
             <a:ext uri="{91240B29-F687-4f45-9708-019B960494DF}">
-              <a14:hiddenLine xmlns:a14="http://schemas.microsoft.com/office/drawing/2010/main" xmlns="" w="12700" cap="flat">
+              <a14:hiddenLine xmlns="" xmlns:a14="http://schemas.microsoft.com/office/drawing/2010/main" w="12700" cap="flat">
                 <a:solidFill>
                   <a:schemeClr val="tx1"/>
                 </a:solidFill>
@@ -10731,14 +11943,14 @@
           </a:ln>
           <a:extLst>
             <a:ext uri="{909E8E84-426E-40dd-AFC4-6F175D3DCCD1}">
-              <a14:hiddenFill xmlns:a14="http://schemas.microsoft.com/office/drawing/2010/main" xmlns="">
+              <a14:hiddenFill xmlns="" xmlns:a14="http://schemas.microsoft.com/office/drawing/2010/main">
                 <a:solidFill>
                   <a:srgbClr val="FFFFFF"/>
                 </a:solidFill>
               </a14:hiddenFill>
             </a:ext>
             <a:ext uri="{91240B29-F687-4f45-9708-019B960494DF}">
-              <a14:hiddenLine xmlns:a14="http://schemas.microsoft.com/office/drawing/2010/main" xmlns="" w="12700" cap="flat">
+              <a14:hiddenLine xmlns="" xmlns:a14="http://schemas.microsoft.com/office/drawing/2010/main" w="12700" cap="flat">
                 <a:solidFill>
                   <a:schemeClr val="tx1"/>
                 </a:solidFill>
@@ -10784,14 +11996,12 @@
           </a:xfrm>
         </p:spPr>
         <p:txBody>
-          <a:bodyPr>
-            <a:normAutofit fontScale="90000"/>
-          </a:bodyPr>
+          <a:bodyPr/>
           <a:lstStyle/>
           <a:p>
             <a:r>
               <a:rPr lang="en-US" dirty="0"/>
-              <a:t>KOPF library vs implementation from scratch</a:t>
+              <a:t>CRD controller implementation options</a:t>
             </a:r>
           </a:p>
         </p:txBody>
@@ -10841,6 +12051,264 @@
         <p:spPr>
           <a:xfrm>
             <a:off x="1125538" y="1480816"/>
+            <a:ext cx="4166333" cy="830997"/>
+          </a:xfrm>
+          <a:prstGeom prst="rect">
+            <a:avLst/>
+          </a:prstGeom>
+          <a:noFill/>
+        </p:spPr>
+        <p:txBody>
+          <a:bodyPr wrap="none" rtlCol="0">
+            <a:spAutoFit/>
+          </a:bodyPr>
+          <a:lstStyle/>
+          <a:p>
+            <a:pPr marL="342900" indent="-342900">
+              <a:buFont typeface="Arial" panose="020B0604020202020204" pitchFamily="34" charset="0"/>
+              <a:buChar char="•"/>
+            </a:pPr>
+            <a:r>
+              <a:rPr lang="en-US" sz="2400" dirty="0">
+                <a:solidFill>
+                  <a:srgbClr val="7030A0"/>
+                </a:solidFill>
+              </a:rPr>
+              <a:t>Implementation from scratch</a:t>
+            </a:r>
+          </a:p>
+          <a:p>
+            <a:pPr marL="342900" indent="-342900">
+              <a:buFont typeface="Arial" panose="020B0604020202020204" pitchFamily="34" charset="0"/>
+              <a:buChar char="•"/>
+            </a:pPr>
+            <a:r>
+              <a:rPr lang="en-US" sz="2400" dirty="0">
+                <a:solidFill>
+                  <a:srgbClr val="7030A0"/>
+                </a:solidFill>
+              </a:rPr>
+              <a:t>KOPF python library</a:t>
+            </a:r>
+          </a:p>
+        </p:txBody>
+      </p:sp>
+    </p:spTree>
+    <p:custDataLst>
+      <p:tags r:id="rId1"/>
+    </p:custDataLst>
+    <p:extLst>
+      <p:ext uri="{BB962C8B-B14F-4D97-AF65-F5344CB8AC3E}">
+        <p14:creationId xmlns:p14="http://schemas.microsoft.com/office/powerpoint/2010/main" val="2470359907"/>
+      </p:ext>
+    </p:extLst>
+  </p:cSld>
+  <p:clrMapOvr>
+    <a:masterClrMapping/>
+  </p:clrMapOvr>
+</p:sld>
+</file>
+
+<file path=ppt/slides/slide12.xml><?xml version="1.0" encoding="utf-8"?>
+<p:sld xmlns:a="http://schemas.openxmlformats.org/drawingml/2006/main" xmlns:r="http://schemas.openxmlformats.org/officeDocument/2006/relationships" xmlns:p="http://schemas.openxmlformats.org/presentationml/2006/main">
+  <p:cSld>
+    <p:spTree>
+      <p:nvGrpSpPr>
+        <p:cNvPr id="1" name=""/>
+        <p:cNvGrpSpPr/>
+        <p:nvPr/>
+      </p:nvGrpSpPr>
+      <p:grpSpPr>
+        <a:xfrm>
+          <a:off x="0" y="0"/>
+          <a:ext cx="0" cy="0"/>
+          <a:chOff x="0" y="0"/>
+          <a:chExt cx="0" cy="0"/>
+        </a:xfrm>
+      </p:grpSpPr>
+      <p:sp>
+        <p:nvSpPr>
+          <p:cNvPr id="12" name="Rectangle 7"/>
+          <p:cNvSpPr>
+            <a:spLocks/>
+          </p:cNvSpPr>
+          <p:nvPr/>
+        </p:nvSpPr>
+        <p:spPr bwMode="auto">
+          <a:xfrm>
+            <a:off x="715617" y="1582532"/>
+            <a:ext cx="3368348" cy="2565067"/>
+          </a:xfrm>
+          <a:prstGeom prst="rect">
+            <a:avLst/>
+          </a:prstGeom>
+          <a:noFill/>
+          <a:ln>
+            <a:noFill/>
+          </a:ln>
+          <a:extLst>
+            <a:ext uri="{909E8E84-426E-40dd-AFC4-6F175D3DCCD1}">
+              <a14:hiddenFill xmlns="" xmlns:a14="http://schemas.microsoft.com/office/drawing/2010/main">
+                <a:solidFill>
+                  <a:srgbClr val="FFFFFF"/>
+                </a:solidFill>
+              </a14:hiddenFill>
+            </a:ext>
+            <a:ext uri="{91240B29-F687-4f45-9708-019B960494DF}">
+              <a14:hiddenLine xmlns="" xmlns:a14="http://schemas.microsoft.com/office/drawing/2010/main" w="12700" cap="flat">
+                <a:solidFill>
+                  <a:schemeClr val="tx1"/>
+                </a:solidFill>
+                <a:miter lim="800000"/>
+                <a:headEnd type="none" w="med" len="med"/>
+                <a:tailEnd type="none" w="med" len="med"/>
+              </a14:hiddenLine>
+            </a:ext>
+          </a:extLst>
+        </p:spPr>
+        <p:txBody>
+          <a:bodyPr lIns="0" tIns="0" rIns="0" bIns="0" anchor="t"/>
+          <a:lstStyle/>
+          <a:p>
+            <a:endParaRPr lang="en-US" sz="1800" dirty="0">
+              <a:ea typeface="ＭＳ Ｐゴシック" charset="0"/>
+              <a:sym typeface="Lato Light" charset="0"/>
+            </a:endParaRPr>
+          </a:p>
+        </p:txBody>
+      </p:sp>
+      <p:sp>
+        <p:nvSpPr>
+          <p:cNvPr id="24" name="Rectangle 7"/>
+          <p:cNvSpPr>
+            <a:spLocks/>
+          </p:cNvSpPr>
+          <p:nvPr/>
+        </p:nvSpPr>
+        <p:spPr bwMode="auto">
+          <a:xfrm>
+            <a:off x="5171902" y="1456376"/>
+            <a:ext cx="3256481" cy="2834318"/>
+          </a:xfrm>
+          <a:prstGeom prst="rect">
+            <a:avLst/>
+          </a:prstGeom>
+          <a:noFill/>
+          <a:ln>
+            <a:noFill/>
+          </a:ln>
+          <a:extLst>
+            <a:ext uri="{909E8E84-426E-40dd-AFC4-6F175D3DCCD1}">
+              <a14:hiddenFill xmlns="" xmlns:a14="http://schemas.microsoft.com/office/drawing/2010/main">
+                <a:solidFill>
+                  <a:srgbClr val="FFFFFF"/>
+                </a:solidFill>
+              </a14:hiddenFill>
+            </a:ext>
+            <a:ext uri="{91240B29-F687-4f45-9708-019B960494DF}">
+              <a14:hiddenLine xmlns="" xmlns:a14="http://schemas.microsoft.com/office/drawing/2010/main" w="12700" cap="flat">
+                <a:solidFill>
+                  <a:schemeClr val="tx1"/>
+                </a:solidFill>
+                <a:miter lim="800000"/>
+                <a:headEnd type="none" w="med" len="med"/>
+                <a:tailEnd type="none" w="med" len="med"/>
+              </a14:hiddenLine>
+            </a:ext>
+          </a:extLst>
+        </p:spPr>
+        <p:txBody>
+          <a:bodyPr lIns="0" tIns="0" rIns="0" bIns="0" anchor="t"/>
+          <a:lstStyle/>
+          <a:p>
+            <a:endParaRPr lang="en-US" sz="1800" dirty="0">
+              <a:ea typeface="ＭＳ Ｐゴシック" charset="0"/>
+              <a:cs typeface="Lato Light" charset="0"/>
+              <a:sym typeface="Lato Light" charset="0"/>
+            </a:endParaRPr>
+          </a:p>
+        </p:txBody>
+      </p:sp>
+      <p:sp>
+        <p:nvSpPr>
+          <p:cNvPr id="15" name="Title 14">
+            <a:extLst>
+              <a:ext uri="{FF2B5EF4-FFF2-40B4-BE49-F238E27FC236}">
+                <a16:creationId xmlns:a16="http://schemas.microsoft.com/office/drawing/2014/main" id="{AC70AFF7-D39C-1B45-8E56-844E670FBDCF}"/>
+              </a:ext>
+            </a:extLst>
+          </p:cNvPr>
+          <p:cNvSpPr>
+            <a:spLocks noGrp="1"/>
+          </p:cNvSpPr>
+          <p:nvPr>
+            <p:ph type="title"/>
+          </p:nvPr>
+        </p:nvSpPr>
+        <p:spPr>
+          <a:xfrm>
+            <a:off x="1122018" y="219808"/>
+            <a:ext cx="7647210" cy="638313"/>
+          </a:xfrm>
+        </p:spPr>
+        <p:txBody>
+          <a:bodyPr>
+            <a:normAutofit fontScale="90000"/>
+          </a:bodyPr>
+          <a:lstStyle/>
+          <a:p>
+            <a:r>
+              <a:rPr lang="en-US" dirty="0"/>
+              <a:t>KOPF library vs implementation from scratch</a:t>
+            </a:r>
+          </a:p>
+        </p:txBody>
+      </p:sp>
+      <p:pic>
+        <p:nvPicPr>
+          <p:cNvPr id="4" name="Picture 3" descr="A blue hexagon with white and blue gears&#10;&#10;Description automatically generated">
+            <a:extLst>
+              <a:ext uri="{FF2B5EF4-FFF2-40B4-BE49-F238E27FC236}">
+                <a16:creationId xmlns:a16="http://schemas.microsoft.com/office/drawing/2014/main" id="{E3D5D9D7-1E4A-870B-BEC3-4F2878358332}"/>
+              </a:ext>
+            </a:extLst>
+          </p:cNvPr>
+          <p:cNvPicPr>
+            <a:picLocks noChangeAspect="1"/>
+          </p:cNvPicPr>
+          <p:nvPr/>
+        </p:nvPicPr>
+        <p:blipFill>
+          <a:blip r:embed="rId4"/>
+          <a:stretch>
+            <a:fillRect/>
+          </a:stretch>
+        </p:blipFill>
+        <p:spPr>
+          <a:xfrm>
+            <a:off x="309217" y="172437"/>
+            <a:ext cx="812800" cy="787400"/>
+          </a:xfrm>
+          <a:prstGeom prst="rect">
+            <a:avLst/>
+          </a:prstGeom>
+        </p:spPr>
+      </p:pic>
+      <p:sp>
+        <p:nvSpPr>
+          <p:cNvPr id="2" name="TextBox 1">
+            <a:extLst>
+              <a:ext uri="{FF2B5EF4-FFF2-40B4-BE49-F238E27FC236}">
+                <a16:creationId xmlns:a16="http://schemas.microsoft.com/office/drawing/2014/main" id="{33940E9E-4677-5B7F-B615-64BE1B2F9D8E}"/>
+              </a:ext>
+            </a:extLst>
+          </p:cNvPr>
+          <p:cNvSpPr txBox="1"/>
+          <p:nvPr/>
+        </p:nvSpPr>
+        <p:spPr>
+          <a:xfrm>
+            <a:off x="1125538" y="1480816"/>
             <a:ext cx="8039124" cy="2308324"/>
           </a:xfrm>
           <a:prstGeom prst="rect">
@@ -10950,7 +12418,7 @@
 </p:sld>
 </file>
 
-<file path=ppt/slides/slide12.xml><?xml version="1.0" encoding="utf-8"?>
+<file path=ppt/slides/slide13.xml><?xml version="1.0" encoding="utf-8"?>
 <p:sld xmlns:a="http://schemas.openxmlformats.org/drawingml/2006/main" xmlns:r="http://schemas.openxmlformats.org/officeDocument/2006/relationships" xmlns:p="http://schemas.openxmlformats.org/presentationml/2006/main">
   <p:cSld>
     <p:bg>
@@ -11513,14 +12981,14 @@
           </a:ln>
           <a:extLst>
             <a:ext uri="{909E8E84-426E-40dd-AFC4-6F175D3DCCD1}">
-              <a14:hiddenFill xmlns:a14="http://schemas.microsoft.com/office/drawing/2010/main" xmlns="">
+              <a14:hiddenFill xmlns="" xmlns:a14="http://schemas.microsoft.com/office/drawing/2010/main">
                 <a:solidFill>
                   <a:srgbClr val="FFFFFF"/>
                 </a:solidFill>
               </a14:hiddenFill>
             </a:ext>
             <a:ext uri="{91240B29-F687-4f45-9708-019B960494DF}">
-              <a14:hiddenLine xmlns:a14="http://schemas.microsoft.com/office/drawing/2010/main" xmlns="" w="12700" cap="flat">
+              <a14:hiddenLine xmlns="" xmlns:a14="http://schemas.microsoft.com/office/drawing/2010/main" w="12700" cap="flat">
                 <a:solidFill>
                   <a:schemeClr val="tx1"/>
                 </a:solidFill>
@@ -11564,14 +13032,14 @@
           </a:ln>
           <a:extLst>
             <a:ext uri="{909E8E84-426E-40dd-AFC4-6F175D3DCCD1}">
-              <a14:hiddenFill xmlns:a14="http://schemas.microsoft.com/office/drawing/2010/main" xmlns="">
+              <a14:hiddenFill xmlns="" xmlns:a14="http://schemas.microsoft.com/office/drawing/2010/main">
                 <a:solidFill>
                   <a:srgbClr val="FFFFFF"/>
                 </a:solidFill>
               </a14:hiddenFill>
             </a:ext>
             <a:ext uri="{91240B29-F687-4f45-9708-019B960494DF}">
-              <a14:hiddenLine xmlns:a14="http://schemas.microsoft.com/office/drawing/2010/main" xmlns="" w="12700" cap="flat">
+              <a14:hiddenLine xmlns="" xmlns:a14="http://schemas.microsoft.com/office/drawing/2010/main" w="12700" cap="flat">
                 <a:solidFill>
                   <a:schemeClr val="tx1"/>
                 </a:solidFill>
@@ -11661,522 +13129,6 @@
     <p:extLst>
       <p:ext uri="{BB962C8B-B14F-4D97-AF65-F5344CB8AC3E}">
         <p14:creationId xmlns:p14="http://schemas.microsoft.com/office/powerpoint/2010/main" val="631362533"/>
-      </p:ext>
-    </p:extLst>
-  </p:cSld>
-  <p:clrMapOvr>
-    <a:masterClrMapping/>
-  </p:clrMapOvr>
-</p:sld>
-</file>
-
-<file path=ppt/slides/slide13.xml><?xml version="1.0" encoding="utf-8"?>
-<p:sld xmlns:a="http://schemas.openxmlformats.org/drawingml/2006/main" xmlns:r="http://schemas.openxmlformats.org/officeDocument/2006/relationships" xmlns:p="http://schemas.openxmlformats.org/presentationml/2006/main">
-  <p:cSld>
-    <p:spTree>
-      <p:nvGrpSpPr>
-        <p:cNvPr id="1" name=""/>
-        <p:cNvGrpSpPr/>
-        <p:nvPr/>
-      </p:nvGrpSpPr>
-      <p:grpSpPr>
-        <a:xfrm>
-          <a:off x="0" y="0"/>
-          <a:ext cx="0" cy="0"/>
-          <a:chOff x="0" y="0"/>
-          <a:chExt cx="0" cy="0"/>
-        </a:xfrm>
-      </p:grpSpPr>
-      <p:sp>
-        <p:nvSpPr>
-          <p:cNvPr id="35" name="Rounded Rectangle 34">
-            <a:extLst>
-              <a:ext uri="{FF2B5EF4-FFF2-40B4-BE49-F238E27FC236}">
-                <a16:creationId xmlns:a16="http://schemas.microsoft.com/office/drawing/2014/main" id="{E4B44EE6-6553-7A48-A99C-D2C7DFFBED27}"/>
-              </a:ext>
-            </a:extLst>
-          </p:cNvPr>
-          <p:cNvSpPr/>
-          <p:nvPr/>
-        </p:nvSpPr>
-        <p:spPr>
-          <a:xfrm>
-            <a:off x="277421" y="1456376"/>
-            <a:ext cx="4075481" cy="3120987"/>
-          </a:xfrm>
-          <a:prstGeom prst="roundRect">
-            <a:avLst/>
-          </a:prstGeom>
-          <a:solidFill>
-            <a:schemeClr val="bg1">
-              <a:lumMod val="95000"/>
-            </a:schemeClr>
-          </a:solidFill>
-          <a:ln>
-            <a:noFill/>
-          </a:ln>
-        </p:spPr>
-        <p:style>
-          <a:lnRef idx="2">
-            <a:schemeClr val="accent1">
-              <a:shade val="50000"/>
-            </a:schemeClr>
-          </a:lnRef>
-          <a:fillRef idx="1">
-            <a:schemeClr val="accent1"/>
-          </a:fillRef>
-          <a:effectRef idx="0">
-            <a:schemeClr val="accent1"/>
-          </a:effectRef>
-          <a:fontRef idx="minor">
-            <a:schemeClr val="lt1"/>
-          </a:fontRef>
-        </p:style>
-        <p:txBody>
-          <a:bodyPr rot="0" spcFirstLastPara="0" vertOverflow="overflow" horzOverflow="overflow" vert="horz" wrap="square" lIns="91440" tIns="45720" rIns="91440" bIns="45720" numCol="1" spcCol="0" rtlCol="0" fromWordArt="0" anchor="t" anchorCtr="0" forceAA="0" compatLnSpc="1">
-            <a:prstTxWarp prst="textNoShape">
-              <a:avLst/>
-            </a:prstTxWarp>
-            <a:noAutofit/>
-          </a:bodyPr>
-          <a:lstStyle/>
-          <a:p>
-            <a:pPr marL="285750" indent="-285750">
-              <a:buFont typeface="Arial" panose="020B0604020202020204" pitchFamily="34" charset="0"/>
-              <a:buChar char="•"/>
-            </a:pPr>
-            <a:r>
-              <a:rPr lang="en-US" sz="1800" dirty="0">
-                <a:solidFill>
-                  <a:srgbClr val="7030A0"/>
-                </a:solidFill>
-              </a:rPr>
-              <a:t>Simpler to implement</a:t>
-            </a:r>
-          </a:p>
-          <a:p>
-            <a:pPr marL="285750" indent="-285750">
-              <a:buFont typeface="Arial" panose="020B0604020202020204" pitchFamily="34" charset="0"/>
-              <a:buChar char="•"/>
-            </a:pPr>
-            <a:r>
-              <a:rPr lang="en-US" sz="1800" dirty="0">
-                <a:solidFill>
-                  <a:srgbClr val="7030A0"/>
-                </a:solidFill>
-              </a:rPr>
-              <a:t>Native management (e.g. </a:t>
-            </a:r>
-            <a:r>
-              <a:rPr lang="en-US" sz="1800" dirty="0" err="1">
-                <a:solidFill>
-                  <a:srgbClr val="7030A0"/>
-                </a:solidFill>
-              </a:rPr>
-              <a:t>kubectl</a:t>
-            </a:r>
-            <a:r>
-              <a:rPr lang="en-US" sz="1800" dirty="0">
-                <a:solidFill>
-                  <a:srgbClr val="7030A0"/>
-                </a:solidFill>
-              </a:rPr>
-              <a:t> get &lt;</a:t>
-            </a:r>
-            <a:r>
-              <a:rPr lang="en-US" sz="1800" dirty="0" err="1">
-                <a:solidFill>
-                  <a:srgbClr val="7030A0"/>
-                </a:solidFill>
-              </a:rPr>
-              <a:t>cr</a:t>
-            </a:r>
-            <a:r>
-              <a:rPr lang="en-US" sz="1800" dirty="0">
-                <a:solidFill>
-                  <a:srgbClr val="7030A0"/>
-                </a:solidFill>
-              </a:rPr>
-              <a:t> name&gt;)</a:t>
-            </a:r>
-          </a:p>
-          <a:p>
-            <a:pPr marL="285750" indent="-285750">
-              <a:buFont typeface="Arial" panose="020B0604020202020204" pitchFamily="34" charset="0"/>
-              <a:buChar char="•"/>
-            </a:pPr>
-            <a:r>
-              <a:rPr lang="en-US" sz="1800" dirty="0">
-                <a:solidFill>
-                  <a:srgbClr val="7030A0"/>
-                </a:solidFill>
-              </a:rPr>
-              <a:t>Custom workflows based on resource operations (creation, update, deletion)</a:t>
-            </a:r>
-          </a:p>
-        </p:txBody>
-      </p:sp>
-      <p:sp>
-        <p:nvSpPr>
-          <p:cNvPr id="34" name="Rounded Rectangle 33">
-            <a:extLst>
-              <a:ext uri="{FF2B5EF4-FFF2-40B4-BE49-F238E27FC236}">
-                <a16:creationId xmlns:a16="http://schemas.microsoft.com/office/drawing/2014/main" id="{357D3670-FEDA-4040-82F7-4BA72E4DAA77}"/>
-              </a:ext>
-            </a:extLst>
-          </p:cNvPr>
-          <p:cNvSpPr/>
-          <p:nvPr/>
-        </p:nvSpPr>
-        <p:spPr>
-          <a:xfrm>
-            <a:off x="4651074" y="1456374"/>
-            <a:ext cx="4075481" cy="3109427"/>
-          </a:xfrm>
-          <a:prstGeom prst="roundRect">
-            <a:avLst/>
-          </a:prstGeom>
-          <a:solidFill>
-            <a:schemeClr val="bg1">
-              <a:lumMod val="95000"/>
-            </a:schemeClr>
-          </a:solidFill>
-          <a:ln>
-            <a:noFill/>
-          </a:ln>
-        </p:spPr>
-        <p:style>
-          <a:lnRef idx="2">
-            <a:schemeClr val="accent1">
-              <a:shade val="50000"/>
-            </a:schemeClr>
-          </a:lnRef>
-          <a:fillRef idx="1">
-            <a:schemeClr val="accent1"/>
-          </a:fillRef>
-          <a:effectRef idx="0">
-            <a:schemeClr val="accent1"/>
-          </a:effectRef>
-          <a:fontRef idx="minor">
-            <a:schemeClr val="lt1"/>
-          </a:fontRef>
-        </p:style>
-        <p:txBody>
-          <a:bodyPr rtlCol="0" anchor="t"/>
-          <a:lstStyle/>
-          <a:p>
-            <a:pPr marL="285750" indent="-285750">
-              <a:buFont typeface="Arial" panose="020B0604020202020204" pitchFamily="34" charset="0"/>
-              <a:buChar char="•"/>
-            </a:pPr>
-            <a:r>
-              <a:rPr lang="en-US" sz="1800" dirty="0">
-                <a:solidFill>
-                  <a:srgbClr val="6E53BB"/>
-                </a:solidFill>
-                <a:effectLst/>
-              </a:rPr>
-              <a:t>Performance</a:t>
-            </a:r>
-          </a:p>
-          <a:p>
-            <a:pPr marL="285750" indent="-285750">
-              <a:buFont typeface="Arial" panose="020B0604020202020204" pitchFamily="34" charset="0"/>
-              <a:buChar char="•"/>
-            </a:pPr>
-            <a:r>
-              <a:rPr lang="en-US" sz="1800" dirty="0">
-                <a:solidFill>
-                  <a:srgbClr val="6E53BB"/>
-                </a:solidFill>
-                <a:effectLst/>
-              </a:rPr>
-              <a:t>Complex endpoints (e.g. query params)</a:t>
-            </a:r>
-          </a:p>
-          <a:p>
-            <a:pPr marL="285750" indent="-285750">
-              <a:buFont typeface="Arial" panose="020B0604020202020204" pitchFamily="34" charset="0"/>
-              <a:buChar char="•"/>
-            </a:pPr>
-            <a:r>
-              <a:rPr lang="en-US" sz="1800" dirty="0">
-                <a:solidFill>
-                  <a:srgbClr val="6E53BB"/>
-                </a:solidFill>
-              </a:rPr>
-              <a:t>Custom authentication</a:t>
-            </a:r>
-          </a:p>
-        </p:txBody>
-      </p:sp>
-      <p:sp>
-        <p:nvSpPr>
-          <p:cNvPr id="12" name="Rectangle 7"/>
-          <p:cNvSpPr>
-            <a:spLocks/>
-          </p:cNvSpPr>
-          <p:nvPr/>
-        </p:nvSpPr>
-        <p:spPr bwMode="auto">
-          <a:xfrm>
-            <a:off x="715617" y="1582532"/>
-            <a:ext cx="3368348" cy="2565067"/>
-          </a:xfrm>
-          <a:prstGeom prst="rect">
-            <a:avLst/>
-          </a:prstGeom>
-          <a:noFill/>
-          <a:ln>
-            <a:noFill/>
-          </a:ln>
-          <a:extLst>
-            <a:ext uri="{909E8E84-426E-40dd-AFC4-6F175D3DCCD1}">
-              <a14:hiddenFill xmlns:a14="http://schemas.microsoft.com/office/drawing/2010/main" xmlns="">
-                <a:solidFill>
-                  <a:srgbClr val="FFFFFF"/>
-                </a:solidFill>
-              </a14:hiddenFill>
-            </a:ext>
-            <a:ext uri="{91240B29-F687-4f45-9708-019B960494DF}">
-              <a14:hiddenLine xmlns:a14="http://schemas.microsoft.com/office/drawing/2010/main" xmlns="" w="12700" cap="flat">
-                <a:solidFill>
-                  <a:schemeClr val="tx1"/>
-                </a:solidFill>
-                <a:miter lim="800000"/>
-                <a:headEnd type="none" w="med" len="med"/>
-                <a:tailEnd type="none" w="med" len="med"/>
-              </a14:hiddenLine>
-            </a:ext>
-          </a:extLst>
-        </p:spPr>
-        <p:txBody>
-          <a:bodyPr lIns="0" tIns="0" rIns="0" bIns="0" anchor="t"/>
-          <a:lstStyle/>
-          <a:p>
-            <a:endParaRPr lang="en-US" sz="1800" dirty="0">
-              <a:ea typeface="ＭＳ Ｐゴシック" charset="0"/>
-              <a:sym typeface="Lato Light" charset="0"/>
-            </a:endParaRPr>
-          </a:p>
-        </p:txBody>
-      </p:sp>
-      <p:sp>
-        <p:nvSpPr>
-          <p:cNvPr id="24" name="Rectangle 7"/>
-          <p:cNvSpPr>
-            <a:spLocks/>
-          </p:cNvSpPr>
-          <p:nvPr/>
-        </p:nvSpPr>
-        <p:spPr bwMode="auto">
-          <a:xfrm>
-            <a:off x="5171902" y="1456376"/>
-            <a:ext cx="3256481" cy="2834318"/>
-          </a:xfrm>
-          <a:prstGeom prst="rect">
-            <a:avLst/>
-          </a:prstGeom>
-          <a:noFill/>
-          <a:ln>
-            <a:noFill/>
-          </a:ln>
-          <a:extLst>
-            <a:ext uri="{909E8E84-426E-40dd-AFC4-6F175D3DCCD1}">
-              <a14:hiddenFill xmlns:a14="http://schemas.microsoft.com/office/drawing/2010/main" xmlns="">
-                <a:solidFill>
-                  <a:srgbClr val="FFFFFF"/>
-                </a:solidFill>
-              </a14:hiddenFill>
-            </a:ext>
-            <a:ext uri="{91240B29-F687-4f45-9708-019B960494DF}">
-              <a14:hiddenLine xmlns:a14="http://schemas.microsoft.com/office/drawing/2010/main" xmlns="" w="12700" cap="flat">
-                <a:solidFill>
-                  <a:schemeClr val="tx1"/>
-                </a:solidFill>
-                <a:miter lim="800000"/>
-                <a:headEnd type="none" w="med" len="med"/>
-                <a:tailEnd type="none" w="med" len="med"/>
-              </a14:hiddenLine>
-            </a:ext>
-          </a:extLst>
-        </p:spPr>
-        <p:txBody>
-          <a:bodyPr lIns="0" tIns="0" rIns="0" bIns="0" anchor="t"/>
-          <a:lstStyle/>
-          <a:p>
-            <a:endParaRPr lang="en-US" sz="1800" dirty="0">
-              <a:ea typeface="ＭＳ Ｐゴシック" charset="0"/>
-              <a:cs typeface="Lato Light" charset="0"/>
-              <a:sym typeface="Lato Light" charset="0"/>
-            </a:endParaRPr>
-          </a:p>
-        </p:txBody>
-      </p:sp>
-      <p:sp>
-        <p:nvSpPr>
-          <p:cNvPr id="15" name="Title 14">
-            <a:extLst>
-              <a:ext uri="{FF2B5EF4-FFF2-40B4-BE49-F238E27FC236}">
-                <a16:creationId xmlns:a16="http://schemas.microsoft.com/office/drawing/2014/main" id="{AC70AFF7-D39C-1B45-8E56-844E670FBDCF}"/>
-              </a:ext>
-            </a:extLst>
-          </p:cNvPr>
-          <p:cNvSpPr>
-            <a:spLocks noGrp="1"/>
-          </p:cNvSpPr>
-          <p:nvPr>
-            <p:ph type="title"/>
-          </p:nvPr>
-        </p:nvSpPr>
-        <p:spPr>
-          <a:xfrm>
-            <a:off x="1122018" y="219808"/>
-            <a:ext cx="7647210" cy="638313"/>
-          </a:xfrm>
-        </p:spPr>
-        <p:txBody>
-          <a:bodyPr/>
-          <a:lstStyle/>
-          <a:p>
-            <a:r>
-              <a:rPr lang="en-US" dirty="0"/>
-              <a:t>When to use CRD or </a:t>
-            </a:r>
-            <a:r>
-              <a:rPr lang="en-US" dirty="0" err="1"/>
-              <a:t>APIService</a:t>
-            </a:r>
-            <a:endParaRPr lang="en-US" dirty="0"/>
-          </a:p>
-        </p:txBody>
-      </p:sp>
-      <p:pic>
-        <p:nvPicPr>
-          <p:cNvPr id="4" name="Picture 3" descr="A blue hexagon with white and blue gears&#10;&#10;Description automatically generated">
-            <a:extLst>
-              <a:ext uri="{FF2B5EF4-FFF2-40B4-BE49-F238E27FC236}">
-                <a16:creationId xmlns:a16="http://schemas.microsoft.com/office/drawing/2014/main" id="{E3D5D9D7-1E4A-870B-BEC3-4F2878358332}"/>
-              </a:ext>
-            </a:extLst>
-          </p:cNvPr>
-          <p:cNvPicPr>
-            <a:picLocks noChangeAspect="1"/>
-          </p:cNvPicPr>
-          <p:nvPr/>
-        </p:nvPicPr>
-        <p:blipFill>
-          <a:blip r:embed="rId4"/>
-          <a:stretch>
-            <a:fillRect/>
-          </a:stretch>
-        </p:blipFill>
-        <p:spPr>
-          <a:xfrm>
-            <a:off x="309217" y="172437"/>
-            <a:ext cx="812800" cy="787400"/>
-          </a:xfrm>
-          <a:prstGeom prst="rect">
-            <a:avLst/>
-          </a:prstGeom>
-        </p:spPr>
-      </p:pic>
-      <p:sp>
-        <p:nvSpPr>
-          <p:cNvPr id="6" name="TextBox 5">
-            <a:extLst>
-              <a:ext uri="{FF2B5EF4-FFF2-40B4-BE49-F238E27FC236}">
-                <a16:creationId xmlns:a16="http://schemas.microsoft.com/office/drawing/2014/main" id="{0E1BDD91-8565-80A6-C782-AFDB3CD8F9CA}"/>
-              </a:ext>
-            </a:extLst>
-          </p:cNvPr>
-          <p:cNvSpPr txBox="1"/>
-          <p:nvPr/>
-        </p:nvSpPr>
-        <p:spPr>
-          <a:xfrm>
-            <a:off x="1929538" y="998305"/>
-            <a:ext cx="940505" cy="461665"/>
-          </a:xfrm>
-          <a:prstGeom prst="rect">
-            <a:avLst/>
-          </a:prstGeom>
-          <a:noFill/>
-        </p:spPr>
-        <p:txBody>
-          <a:bodyPr wrap="square" rtlCol="0">
-            <a:spAutoFit/>
-          </a:bodyPr>
-          <a:lstStyle/>
-          <a:p>
-            <a:r>
-              <a:rPr lang="en-US" sz="2400" dirty="0">
-                <a:solidFill>
-                  <a:schemeClr val="accent1">
-                    <a:lumMod val="75000"/>
-                  </a:schemeClr>
-                </a:solidFill>
-              </a:rPr>
-              <a:t>CRD</a:t>
-            </a:r>
-          </a:p>
-        </p:txBody>
-      </p:sp>
-      <p:sp>
-        <p:nvSpPr>
-          <p:cNvPr id="8" name="TextBox 7">
-            <a:extLst>
-              <a:ext uri="{FF2B5EF4-FFF2-40B4-BE49-F238E27FC236}">
-                <a16:creationId xmlns:a16="http://schemas.microsoft.com/office/drawing/2014/main" id="{A4A0E69B-7CBB-A033-68D8-3A122ED3F0C0}"/>
-              </a:ext>
-            </a:extLst>
-          </p:cNvPr>
-          <p:cNvSpPr txBox="1"/>
-          <p:nvPr/>
-        </p:nvSpPr>
-        <p:spPr>
-          <a:xfrm>
-            <a:off x="5937937" y="998305"/>
-            <a:ext cx="1501753" cy="461665"/>
-          </a:xfrm>
-          <a:prstGeom prst="rect">
-            <a:avLst/>
-          </a:prstGeom>
-          <a:noFill/>
-        </p:spPr>
-        <p:txBody>
-          <a:bodyPr wrap="square" rtlCol="0">
-            <a:spAutoFit/>
-          </a:bodyPr>
-          <a:lstStyle/>
-          <a:p>
-            <a:r>
-              <a:rPr lang="en-US" sz="2400" dirty="0" err="1">
-                <a:solidFill>
-                  <a:schemeClr val="accent1">
-                    <a:lumMod val="75000"/>
-                  </a:schemeClr>
-                </a:solidFill>
-              </a:rPr>
-              <a:t>APIService</a:t>
-            </a:r>
-            <a:endParaRPr lang="en-US" sz="2400" dirty="0">
-              <a:solidFill>
-                <a:schemeClr val="accent1">
-                  <a:lumMod val="75000"/>
-                </a:schemeClr>
-              </a:solidFill>
-            </a:endParaRPr>
-          </a:p>
-        </p:txBody>
-      </p:sp>
-    </p:spTree>
-    <p:custDataLst>
-      <p:tags r:id="rId1"/>
-    </p:custDataLst>
-    <p:extLst>
-      <p:ext uri="{BB962C8B-B14F-4D97-AF65-F5344CB8AC3E}">
-        <p14:creationId xmlns:p14="http://schemas.microsoft.com/office/powerpoint/2010/main" val="1569693153"/>
       </p:ext>
     </p:extLst>
   </p:cSld>
@@ -12205,6 +13157,229 @@
       </p:grpSpPr>
       <p:sp>
         <p:nvSpPr>
+          <p:cNvPr id="35" name="Rounded Rectangle 34">
+            <a:extLst>
+              <a:ext uri="{FF2B5EF4-FFF2-40B4-BE49-F238E27FC236}">
+                <a16:creationId xmlns:a16="http://schemas.microsoft.com/office/drawing/2014/main" id="{E4B44EE6-6553-7A48-A99C-D2C7DFFBED27}"/>
+              </a:ext>
+            </a:extLst>
+          </p:cNvPr>
+          <p:cNvSpPr/>
+          <p:nvPr/>
+        </p:nvSpPr>
+        <p:spPr>
+          <a:xfrm>
+            <a:off x="277421" y="1456376"/>
+            <a:ext cx="4075481" cy="3120987"/>
+          </a:xfrm>
+          <a:prstGeom prst="roundRect">
+            <a:avLst/>
+          </a:prstGeom>
+          <a:solidFill>
+            <a:schemeClr val="bg1">
+              <a:lumMod val="95000"/>
+            </a:schemeClr>
+          </a:solidFill>
+          <a:ln>
+            <a:noFill/>
+          </a:ln>
+        </p:spPr>
+        <p:style>
+          <a:lnRef idx="2">
+            <a:schemeClr val="accent1">
+              <a:shade val="50000"/>
+            </a:schemeClr>
+          </a:lnRef>
+          <a:fillRef idx="1">
+            <a:schemeClr val="accent1"/>
+          </a:fillRef>
+          <a:effectRef idx="0">
+            <a:schemeClr val="accent1"/>
+          </a:effectRef>
+          <a:fontRef idx="minor">
+            <a:schemeClr val="lt1"/>
+          </a:fontRef>
+        </p:style>
+        <p:txBody>
+          <a:bodyPr rot="0" spcFirstLastPara="0" vertOverflow="overflow" horzOverflow="overflow" vert="horz" wrap="square" lIns="91440" tIns="45720" rIns="91440" bIns="45720" numCol="1" spcCol="0" rtlCol="0" fromWordArt="0" anchor="t" anchorCtr="0" forceAA="0" compatLnSpc="1">
+            <a:prstTxWarp prst="textNoShape">
+              <a:avLst/>
+            </a:prstTxWarp>
+            <a:noAutofit/>
+          </a:bodyPr>
+          <a:lstStyle/>
+          <a:p>
+            <a:pPr marL="285750" indent="-285750">
+              <a:buFont typeface="Arial" panose="020B0604020202020204" pitchFamily="34" charset="0"/>
+              <a:buChar char="•"/>
+            </a:pPr>
+            <a:r>
+              <a:rPr lang="en-US" sz="1800" dirty="0">
+                <a:solidFill>
+                  <a:srgbClr val="7030A0"/>
+                </a:solidFill>
+              </a:rPr>
+              <a:t>Simpler to implement</a:t>
+            </a:r>
+          </a:p>
+          <a:p>
+            <a:pPr marL="285750" indent="-285750">
+              <a:buFont typeface="Arial" panose="020B0604020202020204" pitchFamily="34" charset="0"/>
+              <a:buChar char="•"/>
+            </a:pPr>
+            <a:r>
+              <a:rPr lang="en-US" sz="1800" dirty="0">
+                <a:solidFill>
+                  <a:srgbClr val="7030A0"/>
+                </a:solidFill>
+              </a:rPr>
+              <a:t>Native management (e.g. </a:t>
+            </a:r>
+            <a:r>
+              <a:rPr lang="en-US" sz="1800" dirty="0" err="1">
+                <a:solidFill>
+                  <a:srgbClr val="7030A0"/>
+                </a:solidFill>
+              </a:rPr>
+              <a:t>kubectl</a:t>
+            </a:r>
+            <a:r>
+              <a:rPr lang="en-US" sz="1800" dirty="0">
+                <a:solidFill>
+                  <a:srgbClr val="7030A0"/>
+                </a:solidFill>
+              </a:rPr>
+              <a:t> get &lt;</a:t>
+            </a:r>
+            <a:r>
+              <a:rPr lang="en-US" sz="1800" dirty="0" err="1">
+                <a:solidFill>
+                  <a:srgbClr val="7030A0"/>
+                </a:solidFill>
+              </a:rPr>
+              <a:t>cr</a:t>
+            </a:r>
+            <a:r>
+              <a:rPr lang="en-US" sz="1800" dirty="0">
+                <a:solidFill>
+                  <a:srgbClr val="7030A0"/>
+                </a:solidFill>
+              </a:rPr>
+              <a:t> name&gt;)</a:t>
+            </a:r>
+          </a:p>
+          <a:p>
+            <a:pPr marL="285750" indent="-285750">
+              <a:buFont typeface="Arial" panose="020B0604020202020204" pitchFamily="34" charset="0"/>
+              <a:buChar char="•"/>
+            </a:pPr>
+            <a:r>
+              <a:rPr lang="en-US" sz="1800" dirty="0">
+                <a:solidFill>
+                  <a:srgbClr val="7030A0"/>
+                </a:solidFill>
+              </a:rPr>
+              <a:t>Custom workflows based on resource operations (creation, update, deletion)</a:t>
+            </a:r>
+          </a:p>
+        </p:txBody>
+      </p:sp>
+      <p:sp>
+        <p:nvSpPr>
+          <p:cNvPr id="34" name="Rounded Rectangle 33">
+            <a:extLst>
+              <a:ext uri="{FF2B5EF4-FFF2-40B4-BE49-F238E27FC236}">
+                <a16:creationId xmlns:a16="http://schemas.microsoft.com/office/drawing/2014/main" id="{357D3670-FEDA-4040-82F7-4BA72E4DAA77}"/>
+              </a:ext>
+            </a:extLst>
+          </p:cNvPr>
+          <p:cNvSpPr/>
+          <p:nvPr/>
+        </p:nvSpPr>
+        <p:spPr>
+          <a:xfrm>
+            <a:off x="4651074" y="1456374"/>
+            <a:ext cx="4075481" cy="3109427"/>
+          </a:xfrm>
+          <a:prstGeom prst="roundRect">
+            <a:avLst/>
+          </a:prstGeom>
+          <a:solidFill>
+            <a:schemeClr val="bg1">
+              <a:lumMod val="95000"/>
+            </a:schemeClr>
+          </a:solidFill>
+          <a:ln>
+            <a:noFill/>
+          </a:ln>
+        </p:spPr>
+        <p:style>
+          <a:lnRef idx="2">
+            <a:schemeClr val="accent1">
+              <a:shade val="50000"/>
+            </a:schemeClr>
+          </a:lnRef>
+          <a:fillRef idx="1">
+            <a:schemeClr val="accent1"/>
+          </a:fillRef>
+          <a:effectRef idx="0">
+            <a:schemeClr val="accent1"/>
+          </a:effectRef>
+          <a:fontRef idx="minor">
+            <a:schemeClr val="lt1"/>
+          </a:fontRef>
+        </p:style>
+        <p:txBody>
+          <a:bodyPr rtlCol="0" anchor="t"/>
+          <a:lstStyle/>
+          <a:p>
+            <a:pPr marL="285750" indent="-285750">
+              <a:buFont typeface="Arial" panose="020B0604020202020204" pitchFamily="34" charset="0"/>
+              <a:buChar char="•"/>
+            </a:pPr>
+            <a:r>
+              <a:rPr lang="en-US" sz="1800" dirty="0">
+                <a:solidFill>
+                  <a:srgbClr val="6E53BB"/>
+                </a:solidFill>
+                <a:effectLst/>
+              </a:rPr>
+              <a:t>Performance</a:t>
+            </a:r>
+          </a:p>
+          <a:p>
+            <a:pPr marL="285750" indent="-285750">
+              <a:buFont typeface="Arial" panose="020B0604020202020204" pitchFamily="34" charset="0"/>
+              <a:buChar char="•"/>
+            </a:pPr>
+            <a:r>
+              <a:rPr lang="en-US" sz="1800" dirty="0">
+                <a:solidFill>
+                  <a:srgbClr val="6E53BB"/>
+                </a:solidFill>
+                <a:effectLst/>
+              </a:rPr>
+              <a:t>Complex endpoints (e.g. query params)</a:t>
+            </a:r>
+          </a:p>
+          <a:p>
+            <a:pPr marL="285750" indent="-285750">
+              <a:buFont typeface="Arial" panose="020B0604020202020204" pitchFamily="34" charset="0"/>
+              <a:buChar char="•"/>
+            </a:pPr>
+            <a:r>
+              <a:rPr lang="en-US" sz="1800" dirty="0">
+                <a:solidFill>
+                  <a:srgbClr val="6E53BB"/>
+                </a:solidFill>
+              </a:rPr>
+              <a:t>Custom authentication</a:t>
+            </a:r>
+          </a:p>
+        </p:txBody>
+      </p:sp>
+      <p:sp>
+        <p:nvSpPr>
           <p:cNvPr id="12" name="Rectangle 7"/>
           <p:cNvSpPr>
             <a:spLocks/>
@@ -12329,15 +13504,18 @@
           </a:xfrm>
         </p:spPr>
         <p:txBody>
-          <a:bodyPr>
-            <a:normAutofit/>
-          </a:bodyPr>
+          <a:bodyPr/>
           <a:lstStyle/>
           <a:p>
             <a:r>
               <a:rPr lang="en-US" dirty="0"/>
-              <a:t>Other</a:t>
-            </a:r>
+              <a:t>When to use CRD or </a:t>
+            </a:r>
+            <a:r>
+              <a:rPr lang="en-US" dirty="0" err="1"/>
+              <a:t>APIService</a:t>
+            </a:r>
+            <a:endParaRPr lang="en-US" dirty="0"/>
           </a:p>
         </p:txBody>
       </p:sp>
@@ -12373,10 +13551,10 @@
       </p:pic>
       <p:sp>
         <p:nvSpPr>
-          <p:cNvPr id="2" name="TextBox 1">
+          <p:cNvPr id="6" name="TextBox 5">
             <a:extLst>
               <a:ext uri="{FF2B5EF4-FFF2-40B4-BE49-F238E27FC236}">
-                <a16:creationId xmlns:a16="http://schemas.microsoft.com/office/drawing/2014/main" id="{33940E9E-4677-5B7F-B615-64BE1B2F9D8E}"/>
+                <a16:creationId xmlns:a16="http://schemas.microsoft.com/office/drawing/2014/main" id="{0E1BDD91-8565-80A6-C782-AFDB3CD8F9CA}"/>
               </a:ext>
             </a:extLst>
           </p:cNvPr>
@@ -12385,8 +13563,8 @@
         </p:nvSpPr>
         <p:spPr>
           <a:xfrm>
-            <a:off x="1125538" y="1480816"/>
-            <a:ext cx="5671040" cy="1200329"/>
+            <a:off x="1929538" y="998305"/>
+            <a:ext cx="940505" cy="461665"/>
           </a:xfrm>
           <a:prstGeom prst="rect">
             <a:avLst/>
@@ -12394,58 +13572,67 @@
           <a:noFill/>
         </p:spPr>
         <p:txBody>
-          <a:bodyPr wrap="none" rtlCol="0">
+          <a:bodyPr wrap="square" rtlCol="0">
             <a:spAutoFit/>
           </a:bodyPr>
           <a:lstStyle/>
           <a:p>
-            <a:pPr marL="342900" indent="-342900">
-              <a:buFont typeface="Arial" panose="020B0604020202020204" pitchFamily="34" charset="0"/>
-              <a:buChar char="•"/>
-            </a:pPr>
             <a:r>
               <a:rPr lang="en-US" sz="2400" dirty="0">
                 <a:solidFill>
-                  <a:srgbClr val="7030A0"/>
-                </a:solidFill>
-              </a:rPr>
-              <a:t>Webhooks</a:t>
-            </a:r>
-          </a:p>
-          <a:p>
-            <a:pPr marL="342900" indent="-342900">
-              <a:buFont typeface="Arial" panose="020B0604020202020204" pitchFamily="34" charset="0"/>
-              <a:buChar char="•"/>
-            </a:pPr>
-            <a:r>
-              <a:rPr lang="en-US" sz="2400" dirty="0">
-                <a:solidFill>
-                  <a:srgbClr val="7030A0"/>
-                </a:solidFill>
-                <a:effectLst/>
-              </a:rPr>
-              <a:t>Open Service Broker API (</a:t>
-            </a:r>
-            <a:r>
-              <a:rPr lang="en-US" sz="2400">
-                <a:solidFill>
-                  <a:srgbClr val="7030A0"/>
-                </a:solidFill>
-                <a:effectLst/>
-              </a:rPr>
-              <a:t>Service catalog)</a:t>
+                  <a:schemeClr val="accent1">
+                    <a:lumMod val="75000"/>
+                  </a:schemeClr>
+                </a:solidFill>
+              </a:rPr>
+              <a:t>CRD</a:t>
+            </a:r>
+          </a:p>
+        </p:txBody>
+      </p:sp>
+      <p:sp>
+        <p:nvSpPr>
+          <p:cNvPr id="8" name="TextBox 7">
+            <a:extLst>
+              <a:ext uri="{FF2B5EF4-FFF2-40B4-BE49-F238E27FC236}">
+                <a16:creationId xmlns:a16="http://schemas.microsoft.com/office/drawing/2014/main" id="{A4A0E69B-7CBB-A033-68D8-3A122ED3F0C0}"/>
+              </a:ext>
+            </a:extLst>
+          </p:cNvPr>
+          <p:cNvSpPr txBox="1"/>
+          <p:nvPr/>
+        </p:nvSpPr>
+        <p:spPr>
+          <a:xfrm>
+            <a:off x="5937937" y="998305"/>
+            <a:ext cx="1501753" cy="461665"/>
+          </a:xfrm>
+          <a:prstGeom prst="rect">
+            <a:avLst/>
+          </a:prstGeom>
+          <a:noFill/>
+        </p:spPr>
+        <p:txBody>
+          <a:bodyPr wrap="square" rtlCol="0">
+            <a:spAutoFit/>
+          </a:bodyPr>
+          <a:lstStyle/>
+          <a:p>
+            <a:r>
+              <a:rPr lang="en-US" sz="2400" dirty="0" err="1">
+                <a:solidFill>
+                  <a:schemeClr val="accent1">
+                    <a:lumMod val="75000"/>
+                  </a:schemeClr>
+                </a:solidFill>
+              </a:rPr>
+              <a:t>APIService</a:t>
             </a:r>
             <a:endParaRPr lang="en-US" sz="2400" dirty="0">
               <a:solidFill>
-                <a:srgbClr val="7030A0"/>
-              </a:solidFill>
-              <a:effectLst/>
-            </a:endParaRPr>
-          </a:p>
-          <a:p>
-            <a:endParaRPr lang="en-US" sz="2400" dirty="0">
-              <a:solidFill>
-                <a:srgbClr val="7030A0"/>
+                <a:schemeClr val="accent1">
+                  <a:lumMod val="75000"/>
+                </a:schemeClr>
               </a:solidFill>
             </a:endParaRPr>
           </a:p>
@@ -12457,7 +13644,7 @@
     </p:custDataLst>
     <p:extLst>
       <p:ext uri="{BB962C8B-B14F-4D97-AF65-F5344CB8AC3E}">
-        <p14:creationId xmlns:p14="http://schemas.microsoft.com/office/powerpoint/2010/main" val="3534536036"/>
+        <p14:creationId xmlns:p14="http://schemas.microsoft.com/office/powerpoint/2010/main" val="1569693153"/>
       </p:ext>
     </p:extLst>
   </p:cSld>
@@ -12617,7 +13804,7 @@
           <a:p>
             <a:r>
               <a:rPr lang="en-US" dirty="0"/>
-              <a:t>Organizing Kubernetes manifests</a:t>
+              <a:t>Other</a:t>
             </a:r>
           </a:p>
         </p:txBody>
@@ -12667,7 +13854,7 @@
         <p:spPr>
           <a:xfrm>
             <a:off x="1125538" y="1480816"/>
-            <a:ext cx="6058774" cy="461665"/>
+            <a:ext cx="5671040" cy="1200329"/>
           </a:xfrm>
           <a:prstGeom prst="rect">
             <a:avLst/>
@@ -12680,14 +13867,55 @@
           </a:bodyPr>
           <a:lstStyle/>
           <a:p>
+            <a:pPr marL="342900" indent="-342900">
+              <a:buFont typeface="Arial" panose="020B0604020202020204" pitchFamily="34" charset="0"/>
+              <a:buChar char="•"/>
+            </a:pPr>
             <a:r>
               <a:rPr lang="en-US" sz="2400" dirty="0">
                 <a:solidFill>
                   <a:srgbClr val="7030A0"/>
                 </a:solidFill>
               </a:rPr>
-              <a:t>Share, version, revert collections of manifests? </a:t>
-            </a:r>
+              <a:t>Webhooks</a:t>
+            </a:r>
+          </a:p>
+          <a:p>
+            <a:pPr marL="342900" indent="-342900">
+              <a:buFont typeface="Arial" panose="020B0604020202020204" pitchFamily="34" charset="0"/>
+              <a:buChar char="•"/>
+            </a:pPr>
+            <a:r>
+              <a:rPr lang="en-US" sz="2400" dirty="0">
+                <a:solidFill>
+                  <a:srgbClr val="7030A0"/>
+                </a:solidFill>
+                <a:effectLst/>
+              </a:rPr>
+              <a:t>Open Service Broker API (</a:t>
+            </a:r>
+            <a:r>
+              <a:rPr lang="en-US" sz="2400">
+                <a:solidFill>
+                  <a:srgbClr val="7030A0"/>
+                </a:solidFill>
+                <a:effectLst/>
+              </a:rPr>
+              <a:t>Service catalog)</a:t>
+            </a:r>
+            <a:endParaRPr lang="en-US" sz="2400" dirty="0">
+              <a:solidFill>
+                <a:srgbClr val="7030A0"/>
+              </a:solidFill>
+              <a:effectLst/>
+            </a:endParaRPr>
+          </a:p>
+          <a:p>
+            <a:endParaRPr lang="en-US" sz="2400" dirty="0">
+              <a:solidFill>
+                <a:srgbClr val="7030A0"/>
+              </a:solidFill>
+            </a:endParaRPr>
           </a:p>
         </p:txBody>
       </p:sp>
@@ -12697,7 +13925,7 @@
     </p:custDataLst>
     <p:extLst>
       <p:ext uri="{BB962C8B-B14F-4D97-AF65-F5344CB8AC3E}">
-        <p14:creationId xmlns:p14="http://schemas.microsoft.com/office/powerpoint/2010/main" val="263092986"/>
+        <p14:creationId xmlns:p14="http://schemas.microsoft.com/office/powerpoint/2010/main" val="3534536036"/>
       </p:ext>
     </p:extLst>
   </p:cSld>
@@ -12857,7 +14085,7 @@
           <a:p>
             <a:r>
               <a:rPr lang="en-US" dirty="0"/>
-              <a:t>Helm</a:t>
+              <a:t>Organizing Kubernetes manifests</a:t>
             </a:r>
           </a:p>
         </p:txBody>
@@ -12907,7 +14135,7 @@
         <p:spPr>
           <a:xfrm>
             <a:off x="1125538" y="1480816"/>
-            <a:ext cx="7312002" cy="1200329"/>
+            <a:ext cx="6058774" cy="461665"/>
           </a:xfrm>
           <a:prstGeom prst="rect">
             <a:avLst/>
@@ -12926,33 +14154,7 @@
                   <a:srgbClr val="7030A0"/>
                 </a:solidFill>
               </a:rPr>
-              <a:t>A “package manager” for Kubernetes</a:t>
-            </a:r>
-          </a:p>
-          <a:p>
-            <a:endParaRPr lang="en-US" sz="2400" dirty="0">
-              <a:solidFill>
-                <a:srgbClr val="7030A0"/>
-              </a:solidFill>
-            </a:endParaRPr>
-          </a:p>
-          <a:p>
-            <a:r>
-              <a:rPr lang="en-US" sz="2400" dirty="0">
-                <a:solidFill>
-                  <a:srgbClr val="7030A0"/>
-                </a:solidFill>
-                <a:effectLst/>
-              </a:rPr>
-              <a:t>Allows to package and deploy applications in Kubernetes</a:t>
-            </a:r>
-            <a:r>
-              <a:rPr lang="en-US" sz="2400" dirty="0">
-                <a:solidFill>
-                  <a:srgbClr val="7030A0"/>
-                </a:solidFill>
-              </a:rPr>
-              <a:t> </a:t>
+              <a:t>Share, version, revert collections of manifests? </a:t>
             </a:r>
           </a:p>
         </p:txBody>
@@ -12963,7 +14165,7 @@
     </p:custDataLst>
     <p:extLst>
       <p:ext uri="{BB962C8B-B14F-4D97-AF65-F5344CB8AC3E}">
-        <p14:creationId xmlns:p14="http://schemas.microsoft.com/office/powerpoint/2010/main" val="1264457698"/>
+        <p14:creationId xmlns:p14="http://schemas.microsoft.com/office/powerpoint/2010/main" val="263092986"/>
       </p:ext>
     </p:extLst>
   </p:cSld>
@@ -13123,7 +14325,7 @@
           <a:p>
             <a:r>
               <a:rPr lang="en-US" dirty="0"/>
-              <a:t>Helm chart</a:t>
+              <a:t>Helm</a:t>
             </a:r>
           </a:p>
         </p:txBody>
@@ -13173,7 +14375,7 @@
         <p:spPr>
           <a:xfrm>
             <a:off x="1125538" y="1480816"/>
-            <a:ext cx="3994555" cy="1569660"/>
+            <a:ext cx="7312002" cy="1200329"/>
           </a:xfrm>
           <a:prstGeom prst="rect">
             <a:avLst/>
@@ -13191,9 +14393,8 @@
                 <a:solidFill>
                   <a:srgbClr val="7030A0"/>
                 </a:solidFill>
-                <a:effectLst/>
-              </a:rPr>
-              <a:t>A structured collection of files.</a:t>
+              </a:rPr>
+              <a:t>A “package manager” for Kubernetes</a:t>
             </a:r>
           </a:p>
           <a:p>
@@ -13211,10 +14412,8 @@
                 </a:solidFill>
                 <a:effectLst/>
               </a:rPr>
-              <a:t>A running instance = release.</a:t>
-            </a:r>
-          </a:p>
-          <a:p>
+              <a:t>Allows to package and deploy applications in Kubernetes</a:t>
+            </a:r>
             <a:r>
               <a:rPr lang="en-US" sz="2400" dirty="0">
                 <a:solidFill>
@@ -13232,7 +14431,7 @@
     </p:custDataLst>
     <p:extLst>
       <p:ext uri="{BB962C8B-B14F-4D97-AF65-F5344CB8AC3E}">
-        <p14:creationId xmlns:p14="http://schemas.microsoft.com/office/powerpoint/2010/main" val="2316758863"/>
+        <p14:creationId xmlns:p14="http://schemas.microsoft.com/office/powerpoint/2010/main" val="1264457698"/>
       </p:ext>
     </p:extLst>
   </p:cSld>
@@ -13392,7 +14591,7 @@
           <a:p>
             <a:r>
               <a:rPr lang="en-US" dirty="0"/>
-              <a:t>Helm chart features</a:t>
+              <a:t>Helm chart</a:t>
             </a:r>
           </a:p>
         </p:txBody>
@@ -13442,7 +14641,7 @@
         <p:spPr>
           <a:xfrm>
             <a:off x="1125538" y="1480816"/>
-            <a:ext cx="3788858" cy="2677656"/>
+            <a:ext cx="3994555" cy="1569660"/>
           </a:xfrm>
           <a:prstGeom prst="rect">
             <a:avLst/>
@@ -13455,10 +14654,6 @@
           </a:bodyPr>
           <a:lstStyle/>
           <a:p>
-            <a:pPr marL="342900" indent="-342900">
-              <a:buFont typeface="Arial" panose="020B0604020202020204" pitchFamily="34" charset="0"/>
-              <a:buChar char="•"/>
-            </a:pPr>
             <a:r>
               <a:rPr lang="en-US" sz="2400" dirty="0">
                 <a:solidFill>
@@ -13466,85 +14661,26 @@
                 </a:solidFill>
                 <a:effectLst/>
               </a:rPr>
-              <a:t>Track changes via versions</a:t>
-            </a:r>
-          </a:p>
-          <a:p>
-            <a:pPr marL="342900" indent="-342900">
-              <a:buFont typeface="Arial" panose="020B0604020202020204" pitchFamily="34" charset="0"/>
-              <a:buChar char="•"/>
-            </a:pPr>
-            <a:r>
-              <a:rPr lang="en-US" sz="2400" dirty="0">
-                <a:solidFill>
-                  <a:srgbClr val="7030A0"/>
-                </a:solidFill>
-              </a:rPr>
-              <a:t>View release history</a:t>
-            </a:r>
-          </a:p>
-          <a:p>
-            <a:pPr marL="342900" indent="-342900">
-              <a:buFont typeface="Arial" panose="020B0604020202020204" pitchFamily="34" charset="0"/>
-              <a:buChar char="•"/>
-            </a:pPr>
-            <a:r>
-              <a:rPr lang="en-US" sz="2400" dirty="0">
-                <a:solidFill>
-                  <a:srgbClr val="7030A0"/>
-                </a:solidFill>
-                <a:effectLst/>
-              </a:rPr>
-              <a:t>Rollback a release</a:t>
-            </a:r>
-          </a:p>
-          <a:p>
-            <a:pPr marL="342900" indent="-342900">
-              <a:buFont typeface="Arial" panose="020B0604020202020204" pitchFamily="34" charset="0"/>
-              <a:buChar char="•"/>
-            </a:pPr>
-            <a:r>
-              <a:rPr lang="en-US" sz="2400" dirty="0">
-                <a:solidFill>
-                  <a:srgbClr val="7030A0"/>
-                </a:solidFill>
-              </a:rPr>
-              <a:t>“Docker image” a chart</a:t>
-            </a:r>
-          </a:p>
-          <a:p>
-            <a:pPr marL="342900" indent="-342900">
-              <a:buFont typeface="Arial" panose="020B0604020202020204" pitchFamily="34" charset="0"/>
-              <a:buChar char="•"/>
-            </a:pPr>
-            <a:r>
-              <a:rPr lang="en-US" sz="2400" dirty="0">
-                <a:solidFill>
-                  <a:srgbClr val="7030A0"/>
-                </a:solidFill>
-              </a:rPr>
-              <a:t>Share via a remote repo</a:t>
-            </a:r>
-          </a:p>
-          <a:p>
-            <a:pPr marL="342900" indent="-342900">
-              <a:buFont typeface="Arial" panose="020B0604020202020204" pitchFamily="34" charset="0"/>
-              <a:buChar char="•"/>
-            </a:pPr>
-            <a:r>
-              <a:rPr lang="en-US" sz="2400" dirty="0">
-                <a:solidFill>
-                  <a:srgbClr val="7030A0"/>
-                </a:solidFill>
-              </a:rPr>
-              <a:t>Add dependencies </a:t>
-            </a:r>
+              <a:t>A structured collection of files.</a:t>
+            </a:r>
+          </a:p>
+          <a:p>
             <a:endParaRPr lang="en-US" sz="2400" dirty="0">
               <a:solidFill>
                 <a:srgbClr val="7030A0"/>
               </a:solidFill>
-              <a:effectLst/>
             </a:endParaRPr>
+          </a:p>
+          <a:p>
+            <a:r>
+              <a:rPr lang="en-US" sz="2400" dirty="0">
+                <a:solidFill>
+                  <a:srgbClr val="7030A0"/>
+                </a:solidFill>
+                <a:effectLst/>
+              </a:rPr>
+              <a:t>A running instance = release.</a:t>
+            </a:r>
           </a:p>
           <a:p>
             <a:r>
@@ -13564,7 +14700,7 @@
     </p:custDataLst>
     <p:extLst>
       <p:ext uri="{BB962C8B-B14F-4D97-AF65-F5344CB8AC3E}">
-        <p14:creationId xmlns:p14="http://schemas.microsoft.com/office/powerpoint/2010/main" val="259788072"/>
+        <p14:creationId xmlns:p14="http://schemas.microsoft.com/office/powerpoint/2010/main" val="2316758863"/>
       </p:ext>
     </p:extLst>
   </p:cSld>
@@ -13613,14 +14749,14 @@
           </a:ln>
           <a:extLst>
             <a:ext uri="{909E8E84-426E-40dd-AFC4-6F175D3DCCD1}">
-              <a14:hiddenFill xmlns:a14="http://schemas.microsoft.com/office/drawing/2010/main" xmlns="">
+              <a14:hiddenFill xmlns="" xmlns:a14="http://schemas.microsoft.com/office/drawing/2010/main">
                 <a:solidFill>
                   <a:srgbClr val="FFFFFF"/>
                 </a:solidFill>
               </a14:hiddenFill>
             </a:ext>
             <a:ext uri="{91240B29-F687-4f45-9708-019B960494DF}">
-              <a14:hiddenLine xmlns:a14="http://schemas.microsoft.com/office/drawing/2010/main" xmlns="" w="12700" cap="flat">
+              <a14:hiddenLine xmlns="" xmlns:a14="http://schemas.microsoft.com/office/drawing/2010/main" w="12700" cap="flat">
                 <a:solidFill>
                   <a:schemeClr val="tx1"/>
                 </a:solidFill>
@@ -13664,14 +14800,14 @@
           </a:ln>
           <a:extLst>
             <a:ext uri="{909E8E84-426E-40dd-AFC4-6F175D3DCCD1}">
-              <a14:hiddenFill xmlns:a14="http://schemas.microsoft.com/office/drawing/2010/main" xmlns="">
+              <a14:hiddenFill xmlns="" xmlns:a14="http://schemas.microsoft.com/office/drawing/2010/main">
                 <a:solidFill>
                   <a:srgbClr val="FFFFFF"/>
                 </a:solidFill>
               </a14:hiddenFill>
             </a:ext>
             <a:ext uri="{91240B29-F687-4f45-9708-019B960494DF}">
-              <a14:hiddenLine xmlns:a14="http://schemas.microsoft.com/office/drawing/2010/main" xmlns="" w="12700" cap="flat">
+              <a14:hiddenLine xmlns="" xmlns:a14="http://schemas.microsoft.com/office/drawing/2010/main" w="12700" cap="flat">
                 <a:solidFill>
                   <a:schemeClr val="tx1"/>
                 </a:solidFill>
@@ -14182,14 +15318,14 @@
           </a:ln>
           <a:extLst>
             <a:ext uri="{909E8E84-426E-40dd-AFC4-6F175D3DCCD1}">
-              <a14:hiddenFill xmlns="" xmlns:a14="http://schemas.microsoft.com/office/drawing/2010/main">
+              <a14:hiddenFill xmlns:a14="http://schemas.microsoft.com/office/drawing/2010/main" xmlns="">
                 <a:solidFill>
                   <a:srgbClr val="FFFFFF"/>
                 </a:solidFill>
               </a14:hiddenFill>
             </a:ext>
             <a:ext uri="{91240B29-F687-4f45-9708-019B960494DF}">
-              <a14:hiddenLine xmlns="" xmlns:a14="http://schemas.microsoft.com/office/drawing/2010/main" w="12700" cap="flat">
+              <a14:hiddenLine xmlns:a14="http://schemas.microsoft.com/office/drawing/2010/main" xmlns="" w="12700" cap="flat">
                 <a:solidFill>
                   <a:schemeClr val="tx1"/>
                 </a:solidFill>
@@ -14233,14 +15369,14 @@
           </a:ln>
           <a:extLst>
             <a:ext uri="{909E8E84-426E-40dd-AFC4-6F175D3DCCD1}">
-              <a14:hiddenFill xmlns="" xmlns:a14="http://schemas.microsoft.com/office/drawing/2010/main">
+              <a14:hiddenFill xmlns:a14="http://schemas.microsoft.com/office/drawing/2010/main" xmlns="">
                 <a:solidFill>
                   <a:srgbClr val="FFFFFF"/>
                 </a:solidFill>
               </a14:hiddenFill>
             </a:ext>
             <a:ext uri="{91240B29-F687-4f45-9708-019B960494DF}">
-              <a14:hiddenLine xmlns="" xmlns:a14="http://schemas.microsoft.com/office/drawing/2010/main" w="12700" cap="flat">
+              <a14:hiddenLine xmlns:a14="http://schemas.microsoft.com/office/drawing/2010/main" xmlns="" w="12700" cap="flat">
                 <a:solidFill>
                   <a:schemeClr val="tx1"/>
                 </a:solidFill>
@@ -14463,14 +15599,14 @@
           </a:ln>
           <a:extLst>
             <a:ext uri="{909E8E84-426E-40dd-AFC4-6F175D3DCCD1}">
-              <a14:hiddenFill xmlns="" xmlns:a14="http://schemas.microsoft.com/office/drawing/2010/main">
+              <a14:hiddenFill xmlns:a14="http://schemas.microsoft.com/office/drawing/2010/main" xmlns="">
                 <a:solidFill>
                   <a:srgbClr val="FFFFFF"/>
                 </a:solidFill>
               </a14:hiddenFill>
             </a:ext>
             <a:ext uri="{91240B29-F687-4f45-9708-019B960494DF}">
-              <a14:hiddenLine xmlns="" xmlns:a14="http://schemas.microsoft.com/office/drawing/2010/main" w="12700" cap="flat">
+              <a14:hiddenLine xmlns:a14="http://schemas.microsoft.com/office/drawing/2010/main" xmlns="" w="12700" cap="flat">
                 <a:solidFill>
                   <a:schemeClr val="tx1"/>
                 </a:solidFill>
@@ -14514,14 +15650,14 @@
           </a:ln>
           <a:extLst>
             <a:ext uri="{909E8E84-426E-40dd-AFC4-6F175D3DCCD1}">
-              <a14:hiddenFill xmlns="" xmlns:a14="http://schemas.microsoft.com/office/drawing/2010/main">
+              <a14:hiddenFill xmlns:a14="http://schemas.microsoft.com/office/drawing/2010/main" xmlns="">
                 <a:solidFill>
                   <a:srgbClr val="FFFFFF"/>
                 </a:solidFill>
               </a14:hiddenFill>
             </a:ext>
             <a:ext uri="{91240B29-F687-4f45-9708-019B960494DF}">
-              <a14:hiddenLine xmlns="" xmlns:a14="http://schemas.microsoft.com/office/drawing/2010/main" w="12700" cap="flat">
+              <a14:hiddenLine xmlns:a14="http://schemas.microsoft.com/office/drawing/2010/main" xmlns="" w="12700" cap="flat">
                 <a:solidFill>
                   <a:schemeClr val="tx1"/>
                 </a:solidFill>
@@ -14668,17 +15804,24 @@
           <a:lstStyle/>
           <a:p>
             <a:r>
-              <a:rPr lang="en-US" dirty="0"/>
+              <a:rPr lang="en-US" dirty="0">
+                <a:hlinkClick r:id="rId6"/>
+              </a:rPr>
               <a:t>https://</a:t>
             </a:r>
             <a:r>
-              <a:rPr lang="en-US" dirty="0" err="1"/>
+              <a:rPr lang="en-US" dirty="0" err="1">
+                <a:hlinkClick r:id="rId6"/>
+              </a:rPr>
               <a:t>helm.sh</a:t>
             </a:r>
             <a:r>
-              <a:rPr lang="en-US" dirty="0"/>
+              <a:rPr lang="en-US" dirty="0">
+                <a:hlinkClick r:id="rId6"/>
+              </a:rPr>
               <a:t>/docs/topics/charts/</a:t>
             </a:r>
+            <a:endParaRPr lang="en-US" dirty="0"/>
           </a:p>
         </p:txBody>
       </p:sp>
@@ -14737,14 +15880,14 @@
           </a:ln>
           <a:extLst>
             <a:ext uri="{909E8E84-426E-40dd-AFC4-6F175D3DCCD1}">
-              <a14:hiddenFill xmlns="" xmlns:a14="http://schemas.microsoft.com/office/drawing/2010/main">
+              <a14:hiddenFill xmlns:a14="http://schemas.microsoft.com/office/drawing/2010/main" xmlns="">
                 <a:solidFill>
                   <a:srgbClr val="FFFFFF"/>
                 </a:solidFill>
               </a14:hiddenFill>
             </a:ext>
             <a:ext uri="{91240B29-F687-4f45-9708-019B960494DF}">
-              <a14:hiddenLine xmlns="" xmlns:a14="http://schemas.microsoft.com/office/drawing/2010/main" w="12700" cap="flat">
+              <a14:hiddenLine xmlns:a14="http://schemas.microsoft.com/office/drawing/2010/main" xmlns="" w="12700" cap="flat">
                 <a:solidFill>
                   <a:schemeClr val="tx1"/>
                 </a:solidFill>
@@ -14788,14 +15931,14 @@
           </a:ln>
           <a:extLst>
             <a:ext uri="{909E8E84-426E-40dd-AFC4-6F175D3DCCD1}">
-              <a14:hiddenFill xmlns="" xmlns:a14="http://schemas.microsoft.com/office/drawing/2010/main">
+              <a14:hiddenFill xmlns:a14="http://schemas.microsoft.com/office/drawing/2010/main" xmlns="">
                 <a:solidFill>
                   <a:srgbClr val="FFFFFF"/>
                 </a:solidFill>
               </a14:hiddenFill>
             </a:ext>
             <a:ext uri="{91240B29-F687-4f45-9708-019B960494DF}">
-              <a14:hiddenLine xmlns="" xmlns:a14="http://schemas.microsoft.com/office/drawing/2010/main" w="12700" cap="flat">
+              <a14:hiddenLine xmlns:a14="http://schemas.microsoft.com/office/drawing/2010/main" xmlns="" w="12700" cap="flat">
                 <a:solidFill>
                   <a:schemeClr val="tx1"/>
                 </a:solidFill>
@@ -15048,14 +16191,14 @@
           </a:ln>
           <a:extLst>
             <a:ext uri="{909E8E84-426E-40dd-AFC4-6F175D3DCCD1}">
-              <a14:hiddenFill xmlns="" xmlns:a14="http://schemas.microsoft.com/office/drawing/2010/main">
+              <a14:hiddenFill xmlns:a14="http://schemas.microsoft.com/office/drawing/2010/main" xmlns="">
                 <a:solidFill>
                   <a:srgbClr val="FFFFFF"/>
                 </a:solidFill>
               </a14:hiddenFill>
             </a:ext>
             <a:ext uri="{91240B29-F687-4f45-9708-019B960494DF}">
-              <a14:hiddenLine xmlns="" xmlns:a14="http://schemas.microsoft.com/office/drawing/2010/main" w="12700" cap="flat">
+              <a14:hiddenLine xmlns:a14="http://schemas.microsoft.com/office/drawing/2010/main" xmlns="" w="12700" cap="flat">
                 <a:solidFill>
                   <a:schemeClr val="tx1"/>
                 </a:solidFill>
@@ -15099,14 +16242,14 @@
           </a:ln>
           <a:extLst>
             <a:ext uri="{909E8E84-426E-40dd-AFC4-6F175D3DCCD1}">
-              <a14:hiddenFill xmlns="" xmlns:a14="http://schemas.microsoft.com/office/drawing/2010/main">
+              <a14:hiddenFill xmlns:a14="http://schemas.microsoft.com/office/drawing/2010/main" xmlns="">
                 <a:solidFill>
                   <a:srgbClr val="FFFFFF"/>
                 </a:solidFill>
               </a14:hiddenFill>
             </a:ext>
             <a:ext uri="{91240B29-F687-4f45-9708-019B960494DF}">
-              <a14:hiddenLine xmlns="" xmlns:a14="http://schemas.microsoft.com/office/drawing/2010/main" w="12700" cap="flat">
+              <a14:hiddenLine xmlns:a14="http://schemas.microsoft.com/office/drawing/2010/main" xmlns="" w="12700" cap="flat">
                 <a:solidFill>
                   <a:schemeClr val="tx1"/>
                 </a:solidFill>
@@ -15385,14 +16528,14 @@
           </a:ln>
           <a:extLst>
             <a:ext uri="{909E8E84-426E-40dd-AFC4-6F175D3DCCD1}">
-              <a14:hiddenFill xmlns:a14="http://schemas.microsoft.com/office/drawing/2010/main" xmlns="">
+              <a14:hiddenFill xmlns="" xmlns:a14="http://schemas.microsoft.com/office/drawing/2010/main">
                 <a:solidFill>
                   <a:srgbClr val="FFFFFF"/>
                 </a:solidFill>
               </a14:hiddenFill>
             </a:ext>
             <a:ext uri="{91240B29-F687-4f45-9708-019B960494DF}">
-              <a14:hiddenLine xmlns:a14="http://schemas.microsoft.com/office/drawing/2010/main" xmlns="" w="12700" cap="flat">
+              <a14:hiddenLine xmlns="" xmlns:a14="http://schemas.microsoft.com/office/drawing/2010/main" w="12700" cap="flat">
                 <a:solidFill>
                   <a:schemeClr val="tx1"/>
                 </a:solidFill>
@@ -15436,14 +16579,14 @@
           </a:ln>
           <a:extLst>
             <a:ext uri="{909E8E84-426E-40dd-AFC4-6F175D3DCCD1}">
-              <a14:hiddenFill xmlns:a14="http://schemas.microsoft.com/office/drawing/2010/main" xmlns="">
+              <a14:hiddenFill xmlns="" xmlns:a14="http://schemas.microsoft.com/office/drawing/2010/main">
                 <a:solidFill>
                   <a:srgbClr val="FFFFFF"/>
                 </a:solidFill>
               </a14:hiddenFill>
             </a:ext>
             <a:ext uri="{91240B29-F687-4f45-9708-019B960494DF}">
-              <a14:hiddenLine xmlns:a14="http://schemas.microsoft.com/office/drawing/2010/main" xmlns="" w="12700" cap="flat">
+              <a14:hiddenLine xmlns="" xmlns:a14="http://schemas.microsoft.com/office/drawing/2010/main" w="12700" cap="flat">
                 <a:solidFill>
                   <a:schemeClr val="tx1"/>
                 </a:solidFill>
@@ -15720,14 +16863,14 @@
           </a:ln>
           <a:extLst>
             <a:ext uri="{909E8E84-426E-40dd-AFC4-6F175D3DCCD1}">
-              <a14:hiddenFill xmlns="" xmlns:a14="http://schemas.microsoft.com/office/drawing/2010/main">
+              <a14:hiddenFill xmlns:a14="http://schemas.microsoft.com/office/drawing/2010/main" xmlns="">
                 <a:solidFill>
                   <a:srgbClr val="FFFFFF"/>
                 </a:solidFill>
               </a14:hiddenFill>
             </a:ext>
             <a:ext uri="{91240B29-F687-4f45-9708-019B960494DF}">
-              <a14:hiddenLine xmlns="" xmlns:a14="http://schemas.microsoft.com/office/drawing/2010/main" w="12700" cap="flat">
+              <a14:hiddenLine xmlns:a14="http://schemas.microsoft.com/office/drawing/2010/main" xmlns="" w="12700" cap="flat">
                 <a:solidFill>
                   <a:schemeClr val="tx1"/>
                 </a:solidFill>
@@ -15771,14 +16914,14 @@
           </a:ln>
           <a:extLst>
             <a:ext uri="{909E8E84-426E-40dd-AFC4-6F175D3DCCD1}">
-              <a14:hiddenFill xmlns="" xmlns:a14="http://schemas.microsoft.com/office/drawing/2010/main">
+              <a14:hiddenFill xmlns:a14="http://schemas.microsoft.com/office/drawing/2010/main" xmlns="">
                 <a:solidFill>
                   <a:srgbClr val="FFFFFF"/>
                 </a:solidFill>
               </a14:hiddenFill>
             </a:ext>
             <a:ext uri="{91240B29-F687-4f45-9708-019B960494DF}">
-              <a14:hiddenLine xmlns="" xmlns:a14="http://schemas.microsoft.com/office/drawing/2010/main" w="12700" cap="flat">
+              <a14:hiddenLine xmlns:a14="http://schemas.microsoft.com/office/drawing/2010/main" xmlns="" w="12700" cap="flat">
                 <a:solidFill>
                   <a:schemeClr val="tx1"/>
                 </a:solidFill>
@@ -16061,14 +17204,14 @@
           </a:ln>
           <a:extLst>
             <a:ext uri="{909E8E84-426E-40dd-AFC4-6F175D3DCCD1}">
-              <a14:hiddenFill xmlns:a14="http://schemas.microsoft.com/office/drawing/2010/main" xmlns="">
+              <a14:hiddenFill xmlns="" xmlns:a14="http://schemas.microsoft.com/office/drawing/2010/main">
                 <a:solidFill>
                   <a:srgbClr val="FFFFFF"/>
                 </a:solidFill>
               </a14:hiddenFill>
             </a:ext>
             <a:ext uri="{91240B29-F687-4f45-9708-019B960494DF}">
-              <a14:hiddenLine xmlns:a14="http://schemas.microsoft.com/office/drawing/2010/main" xmlns="" w="12700" cap="flat">
+              <a14:hiddenLine xmlns="" xmlns:a14="http://schemas.microsoft.com/office/drawing/2010/main" w="12700" cap="flat">
                 <a:solidFill>
                   <a:schemeClr val="tx1"/>
                 </a:solidFill>
@@ -16112,14 +17255,14 @@
           </a:ln>
           <a:extLst>
             <a:ext uri="{909E8E84-426E-40dd-AFC4-6F175D3DCCD1}">
-              <a14:hiddenFill xmlns:a14="http://schemas.microsoft.com/office/drawing/2010/main" xmlns="">
+              <a14:hiddenFill xmlns="" xmlns:a14="http://schemas.microsoft.com/office/drawing/2010/main">
                 <a:solidFill>
                   <a:srgbClr val="FFFFFF"/>
                 </a:solidFill>
               </a14:hiddenFill>
             </a:ext>
             <a:ext uri="{91240B29-F687-4f45-9708-019B960494DF}">
-              <a14:hiddenLine xmlns:a14="http://schemas.microsoft.com/office/drawing/2010/main" xmlns="" w="12700" cap="flat">
+              <a14:hiddenLine xmlns="" xmlns:a14="http://schemas.microsoft.com/office/drawing/2010/main" w="12700" cap="flat">
                 <a:solidFill>
                   <a:schemeClr val="tx1"/>
                 </a:solidFill>
@@ -16262,14 +17405,14 @@
           </a:ln>
           <a:extLst>
             <a:ext uri="{909E8E84-426E-40dd-AFC4-6F175D3DCCD1}">
-              <a14:hiddenFill xmlns="" xmlns:a14="http://schemas.microsoft.com/office/drawing/2010/main">
+              <a14:hiddenFill xmlns:a14="http://schemas.microsoft.com/office/drawing/2010/main" xmlns="">
                 <a:solidFill>
                   <a:srgbClr val="FFFFFF"/>
                 </a:solidFill>
               </a14:hiddenFill>
             </a:ext>
             <a:ext uri="{91240B29-F687-4f45-9708-019B960494DF}">
-              <a14:hiddenLine xmlns="" xmlns:a14="http://schemas.microsoft.com/office/drawing/2010/main" w="12700" cap="flat">
+              <a14:hiddenLine xmlns:a14="http://schemas.microsoft.com/office/drawing/2010/main" xmlns="" w="12700" cap="flat">
                 <a:solidFill>
                   <a:schemeClr val="tx1"/>
                 </a:solidFill>
@@ -16313,14 +17456,14 @@
           </a:ln>
           <a:extLst>
             <a:ext uri="{909E8E84-426E-40dd-AFC4-6F175D3DCCD1}">
-              <a14:hiddenFill xmlns="" xmlns:a14="http://schemas.microsoft.com/office/drawing/2010/main">
+              <a14:hiddenFill xmlns:a14="http://schemas.microsoft.com/office/drawing/2010/main" xmlns="">
                 <a:solidFill>
                   <a:srgbClr val="FFFFFF"/>
                 </a:solidFill>
               </a14:hiddenFill>
             </a:ext>
             <a:ext uri="{91240B29-F687-4f45-9708-019B960494DF}">
-              <a14:hiddenLine xmlns="" xmlns:a14="http://schemas.microsoft.com/office/drawing/2010/main" w="12700" cap="flat">
+              <a14:hiddenLine xmlns:a14="http://schemas.microsoft.com/office/drawing/2010/main" xmlns="" w="12700" cap="flat">
                 <a:solidFill>
                   <a:schemeClr val="tx1"/>
                 </a:solidFill>
@@ -16491,14 +17634,14 @@
           </a:ln>
           <a:extLst>
             <a:ext uri="{909E8E84-426E-40dd-AFC4-6F175D3DCCD1}">
-              <a14:hiddenFill xmlns:a14="http://schemas.microsoft.com/office/drawing/2010/main" xmlns="">
+              <a14:hiddenFill xmlns="" xmlns:a14="http://schemas.microsoft.com/office/drawing/2010/main">
                 <a:solidFill>
                   <a:srgbClr val="FFFFFF"/>
                 </a:solidFill>
               </a14:hiddenFill>
             </a:ext>
             <a:ext uri="{91240B29-F687-4f45-9708-019B960494DF}">
-              <a14:hiddenLine xmlns:a14="http://schemas.microsoft.com/office/drawing/2010/main" xmlns="" w="12700" cap="flat">
+              <a14:hiddenLine xmlns="" xmlns:a14="http://schemas.microsoft.com/office/drawing/2010/main" w="12700" cap="flat">
                 <a:solidFill>
                   <a:schemeClr val="tx1"/>
                 </a:solidFill>
@@ -16542,14 +17685,14 @@
           </a:ln>
           <a:extLst>
             <a:ext uri="{909E8E84-426E-40dd-AFC4-6F175D3DCCD1}">
-              <a14:hiddenFill xmlns:a14="http://schemas.microsoft.com/office/drawing/2010/main" xmlns="">
+              <a14:hiddenFill xmlns="" xmlns:a14="http://schemas.microsoft.com/office/drawing/2010/main">
                 <a:solidFill>
                   <a:srgbClr val="FFFFFF"/>
                 </a:solidFill>
               </a14:hiddenFill>
             </a:ext>
             <a:ext uri="{91240B29-F687-4f45-9708-019B960494DF}">
-              <a14:hiddenLine xmlns:a14="http://schemas.microsoft.com/office/drawing/2010/main" xmlns="" w="12700" cap="flat">
+              <a14:hiddenLine xmlns="" xmlns:a14="http://schemas.microsoft.com/office/drawing/2010/main" w="12700" cap="flat">
                 <a:solidFill>
                   <a:schemeClr val="tx1"/>
                 </a:solidFill>
@@ -16757,238 +17900,669 @@
       </p:grpSpPr>
       <p:sp>
         <p:nvSpPr>
-          <p:cNvPr id="12" name="Rectangle 7"/>
-          <p:cNvSpPr>
-            <a:spLocks/>
-          </p:cNvSpPr>
+          <p:cNvPr id="2" name="Title 1">
+            <a:extLst>
+              <a:ext uri="{FF2B5EF4-FFF2-40B4-BE49-F238E27FC236}">
+                <a16:creationId xmlns:a16="http://schemas.microsoft.com/office/drawing/2014/main" id="{67212B71-2AE2-4722-2B9B-1A3E7E904EA9}"/>
+              </a:ext>
+            </a:extLst>
+          </p:cNvPr>
+          <p:cNvSpPr>
+            <a:spLocks noGrp="1"/>
+          </p:cNvSpPr>
+          <p:nvPr>
+            <p:ph type="title"/>
+          </p:nvPr>
+        </p:nvSpPr>
+        <p:spPr/>
+        <p:txBody>
+          <a:bodyPr/>
+          <a:lstStyle/>
+          <a:p>
+            <a:r>
+              <a:rPr lang="en-US" dirty="0"/>
+              <a:t>Kubernetes resources</a:t>
+            </a:r>
+          </a:p>
+        </p:txBody>
+      </p:sp>
+      <p:sp>
+        <p:nvSpPr>
+          <p:cNvPr id="3" name="Footer Placeholder 2">
+            <a:extLst>
+              <a:ext uri="{FF2B5EF4-FFF2-40B4-BE49-F238E27FC236}">
+                <a16:creationId xmlns:a16="http://schemas.microsoft.com/office/drawing/2014/main" id="{E7F10E38-A603-561E-69E3-EB92B6CF8BD7}"/>
+              </a:ext>
+            </a:extLst>
+          </p:cNvPr>
+          <p:cNvSpPr>
+            <a:spLocks noGrp="1"/>
+          </p:cNvSpPr>
+          <p:nvPr>
+            <p:ph type="ftr" sz="quarter" idx="11"/>
+          </p:nvPr>
+        </p:nvSpPr>
+        <p:spPr/>
+        <p:txBody>
+          <a:bodyPr/>
+          <a:lstStyle/>
+          <a:p>
+            <a:endParaRPr lang="de-DE"/>
+          </a:p>
+        </p:txBody>
+      </p:sp>
+      <p:sp>
+        <p:nvSpPr>
+          <p:cNvPr id="4" name="Slide Number Placeholder 3">
+            <a:extLst>
+              <a:ext uri="{FF2B5EF4-FFF2-40B4-BE49-F238E27FC236}">
+                <a16:creationId xmlns:a16="http://schemas.microsoft.com/office/drawing/2014/main" id="{B61B32B8-5993-4437-0527-887B31BE9E40}"/>
+              </a:ext>
+            </a:extLst>
+          </p:cNvPr>
+          <p:cNvSpPr>
+            <a:spLocks noGrp="1"/>
+          </p:cNvSpPr>
+          <p:nvPr>
+            <p:ph type="sldNum" sz="quarter" idx="12"/>
+          </p:nvPr>
+        </p:nvSpPr>
+        <p:spPr/>
+        <p:txBody>
+          <a:bodyPr/>
+          <a:lstStyle/>
+          <a:p>
+            <a:fld id="{0C13F998-EF6B-4CED-A4A1-9D50C45BA8B3}" type="slidenum">
+              <a:rPr lang="de-DE" smtClean="0"/>
+              <a:pPr/>
+              <a:t>5</a:t>
+            </a:fld>
+            <a:endParaRPr lang="de-DE"/>
+          </a:p>
+        </p:txBody>
+      </p:sp>
+      <p:sp>
+        <p:nvSpPr>
+          <p:cNvPr id="6" name="Rectangle 5">
+            <a:extLst>
+              <a:ext uri="{FF2B5EF4-FFF2-40B4-BE49-F238E27FC236}">
+                <a16:creationId xmlns:a16="http://schemas.microsoft.com/office/drawing/2014/main" id="{5ECDF615-215E-85F0-676D-577BF16E6B26}"/>
+              </a:ext>
+            </a:extLst>
+          </p:cNvPr>
+          <p:cNvSpPr/>
           <p:nvPr/>
         </p:nvSpPr>
-        <p:spPr bwMode="auto">
-          <a:xfrm>
-            <a:off x="715617" y="1582532"/>
-            <a:ext cx="3368348" cy="2565067"/>
+        <p:spPr>
+          <a:xfrm>
+            <a:off x="3514017" y="851745"/>
+            <a:ext cx="1828799" cy="914400"/>
           </a:xfrm>
           <a:prstGeom prst="rect">
             <a:avLst/>
           </a:prstGeom>
-          <a:noFill/>
-          <a:ln>
-            <a:noFill/>
-          </a:ln>
-          <a:extLst>
-            <a:ext uri="{909E8E84-426E-40dd-AFC4-6F175D3DCCD1}">
-              <a14:hiddenFill xmlns="" xmlns:a14="http://schemas.microsoft.com/office/drawing/2010/main">
-                <a:solidFill>
-                  <a:srgbClr val="FFFFFF"/>
-                </a:solidFill>
-              </a14:hiddenFill>
-            </a:ext>
-            <a:ext uri="{91240B29-F687-4f45-9708-019B960494DF}">
-              <a14:hiddenLine xmlns="" xmlns:a14="http://schemas.microsoft.com/office/drawing/2010/main" w="12700" cap="flat">
-                <a:solidFill>
-                  <a:schemeClr val="tx1"/>
-                </a:solidFill>
-                <a:miter lim="800000"/>
-                <a:headEnd type="none" w="med" len="med"/>
-                <a:tailEnd type="none" w="med" len="med"/>
-              </a14:hiddenLine>
-            </a:ext>
-          </a:extLst>
-        </p:spPr>
-        <p:txBody>
-          <a:bodyPr lIns="0" tIns="0" rIns="0" bIns="0" anchor="t"/>
+        </p:spPr>
+        <p:style>
+          <a:lnRef idx="2">
+            <a:schemeClr val="accent1">
+              <a:shade val="15000"/>
+            </a:schemeClr>
+          </a:lnRef>
+          <a:fillRef idx="1">
+            <a:schemeClr val="accent1"/>
+          </a:fillRef>
+          <a:effectRef idx="0">
+            <a:schemeClr val="accent1"/>
+          </a:effectRef>
+          <a:fontRef idx="minor">
+            <a:schemeClr val="lt1"/>
+          </a:fontRef>
+        </p:style>
+        <p:txBody>
+          <a:bodyPr rtlCol="0" anchor="ctr"/>
           <a:lstStyle/>
           <a:p>
-            <a:endParaRPr lang="en-US" sz="1800" dirty="0">
-              <a:ea typeface="ＭＳ Ｐゴシック" charset="0"/>
-              <a:sym typeface="Lato Light" charset="0"/>
-            </a:endParaRPr>
-          </a:p>
-        </p:txBody>
-      </p:sp>
-      <p:sp>
-        <p:nvSpPr>
-          <p:cNvPr id="24" name="Rectangle 7"/>
-          <p:cNvSpPr>
-            <a:spLocks/>
-          </p:cNvSpPr>
+            <a:pPr algn="ctr"/>
+            <a:r>
+              <a:rPr lang="en-US" dirty="0"/>
+              <a:t>Kubernetes resources</a:t>
+            </a:r>
+          </a:p>
+        </p:txBody>
+      </p:sp>
+      <p:sp>
+        <p:nvSpPr>
+          <p:cNvPr id="7" name="Rectangle 6">
+            <a:extLst>
+              <a:ext uri="{FF2B5EF4-FFF2-40B4-BE49-F238E27FC236}">
+                <a16:creationId xmlns:a16="http://schemas.microsoft.com/office/drawing/2014/main" id="{616CDDFC-8757-2D81-CCD4-EF93FD001192}"/>
+              </a:ext>
+            </a:extLst>
+          </p:cNvPr>
+          <p:cNvSpPr/>
           <p:nvPr/>
         </p:nvSpPr>
-        <p:spPr bwMode="auto">
-          <a:xfrm>
-            <a:off x="5171902" y="1456376"/>
-            <a:ext cx="3256481" cy="2834318"/>
+        <p:spPr>
+          <a:xfrm>
+            <a:off x="986821" y="2229322"/>
+            <a:ext cx="1362784" cy="914400"/>
           </a:xfrm>
           <a:prstGeom prst="rect">
             <a:avLst/>
           </a:prstGeom>
-          <a:noFill/>
-          <a:ln>
-            <a:noFill/>
-          </a:ln>
-          <a:extLst>
-            <a:ext uri="{909E8E84-426E-40dd-AFC4-6F175D3DCCD1}">
-              <a14:hiddenFill xmlns="" xmlns:a14="http://schemas.microsoft.com/office/drawing/2010/main">
-                <a:solidFill>
-                  <a:srgbClr val="FFFFFF"/>
-                </a:solidFill>
-              </a14:hiddenFill>
-            </a:ext>
-            <a:ext uri="{91240B29-F687-4f45-9708-019B960494DF}">
-              <a14:hiddenLine xmlns="" xmlns:a14="http://schemas.microsoft.com/office/drawing/2010/main" w="12700" cap="flat">
-                <a:solidFill>
-                  <a:schemeClr val="tx1"/>
-                </a:solidFill>
-                <a:miter lim="800000"/>
-                <a:headEnd type="none" w="med" len="med"/>
-                <a:tailEnd type="none" w="med" len="med"/>
-              </a14:hiddenLine>
-            </a:ext>
-          </a:extLst>
-        </p:spPr>
-        <p:txBody>
-          <a:bodyPr lIns="0" tIns="0" rIns="0" bIns="0" anchor="t"/>
+          <a:solidFill>
+            <a:schemeClr val="accent2">
+              <a:lumMod val="50000"/>
+            </a:schemeClr>
+          </a:solidFill>
+        </p:spPr>
+        <p:style>
+          <a:lnRef idx="2">
+            <a:schemeClr val="accent1">
+              <a:shade val="15000"/>
+            </a:schemeClr>
+          </a:lnRef>
+          <a:fillRef idx="1">
+            <a:schemeClr val="accent1"/>
+          </a:fillRef>
+          <a:effectRef idx="0">
+            <a:schemeClr val="accent1"/>
+          </a:effectRef>
+          <a:fontRef idx="minor">
+            <a:schemeClr val="lt1"/>
+          </a:fontRef>
+        </p:style>
+        <p:txBody>
+          <a:bodyPr rtlCol="0" anchor="ctr"/>
           <a:lstStyle/>
           <a:p>
-            <a:endParaRPr lang="en-US" sz="1800" dirty="0">
-              <a:ea typeface="ＭＳ Ｐゴシック" charset="0"/>
-              <a:cs typeface="Lato Light" charset="0"/>
-              <a:sym typeface="Lato Light" charset="0"/>
-            </a:endParaRPr>
-          </a:p>
-        </p:txBody>
-      </p:sp>
-      <p:sp>
-        <p:nvSpPr>
-          <p:cNvPr id="15" name="Title 14">
+            <a:pPr algn="ctr"/>
+            <a:r>
+              <a:rPr lang="en-US" dirty="0"/>
+              <a:t>CRD</a:t>
+            </a:r>
+          </a:p>
+        </p:txBody>
+      </p:sp>
+      <p:sp>
+        <p:nvSpPr>
+          <p:cNvPr id="8" name="Rectangle 7">
             <a:extLst>
               <a:ext uri="{FF2B5EF4-FFF2-40B4-BE49-F238E27FC236}">
-                <a16:creationId xmlns:a16="http://schemas.microsoft.com/office/drawing/2014/main" id="{AC70AFF7-D39C-1B45-8E56-844E670FBDCF}"/>
+                <a16:creationId xmlns:a16="http://schemas.microsoft.com/office/drawing/2014/main" id="{9C0810A1-17FB-DA37-C9B8-97D70288E5F0}"/>
               </a:ext>
             </a:extLst>
           </p:cNvPr>
-          <p:cNvSpPr>
-            <a:spLocks noGrp="1"/>
-          </p:cNvSpPr>
-          <p:nvPr>
-            <p:ph type="title"/>
-          </p:nvPr>
-        </p:nvSpPr>
-        <p:spPr>
-          <a:xfrm>
-            <a:off x="1122018" y="219808"/>
-            <a:ext cx="7647210" cy="638313"/>
-          </a:xfrm>
-        </p:spPr>
-        <p:txBody>
-          <a:bodyPr/>
+          <p:cNvSpPr/>
+          <p:nvPr/>
+        </p:nvSpPr>
+        <p:spPr>
+          <a:xfrm>
+            <a:off x="5475064" y="2229322"/>
+            <a:ext cx="914400" cy="914400"/>
+          </a:xfrm>
+          <a:prstGeom prst="rect">
+            <a:avLst/>
+          </a:prstGeom>
+          <a:solidFill>
+            <a:schemeClr val="bg1">
+              <a:lumMod val="75000"/>
+            </a:schemeClr>
+          </a:solidFill>
+        </p:spPr>
+        <p:style>
+          <a:lnRef idx="2">
+            <a:schemeClr val="accent1">
+              <a:shade val="15000"/>
+            </a:schemeClr>
+          </a:lnRef>
+          <a:fillRef idx="1">
+            <a:schemeClr val="accent1"/>
+          </a:fillRef>
+          <a:effectRef idx="0">
+            <a:schemeClr val="accent1"/>
+          </a:effectRef>
+          <a:fontRef idx="minor">
+            <a:schemeClr val="lt1"/>
+          </a:fontRef>
+        </p:style>
+        <p:txBody>
+          <a:bodyPr rtlCol="0" anchor="ctr"/>
           <a:lstStyle/>
           <a:p>
+            <a:pPr algn="ctr"/>
             <a:r>
               <a:rPr lang="en-US" dirty="0"/>
-              <a:t>CRD vs </a:t>
-            </a:r>
-            <a:r>
-              <a:rPr lang="en-US" dirty="0" err="1"/>
-              <a:t>APIService</a:t>
-            </a:r>
-            <a:endParaRPr lang="en-US" dirty="0"/>
-          </a:p>
-        </p:txBody>
-      </p:sp>
-      <p:pic>
-        <p:nvPicPr>
-          <p:cNvPr id="4" name="Picture 3" descr="A blue hexagon with white and blue gears&#10;&#10;Description automatically generated">
+              <a:t>Pod</a:t>
+            </a:r>
+          </a:p>
+        </p:txBody>
+      </p:sp>
+      <p:sp>
+        <p:nvSpPr>
+          <p:cNvPr id="9" name="Rectangle 8">
             <a:extLst>
               <a:ext uri="{FF2B5EF4-FFF2-40B4-BE49-F238E27FC236}">
-                <a16:creationId xmlns:a16="http://schemas.microsoft.com/office/drawing/2014/main" id="{E3D5D9D7-1E4A-870B-BEC3-4F2878358332}"/>
+                <a16:creationId xmlns:a16="http://schemas.microsoft.com/office/drawing/2014/main" id="{879D17D9-D411-C9CE-0197-6514C17EEDD7}"/>
               </a:ext>
             </a:extLst>
           </p:cNvPr>
-          <p:cNvPicPr>
-            <a:picLocks noChangeAspect="1"/>
-          </p:cNvPicPr>
+          <p:cNvSpPr/>
           <p:nvPr/>
-        </p:nvPicPr>
-        <p:blipFill>
-          <a:blip r:embed="rId4"/>
-          <a:stretch>
-            <a:fillRect/>
-          </a:stretch>
-        </p:blipFill>
-        <p:spPr>
-          <a:xfrm>
-            <a:off x="309217" y="172437"/>
-            <a:ext cx="812800" cy="787400"/>
+        </p:nvSpPr>
+        <p:spPr>
+          <a:xfrm>
+            <a:off x="3774970" y="2229322"/>
+            <a:ext cx="1031534" cy="914400"/>
           </a:xfrm>
           <a:prstGeom prst="rect">
             <a:avLst/>
           </a:prstGeom>
-        </p:spPr>
-      </p:pic>
-      <p:sp>
-        <p:nvSpPr>
-          <p:cNvPr id="2" name="TextBox 1">
+          <a:solidFill>
+            <a:schemeClr val="accent6"/>
+          </a:solidFill>
+        </p:spPr>
+        <p:style>
+          <a:lnRef idx="2">
+            <a:schemeClr val="accent1">
+              <a:shade val="15000"/>
+            </a:schemeClr>
+          </a:lnRef>
+          <a:fillRef idx="1">
+            <a:schemeClr val="accent1"/>
+          </a:fillRef>
+          <a:effectRef idx="0">
+            <a:schemeClr val="accent1"/>
+          </a:effectRef>
+          <a:fontRef idx="minor">
+            <a:schemeClr val="lt1"/>
+          </a:fontRef>
+        </p:style>
+        <p:txBody>
+          <a:bodyPr rtlCol="0" anchor="ctr"/>
+          <a:lstStyle/>
+          <a:p>
+            <a:pPr algn="ctr"/>
+            <a:r>
+              <a:rPr lang="en-US" dirty="0" err="1"/>
+              <a:t>APIService</a:t>
+            </a:r>
+            <a:endParaRPr lang="en-US" dirty="0"/>
+          </a:p>
+        </p:txBody>
+      </p:sp>
+      <p:sp>
+        <p:nvSpPr>
+          <p:cNvPr id="10" name="Rectangle 9">
             <a:extLst>
               <a:ext uri="{FF2B5EF4-FFF2-40B4-BE49-F238E27FC236}">
-                <a16:creationId xmlns:a16="http://schemas.microsoft.com/office/drawing/2014/main" id="{1B78DE54-7DAD-7CEC-212E-5788A6E678D6}"/>
+                <a16:creationId xmlns:a16="http://schemas.microsoft.com/office/drawing/2014/main" id="{E837667A-2CDB-566F-FD0C-0A12C1075B25}"/>
               </a:ext>
             </a:extLst>
           </p:cNvPr>
-          <p:cNvSpPr txBox="1"/>
+          <p:cNvSpPr/>
           <p:nvPr/>
         </p:nvSpPr>
         <p:spPr>
           <a:xfrm>
-            <a:off x="634711" y="1456012"/>
-            <a:ext cx="5127366" cy="1200329"/>
+            <a:off x="7486650" y="2212499"/>
+            <a:ext cx="914400" cy="914400"/>
           </a:xfrm>
           <a:prstGeom prst="rect">
             <a:avLst/>
           </a:prstGeom>
-          <a:noFill/>
-        </p:spPr>
-        <p:txBody>
-          <a:bodyPr wrap="none" rtlCol="0">
-            <a:spAutoFit/>
-          </a:bodyPr>
+          <a:solidFill>
+            <a:schemeClr val="accent2"/>
+          </a:solidFill>
+        </p:spPr>
+        <p:style>
+          <a:lnRef idx="2">
+            <a:schemeClr val="accent1">
+              <a:shade val="15000"/>
+            </a:schemeClr>
+          </a:lnRef>
+          <a:fillRef idx="1">
+            <a:schemeClr val="accent1"/>
+          </a:fillRef>
+          <a:effectRef idx="0">
+            <a:schemeClr val="accent1"/>
+          </a:effectRef>
+          <a:fontRef idx="minor">
+            <a:schemeClr val="lt1"/>
+          </a:fontRef>
+        </p:style>
+        <p:txBody>
+          <a:bodyPr rtlCol="0" anchor="ctr"/>
           <a:lstStyle/>
           <a:p>
-            <a:r>
-              <a:rPr lang="en-US" sz="2400" dirty="0">
-                <a:solidFill>
-                  <a:srgbClr val="7030A0"/>
-                </a:solidFill>
-              </a:rPr>
-              <a:t>API endpoints are added automatically.</a:t>
-            </a:r>
-          </a:p>
-          <a:p>
-            <a:endParaRPr lang="en-US" sz="2400" dirty="0">
-              <a:solidFill>
-                <a:srgbClr val="7030A0"/>
-              </a:solidFill>
-            </a:endParaRPr>
-          </a:p>
-          <a:p>
-            <a:r>
-              <a:rPr lang="en-US" sz="2400" dirty="0">
-                <a:solidFill>
-                  <a:srgbClr val="7030A0"/>
-                </a:solidFill>
-              </a:rPr>
-              <a:t>An endpoint URL is not important</a:t>
-            </a:r>
-          </a:p>
-        </p:txBody>
-      </p:sp>
+            <a:pPr algn="ctr"/>
+            <a:r>
+              <a:rPr lang="en-US" dirty="0"/>
+              <a:t>…</a:t>
+            </a:r>
+          </a:p>
+        </p:txBody>
+      </p:sp>
+      <p:cxnSp>
+        <p:nvCxnSpPr>
+          <p:cNvPr id="12" name="Straight Arrow Connector 11">
+            <a:extLst>
+              <a:ext uri="{FF2B5EF4-FFF2-40B4-BE49-F238E27FC236}">
+                <a16:creationId xmlns:a16="http://schemas.microsoft.com/office/drawing/2014/main" id="{576CB856-46A5-E4D3-1211-8FEEEEC8FE40}"/>
+              </a:ext>
+            </a:extLst>
+          </p:cNvPr>
+          <p:cNvCxnSpPr>
+            <a:cxnSpLocks/>
+            <a:stCxn id="6" idx="2"/>
+            <a:endCxn id="7" idx="0"/>
+          </p:cNvCxnSpPr>
+          <p:nvPr/>
+        </p:nvCxnSpPr>
+        <p:spPr>
+          <a:xfrm flipH="1">
+            <a:off x="1668213" y="1766145"/>
+            <a:ext cx="2760204" cy="463177"/>
+          </a:xfrm>
+          <a:prstGeom prst="straightConnector1">
+            <a:avLst/>
+          </a:prstGeom>
+          <a:ln>
+            <a:tailEnd type="triangle"/>
+          </a:ln>
+        </p:spPr>
+        <p:style>
+          <a:lnRef idx="1">
+            <a:schemeClr val="accent1"/>
+          </a:lnRef>
+          <a:fillRef idx="0">
+            <a:schemeClr val="accent1"/>
+          </a:fillRef>
+          <a:effectRef idx="0">
+            <a:schemeClr val="accent1"/>
+          </a:effectRef>
+          <a:fontRef idx="minor">
+            <a:schemeClr val="tx1"/>
+          </a:fontRef>
+        </p:style>
+      </p:cxnSp>
+      <p:cxnSp>
+        <p:nvCxnSpPr>
+          <p:cNvPr id="13" name="Straight Arrow Connector 12">
+            <a:extLst>
+              <a:ext uri="{FF2B5EF4-FFF2-40B4-BE49-F238E27FC236}">
+                <a16:creationId xmlns:a16="http://schemas.microsoft.com/office/drawing/2014/main" id="{120C9E9C-2678-413F-B3A8-0150242F63D1}"/>
+              </a:ext>
+            </a:extLst>
+          </p:cNvPr>
+          <p:cNvCxnSpPr>
+            <a:cxnSpLocks/>
+            <a:stCxn id="6" idx="2"/>
+            <a:endCxn id="9" idx="0"/>
+          </p:cNvCxnSpPr>
+          <p:nvPr/>
+        </p:nvCxnSpPr>
+        <p:spPr>
+          <a:xfrm flipH="1">
+            <a:off x="4290737" y="1766145"/>
+            <a:ext cx="137680" cy="463177"/>
+          </a:xfrm>
+          <a:prstGeom prst="straightConnector1">
+            <a:avLst/>
+          </a:prstGeom>
+          <a:ln>
+            <a:tailEnd type="triangle"/>
+          </a:ln>
+        </p:spPr>
+        <p:style>
+          <a:lnRef idx="1">
+            <a:schemeClr val="accent1"/>
+          </a:lnRef>
+          <a:fillRef idx="0">
+            <a:schemeClr val="accent1"/>
+          </a:fillRef>
+          <a:effectRef idx="0">
+            <a:schemeClr val="accent1"/>
+          </a:effectRef>
+          <a:fontRef idx="minor">
+            <a:schemeClr val="tx1"/>
+          </a:fontRef>
+        </p:style>
+      </p:cxnSp>
+      <p:cxnSp>
+        <p:nvCxnSpPr>
+          <p:cNvPr id="16" name="Straight Arrow Connector 15">
+            <a:extLst>
+              <a:ext uri="{FF2B5EF4-FFF2-40B4-BE49-F238E27FC236}">
+                <a16:creationId xmlns:a16="http://schemas.microsoft.com/office/drawing/2014/main" id="{51612A88-AE38-5B69-A067-2064881EA406}"/>
+              </a:ext>
+            </a:extLst>
+          </p:cNvPr>
+          <p:cNvCxnSpPr>
+            <a:cxnSpLocks/>
+            <a:stCxn id="6" idx="2"/>
+            <a:endCxn id="8" idx="0"/>
+          </p:cNvCxnSpPr>
+          <p:nvPr/>
+        </p:nvCxnSpPr>
+        <p:spPr>
+          <a:xfrm>
+            <a:off x="4428417" y="1766145"/>
+            <a:ext cx="1503847" cy="463177"/>
+          </a:xfrm>
+          <a:prstGeom prst="straightConnector1">
+            <a:avLst/>
+          </a:prstGeom>
+          <a:ln>
+            <a:tailEnd type="triangle"/>
+          </a:ln>
+        </p:spPr>
+        <p:style>
+          <a:lnRef idx="1">
+            <a:schemeClr val="accent1"/>
+          </a:lnRef>
+          <a:fillRef idx="0">
+            <a:schemeClr val="accent1"/>
+          </a:fillRef>
+          <a:effectRef idx="0">
+            <a:schemeClr val="accent1"/>
+          </a:effectRef>
+          <a:fontRef idx="minor">
+            <a:schemeClr val="tx1"/>
+          </a:fontRef>
+        </p:style>
+      </p:cxnSp>
+      <p:cxnSp>
+        <p:nvCxnSpPr>
+          <p:cNvPr id="19" name="Straight Arrow Connector 18">
+            <a:extLst>
+              <a:ext uri="{FF2B5EF4-FFF2-40B4-BE49-F238E27FC236}">
+                <a16:creationId xmlns:a16="http://schemas.microsoft.com/office/drawing/2014/main" id="{4B751260-CC59-AE43-5691-0A19FFBEB545}"/>
+              </a:ext>
+            </a:extLst>
+          </p:cNvPr>
+          <p:cNvCxnSpPr>
+            <a:cxnSpLocks/>
+            <a:stCxn id="6" idx="2"/>
+          </p:cNvCxnSpPr>
+          <p:nvPr/>
+        </p:nvCxnSpPr>
+        <p:spPr>
+          <a:xfrm>
+            <a:off x="4428417" y="1766145"/>
+            <a:ext cx="3377990" cy="446354"/>
+          </a:xfrm>
+          <a:prstGeom prst="straightConnector1">
+            <a:avLst/>
+          </a:prstGeom>
+          <a:ln>
+            <a:tailEnd type="triangle"/>
+          </a:ln>
+        </p:spPr>
+        <p:style>
+          <a:lnRef idx="1">
+            <a:schemeClr val="accent1"/>
+          </a:lnRef>
+          <a:fillRef idx="0">
+            <a:schemeClr val="accent1"/>
+          </a:fillRef>
+          <a:effectRef idx="0">
+            <a:schemeClr val="accent1"/>
+          </a:effectRef>
+          <a:fontRef idx="minor">
+            <a:schemeClr val="tx1"/>
+          </a:fontRef>
+        </p:style>
+      </p:cxnSp>
+      <p:sp>
+        <p:nvSpPr>
+          <p:cNvPr id="23" name="Rectangle 22">
+            <a:extLst>
+              <a:ext uri="{FF2B5EF4-FFF2-40B4-BE49-F238E27FC236}">
+                <a16:creationId xmlns:a16="http://schemas.microsoft.com/office/drawing/2014/main" id="{85A900C2-B38D-9049-3236-84EBC2D1CF62}"/>
+              </a:ext>
+            </a:extLst>
+          </p:cNvPr>
+          <p:cNvSpPr/>
+          <p:nvPr/>
+        </p:nvSpPr>
+        <p:spPr>
+          <a:xfrm>
+            <a:off x="836940" y="3454819"/>
+            <a:ext cx="1662545" cy="914400"/>
+          </a:xfrm>
+          <a:prstGeom prst="rect">
+            <a:avLst/>
+          </a:prstGeom>
+          <a:solidFill>
+            <a:schemeClr val="accent2">
+              <a:lumMod val="75000"/>
+            </a:schemeClr>
+          </a:solidFill>
+        </p:spPr>
+        <p:style>
+          <a:lnRef idx="2">
+            <a:schemeClr val="accent1">
+              <a:shade val="15000"/>
+            </a:schemeClr>
+          </a:lnRef>
+          <a:fillRef idx="1">
+            <a:schemeClr val="accent1"/>
+          </a:fillRef>
+          <a:effectRef idx="0">
+            <a:schemeClr val="accent1"/>
+          </a:effectRef>
+          <a:fontRef idx="minor">
+            <a:schemeClr val="lt1"/>
+          </a:fontRef>
+        </p:style>
+        <p:txBody>
+          <a:bodyPr rtlCol="0" anchor="ctr"/>
+          <a:lstStyle/>
+          <a:p>
+            <a:pPr algn="ctr"/>
+            <a:r>
+              <a:rPr lang="en-US" dirty="0" err="1"/>
+              <a:t>MyCustomResource</a:t>
+            </a:r>
+            <a:endParaRPr lang="en-US" dirty="0"/>
+          </a:p>
+        </p:txBody>
+      </p:sp>
+      <p:cxnSp>
+        <p:nvCxnSpPr>
+          <p:cNvPr id="28" name="Straight Arrow Connector 27">
+            <a:extLst>
+              <a:ext uri="{FF2B5EF4-FFF2-40B4-BE49-F238E27FC236}">
+                <a16:creationId xmlns:a16="http://schemas.microsoft.com/office/drawing/2014/main" id="{0354D5D8-3DEE-3BCF-5901-05CBBC4BE20F}"/>
+              </a:ext>
+            </a:extLst>
+          </p:cNvPr>
+          <p:cNvCxnSpPr>
+            <a:cxnSpLocks/>
+            <a:stCxn id="6" idx="2"/>
+          </p:cNvCxnSpPr>
+          <p:nvPr/>
+        </p:nvCxnSpPr>
+        <p:spPr>
+          <a:xfrm flipH="1">
+            <a:off x="1922475" y="1766145"/>
+            <a:ext cx="2505942" cy="1688674"/>
+          </a:xfrm>
+          <a:prstGeom prst="straightConnector1">
+            <a:avLst/>
+          </a:prstGeom>
+          <a:ln>
+            <a:tailEnd type="triangle"/>
+          </a:ln>
+        </p:spPr>
+        <p:style>
+          <a:lnRef idx="1">
+            <a:schemeClr val="accent1"/>
+          </a:lnRef>
+          <a:fillRef idx="0">
+            <a:schemeClr val="accent1"/>
+          </a:fillRef>
+          <a:effectRef idx="0">
+            <a:schemeClr val="accent1"/>
+          </a:effectRef>
+          <a:fontRef idx="minor">
+            <a:schemeClr val="tx1"/>
+          </a:fontRef>
+        </p:style>
+      </p:cxnSp>
+      <p:cxnSp>
+        <p:nvCxnSpPr>
+          <p:cNvPr id="32" name="Straight Arrow Connector 31">
+            <a:extLst>
+              <a:ext uri="{FF2B5EF4-FFF2-40B4-BE49-F238E27FC236}">
+                <a16:creationId xmlns:a16="http://schemas.microsoft.com/office/drawing/2014/main" id="{D47E6305-62DF-0BD5-1409-363A77A1895A}"/>
+              </a:ext>
+            </a:extLst>
+          </p:cNvPr>
+          <p:cNvCxnSpPr>
+            <a:stCxn id="7" idx="2"/>
+            <a:endCxn id="23" idx="0"/>
+          </p:cNvCxnSpPr>
+          <p:nvPr/>
+        </p:nvCxnSpPr>
+        <p:spPr>
+          <a:xfrm>
+            <a:off x="1668213" y="3143722"/>
+            <a:ext cx="0" cy="311097"/>
+          </a:xfrm>
+          <a:prstGeom prst="straightConnector1">
+            <a:avLst/>
+          </a:prstGeom>
+          <a:ln w="19050" cap="flat" cmpd="sng" algn="ctr">
+            <a:solidFill>
+              <a:schemeClr val="accent1"/>
+            </a:solidFill>
+            <a:prstDash val="dash"/>
+            <a:round/>
+            <a:headEnd type="none" w="med" len="med"/>
+            <a:tailEnd type="none" w="med" len="med"/>
+          </a:ln>
+        </p:spPr>
+        <p:style>
+          <a:lnRef idx="0">
+            <a:scrgbClr r="0" g="0" b="0"/>
+          </a:lnRef>
+          <a:fillRef idx="0">
+            <a:scrgbClr r="0" g="0" b="0"/>
+          </a:fillRef>
+          <a:effectRef idx="0">
+            <a:scrgbClr r="0" g="0" b="0"/>
+          </a:effectRef>
+          <a:fontRef idx="minor">
+            <a:schemeClr val="tx1"/>
+          </a:fontRef>
+        </p:style>
+      </p:cxnSp>
     </p:spTree>
-    <p:custDataLst>
-      <p:tags r:id="rId1"/>
-    </p:custDataLst>
     <p:extLst>
       <p:ext uri="{BB962C8B-B14F-4D97-AF65-F5344CB8AC3E}">
-        <p14:creationId xmlns:p14="http://schemas.microsoft.com/office/powerpoint/2010/main" val="3386651893"/>
+        <p14:creationId xmlns:p14="http://schemas.microsoft.com/office/powerpoint/2010/main" val="1847537097"/>
       </p:ext>
     </p:extLst>
   </p:cSld>
@@ -17146,8 +18720,13 @@
           <a:p>
             <a:r>
               <a:rPr lang="en-US" dirty="0"/>
-              <a:t>CRD use case</a:t>
-            </a:r>
+              <a:t>CRD vs </a:t>
+            </a:r>
+            <a:r>
+              <a:rPr lang="en-US" dirty="0" err="1"/>
+              <a:t>APIService</a:t>
+            </a:r>
+            <a:endParaRPr lang="en-US" dirty="0"/>
           </a:p>
         </p:txBody>
       </p:sp>
@@ -17196,7 +18775,7 @@
         <p:spPr>
           <a:xfrm>
             <a:off x="634711" y="1456012"/>
-            <a:ext cx="7883697" cy="830997"/>
+            <a:ext cx="5065426" cy="1938992"/>
           </a:xfrm>
           <a:prstGeom prst="rect">
             <a:avLst/>
@@ -17209,31 +18788,47 @@
           </a:bodyPr>
           <a:lstStyle/>
           <a:p>
-            <a:pPr marL="342900" indent="-342900">
-              <a:buFont typeface="Arial" panose="020B0604020202020204" pitchFamily="34" charset="0"/>
-              <a:buChar char="•"/>
-            </a:pPr>
             <a:r>
               <a:rPr lang="en-US" sz="2400" dirty="0">
                 <a:solidFill>
                   <a:srgbClr val="7030A0"/>
                 </a:solidFill>
               </a:rPr>
-              <a:t>Extend/encapsulate resource management logic</a:t>
-            </a:r>
-          </a:p>
-          <a:p>
-            <a:pPr marL="342900" indent="-342900">
-              <a:buFont typeface="Arial" panose="020B0604020202020204" pitchFamily="34" charset="0"/>
-              <a:buChar char="•"/>
-            </a:pPr>
+              <a:t>API endpoints are added automatically.</a:t>
+            </a:r>
+          </a:p>
+          <a:p>
+            <a:endParaRPr lang="en-US" sz="2400" dirty="0">
+              <a:solidFill>
+                <a:srgbClr val="7030A0"/>
+              </a:solidFill>
+            </a:endParaRPr>
+          </a:p>
+          <a:p>
             <a:r>
               <a:rPr lang="en-US" sz="2400" dirty="0">
                 <a:solidFill>
                   <a:srgbClr val="7030A0"/>
                 </a:solidFill>
               </a:rPr>
-              <a:t>Create a custom workflow based on resource manipulation</a:t>
+              <a:t>An endpoint URL is not important.</a:t>
+            </a:r>
+          </a:p>
+          <a:p>
+            <a:endParaRPr lang="en-US" sz="2400" dirty="0">
+              <a:solidFill>
+                <a:srgbClr val="7030A0"/>
+              </a:solidFill>
+            </a:endParaRPr>
+          </a:p>
+          <a:p>
+            <a:r>
+              <a:rPr lang="en-US" sz="2400" dirty="0">
+                <a:solidFill>
+                  <a:srgbClr val="7030A0"/>
+                </a:solidFill>
+              </a:rPr>
+              <a:t>We add handlers.</a:t>
             </a:r>
           </a:p>
         </p:txBody>
@@ -17244,7 +18839,7 @@
     </p:custDataLst>
     <p:extLst>
       <p:ext uri="{BB962C8B-B14F-4D97-AF65-F5344CB8AC3E}">
-        <p14:creationId xmlns:p14="http://schemas.microsoft.com/office/powerpoint/2010/main" val="3164172849"/>
+        <p14:creationId xmlns:p14="http://schemas.microsoft.com/office/powerpoint/2010/main" val="3386651893"/>
       </p:ext>
     </p:extLst>
   </p:cSld>
@@ -17402,7 +18997,7 @@
           <a:p>
             <a:r>
               <a:rPr lang="en-US" dirty="0"/>
-              <a:t>CRD use case: Prometheus operator</a:t>
+              <a:t>CRD use case</a:t>
             </a:r>
           </a:p>
         </p:txBody>
@@ -17451,8 +19046,8 @@
         </p:nvSpPr>
         <p:spPr>
           <a:xfrm>
-            <a:off x="1186791" y="704205"/>
-            <a:ext cx="4910319" cy="3939540"/>
+            <a:off x="634711" y="1456012"/>
+            <a:ext cx="7883697" cy="830997"/>
           </a:xfrm>
           <a:prstGeom prst="rect">
             <a:avLst/>
@@ -17465,418 +19060,42 @@
           </a:bodyPr>
           <a:lstStyle/>
           <a:p>
-            <a:r>
-              <a:rPr lang="en-US" sz="1000" dirty="0">
-                <a:latin typeface="Consolas" panose="020B0609020204030204" pitchFamily="49" charset="0"/>
-                <a:cs typeface="Consolas" panose="020B0609020204030204" pitchFamily="49" charset="0"/>
-              </a:rPr>
-              <a:t>…</a:t>
-            </a:r>
-          </a:p>
-          <a:p>
-            <a:endParaRPr lang="en-US" sz="1000" dirty="0">
-              <a:latin typeface="Consolas" panose="020B0609020204030204" pitchFamily="49" charset="0"/>
-              <a:cs typeface="Consolas" panose="020B0609020204030204" pitchFamily="49" charset="0"/>
-            </a:endParaRPr>
-          </a:p>
-          <a:p>
-            <a:r>
-              <a:rPr lang="en-US" sz="1000" dirty="0" err="1">
-                <a:latin typeface="Consolas" panose="020B0609020204030204" pitchFamily="49" charset="0"/>
-                <a:cs typeface="Consolas" panose="020B0609020204030204" pitchFamily="49" charset="0"/>
-              </a:rPr>
-              <a:t>scrape_configs</a:t>
-            </a:r>
-            <a:r>
-              <a:rPr lang="en-US" sz="1000" dirty="0">
-                <a:latin typeface="Consolas" panose="020B0609020204030204" pitchFamily="49" charset="0"/>
-                <a:cs typeface="Consolas" panose="020B0609020204030204" pitchFamily="49" charset="0"/>
-              </a:rPr>
-              <a:t>:</a:t>
-            </a:r>
-          </a:p>
-          <a:p>
-            <a:r>
-              <a:rPr lang="en-US" sz="1000" dirty="0">
-                <a:latin typeface="Consolas" panose="020B0609020204030204" pitchFamily="49" charset="0"/>
-                <a:cs typeface="Consolas" panose="020B0609020204030204" pitchFamily="49" charset="0"/>
-              </a:rPr>
-              <a:t>  # Scrape Prometheus itself</a:t>
-            </a:r>
-          </a:p>
-          <a:p>
-            <a:r>
-              <a:rPr lang="en-US" sz="1000" dirty="0">
-                <a:latin typeface="Consolas" panose="020B0609020204030204" pitchFamily="49" charset="0"/>
-                <a:cs typeface="Consolas" panose="020B0609020204030204" pitchFamily="49" charset="0"/>
-              </a:rPr>
-              <a:t>  - </a:t>
-            </a:r>
-            <a:r>
-              <a:rPr lang="en-US" sz="1000" dirty="0" err="1">
-                <a:latin typeface="Consolas" panose="020B0609020204030204" pitchFamily="49" charset="0"/>
-                <a:cs typeface="Consolas" panose="020B0609020204030204" pitchFamily="49" charset="0"/>
-              </a:rPr>
-              <a:t>job_name</a:t>
-            </a:r>
-            <a:r>
-              <a:rPr lang="en-US" sz="1000" dirty="0">
-                <a:latin typeface="Consolas" panose="020B0609020204030204" pitchFamily="49" charset="0"/>
-                <a:cs typeface="Consolas" panose="020B0609020204030204" pitchFamily="49" charset="0"/>
-              </a:rPr>
-              <a:t>: '</a:t>
-            </a:r>
-            <a:r>
-              <a:rPr lang="en-US" sz="1000" dirty="0" err="1">
-                <a:latin typeface="Consolas" panose="020B0609020204030204" pitchFamily="49" charset="0"/>
-                <a:cs typeface="Consolas" panose="020B0609020204030204" pitchFamily="49" charset="0"/>
-              </a:rPr>
-              <a:t>prometheus</a:t>
-            </a:r>
-            <a:r>
-              <a:rPr lang="en-US" sz="1000" dirty="0">
-                <a:latin typeface="Consolas" panose="020B0609020204030204" pitchFamily="49" charset="0"/>
-                <a:cs typeface="Consolas" panose="020B0609020204030204" pitchFamily="49" charset="0"/>
-              </a:rPr>
-              <a:t>'</a:t>
-            </a:r>
-          </a:p>
-          <a:p>
-            <a:r>
-              <a:rPr lang="en-US" sz="1000" dirty="0">
-                <a:latin typeface="Consolas" panose="020B0609020204030204" pitchFamily="49" charset="0"/>
-                <a:cs typeface="Consolas" panose="020B0609020204030204" pitchFamily="49" charset="0"/>
-              </a:rPr>
-              <a:t>    </a:t>
-            </a:r>
-            <a:r>
-              <a:rPr lang="en-US" sz="1000" dirty="0" err="1">
-                <a:latin typeface="Consolas" panose="020B0609020204030204" pitchFamily="49" charset="0"/>
-                <a:cs typeface="Consolas" panose="020B0609020204030204" pitchFamily="49" charset="0"/>
-              </a:rPr>
-              <a:t>static_configs</a:t>
-            </a:r>
-            <a:r>
-              <a:rPr lang="en-US" sz="1000" dirty="0">
-                <a:latin typeface="Consolas" panose="020B0609020204030204" pitchFamily="49" charset="0"/>
-                <a:cs typeface="Consolas" panose="020B0609020204030204" pitchFamily="49" charset="0"/>
-              </a:rPr>
-              <a:t>:</a:t>
-            </a:r>
-          </a:p>
-          <a:p>
-            <a:r>
-              <a:rPr lang="en-US" sz="1000" dirty="0">
-                <a:latin typeface="Consolas" panose="020B0609020204030204" pitchFamily="49" charset="0"/>
-                <a:cs typeface="Consolas" panose="020B0609020204030204" pitchFamily="49" charset="0"/>
-              </a:rPr>
-              <a:t>      - targets: ['localhost:9090’]</a:t>
-            </a:r>
-          </a:p>
-          <a:p>
-            <a:endParaRPr lang="en-US" sz="1000" dirty="0">
-              <a:latin typeface="Consolas" panose="020B0609020204030204" pitchFamily="49" charset="0"/>
-              <a:cs typeface="Consolas" panose="020B0609020204030204" pitchFamily="49" charset="0"/>
-            </a:endParaRPr>
-          </a:p>
-          <a:p>
-            <a:r>
-              <a:rPr lang="en-US" sz="1000" dirty="0">
-                <a:latin typeface="Consolas" panose="020B0609020204030204" pitchFamily="49" charset="0"/>
-                <a:cs typeface="Consolas" panose="020B0609020204030204" pitchFamily="49" charset="0"/>
-              </a:rPr>
-              <a:t>- </a:t>
-            </a:r>
-            <a:r>
-              <a:rPr lang="en-US" sz="1000" dirty="0" err="1">
-                <a:latin typeface="Consolas" panose="020B0609020204030204" pitchFamily="49" charset="0"/>
-                <a:cs typeface="Consolas" panose="020B0609020204030204" pitchFamily="49" charset="0"/>
-              </a:rPr>
-              <a:t>job_name</a:t>
-            </a:r>
-            <a:r>
-              <a:rPr lang="en-US" sz="1000" dirty="0">
-                <a:latin typeface="Consolas" panose="020B0609020204030204" pitchFamily="49" charset="0"/>
-                <a:cs typeface="Consolas" panose="020B0609020204030204" pitchFamily="49" charset="0"/>
-              </a:rPr>
-              <a:t>: 'static-targets'</a:t>
-            </a:r>
-          </a:p>
-          <a:p>
-            <a:r>
-              <a:rPr lang="en-US" sz="1000" dirty="0">
-                <a:latin typeface="Consolas" panose="020B0609020204030204" pitchFamily="49" charset="0"/>
-                <a:cs typeface="Consolas" panose="020B0609020204030204" pitchFamily="49" charset="0"/>
-              </a:rPr>
-              <a:t>    </a:t>
-            </a:r>
-            <a:r>
-              <a:rPr lang="en-US" sz="1000" dirty="0" err="1">
-                <a:latin typeface="Consolas" panose="020B0609020204030204" pitchFamily="49" charset="0"/>
-                <a:cs typeface="Consolas" panose="020B0609020204030204" pitchFamily="49" charset="0"/>
-              </a:rPr>
-              <a:t>static_configs</a:t>
-            </a:r>
-            <a:r>
-              <a:rPr lang="en-US" sz="1000" dirty="0">
-                <a:latin typeface="Consolas" panose="020B0609020204030204" pitchFamily="49" charset="0"/>
-                <a:cs typeface="Consolas" panose="020B0609020204030204" pitchFamily="49" charset="0"/>
-              </a:rPr>
-              <a:t>:</a:t>
-            </a:r>
-          </a:p>
-          <a:p>
-            <a:r>
-              <a:rPr lang="en-US" sz="1000" dirty="0">
-                <a:latin typeface="Consolas" panose="020B0609020204030204" pitchFamily="49" charset="0"/>
-                <a:cs typeface="Consolas" panose="020B0609020204030204" pitchFamily="49" charset="0"/>
-              </a:rPr>
-              <a:t>      - targets: ['192.168.1.1:9100', '192.168.1.2:9100']</a:t>
-            </a:r>
-          </a:p>
-          <a:p>
-            <a:r>
-              <a:rPr lang="en-US" sz="1000" dirty="0">
-                <a:latin typeface="Consolas" panose="020B0609020204030204" pitchFamily="49" charset="0"/>
-                <a:cs typeface="Consolas" panose="020B0609020204030204" pitchFamily="49" charset="0"/>
-              </a:rPr>
-              <a:t>        labels:</a:t>
-            </a:r>
-          </a:p>
-          <a:p>
-            <a:r>
-              <a:rPr lang="en-US" sz="1000" dirty="0">
-                <a:latin typeface="Consolas" panose="020B0609020204030204" pitchFamily="49" charset="0"/>
-                <a:cs typeface="Consolas" panose="020B0609020204030204" pitchFamily="49" charset="0"/>
-              </a:rPr>
-              <a:t>          environment: 'production'</a:t>
-            </a:r>
-          </a:p>
-          <a:p>
-            <a:r>
-              <a:rPr lang="en-US" sz="1000" dirty="0">
-                <a:latin typeface="Consolas" panose="020B0609020204030204" pitchFamily="49" charset="0"/>
-                <a:cs typeface="Consolas" panose="020B0609020204030204" pitchFamily="49" charset="0"/>
-              </a:rPr>
-              <a:t>          group: 'servers'</a:t>
-            </a:r>
-          </a:p>
-          <a:p>
-            <a:endParaRPr lang="en-US" sz="1000" dirty="0">
-              <a:latin typeface="Consolas" panose="020B0609020204030204" pitchFamily="49" charset="0"/>
-              <a:cs typeface="Consolas" panose="020B0609020204030204" pitchFamily="49" charset="0"/>
-            </a:endParaRPr>
-          </a:p>
-          <a:p>
-            <a:r>
-              <a:rPr lang="en-US" sz="1000" dirty="0">
-                <a:latin typeface="Consolas" panose="020B0609020204030204" pitchFamily="49" charset="0"/>
-                <a:cs typeface="Consolas" panose="020B0609020204030204" pitchFamily="49" charset="0"/>
-              </a:rPr>
-              <a:t>  # Example of scraping dynamic targets using DNS service discovery</a:t>
-            </a:r>
-          </a:p>
-          <a:p>
-            <a:r>
-              <a:rPr lang="en-US" sz="1000" dirty="0">
-                <a:latin typeface="Consolas" panose="020B0609020204030204" pitchFamily="49" charset="0"/>
-                <a:cs typeface="Consolas" panose="020B0609020204030204" pitchFamily="49" charset="0"/>
-              </a:rPr>
-              <a:t>  - </a:t>
-            </a:r>
-            <a:r>
-              <a:rPr lang="en-US" sz="1000" dirty="0" err="1">
-                <a:latin typeface="Consolas" panose="020B0609020204030204" pitchFamily="49" charset="0"/>
-                <a:cs typeface="Consolas" panose="020B0609020204030204" pitchFamily="49" charset="0"/>
-              </a:rPr>
-              <a:t>job_name</a:t>
-            </a:r>
-            <a:r>
-              <a:rPr lang="en-US" sz="1000" dirty="0">
-                <a:latin typeface="Consolas" panose="020B0609020204030204" pitchFamily="49" charset="0"/>
-                <a:cs typeface="Consolas" panose="020B0609020204030204" pitchFamily="49" charset="0"/>
-              </a:rPr>
-              <a:t>: '</a:t>
-            </a:r>
-            <a:r>
-              <a:rPr lang="en-US" sz="1000" dirty="0" err="1">
-                <a:latin typeface="Consolas" panose="020B0609020204030204" pitchFamily="49" charset="0"/>
-                <a:cs typeface="Consolas" panose="020B0609020204030204" pitchFamily="49" charset="0"/>
-              </a:rPr>
-              <a:t>dns</a:t>
-            </a:r>
-            <a:r>
-              <a:rPr lang="en-US" sz="1000" dirty="0">
-                <a:latin typeface="Consolas" panose="020B0609020204030204" pitchFamily="49" charset="0"/>
-                <a:cs typeface="Consolas" panose="020B0609020204030204" pitchFamily="49" charset="0"/>
-              </a:rPr>
-              <a:t>-</a:t>
-            </a:r>
-            <a:r>
-              <a:rPr lang="en-US" sz="1000" dirty="0" err="1">
-                <a:latin typeface="Consolas" panose="020B0609020204030204" pitchFamily="49" charset="0"/>
-                <a:cs typeface="Consolas" panose="020B0609020204030204" pitchFamily="49" charset="0"/>
-              </a:rPr>
-              <a:t>sd</a:t>
-            </a:r>
-            <a:r>
-              <a:rPr lang="en-US" sz="1000" dirty="0">
-                <a:latin typeface="Consolas" panose="020B0609020204030204" pitchFamily="49" charset="0"/>
-                <a:cs typeface="Consolas" panose="020B0609020204030204" pitchFamily="49" charset="0"/>
-              </a:rPr>
-              <a:t>-targets'</a:t>
-            </a:r>
-          </a:p>
-          <a:p>
-            <a:r>
-              <a:rPr lang="en-US" sz="1000" dirty="0">
-                <a:latin typeface="Consolas" panose="020B0609020204030204" pitchFamily="49" charset="0"/>
-                <a:cs typeface="Consolas" panose="020B0609020204030204" pitchFamily="49" charset="0"/>
-              </a:rPr>
-              <a:t>    </a:t>
-            </a:r>
-            <a:r>
-              <a:rPr lang="en-US" sz="1000" dirty="0" err="1">
-                <a:latin typeface="Consolas" panose="020B0609020204030204" pitchFamily="49" charset="0"/>
-                <a:cs typeface="Consolas" panose="020B0609020204030204" pitchFamily="49" charset="0"/>
-              </a:rPr>
-              <a:t>dns_sd_configs</a:t>
-            </a:r>
-            <a:r>
-              <a:rPr lang="en-US" sz="1000" dirty="0">
-                <a:latin typeface="Consolas" panose="020B0609020204030204" pitchFamily="49" charset="0"/>
-                <a:cs typeface="Consolas" panose="020B0609020204030204" pitchFamily="49" charset="0"/>
-              </a:rPr>
-              <a:t>:</a:t>
-            </a:r>
-          </a:p>
-          <a:p>
-            <a:r>
-              <a:rPr lang="en-US" sz="1000" dirty="0">
-                <a:latin typeface="Consolas" panose="020B0609020204030204" pitchFamily="49" charset="0"/>
-                <a:cs typeface="Consolas" panose="020B0609020204030204" pitchFamily="49" charset="0"/>
-              </a:rPr>
-              <a:t>      - names:</a:t>
-            </a:r>
-          </a:p>
-          <a:p>
-            <a:r>
-              <a:rPr lang="en-US" sz="1000" dirty="0">
-                <a:latin typeface="Consolas" panose="020B0609020204030204" pitchFamily="49" charset="0"/>
-                <a:cs typeface="Consolas" panose="020B0609020204030204" pitchFamily="49" charset="0"/>
-              </a:rPr>
-              <a:t>          - '</a:t>
-            </a:r>
-            <a:r>
-              <a:rPr lang="en-US" sz="1000" dirty="0" err="1">
-                <a:latin typeface="Consolas" panose="020B0609020204030204" pitchFamily="49" charset="0"/>
-                <a:cs typeface="Consolas" panose="020B0609020204030204" pitchFamily="49" charset="0"/>
-              </a:rPr>
-              <a:t>tasks.example.com</a:t>
-            </a:r>
-            <a:r>
-              <a:rPr lang="en-US" sz="1000" dirty="0">
-                <a:latin typeface="Consolas" panose="020B0609020204030204" pitchFamily="49" charset="0"/>
-                <a:cs typeface="Consolas" panose="020B0609020204030204" pitchFamily="49" charset="0"/>
-              </a:rPr>
-              <a:t>'</a:t>
-            </a:r>
-          </a:p>
-          <a:p>
-            <a:r>
-              <a:rPr lang="en-US" sz="1000" dirty="0">
-                <a:latin typeface="Consolas" panose="020B0609020204030204" pitchFamily="49" charset="0"/>
-                <a:cs typeface="Consolas" panose="020B0609020204030204" pitchFamily="49" charset="0"/>
-              </a:rPr>
-              <a:t>        type: 'A'</a:t>
-            </a:r>
-          </a:p>
-          <a:p>
-            <a:r>
-              <a:rPr lang="en-US" sz="1000" dirty="0">
-                <a:latin typeface="Consolas" panose="020B0609020204030204" pitchFamily="49" charset="0"/>
-                <a:cs typeface="Consolas" panose="020B0609020204030204" pitchFamily="49" charset="0"/>
-              </a:rPr>
-              <a:t>        port: 9100</a:t>
-            </a:r>
-          </a:p>
-          <a:p>
-            <a:r>
-              <a:rPr lang="en-US" sz="1000" dirty="0">
-                <a:latin typeface="Consolas" panose="020B0609020204030204" pitchFamily="49" charset="0"/>
-                <a:cs typeface="Consolas" panose="020B0609020204030204" pitchFamily="49" charset="0"/>
-              </a:rPr>
-              <a:t>        </a:t>
-            </a:r>
-            <a:r>
-              <a:rPr lang="en-US" sz="1000" dirty="0" err="1">
-                <a:latin typeface="Consolas" panose="020B0609020204030204" pitchFamily="49" charset="0"/>
-                <a:cs typeface="Consolas" panose="020B0609020204030204" pitchFamily="49" charset="0"/>
-              </a:rPr>
-              <a:t>refresh_interval</a:t>
-            </a:r>
-            <a:r>
-              <a:rPr lang="en-US" sz="1000" dirty="0">
-                <a:latin typeface="Consolas" panose="020B0609020204030204" pitchFamily="49" charset="0"/>
-                <a:cs typeface="Consolas" panose="020B0609020204030204" pitchFamily="49" charset="0"/>
-              </a:rPr>
-              <a:t>: 30s</a:t>
-            </a:r>
-          </a:p>
-          <a:p>
-            <a:endParaRPr lang="en-US" sz="1000" dirty="0">
-              <a:latin typeface="Consolas" panose="020B0609020204030204" pitchFamily="49" charset="0"/>
-              <a:cs typeface="Consolas" panose="020B0609020204030204" pitchFamily="49" charset="0"/>
-            </a:endParaRPr>
-          </a:p>
-          <a:p>
-            <a:r>
-              <a:rPr lang="en-US" sz="1000" dirty="0">
-                <a:latin typeface="Consolas" panose="020B0609020204030204" pitchFamily="49" charset="0"/>
-                <a:cs typeface="Consolas" panose="020B0609020204030204" pitchFamily="49" charset="0"/>
-              </a:rPr>
-              <a:t>…</a:t>
-            </a:r>
-          </a:p>
-        </p:txBody>
-      </p:sp>
-      <p:pic>
-        <p:nvPicPr>
-          <p:cNvPr id="7" name="Picture 6" descr="A screen shot of a computer program&#10;&#10;Description automatically generated">
-            <a:extLst>
-              <a:ext uri="{FF2B5EF4-FFF2-40B4-BE49-F238E27FC236}">
-                <a16:creationId xmlns:a16="http://schemas.microsoft.com/office/drawing/2014/main" id="{23421F78-6D4F-C336-861A-B8E275B5132C}"/>
-              </a:ext>
-            </a:extLst>
-          </p:cNvPr>
-          <p:cNvPicPr>
-            <a:picLocks noChangeAspect="1"/>
-          </p:cNvPicPr>
-          <p:nvPr/>
-        </p:nvPicPr>
-        <p:blipFill>
-          <a:blip r:embed="rId5"/>
-          <a:stretch>
-            <a:fillRect/>
-          </a:stretch>
-        </p:blipFill>
-        <p:spPr>
-          <a:xfrm>
-            <a:off x="6180576" y="831405"/>
-            <a:ext cx="2836425" cy="2359269"/>
-          </a:xfrm>
-          <a:prstGeom prst="rect">
-            <a:avLst/>
-          </a:prstGeom>
-        </p:spPr>
-      </p:pic>
+            <a:pPr marL="342900" indent="-342900">
+              <a:buFont typeface="Arial" panose="020B0604020202020204" pitchFamily="34" charset="0"/>
+              <a:buChar char="•"/>
+            </a:pPr>
+            <a:r>
+              <a:rPr lang="en-US" sz="2400" dirty="0">
+                <a:solidFill>
+                  <a:srgbClr val="7030A0"/>
+                </a:solidFill>
+              </a:rPr>
+              <a:t>Create a custom workflow based on resource manipulation</a:t>
+            </a:r>
+          </a:p>
+          <a:p>
+            <a:pPr marL="342900" indent="-342900">
+              <a:buFont typeface="Arial" panose="020B0604020202020204" pitchFamily="34" charset="0"/>
+              <a:buChar char="•"/>
+            </a:pPr>
+            <a:r>
+              <a:rPr lang="en-US" sz="2400" dirty="0">
+                <a:solidFill>
+                  <a:srgbClr val="7030A0"/>
+                </a:solidFill>
+              </a:rPr>
+              <a:t>Extend/encapsulate functionality</a:t>
+            </a:r>
+          </a:p>
+        </p:txBody>
+      </p:sp>
     </p:spTree>
     <p:custDataLst>
       <p:tags r:id="rId1"/>
     </p:custDataLst>
     <p:extLst>
       <p:ext uri="{BB962C8B-B14F-4D97-AF65-F5344CB8AC3E}">
-        <p14:creationId xmlns:p14="http://schemas.microsoft.com/office/powerpoint/2010/main" val="3204712056"/>
+        <p14:creationId xmlns:p14="http://schemas.microsoft.com/office/powerpoint/2010/main" val="3164172849"/>
       </p:ext>
     </p:extLst>
   </p:cSld>
@@ -17925,14 +19144,14 @@
           </a:ln>
           <a:extLst>
             <a:ext uri="{909E8E84-426E-40dd-AFC4-6F175D3DCCD1}">
-              <a14:hiddenFill xmlns="" xmlns:a14="http://schemas.microsoft.com/office/drawing/2010/main">
+              <a14:hiddenFill xmlns:a14="http://schemas.microsoft.com/office/drawing/2010/main" xmlns="">
                 <a:solidFill>
                   <a:srgbClr val="FFFFFF"/>
                 </a:solidFill>
               </a14:hiddenFill>
             </a:ext>
             <a:ext uri="{91240B29-F687-4f45-9708-019B960494DF}">
-              <a14:hiddenLine xmlns="" xmlns:a14="http://schemas.microsoft.com/office/drawing/2010/main" w="12700" cap="flat">
+              <a14:hiddenLine xmlns:a14="http://schemas.microsoft.com/office/drawing/2010/main" xmlns="" w="12700" cap="flat">
                 <a:solidFill>
                   <a:schemeClr val="tx1"/>
                 </a:solidFill>
@@ -17976,14 +19195,14 @@
           </a:ln>
           <a:extLst>
             <a:ext uri="{909E8E84-426E-40dd-AFC4-6F175D3DCCD1}">
-              <a14:hiddenFill xmlns="" xmlns:a14="http://schemas.microsoft.com/office/drawing/2010/main">
+              <a14:hiddenFill xmlns:a14="http://schemas.microsoft.com/office/drawing/2010/main" xmlns="">
                 <a:solidFill>
                   <a:srgbClr val="FFFFFF"/>
                 </a:solidFill>
               </a14:hiddenFill>
             </a:ext>
             <a:ext uri="{91240B29-F687-4f45-9708-019B960494DF}">
-              <a14:hiddenLine xmlns="" xmlns:a14="http://schemas.microsoft.com/office/drawing/2010/main" w="12700" cap="flat">
+              <a14:hiddenLine xmlns:a14="http://schemas.microsoft.com/office/drawing/2010/main" xmlns="" w="12700" cap="flat">
                 <a:solidFill>
                   <a:schemeClr val="tx1"/>
                 </a:solidFill>
@@ -18034,7 +19253,7 @@
           <a:p>
             <a:r>
               <a:rPr lang="en-US" dirty="0"/>
-              <a:t>View CRD</a:t>
+              <a:t>CRD use case: Prometheus operator</a:t>
             </a:r>
           </a:p>
         </p:txBody>
@@ -18074,7 +19293,7 @@
           <p:cNvPr id="2" name="TextBox 1">
             <a:extLst>
               <a:ext uri="{FF2B5EF4-FFF2-40B4-BE49-F238E27FC236}">
-                <a16:creationId xmlns:a16="http://schemas.microsoft.com/office/drawing/2014/main" id="{33940E9E-4677-5B7F-B615-64BE1B2F9D8E}"/>
+                <a16:creationId xmlns:a16="http://schemas.microsoft.com/office/drawing/2014/main" id="{1B78DE54-7DAD-7CEC-212E-5788A6E678D6}"/>
               </a:ext>
             </a:extLst>
           </p:cNvPr>
@@ -18083,8 +19302,8 @@
         </p:nvSpPr>
         <p:spPr>
           <a:xfrm>
-            <a:off x="1125538" y="1480816"/>
-            <a:ext cx="3752950" cy="830997"/>
+            <a:off x="1186791" y="704205"/>
+            <a:ext cx="4910319" cy="3939540"/>
           </a:xfrm>
           <a:prstGeom prst="rect">
             <a:avLst/>
@@ -18098,73 +19317,417 @@
           <a:lstStyle/>
           <a:p>
             <a:r>
-              <a:rPr lang="en-US" sz="2400" dirty="0" err="1">
+              <a:rPr lang="en-US" sz="1000" dirty="0">
                 <a:latin typeface="Consolas" panose="020B0609020204030204" pitchFamily="49" charset="0"/>
                 <a:cs typeface="Consolas" panose="020B0609020204030204" pitchFamily="49" charset="0"/>
               </a:rPr>
-              <a:t>kubectl</a:t>
-            </a:r>
-            <a:r>
-              <a:rPr lang="en-US" sz="2400" dirty="0">
+              <a:t>…</a:t>
+            </a:r>
+          </a:p>
+          <a:p>
+            <a:endParaRPr lang="en-US" sz="1000" dirty="0">
+              <a:latin typeface="Consolas" panose="020B0609020204030204" pitchFamily="49" charset="0"/>
+              <a:cs typeface="Consolas" panose="020B0609020204030204" pitchFamily="49" charset="0"/>
+            </a:endParaRPr>
+          </a:p>
+          <a:p>
+            <a:r>
+              <a:rPr lang="en-US" sz="1000" dirty="0" err="1">
                 <a:latin typeface="Consolas" panose="020B0609020204030204" pitchFamily="49" charset="0"/>
                 <a:cs typeface="Consolas" panose="020B0609020204030204" pitchFamily="49" charset="0"/>
               </a:rPr>
-              <a:t> </a:t>
-            </a:r>
-            <a:r>
-              <a:rPr lang="en-US" sz="2400" dirty="0" err="1">
+              <a:t>scrape_configs</a:t>
+            </a:r>
+            <a:r>
+              <a:rPr lang="en-US" sz="1000" dirty="0">
                 <a:latin typeface="Consolas" panose="020B0609020204030204" pitchFamily="49" charset="0"/>
                 <a:cs typeface="Consolas" panose="020B0609020204030204" pitchFamily="49" charset="0"/>
               </a:rPr>
-              <a:t>api</a:t>
-            </a:r>
-            <a:r>
-              <a:rPr lang="en-US" sz="2400" dirty="0">
+              <a:t>:</a:t>
+            </a:r>
+          </a:p>
+          <a:p>
+            <a:r>
+              <a:rPr lang="en-US" sz="1000" dirty="0">
                 <a:latin typeface="Consolas" panose="020B0609020204030204" pitchFamily="49" charset="0"/>
                 <a:cs typeface="Consolas" panose="020B0609020204030204" pitchFamily="49" charset="0"/>
               </a:rPr>
-              <a:t>-resources</a:t>
-            </a:r>
-          </a:p>
-          <a:p>
-            <a:r>
-              <a:rPr lang="en-US" sz="2400" dirty="0" err="1">
+              <a:t>  # Scrape Prometheus itself</a:t>
+            </a:r>
+          </a:p>
+          <a:p>
+            <a:r>
+              <a:rPr lang="en-US" sz="1000" dirty="0">
                 <a:latin typeface="Consolas" panose="020B0609020204030204" pitchFamily="49" charset="0"/>
                 <a:cs typeface="Consolas" panose="020B0609020204030204" pitchFamily="49" charset="0"/>
               </a:rPr>
-              <a:t>Kubectl</a:t>
-            </a:r>
-            <a:r>
-              <a:rPr lang="en-US" sz="2400" dirty="0">
+              <a:t>  - </a:t>
+            </a:r>
+            <a:r>
+              <a:rPr lang="en-US" sz="1000" dirty="0" err="1">
                 <a:latin typeface="Consolas" panose="020B0609020204030204" pitchFamily="49" charset="0"/>
                 <a:cs typeface="Consolas" panose="020B0609020204030204" pitchFamily="49" charset="0"/>
               </a:rPr>
-              <a:t> get </a:t>
-            </a:r>
-            <a:r>
-              <a:rPr lang="en-US" sz="2400" dirty="0" err="1">
+              <a:t>job_name</a:t>
+            </a:r>
+            <a:r>
+              <a:rPr lang="en-US" sz="1000" dirty="0">
                 <a:latin typeface="Consolas" panose="020B0609020204030204" pitchFamily="49" charset="0"/>
                 <a:cs typeface="Consolas" panose="020B0609020204030204" pitchFamily="49" charset="0"/>
               </a:rPr>
-              <a:t>crd</a:t>
-            </a:r>
-            <a:r>
-              <a:rPr lang="en-US" sz="2400" dirty="0">
+              <a:t>: '</a:t>
+            </a:r>
+            <a:r>
+              <a:rPr lang="en-US" sz="1000" dirty="0" err="1">
                 <a:latin typeface="Consolas" panose="020B0609020204030204" pitchFamily="49" charset="0"/>
                 <a:cs typeface="Consolas" panose="020B0609020204030204" pitchFamily="49" charset="0"/>
               </a:rPr>
-              <a:t> </a:t>
-            </a:r>
-          </a:p>
-        </p:txBody>
-      </p:sp>
+              <a:t>prometheus</a:t>
+            </a:r>
+            <a:r>
+              <a:rPr lang="en-US" sz="1000" dirty="0">
+                <a:latin typeface="Consolas" panose="020B0609020204030204" pitchFamily="49" charset="0"/>
+                <a:cs typeface="Consolas" panose="020B0609020204030204" pitchFamily="49" charset="0"/>
+              </a:rPr>
+              <a:t>'</a:t>
+            </a:r>
+          </a:p>
+          <a:p>
+            <a:r>
+              <a:rPr lang="en-US" sz="1000" dirty="0">
+                <a:latin typeface="Consolas" panose="020B0609020204030204" pitchFamily="49" charset="0"/>
+                <a:cs typeface="Consolas" panose="020B0609020204030204" pitchFamily="49" charset="0"/>
+              </a:rPr>
+              <a:t>    </a:t>
+            </a:r>
+            <a:r>
+              <a:rPr lang="en-US" sz="1000" dirty="0" err="1">
+                <a:latin typeface="Consolas" panose="020B0609020204030204" pitchFamily="49" charset="0"/>
+                <a:cs typeface="Consolas" panose="020B0609020204030204" pitchFamily="49" charset="0"/>
+              </a:rPr>
+              <a:t>static_configs</a:t>
+            </a:r>
+            <a:r>
+              <a:rPr lang="en-US" sz="1000" dirty="0">
+                <a:latin typeface="Consolas" panose="020B0609020204030204" pitchFamily="49" charset="0"/>
+                <a:cs typeface="Consolas" panose="020B0609020204030204" pitchFamily="49" charset="0"/>
+              </a:rPr>
+              <a:t>:</a:t>
+            </a:r>
+          </a:p>
+          <a:p>
+            <a:r>
+              <a:rPr lang="en-US" sz="1000" dirty="0">
+                <a:latin typeface="Consolas" panose="020B0609020204030204" pitchFamily="49" charset="0"/>
+                <a:cs typeface="Consolas" panose="020B0609020204030204" pitchFamily="49" charset="0"/>
+              </a:rPr>
+              <a:t>      - targets: ['localhost:9090’]</a:t>
+            </a:r>
+          </a:p>
+          <a:p>
+            <a:endParaRPr lang="en-US" sz="1000" dirty="0">
+              <a:latin typeface="Consolas" panose="020B0609020204030204" pitchFamily="49" charset="0"/>
+              <a:cs typeface="Consolas" panose="020B0609020204030204" pitchFamily="49" charset="0"/>
+            </a:endParaRPr>
+          </a:p>
+          <a:p>
+            <a:r>
+              <a:rPr lang="en-US" sz="1000" dirty="0">
+                <a:latin typeface="Consolas" panose="020B0609020204030204" pitchFamily="49" charset="0"/>
+                <a:cs typeface="Consolas" panose="020B0609020204030204" pitchFamily="49" charset="0"/>
+              </a:rPr>
+              <a:t>- </a:t>
+            </a:r>
+            <a:r>
+              <a:rPr lang="en-US" sz="1000" dirty="0" err="1">
+                <a:latin typeface="Consolas" panose="020B0609020204030204" pitchFamily="49" charset="0"/>
+                <a:cs typeface="Consolas" panose="020B0609020204030204" pitchFamily="49" charset="0"/>
+              </a:rPr>
+              <a:t>job_name</a:t>
+            </a:r>
+            <a:r>
+              <a:rPr lang="en-US" sz="1000" dirty="0">
+                <a:latin typeface="Consolas" panose="020B0609020204030204" pitchFamily="49" charset="0"/>
+                <a:cs typeface="Consolas" panose="020B0609020204030204" pitchFamily="49" charset="0"/>
+              </a:rPr>
+              <a:t>: 'static-targets'</a:t>
+            </a:r>
+          </a:p>
+          <a:p>
+            <a:r>
+              <a:rPr lang="en-US" sz="1000" dirty="0">
+                <a:latin typeface="Consolas" panose="020B0609020204030204" pitchFamily="49" charset="0"/>
+                <a:cs typeface="Consolas" panose="020B0609020204030204" pitchFamily="49" charset="0"/>
+              </a:rPr>
+              <a:t>    </a:t>
+            </a:r>
+            <a:r>
+              <a:rPr lang="en-US" sz="1000" dirty="0" err="1">
+                <a:latin typeface="Consolas" panose="020B0609020204030204" pitchFamily="49" charset="0"/>
+                <a:cs typeface="Consolas" panose="020B0609020204030204" pitchFamily="49" charset="0"/>
+              </a:rPr>
+              <a:t>static_configs</a:t>
+            </a:r>
+            <a:r>
+              <a:rPr lang="en-US" sz="1000" dirty="0">
+                <a:latin typeface="Consolas" panose="020B0609020204030204" pitchFamily="49" charset="0"/>
+                <a:cs typeface="Consolas" panose="020B0609020204030204" pitchFamily="49" charset="0"/>
+              </a:rPr>
+              <a:t>:</a:t>
+            </a:r>
+          </a:p>
+          <a:p>
+            <a:r>
+              <a:rPr lang="en-US" sz="1000" dirty="0">
+                <a:latin typeface="Consolas" panose="020B0609020204030204" pitchFamily="49" charset="0"/>
+                <a:cs typeface="Consolas" panose="020B0609020204030204" pitchFamily="49" charset="0"/>
+              </a:rPr>
+              <a:t>      - targets: ['192.168.1.1:9100', '192.168.1.2:9100']</a:t>
+            </a:r>
+          </a:p>
+          <a:p>
+            <a:r>
+              <a:rPr lang="en-US" sz="1000" dirty="0">
+                <a:latin typeface="Consolas" panose="020B0609020204030204" pitchFamily="49" charset="0"/>
+                <a:cs typeface="Consolas" panose="020B0609020204030204" pitchFamily="49" charset="0"/>
+              </a:rPr>
+              <a:t>        labels:</a:t>
+            </a:r>
+          </a:p>
+          <a:p>
+            <a:r>
+              <a:rPr lang="en-US" sz="1000" dirty="0">
+                <a:latin typeface="Consolas" panose="020B0609020204030204" pitchFamily="49" charset="0"/>
+                <a:cs typeface="Consolas" panose="020B0609020204030204" pitchFamily="49" charset="0"/>
+              </a:rPr>
+              <a:t>          environment: 'production'</a:t>
+            </a:r>
+          </a:p>
+          <a:p>
+            <a:r>
+              <a:rPr lang="en-US" sz="1000" dirty="0">
+                <a:latin typeface="Consolas" panose="020B0609020204030204" pitchFamily="49" charset="0"/>
+                <a:cs typeface="Consolas" panose="020B0609020204030204" pitchFamily="49" charset="0"/>
+              </a:rPr>
+              <a:t>          group: 'servers'</a:t>
+            </a:r>
+          </a:p>
+          <a:p>
+            <a:endParaRPr lang="en-US" sz="1000" dirty="0">
+              <a:latin typeface="Consolas" panose="020B0609020204030204" pitchFamily="49" charset="0"/>
+              <a:cs typeface="Consolas" panose="020B0609020204030204" pitchFamily="49" charset="0"/>
+            </a:endParaRPr>
+          </a:p>
+          <a:p>
+            <a:r>
+              <a:rPr lang="en-US" sz="1000" dirty="0">
+                <a:latin typeface="Consolas" panose="020B0609020204030204" pitchFamily="49" charset="0"/>
+                <a:cs typeface="Consolas" panose="020B0609020204030204" pitchFamily="49" charset="0"/>
+              </a:rPr>
+              <a:t>  # Example of scraping dynamic targets using DNS service discovery</a:t>
+            </a:r>
+          </a:p>
+          <a:p>
+            <a:r>
+              <a:rPr lang="en-US" sz="1000" dirty="0">
+                <a:latin typeface="Consolas" panose="020B0609020204030204" pitchFamily="49" charset="0"/>
+                <a:cs typeface="Consolas" panose="020B0609020204030204" pitchFamily="49" charset="0"/>
+              </a:rPr>
+              <a:t>  - </a:t>
+            </a:r>
+            <a:r>
+              <a:rPr lang="en-US" sz="1000" dirty="0" err="1">
+                <a:latin typeface="Consolas" panose="020B0609020204030204" pitchFamily="49" charset="0"/>
+                <a:cs typeface="Consolas" panose="020B0609020204030204" pitchFamily="49" charset="0"/>
+              </a:rPr>
+              <a:t>job_name</a:t>
+            </a:r>
+            <a:r>
+              <a:rPr lang="en-US" sz="1000" dirty="0">
+                <a:latin typeface="Consolas" panose="020B0609020204030204" pitchFamily="49" charset="0"/>
+                <a:cs typeface="Consolas" panose="020B0609020204030204" pitchFamily="49" charset="0"/>
+              </a:rPr>
+              <a:t>: '</a:t>
+            </a:r>
+            <a:r>
+              <a:rPr lang="en-US" sz="1000" dirty="0" err="1">
+                <a:latin typeface="Consolas" panose="020B0609020204030204" pitchFamily="49" charset="0"/>
+                <a:cs typeface="Consolas" panose="020B0609020204030204" pitchFamily="49" charset="0"/>
+              </a:rPr>
+              <a:t>dns</a:t>
+            </a:r>
+            <a:r>
+              <a:rPr lang="en-US" sz="1000" dirty="0">
+                <a:latin typeface="Consolas" panose="020B0609020204030204" pitchFamily="49" charset="0"/>
+                <a:cs typeface="Consolas" panose="020B0609020204030204" pitchFamily="49" charset="0"/>
+              </a:rPr>
+              <a:t>-</a:t>
+            </a:r>
+            <a:r>
+              <a:rPr lang="en-US" sz="1000" dirty="0" err="1">
+                <a:latin typeface="Consolas" panose="020B0609020204030204" pitchFamily="49" charset="0"/>
+                <a:cs typeface="Consolas" panose="020B0609020204030204" pitchFamily="49" charset="0"/>
+              </a:rPr>
+              <a:t>sd</a:t>
+            </a:r>
+            <a:r>
+              <a:rPr lang="en-US" sz="1000" dirty="0">
+                <a:latin typeface="Consolas" panose="020B0609020204030204" pitchFamily="49" charset="0"/>
+                <a:cs typeface="Consolas" panose="020B0609020204030204" pitchFamily="49" charset="0"/>
+              </a:rPr>
+              <a:t>-targets'</a:t>
+            </a:r>
+          </a:p>
+          <a:p>
+            <a:r>
+              <a:rPr lang="en-US" sz="1000" dirty="0">
+                <a:latin typeface="Consolas" panose="020B0609020204030204" pitchFamily="49" charset="0"/>
+                <a:cs typeface="Consolas" panose="020B0609020204030204" pitchFamily="49" charset="0"/>
+              </a:rPr>
+              <a:t>    </a:t>
+            </a:r>
+            <a:r>
+              <a:rPr lang="en-US" sz="1000" dirty="0" err="1">
+                <a:latin typeface="Consolas" panose="020B0609020204030204" pitchFamily="49" charset="0"/>
+                <a:cs typeface="Consolas" panose="020B0609020204030204" pitchFamily="49" charset="0"/>
+              </a:rPr>
+              <a:t>dns_sd_configs</a:t>
+            </a:r>
+            <a:r>
+              <a:rPr lang="en-US" sz="1000" dirty="0">
+                <a:latin typeface="Consolas" panose="020B0609020204030204" pitchFamily="49" charset="0"/>
+                <a:cs typeface="Consolas" panose="020B0609020204030204" pitchFamily="49" charset="0"/>
+              </a:rPr>
+              <a:t>:</a:t>
+            </a:r>
+          </a:p>
+          <a:p>
+            <a:r>
+              <a:rPr lang="en-US" sz="1000" dirty="0">
+                <a:latin typeface="Consolas" panose="020B0609020204030204" pitchFamily="49" charset="0"/>
+                <a:cs typeface="Consolas" panose="020B0609020204030204" pitchFamily="49" charset="0"/>
+              </a:rPr>
+              <a:t>      - names:</a:t>
+            </a:r>
+          </a:p>
+          <a:p>
+            <a:r>
+              <a:rPr lang="en-US" sz="1000" dirty="0">
+                <a:latin typeface="Consolas" panose="020B0609020204030204" pitchFamily="49" charset="0"/>
+                <a:cs typeface="Consolas" panose="020B0609020204030204" pitchFamily="49" charset="0"/>
+              </a:rPr>
+              <a:t>          - '</a:t>
+            </a:r>
+            <a:r>
+              <a:rPr lang="en-US" sz="1000" dirty="0" err="1">
+                <a:latin typeface="Consolas" panose="020B0609020204030204" pitchFamily="49" charset="0"/>
+                <a:cs typeface="Consolas" panose="020B0609020204030204" pitchFamily="49" charset="0"/>
+              </a:rPr>
+              <a:t>tasks.example.com</a:t>
+            </a:r>
+            <a:r>
+              <a:rPr lang="en-US" sz="1000" dirty="0">
+                <a:latin typeface="Consolas" panose="020B0609020204030204" pitchFamily="49" charset="0"/>
+                <a:cs typeface="Consolas" panose="020B0609020204030204" pitchFamily="49" charset="0"/>
+              </a:rPr>
+              <a:t>'</a:t>
+            </a:r>
+          </a:p>
+          <a:p>
+            <a:r>
+              <a:rPr lang="en-US" sz="1000" dirty="0">
+                <a:latin typeface="Consolas" panose="020B0609020204030204" pitchFamily="49" charset="0"/>
+                <a:cs typeface="Consolas" panose="020B0609020204030204" pitchFamily="49" charset="0"/>
+              </a:rPr>
+              <a:t>        type: 'A'</a:t>
+            </a:r>
+          </a:p>
+          <a:p>
+            <a:r>
+              <a:rPr lang="en-US" sz="1000" dirty="0">
+                <a:latin typeface="Consolas" panose="020B0609020204030204" pitchFamily="49" charset="0"/>
+                <a:cs typeface="Consolas" panose="020B0609020204030204" pitchFamily="49" charset="0"/>
+              </a:rPr>
+              <a:t>        port: 9100</a:t>
+            </a:r>
+          </a:p>
+          <a:p>
+            <a:r>
+              <a:rPr lang="en-US" sz="1000" dirty="0">
+                <a:latin typeface="Consolas" panose="020B0609020204030204" pitchFamily="49" charset="0"/>
+                <a:cs typeface="Consolas" panose="020B0609020204030204" pitchFamily="49" charset="0"/>
+              </a:rPr>
+              <a:t>        </a:t>
+            </a:r>
+            <a:r>
+              <a:rPr lang="en-US" sz="1000" dirty="0" err="1">
+                <a:latin typeface="Consolas" panose="020B0609020204030204" pitchFamily="49" charset="0"/>
+                <a:cs typeface="Consolas" panose="020B0609020204030204" pitchFamily="49" charset="0"/>
+              </a:rPr>
+              <a:t>refresh_interval</a:t>
+            </a:r>
+            <a:r>
+              <a:rPr lang="en-US" sz="1000" dirty="0">
+                <a:latin typeface="Consolas" panose="020B0609020204030204" pitchFamily="49" charset="0"/>
+                <a:cs typeface="Consolas" panose="020B0609020204030204" pitchFamily="49" charset="0"/>
+              </a:rPr>
+              <a:t>: 30s</a:t>
+            </a:r>
+          </a:p>
+          <a:p>
+            <a:endParaRPr lang="en-US" sz="1000" dirty="0">
+              <a:latin typeface="Consolas" panose="020B0609020204030204" pitchFamily="49" charset="0"/>
+              <a:cs typeface="Consolas" panose="020B0609020204030204" pitchFamily="49" charset="0"/>
+            </a:endParaRPr>
+          </a:p>
+          <a:p>
+            <a:r>
+              <a:rPr lang="en-US" sz="1000" dirty="0">
+                <a:latin typeface="Consolas" panose="020B0609020204030204" pitchFamily="49" charset="0"/>
+                <a:cs typeface="Consolas" panose="020B0609020204030204" pitchFamily="49" charset="0"/>
+              </a:rPr>
+              <a:t>…</a:t>
+            </a:r>
+          </a:p>
+        </p:txBody>
+      </p:sp>
+      <p:pic>
+        <p:nvPicPr>
+          <p:cNvPr id="7" name="Picture 6" descr="A screen shot of a computer program&#10;&#10;Description automatically generated">
+            <a:extLst>
+              <a:ext uri="{FF2B5EF4-FFF2-40B4-BE49-F238E27FC236}">
+                <a16:creationId xmlns:a16="http://schemas.microsoft.com/office/drawing/2014/main" id="{23421F78-6D4F-C336-861A-B8E275B5132C}"/>
+              </a:ext>
+            </a:extLst>
+          </p:cNvPr>
+          <p:cNvPicPr>
+            <a:picLocks noChangeAspect="1"/>
+          </p:cNvPicPr>
+          <p:nvPr/>
+        </p:nvPicPr>
+        <p:blipFill>
+          <a:blip r:embed="rId5"/>
+          <a:stretch>
+            <a:fillRect/>
+          </a:stretch>
+        </p:blipFill>
+        <p:spPr>
+          <a:xfrm>
+            <a:off x="6180576" y="831405"/>
+            <a:ext cx="2836425" cy="2359269"/>
+          </a:xfrm>
+          <a:prstGeom prst="rect">
+            <a:avLst/>
+          </a:prstGeom>
+        </p:spPr>
+      </p:pic>
     </p:spTree>
     <p:custDataLst>
       <p:tags r:id="rId1"/>
     </p:custDataLst>
     <p:extLst>
       <p:ext uri="{BB962C8B-B14F-4D97-AF65-F5344CB8AC3E}">
-        <p14:creationId xmlns:p14="http://schemas.microsoft.com/office/powerpoint/2010/main" val="1419737004"/>
+        <p14:creationId xmlns:p14="http://schemas.microsoft.com/office/powerpoint/2010/main" val="3204712056"/>
       </p:ext>
     </p:extLst>
   </p:cSld>
@@ -18322,7 +19885,7 @@
           <a:p>
             <a:r>
               <a:rPr lang="en-US" dirty="0"/>
-              <a:t>CRD example</a:t>
+              <a:t>View CRD</a:t>
             </a:r>
           </a:p>
         </p:txBody>
@@ -18362,7 +19925,7 @@
           <p:cNvPr id="2" name="TextBox 1">
             <a:extLst>
               <a:ext uri="{FF2B5EF4-FFF2-40B4-BE49-F238E27FC236}">
-                <a16:creationId xmlns:a16="http://schemas.microsoft.com/office/drawing/2014/main" id="{1B78DE54-7DAD-7CEC-212E-5788A6E678D6}"/>
+                <a16:creationId xmlns:a16="http://schemas.microsoft.com/office/drawing/2014/main" id="{33940E9E-4677-5B7F-B615-64BE1B2F9D8E}"/>
               </a:ext>
             </a:extLst>
           </p:cNvPr>
@@ -18371,8 +19934,8 @@
         </p:nvSpPr>
         <p:spPr>
           <a:xfrm>
-            <a:off x="2399791" y="672157"/>
-            <a:ext cx="4289561" cy="4385816"/>
+            <a:off x="1125538" y="1480816"/>
+            <a:ext cx="3752950" cy="830997"/>
           </a:xfrm>
           <a:prstGeom prst="rect">
             <a:avLst/>
@@ -18380,1310 +19943,69 @@
           <a:noFill/>
         </p:spPr>
         <p:txBody>
-          <a:bodyPr wrap="square" rtlCol="0">
+          <a:bodyPr wrap="none" rtlCol="0">
             <a:spAutoFit/>
           </a:bodyPr>
           <a:lstStyle/>
           <a:p>
             <a:r>
-              <a:rPr lang="en-US" sz="900" dirty="0" err="1">
-                <a:solidFill>
-                  <a:srgbClr val="CC7832"/>
-                </a:solidFill>
-                <a:effectLst/>
+              <a:rPr lang="en-US" sz="2400" dirty="0" err="1">
                 <a:latin typeface="Consolas" panose="020B0609020204030204" pitchFamily="49" charset="0"/>
                 <a:cs typeface="Consolas" panose="020B0609020204030204" pitchFamily="49" charset="0"/>
               </a:rPr>
-              <a:t>apiVersion</a:t>
-            </a:r>
-            <a:r>
-              <a:rPr lang="en-US" sz="900" dirty="0">
-                <a:solidFill>
-                  <a:srgbClr val="A9B7C6"/>
-                </a:solidFill>
-                <a:effectLst/>
+              <a:t>kubectl</a:t>
+            </a:r>
+            <a:r>
+              <a:rPr lang="en-US" sz="2400" dirty="0">
                 <a:latin typeface="Consolas" panose="020B0609020204030204" pitchFamily="49" charset="0"/>
                 <a:cs typeface="Consolas" panose="020B0609020204030204" pitchFamily="49" charset="0"/>
               </a:rPr>
-              <a:t>: apiextensions.k8s.io/v1</a:t>
-            </a:r>
-            <a:br>
-              <a:rPr lang="en-US" sz="900" dirty="0">
-                <a:solidFill>
-                  <a:srgbClr val="A9B7C6"/>
-                </a:solidFill>
-                <a:effectLst/>
+              <a:t> </a:t>
+            </a:r>
+            <a:r>
+              <a:rPr lang="en-US" sz="2400" dirty="0" err="1">
                 <a:latin typeface="Consolas" panose="020B0609020204030204" pitchFamily="49" charset="0"/>
                 <a:cs typeface="Consolas" panose="020B0609020204030204" pitchFamily="49" charset="0"/>
               </a:rPr>
-            </a:br>
-            <a:r>
-              <a:rPr lang="en-US" sz="900" dirty="0">
-                <a:solidFill>
-                  <a:srgbClr val="CC7832"/>
-                </a:solidFill>
-                <a:effectLst/>
+              <a:t>api</a:t>
+            </a:r>
+            <a:r>
+              <a:rPr lang="en-US" sz="2400" dirty="0">
                 <a:latin typeface="Consolas" panose="020B0609020204030204" pitchFamily="49" charset="0"/>
                 <a:cs typeface="Consolas" panose="020B0609020204030204" pitchFamily="49" charset="0"/>
               </a:rPr>
-              <a:t>kind</a:t>
-            </a:r>
-            <a:r>
-              <a:rPr lang="en-US" sz="900" dirty="0">
-                <a:solidFill>
-                  <a:srgbClr val="A9B7C6"/>
-                </a:solidFill>
-                <a:effectLst/>
+              <a:t>-resources</a:t>
+            </a:r>
+          </a:p>
+          <a:p>
+            <a:r>
+              <a:rPr lang="en-US" sz="2400" dirty="0" err="1">
                 <a:latin typeface="Consolas" panose="020B0609020204030204" pitchFamily="49" charset="0"/>
                 <a:cs typeface="Consolas" panose="020B0609020204030204" pitchFamily="49" charset="0"/>
               </a:rPr>
-              <a:t>: </a:t>
-            </a:r>
-            <a:r>
-              <a:rPr lang="en-US" sz="900" dirty="0" err="1">
-                <a:solidFill>
-                  <a:srgbClr val="A9B7C6"/>
-                </a:solidFill>
-                <a:effectLst/>
+              <a:t>Kubectl</a:t>
+            </a:r>
+            <a:r>
+              <a:rPr lang="en-US" sz="2400" dirty="0">
                 <a:latin typeface="Consolas" panose="020B0609020204030204" pitchFamily="49" charset="0"/>
                 <a:cs typeface="Consolas" panose="020B0609020204030204" pitchFamily="49" charset="0"/>
               </a:rPr>
-              <a:t>CustomResourceDefinition</a:t>
-            </a:r>
-            <a:br>
-              <a:rPr lang="en-US" sz="900" dirty="0">
-                <a:solidFill>
-                  <a:srgbClr val="A9B7C6"/>
-                </a:solidFill>
-                <a:effectLst/>
+              <a:t> get </a:t>
+            </a:r>
+            <a:r>
+              <a:rPr lang="en-US" sz="2400" dirty="0" err="1">
                 <a:latin typeface="Consolas" panose="020B0609020204030204" pitchFamily="49" charset="0"/>
                 <a:cs typeface="Consolas" panose="020B0609020204030204" pitchFamily="49" charset="0"/>
               </a:rPr>
-            </a:br>
-            <a:r>
-              <a:rPr lang="en-US" sz="900" dirty="0">
-                <a:solidFill>
-                  <a:srgbClr val="CC7832"/>
-                </a:solidFill>
-                <a:effectLst/>
+              <a:t>crd</a:t>
+            </a:r>
+            <a:r>
+              <a:rPr lang="en-US" sz="2400" dirty="0">
                 <a:latin typeface="Consolas" panose="020B0609020204030204" pitchFamily="49" charset="0"/>
                 <a:cs typeface="Consolas" panose="020B0609020204030204" pitchFamily="49" charset="0"/>
               </a:rPr>
-              <a:t>metadata</a:t>
-            </a:r>
-            <a:r>
-              <a:rPr lang="en-US" sz="900" dirty="0">
-                <a:solidFill>
-                  <a:srgbClr val="A9B7C6"/>
-                </a:solidFill>
-                <a:effectLst/>
-                <a:latin typeface="Consolas" panose="020B0609020204030204" pitchFamily="49" charset="0"/>
-                <a:cs typeface="Consolas" panose="020B0609020204030204" pitchFamily="49" charset="0"/>
-              </a:rPr>
-              <a:t>:</a:t>
-            </a:r>
-            <a:br>
-              <a:rPr lang="en-US" sz="900" dirty="0">
-                <a:solidFill>
-                  <a:srgbClr val="A9B7C6"/>
-                </a:solidFill>
-                <a:effectLst/>
-                <a:latin typeface="Consolas" panose="020B0609020204030204" pitchFamily="49" charset="0"/>
-                <a:cs typeface="Consolas" panose="020B0609020204030204" pitchFamily="49" charset="0"/>
-              </a:rPr>
-            </a:br>
-            <a:r>
-              <a:rPr lang="en-US" sz="900" dirty="0">
-                <a:solidFill>
-                  <a:srgbClr val="A9B7C6"/>
-                </a:solidFill>
-                <a:effectLst/>
-                <a:latin typeface="Consolas" panose="020B0609020204030204" pitchFamily="49" charset="0"/>
-                <a:cs typeface="Consolas" panose="020B0609020204030204" pitchFamily="49" charset="0"/>
-              </a:rPr>
-              <a:t>  </a:t>
-            </a:r>
-            <a:r>
-              <a:rPr lang="en-US" sz="900" i="1" dirty="0">
-                <a:solidFill>
-                  <a:srgbClr val="629755"/>
-                </a:solidFill>
-                <a:effectLst/>
-                <a:latin typeface="Consolas" panose="020B0609020204030204" pitchFamily="49" charset="0"/>
-                <a:cs typeface="Consolas" panose="020B0609020204030204" pitchFamily="49" charset="0"/>
-              </a:rPr>
-              <a:t># name must match &lt;plural&gt;.&lt;group&gt;</a:t>
-            </a:r>
-            <a:br>
-              <a:rPr lang="en-US" sz="900" i="1" dirty="0">
-                <a:solidFill>
-                  <a:srgbClr val="629755"/>
-                </a:solidFill>
-                <a:effectLst/>
-                <a:latin typeface="Consolas" panose="020B0609020204030204" pitchFamily="49" charset="0"/>
-                <a:cs typeface="Consolas" panose="020B0609020204030204" pitchFamily="49" charset="0"/>
-              </a:rPr>
-            </a:br>
-            <a:r>
-              <a:rPr lang="en-US" sz="900" i="1" dirty="0">
-                <a:solidFill>
-                  <a:srgbClr val="629755"/>
-                </a:solidFill>
-                <a:effectLst/>
-                <a:latin typeface="Consolas" panose="020B0609020204030204" pitchFamily="49" charset="0"/>
-                <a:cs typeface="Consolas" panose="020B0609020204030204" pitchFamily="49" charset="0"/>
-              </a:rPr>
-              <a:t>  </a:t>
-            </a:r>
-            <a:r>
-              <a:rPr lang="en-US" sz="900" dirty="0">
-                <a:solidFill>
-                  <a:srgbClr val="CC7832"/>
-                </a:solidFill>
-                <a:effectLst/>
-                <a:latin typeface="Consolas" panose="020B0609020204030204" pitchFamily="49" charset="0"/>
-                <a:cs typeface="Consolas" panose="020B0609020204030204" pitchFamily="49" charset="0"/>
-              </a:rPr>
-              <a:t>name</a:t>
-            </a:r>
-            <a:r>
-              <a:rPr lang="en-US" sz="900" dirty="0">
-                <a:solidFill>
-                  <a:srgbClr val="A9B7C6"/>
-                </a:solidFill>
-                <a:effectLst/>
-                <a:latin typeface="Consolas" panose="020B0609020204030204" pitchFamily="49" charset="0"/>
-                <a:cs typeface="Consolas" panose="020B0609020204030204" pitchFamily="49" charset="0"/>
-              </a:rPr>
-              <a:t>: </a:t>
-            </a:r>
-            <a:r>
-              <a:rPr lang="en-US" sz="900" dirty="0" err="1">
-                <a:solidFill>
-                  <a:srgbClr val="A9B7C6"/>
-                </a:solidFill>
-                <a:effectLst/>
-                <a:latin typeface="Consolas" panose="020B0609020204030204" pitchFamily="49" charset="0"/>
-                <a:cs typeface="Consolas" panose="020B0609020204030204" pitchFamily="49" charset="0"/>
-              </a:rPr>
-              <a:t>ephemeralvolumeclaims.crd.dev</a:t>
-            </a:r>
-            <a:br>
-              <a:rPr lang="en-US" sz="900" dirty="0">
-                <a:solidFill>
-                  <a:srgbClr val="A9B7C6"/>
-                </a:solidFill>
-                <a:effectLst/>
-                <a:latin typeface="Consolas" panose="020B0609020204030204" pitchFamily="49" charset="0"/>
-                <a:cs typeface="Consolas" panose="020B0609020204030204" pitchFamily="49" charset="0"/>
-              </a:rPr>
-            </a:br>
-            <a:r>
-              <a:rPr lang="en-US" sz="900" dirty="0">
-                <a:solidFill>
-                  <a:srgbClr val="CC7832"/>
-                </a:solidFill>
-                <a:effectLst/>
-                <a:latin typeface="Consolas" panose="020B0609020204030204" pitchFamily="49" charset="0"/>
-                <a:cs typeface="Consolas" panose="020B0609020204030204" pitchFamily="49" charset="0"/>
-              </a:rPr>
-              <a:t>spec</a:t>
-            </a:r>
-            <a:r>
-              <a:rPr lang="en-US" sz="900" dirty="0">
-                <a:solidFill>
-                  <a:srgbClr val="A9B7C6"/>
-                </a:solidFill>
-                <a:effectLst/>
-                <a:latin typeface="Consolas" panose="020B0609020204030204" pitchFamily="49" charset="0"/>
-                <a:cs typeface="Consolas" panose="020B0609020204030204" pitchFamily="49" charset="0"/>
-              </a:rPr>
-              <a:t>:</a:t>
-            </a:r>
-            <a:br>
-              <a:rPr lang="en-US" sz="900" dirty="0">
-                <a:solidFill>
-                  <a:srgbClr val="A9B7C6"/>
-                </a:solidFill>
-                <a:effectLst/>
-                <a:latin typeface="Consolas" panose="020B0609020204030204" pitchFamily="49" charset="0"/>
-                <a:cs typeface="Consolas" panose="020B0609020204030204" pitchFamily="49" charset="0"/>
-              </a:rPr>
-            </a:br>
-            <a:r>
-              <a:rPr lang="en-US" sz="900" dirty="0">
-                <a:solidFill>
-                  <a:srgbClr val="A9B7C6"/>
-                </a:solidFill>
-                <a:effectLst/>
-                <a:latin typeface="Consolas" panose="020B0609020204030204" pitchFamily="49" charset="0"/>
-                <a:cs typeface="Consolas" panose="020B0609020204030204" pitchFamily="49" charset="0"/>
-              </a:rPr>
-              <a:t>  </a:t>
-            </a:r>
-            <a:r>
-              <a:rPr lang="en-US" sz="900" dirty="0">
-                <a:solidFill>
-                  <a:srgbClr val="CC7832"/>
-                </a:solidFill>
-                <a:effectLst/>
-                <a:latin typeface="Consolas" panose="020B0609020204030204" pitchFamily="49" charset="0"/>
-                <a:cs typeface="Consolas" panose="020B0609020204030204" pitchFamily="49" charset="0"/>
-              </a:rPr>
-              <a:t>scope</a:t>
-            </a:r>
-            <a:r>
-              <a:rPr lang="en-US" sz="900" dirty="0">
-                <a:solidFill>
-                  <a:srgbClr val="A9B7C6"/>
-                </a:solidFill>
-                <a:effectLst/>
-                <a:latin typeface="Consolas" panose="020B0609020204030204" pitchFamily="49" charset="0"/>
-                <a:cs typeface="Consolas" panose="020B0609020204030204" pitchFamily="49" charset="0"/>
-              </a:rPr>
-              <a:t>: </a:t>
-            </a:r>
-            <a:r>
-              <a:rPr lang="en-US" sz="900" dirty="0" err="1">
-                <a:solidFill>
-                  <a:srgbClr val="A9B7C6"/>
-                </a:solidFill>
-                <a:effectLst/>
-                <a:latin typeface="Consolas" panose="020B0609020204030204" pitchFamily="49" charset="0"/>
-                <a:cs typeface="Consolas" panose="020B0609020204030204" pitchFamily="49" charset="0"/>
-              </a:rPr>
-              <a:t>Namespaced</a:t>
-            </a:r>
-            <a:br>
-              <a:rPr lang="en-US" sz="900" dirty="0">
-                <a:solidFill>
-                  <a:srgbClr val="A9B7C6"/>
-                </a:solidFill>
-                <a:effectLst/>
-                <a:latin typeface="Consolas" panose="020B0609020204030204" pitchFamily="49" charset="0"/>
-                <a:cs typeface="Consolas" panose="020B0609020204030204" pitchFamily="49" charset="0"/>
-              </a:rPr>
-            </a:br>
-            <a:r>
-              <a:rPr lang="en-US" sz="900" dirty="0">
-                <a:solidFill>
-                  <a:srgbClr val="A9B7C6"/>
-                </a:solidFill>
-                <a:effectLst/>
-                <a:latin typeface="Consolas" panose="020B0609020204030204" pitchFamily="49" charset="0"/>
-                <a:cs typeface="Consolas" panose="020B0609020204030204" pitchFamily="49" charset="0"/>
-              </a:rPr>
-              <a:t>  </a:t>
-            </a:r>
-            <a:r>
-              <a:rPr lang="en-US" sz="900" dirty="0">
-                <a:solidFill>
-                  <a:srgbClr val="CC7832"/>
-                </a:solidFill>
-                <a:effectLst/>
-                <a:latin typeface="Consolas" panose="020B0609020204030204" pitchFamily="49" charset="0"/>
-                <a:cs typeface="Consolas" panose="020B0609020204030204" pitchFamily="49" charset="0"/>
-              </a:rPr>
-              <a:t>group</a:t>
-            </a:r>
-            <a:r>
-              <a:rPr lang="en-US" sz="900" dirty="0">
-                <a:solidFill>
-                  <a:srgbClr val="A9B7C6"/>
-                </a:solidFill>
-                <a:effectLst/>
-                <a:latin typeface="Consolas" panose="020B0609020204030204" pitchFamily="49" charset="0"/>
-                <a:cs typeface="Consolas" panose="020B0609020204030204" pitchFamily="49" charset="0"/>
-              </a:rPr>
-              <a:t>: </a:t>
-            </a:r>
-            <a:r>
-              <a:rPr lang="en-US" sz="900" dirty="0" err="1">
-                <a:solidFill>
-                  <a:srgbClr val="A9B7C6"/>
-                </a:solidFill>
-                <a:effectLst/>
-                <a:latin typeface="Consolas" panose="020B0609020204030204" pitchFamily="49" charset="0"/>
-                <a:cs typeface="Consolas" panose="020B0609020204030204" pitchFamily="49" charset="0"/>
-              </a:rPr>
-              <a:t>crd.dev</a:t>
-            </a:r>
-            <a:br>
-              <a:rPr lang="en-US" sz="900" dirty="0">
-                <a:solidFill>
-                  <a:srgbClr val="A9B7C6"/>
-                </a:solidFill>
-                <a:effectLst/>
-                <a:latin typeface="Consolas" panose="020B0609020204030204" pitchFamily="49" charset="0"/>
-                <a:cs typeface="Consolas" panose="020B0609020204030204" pitchFamily="49" charset="0"/>
-              </a:rPr>
-            </a:br>
-            <a:r>
-              <a:rPr lang="en-US" sz="900" dirty="0">
-                <a:solidFill>
-                  <a:srgbClr val="A9B7C6"/>
-                </a:solidFill>
-                <a:effectLst/>
-                <a:latin typeface="Consolas" panose="020B0609020204030204" pitchFamily="49" charset="0"/>
-                <a:cs typeface="Consolas" panose="020B0609020204030204" pitchFamily="49" charset="0"/>
-              </a:rPr>
-              <a:t>  </a:t>
-            </a:r>
-            <a:r>
-              <a:rPr lang="en-US" sz="900" dirty="0">
-                <a:solidFill>
-                  <a:srgbClr val="CC7832"/>
-                </a:solidFill>
-                <a:effectLst/>
-                <a:latin typeface="Consolas" panose="020B0609020204030204" pitchFamily="49" charset="0"/>
-                <a:cs typeface="Consolas" panose="020B0609020204030204" pitchFamily="49" charset="0"/>
-              </a:rPr>
-              <a:t>names</a:t>
-            </a:r>
-            <a:r>
-              <a:rPr lang="en-US" sz="900" dirty="0">
-                <a:solidFill>
-                  <a:srgbClr val="A9B7C6"/>
-                </a:solidFill>
-                <a:effectLst/>
-                <a:latin typeface="Consolas" panose="020B0609020204030204" pitchFamily="49" charset="0"/>
-                <a:cs typeface="Consolas" panose="020B0609020204030204" pitchFamily="49" charset="0"/>
-              </a:rPr>
-              <a:t>:</a:t>
-            </a:r>
-            <a:br>
-              <a:rPr lang="en-US" sz="900" dirty="0">
-                <a:solidFill>
-                  <a:srgbClr val="A9B7C6"/>
-                </a:solidFill>
-                <a:effectLst/>
-                <a:latin typeface="Consolas" panose="020B0609020204030204" pitchFamily="49" charset="0"/>
-                <a:cs typeface="Consolas" panose="020B0609020204030204" pitchFamily="49" charset="0"/>
-              </a:rPr>
-            </a:br>
-            <a:r>
-              <a:rPr lang="en-US" sz="900" dirty="0">
-                <a:solidFill>
-                  <a:srgbClr val="A9B7C6"/>
-                </a:solidFill>
-                <a:effectLst/>
-                <a:latin typeface="Consolas" panose="020B0609020204030204" pitchFamily="49" charset="0"/>
-                <a:cs typeface="Consolas" panose="020B0609020204030204" pitchFamily="49" charset="0"/>
-              </a:rPr>
-              <a:t>    </a:t>
-            </a:r>
-            <a:r>
-              <a:rPr lang="en-US" sz="900" dirty="0">
-                <a:solidFill>
-                  <a:srgbClr val="CC7832"/>
-                </a:solidFill>
-                <a:effectLst/>
-                <a:latin typeface="Consolas" panose="020B0609020204030204" pitchFamily="49" charset="0"/>
-                <a:cs typeface="Consolas" panose="020B0609020204030204" pitchFamily="49" charset="0"/>
-              </a:rPr>
-              <a:t>kind</a:t>
-            </a:r>
-            <a:r>
-              <a:rPr lang="en-US" sz="900" dirty="0">
-                <a:solidFill>
-                  <a:srgbClr val="A9B7C6"/>
-                </a:solidFill>
-                <a:effectLst/>
-                <a:latin typeface="Consolas" panose="020B0609020204030204" pitchFamily="49" charset="0"/>
-                <a:cs typeface="Consolas" panose="020B0609020204030204" pitchFamily="49" charset="0"/>
-              </a:rPr>
-              <a:t>: </a:t>
-            </a:r>
-            <a:r>
-              <a:rPr lang="en-US" sz="900" dirty="0" err="1">
-                <a:solidFill>
-                  <a:srgbClr val="A9B7C6"/>
-                </a:solidFill>
-                <a:effectLst/>
-                <a:latin typeface="Consolas" panose="020B0609020204030204" pitchFamily="49" charset="0"/>
-                <a:cs typeface="Consolas" panose="020B0609020204030204" pitchFamily="49" charset="0"/>
-              </a:rPr>
-              <a:t>EphemeralVolumeClaim</a:t>
-            </a:r>
-            <a:br>
-              <a:rPr lang="en-US" sz="900" dirty="0">
-                <a:solidFill>
-                  <a:srgbClr val="A9B7C6"/>
-                </a:solidFill>
-                <a:effectLst/>
-                <a:latin typeface="Consolas" panose="020B0609020204030204" pitchFamily="49" charset="0"/>
-                <a:cs typeface="Consolas" panose="020B0609020204030204" pitchFamily="49" charset="0"/>
-              </a:rPr>
-            </a:br>
-            <a:r>
-              <a:rPr lang="en-US" sz="900" dirty="0">
-                <a:solidFill>
-                  <a:srgbClr val="A9B7C6"/>
-                </a:solidFill>
-                <a:effectLst/>
-                <a:latin typeface="Consolas" panose="020B0609020204030204" pitchFamily="49" charset="0"/>
-                <a:cs typeface="Consolas" panose="020B0609020204030204" pitchFamily="49" charset="0"/>
-              </a:rPr>
-              <a:t>    </a:t>
-            </a:r>
-            <a:r>
-              <a:rPr lang="en-US" sz="900" dirty="0">
-                <a:solidFill>
-                  <a:srgbClr val="CC7832"/>
-                </a:solidFill>
-                <a:effectLst/>
-                <a:latin typeface="Consolas" panose="020B0609020204030204" pitchFamily="49" charset="0"/>
-                <a:cs typeface="Consolas" panose="020B0609020204030204" pitchFamily="49" charset="0"/>
-              </a:rPr>
-              <a:t>plural</a:t>
-            </a:r>
-            <a:r>
-              <a:rPr lang="en-US" sz="900" dirty="0">
-                <a:solidFill>
-                  <a:srgbClr val="A9B7C6"/>
-                </a:solidFill>
-                <a:effectLst/>
-                <a:latin typeface="Consolas" panose="020B0609020204030204" pitchFamily="49" charset="0"/>
-                <a:cs typeface="Consolas" panose="020B0609020204030204" pitchFamily="49" charset="0"/>
-              </a:rPr>
-              <a:t>: </a:t>
-            </a:r>
-            <a:r>
-              <a:rPr lang="en-US" sz="900" dirty="0" err="1">
-                <a:solidFill>
-                  <a:srgbClr val="A9B7C6"/>
-                </a:solidFill>
-                <a:effectLst/>
-                <a:latin typeface="Consolas" panose="020B0609020204030204" pitchFamily="49" charset="0"/>
-                <a:cs typeface="Consolas" panose="020B0609020204030204" pitchFamily="49" charset="0"/>
-              </a:rPr>
-              <a:t>ephemeralvolumeclaims</a:t>
-            </a:r>
-            <a:br>
-              <a:rPr lang="en-US" sz="900" dirty="0">
-                <a:solidFill>
-                  <a:srgbClr val="A9B7C6"/>
-                </a:solidFill>
-                <a:effectLst/>
-                <a:latin typeface="Consolas" panose="020B0609020204030204" pitchFamily="49" charset="0"/>
-                <a:cs typeface="Consolas" panose="020B0609020204030204" pitchFamily="49" charset="0"/>
-              </a:rPr>
-            </a:br>
-            <a:r>
-              <a:rPr lang="en-US" sz="900" dirty="0">
-                <a:solidFill>
-                  <a:srgbClr val="A9B7C6"/>
-                </a:solidFill>
-                <a:effectLst/>
-                <a:latin typeface="Consolas" panose="020B0609020204030204" pitchFamily="49" charset="0"/>
-                <a:cs typeface="Consolas" panose="020B0609020204030204" pitchFamily="49" charset="0"/>
-              </a:rPr>
-              <a:t>    </a:t>
-            </a:r>
-            <a:r>
-              <a:rPr lang="en-US" sz="900" dirty="0">
-                <a:solidFill>
-                  <a:srgbClr val="CC7832"/>
-                </a:solidFill>
-                <a:effectLst/>
-                <a:latin typeface="Consolas" panose="020B0609020204030204" pitchFamily="49" charset="0"/>
-                <a:cs typeface="Consolas" panose="020B0609020204030204" pitchFamily="49" charset="0"/>
-              </a:rPr>
-              <a:t>singular</a:t>
-            </a:r>
-            <a:r>
-              <a:rPr lang="en-US" sz="900" dirty="0">
-                <a:solidFill>
-                  <a:srgbClr val="A9B7C6"/>
-                </a:solidFill>
-                <a:effectLst/>
-                <a:latin typeface="Consolas" panose="020B0609020204030204" pitchFamily="49" charset="0"/>
-                <a:cs typeface="Consolas" panose="020B0609020204030204" pitchFamily="49" charset="0"/>
-              </a:rPr>
-              <a:t>: </a:t>
-            </a:r>
-            <a:r>
-              <a:rPr lang="en-US" sz="900" dirty="0" err="1">
-                <a:solidFill>
-                  <a:srgbClr val="A9B7C6"/>
-                </a:solidFill>
-                <a:effectLst/>
-                <a:latin typeface="Consolas" panose="020B0609020204030204" pitchFamily="49" charset="0"/>
-                <a:cs typeface="Consolas" panose="020B0609020204030204" pitchFamily="49" charset="0"/>
-              </a:rPr>
-              <a:t>ephemeralvolumeclaim</a:t>
-            </a:r>
-            <a:br>
-              <a:rPr lang="en-US" sz="900" dirty="0">
-                <a:solidFill>
-                  <a:srgbClr val="A9B7C6"/>
-                </a:solidFill>
-                <a:effectLst/>
-                <a:latin typeface="Consolas" panose="020B0609020204030204" pitchFamily="49" charset="0"/>
-                <a:cs typeface="Consolas" panose="020B0609020204030204" pitchFamily="49" charset="0"/>
-              </a:rPr>
-            </a:br>
-            <a:r>
-              <a:rPr lang="en-US" sz="900" dirty="0">
-                <a:solidFill>
-                  <a:srgbClr val="A9B7C6"/>
-                </a:solidFill>
-                <a:effectLst/>
-                <a:latin typeface="Consolas" panose="020B0609020204030204" pitchFamily="49" charset="0"/>
-                <a:cs typeface="Consolas" panose="020B0609020204030204" pitchFamily="49" charset="0"/>
-              </a:rPr>
-              <a:t>    </a:t>
-            </a:r>
-            <a:r>
-              <a:rPr lang="en-US" sz="900" dirty="0" err="1">
-                <a:solidFill>
-                  <a:srgbClr val="CC7832"/>
-                </a:solidFill>
-                <a:effectLst/>
-                <a:latin typeface="Consolas" panose="020B0609020204030204" pitchFamily="49" charset="0"/>
-                <a:cs typeface="Consolas" panose="020B0609020204030204" pitchFamily="49" charset="0"/>
-              </a:rPr>
-              <a:t>shortNames</a:t>
-            </a:r>
-            <a:r>
-              <a:rPr lang="en-US" sz="900" dirty="0">
-                <a:solidFill>
-                  <a:srgbClr val="A9B7C6"/>
-                </a:solidFill>
-                <a:effectLst/>
-                <a:latin typeface="Consolas" panose="020B0609020204030204" pitchFamily="49" charset="0"/>
-                <a:cs typeface="Consolas" panose="020B0609020204030204" pitchFamily="49" charset="0"/>
-              </a:rPr>
-              <a:t>:</a:t>
-            </a:r>
-            <a:br>
-              <a:rPr lang="en-US" sz="900" dirty="0">
-                <a:solidFill>
-                  <a:srgbClr val="A9B7C6"/>
-                </a:solidFill>
-                <a:effectLst/>
-                <a:latin typeface="Consolas" panose="020B0609020204030204" pitchFamily="49" charset="0"/>
-                <a:cs typeface="Consolas" panose="020B0609020204030204" pitchFamily="49" charset="0"/>
-              </a:rPr>
-            </a:br>
-            <a:r>
-              <a:rPr lang="en-US" sz="900" dirty="0">
-                <a:solidFill>
-                  <a:srgbClr val="A9B7C6"/>
-                </a:solidFill>
-                <a:effectLst/>
-                <a:latin typeface="Consolas" panose="020B0609020204030204" pitchFamily="49" charset="0"/>
-                <a:cs typeface="Consolas" panose="020B0609020204030204" pitchFamily="49" charset="0"/>
-              </a:rPr>
-              <a:t>      - </a:t>
-            </a:r>
-            <a:r>
-              <a:rPr lang="en-US" sz="900" dirty="0" err="1">
-                <a:solidFill>
-                  <a:srgbClr val="A9B7C6"/>
-                </a:solidFill>
-                <a:effectLst/>
-                <a:latin typeface="Consolas" panose="020B0609020204030204" pitchFamily="49" charset="0"/>
-                <a:cs typeface="Consolas" panose="020B0609020204030204" pitchFamily="49" charset="0"/>
-              </a:rPr>
-              <a:t>evcs</a:t>
-            </a:r>
-            <a:br>
-              <a:rPr lang="en-US" sz="900" dirty="0">
-                <a:solidFill>
-                  <a:srgbClr val="A9B7C6"/>
-                </a:solidFill>
-                <a:effectLst/>
-                <a:latin typeface="Consolas" panose="020B0609020204030204" pitchFamily="49" charset="0"/>
-                <a:cs typeface="Consolas" panose="020B0609020204030204" pitchFamily="49" charset="0"/>
-              </a:rPr>
-            </a:br>
-            <a:r>
-              <a:rPr lang="en-US" sz="900" dirty="0">
-                <a:solidFill>
-                  <a:srgbClr val="A9B7C6"/>
-                </a:solidFill>
-                <a:effectLst/>
-                <a:latin typeface="Consolas" panose="020B0609020204030204" pitchFamily="49" charset="0"/>
-                <a:cs typeface="Consolas" panose="020B0609020204030204" pitchFamily="49" charset="0"/>
-              </a:rPr>
-              <a:t>      - </a:t>
-            </a:r>
-            <a:r>
-              <a:rPr lang="en-US" sz="900" dirty="0" err="1">
-                <a:solidFill>
-                  <a:srgbClr val="A9B7C6"/>
-                </a:solidFill>
-                <a:effectLst/>
-                <a:latin typeface="Consolas" panose="020B0609020204030204" pitchFamily="49" charset="0"/>
-                <a:cs typeface="Consolas" panose="020B0609020204030204" pitchFamily="49" charset="0"/>
-              </a:rPr>
-              <a:t>evc</a:t>
-            </a:r>
-            <a:br>
-              <a:rPr lang="en-US" sz="900" dirty="0">
-                <a:solidFill>
-                  <a:srgbClr val="A9B7C6"/>
-                </a:solidFill>
-                <a:effectLst/>
-                <a:latin typeface="Consolas" panose="020B0609020204030204" pitchFamily="49" charset="0"/>
-                <a:cs typeface="Consolas" panose="020B0609020204030204" pitchFamily="49" charset="0"/>
-              </a:rPr>
-            </a:br>
-            <a:r>
-              <a:rPr lang="en-US" sz="900" dirty="0">
-                <a:solidFill>
-                  <a:srgbClr val="A9B7C6"/>
-                </a:solidFill>
-                <a:effectLst/>
-                <a:latin typeface="Consolas" panose="020B0609020204030204" pitchFamily="49" charset="0"/>
-                <a:cs typeface="Consolas" panose="020B0609020204030204" pitchFamily="49" charset="0"/>
-              </a:rPr>
-              <a:t>  </a:t>
-            </a:r>
-            <a:r>
-              <a:rPr lang="en-US" sz="900" dirty="0">
-                <a:solidFill>
-                  <a:srgbClr val="CC7832"/>
-                </a:solidFill>
-                <a:effectLst/>
-                <a:latin typeface="Consolas" panose="020B0609020204030204" pitchFamily="49" charset="0"/>
-                <a:cs typeface="Consolas" panose="020B0609020204030204" pitchFamily="49" charset="0"/>
-              </a:rPr>
-              <a:t>versions</a:t>
-            </a:r>
-            <a:r>
-              <a:rPr lang="en-US" sz="900" dirty="0">
-                <a:solidFill>
-                  <a:srgbClr val="A9B7C6"/>
-                </a:solidFill>
-                <a:effectLst/>
-                <a:latin typeface="Consolas" panose="020B0609020204030204" pitchFamily="49" charset="0"/>
-                <a:cs typeface="Consolas" panose="020B0609020204030204" pitchFamily="49" charset="0"/>
-              </a:rPr>
-              <a:t>:</a:t>
-            </a:r>
-            <a:br>
-              <a:rPr lang="en-US" sz="900" dirty="0">
-                <a:solidFill>
-                  <a:srgbClr val="A9B7C6"/>
-                </a:solidFill>
-                <a:effectLst/>
-                <a:latin typeface="Consolas" panose="020B0609020204030204" pitchFamily="49" charset="0"/>
-                <a:cs typeface="Consolas" panose="020B0609020204030204" pitchFamily="49" charset="0"/>
-              </a:rPr>
-            </a:br>
-            <a:r>
-              <a:rPr lang="en-US" sz="900" dirty="0">
-                <a:solidFill>
-                  <a:srgbClr val="A9B7C6"/>
-                </a:solidFill>
-                <a:effectLst/>
-                <a:latin typeface="Consolas" panose="020B0609020204030204" pitchFamily="49" charset="0"/>
-                <a:cs typeface="Consolas" panose="020B0609020204030204" pitchFamily="49" charset="0"/>
-              </a:rPr>
-              <a:t>    - </a:t>
-            </a:r>
-            <a:r>
-              <a:rPr lang="en-US" sz="900" dirty="0">
-                <a:solidFill>
-                  <a:srgbClr val="CC7832"/>
-                </a:solidFill>
-                <a:effectLst/>
-                <a:latin typeface="Consolas" panose="020B0609020204030204" pitchFamily="49" charset="0"/>
-                <a:cs typeface="Consolas" panose="020B0609020204030204" pitchFamily="49" charset="0"/>
-              </a:rPr>
-              <a:t>name</a:t>
-            </a:r>
-            <a:r>
-              <a:rPr lang="en-US" sz="900" dirty="0">
-                <a:solidFill>
-                  <a:srgbClr val="A9B7C6"/>
-                </a:solidFill>
-                <a:effectLst/>
-                <a:latin typeface="Consolas" panose="020B0609020204030204" pitchFamily="49" charset="0"/>
-                <a:cs typeface="Consolas" panose="020B0609020204030204" pitchFamily="49" charset="0"/>
-              </a:rPr>
-              <a:t>: v1</a:t>
-            </a:r>
-            <a:br>
-              <a:rPr lang="en-US" sz="900" i="1" dirty="0">
-                <a:solidFill>
-                  <a:srgbClr val="629755"/>
-                </a:solidFill>
-                <a:effectLst/>
-                <a:latin typeface="Consolas" panose="020B0609020204030204" pitchFamily="49" charset="0"/>
-                <a:cs typeface="Consolas" panose="020B0609020204030204" pitchFamily="49" charset="0"/>
-              </a:rPr>
-            </a:br>
-            <a:r>
-              <a:rPr lang="en-US" sz="900" i="1" dirty="0">
-                <a:solidFill>
-                  <a:srgbClr val="629755"/>
-                </a:solidFill>
-                <a:effectLst/>
-                <a:latin typeface="Consolas" panose="020B0609020204030204" pitchFamily="49" charset="0"/>
-                <a:cs typeface="Consolas" panose="020B0609020204030204" pitchFamily="49" charset="0"/>
-              </a:rPr>
-              <a:t>      </a:t>
-            </a:r>
-            <a:r>
-              <a:rPr lang="en-US" sz="900" dirty="0">
-                <a:solidFill>
-                  <a:srgbClr val="CC7832"/>
-                </a:solidFill>
-                <a:effectLst/>
-                <a:latin typeface="Consolas" panose="020B0609020204030204" pitchFamily="49" charset="0"/>
-                <a:cs typeface="Consolas" panose="020B0609020204030204" pitchFamily="49" charset="0"/>
-              </a:rPr>
-              <a:t>served</a:t>
-            </a:r>
-            <a:r>
-              <a:rPr lang="en-US" sz="900" dirty="0">
-                <a:solidFill>
-                  <a:srgbClr val="A9B7C6"/>
-                </a:solidFill>
-                <a:effectLst/>
-                <a:latin typeface="Consolas" panose="020B0609020204030204" pitchFamily="49" charset="0"/>
-                <a:cs typeface="Consolas" panose="020B0609020204030204" pitchFamily="49" charset="0"/>
-              </a:rPr>
-              <a:t>: true</a:t>
-            </a:r>
-            <a:br>
-              <a:rPr lang="en-US" sz="900" i="1" dirty="0">
-                <a:solidFill>
-                  <a:srgbClr val="629755"/>
-                </a:solidFill>
-                <a:effectLst/>
-                <a:latin typeface="Consolas" panose="020B0609020204030204" pitchFamily="49" charset="0"/>
-                <a:cs typeface="Consolas" panose="020B0609020204030204" pitchFamily="49" charset="0"/>
-              </a:rPr>
-            </a:br>
-            <a:r>
-              <a:rPr lang="en-US" sz="900" i="1" dirty="0">
-                <a:solidFill>
-                  <a:srgbClr val="629755"/>
-                </a:solidFill>
-                <a:effectLst/>
-                <a:latin typeface="Consolas" panose="020B0609020204030204" pitchFamily="49" charset="0"/>
-                <a:cs typeface="Consolas" panose="020B0609020204030204" pitchFamily="49" charset="0"/>
-              </a:rPr>
-              <a:t>      </a:t>
-            </a:r>
-            <a:r>
-              <a:rPr lang="en-US" sz="900" dirty="0">
-                <a:solidFill>
-                  <a:srgbClr val="CC7832"/>
-                </a:solidFill>
-                <a:effectLst/>
-                <a:latin typeface="Consolas" panose="020B0609020204030204" pitchFamily="49" charset="0"/>
-                <a:cs typeface="Consolas" panose="020B0609020204030204" pitchFamily="49" charset="0"/>
-              </a:rPr>
-              <a:t>storage</a:t>
-            </a:r>
-            <a:r>
-              <a:rPr lang="en-US" sz="900" dirty="0">
-                <a:solidFill>
-                  <a:srgbClr val="A9B7C6"/>
-                </a:solidFill>
-                <a:effectLst/>
-                <a:latin typeface="Consolas" panose="020B0609020204030204" pitchFamily="49" charset="0"/>
-                <a:cs typeface="Consolas" panose="020B0609020204030204" pitchFamily="49" charset="0"/>
-              </a:rPr>
-              <a:t>: true</a:t>
-            </a:r>
-            <a:br>
-              <a:rPr lang="en-US" sz="900" dirty="0">
-                <a:solidFill>
-                  <a:srgbClr val="A9B7C6"/>
-                </a:solidFill>
-                <a:effectLst/>
-                <a:latin typeface="Consolas" panose="020B0609020204030204" pitchFamily="49" charset="0"/>
-                <a:cs typeface="Consolas" panose="020B0609020204030204" pitchFamily="49" charset="0"/>
-              </a:rPr>
-            </a:br>
-            <a:r>
-              <a:rPr lang="en-US" sz="900" dirty="0">
-                <a:solidFill>
-                  <a:srgbClr val="A9B7C6"/>
-                </a:solidFill>
-                <a:effectLst/>
-                <a:latin typeface="Consolas" panose="020B0609020204030204" pitchFamily="49" charset="0"/>
-                <a:cs typeface="Consolas" panose="020B0609020204030204" pitchFamily="49" charset="0"/>
-              </a:rPr>
-              <a:t>      </a:t>
-            </a:r>
-            <a:r>
-              <a:rPr lang="en-US" sz="900" dirty="0">
-                <a:solidFill>
-                  <a:srgbClr val="CC7832"/>
-                </a:solidFill>
-                <a:effectLst/>
-                <a:latin typeface="Consolas" panose="020B0609020204030204" pitchFamily="49" charset="0"/>
-                <a:cs typeface="Consolas" panose="020B0609020204030204" pitchFamily="49" charset="0"/>
-              </a:rPr>
-              <a:t>schema</a:t>
-            </a:r>
-            <a:r>
-              <a:rPr lang="en-US" sz="900" dirty="0">
-                <a:solidFill>
-                  <a:srgbClr val="A9B7C6"/>
-                </a:solidFill>
-                <a:effectLst/>
-                <a:latin typeface="Consolas" panose="020B0609020204030204" pitchFamily="49" charset="0"/>
-                <a:cs typeface="Consolas" panose="020B0609020204030204" pitchFamily="49" charset="0"/>
-              </a:rPr>
-              <a:t>:</a:t>
-            </a:r>
-            <a:br>
-              <a:rPr lang="en-US" sz="900" dirty="0">
-                <a:solidFill>
-                  <a:srgbClr val="A9B7C6"/>
-                </a:solidFill>
-                <a:effectLst/>
-                <a:latin typeface="Consolas" panose="020B0609020204030204" pitchFamily="49" charset="0"/>
-                <a:cs typeface="Consolas" panose="020B0609020204030204" pitchFamily="49" charset="0"/>
-              </a:rPr>
-            </a:br>
-            <a:r>
-              <a:rPr lang="en-US" sz="900" dirty="0">
-                <a:solidFill>
-                  <a:srgbClr val="A9B7C6"/>
-                </a:solidFill>
-                <a:effectLst/>
-                <a:latin typeface="Consolas" panose="020B0609020204030204" pitchFamily="49" charset="0"/>
-                <a:cs typeface="Consolas" panose="020B0609020204030204" pitchFamily="49" charset="0"/>
-              </a:rPr>
-              <a:t>        </a:t>
-            </a:r>
-            <a:r>
-              <a:rPr lang="en-US" sz="900" dirty="0">
-                <a:solidFill>
-                  <a:srgbClr val="CC7832"/>
-                </a:solidFill>
-                <a:effectLst/>
-                <a:latin typeface="Consolas" panose="020B0609020204030204" pitchFamily="49" charset="0"/>
-                <a:cs typeface="Consolas" panose="020B0609020204030204" pitchFamily="49" charset="0"/>
-              </a:rPr>
-              <a:t>openAPIV3Schema</a:t>
-            </a:r>
-            <a:r>
-              <a:rPr lang="en-US" sz="900" dirty="0">
-                <a:solidFill>
-                  <a:srgbClr val="A9B7C6"/>
-                </a:solidFill>
-                <a:effectLst/>
-                <a:latin typeface="Consolas" panose="020B0609020204030204" pitchFamily="49" charset="0"/>
-                <a:cs typeface="Consolas" panose="020B0609020204030204" pitchFamily="49" charset="0"/>
-              </a:rPr>
-              <a:t>:</a:t>
-            </a:r>
-            <a:br>
-              <a:rPr lang="en-US" sz="900" dirty="0">
-                <a:solidFill>
-                  <a:srgbClr val="A9B7C6"/>
-                </a:solidFill>
-                <a:effectLst/>
-                <a:latin typeface="Consolas" panose="020B0609020204030204" pitchFamily="49" charset="0"/>
-                <a:cs typeface="Consolas" panose="020B0609020204030204" pitchFamily="49" charset="0"/>
-              </a:rPr>
-            </a:br>
-            <a:r>
-              <a:rPr lang="en-US" sz="900" dirty="0">
-                <a:solidFill>
-                  <a:srgbClr val="A9B7C6"/>
-                </a:solidFill>
-                <a:effectLst/>
-                <a:latin typeface="Consolas" panose="020B0609020204030204" pitchFamily="49" charset="0"/>
-                <a:cs typeface="Consolas" panose="020B0609020204030204" pitchFamily="49" charset="0"/>
-              </a:rPr>
-              <a:t>          </a:t>
-            </a:r>
-            <a:r>
-              <a:rPr lang="en-US" sz="900" dirty="0">
-                <a:solidFill>
-                  <a:srgbClr val="CC7832"/>
-                </a:solidFill>
-                <a:effectLst/>
-                <a:latin typeface="Consolas" panose="020B0609020204030204" pitchFamily="49" charset="0"/>
-                <a:cs typeface="Consolas" panose="020B0609020204030204" pitchFamily="49" charset="0"/>
-              </a:rPr>
-              <a:t>type</a:t>
-            </a:r>
-            <a:r>
-              <a:rPr lang="en-US" sz="900" dirty="0">
-                <a:solidFill>
-                  <a:srgbClr val="A9B7C6"/>
-                </a:solidFill>
-                <a:effectLst/>
-                <a:latin typeface="Consolas" panose="020B0609020204030204" pitchFamily="49" charset="0"/>
-                <a:cs typeface="Consolas" panose="020B0609020204030204" pitchFamily="49" charset="0"/>
-              </a:rPr>
-              <a:t>: object</a:t>
-            </a:r>
-            <a:br>
-              <a:rPr lang="en-US" sz="900" dirty="0">
-                <a:solidFill>
-                  <a:srgbClr val="A9B7C6"/>
-                </a:solidFill>
-                <a:effectLst/>
-                <a:latin typeface="Consolas" panose="020B0609020204030204" pitchFamily="49" charset="0"/>
-                <a:cs typeface="Consolas" panose="020B0609020204030204" pitchFamily="49" charset="0"/>
-              </a:rPr>
-            </a:br>
-            <a:r>
-              <a:rPr lang="en-US" sz="900" dirty="0">
-                <a:solidFill>
-                  <a:srgbClr val="A9B7C6"/>
-                </a:solidFill>
-                <a:effectLst/>
-                <a:latin typeface="Consolas" panose="020B0609020204030204" pitchFamily="49" charset="0"/>
-                <a:cs typeface="Consolas" panose="020B0609020204030204" pitchFamily="49" charset="0"/>
-              </a:rPr>
-              <a:t>          </a:t>
-            </a:r>
-            <a:r>
-              <a:rPr lang="en-US" sz="900" dirty="0">
-                <a:solidFill>
-                  <a:srgbClr val="CC7832"/>
-                </a:solidFill>
-                <a:effectLst/>
-                <a:latin typeface="Consolas" panose="020B0609020204030204" pitchFamily="49" charset="0"/>
-                <a:cs typeface="Consolas" panose="020B0609020204030204" pitchFamily="49" charset="0"/>
-              </a:rPr>
-              <a:t>properties</a:t>
-            </a:r>
-            <a:r>
-              <a:rPr lang="en-US" sz="900" dirty="0">
-                <a:solidFill>
-                  <a:srgbClr val="A9B7C6"/>
-                </a:solidFill>
-                <a:effectLst/>
-                <a:latin typeface="Consolas" panose="020B0609020204030204" pitchFamily="49" charset="0"/>
-                <a:cs typeface="Consolas" panose="020B0609020204030204" pitchFamily="49" charset="0"/>
-              </a:rPr>
-              <a:t>:</a:t>
-            </a:r>
-            <a:br>
-              <a:rPr lang="en-US" sz="900" dirty="0">
-                <a:solidFill>
-                  <a:srgbClr val="A9B7C6"/>
-                </a:solidFill>
-                <a:effectLst/>
-                <a:latin typeface="Consolas" panose="020B0609020204030204" pitchFamily="49" charset="0"/>
-                <a:cs typeface="Consolas" panose="020B0609020204030204" pitchFamily="49" charset="0"/>
-              </a:rPr>
-            </a:br>
-            <a:r>
-              <a:rPr lang="en-US" sz="900" dirty="0">
-                <a:solidFill>
-                  <a:srgbClr val="A9B7C6"/>
-                </a:solidFill>
-                <a:effectLst/>
-                <a:latin typeface="Consolas" panose="020B0609020204030204" pitchFamily="49" charset="0"/>
-                <a:cs typeface="Consolas" panose="020B0609020204030204" pitchFamily="49" charset="0"/>
-              </a:rPr>
-              <a:t>            </a:t>
-            </a:r>
-            <a:r>
-              <a:rPr lang="en-US" sz="900" dirty="0">
-                <a:solidFill>
-                  <a:srgbClr val="CC7832"/>
-                </a:solidFill>
-                <a:effectLst/>
-                <a:latin typeface="Consolas" panose="020B0609020204030204" pitchFamily="49" charset="0"/>
-                <a:cs typeface="Consolas" panose="020B0609020204030204" pitchFamily="49" charset="0"/>
-              </a:rPr>
-              <a:t>spec</a:t>
-            </a:r>
-            <a:r>
-              <a:rPr lang="en-US" sz="900" dirty="0">
-                <a:solidFill>
-                  <a:srgbClr val="A9B7C6"/>
-                </a:solidFill>
-                <a:effectLst/>
-                <a:latin typeface="Consolas" panose="020B0609020204030204" pitchFamily="49" charset="0"/>
-                <a:cs typeface="Consolas" panose="020B0609020204030204" pitchFamily="49" charset="0"/>
-              </a:rPr>
-              <a:t>:</a:t>
-            </a:r>
-            <a:br>
-              <a:rPr lang="en-US" sz="900" dirty="0">
-                <a:solidFill>
-                  <a:srgbClr val="A9B7C6"/>
-                </a:solidFill>
-                <a:effectLst/>
-                <a:latin typeface="Consolas" panose="020B0609020204030204" pitchFamily="49" charset="0"/>
-                <a:cs typeface="Consolas" panose="020B0609020204030204" pitchFamily="49" charset="0"/>
-              </a:rPr>
-            </a:br>
-            <a:r>
-              <a:rPr lang="en-US" sz="900" dirty="0">
-                <a:solidFill>
-                  <a:srgbClr val="A9B7C6"/>
-                </a:solidFill>
-                <a:effectLst/>
-                <a:latin typeface="Consolas" panose="020B0609020204030204" pitchFamily="49" charset="0"/>
-                <a:cs typeface="Consolas" panose="020B0609020204030204" pitchFamily="49" charset="0"/>
-              </a:rPr>
-              <a:t>              </a:t>
-            </a:r>
-            <a:r>
-              <a:rPr lang="en-US" sz="900" dirty="0">
-                <a:solidFill>
-                  <a:srgbClr val="CC7832"/>
-                </a:solidFill>
-                <a:effectLst/>
-                <a:latin typeface="Consolas" panose="020B0609020204030204" pitchFamily="49" charset="0"/>
-                <a:cs typeface="Consolas" panose="020B0609020204030204" pitchFamily="49" charset="0"/>
-              </a:rPr>
-              <a:t>type</a:t>
-            </a:r>
-            <a:r>
-              <a:rPr lang="en-US" sz="900" dirty="0">
-                <a:solidFill>
-                  <a:srgbClr val="A9B7C6"/>
-                </a:solidFill>
-                <a:effectLst/>
-                <a:latin typeface="Consolas" panose="020B0609020204030204" pitchFamily="49" charset="0"/>
-                <a:cs typeface="Consolas" panose="020B0609020204030204" pitchFamily="49" charset="0"/>
-              </a:rPr>
-              <a:t>: object</a:t>
-            </a:r>
-            <a:br>
-              <a:rPr lang="en-US" sz="900" dirty="0">
-                <a:solidFill>
-                  <a:srgbClr val="A9B7C6"/>
-                </a:solidFill>
-                <a:effectLst/>
-                <a:latin typeface="Consolas" panose="020B0609020204030204" pitchFamily="49" charset="0"/>
-                <a:cs typeface="Consolas" panose="020B0609020204030204" pitchFamily="49" charset="0"/>
-              </a:rPr>
-            </a:br>
-            <a:r>
-              <a:rPr lang="en-US" sz="900" dirty="0">
-                <a:solidFill>
-                  <a:srgbClr val="A9B7C6"/>
-                </a:solidFill>
-                <a:effectLst/>
-                <a:latin typeface="Consolas" panose="020B0609020204030204" pitchFamily="49" charset="0"/>
-                <a:cs typeface="Consolas" panose="020B0609020204030204" pitchFamily="49" charset="0"/>
-              </a:rPr>
-              <a:t>              </a:t>
-            </a:r>
-            <a:r>
-              <a:rPr lang="en-US" sz="900" dirty="0">
-                <a:solidFill>
-                  <a:srgbClr val="CC7832"/>
-                </a:solidFill>
-                <a:effectLst/>
-                <a:latin typeface="Consolas" panose="020B0609020204030204" pitchFamily="49" charset="0"/>
-                <a:cs typeface="Consolas" panose="020B0609020204030204" pitchFamily="49" charset="0"/>
-              </a:rPr>
-              <a:t>x-</a:t>
-            </a:r>
-            <a:r>
-              <a:rPr lang="en-US" sz="900" dirty="0" err="1">
-                <a:solidFill>
-                  <a:srgbClr val="CC7832"/>
-                </a:solidFill>
-                <a:effectLst/>
-                <a:latin typeface="Consolas" panose="020B0609020204030204" pitchFamily="49" charset="0"/>
-                <a:cs typeface="Consolas" panose="020B0609020204030204" pitchFamily="49" charset="0"/>
-              </a:rPr>
-              <a:t>kubernetes</a:t>
-            </a:r>
-            <a:r>
-              <a:rPr lang="en-US" sz="900" dirty="0">
-                <a:solidFill>
-                  <a:srgbClr val="CC7832"/>
-                </a:solidFill>
-                <a:effectLst/>
-                <a:latin typeface="Consolas" panose="020B0609020204030204" pitchFamily="49" charset="0"/>
-                <a:cs typeface="Consolas" panose="020B0609020204030204" pitchFamily="49" charset="0"/>
-              </a:rPr>
-              <a:t>-preserve-unknown-fields</a:t>
-            </a:r>
-            <a:r>
-              <a:rPr lang="en-US" sz="900" dirty="0">
-                <a:solidFill>
-                  <a:srgbClr val="A9B7C6"/>
-                </a:solidFill>
-                <a:effectLst/>
-                <a:latin typeface="Consolas" panose="020B0609020204030204" pitchFamily="49" charset="0"/>
-                <a:cs typeface="Consolas" panose="020B0609020204030204" pitchFamily="49" charset="0"/>
-              </a:rPr>
-              <a:t>: true</a:t>
-            </a:r>
-            <a:br>
-              <a:rPr lang="en-US" sz="900" dirty="0">
-                <a:solidFill>
-                  <a:srgbClr val="A9B7C6"/>
-                </a:solidFill>
-                <a:effectLst/>
-                <a:latin typeface="Consolas" panose="020B0609020204030204" pitchFamily="49" charset="0"/>
-                <a:cs typeface="Consolas" panose="020B0609020204030204" pitchFamily="49" charset="0"/>
-              </a:rPr>
-            </a:br>
-            <a:r>
-              <a:rPr lang="en-US" sz="900" dirty="0">
-                <a:solidFill>
-                  <a:srgbClr val="A9B7C6"/>
-                </a:solidFill>
-                <a:effectLst/>
-                <a:latin typeface="Consolas" panose="020B0609020204030204" pitchFamily="49" charset="0"/>
-                <a:cs typeface="Consolas" panose="020B0609020204030204" pitchFamily="49" charset="0"/>
-              </a:rPr>
-              <a:t>            </a:t>
-            </a:r>
-            <a:r>
-              <a:rPr lang="en-US" sz="900" dirty="0">
-                <a:solidFill>
-                  <a:srgbClr val="CC7832"/>
-                </a:solidFill>
-                <a:effectLst/>
-                <a:latin typeface="Consolas" panose="020B0609020204030204" pitchFamily="49" charset="0"/>
-                <a:cs typeface="Consolas" panose="020B0609020204030204" pitchFamily="49" charset="0"/>
-              </a:rPr>
-              <a:t>status</a:t>
-            </a:r>
-            <a:r>
-              <a:rPr lang="en-US" sz="900" dirty="0">
-                <a:solidFill>
-                  <a:srgbClr val="A9B7C6"/>
-                </a:solidFill>
-                <a:effectLst/>
-                <a:latin typeface="Consolas" panose="020B0609020204030204" pitchFamily="49" charset="0"/>
-                <a:cs typeface="Consolas" panose="020B0609020204030204" pitchFamily="49" charset="0"/>
-              </a:rPr>
-              <a:t>:</a:t>
-            </a:r>
-            <a:br>
-              <a:rPr lang="en-US" sz="900" dirty="0">
-                <a:solidFill>
-                  <a:srgbClr val="A9B7C6"/>
-                </a:solidFill>
-                <a:effectLst/>
-                <a:latin typeface="Consolas" panose="020B0609020204030204" pitchFamily="49" charset="0"/>
-                <a:cs typeface="Consolas" panose="020B0609020204030204" pitchFamily="49" charset="0"/>
-              </a:rPr>
-            </a:br>
-            <a:r>
-              <a:rPr lang="en-US" sz="900" dirty="0">
-                <a:solidFill>
-                  <a:srgbClr val="A9B7C6"/>
-                </a:solidFill>
-                <a:effectLst/>
-                <a:latin typeface="Consolas" panose="020B0609020204030204" pitchFamily="49" charset="0"/>
-                <a:cs typeface="Consolas" panose="020B0609020204030204" pitchFamily="49" charset="0"/>
-              </a:rPr>
-              <a:t>              </a:t>
-            </a:r>
-            <a:r>
-              <a:rPr lang="en-US" sz="900" dirty="0">
-                <a:solidFill>
-                  <a:srgbClr val="CC7832"/>
-                </a:solidFill>
-                <a:effectLst/>
-                <a:latin typeface="Consolas" panose="020B0609020204030204" pitchFamily="49" charset="0"/>
-                <a:cs typeface="Consolas" panose="020B0609020204030204" pitchFamily="49" charset="0"/>
-              </a:rPr>
-              <a:t>type</a:t>
-            </a:r>
-            <a:r>
-              <a:rPr lang="en-US" sz="900" dirty="0">
-                <a:solidFill>
-                  <a:srgbClr val="A9B7C6"/>
-                </a:solidFill>
-                <a:effectLst/>
-                <a:latin typeface="Consolas" panose="020B0609020204030204" pitchFamily="49" charset="0"/>
-                <a:cs typeface="Consolas" panose="020B0609020204030204" pitchFamily="49" charset="0"/>
-              </a:rPr>
-              <a:t>: object</a:t>
-            </a:r>
-            <a:br>
-              <a:rPr lang="en-US" sz="900" dirty="0">
-                <a:solidFill>
-                  <a:srgbClr val="A9B7C6"/>
-                </a:solidFill>
-                <a:effectLst/>
-                <a:latin typeface="Consolas" panose="020B0609020204030204" pitchFamily="49" charset="0"/>
-                <a:cs typeface="Consolas" panose="020B0609020204030204" pitchFamily="49" charset="0"/>
-              </a:rPr>
-            </a:br>
-            <a:r>
-              <a:rPr lang="en-US" sz="900" dirty="0">
-                <a:solidFill>
-                  <a:srgbClr val="A9B7C6"/>
-                </a:solidFill>
-                <a:effectLst/>
-                <a:latin typeface="Consolas" panose="020B0609020204030204" pitchFamily="49" charset="0"/>
-                <a:cs typeface="Consolas" panose="020B0609020204030204" pitchFamily="49" charset="0"/>
-              </a:rPr>
-              <a:t>              </a:t>
-            </a:r>
-            <a:r>
-              <a:rPr lang="en-US" sz="900" dirty="0">
-                <a:solidFill>
-                  <a:srgbClr val="CC7832"/>
-                </a:solidFill>
-                <a:effectLst/>
-                <a:latin typeface="Consolas" panose="020B0609020204030204" pitchFamily="49" charset="0"/>
-                <a:cs typeface="Consolas" panose="020B0609020204030204" pitchFamily="49" charset="0"/>
-              </a:rPr>
-              <a:t>x-</a:t>
-            </a:r>
-            <a:r>
-              <a:rPr lang="en-US" sz="900" dirty="0" err="1">
-                <a:solidFill>
-                  <a:srgbClr val="CC7832"/>
-                </a:solidFill>
-                <a:effectLst/>
-                <a:latin typeface="Consolas" panose="020B0609020204030204" pitchFamily="49" charset="0"/>
-                <a:cs typeface="Consolas" panose="020B0609020204030204" pitchFamily="49" charset="0"/>
-              </a:rPr>
-              <a:t>kubernetes</a:t>
-            </a:r>
-            <a:r>
-              <a:rPr lang="en-US" sz="900" dirty="0">
-                <a:solidFill>
-                  <a:srgbClr val="CC7832"/>
-                </a:solidFill>
-                <a:effectLst/>
-                <a:latin typeface="Consolas" panose="020B0609020204030204" pitchFamily="49" charset="0"/>
-                <a:cs typeface="Consolas" panose="020B0609020204030204" pitchFamily="49" charset="0"/>
-              </a:rPr>
-              <a:t>-preserve-unknown-fields</a:t>
-            </a:r>
-            <a:r>
-              <a:rPr lang="en-US" sz="900" dirty="0">
-                <a:solidFill>
-                  <a:srgbClr val="A9B7C6"/>
-                </a:solidFill>
-                <a:effectLst/>
-                <a:latin typeface="Consolas" panose="020B0609020204030204" pitchFamily="49" charset="0"/>
-                <a:cs typeface="Consolas" panose="020B0609020204030204" pitchFamily="49" charset="0"/>
-              </a:rPr>
-              <a:t>: true</a:t>
-            </a:r>
-            <a:br>
-              <a:rPr lang="en-US" sz="900" dirty="0">
-                <a:solidFill>
-                  <a:srgbClr val="A9B7C6"/>
-                </a:solidFill>
-                <a:effectLst/>
-                <a:latin typeface="Consolas" panose="020B0609020204030204" pitchFamily="49" charset="0"/>
-                <a:cs typeface="Consolas" panose="020B0609020204030204" pitchFamily="49" charset="0"/>
-              </a:rPr>
-            </a:br>
-            <a:endParaRPr lang="en-US" sz="900" dirty="0">
-              <a:solidFill>
-                <a:srgbClr val="A9B7C6"/>
-              </a:solidFill>
-              <a:effectLst/>
-              <a:latin typeface="Consolas" panose="020B0609020204030204" pitchFamily="49" charset="0"/>
-              <a:cs typeface="Consolas" panose="020B0609020204030204" pitchFamily="49" charset="0"/>
-            </a:endParaRPr>
+              <a:t> </a:t>
+            </a:r>
           </a:p>
         </p:txBody>
       </p:sp>
@@ -19693,7 +20015,7 @@
     </p:custDataLst>
     <p:extLst>
       <p:ext uri="{BB962C8B-B14F-4D97-AF65-F5344CB8AC3E}">
-        <p14:creationId xmlns:p14="http://schemas.microsoft.com/office/powerpoint/2010/main" val="1995490866"/>
+        <p14:creationId xmlns:p14="http://schemas.microsoft.com/office/powerpoint/2010/main" val="1419737004"/>
       </p:ext>
     </p:extLst>
   </p:cSld>
@@ -19794,12 +20116,6 @@
 </file>
 
 <file path=ppt/tags/tag23.xml><?xml version="1.0" encoding="utf-8"?>
-<p:tagLst xmlns:a="http://schemas.openxmlformats.org/drawingml/2006/main" xmlns:r="http://schemas.openxmlformats.org/officeDocument/2006/relationships" xmlns:p="http://schemas.openxmlformats.org/presentationml/2006/main">
-  <p:tag name="TIMING" val="|16.9|24.2|0"/>
-</p:tagLst>
-</file>
-
-<file path=ppt/tags/tag24.xml><?xml version="1.0" encoding="utf-8"?>
 <p:tagLst xmlns:a="http://schemas.openxmlformats.org/drawingml/2006/main" xmlns:r="http://schemas.openxmlformats.org/officeDocument/2006/relationships" xmlns:p="http://schemas.openxmlformats.org/presentationml/2006/main">
   <p:tag name="TIMING" val="|16.9|24.2|0"/>
 </p:tagLst>
@@ -20665,18 +20981,18 @@
 </file>
 
 <file path=customXml/item1.xml><?xml version="1.0" encoding="utf-8"?>
+<p:properties xmlns:p="http://schemas.microsoft.com/office/2006/metadata/properties" xmlns:xsi="http://www.w3.org/2001/XMLSchema-instance" xmlns:pc="http://schemas.microsoft.com/office/infopath/2007/PartnerControls">
+  <documentManagement/>
+</p:properties>
+</file>
+
+<file path=customXml/item2.xml><?xml version="1.0" encoding="utf-8"?>
 <?mso-contentType ?>
 <FormTemplates xmlns="http://schemas.microsoft.com/sharepoint/v3/contenttype/forms">
   <Display>DocumentLibraryForm</Display>
   <Edit>DocumentLibraryForm</Edit>
   <New>DocumentLibraryForm</New>
 </FormTemplates>
-</file>
-
-<file path=customXml/item2.xml><?xml version="1.0" encoding="utf-8"?>
-<p:properties xmlns:p="http://schemas.microsoft.com/office/2006/metadata/properties" xmlns:xsi="http://www.w3.org/2001/XMLSchema-instance" xmlns:pc="http://schemas.microsoft.com/office/infopath/2007/PartnerControls">
-  <documentManagement/>
-</p:properties>
 </file>
 
 <file path=customXml/item3.xml><?xml version="1.0" encoding="utf-8"?>
@@ -20812,14 +21128,6 @@
 </file>
 
 <file path=customXml/itemProps1.xml><?xml version="1.0" encoding="utf-8"?>
-<ds:datastoreItem xmlns:ds="http://schemas.openxmlformats.org/officeDocument/2006/customXml" ds:itemID="{D5F8D509-23D9-4C54-AF87-293BA1A6052D}">
-  <ds:schemaRefs>
-    <ds:schemaRef ds:uri="http://schemas.microsoft.com/sharepoint/v3/contenttype/forms"/>
-  </ds:schemaRefs>
-</ds:datastoreItem>
-</file>
-
-<file path=customXml/itemProps2.xml><?xml version="1.0" encoding="utf-8"?>
 <ds:datastoreItem xmlns:ds="http://schemas.openxmlformats.org/officeDocument/2006/customXml" ds:itemID="{5B04C1A0-A675-4C19-A396-213721E544B7}">
   <ds:schemaRefs>
     <ds:schemaRef ds:uri="http://schemas.microsoft.com/office/2006/metadata/properties"/>
@@ -20831,6 +21139,14 @@
     <ds:schemaRef ds:uri="http://schemas.microsoft.com/office/infopath/2007/PartnerControls"/>
     <ds:schemaRef ds:uri="http://schemas.openxmlformats.org/package/2006/metadata/core-properties"/>
     <ds:schemaRef ds:uri="http://purl.org/dc/dcmitype/"/>
+  </ds:schemaRefs>
+</ds:datastoreItem>
+</file>
+
+<file path=customXml/itemProps2.xml><?xml version="1.0" encoding="utf-8"?>
+<ds:datastoreItem xmlns:ds="http://schemas.openxmlformats.org/officeDocument/2006/customXml" ds:itemID="{D5F8D509-23D9-4C54-AF87-293BA1A6052D}">
+  <ds:schemaRefs>
+    <ds:schemaRef ds:uri="http://schemas.microsoft.com/sharepoint/v3/contenttype/forms"/>
   </ds:schemaRefs>
 </ds:datastoreItem>
 </file>
